--- a/企画発表プレゼンテーション.pptx
+++ b/企画発表プレゼンテーション.pptx
@@ -111,7 +111,7 @@
   </p:defaultTextStyle>
   <p:extLst>
     <p:ext uri="{EFAFB233-063F-42B5-8137-9DF3F51BA10A}">
-      <p15:sldGuideLst xmlns:p15="http://schemas.microsoft.com/office/powerpoint/2012/main"/>
+      <p15:sldGuideLst xmlns:p15="http://schemas.microsoft.com/office/powerpoint/2012/main" xmlns=""/>
     </p:ext>
   </p:extLst>
 </p:presentation>
@@ -248,7 +248,7 @@
           <a:p>
             <a:fld id="{9C27765A-BBDC-4B93-B191-B0458F0CABEC}" type="datetimeFigureOut">
               <a:rPr kumimoji="1" lang="ja-JP" altLang="en-US" smtClean="0"/>
-              <a:t>2019/10/8</a:t>
+              <a:t>2019/10/11</a:t>
             </a:fld>
             <a:endParaRPr kumimoji="1" lang="ja-JP" altLang="en-US"/>
           </a:p>
@@ -450,7 +450,7 @@
           <a:p>
             <a:fld id="{9C27765A-BBDC-4B93-B191-B0458F0CABEC}" type="datetimeFigureOut">
               <a:rPr kumimoji="1" lang="ja-JP" altLang="en-US" smtClean="0"/>
-              <a:t>2019/10/8</a:t>
+              <a:t>2019/10/11</a:t>
             </a:fld>
             <a:endParaRPr kumimoji="1" lang="ja-JP" altLang="en-US"/>
           </a:p>
@@ -662,7 +662,7 @@
           <a:p>
             <a:fld id="{9C27765A-BBDC-4B93-B191-B0458F0CABEC}" type="datetimeFigureOut">
               <a:rPr kumimoji="1" lang="ja-JP" altLang="en-US" smtClean="0"/>
-              <a:t>2019/10/8</a:t>
+              <a:t>2019/10/11</a:t>
             </a:fld>
             <a:endParaRPr kumimoji="1" lang="ja-JP" altLang="en-US"/>
           </a:p>
@@ -864,7 +864,7 @@
           <a:p>
             <a:fld id="{9C27765A-BBDC-4B93-B191-B0458F0CABEC}" type="datetimeFigureOut">
               <a:rPr kumimoji="1" lang="ja-JP" altLang="en-US" smtClean="0"/>
-              <a:t>2019/10/8</a:t>
+              <a:t>2019/10/11</a:t>
             </a:fld>
             <a:endParaRPr kumimoji="1" lang="ja-JP" altLang="en-US"/>
           </a:p>
@@ -1110,7 +1110,7 @@
           <a:p>
             <a:fld id="{9C27765A-BBDC-4B93-B191-B0458F0CABEC}" type="datetimeFigureOut">
               <a:rPr kumimoji="1" lang="ja-JP" altLang="en-US" smtClean="0"/>
-              <a:t>2019/10/8</a:t>
+              <a:t>2019/10/11</a:t>
             </a:fld>
             <a:endParaRPr kumimoji="1" lang="ja-JP" altLang="en-US"/>
           </a:p>
@@ -1406,7 +1406,7 @@
           <a:p>
             <a:fld id="{9C27765A-BBDC-4B93-B191-B0458F0CABEC}" type="datetimeFigureOut">
               <a:rPr kumimoji="1" lang="ja-JP" altLang="en-US" smtClean="0"/>
-              <a:t>2019/10/8</a:t>
+              <a:t>2019/10/11</a:t>
             </a:fld>
             <a:endParaRPr kumimoji="1" lang="ja-JP" altLang="en-US"/>
           </a:p>
@@ -1837,7 +1837,7 @@
           <a:p>
             <a:fld id="{9C27765A-BBDC-4B93-B191-B0458F0CABEC}" type="datetimeFigureOut">
               <a:rPr kumimoji="1" lang="ja-JP" altLang="en-US" smtClean="0"/>
-              <a:t>2019/10/8</a:t>
+              <a:t>2019/10/11</a:t>
             </a:fld>
             <a:endParaRPr kumimoji="1" lang="ja-JP" altLang="en-US"/>
           </a:p>
@@ -1955,7 +1955,7 @@
           <a:p>
             <a:fld id="{9C27765A-BBDC-4B93-B191-B0458F0CABEC}" type="datetimeFigureOut">
               <a:rPr kumimoji="1" lang="ja-JP" altLang="en-US" smtClean="0"/>
-              <a:t>2019/10/8</a:t>
+              <a:t>2019/10/11</a:t>
             </a:fld>
             <a:endParaRPr kumimoji="1" lang="ja-JP" altLang="en-US"/>
           </a:p>
@@ -2050,7 +2050,7 @@
           <a:p>
             <a:fld id="{9C27765A-BBDC-4B93-B191-B0458F0CABEC}" type="datetimeFigureOut">
               <a:rPr kumimoji="1" lang="ja-JP" altLang="en-US" smtClean="0"/>
-              <a:t>2019/10/8</a:t>
+              <a:t>2019/10/11</a:t>
             </a:fld>
             <a:endParaRPr kumimoji="1" lang="ja-JP" altLang="en-US"/>
           </a:p>
@@ -2359,7 +2359,7 @@
           <a:p>
             <a:fld id="{9C27765A-BBDC-4B93-B191-B0458F0CABEC}" type="datetimeFigureOut">
               <a:rPr kumimoji="1" lang="ja-JP" altLang="en-US" smtClean="0"/>
-              <a:t>2019/10/8</a:t>
+              <a:t>2019/10/11</a:t>
             </a:fld>
             <a:endParaRPr kumimoji="1" lang="ja-JP" altLang="en-US"/>
           </a:p>
@@ -2612,7 +2612,7 @@
           <a:p>
             <a:fld id="{9C27765A-BBDC-4B93-B191-B0458F0CABEC}" type="datetimeFigureOut">
               <a:rPr kumimoji="1" lang="ja-JP" altLang="en-US" smtClean="0"/>
-              <a:t>2019/10/8</a:t>
+              <a:t>2019/10/11</a:t>
             </a:fld>
             <a:endParaRPr kumimoji="1" lang="ja-JP" altLang="en-US"/>
           </a:p>
@@ -2857,7 +2857,7 @@
           <a:p>
             <a:fld id="{9C27765A-BBDC-4B93-B191-B0458F0CABEC}" type="datetimeFigureOut">
               <a:rPr kumimoji="1" lang="ja-JP" altLang="en-US" smtClean="0"/>
-              <a:t>2019/10/8</a:t>
+              <a:t>2019/10/11</a:t>
             </a:fld>
             <a:endParaRPr kumimoji="1" lang="ja-JP" altLang="en-US"/>
           </a:p>
@@ -3628,6 +3628,190 @@
           </a:p>
         </p:txBody>
       </p:sp>
+      <p:sp>
+        <p:nvSpPr>
+          <p:cNvPr id="3" name="テキスト ボックス 2"/>
+          <p:cNvSpPr txBox="1"/>
+          <p:nvPr/>
+        </p:nvSpPr>
+        <p:spPr>
+          <a:xfrm>
+            <a:off x="912261" y="2246646"/>
+            <a:ext cx="10956846" cy="461665"/>
+          </a:xfrm>
+          <a:prstGeom prst="rect">
+            <a:avLst/>
+          </a:prstGeom>
+          <a:noFill/>
+        </p:spPr>
+        <p:txBody>
+          <a:bodyPr wrap="none" rtlCol="0">
+            <a:spAutoFit/>
+          </a:bodyPr>
+          <a:lstStyle/>
+          <a:p>
+            <a:r>
+              <a:rPr kumimoji="1" lang="ja-JP" altLang="en-US" sz="2400" dirty="0" smtClean="0"/>
+              <a:t>・営業担当から物流担当への発注依頼を、電子データで取り行えるようにする</a:t>
+            </a:r>
+            <a:endParaRPr kumimoji="1" lang="ja-JP" altLang="en-US" sz="2400" dirty="0"/>
+          </a:p>
+        </p:txBody>
+      </p:sp>
+      <p:sp>
+        <p:nvSpPr>
+          <p:cNvPr id="4" name="テキスト ボックス 3"/>
+          <p:cNvSpPr txBox="1"/>
+          <p:nvPr/>
+        </p:nvSpPr>
+        <p:spPr>
+          <a:xfrm>
+            <a:off x="912261" y="2708311"/>
+            <a:ext cx="7263527" cy="461665"/>
+          </a:xfrm>
+          <a:prstGeom prst="rect">
+            <a:avLst/>
+          </a:prstGeom>
+          <a:noFill/>
+        </p:spPr>
+        <p:txBody>
+          <a:bodyPr wrap="none" rtlCol="0">
+            <a:spAutoFit/>
+          </a:bodyPr>
+          <a:lstStyle/>
+          <a:p>
+            <a:r>
+              <a:rPr kumimoji="1" lang="ja-JP" altLang="en-US" sz="2400" dirty="0" smtClean="0"/>
+              <a:t>・在庫状況をリアルタイムで把握できるようにする</a:t>
+            </a:r>
+            <a:endParaRPr kumimoji="1" lang="en-US" altLang="ja-JP" sz="2400" dirty="0" smtClean="0"/>
+          </a:p>
+        </p:txBody>
+      </p:sp>
+      <p:sp>
+        <p:nvSpPr>
+          <p:cNvPr id="5" name="テキスト ボックス 4"/>
+          <p:cNvSpPr txBox="1"/>
+          <p:nvPr/>
+        </p:nvSpPr>
+        <p:spPr>
+          <a:xfrm>
+            <a:off x="912261" y="3177120"/>
+            <a:ext cx="7879080" cy="461665"/>
+          </a:xfrm>
+          <a:prstGeom prst="rect">
+            <a:avLst/>
+          </a:prstGeom>
+          <a:noFill/>
+        </p:spPr>
+        <p:txBody>
+          <a:bodyPr wrap="none" rtlCol="0">
+            <a:spAutoFit/>
+          </a:bodyPr>
+          <a:lstStyle/>
+          <a:p>
+            <a:r>
+              <a:rPr lang="ja-JP" altLang="en-US" sz="2400" dirty="0" smtClean="0"/>
+              <a:t>・受発注管理を物流倉庫で一括して取り行うようにする</a:t>
+            </a:r>
+            <a:endParaRPr kumimoji="1" lang="ja-JP" altLang="en-US" sz="2400" dirty="0"/>
+          </a:p>
+        </p:txBody>
+      </p:sp>
+      <p:sp>
+        <p:nvSpPr>
+          <p:cNvPr id="6" name="テキスト ボックス 5"/>
+          <p:cNvSpPr txBox="1"/>
+          <p:nvPr/>
+        </p:nvSpPr>
+        <p:spPr>
+          <a:xfrm>
+            <a:off x="912261" y="3638785"/>
+            <a:ext cx="6647974" cy="461665"/>
+          </a:xfrm>
+          <a:prstGeom prst="rect">
+            <a:avLst/>
+          </a:prstGeom>
+          <a:noFill/>
+        </p:spPr>
+        <p:txBody>
+          <a:bodyPr wrap="none" rtlCol="0">
+            <a:spAutoFit/>
+          </a:bodyPr>
+          <a:lstStyle/>
+          <a:p>
+            <a:r>
+              <a:rPr kumimoji="1" lang="ja-JP" altLang="en-US" sz="2400" dirty="0" smtClean="0"/>
+              <a:t>・各営業所は物流倉庫に対して発注依頼を行う</a:t>
+            </a:r>
+            <a:endParaRPr kumimoji="1" lang="ja-JP" altLang="en-US" sz="2400" dirty="0"/>
+          </a:p>
+        </p:txBody>
+      </p:sp>
+      <p:sp>
+        <p:nvSpPr>
+          <p:cNvPr id="7" name="テキスト ボックス 6"/>
+          <p:cNvSpPr txBox="1"/>
+          <p:nvPr/>
+        </p:nvSpPr>
+        <p:spPr>
+          <a:xfrm>
+            <a:off x="912261" y="4100450"/>
+            <a:ext cx="10033516" cy="461665"/>
+          </a:xfrm>
+          <a:prstGeom prst="rect">
+            <a:avLst/>
+          </a:prstGeom>
+          <a:noFill/>
+        </p:spPr>
+        <p:txBody>
+          <a:bodyPr wrap="none" rtlCol="0">
+            <a:spAutoFit/>
+          </a:bodyPr>
+          <a:lstStyle/>
+          <a:p>
+            <a:r>
+              <a:rPr lang="ja-JP" altLang="en-US" sz="2400" dirty="0" smtClean="0"/>
+              <a:t>・注文処理によって、受注処理と在庫数を減らす処理を行うようにする</a:t>
+            </a:r>
+            <a:endParaRPr kumimoji="1" lang="ja-JP" altLang="en-US" sz="2400" dirty="0"/>
+          </a:p>
+        </p:txBody>
+      </p:sp>
+      <p:sp>
+        <p:nvSpPr>
+          <p:cNvPr id="8" name="テキスト ボックス 7"/>
+          <p:cNvSpPr txBox="1"/>
+          <p:nvPr/>
+        </p:nvSpPr>
+        <p:spPr>
+          <a:xfrm>
+            <a:off x="912261" y="4562115"/>
+            <a:ext cx="7879080" cy="461665"/>
+          </a:xfrm>
+          <a:prstGeom prst="rect">
+            <a:avLst/>
+          </a:prstGeom>
+          <a:noFill/>
+        </p:spPr>
+        <p:txBody>
+          <a:bodyPr wrap="none" rtlCol="0">
+            <a:spAutoFit/>
+          </a:bodyPr>
+          <a:lstStyle/>
+          <a:p>
+            <a:r>
+              <a:rPr kumimoji="1" lang="ja-JP" altLang="en-US" sz="2400" dirty="0" smtClean="0"/>
+              <a:t>・物流担当が発注点と発注量の設定を行えるようにす</a:t>
+            </a:r>
+            <a:r>
+              <a:rPr lang="ja-JP" altLang="en-US" sz="2400" dirty="0"/>
+              <a:t>る</a:t>
+            </a:r>
+            <a:endParaRPr kumimoji="1" lang="ja-JP" altLang="en-US" sz="2400" dirty="0"/>
+          </a:p>
+        </p:txBody>
+      </p:sp>
     </p:spTree>
     <p:extLst>
       <p:ext uri="{BB962C8B-B14F-4D97-AF65-F5344CB8AC3E}">
@@ -3638,6 +3822,13 @@
   <p:clrMapOvr>
     <a:masterClrMapping/>
   </p:clrMapOvr>
+  <p:timing>
+    <p:tnLst>
+      <p:par>
+        <p:cTn id="1" dur="indefinite" restart="never" nodeType="tmRoot"/>
+      </p:par>
+    </p:tnLst>
+  </p:timing>
 </p:sld>
 </file>
 
@@ -3711,25 +3902,47 @@
           </a:p>
         </p:txBody>
       </p:sp>
-      <p:sp>
-        <p:nvSpPr>
-          <p:cNvPr id="3" name="コンテンツ プレースホルダー 2"/>
-          <p:cNvSpPr>
-            <a:spLocks noGrp="1"/>
-          </p:cNvSpPr>
-          <p:nvPr>
-            <p:ph idx="1"/>
-          </p:nvPr>
-        </p:nvSpPr>
-        <p:spPr/>
-        <p:txBody>
-          <a:bodyPr/>
-          <a:lstStyle/>
-          <a:p>
-            <a:endParaRPr kumimoji="1" lang="ja-JP" altLang="en-US" dirty="0"/>
-          </a:p>
-        </p:txBody>
-      </p:sp>
+      <p:pic>
+        <p:nvPicPr>
+          <p:cNvPr id="1026" name="Picture 2" descr="C:\Users\yamanin-Note\Desktop\キャプチャ.PNG"/>
+          <p:cNvPicPr>
+            <a:picLocks noChangeAspect="1" noChangeArrowheads="1"/>
+          </p:cNvPicPr>
+          <p:nvPr/>
+        </p:nvPicPr>
+        <p:blipFill>
+          <a:blip r:embed="rId3">
+            <a:extLst>
+              <a:ext uri="{28A0092B-C50C-407E-A947-70E740481C1C}">
+                <a14:useLocalDpi xmlns:a14="http://schemas.microsoft.com/office/drawing/2010/main" val="0"/>
+              </a:ext>
+            </a:extLst>
+          </a:blip>
+          <a:srcRect/>
+          <a:stretch>
+            <a:fillRect/>
+          </a:stretch>
+        </p:blipFill>
+        <p:spPr bwMode="auto">
+          <a:xfrm>
+            <a:off x="130628" y="1892936"/>
+            <a:ext cx="11883390" cy="3807120"/>
+          </a:xfrm>
+          <a:prstGeom prst="rect">
+            <a:avLst/>
+          </a:prstGeom>
+          <a:noFill/>
+          <a:extLst>
+            <a:ext uri="{909E8E84-426E-40DD-AFC4-6F175D3DCCD1}">
+              <a14:hiddenFill xmlns:a14="http://schemas.microsoft.com/office/drawing/2010/main">
+                <a:solidFill>
+                  <a:srgbClr val="FFFFFF"/>
+                </a:solidFill>
+              </a14:hiddenFill>
+            </a:ext>
+          </a:extLst>
+        </p:spPr>
+      </p:pic>
     </p:spTree>
     <p:extLst>
       <p:ext uri="{BB962C8B-B14F-4D97-AF65-F5344CB8AC3E}">
@@ -3740,6 +3953,13 @@
   <p:clrMapOvr>
     <a:masterClrMapping/>
   </p:clrMapOvr>
+  <p:timing>
+    <p:tnLst>
+      <p:par>
+        <p:cTn id="1" dur="indefinite" restart="never" nodeType="tmRoot"/>
+      </p:par>
+    </p:tnLst>
+  </p:timing>
 </p:sld>
 </file>
 
@@ -3813,25 +4033,47 @@
           </a:p>
         </p:txBody>
       </p:sp>
-      <p:sp>
-        <p:nvSpPr>
-          <p:cNvPr id="3" name="コンテンツ プレースホルダー 2"/>
-          <p:cNvSpPr>
-            <a:spLocks noGrp="1"/>
-          </p:cNvSpPr>
-          <p:nvPr>
-            <p:ph idx="1"/>
-          </p:nvPr>
-        </p:nvSpPr>
-        <p:spPr/>
-        <p:txBody>
-          <a:bodyPr/>
-          <a:lstStyle/>
-          <a:p>
-            <a:endParaRPr kumimoji="1" lang="ja-JP" altLang="en-US" dirty="0"/>
-          </a:p>
-        </p:txBody>
-      </p:sp>
+      <p:pic>
+        <p:nvPicPr>
+          <p:cNvPr id="2050" name="Picture 2" descr="C:\Users\yamanin-Note\Desktop\キャプチャ (1).PNG"/>
+          <p:cNvPicPr>
+            <a:picLocks noChangeAspect="1" noChangeArrowheads="1"/>
+          </p:cNvPicPr>
+          <p:nvPr/>
+        </p:nvPicPr>
+        <p:blipFill>
+          <a:blip r:embed="rId3">
+            <a:extLst>
+              <a:ext uri="{28A0092B-C50C-407E-A947-70E740481C1C}">
+                <a14:useLocalDpi xmlns:a14="http://schemas.microsoft.com/office/drawing/2010/main" val="0"/>
+              </a:ext>
+            </a:extLst>
+          </a:blip>
+          <a:srcRect/>
+          <a:stretch>
+            <a:fillRect/>
+          </a:stretch>
+        </p:blipFill>
+        <p:spPr bwMode="auto">
+          <a:xfrm>
+            <a:off x="943070" y="1586565"/>
+            <a:ext cx="10621404" cy="5038269"/>
+          </a:xfrm>
+          <a:prstGeom prst="rect">
+            <a:avLst/>
+          </a:prstGeom>
+          <a:noFill/>
+          <a:extLst>
+            <a:ext uri="{909E8E84-426E-40DD-AFC4-6F175D3DCCD1}">
+              <a14:hiddenFill xmlns:a14="http://schemas.microsoft.com/office/drawing/2010/main">
+                <a:solidFill>
+                  <a:srgbClr val="FFFFFF"/>
+                </a:solidFill>
+              </a14:hiddenFill>
+            </a:ext>
+          </a:extLst>
+        </p:spPr>
+      </p:pic>
     </p:spTree>
     <p:extLst>
       <p:ext uri="{BB962C8B-B14F-4D97-AF65-F5344CB8AC3E}">
@@ -3842,6 +4084,13 @@
   <p:clrMapOvr>
     <a:masterClrMapping/>
   </p:clrMapOvr>
+  <p:timing>
+    <p:tnLst>
+      <p:par>
+        <p:cTn id="1" dur="indefinite" restart="never" nodeType="tmRoot"/>
+      </p:par>
+    </p:tnLst>
+  </p:timing>
 </p:sld>
 </file>
 
@@ -4029,6 +4278,13 @@
   <p:clrMapOvr>
     <a:masterClrMapping/>
   </p:clrMapOvr>
+  <p:timing>
+    <p:tnLst>
+      <p:par>
+        <p:cTn id="1" dur="indefinite" restart="never" nodeType="tmRoot"/>
+      </p:par>
+    </p:tnLst>
+  </p:timing>
 </p:sld>
 </file>
 
@@ -4095,19 +4351,276 @@
       </p:sp>
       <p:sp>
         <p:nvSpPr>
-          <p:cNvPr id="3" name="コンテンツ プレースホルダー 2"/>
-          <p:cNvSpPr>
-            <a:spLocks noGrp="1"/>
-          </p:cNvSpPr>
-          <p:nvPr>
-            <p:ph idx="1"/>
-          </p:nvPr>
-        </p:nvSpPr>
-        <p:spPr/>
-        <p:txBody>
-          <a:bodyPr/>
-          <a:lstStyle/>
-          <a:p>
+          <p:cNvPr id="4" name="テキスト ボックス 3"/>
+          <p:cNvSpPr txBox="1"/>
+          <p:nvPr/>
+        </p:nvSpPr>
+        <p:spPr>
+          <a:xfrm>
+            <a:off x="1018903" y="1637156"/>
+            <a:ext cx="3877985" cy="461665"/>
+          </a:xfrm>
+          <a:prstGeom prst="rect">
+            <a:avLst/>
+          </a:prstGeom>
+          <a:noFill/>
+        </p:spPr>
+        <p:txBody>
+          <a:bodyPr wrap="none" rtlCol="0">
+            <a:spAutoFit/>
+          </a:bodyPr>
+          <a:lstStyle/>
+          <a:p>
+            <a:r>
+              <a:rPr kumimoji="1" lang="ja-JP" altLang="en-US" sz="2400" dirty="0" smtClean="0"/>
+              <a:t>・これまでに作成した資料</a:t>
+            </a:r>
+            <a:endParaRPr kumimoji="1" lang="ja-JP" altLang="en-US" sz="2400" dirty="0"/>
+          </a:p>
+        </p:txBody>
+      </p:sp>
+      <p:sp>
+        <p:nvSpPr>
+          <p:cNvPr id="5" name="テキスト ボックス 4"/>
+          <p:cNvSpPr txBox="1"/>
+          <p:nvPr/>
+        </p:nvSpPr>
+        <p:spPr>
+          <a:xfrm>
+            <a:off x="1750423" y="2120648"/>
+            <a:ext cx="5160387" cy="1015663"/>
+          </a:xfrm>
+          <a:prstGeom prst="rect">
+            <a:avLst/>
+          </a:prstGeom>
+          <a:noFill/>
+        </p:spPr>
+        <p:txBody>
+          <a:bodyPr wrap="none" rtlCol="0">
+            <a:spAutoFit/>
+          </a:bodyPr>
+          <a:lstStyle/>
+          <a:p>
+            <a:r>
+              <a:rPr kumimoji="1" lang="ja-JP" altLang="en-US" sz="2000" dirty="0" smtClean="0"/>
+              <a:t>・要求分析書</a:t>
+            </a:r>
+            <a:r>
+              <a:rPr lang="en-US" altLang="ja-JP" sz="2000" dirty="0"/>
+              <a:t>	</a:t>
+            </a:r>
+            <a:r>
+              <a:rPr lang="en-US" altLang="ja-JP" sz="2000" dirty="0" smtClean="0"/>
+              <a:t>	9</a:t>
+            </a:r>
+            <a:r>
+              <a:rPr lang="ja-JP" altLang="en-US" sz="2000" dirty="0" smtClean="0"/>
+              <a:t>月</a:t>
+            </a:r>
+            <a:r>
+              <a:rPr lang="en-US" altLang="ja-JP" sz="2000" dirty="0" smtClean="0"/>
+              <a:t>24</a:t>
+            </a:r>
+            <a:r>
+              <a:rPr lang="ja-JP" altLang="en-US" sz="2000" dirty="0" smtClean="0"/>
+              <a:t>日</a:t>
+            </a:r>
+            <a:r>
+              <a:rPr lang="en-US" altLang="ja-JP" sz="2000" dirty="0" smtClean="0"/>
+              <a:t>~10</a:t>
+            </a:r>
+            <a:r>
+              <a:rPr lang="ja-JP" altLang="en-US" sz="2000" dirty="0" smtClean="0"/>
+              <a:t>月</a:t>
+            </a:r>
+            <a:r>
+              <a:rPr lang="en-US" altLang="ja-JP" sz="2000" dirty="0" smtClean="0"/>
+              <a:t>11</a:t>
+            </a:r>
+            <a:r>
+              <a:rPr lang="ja-JP" altLang="en-US" sz="2000" dirty="0" smtClean="0"/>
+              <a:t>日</a:t>
+            </a:r>
+            <a:endParaRPr kumimoji="1" lang="en-US" altLang="ja-JP" sz="2000" dirty="0" smtClean="0"/>
+          </a:p>
+          <a:p>
+            <a:r>
+              <a:rPr lang="ja-JP" altLang="en-US" sz="2000" dirty="0" smtClean="0"/>
+              <a:t>・全体</a:t>
+            </a:r>
+            <a:r>
+              <a:rPr lang="en-US" altLang="ja-JP" sz="2000" dirty="0" smtClean="0"/>
+              <a:t>DFD		10</a:t>
+            </a:r>
+            <a:r>
+              <a:rPr lang="ja-JP" altLang="en-US" sz="2000" dirty="0" smtClean="0"/>
+              <a:t>月</a:t>
+            </a:r>
+            <a:r>
+              <a:rPr lang="en-US" altLang="ja-JP" sz="2000" dirty="0" smtClean="0"/>
+              <a:t>1</a:t>
+            </a:r>
+            <a:r>
+              <a:rPr lang="ja-JP" altLang="en-US" sz="2000" dirty="0" smtClean="0"/>
+              <a:t>日</a:t>
+            </a:r>
+            <a:r>
+              <a:rPr lang="en-US" altLang="ja-JP" sz="2000" dirty="0" smtClean="0"/>
+              <a:t>~10</a:t>
+            </a:r>
+            <a:r>
+              <a:rPr lang="ja-JP" altLang="en-US" sz="2000" dirty="0" smtClean="0"/>
+              <a:t>月</a:t>
+            </a:r>
+            <a:r>
+              <a:rPr lang="en-US" altLang="ja-JP" sz="2000" dirty="0" smtClean="0"/>
+              <a:t>11</a:t>
+            </a:r>
+            <a:r>
+              <a:rPr lang="ja-JP" altLang="en-US" sz="2000" dirty="0" smtClean="0"/>
+              <a:t>日</a:t>
+            </a:r>
+            <a:endParaRPr lang="en-US" altLang="ja-JP" sz="2000" dirty="0" smtClean="0"/>
+          </a:p>
+          <a:p>
+            <a:r>
+              <a:rPr kumimoji="1" lang="ja-JP" altLang="en-US" sz="2000" dirty="0" smtClean="0"/>
+              <a:t>・システム構造図</a:t>
+            </a:r>
+            <a:r>
+              <a:rPr kumimoji="1" lang="en-US" altLang="ja-JP" sz="2000" dirty="0" smtClean="0"/>
+              <a:t>	10</a:t>
+            </a:r>
+            <a:r>
+              <a:rPr kumimoji="1" lang="ja-JP" altLang="en-US" sz="2000" dirty="0" smtClean="0"/>
+              <a:t>月</a:t>
+            </a:r>
+            <a:r>
+              <a:rPr lang="en-US" altLang="ja-JP" sz="2000" dirty="0"/>
+              <a:t>8</a:t>
+            </a:r>
+            <a:r>
+              <a:rPr lang="ja-JP" altLang="en-US" sz="2000" dirty="0" smtClean="0"/>
+              <a:t>日</a:t>
+            </a:r>
+            <a:r>
+              <a:rPr lang="en-US" altLang="ja-JP" sz="2000" dirty="0" smtClean="0"/>
+              <a:t>~10</a:t>
+            </a:r>
+            <a:r>
+              <a:rPr lang="ja-JP" altLang="en-US" sz="2000" dirty="0" smtClean="0"/>
+              <a:t>月</a:t>
+            </a:r>
+            <a:r>
+              <a:rPr lang="en-US" altLang="ja-JP" sz="2000" dirty="0" smtClean="0"/>
+              <a:t>11</a:t>
+            </a:r>
+            <a:r>
+              <a:rPr lang="ja-JP" altLang="en-US" sz="2000" dirty="0" smtClean="0"/>
+              <a:t>日</a:t>
+            </a:r>
+            <a:endParaRPr kumimoji="1" lang="en-US" altLang="ja-JP" sz="2000" dirty="0" smtClean="0"/>
+          </a:p>
+        </p:txBody>
+      </p:sp>
+      <p:sp>
+        <p:nvSpPr>
+          <p:cNvPr id="6" name="テキスト ボックス 5"/>
+          <p:cNvSpPr txBox="1"/>
+          <p:nvPr/>
+        </p:nvSpPr>
+        <p:spPr>
+          <a:xfrm>
+            <a:off x="1018903" y="3304845"/>
+            <a:ext cx="3570208" cy="461665"/>
+          </a:xfrm>
+          <a:prstGeom prst="rect">
+            <a:avLst/>
+          </a:prstGeom>
+          <a:noFill/>
+        </p:spPr>
+        <p:txBody>
+          <a:bodyPr wrap="none" rtlCol="0">
+            <a:spAutoFit/>
+          </a:bodyPr>
+          <a:lstStyle/>
+          <a:p>
+            <a:r>
+              <a:rPr kumimoji="1" lang="ja-JP" altLang="en-US" sz="2400" dirty="0" smtClean="0"/>
+              <a:t>・これから作成する資料</a:t>
+            </a:r>
+            <a:endParaRPr kumimoji="1" lang="ja-JP" altLang="en-US" sz="2400" dirty="0"/>
+          </a:p>
+        </p:txBody>
+      </p:sp>
+      <p:sp>
+        <p:nvSpPr>
+          <p:cNvPr id="7" name="テキスト ボックス 6"/>
+          <p:cNvSpPr txBox="1"/>
+          <p:nvPr/>
+        </p:nvSpPr>
+        <p:spPr>
+          <a:xfrm>
+            <a:off x="1750423" y="3805699"/>
+            <a:ext cx="3877985" cy="2031325"/>
+          </a:xfrm>
+          <a:prstGeom prst="rect">
+            <a:avLst/>
+          </a:prstGeom>
+          <a:noFill/>
+        </p:spPr>
+        <p:txBody>
+          <a:bodyPr wrap="none" rtlCol="0">
+            <a:spAutoFit/>
+          </a:bodyPr>
+          <a:lstStyle/>
+          <a:p>
+            <a:r>
+              <a:rPr kumimoji="1" lang="ja-JP" altLang="en-US" dirty="0" smtClean="0"/>
+              <a:t>・各種サブシステム仕様書</a:t>
+            </a:r>
+            <a:endParaRPr kumimoji="1" lang="en-US" altLang="ja-JP" dirty="0" smtClean="0"/>
+          </a:p>
+          <a:p>
+            <a:r>
+              <a:rPr lang="ja-JP" altLang="en-US" dirty="0" smtClean="0"/>
+              <a:t>・各種データベース仕様書</a:t>
+            </a:r>
+            <a:endParaRPr lang="en-US" altLang="ja-JP" dirty="0" smtClean="0"/>
+          </a:p>
+          <a:p>
+            <a:r>
+              <a:rPr kumimoji="1" lang="ja-JP" altLang="en-US" dirty="0" smtClean="0"/>
+              <a:t>・各種画面仕様書</a:t>
+            </a:r>
+            <a:endParaRPr kumimoji="1" lang="en-US" altLang="ja-JP" dirty="0" smtClean="0"/>
+          </a:p>
+          <a:p>
+            <a:r>
+              <a:rPr lang="ja-JP" altLang="en-US" dirty="0" smtClean="0"/>
+              <a:t>・各種プログラム仕様書</a:t>
+            </a:r>
+            <a:endParaRPr lang="en-US" altLang="ja-JP" dirty="0" smtClean="0"/>
+          </a:p>
+          <a:p>
+            <a:r>
+              <a:rPr kumimoji="1" lang="ja-JP" altLang="en-US" dirty="0" smtClean="0"/>
+              <a:t>・各種モジュール仕様書</a:t>
+            </a:r>
+            <a:endParaRPr kumimoji="1" lang="en-US" altLang="ja-JP" dirty="0" smtClean="0"/>
+          </a:p>
+          <a:p>
+            <a:r>
+              <a:rPr lang="ja-JP" altLang="en-US" dirty="0" smtClean="0"/>
+              <a:t>・テスト仕様書・テスト実施結果書</a:t>
+            </a:r>
+            <a:endParaRPr lang="en-US" altLang="ja-JP" dirty="0" smtClean="0"/>
+          </a:p>
+          <a:p>
+            <a:r>
+              <a:rPr kumimoji="1" lang="ja-JP" altLang="en-US" dirty="0" smtClean="0"/>
+              <a:t>・ガントチャート</a:t>
+            </a:r>
             <a:endParaRPr kumimoji="1" lang="ja-JP" altLang="en-US" dirty="0"/>
           </a:p>
         </p:txBody>
@@ -4122,6 +4635,13 @@
   <p:clrMapOvr>
     <a:masterClrMapping/>
   </p:clrMapOvr>
+  <p:timing>
+    <p:tnLst>
+      <p:par>
+        <p:cTn id="1" dur="indefinite" restart="never" nodeType="tmRoot"/>
+      </p:par>
+    </p:tnLst>
+  </p:timing>
 </p:sld>
 </file>
 
@@ -4380,7 +4900,7 @@
   <a:extraClrSchemeLst/>
   <a:extLst>
     <a:ext uri="{05A4C25C-085E-4340-85A3-A5531E510DB2}">
-      <thm15:themeFamily xmlns:thm15="http://schemas.microsoft.com/office/thememl/2012/main" name="Office Theme" id="{62F939B6-93AF-4DB8-9C6B-D6C7DFDC589F}" vid="{4A3C46E8-61CC-4603-A589-7422A47A8E4A}"/>
+      <thm15:themeFamily xmlns:thm15="http://schemas.microsoft.com/office/thememl/2012/main" xmlns="" name="Office Theme" id="{62F939B6-93AF-4DB8-9C6B-D6C7DFDC589F}" vid="{4A3C46E8-61CC-4603-A589-7422A47A8E4A}"/>
     </a:ext>
   </a:extLst>
 </a:theme>

--- a/企画発表プレゼンテーション.pptx
+++ b/企画発表プレゼンテーション.pptx
@@ -7,10 +7,11 @@
   <p:sldIdLst>
     <p:sldId id="256" r:id="rId2"/>
     <p:sldId id="257" r:id="rId3"/>
-    <p:sldId id="258" r:id="rId4"/>
-    <p:sldId id="259" r:id="rId5"/>
-    <p:sldId id="260" r:id="rId6"/>
-    <p:sldId id="261" r:id="rId7"/>
+    <p:sldId id="262" r:id="rId4"/>
+    <p:sldId id="258" r:id="rId5"/>
+    <p:sldId id="259" r:id="rId6"/>
+    <p:sldId id="260" r:id="rId7"/>
+    <p:sldId id="261" r:id="rId8"/>
   </p:sldIdLst>
   <p:sldSz cx="12192000" cy="6858000"/>
   <p:notesSz cx="6858000" cy="9144000"/>
@@ -111,7 +112,7 @@
   </p:defaultTextStyle>
   <p:extLst>
     <p:ext uri="{EFAFB233-063F-42B5-8137-9DF3F51BA10A}">
-      <p15:sldGuideLst xmlns:p15="http://schemas.microsoft.com/office/powerpoint/2012/main" xmlns=""/>
+      <p15:sldGuideLst xmlns="" xmlns:p15="http://schemas.microsoft.com/office/powerpoint/2012/main"/>
     </p:ext>
   </p:extLst>
 </p:presentation>
@@ -248,7 +249,7 @@
           <a:p>
             <a:fld id="{9C27765A-BBDC-4B93-B191-B0458F0CABEC}" type="datetimeFigureOut">
               <a:rPr kumimoji="1" lang="ja-JP" altLang="en-US" smtClean="0"/>
-              <a:t>2019/10/11</a:t>
+              <a:t>2019/10/12</a:t>
             </a:fld>
             <a:endParaRPr kumimoji="1" lang="ja-JP" altLang="en-US"/>
           </a:p>
@@ -450,7 +451,7 @@
           <a:p>
             <a:fld id="{9C27765A-BBDC-4B93-B191-B0458F0CABEC}" type="datetimeFigureOut">
               <a:rPr kumimoji="1" lang="ja-JP" altLang="en-US" smtClean="0"/>
-              <a:t>2019/10/11</a:t>
+              <a:t>2019/10/12</a:t>
             </a:fld>
             <a:endParaRPr kumimoji="1" lang="ja-JP" altLang="en-US"/>
           </a:p>
@@ -662,7 +663,7 @@
           <a:p>
             <a:fld id="{9C27765A-BBDC-4B93-B191-B0458F0CABEC}" type="datetimeFigureOut">
               <a:rPr kumimoji="1" lang="ja-JP" altLang="en-US" smtClean="0"/>
-              <a:t>2019/10/11</a:t>
+              <a:t>2019/10/12</a:t>
             </a:fld>
             <a:endParaRPr kumimoji="1" lang="ja-JP" altLang="en-US"/>
           </a:p>
@@ -864,7 +865,7 @@
           <a:p>
             <a:fld id="{9C27765A-BBDC-4B93-B191-B0458F0CABEC}" type="datetimeFigureOut">
               <a:rPr kumimoji="1" lang="ja-JP" altLang="en-US" smtClean="0"/>
-              <a:t>2019/10/11</a:t>
+              <a:t>2019/10/12</a:t>
             </a:fld>
             <a:endParaRPr kumimoji="1" lang="ja-JP" altLang="en-US"/>
           </a:p>
@@ -1110,7 +1111,7 @@
           <a:p>
             <a:fld id="{9C27765A-BBDC-4B93-B191-B0458F0CABEC}" type="datetimeFigureOut">
               <a:rPr kumimoji="1" lang="ja-JP" altLang="en-US" smtClean="0"/>
-              <a:t>2019/10/11</a:t>
+              <a:t>2019/10/12</a:t>
             </a:fld>
             <a:endParaRPr kumimoji="1" lang="ja-JP" altLang="en-US"/>
           </a:p>
@@ -1406,7 +1407,7 @@
           <a:p>
             <a:fld id="{9C27765A-BBDC-4B93-B191-B0458F0CABEC}" type="datetimeFigureOut">
               <a:rPr kumimoji="1" lang="ja-JP" altLang="en-US" smtClean="0"/>
-              <a:t>2019/10/11</a:t>
+              <a:t>2019/10/12</a:t>
             </a:fld>
             <a:endParaRPr kumimoji="1" lang="ja-JP" altLang="en-US"/>
           </a:p>
@@ -1837,7 +1838,7 @@
           <a:p>
             <a:fld id="{9C27765A-BBDC-4B93-B191-B0458F0CABEC}" type="datetimeFigureOut">
               <a:rPr kumimoji="1" lang="ja-JP" altLang="en-US" smtClean="0"/>
-              <a:t>2019/10/11</a:t>
+              <a:t>2019/10/12</a:t>
             </a:fld>
             <a:endParaRPr kumimoji="1" lang="ja-JP" altLang="en-US"/>
           </a:p>
@@ -1955,7 +1956,7 @@
           <a:p>
             <a:fld id="{9C27765A-BBDC-4B93-B191-B0458F0CABEC}" type="datetimeFigureOut">
               <a:rPr kumimoji="1" lang="ja-JP" altLang="en-US" smtClean="0"/>
-              <a:t>2019/10/11</a:t>
+              <a:t>2019/10/12</a:t>
             </a:fld>
             <a:endParaRPr kumimoji="1" lang="ja-JP" altLang="en-US"/>
           </a:p>
@@ -2050,7 +2051,7 @@
           <a:p>
             <a:fld id="{9C27765A-BBDC-4B93-B191-B0458F0CABEC}" type="datetimeFigureOut">
               <a:rPr kumimoji="1" lang="ja-JP" altLang="en-US" smtClean="0"/>
-              <a:t>2019/10/11</a:t>
+              <a:t>2019/10/12</a:t>
             </a:fld>
             <a:endParaRPr kumimoji="1" lang="ja-JP" altLang="en-US"/>
           </a:p>
@@ -2359,7 +2360,7 @@
           <a:p>
             <a:fld id="{9C27765A-BBDC-4B93-B191-B0458F0CABEC}" type="datetimeFigureOut">
               <a:rPr kumimoji="1" lang="ja-JP" altLang="en-US" smtClean="0"/>
-              <a:t>2019/10/11</a:t>
+              <a:t>2019/10/12</a:t>
             </a:fld>
             <a:endParaRPr kumimoji="1" lang="ja-JP" altLang="en-US"/>
           </a:p>
@@ -2612,7 +2613,7 @@
           <a:p>
             <a:fld id="{9C27765A-BBDC-4B93-B191-B0458F0CABEC}" type="datetimeFigureOut">
               <a:rPr kumimoji="1" lang="ja-JP" altLang="en-US" smtClean="0"/>
-              <a:t>2019/10/11</a:t>
+              <a:t>2019/10/12</a:t>
             </a:fld>
             <a:endParaRPr kumimoji="1" lang="ja-JP" altLang="en-US"/>
           </a:p>
@@ -2857,7 +2858,7 @@
           <a:p>
             <a:fld id="{9C27765A-BBDC-4B93-B191-B0458F0CABEC}" type="datetimeFigureOut">
               <a:rPr kumimoji="1" lang="ja-JP" altLang="en-US" smtClean="0"/>
-              <a:t>2019/10/11</a:t>
+              <a:t>2019/10/12</a:t>
             </a:fld>
             <a:endParaRPr kumimoji="1" lang="ja-JP" altLang="en-US"/>
           </a:p>
@@ -3555,6 +3556,13 @@
   <p:clrMapOvr>
     <a:masterClrMapping/>
   </p:clrMapOvr>
+  <p:timing>
+    <p:tnLst>
+      <p:par>
+        <p:cTn id="1" dur="indefinite" restart="never" nodeType="tmRoot"/>
+      </p:par>
+    </p:tnLst>
+  </p:timing>
 </p:sld>
 </file>
 
@@ -3608,6 +3616,274 @@
           <a:lstStyle/>
           <a:p>
             <a:r>
+              <a:rPr lang="ja-JP" altLang="en-US" b="1" dirty="0" smtClean="0">
+                <a:latin typeface="HGSｺﾞｼｯｸM" panose="020B0600000000000000" pitchFamily="50" charset="-128"/>
+                <a:ea typeface="HGSｺﾞｼｯｸM" panose="020B0600000000000000" pitchFamily="50" charset="-128"/>
+              </a:rPr>
+              <a:t>システムの目的</a:t>
+            </a:r>
+            <a:r>
+              <a:rPr lang="en-US" altLang="ja-JP" b="1" dirty="0" smtClean="0">
+                <a:latin typeface="HGSｺﾞｼｯｸM" panose="020B0600000000000000" pitchFamily="50" charset="-128"/>
+                <a:ea typeface="HGSｺﾞｼｯｸM" panose="020B0600000000000000" pitchFamily="50" charset="-128"/>
+              </a:rPr>
+              <a:t>(</a:t>
+            </a:r>
+            <a:r>
+              <a:rPr lang="ja-JP" altLang="en-US" b="1" dirty="0" smtClean="0">
+                <a:latin typeface="HGSｺﾞｼｯｸM" panose="020B0600000000000000" pitchFamily="50" charset="-128"/>
+                <a:ea typeface="HGSｺﾞｼｯｸM" panose="020B0600000000000000" pitchFamily="50" charset="-128"/>
+              </a:rPr>
+              <a:t>その１</a:t>
+            </a:r>
+            <a:r>
+              <a:rPr lang="en-US" altLang="ja-JP" b="1" dirty="0" smtClean="0">
+                <a:latin typeface="HGSｺﾞｼｯｸM" panose="020B0600000000000000" pitchFamily="50" charset="-128"/>
+                <a:ea typeface="HGSｺﾞｼｯｸM" panose="020B0600000000000000" pitchFamily="50" charset="-128"/>
+              </a:rPr>
+              <a:t>)</a:t>
+            </a:r>
+            <a:endParaRPr kumimoji="1" lang="ja-JP" altLang="en-US" b="1" dirty="0">
+              <a:latin typeface="HGSｺﾞｼｯｸM" panose="020B0600000000000000" pitchFamily="50" charset="-128"/>
+              <a:ea typeface="HGSｺﾞｼｯｸM" panose="020B0600000000000000" pitchFamily="50" charset="-128"/>
+            </a:endParaRPr>
+          </a:p>
+        </p:txBody>
+      </p:sp>
+      <p:sp>
+        <p:nvSpPr>
+          <p:cNvPr id="3" name="テキスト ボックス 2"/>
+          <p:cNvSpPr txBox="1"/>
+          <p:nvPr/>
+        </p:nvSpPr>
+        <p:spPr>
+          <a:xfrm>
+            <a:off x="1042888" y="1886242"/>
+            <a:ext cx="902811" cy="523220"/>
+          </a:xfrm>
+          <a:prstGeom prst="rect">
+            <a:avLst/>
+          </a:prstGeom>
+          <a:noFill/>
+        </p:spPr>
+        <p:txBody>
+          <a:bodyPr wrap="none" rtlCol="0">
+            <a:spAutoFit/>
+          </a:bodyPr>
+          <a:lstStyle/>
+          <a:p>
+            <a:r>
+              <a:rPr kumimoji="1" lang="ja-JP" altLang="en-US" sz="2800" b="1" dirty="0" smtClean="0"/>
+              <a:t>従来</a:t>
+            </a:r>
+            <a:endParaRPr kumimoji="1" lang="ja-JP" altLang="en-US" sz="2800" b="1" dirty="0"/>
+          </a:p>
+        </p:txBody>
+      </p:sp>
+      <p:sp>
+        <p:nvSpPr>
+          <p:cNvPr id="10" name="テキスト ボックス 9"/>
+          <p:cNvSpPr txBox="1"/>
+          <p:nvPr/>
+        </p:nvSpPr>
+        <p:spPr>
+          <a:xfrm>
+            <a:off x="1494295" y="2409462"/>
+            <a:ext cx="9161482" cy="523220"/>
+          </a:xfrm>
+          <a:prstGeom prst="rect">
+            <a:avLst/>
+          </a:prstGeom>
+          <a:noFill/>
+        </p:spPr>
+        <p:txBody>
+          <a:bodyPr wrap="none" rtlCol="0">
+            <a:spAutoFit/>
+          </a:bodyPr>
+          <a:lstStyle/>
+          <a:p>
+            <a:r>
+              <a:rPr lang="ja-JP" altLang="en-US" sz="2800" dirty="0"/>
+              <a:t>営業</a:t>
+            </a:r>
+            <a:r>
+              <a:rPr lang="ja-JP" altLang="en-US" sz="2800" dirty="0" smtClean="0"/>
+              <a:t>担当から物流担当への発注依頼は口頭で伝えていた</a:t>
+            </a:r>
+            <a:endParaRPr kumimoji="1" lang="ja-JP" altLang="en-US" sz="2800" dirty="0"/>
+          </a:p>
+        </p:txBody>
+      </p:sp>
+    </p:spTree>
+    <p:extLst>
+      <p:ext uri="{BB962C8B-B14F-4D97-AF65-F5344CB8AC3E}">
+        <p14:creationId xmlns:p14="http://schemas.microsoft.com/office/powerpoint/2010/main" val="816043242"/>
+      </p:ext>
+    </p:extLst>
+  </p:cSld>
+  <p:clrMapOvr>
+    <a:masterClrMapping/>
+  </p:clrMapOvr>
+  <p:timing>
+    <p:tnLst>
+      <p:par>
+        <p:cTn id="1" dur="indefinite" restart="never" nodeType="tmRoot">
+          <p:childTnLst>
+            <p:seq concurrent="1" nextAc="seek">
+              <p:cTn id="2" dur="indefinite" nodeType="mainSeq">
+                <p:childTnLst>
+                  <p:par>
+                    <p:cTn id="3" fill="hold">
+                      <p:stCondLst>
+                        <p:cond delay="indefinite"/>
+                      </p:stCondLst>
+                      <p:childTnLst>
+                        <p:par>
+                          <p:cTn id="4" fill="hold">
+                            <p:stCondLst>
+                              <p:cond delay="0"/>
+                            </p:stCondLst>
+                            <p:childTnLst>
+                              <p:par>
+                                <p:cTn id="5" presetID="10" presetClass="entr" presetSubtype="0" fill="hold" grpId="0" nodeType="clickEffect">
+                                  <p:stCondLst>
+                                    <p:cond delay="0"/>
+                                  </p:stCondLst>
+                                  <p:childTnLst>
+                                    <p:set>
+                                      <p:cBhvr>
+                                        <p:cTn id="6" dur="1" fill="hold">
+                                          <p:stCondLst>
+                                            <p:cond delay="0"/>
+                                          </p:stCondLst>
+                                        </p:cTn>
+                                        <p:tgtEl>
+                                          <p:spTgt spid="3"/>
+                                        </p:tgtEl>
+                                        <p:attrNameLst>
+                                          <p:attrName>style.visibility</p:attrName>
+                                        </p:attrNameLst>
+                                      </p:cBhvr>
+                                      <p:to>
+                                        <p:strVal val="visible"/>
+                                      </p:to>
+                                    </p:set>
+                                    <p:animEffect transition="in" filter="fade">
+                                      <p:cBhvr>
+                                        <p:cTn id="7" dur="500"/>
+                                        <p:tgtEl>
+                                          <p:spTgt spid="3"/>
+                                        </p:tgtEl>
+                                      </p:cBhvr>
+                                    </p:animEffect>
+                                  </p:childTnLst>
+                                </p:cTn>
+                              </p:par>
+                              <p:par>
+                                <p:cTn id="8" presetID="10" presetClass="entr" presetSubtype="0" fill="hold" grpId="0" nodeType="withEffect">
+                                  <p:stCondLst>
+                                    <p:cond delay="0"/>
+                                  </p:stCondLst>
+                                  <p:childTnLst>
+                                    <p:set>
+                                      <p:cBhvr>
+                                        <p:cTn id="9" dur="1" fill="hold">
+                                          <p:stCondLst>
+                                            <p:cond delay="0"/>
+                                          </p:stCondLst>
+                                        </p:cTn>
+                                        <p:tgtEl>
+                                          <p:spTgt spid="10"/>
+                                        </p:tgtEl>
+                                        <p:attrNameLst>
+                                          <p:attrName>style.visibility</p:attrName>
+                                        </p:attrNameLst>
+                                      </p:cBhvr>
+                                      <p:to>
+                                        <p:strVal val="visible"/>
+                                      </p:to>
+                                    </p:set>
+                                    <p:animEffect transition="in" filter="fade">
+                                      <p:cBhvr>
+                                        <p:cTn id="10" dur="500"/>
+                                        <p:tgtEl>
+                                          <p:spTgt spid="10"/>
+                                        </p:tgtEl>
+                                      </p:cBhvr>
+                                    </p:animEffect>
+                                  </p:childTnLst>
+                                </p:cTn>
+                              </p:par>
+                            </p:childTnLst>
+                          </p:cTn>
+                        </p:par>
+                      </p:childTnLst>
+                    </p:cTn>
+                  </p:par>
+                </p:childTnLst>
+              </p:cTn>
+              <p:prevCondLst>
+                <p:cond evt="onPrev" delay="0">
+                  <p:tgtEl>
+                    <p:sldTgt/>
+                  </p:tgtEl>
+                </p:cond>
+              </p:prevCondLst>
+              <p:nextCondLst>
+                <p:cond evt="onNext" delay="0">
+                  <p:tgtEl>
+                    <p:sldTgt/>
+                  </p:tgtEl>
+                </p:cond>
+              </p:nextCondLst>
+            </p:seq>
+          </p:childTnLst>
+        </p:cTn>
+      </p:par>
+    </p:tnLst>
+    <p:bldLst>
+      <p:bldP spid="3" grpId="0"/>
+      <p:bldP spid="10" grpId="0"/>
+    </p:bldLst>
+  </p:timing>
+</p:sld>
+</file>
+
+<file path=ppt/slides/slide3.xml><?xml version="1.0" encoding="utf-8"?>
+<p:sld xmlns:a="http://schemas.openxmlformats.org/drawingml/2006/main" xmlns:r="http://schemas.openxmlformats.org/officeDocument/2006/relationships" xmlns:p="http://schemas.openxmlformats.org/presentationml/2006/main">
+  <p:cSld>
+    <p:spTree>
+      <p:nvGrpSpPr>
+        <p:cNvPr id="1" name=""/>
+        <p:cNvGrpSpPr/>
+        <p:nvPr/>
+      </p:nvGrpSpPr>
+      <p:grpSpPr>
+        <a:xfrm>
+          <a:off x="0" y="0"/>
+          <a:ext cx="0" cy="0"/>
+          <a:chOff x="0" y="0"/>
+          <a:chExt cx="0" cy="0"/>
+        </a:xfrm>
+      </p:grpSpPr>
+      <p:sp>
+        <p:nvSpPr>
+          <p:cNvPr id="2" name="タイトル 1"/>
+          <p:cNvSpPr>
+            <a:spLocks noGrp="1"/>
+          </p:cNvSpPr>
+          <p:nvPr>
+            <p:ph type="title"/>
+          </p:nvPr>
+        </p:nvSpPr>
+        <p:spPr/>
+        <p:txBody>
+          <a:bodyPr>
+            <a:normAutofit/>
+          </a:bodyPr>
+          <a:lstStyle/>
+          <a:p>
+            <a:r>
               <a:rPr lang="ja-JP" altLang="en-US" b="1" dirty="0">
                 <a:latin typeface="HGSｺﾞｼｯｸM" panose="020B0600000000000000" pitchFamily="50" charset="-128"/>
                 <a:ea typeface="HGSｺﾞｼｯｸM" panose="020B0600000000000000" pitchFamily="50" charset="-128"/>
@@ -3636,7 +3912,7 @@
         </p:nvSpPr>
         <p:spPr>
           <a:xfrm>
-            <a:off x="912261" y="2246646"/>
+            <a:off x="912261" y="2010851"/>
             <a:ext cx="10956846" cy="461665"/>
           </a:xfrm>
           <a:prstGeom prst="rect">
@@ -3651,10 +3927,10 @@
           <a:lstStyle/>
           <a:p>
             <a:r>
-              <a:rPr kumimoji="1" lang="ja-JP" altLang="en-US" sz="2400" dirty="0" smtClean="0"/>
+              <a:rPr kumimoji="1" lang="ja-JP" altLang="en-US" sz="2400" b="1" dirty="0" smtClean="0"/>
               <a:t>・営業担当から物流担当への発注依頼を、電子データで取り行えるようにする</a:t>
             </a:r>
-            <a:endParaRPr kumimoji="1" lang="ja-JP" altLang="en-US" sz="2400" dirty="0"/>
+            <a:endParaRPr kumimoji="1" lang="ja-JP" altLang="en-US" sz="2400" b="1" dirty="0"/>
           </a:p>
         </p:txBody>
       </p:sp>
@@ -3666,7 +3942,7 @@
         </p:nvSpPr>
         <p:spPr>
           <a:xfrm>
-            <a:off x="912261" y="2708311"/>
+            <a:off x="912261" y="2677719"/>
             <a:ext cx="7263527" cy="461665"/>
           </a:xfrm>
           <a:prstGeom prst="rect">
@@ -3681,10 +3957,10 @@
           <a:lstStyle/>
           <a:p>
             <a:r>
-              <a:rPr kumimoji="1" lang="ja-JP" altLang="en-US" sz="2400" dirty="0" smtClean="0"/>
+              <a:rPr kumimoji="1" lang="ja-JP" altLang="en-US" sz="2400" b="1" dirty="0" smtClean="0"/>
               <a:t>・在庫状況をリアルタイムで把握できるようにする</a:t>
             </a:r>
-            <a:endParaRPr kumimoji="1" lang="en-US" altLang="ja-JP" sz="2400" dirty="0" smtClean="0"/>
+            <a:endParaRPr kumimoji="1" lang="en-US" altLang="ja-JP" sz="2400" b="1" dirty="0" smtClean="0"/>
           </a:p>
         </p:txBody>
       </p:sp>
@@ -3696,7 +3972,7 @@
         </p:nvSpPr>
         <p:spPr>
           <a:xfrm>
-            <a:off x="912261" y="3177120"/>
+            <a:off x="912261" y="3371609"/>
             <a:ext cx="7879080" cy="461665"/>
           </a:xfrm>
           <a:prstGeom prst="rect">
@@ -3711,10 +3987,10 @@
           <a:lstStyle/>
           <a:p>
             <a:r>
-              <a:rPr lang="ja-JP" altLang="en-US" sz="2400" dirty="0" smtClean="0"/>
+              <a:rPr lang="ja-JP" altLang="en-US" sz="2400" b="1" dirty="0" smtClean="0"/>
               <a:t>・受発注管理を物流倉庫で一括して取り行うようにする</a:t>
             </a:r>
-            <a:endParaRPr kumimoji="1" lang="ja-JP" altLang="en-US" sz="2400" dirty="0"/>
+            <a:endParaRPr kumimoji="1" lang="ja-JP" altLang="en-US" sz="2400" b="1" dirty="0"/>
           </a:p>
         </p:txBody>
       </p:sp>
@@ -3726,7 +4002,7 @@
         </p:nvSpPr>
         <p:spPr>
           <a:xfrm>
-            <a:off x="912261" y="3638785"/>
+            <a:off x="912261" y="4064272"/>
             <a:ext cx="6647974" cy="461665"/>
           </a:xfrm>
           <a:prstGeom prst="rect">
@@ -3741,10 +4017,10 @@
           <a:lstStyle/>
           <a:p>
             <a:r>
-              <a:rPr kumimoji="1" lang="ja-JP" altLang="en-US" sz="2400" dirty="0" smtClean="0"/>
+              <a:rPr kumimoji="1" lang="ja-JP" altLang="en-US" sz="2400" b="1" dirty="0" smtClean="0"/>
               <a:t>・各営業所は物流倉庫に対して発注依頼を行う</a:t>
             </a:r>
-            <a:endParaRPr kumimoji="1" lang="ja-JP" altLang="en-US" sz="2400" dirty="0"/>
+            <a:endParaRPr kumimoji="1" lang="ja-JP" altLang="en-US" sz="2400" b="1" dirty="0"/>
           </a:p>
         </p:txBody>
       </p:sp>
@@ -3756,7 +4032,7 @@
         </p:nvSpPr>
         <p:spPr>
           <a:xfrm>
-            <a:off x="912261" y="4100450"/>
+            <a:off x="912261" y="4766656"/>
             <a:ext cx="10033516" cy="461665"/>
           </a:xfrm>
           <a:prstGeom prst="rect">
@@ -3771,10 +4047,10 @@
           <a:lstStyle/>
           <a:p>
             <a:r>
-              <a:rPr lang="ja-JP" altLang="en-US" sz="2400" dirty="0" smtClean="0"/>
+              <a:rPr lang="ja-JP" altLang="en-US" sz="2400" b="1" dirty="0" smtClean="0"/>
               <a:t>・注文処理によって、受注処理と在庫数を減らす処理を行うようにする</a:t>
             </a:r>
-            <a:endParaRPr kumimoji="1" lang="ja-JP" altLang="en-US" sz="2400" dirty="0"/>
+            <a:endParaRPr kumimoji="1" lang="ja-JP" altLang="en-US" sz="2400" b="1" dirty="0"/>
           </a:p>
         </p:txBody>
       </p:sp>
@@ -3786,7 +4062,7 @@
         </p:nvSpPr>
         <p:spPr>
           <a:xfrm>
-            <a:off x="912261" y="4562115"/>
+            <a:off x="912261" y="5463452"/>
             <a:ext cx="7879080" cy="461665"/>
           </a:xfrm>
           <a:prstGeom prst="rect">
@@ -3801,21 +4077,21 @@
           <a:lstStyle/>
           <a:p>
             <a:r>
-              <a:rPr kumimoji="1" lang="ja-JP" altLang="en-US" sz="2400" dirty="0" smtClean="0"/>
+              <a:rPr kumimoji="1" lang="ja-JP" altLang="en-US" sz="2400" b="1" dirty="0" smtClean="0"/>
               <a:t>・物流担当が発注点と発注量の設定を行えるようにす</a:t>
             </a:r>
             <a:r>
-              <a:rPr lang="ja-JP" altLang="en-US" sz="2400" dirty="0"/>
+              <a:rPr lang="ja-JP" altLang="en-US" sz="2400" b="1" dirty="0"/>
               <a:t>る</a:t>
             </a:r>
-            <a:endParaRPr kumimoji="1" lang="ja-JP" altLang="en-US" sz="2400" dirty="0"/>
+            <a:endParaRPr kumimoji="1" lang="ja-JP" altLang="en-US" sz="2400" b="1" dirty="0"/>
           </a:p>
         </p:txBody>
       </p:sp>
     </p:spTree>
     <p:extLst>
       <p:ext uri="{BB962C8B-B14F-4D97-AF65-F5344CB8AC3E}">
-        <p14:creationId xmlns:p14="http://schemas.microsoft.com/office/powerpoint/2010/main" val="816043242"/>
+        <p14:creationId xmlns:p14="http://schemas.microsoft.com/office/powerpoint/2010/main" val="3455932199"/>
       </p:ext>
     </p:extLst>
   </p:cSld>
@@ -3832,7 +4108,7 @@
 </p:sld>
 </file>
 
-<file path=ppt/slides/slide3.xml><?xml version="1.0" encoding="utf-8"?>
+<file path=ppt/slides/slide4.xml><?xml version="1.0" encoding="utf-8"?>
 <p:sld xmlns:a="http://schemas.openxmlformats.org/drawingml/2006/main" xmlns:r="http://schemas.openxmlformats.org/officeDocument/2006/relationships" xmlns:p="http://schemas.openxmlformats.org/presentationml/2006/main">
   <p:cSld>
     <p:bg>
@@ -3963,7 +4239,7 @@
 </p:sld>
 </file>
 
-<file path=ppt/slides/slide4.xml><?xml version="1.0" encoding="utf-8"?>
+<file path=ppt/slides/slide5.xml><?xml version="1.0" encoding="utf-8"?>
 <p:sld xmlns:a="http://schemas.openxmlformats.org/drawingml/2006/main" xmlns:r="http://schemas.openxmlformats.org/officeDocument/2006/relationships" xmlns:p="http://schemas.openxmlformats.org/presentationml/2006/main">
   <p:cSld>
     <p:bg>
@@ -4094,200 +4370,6 @@
 </p:sld>
 </file>
 
-<file path=ppt/slides/slide5.xml><?xml version="1.0" encoding="utf-8"?>
-<p:sld xmlns:a="http://schemas.openxmlformats.org/drawingml/2006/main" xmlns:r="http://schemas.openxmlformats.org/officeDocument/2006/relationships" xmlns:p="http://schemas.openxmlformats.org/presentationml/2006/main">
-  <p:cSld>
-    <p:bg>
-      <p:bgPr>
-        <a:blipFill dpi="0" rotWithShape="1">
-          <a:blip r:embed="rId2">
-            <a:alphaModFix amt="26000"/>
-            <a:lum/>
-          </a:blip>
-          <a:srcRect/>
-          <a:stretch>
-            <a:fillRect/>
-          </a:stretch>
-        </a:blipFill>
-        <a:effectLst/>
-      </p:bgPr>
-    </p:bg>
-    <p:spTree>
-      <p:nvGrpSpPr>
-        <p:cNvPr id="1" name=""/>
-        <p:cNvGrpSpPr/>
-        <p:nvPr/>
-      </p:nvGrpSpPr>
-      <p:grpSpPr>
-        <a:xfrm>
-          <a:off x="0" y="0"/>
-          <a:ext cx="0" cy="0"/>
-          <a:chOff x="0" y="0"/>
-          <a:chExt cx="0" cy="0"/>
-        </a:xfrm>
-      </p:grpSpPr>
-      <p:sp>
-        <p:nvSpPr>
-          <p:cNvPr id="2" name="タイトル 1"/>
-          <p:cNvSpPr>
-            <a:spLocks noGrp="1"/>
-          </p:cNvSpPr>
-          <p:nvPr>
-            <p:ph type="title"/>
-          </p:nvPr>
-        </p:nvSpPr>
-        <p:spPr/>
-        <p:txBody>
-          <a:bodyPr/>
-          <a:lstStyle/>
-          <a:p>
-            <a:r>
-              <a:rPr kumimoji="1" lang="ja-JP" altLang="en-US" b="1" dirty="0" smtClean="0">
-                <a:latin typeface="HGSｺﾞｼｯｸM" panose="020B0600000000000000" pitchFamily="50" charset="-128"/>
-                <a:ea typeface="HGSｺﾞｼｯｸM" panose="020B0600000000000000" pitchFamily="50" charset="-128"/>
-              </a:rPr>
-              <a:t>開発環境と実行環境</a:t>
-            </a:r>
-            <a:endParaRPr kumimoji="1" lang="ja-JP" altLang="en-US" b="1" dirty="0">
-              <a:latin typeface="HGSｺﾞｼｯｸM" panose="020B0600000000000000" pitchFamily="50" charset="-128"/>
-              <a:ea typeface="HGSｺﾞｼｯｸM" panose="020B0600000000000000" pitchFamily="50" charset="-128"/>
-            </a:endParaRPr>
-          </a:p>
-        </p:txBody>
-      </p:sp>
-      <p:sp>
-        <p:nvSpPr>
-          <p:cNvPr id="3" name="コンテンツ プレースホルダー 2"/>
-          <p:cNvSpPr>
-            <a:spLocks noGrp="1"/>
-          </p:cNvSpPr>
-          <p:nvPr>
-            <p:ph idx="1"/>
-          </p:nvPr>
-        </p:nvSpPr>
-        <p:spPr/>
-        <p:txBody>
-          <a:bodyPr/>
-          <a:lstStyle/>
-          <a:p>
-            <a:pPr marL="0" indent="0">
-              <a:buNone/>
-            </a:pPr>
-            <a:r>
-              <a:rPr lang="ja-JP" altLang="en-US" dirty="0" smtClean="0">
-                <a:latin typeface="Bahnschrift SemiBold" panose="020B0502040204020203" pitchFamily="34" charset="0"/>
-              </a:rPr>
-              <a:t>・開発環境</a:t>
-            </a:r>
-            <a:endParaRPr lang="en-US" altLang="ja-JP" dirty="0">
-              <a:latin typeface="Bahnschrift SemiBold" panose="020B0502040204020203" pitchFamily="34" charset="0"/>
-            </a:endParaRPr>
-          </a:p>
-          <a:p>
-            <a:pPr marL="0" indent="0">
-              <a:buNone/>
-            </a:pPr>
-            <a:r>
-              <a:rPr lang="en-US" altLang="ja-JP" dirty="0">
-                <a:latin typeface="Bahnschrift SemiBold" panose="020B0502040204020203" pitchFamily="34" charset="0"/>
-              </a:rPr>
-              <a:t>	</a:t>
-            </a:r>
-            <a:r>
-              <a:rPr lang="ja-JP" altLang="en-US" dirty="0" smtClean="0">
-                <a:latin typeface="Bahnschrift SemiBold" panose="020B0502040204020203" pitchFamily="34" charset="0"/>
-              </a:rPr>
-              <a:t>・</a:t>
-            </a:r>
-            <a:r>
-              <a:rPr lang="en-US" altLang="ja-JP" dirty="0" smtClean="0">
-                <a:latin typeface="Bahnschrift SemiBold" panose="020B0502040204020203" pitchFamily="34" charset="0"/>
-              </a:rPr>
-              <a:t>Windows 10 Education 64bit</a:t>
-            </a:r>
-          </a:p>
-          <a:p>
-            <a:pPr marL="0" indent="0">
-              <a:buNone/>
-            </a:pPr>
-            <a:r>
-              <a:rPr lang="ja-JP" altLang="en-US" dirty="0" smtClean="0">
-                <a:latin typeface="Bahnschrift SemiBold" panose="020B0502040204020203" pitchFamily="34" charset="0"/>
-              </a:rPr>
-              <a:t>・実行環境</a:t>
-            </a:r>
-            <a:endParaRPr lang="en-US" altLang="ja-JP" dirty="0" smtClean="0">
-              <a:latin typeface="Bahnschrift SemiBold" panose="020B0502040204020203" pitchFamily="34" charset="0"/>
-            </a:endParaRPr>
-          </a:p>
-          <a:p>
-            <a:pPr marL="0" indent="0">
-              <a:buNone/>
-            </a:pPr>
-            <a:r>
-              <a:rPr lang="en-US" altLang="ja-JP" dirty="0">
-                <a:latin typeface="Bahnschrift SemiBold" panose="020B0502040204020203" pitchFamily="34" charset="0"/>
-              </a:rPr>
-              <a:t>	</a:t>
-            </a:r>
-            <a:r>
-              <a:rPr lang="ja-JP" altLang="en-US" dirty="0" smtClean="0">
-                <a:latin typeface="Bahnschrift SemiBold" panose="020B0502040204020203" pitchFamily="34" charset="0"/>
-              </a:rPr>
-              <a:t>・</a:t>
-            </a:r>
-            <a:r>
-              <a:rPr lang="en-US" altLang="ja-JP" dirty="0" smtClean="0">
-                <a:latin typeface="Bahnschrift SemiBold" panose="020B0502040204020203" pitchFamily="34" charset="0"/>
-              </a:rPr>
-              <a:t>Microsoft Visual C# 2017</a:t>
-            </a:r>
-          </a:p>
-          <a:p>
-            <a:pPr marL="0" indent="0">
-              <a:buNone/>
-            </a:pPr>
-            <a:r>
-              <a:rPr lang="en-US" altLang="ja-JP" dirty="0" smtClean="0">
-                <a:latin typeface="Bahnschrift SemiBold" panose="020B0502040204020203" pitchFamily="34" charset="0"/>
-              </a:rPr>
-              <a:t>	</a:t>
-            </a:r>
-            <a:r>
-              <a:rPr lang="ja-JP" altLang="en-US" dirty="0" smtClean="0">
-                <a:latin typeface="Bahnschrift SemiBold" panose="020B0502040204020203" pitchFamily="34" charset="0"/>
-              </a:rPr>
-              <a:t>・</a:t>
-            </a:r>
-            <a:r>
-              <a:rPr lang="en-US" altLang="ja-JP" dirty="0" smtClean="0">
-                <a:latin typeface="Bahnschrift SemiBold" panose="020B0502040204020203" pitchFamily="34" charset="0"/>
-              </a:rPr>
-              <a:t>Microsoft Office Access 2016</a:t>
-            </a:r>
-          </a:p>
-        </p:txBody>
-      </p:sp>
-    </p:spTree>
-    <p:extLst>
-      <p:ext uri="{BB962C8B-B14F-4D97-AF65-F5344CB8AC3E}">
-        <p14:creationId xmlns:p14="http://schemas.microsoft.com/office/powerpoint/2010/main" val="269283686"/>
-      </p:ext>
-    </p:extLst>
-  </p:cSld>
-  <p:clrMapOvr>
-    <a:masterClrMapping/>
-  </p:clrMapOvr>
-  <p:timing>
-    <p:tnLst>
-      <p:par>
-        <p:cTn id="1" dur="indefinite" restart="never" nodeType="tmRoot"/>
-      </p:par>
-    </p:tnLst>
-  </p:timing>
-</p:sld>
-</file>
-
 <file path=ppt/slides/slide6.xml><?xml version="1.0" encoding="utf-8"?>
 <p:sld xmlns:a="http://schemas.openxmlformats.org/drawingml/2006/main" xmlns:r="http://schemas.openxmlformats.org/officeDocument/2006/relationships" xmlns:p="http://schemas.openxmlformats.org/presentationml/2006/main">
   <p:cSld>
@@ -4340,6 +4422,200 @@
                 <a:latin typeface="HGSｺﾞｼｯｸM" panose="020B0600000000000000" pitchFamily="50" charset="-128"/>
                 <a:ea typeface="HGSｺﾞｼｯｸM" panose="020B0600000000000000" pitchFamily="50" charset="-128"/>
               </a:rPr>
+              <a:t>開発環境と実行環境</a:t>
+            </a:r>
+            <a:endParaRPr kumimoji="1" lang="ja-JP" altLang="en-US" b="1" dirty="0">
+              <a:latin typeface="HGSｺﾞｼｯｸM" panose="020B0600000000000000" pitchFamily="50" charset="-128"/>
+              <a:ea typeface="HGSｺﾞｼｯｸM" panose="020B0600000000000000" pitchFamily="50" charset="-128"/>
+            </a:endParaRPr>
+          </a:p>
+        </p:txBody>
+      </p:sp>
+      <p:sp>
+        <p:nvSpPr>
+          <p:cNvPr id="3" name="コンテンツ プレースホルダー 2"/>
+          <p:cNvSpPr>
+            <a:spLocks noGrp="1"/>
+          </p:cNvSpPr>
+          <p:nvPr>
+            <p:ph idx="1"/>
+          </p:nvPr>
+        </p:nvSpPr>
+        <p:spPr/>
+        <p:txBody>
+          <a:bodyPr/>
+          <a:lstStyle/>
+          <a:p>
+            <a:pPr marL="0" indent="0">
+              <a:buNone/>
+            </a:pPr>
+            <a:r>
+              <a:rPr lang="ja-JP" altLang="en-US" dirty="0" smtClean="0">
+                <a:latin typeface="Bahnschrift SemiBold" panose="020B0502040204020203" pitchFamily="34" charset="0"/>
+              </a:rPr>
+              <a:t>・開発環境</a:t>
+            </a:r>
+            <a:endParaRPr lang="en-US" altLang="ja-JP" dirty="0">
+              <a:latin typeface="Bahnschrift SemiBold" panose="020B0502040204020203" pitchFamily="34" charset="0"/>
+            </a:endParaRPr>
+          </a:p>
+          <a:p>
+            <a:pPr marL="0" indent="0">
+              <a:buNone/>
+            </a:pPr>
+            <a:r>
+              <a:rPr lang="en-US" altLang="ja-JP" dirty="0">
+                <a:latin typeface="Bahnschrift SemiBold" panose="020B0502040204020203" pitchFamily="34" charset="0"/>
+              </a:rPr>
+              <a:t>	</a:t>
+            </a:r>
+            <a:r>
+              <a:rPr lang="ja-JP" altLang="en-US" dirty="0" smtClean="0">
+                <a:latin typeface="Bahnschrift SemiBold" panose="020B0502040204020203" pitchFamily="34" charset="0"/>
+              </a:rPr>
+              <a:t>・</a:t>
+            </a:r>
+            <a:r>
+              <a:rPr lang="en-US" altLang="ja-JP" dirty="0" smtClean="0">
+                <a:latin typeface="Bahnschrift SemiBold" panose="020B0502040204020203" pitchFamily="34" charset="0"/>
+              </a:rPr>
+              <a:t>Windows 10 Education 64bit</a:t>
+            </a:r>
+          </a:p>
+          <a:p>
+            <a:pPr marL="0" indent="0">
+              <a:buNone/>
+            </a:pPr>
+            <a:r>
+              <a:rPr lang="ja-JP" altLang="en-US" dirty="0" smtClean="0">
+                <a:latin typeface="Bahnschrift SemiBold" panose="020B0502040204020203" pitchFamily="34" charset="0"/>
+              </a:rPr>
+              <a:t>・実行環境</a:t>
+            </a:r>
+            <a:endParaRPr lang="en-US" altLang="ja-JP" dirty="0" smtClean="0">
+              <a:latin typeface="Bahnschrift SemiBold" panose="020B0502040204020203" pitchFamily="34" charset="0"/>
+            </a:endParaRPr>
+          </a:p>
+          <a:p>
+            <a:pPr marL="0" indent="0">
+              <a:buNone/>
+            </a:pPr>
+            <a:r>
+              <a:rPr lang="en-US" altLang="ja-JP" dirty="0">
+                <a:latin typeface="Bahnschrift SemiBold" panose="020B0502040204020203" pitchFamily="34" charset="0"/>
+              </a:rPr>
+              <a:t>	</a:t>
+            </a:r>
+            <a:r>
+              <a:rPr lang="ja-JP" altLang="en-US" dirty="0" smtClean="0">
+                <a:latin typeface="Bahnschrift SemiBold" panose="020B0502040204020203" pitchFamily="34" charset="0"/>
+              </a:rPr>
+              <a:t>・</a:t>
+            </a:r>
+            <a:r>
+              <a:rPr lang="en-US" altLang="ja-JP" dirty="0" smtClean="0">
+                <a:latin typeface="Bahnschrift SemiBold" panose="020B0502040204020203" pitchFamily="34" charset="0"/>
+              </a:rPr>
+              <a:t>Microsoft Visual C# 2017</a:t>
+            </a:r>
+          </a:p>
+          <a:p>
+            <a:pPr marL="0" indent="0">
+              <a:buNone/>
+            </a:pPr>
+            <a:r>
+              <a:rPr lang="en-US" altLang="ja-JP" dirty="0" smtClean="0">
+                <a:latin typeface="Bahnschrift SemiBold" panose="020B0502040204020203" pitchFamily="34" charset="0"/>
+              </a:rPr>
+              <a:t>	</a:t>
+            </a:r>
+            <a:r>
+              <a:rPr lang="ja-JP" altLang="en-US" dirty="0" smtClean="0">
+                <a:latin typeface="Bahnschrift SemiBold" panose="020B0502040204020203" pitchFamily="34" charset="0"/>
+              </a:rPr>
+              <a:t>・</a:t>
+            </a:r>
+            <a:r>
+              <a:rPr lang="en-US" altLang="ja-JP" dirty="0" smtClean="0">
+                <a:latin typeface="Bahnschrift SemiBold" panose="020B0502040204020203" pitchFamily="34" charset="0"/>
+              </a:rPr>
+              <a:t>Microsoft Office Access 2016</a:t>
+            </a:r>
+          </a:p>
+        </p:txBody>
+      </p:sp>
+    </p:spTree>
+    <p:extLst>
+      <p:ext uri="{BB962C8B-B14F-4D97-AF65-F5344CB8AC3E}">
+        <p14:creationId xmlns:p14="http://schemas.microsoft.com/office/powerpoint/2010/main" val="269283686"/>
+      </p:ext>
+    </p:extLst>
+  </p:cSld>
+  <p:clrMapOvr>
+    <a:masterClrMapping/>
+  </p:clrMapOvr>
+  <p:timing>
+    <p:tnLst>
+      <p:par>
+        <p:cTn id="1" dur="indefinite" restart="never" nodeType="tmRoot"/>
+      </p:par>
+    </p:tnLst>
+  </p:timing>
+</p:sld>
+</file>
+
+<file path=ppt/slides/slide7.xml><?xml version="1.0" encoding="utf-8"?>
+<p:sld xmlns:a="http://schemas.openxmlformats.org/drawingml/2006/main" xmlns:r="http://schemas.openxmlformats.org/officeDocument/2006/relationships" xmlns:p="http://schemas.openxmlformats.org/presentationml/2006/main">
+  <p:cSld>
+    <p:bg>
+      <p:bgPr>
+        <a:blipFill dpi="0" rotWithShape="1">
+          <a:blip r:embed="rId2">
+            <a:alphaModFix amt="26000"/>
+            <a:lum/>
+          </a:blip>
+          <a:srcRect/>
+          <a:stretch>
+            <a:fillRect/>
+          </a:stretch>
+        </a:blipFill>
+        <a:effectLst/>
+      </p:bgPr>
+    </p:bg>
+    <p:spTree>
+      <p:nvGrpSpPr>
+        <p:cNvPr id="1" name=""/>
+        <p:cNvGrpSpPr/>
+        <p:nvPr/>
+      </p:nvGrpSpPr>
+      <p:grpSpPr>
+        <a:xfrm>
+          <a:off x="0" y="0"/>
+          <a:ext cx="0" cy="0"/>
+          <a:chOff x="0" y="0"/>
+          <a:chExt cx="0" cy="0"/>
+        </a:xfrm>
+      </p:grpSpPr>
+      <p:sp>
+        <p:nvSpPr>
+          <p:cNvPr id="2" name="タイトル 1"/>
+          <p:cNvSpPr>
+            <a:spLocks noGrp="1"/>
+          </p:cNvSpPr>
+          <p:nvPr>
+            <p:ph type="title"/>
+          </p:nvPr>
+        </p:nvSpPr>
+        <p:spPr/>
+        <p:txBody>
+          <a:bodyPr/>
+          <a:lstStyle/>
+          <a:p>
+            <a:r>
+              <a:rPr kumimoji="1" lang="ja-JP" altLang="en-US" b="1" dirty="0" smtClean="0">
+                <a:latin typeface="HGSｺﾞｼｯｸM" panose="020B0600000000000000" pitchFamily="50" charset="-128"/>
+                <a:ea typeface="HGSｺﾞｼｯｸM" panose="020B0600000000000000" pitchFamily="50" charset="-128"/>
+              </a:rPr>
               <a:t>スケジュール</a:t>
             </a:r>
             <a:endParaRPr kumimoji="1" lang="ja-JP" altLang="en-US" b="1" dirty="0">
@@ -4562,7 +4838,7 @@
         <p:spPr>
           <a:xfrm>
             <a:off x="1750423" y="3805699"/>
-            <a:ext cx="3877985" cy="2031325"/>
+            <a:ext cx="5262979" cy="2031325"/>
           </a:xfrm>
           <a:prstGeom prst="rect">
             <a:avLst/>
@@ -4577,49 +4853,133 @@
           <a:p>
             <a:r>
               <a:rPr kumimoji="1" lang="ja-JP" altLang="en-US" dirty="0" smtClean="0"/>
-              <a:t>・各種サブシステム仕様書</a:t>
+              <a:t>・各種サブシステム</a:t>
+            </a:r>
+            <a:r>
+              <a:rPr kumimoji="1" lang="ja-JP" altLang="en-US" dirty="0" smtClean="0"/>
+              <a:t>仕様書</a:t>
+            </a:r>
+            <a:r>
+              <a:rPr kumimoji="1" lang="en-US" altLang="ja-JP" dirty="0" smtClean="0"/>
+              <a:t>		</a:t>
+            </a:r>
+            <a:r>
+              <a:rPr kumimoji="1" lang="ja-JP" altLang="en-US" dirty="0" smtClean="0"/>
+              <a:t>月日</a:t>
             </a:r>
             <a:endParaRPr kumimoji="1" lang="en-US" altLang="ja-JP" dirty="0" smtClean="0"/>
           </a:p>
           <a:p>
             <a:r>
               <a:rPr lang="ja-JP" altLang="en-US" dirty="0" smtClean="0"/>
-              <a:t>・各種データベース仕様書</a:t>
+              <a:t>・各種データベース</a:t>
+            </a:r>
+            <a:r>
+              <a:rPr lang="ja-JP" altLang="en-US" dirty="0" smtClean="0"/>
+              <a:t>仕様書</a:t>
+            </a:r>
+            <a:r>
+              <a:rPr lang="en-US" altLang="ja-JP" dirty="0" smtClean="0"/>
+              <a:t>		</a:t>
+            </a:r>
+            <a:r>
+              <a:rPr lang="ja-JP" altLang="en-US" dirty="0" smtClean="0"/>
+              <a:t>月日</a:t>
             </a:r>
             <a:endParaRPr lang="en-US" altLang="ja-JP" dirty="0" smtClean="0"/>
           </a:p>
           <a:p>
             <a:r>
               <a:rPr kumimoji="1" lang="ja-JP" altLang="en-US" dirty="0" smtClean="0"/>
-              <a:t>・各種画面仕様書</a:t>
+              <a:t>・各種画面</a:t>
+            </a:r>
+            <a:r>
+              <a:rPr kumimoji="1" lang="ja-JP" altLang="en-US" dirty="0" smtClean="0"/>
+              <a:t>仕様書</a:t>
+            </a:r>
+            <a:r>
+              <a:rPr kumimoji="1" lang="en-US" altLang="ja-JP" dirty="0" smtClean="0"/>
+              <a:t>			</a:t>
+            </a:r>
+            <a:r>
+              <a:rPr lang="ja-JP" altLang="en-US" dirty="0"/>
+              <a:t>月日</a:t>
             </a:r>
             <a:endParaRPr kumimoji="1" lang="en-US" altLang="ja-JP" dirty="0" smtClean="0"/>
           </a:p>
           <a:p>
             <a:r>
               <a:rPr lang="ja-JP" altLang="en-US" dirty="0" smtClean="0"/>
-              <a:t>・各種プログラム仕様書</a:t>
+              <a:t>・各種プログラム</a:t>
+            </a:r>
+            <a:r>
+              <a:rPr lang="ja-JP" altLang="en-US" dirty="0" smtClean="0"/>
+              <a:t>仕様書</a:t>
+            </a:r>
+            <a:r>
+              <a:rPr lang="en-US" altLang="ja-JP" dirty="0" smtClean="0"/>
+              <a:t>			</a:t>
+            </a:r>
+            <a:r>
+              <a:rPr lang="ja-JP" altLang="en-US" dirty="0"/>
+              <a:t>月日</a:t>
             </a:r>
             <a:endParaRPr lang="en-US" altLang="ja-JP" dirty="0" smtClean="0"/>
           </a:p>
           <a:p>
             <a:r>
               <a:rPr kumimoji="1" lang="ja-JP" altLang="en-US" dirty="0" smtClean="0"/>
-              <a:t>・各種モジュール仕様書</a:t>
+              <a:t>・各種モジュール</a:t>
+            </a:r>
+            <a:r>
+              <a:rPr kumimoji="1" lang="ja-JP" altLang="en-US" dirty="0" smtClean="0"/>
+              <a:t>仕様書</a:t>
+            </a:r>
+            <a:r>
+              <a:rPr kumimoji="1" lang="en-US" altLang="ja-JP" dirty="0" smtClean="0"/>
+              <a:t>			</a:t>
+            </a:r>
+            <a:r>
+              <a:rPr lang="ja-JP" altLang="en-US" dirty="0"/>
+              <a:t>月日</a:t>
             </a:r>
             <a:endParaRPr kumimoji="1" lang="en-US" altLang="ja-JP" dirty="0" smtClean="0"/>
           </a:p>
           <a:p>
             <a:r>
               <a:rPr lang="ja-JP" altLang="en-US" dirty="0" smtClean="0"/>
-              <a:t>・テスト仕様書・テスト実施結果書</a:t>
+              <a:t>・テスト仕様書・テスト実施</a:t>
+            </a:r>
+            <a:r>
+              <a:rPr lang="ja-JP" altLang="en-US" dirty="0" smtClean="0"/>
+              <a:t>結果書</a:t>
+            </a:r>
+            <a:r>
+              <a:rPr lang="en-US" altLang="ja-JP" dirty="0" smtClean="0"/>
+              <a:t>	</a:t>
+            </a:r>
+            <a:r>
+              <a:rPr lang="ja-JP" altLang="en-US" dirty="0"/>
+              <a:t>月日</a:t>
             </a:r>
             <a:endParaRPr lang="en-US" altLang="ja-JP" dirty="0" smtClean="0"/>
           </a:p>
           <a:p>
             <a:r>
               <a:rPr kumimoji="1" lang="ja-JP" altLang="en-US" dirty="0" smtClean="0"/>
-              <a:t>・ガントチャート</a:t>
+              <a:t>・</a:t>
+            </a:r>
+            <a:r>
+              <a:rPr kumimoji="1" lang="ja-JP" altLang="en-US" dirty="0" smtClean="0"/>
+              <a:t>ガントチャート</a:t>
+            </a:r>
+            <a:r>
+              <a:rPr kumimoji="1" lang="en-US" altLang="ja-JP" dirty="0" smtClean="0"/>
+              <a:t>			</a:t>
+            </a:r>
+            <a:r>
+              <a:rPr lang="ja-JP" altLang="en-US" dirty="0"/>
+              <a:t>月日</a:t>
             </a:r>
             <a:endParaRPr kumimoji="1" lang="ja-JP" altLang="en-US" dirty="0"/>
           </a:p>
@@ -4900,7 +5260,7 @@
   <a:extraClrSchemeLst/>
   <a:extLst>
     <a:ext uri="{05A4C25C-085E-4340-85A3-A5531E510DB2}">
-      <thm15:themeFamily xmlns:thm15="http://schemas.microsoft.com/office/thememl/2012/main" xmlns="" name="Office Theme" id="{62F939B6-93AF-4DB8-9C6B-D6C7DFDC589F}" vid="{4A3C46E8-61CC-4603-A589-7422A47A8E4A}"/>
+      <thm15:themeFamily xmlns="" xmlns:thm15="http://schemas.microsoft.com/office/thememl/2012/main" name="Office Theme" id="{62F939B6-93AF-4DB8-9C6B-D6C7DFDC589F}" vid="{4A3C46E8-61CC-4603-A589-7422A47A8E4A}"/>
     </a:ext>
   </a:extLst>
 </a:theme>

--- a/企画発表プレゼンテーション.pptx
+++ b/企画発表プレゼンテーション.pptx
@@ -112,7 +112,7 @@
   </p:defaultTextStyle>
   <p:extLst>
     <p:ext uri="{EFAFB233-063F-42B5-8137-9DF3F51BA10A}">
-      <p15:sldGuideLst xmlns="" xmlns:p15="http://schemas.microsoft.com/office/powerpoint/2012/main"/>
+      <p15:sldGuideLst xmlns:p15="http://schemas.microsoft.com/office/powerpoint/2012/main" xmlns=""/>
     </p:ext>
   </p:extLst>
 </p:presentation>
@@ -249,7 +249,7 @@
           <a:p>
             <a:fld id="{9C27765A-BBDC-4B93-B191-B0458F0CABEC}" type="datetimeFigureOut">
               <a:rPr kumimoji="1" lang="ja-JP" altLang="en-US" smtClean="0"/>
-              <a:t>2019/10/12</a:t>
+              <a:t>2019/10/13</a:t>
             </a:fld>
             <a:endParaRPr kumimoji="1" lang="ja-JP" altLang="en-US"/>
           </a:p>
@@ -451,7 +451,7 @@
           <a:p>
             <a:fld id="{9C27765A-BBDC-4B93-B191-B0458F0CABEC}" type="datetimeFigureOut">
               <a:rPr kumimoji="1" lang="ja-JP" altLang="en-US" smtClean="0"/>
-              <a:t>2019/10/12</a:t>
+              <a:t>2019/10/13</a:t>
             </a:fld>
             <a:endParaRPr kumimoji="1" lang="ja-JP" altLang="en-US"/>
           </a:p>
@@ -663,7 +663,7 @@
           <a:p>
             <a:fld id="{9C27765A-BBDC-4B93-B191-B0458F0CABEC}" type="datetimeFigureOut">
               <a:rPr kumimoji="1" lang="ja-JP" altLang="en-US" smtClean="0"/>
-              <a:t>2019/10/12</a:t>
+              <a:t>2019/10/13</a:t>
             </a:fld>
             <a:endParaRPr kumimoji="1" lang="ja-JP" altLang="en-US"/>
           </a:p>
@@ -865,7 +865,7 @@
           <a:p>
             <a:fld id="{9C27765A-BBDC-4B93-B191-B0458F0CABEC}" type="datetimeFigureOut">
               <a:rPr kumimoji="1" lang="ja-JP" altLang="en-US" smtClean="0"/>
-              <a:t>2019/10/12</a:t>
+              <a:t>2019/10/13</a:t>
             </a:fld>
             <a:endParaRPr kumimoji="1" lang="ja-JP" altLang="en-US"/>
           </a:p>
@@ -1111,7 +1111,7 @@
           <a:p>
             <a:fld id="{9C27765A-BBDC-4B93-B191-B0458F0CABEC}" type="datetimeFigureOut">
               <a:rPr kumimoji="1" lang="ja-JP" altLang="en-US" smtClean="0"/>
-              <a:t>2019/10/12</a:t>
+              <a:t>2019/10/13</a:t>
             </a:fld>
             <a:endParaRPr kumimoji="1" lang="ja-JP" altLang="en-US"/>
           </a:p>
@@ -1407,7 +1407,7 @@
           <a:p>
             <a:fld id="{9C27765A-BBDC-4B93-B191-B0458F0CABEC}" type="datetimeFigureOut">
               <a:rPr kumimoji="1" lang="ja-JP" altLang="en-US" smtClean="0"/>
-              <a:t>2019/10/12</a:t>
+              <a:t>2019/10/13</a:t>
             </a:fld>
             <a:endParaRPr kumimoji="1" lang="ja-JP" altLang="en-US"/>
           </a:p>
@@ -1838,7 +1838,7 @@
           <a:p>
             <a:fld id="{9C27765A-BBDC-4B93-B191-B0458F0CABEC}" type="datetimeFigureOut">
               <a:rPr kumimoji="1" lang="ja-JP" altLang="en-US" smtClean="0"/>
-              <a:t>2019/10/12</a:t>
+              <a:t>2019/10/13</a:t>
             </a:fld>
             <a:endParaRPr kumimoji="1" lang="ja-JP" altLang="en-US"/>
           </a:p>
@@ -1956,7 +1956,7 @@
           <a:p>
             <a:fld id="{9C27765A-BBDC-4B93-B191-B0458F0CABEC}" type="datetimeFigureOut">
               <a:rPr kumimoji="1" lang="ja-JP" altLang="en-US" smtClean="0"/>
-              <a:t>2019/10/12</a:t>
+              <a:t>2019/10/13</a:t>
             </a:fld>
             <a:endParaRPr kumimoji="1" lang="ja-JP" altLang="en-US"/>
           </a:p>
@@ -2051,7 +2051,7 @@
           <a:p>
             <a:fld id="{9C27765A-BBDC-4B93-B191-B0458F0CABEC}" type="datetimeFigureOut">
               <a:rPr kumimoji="1" lang="ja-JP" altLang="en-US" smtClean="0"/>
-              <a:t>2019/10/12</a:t>
+              <a:t>2019/10/13</a:t>
             </a:fld>
             <a:endParaRPr kumimoji="1" lang="ja-JP" altLang="en-US"/>
           </a:p>
@@ -2360,7 +2360,7 @@
           <a:p>
             <a:fld id="{9C27765A-BBDC-4B93-B191-B0458F0CABEC}" type="datetimeFigureOut">
               <a:rPr kumimoji="1" lang="ja-JP" altLang="en-US" smtClean="0"/>
-              <a:t>2019/10/12</a:t>
+              <a:t>2019/10/13</a:t>
             </a:fld>
             <a:endParaRPr kumimoji="1" lang="ja-JP" altLang="en-US"/>
           </a:p>
@@ -2613,7 +2613,7 @@
           <a:p>
             <a:fld id="{9C27765A-BBDC-4B93-B191-B0458F0CABEC}" type="datetimeFigureOut">
               <a:rPr kumimoji="1" lang="ja-JP" altLang="en-US" smtClean="0"/>
-              <a:t>2019/10/12</a:t>
+              <a:t>2019/10/13</a:t>
             </a:fld>
             <a:endParaRPr kumimoji="1" lang="ja-JP" altLang="en-US"/>
           </a:p>
@@ -2858,7 +2858,7 @@
           <a:p>
             <a:fld id="{9C27765A-BBDC-4B93-B191-B0458F0CABEC}" type="datetimeFigureOut">
               <a:rPr kumimoji="1" lang="ja-JP" altLang="en-US" smtClean="0"/>
-              <a:t>2019/10/12</a:t>
+              <a:t>2019/10/13</a:t>
             </a:fld>
             <a:endParaRPr kumimoji="1" lang="ja-JP" altLang="en-US"/>
           </a:p>
@@ -3608,10 +3608,15 @@
             <p:ph type="title"/>
           </p:nvPr>
         </p:nvSpPr>
-        <p:spPr/>
+        <p:spPr>
+          <a:xfrm>
+            <a:off x="4083908" y="0"/>
+            <a:ext cx="4458730" cy="650789"/>
+          </a:xfrm>
+        </p:spPr>
         <p:txBody>
           <a:bodyPr>
-            <a:normAutofit/>
+            <a:normAutofit fontScale="90000"/>
           </a:bodyPr>
           <a:lstStyle/>
           <a:p>
@@ -3620,28 +3625,14 @@
                 <a:latin typeface="HGSｺﾞｼｯｸM" panose="020B0600000000000000" pitchFamily="50" charset="-128"/>
                 <a:ea typeface="HGSｺﾞｼｯｸM" panose="020B0600000000000000" pitchFamily="50" charset="-128"/>
               </a:rPr>
-              <a:t>システムの目的</a:t>
-            </a:r>
-            <a:r>
-              <a:rPr lang="en-US" altLang="ja-JP" b="1" dirty="0" smtClean="0">
-                <a:latin typeface="HGSｺﾞｼｯｸM" panose="020B0600000000000000" pitchFamily="50" charset="-128"/>
-                <a:ea typeface="HGSｺﾞｼｯｸM" panose="020B0600000000000000" pitchFamily="50" charset="-128"/>
-              </a:rPr>
-              <a:t>(</a:t>
+              <a:t>システムの</a:t>
             </a:r>
             <a:r>
               <a:rPr lang="ja-JP" altLang="en-US" b="1" dirty="0" smtClean="0">
                 <a:latin typeface="HGSｺﾞｼｯｸM" panose="020B0600000000000000" pitchFamily="50" charset="-128"/>
                 <a:ea typeface="HGSｺﾞｼｯｸM" panose="020B0600000000000000" pitchFamily="50" charset="-128"/>
               </a:rPr>
-              <a:t>その１</a:t>
-            </a:r>
-            <a:r>
-              <a:rPr lang="en-US" altLang="ja-JP" b="1" dirty="0" smtClean="0">
-                <a:latin typeface="HGSｺﾞｼｯｸM" panose="020B0600000000000000" pitchFamily="50" charset="-128"/>
-                <a:ea typeface="HGSｺﾞｼｯｸM" panose="020B0600000000000000" pitchFamily="50" charset="-128"/>
-              </a:rPr>
-              <a:t>)</a:t>
+              <a:t>目的</a:t>
             </a:r>
             <a:endParaRPr kumimoji="1" lang="ja-JP" altLang="en-US" b="1" dirty="0">
               <a:latin typeface="HGSｺﾞｼｯｸM" panose="020B0600000000000000" pitchFamily="50" charset="-128"/>
@@ -3650,16 +3641,180 @@
           </a:p>
         </p:txBody>
       </p:sp>
-      <p:sp>
-        <p:nvSpPr>
-          <p:cNvPr id="3" name="テキスト ボックス 2"/>
+      <p:pic>
+        <p:nvPicPr>
+          <p:cNvPr id="1026" name="Picture 2" descr="C:\Users\yamanin3\Desktop\images\agura_kutsurogu2_man.png"/>
+          <p:cNvPicPr>
+            <a:picLocks noChangeAspect="1" noChangeArrowheads="1"/>
+          </p:cNvPicPr>
+          <p:nvPr/>
+        </p:nvPicPr>
+        <p:blipFill>
+          <a:blip r:embed="rId3">
+            <a:extLst>
+              <a:ext uri="{28A0092B-C50C-407E-A947-70E740481C1C}">
+                <a14:useLocalDpi xmlns:a14="http://schemas.microsoft.com/office/drawing/2010/main" val="0"/>
+              </a:ext>
+            </a:extLst>
+          </a:blip>
+          <a:srcRect/>
+          <a:stretch>
+            <a:fillRect/>
+          </a:stretch>
+        </p:blipFill>
+        <p:spPr bwMode="auto">
+          <a:xfrm>
+            <a:off x="389258" y="394025"/>
+            <a:ext cx="1071476" cy="1071476"/>
+          </a:xfrm>
+          <a:prstGeom prst="rect">
+            <a:avLst/>
+          </a:prstGeom>
+          <a:noFill/>
+          <a:extLst>
+            <a:ext uri="{909E8E84-426E-40DD-AFC4-6F175D3DCCD1}">
+              <a14:hiddenFill xmlns:a14="http://schemas.microsoft.com/office/drawing/2010/main">
+                <a:solidFill>
+                  <a:srgbClr val="FFFFFF"/>
+                </a:solidFill>
+              </a14:hiddenFill>
+            </a:ext>
+          </a:extLst>
+        </p:spPr>
+      </p:pic>
+      <p:pic>
+        <p:nvPicPr>
+          <p:cNvPr id="1028" name="Picture 4" descr="C:\Users\yamanin3\Desktop\images\building_company_eigyousyo.png"/>
+          <p:cNvPicPr>
+            <a:picLocks noChangeAspect="1" noChangeArrowheads="1"/>
+          </p:cNvPicPr>
+          <p:nvPr/>
+        </p:nvPicPr>
+        <p:blipFill>
+          <a:blip r:embed="rId4">
+            <a:extLst>
+              <a:ext uri="{28A0092B-C50C-407E-A947-70E740481C1C}">
+                <a14:useLocalDpi xmlns:a14="http://schemas.microsoft.com/office/drawing/2010/main" val="0"/>
+              </a:ext>
+            </a:extLst>
+          </a:blip>
+          <a:srcRect/>
+          <a:stretch>
+            <a:fillRect/>
+          </a:stretch>
+        </p:blipFill>
+        <p:spPr bwMode="auto">
+          <a:xfrm>
+            <a:off x="148967" y="5197583"/>
+            <a:ext cx="1549700" cy="1549700"/>
+          </a:xfrm>
+          <a:prstGeom prst="rect">
+            <a:avLst/>
+          </a:prstGeom>
+          <a:noFill/>
+          <a:extLst>
+            <a:ext uri="{909E8E84-426E-40DD-AFC4-6F175D3DCCD1}">
+              <a14:hiddenFill xmlns:a14="http://schemas.microsoft.com/office/drawing/2010/main">
+                <a:solidFill>
+                  <a:srgbClr val="FFFFFF"/>
+                </a:solidFill>
+              </a14:hiddenFill>
+            </a:ext>
+          </a:extLst>
+        </p:spPr>
+      </p:pic>
+      <p:pic>
+        <p:nvPicPr>
+          <p:cNvPr id="1027" name="Picture 3" descr="C:\Users\yamanin3\Desktop\images\sales_eigyou_man.png"/>
+          <p:cNvPicPr>
+            <a:picLocks noChangeAspect="1" noChangeArrowheads="1"/>
+          </p:cNvPicPr>
+          <p:nvPr/>
+        </p:nvPicPr>
+        <p:blipFill>
+          <a:blip r:embed="rId5" cstate="print">
+            <a:extLst>
+              <a:ext uri="{28A0092B-C50C-407E-A947-70E740481C1C}">
+                <a14:useLocalDpi xmlns:a14="http://schemas.microsoft.com/office/drawing/2010/main" val="0"/>
+              </a:ext>
+            </a:extLst>
+          </a:blip>
+          <a:srcRect/>
+          <a:stretch>
+            <a:fillRect/>
+          </a:stretch>
+        </p:blipFill>
+        <p:spPr bwMode="auto">
+          <a:xfrm>
+            <a:off x="563164" y="5972433"/>
+            <a:ext cx="723664" cy="723664"/>
+          </a:xfrm>
+          <a:prstGeom prst="rect">
+            <a:avLst/>
+          </a:prstGeom>
+          <a:noFill/>
+          <a:extLst>
+            <a:ext uri="{909E8E84-426E-40DD-AFC4-6F175D3DCCD1}">
+              <a14:hiddenFill xmlns:a14="http://schemas.microsoft.com/office/drawing/2010/main">
+                <a:solidFill>
+                  <a:srgbClr val="FFFFFF"/>
+                </a:solidFill>
+              </a14:hiddenFill>
+            </a:ext>
+          </a:extLst>
+        </p:spPr>
+      </p:pic>
+      <p:pic>
+        <p:nvPicPr>
+          <p:cNvPr id="1029" name="Picture 5" descr="C:\Users\yamanin3\Desktop\images\souko_building.png"/>
+          <p:cNvPicPr>
+            <a:picLocks noChangeAspect="1" noChangeArrowheads="1"/>
+          </p:cNvPicPr>
+          <p:nvPr/>
+        </p:nvPicPr>
+        <p:blipFill>
+          <a:blip r:embed="rId6">
+            <a:extLst>
+              <a:ext uri="{28A0092B-C50C-407E-A947-70E740481C1C}">
+                <a14:useLocalDpi xmlns:a14="http://schemas.microsoft.com/office/drawing/2010/main" val="0"/>
+              </a:ext>
+            </a:extLst>
+          </a:blip>
+          <a:srcRect/>
+          <a:stretch>
+            <a:fillRect/>
+          </a:stretch>
+        </p:blipFill>
+        <p:spPr bwMode="auto">
+          <a:xfrm>
+            <a:off x="9982769" y="191803"/>
+            <a:ext cx="1475921" cy="1475921"/>
+          </a:xfrm>
+          <a:prstGeom prst="rect">
+            <a:avLst/>
+          </a:prstGeom>
+          <a:noFill/>
+          <a:extLst>
+            <a:ext uri="{909E8E84-426E-40DD-AFC4-6F175D3DCCD1}">
+              <a14:hiddenFill xmlns:a14="http://schemas.microsoft.com/office/drawing/2010/main">
+                <a:solidFill>
+                  <a:srgbClr val="FFFFFF"/>
+                </a:solidFill>
+              </a14:hiddenFill>
+            </a:ext>
+          </a:extLst>
+        </p:spPr>
+      </p:pic>
+      <p:sp>
+        <p:nvSpPr>
+          <p:cNvPr id="4" name="テキスト ボックス 3"/>
           <p:cNvSpPr txBox="1"/>
           <p:nvPr/>
         </p:nvSpPr>
         <p:spPr>
           <a:xfrm>
-            <a:off x="1042888" y="1886242"/>
-            <a:ext cx="902811" cy="523220"/>
+            <a:off x="10208045" y="24693"/>
+            <a:ext cx="1107996" cy="369332"/>
           </a:xfrm>
           <a:prstGeom prst="rect">
             <a:avLst/>
@@ -3673,23 +3828,23 @@
           <a:lstStyle/>
           <a:p>
             <a:r>
-              <a:rPr kumimoji="1" lang="ja-JP" altLang="en-US" sz="2800" b="1" dirty="0" smtClean="0"/>
-              <a:t>従来</a:t>
-            </a:r>
-            <a:endParaRPr kumimoji="1" lang="ja-JP" altLang="en-US" sz="2800" b="1" dirty="0"/>
-          </a:p>
-        </p:txBody>
-      </p:sp>
-      <p:sp>
-        <p:nvSpPr>
-          <p:cNvPr id="10" name="テキスト ボックス 9"/>
+              <a:rPr kumimoji="1" lang="ja-JP" altLang="en-US" dirty="0" smtClean="0"/>
+              <a:t>物流倉庫</a:t>
+            </a:r>
+            <a:endParaRPr kumimoji="1" lang="ja-JP" altLang="en-US" dirty="0"/>
+          </a:p>
+        </p:txBody>
+      </p:sp>
+      <p:sp>
+        <p:nvSpPr>
+          <p:cNvPr id="11" name="テキスト ボックス 10"/>
           <p:cNvSpPr txBox="1"/>
           <p:nvPr/>
         </p:nvSpPr>
         <p:spPr>
           <a:xfrm>
-            <a:off x="1494295" y="2409462"/>
-            <a:ext cx="9161482" cy="523220"/>
+            <a:off x="600651" y="-5905"/>
+            <a:ext cx="646331" cy="369332"/>
           </a:xfrm>
           <a:prstGeom prst="rect">
             <a:avLst/>
@@ -3703,14 +3858,626 @@
           <a:lstStyle/>
           <a:p>
             <a:r>
-              <a:rPr lang="ja-JP" altLang="en-US" sz="2800" dirty="0"/>
-              <a:t>営業</a:t>
-            </a:r>
-            <a:r>
-              <a:rPr lang="ja-JP" altLang="en-US" sz="2800" dirty="0" smtClean="0"/>
-              <a:t>担当から物流担当への発注依頼は口頭で伝えていた</a:t>
-            </a:r>
-            <a:endParaRPr kumimoji="1" lang="ja-JP" altLang="en-US" sz="2800" dirty="0"/>
+              <a:rPr kumimoji="1" lang="ja-JP" altLang="en-US" dirty="0" smtClean="0"/>
+              <a:t>顧客</a:t>
+            </a:r>
+            <a:endParaRPr kumimoji="1" lang="ja-JP" altLang="en-US" dirty="0"/>
+          </a:p>
+        </p:txBody>
+      </p:sp>
+      <p:sp>
+        <p:nvSpPr>
+          <p:cNvPr id="12" name="テキスト ボックス 11"/>
+          <p:cNvSpPr txBox="1"/>
+          <p:nvPr/>
+        </p:nvSpPr>
+        <p:spPr>
+          <a:xfrm>
+            <a:off x="10208045" y="6511431"/>
+            <a:ext cx="984565" cy="369332"/>
+          </a:xfrm>
+          <a:prstGeom prst="rect">
+            <a:avLst/>
+          </a:prstGeom>
+          <a:noFill/>
+        </p:spPr>
+        <p:txBody>
+          <a:bodyPr wrap="none" rtlCol="0">
+            <a:spAutoFit/>
+          </a:bodyPr>
+          <a:lstStyle/>
+          <a:p>
+            <a:r>
+              <a:rPr kumimoji="1" lang="ja-JP" altLang="en-US" dirty="0" smtClean="0"/>
+              <a:t>メーカー</a:t>
+            </a:r>
+            <a:endParaRPr kumimoji="1" lang="ja-JP" altLang="en-US" dirty="0"/>
+          </a:p>
+        </p:txBody>
+      </p:sp>
+      <p:sp>
+        <p:nvSpPr>
+          <p:cNvPr id="13" name="テキスト ボックス 12"/>
+          <p:cNvSpPr txBox="1"/>
+          <p:nvPr/>
+        </p:nvSpPr>
+        <p:spPr>
+          <a:xfrm>
+            <a:off x="1570672" y="6488668"/>
+            <a:ext cx="877163" cy="369332"/>
+          </a:xfrm>
+          <a:prstGeom prst="rect">
+            <a:avLst/>
+          </a:prstGeom>
+          <a:noFill/>
+        </p:spPr>
+        <p:txBody>
+          <a:bodyPr wrap="none" rtlCol="0">
+            <a:spAutoFit/>
+          </a:bodyPr>
+          <a:lstStyle/>
+          <a:p>
+            <a:r>
+              <a:rPr kumimoji="1" lang="ja-JP" altLang="en-US" dirty="0" smtClean="0"/>
+              <a:t>営業所</a:t>
+            </a:r>
+            <a:endParaRPr kumimoji="1" lang="ja-JP" altLang="en-US" dirty="0"/>
+          </a:p>
+        </p:txBody>
+      </p:sp>
+      <p:sp>
+        <p:nvSpPr>
+          <p:cNvPr id="27" name="右矢印 26"/>
+          <p:cNvSpPr/>
+          <p:nvPr/>
+        </p:nvSpPr>
+        <p:spPr>
+          <a:xfrm rot="5400000">
+            <a:off x="-1005832" y="3246526"/>
+            <a:ext cx="3558744" cy="196073"/>
+          </a:xfrm>
+          <a:prstGeom prst="rightArrow">
+            <a:avLst/>
+          </a:prstGeom>
+          <a:solidFill>
+            <a:schemeClr val="tx1"/>
+          </a:solidFill>
+          <a:ln>
+            <a:solidFill>
+              <a:srgbClr val="FFFF00"/>
+            </a:solidFill>
+          </a:ln>
+        </p:spPr>
+        <p:style>
+          <a:lnRef idx="2">
+            <a:schemeClr val="accent1">
+              <a:shade val="50000"/>
+            </a:schemeClr>
+          </a:lnRef>
+          <a:fillRef idx="1">
+            <a:schemeClr val="accent1"/>
+          </a:fillRef>
+          <a:effectRef idx="0">
+            <a:schemeClr val="accent1"/>
+          </a:effectRef>
+          <a:fontRef idx="minor">
+            <a:schemeClr val="lt1"/>
+          </a:fontRef>
+        </p:style>
+        <p:txBody>
+          <a:bodyPr rtlCol="0" anchor="ctr"/>
+          <a:lstStyle/>
+          <a:p>
+            <a:pPr algn="ctr"/>
+            <a:endParaRPr kumimoji="1" lang="ja-JP" altLang="en-US"/>
+          </a:p>
+        </p:txBody>
+      </p:sp>
+      <p:sp>
+        <p:nvSpPr>
+          <p:cNvPr id="36" name="右矢印 35"/>
+          <p:cNvSpPr/>
+          <p:nvPr/>
+        </p:nvSpPr>
+        <p:spPr>
+          <a:xfrm rot="16200000">
+            <a:off x="-703538" y="3250623"/>
+            <a:ext cx="3558744" cy="187877"/>
+          </a:xfrm>
+          <a:prstGeom prst="rightArrow">
+            <a:avLst/>
+          </a:prstGeom>
+          <a:solidFill>
+            <a:schemeClr val="tx1"/>
+          </a:solidFill>
+          <a:ln>
+            <a:solidFill>
+              <a:srgbClr val="FFFF00"/>
+            </a:solidFill>
+          </a:ln>
+        </p:spPr>
+        <p:style>
+          <a:lnRef idx="2">
+            <a:schemeClr val="accent1">
+              <a:shade val="50000"/>
+            </a:schemeClr>
+          </a:lnRef>
+          <a:fillRef idx="1">
+            <a:schemeClr val="accent1"/>
+          </a:fillRef>
+          <a:effectRef idx="0">
+            <a:schemeClr val="accent1"/>
+          </a:effectRef>
+          <a:fontRef idx="minor">
+            <a:schemeClr val="lt1"/>
+          </a:fontRef>
+        </p:style>
+        <p:txBody>
+          <a:bodyPr rtlCol="0" anchor="ctr"/>
+          <a:lstStyle/>
+          <a:p>
+            <a:pPr algn="ctr"/>
+            <a:endParaRPr kumimoji="1" lang="ja-JP" altLang="en-US"/>
+          </a:p>
+        </p:txBody>
+      </p:sp>
+      <p:sp>
+        <p:nvSpPr>
+          <p:cNvPr id="37" name="右矢印 36"/>
+          <p:cNvSpPr/>
+          <p:nvPr/>
+        </p:nvSpPr>
+        <p:spPr>
+          <a:xfrm rot="19860758">
+            <a:off x="1385812" y="3579447"/>
+            <a:ext cx="9078851" cy="206006"/>
+          </a:xfrm>
+          <a:prstGeom prst="rightArrow">
+            <a:avLst>
+              <a:gd name="adj1" fmla="val 50000"/>
+              <a:gd name="adj2" fmla="val 264576"/>
+            </a:avLst>
+          </a:prstGeom>
+          <a:solidFill>
+            <a:schemeClr val="tx1"/>
+          </a:solidFill>
+          <a:ln>
+            <a:solidFill>
+              <a:srgbClr val="FF0000"/>
+            </a:solidFill>
+          </a:ln>
+        </p:spPr>
+        <p:style>
+          <a:lnRef idx="2">
+            <a:schemeClr val="accent1">
+              <a:shade val="50000"/>
+            </a:schemeClr>
+          </a:lnRef>
+          <a:fillRef idx="1">
+            <a:schemeClr val="accent1"/>
+          </a:fillRef>
+          <a:effectRef idx="0">
+            <a:schemeClr val="accent1"/>
+          </a:effectRef>
+          <a:fontRef idx="minor">
+            <a:schemeClr val="lt1"/>
+          </a:fontRef>
+        </p:style>
+        <p:txBody>
+          <a:bodyPr rtlCol="0" anchor="ctr"/>
+          <a:lstStyle/>
+          <a:p>
+            <a:pPr algn="ctr"/>
+            <a:endParaRPr kumimoji="1" lang="ja-JP" altLang="en-US"/>
+          </a:p>
+        </p:txBody>
+      </p:sp>
+      <p:sp>
+        <p:nvSpPr>
+          <p:cNvPr id="38" name="右矢印 37"/>
+          <p:cNvSpPr/>
+          <p:nvPr/>
+        </p:nvSpPr>
+        <p:spPr>
+          <a:xfrm rot="9061531">
+            <a:off x="1180390" y="3241557"/>
+            <a:ext cx="9078851" cy="206006"/>
+          </a:xfrm>
+          <a:prstGeom prst="rightArrow">
+            <a:avLst>
+              <a:gd name="adj1" fmla="val 50000"/>
+              <a:gd name="adj2" fmla="val 264576"/>
+            </a:avLst>
+          </a:prstGeom>
+          <a:solidFill>
+            <a:schemeClr val="tx1"/>
+          </a:solidFill>
+          <a:ln>
+            <a:solidFill>
+              <a:srgbClr val="FF0000"/>
+            </a:solidFill>
+          </a:ln>
+        </p:spPr>
+        <p:style>
+          <a:lnRef idx="2">
+            <a:schemeClr val="accent1">
+              <a:shade val="50000"/>
+            </a:schemeClr>
+          </a:lnRef>
+          <a:fillRef idx="1">
+            <a:schemeClr val="accent1"/>
+          </a:fillRef>
+          <a:effectRef idx="0">
+            <a:schemeClr val="accent1"/>
+          </a:effectRef>
+          <a:fontRef idx="minor">
+            <a:schemeClr val="lt1"/>
+          </a:fontRef>
+        </p:style>
+        <p:txBody>
+          <a:bodyPr rtlCol="0" anchor="ctr"/>
+          <a:lstStyle/>
+          <a:p>
+            <a:pPr algn="ctr"/>
+            <a:endParaRPr kumimoji="1" lang="ja-JP" altLang="en-US"/>
+          </a:p>
+        </p:txBody>
+      </p:sp>
+      <p:sp>
+        <p:nvSpPr>
+          <p:cNvPr id="39" name="右矢印 38"/>
+          <p:cNvSpPr/>
+          <p:nvPr/>
+        </p:nvSpPr>
+        <p:spPr>
+          <a:xfrm rot="16200000">
+            <a:off x="8636559" y="3320174"/>
+            <a:ext cx="3558744" cy="196073"/>
+          </a:xfrm>
+          <a:prstGeom prst="rightArrow">
+            <a:avLst/>
+          </a:prstGeom>
+          <a:solidFill>
+            <a:schemeClr val="tx1"/>
+          </a:solidFill>
+          <a:ln>
+            <a:solidFill>
+              <a:srgbClr val="00B0F0"/>
+            </a:solidFill>
+          </a:ln>
+        </p:spPr>
+        <p:style>
+          <a:lnRef idx="2">
+            <a:schemeClr val="accent1">
+              <a:shade val="50000"/>
+            </a:schemeClr>
+          </a:lnRef>
+          <a:fillRef idx="1">
+            <a:schemeClr val="accent1"/>
+          </a:fillRef>
+          <a:effectRef idx="0">
+            <a:schemeClr val="accent1"/>
+          </a:effectRef>
+          <a:fontRef idx="minor">
+            <a:schemeClr val="lt1"/>
+          </a:fontRef>
+        </p:style>
+        <p:txBody>
+          <a:bodyPr rtlCol="0" anchor="ctr"/>
+          <a:lstStyle/>
+          <a:p>
+            <a:pPr algn="ctr"/>
+            <a:endParaRPr kumimoji="1" lang="ja-JP" altLang="en-US"/>
+          </a:p>
+        </p:txBody>
+      </p:sp>
+      <p:sp>
+        <p:nvSpPr>
+          <p:cNvPr id="40" name="右矢印 39"/>
+          <p:cNvSpPr/>
+          <p:nvPr/>
+        </p:nvSpPr>
+        <p:spPr>
+          <a:xfrm rot="5400000">
+            <a:off x="9080707" y="3349060"/>
+            <a:ext cx="3558744" cy="196073"/>
+          </a:xfrm>
+          <a:prstGeom prst="rightArrow">
+            <a:avLst/>
+          </a:prstGeom>
+          <a:solidFill>
+            <a:schemeClr val="tx1"/>
+          </a:solidFill>
+          <a:ln>
+            <a:solidFill>
+              <a:srgbClr val="00B0F0"/>
+            </a:solidFill>
+          </a:ln>
+        </p:spPr>
+        <p:style>
+          <a:lnRef idx="2">
+            <a:schemeClr val="accent1">
+              <a:shade val="50000"/>
+            </a:schemeClr>
+          </a:lnRef>
+          <a:fillRef idx="1">
+            <a:schemeClr val="accent1"/>
+          </a:fillRef>
+          <a:effectRef idx="0">
+            <a:schemeClr val="accent1"/>
+          </a:effectRef>
+          <a:fontRef idx="minor">
+            <a:schemeClr val="lt1"/>
+          </a:fontRef>
+        </p:style>
+        <p:txBody>
+          <a:bodyPr rtlCol="0" anchor="ctr"/>
+          <a:lstStyle/>
+          <a:p>
+            <a:pPr algn="ctr"/>
+            <a:endParaRPr kumimoji="1" lang="ja-JP" altLang="en-US"/>
+          </a:p>
+        </p:txBody>
+      </p:sp>
+      <p:pic>
+        <p:nvPicPr>
+          <p:cNvPr id="1033" name="Picture 9" descr="C:\Users\yamanin3\Desktop\images\computer_tablet_man.png"/>
+          <p:cNvPicPr>
+            <a:picLocks noChangeAspect="1" noChangeArrowheads="1"/>
+          </p:cNvPicPr>
+          <p:nvPr/>
+        </p:nvPicPr>
+        <p:blipFill>
+          <a:blip r:embed="rId7" cstate="print">
+            <a:extLst>
+              <a:ext uri="{28A0092B-C50C-407E-A947-70E740481C1C}">
+                <a14:useLocalDpi xmlns:a14="http://schemas.microsoft.com/office/drawing/2010/main" val="0"/>
+              </a:ext>
+            </a:extLst>
+          </a:blip>
+          <a:srcRect/>
+          <a:stretch>
+            <a:fillRect/>
+          </a:stretch>
+        </p:blipFill>
+        <p:spPr bwMode="auto">
+          <a:xfrm>
+            <a:off x="9828687" y="644176"/>
+            <a:ext cx="593458" cy="788648"/>
+          </a:xfrm>
+          <a:prstGeom prst="rect">
+            <a:avLst/>
+          </a:prstGeom>
+          <a:noFill/>
+          <a:extLst>
+            <a:ext uri="{909E8E84-426E-40DD-AFC4-6F175D3DCCD1}">
+              <a14:hiddenFill xmlns:a14="http://schemas.microsoft.com/office/drawing/2010/main">
+                <a:solidFill>
+                  <a:srgbClr val="FFFFFF"/>
+                </a:solidFill>
+              </a14:hiddenFill>
+            </a:ext>
+          </a:extLst>
+        </p:spPr>
+      </p:pic>
+      <p:pic>
+        <p:nvPicPr>
+          <p:cNvPr id="1034" name="Picture 10" descr="C:\Users\yamanin3\Desktop\images\building_koujou_entotsu.png"/>
+          <p:cNvPicPr>
+            <a:picLocks noChangeAspect="1" noChangeArrowheads="1"/>
+          </p:cNvPicPr>
+          <p:nvPr/>
+        </p:nvPicPr>
+        <p:blipFill>
+          <a:blip r:embed="rId8" cstate="print">
+            <a:extLst>
+              <a:ext uri="{28A0092B-C50C-407E-A947-70E740481C1C}">
+                <a14:useLocalDpi xmlns:a14="http://schemas.microsoft.com/office/drawing/2010/main" val="0"/>
+              </a:ext>
+            </a:extLst>
+          </a:blip>
+          <a:srcRect/>
+          <a:stretch>
+            <a:fillRect/>
+          </a:stretch>
+        </p:blipFill>
+        <p:spPr bwMode="auto">
+          <a:xfrm>
+            <a:off x="10031395" y="5316093"/>
+            <a:ext cx="1378668" cy="1312673"/>
+          </a:xfrm>
+          <a:prstGeom prst="rect">
+            <a:avLst/>
+          </a:prstGeom>
+          <a:noFill/>
+          <a:extLst>
+            <a:ext uri="{909E8E84-426E-40DD-AFC4-6F175D3DCCD1}">
+              <a14:hiddenFill xmlns:a14="http://schemas.microsoft.com/office/drawing/2010/main">
+                <a:solidFill>
+                  <a:srgbClr val="FFFFFF"/>
+                </a:solidFill>
+              </a14:hiddenFill>
+            </a:ext>
+          </a:extLst>
+        </p:spPr>
+      </p:pic>
+      <p:sp>
+        <p:nvSpPr>
+          <p:cNvPr id="28" name="テキスト ボックス 27"/>
+          <p:cNvSpPr txBox="1"/>
+          <p:nvPr/>
+        </p:nvSpPr>
+        <p:spPr>
+          <a:xfrm rot="19862444">
+            <a:off x="5283844" y="3675956"/>
+            <a:ext cx="1826141" cy="584775"/>
+          </a:xfrm>
+          <a:prstGeom prst="rect">
+            <a:avLst/>
+          </a:prstGeom>
+          <a:noFill/>
+        </p:spPr>
+        <p:txBody>
+          <a:bodyPr wrap="none" rtlCol="0">
+            <a:spAutoFit/>
+          </a:bodyPr>
+          <a:lstStyle/>
+          <a:p>
+            <a:r>
+              <a:rPr lang="ja-JP" altLang="en-US" sz="3200" dirty="0" smtClean="0"/>
+              <a:t>発注依頼</a:t>
+            </a:r>
+            <a:endParaRPr kumimoji="1" lang="ja-JP" altLang="en-US" sz="3200" dirty="0"/>
+          </a:p>
+        </p:txBody>
+      </p:sp>
+      <p:sp>
+        <p:nvSpPr>
+          <p:cNvPr id="45" name="テキスト ボックス 44"/>
+          <p:cNvSpPr txBox="1"/>
+          <p:nvPr/>
+        </p:nvSpPr>
+        <p:spPr>
+          <a:xfrm rot="19862444">
+            <a:off x="5099725" y="2692136"/>
+            <a:ext cx="1005403" cy="584775"/>
+          </a:xfrm>
+          <a:prstGeom prst="rect">
+            <a:avLst/>
+          </a:prstGeom>
+          <a:noFill/>
+        </p:spPr>
+        <p:txBody>
+          <a:bodyPr wrap="none" rtlCol="0">
+            <a:spAutoFit/>
+          </a:bodyPr>
+          <a:lstStyle/>
+          <a:p>
+            <a:r>
+              <a:rPr lang="ja-JP" altLang="en-US" sz="3200" dirty="0" smtClean="0"/>
+              <a:t>納品</a:t>
+            </a:r>
+            <a:endParaRPr kumimoji="1" lang="ja-JP" altLang="en-US" sz="3200" dirty="0"/>
+          </a:p>
+        </p:txBody>
+      </p:sp>
+      <p:sp>
+        <p:nvSpPr>
+          <p:cNvPr id="47" name="テキスト ボックス 46"/>
+          <p:cNvSpPr txBox="1"/>
+          <p:nvPr/>
+        </p:nvSpPr>
+        <p:spPr>
+          <a:xfrm>
+            <a:off x="9312491" y="3052174"/>
+            <a:ext cx="1005403" cy="584775"/>
+          </a:xfrm>
+          <a:prstGeom prst="rect">
+            <a:avLst/>
+          </a:prstGeom>
+          <a:noFill/>
+        </p:spPr>
+        <p:txBody>
+          <a:bodyPr wrap="none" rtlCol="0">
+            <a:spAutoFit/>
+          </a:bodyPr>
+          <a:lstStyle/>
+          <a:p>
+            <a:r>
+              <a:rPr kumimoji="1" lang="ja-JP" altLang="en-US" sz="3200" dirty="0" smtClean="0"/>
+              <a:t>入庫</a:t>
+            </a:r>
+            <a:endParaRPr kumimoji="1" lang="ja-JP" altLang="en-US" sz="3200" dirty="0"/>
+          </a:p>
+        </p:txBody>
+      </p:sp>
+      <p:sp>
+        <p:nvSpPr>
+          <p:cNvPr id="48" name="テキスト ボックス 47"/>
+          <p:cNvSpPr txBox="1"/>
+          <p:nvPr/>
+        </p:nvSpPr>
+        <p:spPr>
+          <a:xfrm>
+            <a:off x="10955988" y="3052174"/>
+            <a:ext cx="1005403" cy="584775"/>
+          </a:xfrm>
+          <a:prstGeom prst="rect">
+            <a:avLst/>
+          </a:prstGeom>
+          <a:noFill/>
+        </p:spPr>
+        <p:txBody>
+          <a:bodyPr wrap="none" rtlCol="0">
+            <a:spAutoFit/>
+          </a:bodyPr>
+          <a:lstStyle/>
+          <a:p>
+            <a:r>
+              <a:rPr kumimoji="1" lang="ja-JP" altLang="en-US" sz="3200" dirty="0" smtClean="0"/>
+              <a:t>発注</a:t>
+            </a:r>
+            <a:endParaRPr kumimoji="1" lang="ja-JP" altLang="en-US" sz="3200" dirty="0"/>
+          </a:p>
+        </p:txBody>
+      </p:sp>
+      <p:sp>
+        <p:nvSpPr>
+          <p:cNvPr id="49" name="テキスト ボックス 48"/>
+          <p:cNvSpPr txBox="1"/>
+          <p:nvPr/>
+        </p:nvSpPr>
+        <p:spPr>
+          <a:xfrm>
+            <a:off x="1169773" y="2688505"/>
+            <a:ext cx="576910" cy="1077218"/>
+          </a:xfrm>
+          <a:prstGeom prst="rect">
+            <a:avLst/>
+          </a:prstGeom>
+          <a:noFill/>
+        </p:spPr>
+        <p:txBody>
+          <a:bodyPr wrap="square" rtlCol="0">
+            <a:spAutoFit/>
+          </a:bodyPr>
+          <a:lstStyle/>
+          <a:p>
+            <a:r>
+              <a:rPr lang="ja-JP" altLang="en-US" sz="3200" dirty="0"/>
+              <a:t>出荷</a:t>
+            </a:r>
+            <a:endParaRPr kumimoji="1" lang="ja-JP" altLang="en-US" sz="3200" dirty="0"/>
+          </a:p>
+        </p:txBody>
+      </p:sp>
+      <p:sp>
+        <p:nvSpPr>
+          <p:cNvPr id="50" name="テキスト ボックス 49"/>
+          <p:cNvSpPr txBox="1"/>
+          <p:nvPr/>
+        </p:nvSpPr>
+        <p:spPr>
+          <a:xfrm>
+            <a:off x="98593" y="2688505"/>
+            <a:ext cx="576910" cy="1077218"/>
+          </a:xfrm>
+          <a:prstGeom prst="rect">
+            <a:avLst/>
+          </a:prstGeom>
+          <a:noFill/>
+        </p:spPr>
+        <p:txBody>
+          <a:bodyPr wrap="square" rtlCol="0">
+            <a:spAutoFit/>
+          </a:bodyPr>
+          <a:lstStyle/>
+          <a:p>
+            <a:r>
+              <a:rPr lang="ja-JP" altLang="en-US" sz="3200" dirty="0"/>
+              <a:t>注文</a:t>
+            </a:r>
+            <a:endParaRPr kumimoji="1" lang="ja-JP" altLang="en-US" sz="3200" dirty="0"/>
           </a:p>
         </p:txBody>
       </p:sp>
@@ -3745,7 +4512,7 @@
                             </p:stCondLst>
                             <p:childTnLst>
                               <p:par>
-                                <p:cTn id="5" presetID="10" presetClass="entr" presetSubtype="0" fill="hold" grpId="0" nodeType="clickEffect">
+                                <p:cTn id="5" presetID="22" presetClass="entr" presetSubtype="1" fill="hold" grpId="0" nodeType="clickEffect">
                                   <p:stCondLst>
                                     <p:cond delay="0"/>
                                   </p:stCondLst>
@@ -3758,7 +4525,7 @@
                                           </p:stCondLst>
                                         </p:cTn>
                                         <p:tgtEl>
-                                          <p:spTgt spid="3"/>
+                                          <p:spTgt spid="27"/>
                                         </p:tgtEl>
                                         <p:attrNameLst>
                                           <p:attrName>style.visibility</p:attrName>
@@ -3768,11 +4535,11 @@
                                         <p:strVal val="visible"/>
                                       </p:to>
                                     </p:set>
-                                    <p:animEffect transition="in" filter="fade">
+                                    <p:animEffect transition="in" filter="wipe(up)">
                                       <p:cBhvr>
                                         <p:cTn id="7" dur="500"/>
                                         <p:tgtEl>
-                                          <p:spTgt spid="3"/>
+                                          <p:spTgt spid="27"/>
                                         </p:tgtEl>
                                       </p:cBhvr>
                                     </p:animEffect>
@@ -3780,7 +4547,7 @@
                                 </p:cTn>
                               </p:par>
                               <p:par>
-                                <p:cTn id="8" presetID="10" presetClass="entr" presetSubtype="0" fill="hold" grpId="0" nodeType="withEffect">
+                                <p:cTn id="8" presetID="22" presetClass="entr" presetSubtype="1" fill="hold" grpId="0" nodeType="withEffect">
                                   <p:stCondLst>
                                     <p:cond delay="0"/>
                                   </p:stCondLst>
@@ -3793,7 +4560,7 @@
                                           </p:stCondLst>
                                         </p:cTn>
                                         <p:tgtEl>
-                                          <p:spTgt spid="10"/>
+                                          <p:spTgt spid="50"/>
                                         </p:tgtEl>
                                         <p:attrNameLst>
                                           <p:attrName>style.visibility</p:attrName>
@@ -3803,11 +4570,451 @@
                                         <p:strVal val="visible"/>
                                       </p:to>
                                     </p:set>
-                                    <p:animEffect transition="in" filter="fade">
+                                    <p:animEffect transition="in" filter="wipe(up)">
                                       <p:cBhvr>
                                         <p:cTn id="10" dur="500"/>
                                         <p:tgtEl>
-                                          <p:spTgt spid="10"/>
+                                          <p:spTgt spid="50"/>
+                                        </p:tgtEl>
+                                      </p:cBhvr>
+                                    </p:animEffect>
+                                  </p:childTnLst>
+                                </p:cTn>
+                              </p:par>
+                            </p:childTnLst>
+                          </p:cTn>
+                        </p:par>
+                      </p:childTnLst>
+                    </p:cTn>
+                  </p:par>
+                  <p:par>
+                    <p:cTn id="11" fill="hold">
+                      <p:stCondLst>
+                        <p:cond delay="indefinite"/>
+                      </p:stCondLst>
+                      <p:childTnLst>
+                        <p:par>
+                          <p:cTn id="12" fill="hold">
+                            <p:stCondLst>
+                              <p:cond delay="0"/>
+                            </p:stCondLst>
+                            <p:childTnLst>
+                              <p:par>
+                                <p:cTn id="13" presetID="22" presetClass="entr" presetSubtype="8" fill="hold" grpId="0" nodeType="clickEffect">
+                                  <p:stCondLst>
+                                    <p:cond delay="0"/>
+                                  </p:stCondLst>
+                                  <p:childTnLst>
+                                    <p:set>
+                                      <p:cBhvr>
+                                        <p:cTn id="14" dur="1" fill="hold">
+                                          <p:stCondLst>
+                                            <p:cond delay="0"/>
+                                          </p:stCondLst>
+                                        </p:cTn>
+                                        <p:tgtEl>
+                                          <p:spTgt spid="37"/>
+                                        </p:tgtEl>
+                                        <p:attrNameLst>
+                                          <p:attrName>style.visibility</p:attrName>
+                                        </p:attrNameLst>
+                                      </p:cBhvr>
+                                      <p:to>
+                                        <p:strVal val="visible"/>
+                                      </p:to>
+                                    </p:set>
+                                    <p:animEffect transition="in" filter="wipe(left)">
+                                      <p:cBhvr>
+                                        <p:cTn id="15" dur="500"/>
+                                        <p:tgtEl>
+                                          <p:spTgt spid="37"/>
+                                        </p:tgtEl>
+                                      </p:cBhvr>
+                                    </p:animEffect>
+                                  </p:childTnLst>
+                                </p:cTn>
+                              </p:par>
+                              <p:par>
+                                <p:cTn id="16" presetID="22" presetClass="entr" presetSubtype="8" fill="hold" grpId="0" nodeType="withEffect">
+                                  <p:stCondLst>
+                                    <p:cond delay="0"/>
+                                  </p:stCondLst>
+                                  <p:childTnLst>
+                                    <p:set>
+                                      <p:cBhvr>
+                                        <p:cTn id="17" dur="1" fill="hold">
+                                          <p:stCondLst>
+                                            <p:cond delay="0"/>
+                                          </p:stCondLst>
+                                        </p:cTn>
+                                        <p:tgtEl>
+                                          <p:spTgt spid="28"/>
+                                        </p:tgtEl>
+                                        <p:attrNameLst>
+                                          <p:attrName>style.visibility</p:attrName>
+                                        </p:attrNameLst>
+                                      </p:cBhvr>
+                                      <p:to>
+                                        <p:strVal val="visible"/>
+                                      </p:to>
+                                    </p:set>
+                                    <p:animEffect transition="in" filter="wipe(left)">
+                                      <p:cBhvr>
+                                        <p:cTn id="18" dur="500"/>
+                                        <p:tgtEl>
+                                          <p:spTgt spid="28"/>
+                                        </p:tgtEl>
+                                      </p:cBhvr>
+                                    </p:animEffect>
+                                  </p:childTnLst>
+                                </p:cTn>
+                              </p:par>
+                            </p:childTnLst>
+                          </p:cTn>
+                        </p:par>
+                      </p:childTnLst>
+                    </p:cTn>
+                  </p:par>
+                  <p:par>
+                    <p:cTn id="19" fill="hold">
+                      <p:stCondLst>
+                        <p:cond delay="indefinite"/>
+                      </p:stCondLst>
+                      <p:childTnLst>
+                        <p:par>
+                          <p:cTn id="20" fill="hold">
+                            <p:stCondLst>
+                              <p:cond delay="0"/>
+                            </p:stCondLst>
+                            <p:childTnLst>
+                              <p:par>
+                                <p:cTn id="21" presetID="22" presetClass="entr" presetSubtype="1" fill="hold" grpId="0" nodeType="clickEffect">
+                                  <p:stCondLst>
+                                    <p:cond delay="0"/>
+                                  </p:stCondLst>
+                                  <p:childTnLst>
+                                    <p:set>
+                                      <p:cBhvr>
+                                        <p:cTn id="22" dur="1" fill="hold">
+                                          <p:stCondLst>
+                                            <p:cond delay="0"/>
+                                          </p:stCondLst>
+                                        </p:cTn>
+                                        <p:tgtEl>
+                                          <p:spTgt spid="40"/>
+                                        </p:tgtEl>
+                                        <p:attrNameLst>
+                                          <p:attrName>style.visibility</p:attrName>
+                                        </p:attrNameLst>
+                                      </p:cBhvr>
+                                      <p:to>
+                                        <p:strVal val="visible"/>
+                                      </p:to>
+                                    </p:set>
+                                    <p:animEffect transition="in" filter="wipe(up)">
+                                      <p:cBhvr>
+                                        <p:cTn id="23" dur="500"/>
+                                        <p:tgtEl>
+                                          <p:spTgt spid="40"/>
+                                        </p:tgtEl>
+                                      </p:cBhvr>
+                                    </p:animEffect>
+                                  </p:childTnLst>
+                                </p:cTn>
+                              </p:par>
+                              <p:par>
+                                <p:cTn id="24" presetID="22" presetClass="entr" presetSubtype="1" fill="hold" grpId="0" nodeType="withEffect">
+                                  <p:stCondLst>
+                                    <p:cond delay="0"/>
+                                  </p:stCondLst>
+                                  <p:childTnLst>
+                                    <p:set>
+                                      <p:cBhvr>
+                                        <p:cTn id="25" dur="1" fill="hold">
+                                          <p:stCondLst>
+                                            <p:cond delay="0"/>
+                                          </p:stCondLst>
+                                        </p:cTn>
+                                        <p:tgtEl>
+                                          <p:spTgt spid="48"/>
+                                        </p:tgtEl>
+                                        <p:attrNameLst>
+                                          <p:attrName>style.visibility</p:attrName>
+                                        </p:attrNameLst>
+                                      </p:cBhvr>
+                                      <p:to>
+                                        <p:strVal val="visible"/>
+                                      </p:to>
+                                    </p:set>
+                                    <p:animEffect transition="in" filter="wipe(up)">
+                                      <p:cBhvr>
+                                        <p:cTn id="26" dur="500"/>
+                                        <p:tgtEl>
+                                          <p:spTgt spid="48"/>
+                                        </p:tgtEl>
+                                      </p:cBhvr>
+                                    </p:animEffect>
+                                  </p:childTnLst>
+                                </p:cTn>
+                              </p:par>
+                            </p:childTnLst>
+                          </p:cTn>
+                        </p:par>
+                      </p:childTnLst>
+                    </p:cTn>
+                  </p:par>
+                  <p:par>
+                    <p:cTn id="27" fill="hold">
+                      <p:stCondLst>
+                        <p:cond delay="indefinite"/>
+                      </p:stCondLst>
+                      <p:childTnLst>
+                        <p:par>
+                          <p:cTn id="28" fill="hold">
+                            <p:stCondLst>
+                              <p:cond delay="0"/>
+                            </p:stCondLst>
+                            <p:childTnLst>
+                              <p:par>
+                                <p:cTn id="29" presetID="22" presetClass="entr" presetSubtype="4" fill="hold" grpId="0" nodeType="clickEffect">
+                                  <p:stCondLst>
+                                    <p:cond delay="0"/>
+                                  </p:stCondLst>
+                                  <p:childTnLst>
+                                    <p:set>
+                                      <p:cBhvr>
+                                        <p:cTn id="30" dur="1" fill="hold">
+                                          <p:stCondLst>
+                                            <p:cond delay="0"/>
+                                          </p:stCondLst>
+                                        </p:cTn>
+                                        <p:tgtEl>
+                                          <p:spTgt spid="39"/>
+                                        </p:tgtEl>
+                                        <p:attrNameLst>
+                                          <p:attrName>style.visibility</p:attrName>
+                                        </p:attrNameLst>
+                                      </p:cBhvr>
+                                      <p:to>
+                                        <p:strVal val="visible"/>
+                                      </p:to>
+                                    </p:set>
+                                    <p:animEffect transition="in" filter="wipe(down)">
+                                      <p:cBhvr>
+                                        <p:cTn id="31" dur="500"/>
+                                        <p:tgtEl>
+                                          <p:spTgt spid="39"/>
+                                        </p:tgtEl>
+                                      </p:cBhvr>
+                                    </p:animEffect>
+                                  </p:childTnLst>
+                                </p:cTn>
+                              </p:par>
+                              <p:par>
+                                <p:cTn id="32" presetID="22" presetClass="entr" presetSubtype="4" fill="hold" grpId="0" nodeType="withEffect">
+                                  <p:stCondLst>
+                                    <p:cond delay="0"/>
+                                  </p:stCondLst>
+                                  <p:childTnLst>
+                                    <p:set>
+                                      <p:cBhvr>
+                                        <p:cTn id="33" dur="1" fill="hold">
+                                          <p:stCondLst>
+                                            <p:cond delay="0"/>
+                                          </p:stCondLst>
+                                        </p:cTn>
+                                        <p:tgtEl>
+                                          <p:spTgt spid="47"/>
+                                        </p:tgtEl>
+                                        <p:attrNameLst>
+                                          <p:attrName>style.visibility</p:attrName>
+                                        </p:attrNameLst>
+                                      </p:cBhvr>
+                                      <p:to>
+                                        <p:strVal val="visible"/>
+                                      </p:to>
+                                    </p:set>
+                                    <p:animEffect transition="in" filter="wipe(down)">
+                                      <p:cBhvr>
+                                        <p:cTn id="34" dur="500"/>
+                                        <p:tgtEl>
+                                          <p:spTgt spid="47"/>
+                                        </p:tgtEl>
+                                      </p:cBhvr>
+                                    </p:animEffect>
+                                  </p:childTnLst>
+                                </p:cTn>
+                              </p:par>
+                            </p:childTnLst>
+                          </p:cTn>
+                        </p:par>
+                      </p:childTnLst>
+                    </p:cTn>
+                  </p:par>
+                  <p:par>
+                    <p:cTn id="35" fill="hold">
+                      <p:stCondLst>
+                        <p:cond delay="indefinite"/>
+                      </p:stCondLst>
+                      <p:childTnLst>
+                        <p:par>
+                          <p:cTn id="36" fill="hold">
+                            <p:stCondLst>
+                              <p:cond delay="0"/>
+                            </p:stCondLst>
+                            <p:childTnLst>
+                              <p:par>
+                                <p:cTn id="37" presetID="22" presetClass="entr" presetSubtype="2" fill="hold" grpId="0" nodeType="clickEffect">
+                                  <p:stCondLst>
+                                    <p:cond delay="0"/>
+                                  </p:stCondLst>
+                                  <p:childTnLst>
+                                    <p:set>
+                                      <p:cBhvr>
+                                        <p:cTn id="38" dur="1" fill="hold">
+                                          <p:stCondLst>
+                                            <p:cond delay="0"/>
+                                          </p:stCondLst>
+                                        </p:cTn>
+                                        <p:tgtEl>
+                                          <p:spTgt spid="38"/>
+                                        </p:tgtEl>
+                                        <p:attrNameLst>
+                                          <p:attrName>style.visibility</p:attrName>
+                                        </p:attrNameLst>
+                                      </p:cBhvr>
+                                      <p:to>
+                                        <p:strVal val="visible"/>
+                                      </p:to>
+                                    </p:set>
+                                    <p:animEffect transition="in" filter="wipe(right)">
+                                      <p:cBhvr>
+                                        <p:cTn id="39" dur="500"/>
+                                        <p:tgtEl>
+                                          <p:spTgt spid="38"/>
+                                        </p:tgtEl>
+                                      </p:cBhvr>
+                                    </p:animEffect>
+                                  </p:childTnLst>
+                                </p:cTn>
+                              </p:par>
+                              <p:par>
+                                <p:cTn id="40" presetID="22" presetClass="entr" presetSubtype="2" fill="hold" grpId="0" nodeType="withEffect">
+                                  <p:stCondLst>
+                                    <p:cond delay="0"/>
+                                  </p:stCondLst>
+                                  <p:childTnLst>
+                                    <p:set>
+                                      <p:cBhvr>
+                                        <p:cTn id="41" dur="1" fill="hold">
+                                          <p:stCondLst>
+                                            <p:cond delay="0"/>
+                                          </p:stCondLst>
+                                        </p:cTn>
+                                        <p:tgtEl>
+                                          <p:spTgt spid="45"/>
+                                        </p:tgtEl>
+                                        <p:attrNameLst>
+                                          <p:attrName>style.visibility</p:attrName>
+                                        </p:attrNameLst>
+                                      </p:cBhvr>
+                                      <p:to>
+                                        <p:strVal val="visible"/>
+                                      </p:to>
+                                    </p:set>
+                                    <p:animEffect transition="in" filter="wipe(right)">
+                                      <p:cBhvr>
+                                        <p:cTn id="42" dur="500"/>
+                                        <p:tgtEl>
+                                          <p:spTgt spid="45"/>
+                                        </p:tgtEl>
+                                      </p:cBhvr>
+                                    </p:animEffect>
+                                  </p:childTnLst>
+                                </p:cTn>
+                              </p:par>
+                            </p:childTnLst>
+                          </p:cTn>
+                        </p:par>
+                      </p:childTnLst>
+                    </p:cTn>
+                  </p:par>
+                  <p:par>
+                    <p:cTn id="43" fill="hold">
+                      <p:stCondLst>
+                        <p:cond delay="indefinite"/>
+                      </p:stCondLst>
+                      <p:childTnLst>
+                        <p:par>
+                          <p:cTn id="44" fill="hold">
+                            <p:stCondLst>
+                              <p:cond delay="0"/>
+                            </p:stCondLst>
+                            <p:childTnLst>
+                              <p:par>
+                                <p:cTn id="45" presetID="22" presetClass="entr" presetSubtype="4" fill="hold" grpId="0" nodeType="clickEffect">
+                                  <p:stCondLst>
+                                    <p:cond delay="0"/>
+                                  </p:stCondLst>
+                                  <p:childTnLst>
+                                    <p:set>
+                                      <p:cBhvr>
+                                        <p:cTn id="46" dur="1" fill="hold">
+                                          <p:stCondLst>
+                                            <p:cond delay="0"/>
+                                          </p:stCondLst>
+                                        </p:cTn>
+                                        <p:tgtEl>
+                                          <p:spTgt spid="36"/>
+                                        </p:tgtEl>
+                                        <p:attrNameLst>
+                                          <p:attrName>style.visibility</p:attrName>
+                                        </p:attrNameLst>
+                                      </p:cBhvr>
+                                      <p:to>
+                                        <p:strVal val="visible"/>
+                                      </p:to>
+                                    </p:set>
+                                    <p:animEffect transition="in" filter="wipe(down)">
+                                      <p:cBhvr>
+                                        <p:cTn id="47" dur="500"/>
+                                        <p:tgtEl>
+                                          <p:spTgt spid="36"/>
+                                        </p:tgtEl>
+                                      </p:cBhvr>
+                                    </p:animEffect>
+                                  </p:childTnLst>
+                                </p:cTn>
+                              </p:par>
+                              <p:par>
+                                <p:cTn id="48" presetID="22" presetClass="entr" presetSubtype="4" fill="hold" grpId="0" nodeType="withEffect">
+                                  <p:stCondLst>
+                                    <p:cond delay="0"/>
+                                  </p:stCondLst>
+                                  <p:childTnLst>
+                                    <p:set>
+                                      <p:cBhvr>
+                                        <p:cTn id="49" dur="1" fill="hold">
+                                          <p:stCondLst>
+                                            <p:cond delay="0"/>
+                                          </p:stCondLst>
+                                        </p:cTn>
+                                        <p:tgtEl>
+                                          <p:spTgt spid="49"/>
+                                        </p:tgtEl>
+                                        <p:attrNameLst>
+                                          <p:attrName>style.visibility</p:attrName>
+                                        </p:attrNameLst>
+                                      </p:cBhvr>
+                                      <p:to>
+                                        <p:strVal val="visible"/>
+                                      </p:to>
+                                    </p:set>
+                                    <p:animEffect transition="in" filter="wipe(down)">
+                                      <p:cBhvr>
+                                        <p:cTn id="50" dur="500"/>
+                                        <p:tgtEl>
+                                          <p:spTgt spid="49"/>
                                         </p:tgtEl>
                                       </p:cBhvr>
                                     </p:animEffect>
@@ -3842,8 +5049,18 @@
       </p:par>
     </p:tnLst>
     <p:bldLst>
-      <p:bldP spid="3" grpId="0"/>
-      <p:bldP spid="10" grpId="0"/>
+      <p:bldP spid="27" grpId="0" animBg="1"/>
+      <p:bldP spid="36" grpId="0" animBg="1"/>
+      <p:bldP spid="37" grpId="0" animBg="1"/>
+      <p:bldP spid="38" grpId="0" animBg="1"/>
+      <p:bldP spid="39" grpId="0" animBg="1"/>
+      <p:bldP spid="40" grpId="0" animBg="1"/>
+      <p:bldP spid="28" grpId="0"/>
+      <p:bldP spid="45" grpId="0"/>
+      <p:bldP spid="47" grpId="0"/>
+      <p:bldP spid="48" grpId="0"/>
+      <p:bldP spid="49" grpId="0"/>
+      <p:bldP spid="50" grpId="0"/>
     </p:bldLst>
   </p:timing>
 </p:sld>
@@ -4150,7 +5367,12 @@
             <p:ph type="title"/>
           </p:nvPr>
         </p:nvSpPr>
-        <p:spPr/>
+        <p:spPr>
+          <a:xfrm>
+            <a:off x="459259" y="0"/>
+            <a:ext cx="10515600" cy="1325563"/>
+          </a:xfrm>
+        </p:spPr>
         <p:txBody>
           <a:bodyPr>
             <a:normAutofit/>
@@ -4281,7 +5503,12 @@
             <p:ph type="title"/>
           </p:nvPr>
         </p:nvSpPr>
-        <p:spPr/>
+        <p:spPr>
+          <a:xfrm>
+            <a:off x="459259" y="0"/>
+            <a:ext cx="10515600" cy="1325563"/>
+          </a:xfrm>
+        </p:spPr>
         <p:txBody>
           <a:bodyPr>
             <a:normAutofit/>
@@ -4412,7 +5639,12 @@
             <p:ph type="title"/>
           </p:nvPr>
         </p:nvSpPr>
-        <p:spPr/>
+        <p:spPr>
+          <a:xfrm>
+            <a:off x="508687" y="0"/>
+            <a:ext cx="10515600" cy="1325563"/>
+          </a:xfrm>
+        </p:spPr>
         <p:txBody>
           <a:bodyPr/>
           <a:lstStyle/>
@@ -4606,7 +5838,12 @@
             <p:ph type="title"/>
           </p:nvPr>
         </p:nvSpPr>
-        <p:spPr/>
+        <p:spPr>
+          <a:xfrm>
+            <a:off x="549875" y="0"/>
+            <a:ext cx="10515600" cy="1325563"/>
+          </a:xfrm>
+        </p:spPr>
         <p:txBody>
           <a:bodyPr/>
           <a:lstStyle/>
@@ -4761,7 +5998,15 @@
           <a:p>
             <a:r>
               <a:rPr kumimoji="1" lang="ja-JP" altLang="en-US" sz="2000" dirty="0" smtClean="0"/>
-              <a:t>・システム構造図</a:t>
+              <a:t>・システム</a:t>
+            </a:r>
+            <a:r>
+              <a:rPr kumimoji="1" lang="ja-JP" altLang="en-US" sz="2000" dirty="0" smtClean="0"/>
+              <a:t>構造図</a:t>
+            </a:r>
+            <a:r>
+              <a:rPr kumimoji="1" lang="en-US" altLang="ja-JP" sz="2000" dirty="0" smtClean="0"/>
+              <a:t>	</a:t>
             </a:r>
             <a:r>
               <a:rPr kumimoji="1" lang="en-US" altLang="ja-JP" sz="2000" dirty="0" smtClean="0"/>
@@ -4838,7 +6083,7 @@
         <p:spPr>
           <a:xfrm>
             <a:off x="1750423" y="3805699"/>
-            <a:ext cx="5262979" cy="2031325"/>
+            <a:ext cx="4339650" cy="2031325"/>
           </a:xfrm>
           <a:prstGeom prst="rect">
             <a:avLst/>
@@ -4853,11 +6098,7 @@
           <a:p>
             <a:r>
               <a:rPr kumimoji="1" lang="ja-JP" altLang="en-US" dirty="0" smtClean="0"/>
-              <a:t>・各種サブシステム</a:t>
-            </a:r>
-            <a:r>
-              <a:rPr kumimoji="1" lang="ja-JP" altLang="en-US" dirty="0" smtClean="0"/>
-              <a:t>仕様書</a:t>
+              <a:t>・各種サブシステム仕様書</a:t>
             </a:r>
             <a:r>
               <a:rPr kumimoji="1" lang="en-US" altLang="ja-JP" dirty="0" smtClean="0"/>
@@ -4872,11 +6113,7 @@
           <a:p>
             <a:r>
               <a:rPr lang="ja-JP" altLang="en-US" dirty="0" smtClean="0"/>
-              <a:t>・各種データベース</a:t>
-            </a:r>
-            <a:r>
-              <a:rPr lang="ja-JP" altLang="en-US" dirty="0" smtClean="0"/>
-              <a:t>仕様書</a:t>
+              <a:t>・各種データベース仕様書</a:t>
             </a:r>
             <a:r>
               <a:rPr lang="en-US" altLang="ja-JP" dirty="0" smtClean="0"/>
@@ -4891,11 +6128,7 @@
           <a:p>
             <a:r>
               <a:rPr kumimoji="1" lang="ja-JP" altLang="en-US" dirty="0" smtClean="0"/>
-              <a:t>・各種画面</a:t>
-            </a:r>
-            <a:r>
-              <a:rPr kumimoji="1" lang="ja-JP" altLang="en-US" dirty="0" smtClean="0"/>
-              <a:t>仕様書</a:t>
+              <a:t>・各種画面仕様書</a:t>
             </a:r>
             <a:r>
               <a:rPr kumimoji="1" lang="en-US" altLang="ja-JP" dirty="0" smtClean="0"/>
@@ -4910,15 +6143,41 @@
           <a:p>
             <a:r>
               <a:rPr lang="ja-JP" altLang="en-US" dirty="0" smtClean="0"/>
-              <a:t>・各種プログラム</a:t>
+              <a:t>・各種プログラム仕様書</a:t>
+            </a:r>
+            <a:r>
+              <a:rPr lang="en-US" altLang="ja-JP" dirty="0" smtClean="0"/>
+              <a:t>		</a:t>
             </a:r>
             <a:r>
               <a:rPr lang="ja-JP" altLang="en-US" dirty="0" smtClean="0"/>
-              <a:t>仕様書</a:t>
+              <a:t>月日</a:t>
+            </a:r>
+            <a:endParaRPr lang="en-US" altLang="ja-JP" dirty="0" smtClean="0"/>
+          </a:p>
+          <a:p>
+            <a:r>
+              <a:rPr kumimoji="1" lang="ja-JP" altLang="en-US" dirty="0" smtClean="0"/>
+              <a:t>・各種モジュール仕様書</a:t>
+            </a:r>
+            <a:r>
+              <a:rPr kumimoji="1" lang="en-US" altLang="ja-JP" dirty="0" smtClean="0"/>
+              <a:t>		</a:t>
+            </a:r>
+            <a:r>
+              <a:rPr lang="ja-JP" altLang="en-US" dirty="0" smtClean="0"/>
+              <a:t>月日</a:t>
+            </a:r>
+            <a:endParaRPr kumimoji="1" lang="en-US" altLang="ja-JP" dirty="0" smtClean="0"/>
+          </a:p>
+          <a:p>
+            <a:r>
+              <a:rPr lang="ja-JP" altLang="en-US" dirty="0" smtClean="0"/>
+              <a:t>・テスト仕様書・テスト実施結果書</a:t>
             </a:r>
             <a:r>
               <a:rPr lang="en-US" altLang="ja-JP" dirty="0" smtClean="0"/>
-              <a:t>			</a:t>
+              <a:t>	</a:t>
             </a:r>
             <a:r>
               <a:rPr lang="ja-JP" altLang="en-US" dirty="0"/>
@@ -4929,49 +6188,7 @@
           <a:p>
             <a:r>
               <a:rPr kumimoji="1" lang="ja-JP" altLang="en-US" dirty="0" smtClean="0"/>
-              <a:t>・各種モジュール</a:t>
-            </a:r>
-            <a:r>
-              <a:rPr kumimoji="1" lang="ja-JP" altLang="en-US" dirty="0" smtClean="0"/>
-              <a:t>仕様書</a:t>
-            </a:r>
-            <a:r>
-              <a:rPr kumimoji="1" lang="en-US" altLang="ja-JP" dirty="0" smtClean="0"/>
-              <a:t>			</a:t>
-            </a:r>
-            <a:r>
-              <a:rPr lang="ja-JP" altLang="en-US" dirty="0"/>
-              <a:t>月日</a:t>
-            </a:r>
-            <a:endParaRPr kumimoji="1" lang="en-US" altLang="ja-JP" dirty="0" smtClean="0"/>
-          </a:p>
-          <a:p>
-            <a:r>
-              <a:rPr lang="ja-JP" altLang="en-US" dirty="0" smtClean="0"/>
-              <a:t>・テスト仕様書・テスト実施</a:t>
-            </a:r>
-            <a:r>
-              <a:rPr lang="ja-JP" altLang="en-US" dirty="0" smtClean="0"/>
-              <a:t>結果書</a:t>
-            </a:r>
-            <a:r>
-              <a:rPr lang="en-US" altLang="ja-JP" dirty="0" smtClean="0"/>
-              <a:t>	</a:t>
-            </a:r>
-            <a:r>
-              <a:rPr lang="ja-JP" altLang="en-US" dirty="0"/>
-              <a:t>月日</a:t>
-            </a:r>
-            <a:endParaRPr lang="en-US" altLang="ja-JP" dirty="0" smtClean="0"/>
-          </a:p>
-          <a:p>
-            <a:r>
-              <a:rPr kumimoji="1" lang="ja-JP" altLang="en-US" dirty="0" smtClean="0"/>
-              <a:t>・</a:t>
-            </a:r>
-            <a:r>
-              <a:rPr kumimoji="1" lang="ja-JP" altLang="en-US" dirty="0" smtClean="0"/>
-              <a:t>ガントチャート</a:t>
+              <a:t>・ガントチャート</a:t>
             </a:r>
             <a:r>
               <a:rPr kumimoji="1" lang="en-US" altLang="ja-JP" dirty="0" smtClean="0"/>
@@ -5260,7 +6477,7 @@
   <a:extraClrSchemeLst/>
   <a:extLst>
     <a:ext uri="{05A4C25C-085E-4340-85A3-A5531E510DB2}">
-      <thm15:themeFamily xmlns="" xmlns:thm15="http://schemas.microsoft.com/office/thememl/2012/main" name="Office Theme" id="{62F939B6-93AF-4DB8-9C6B-D6C7DFDC589F}" vid="{4A3C46E8-61CC-4603-A589-7422A47A8E4A}"/>
+      <thm15:themeFamily xmlns:thm15="http://schemas.microsoft.com/office/thememl/2012/main" xmlns="" name="Office Theme" id="{62F939B6-93AF-4DB8-9C6B-D6C7DFDC589F}" vid="{4A3C46E8-61CC-4603-A589-7422A47A8E4A}"/>
     </a:ext>
   </a:extLst>
 </a:theme>

--- a/企画発表プレゼンテーション.pptx
+++ b/企画発表プレゼンテーション.pptx
@@ -6,12 +6,13 @@
   </p:sldMasterIdLst>
   <p:sldIdLst>
     <p:sldId id="256" r:id="rId2"/>
-    <p:sldId id="257" r:id="rId3"/>
-    <p:sldId id="262" r:id="rId4"/>
-    <p:sldId id="258" r:id="rId5"/>
-    <p:sldId id="259" r:id="rId6"/>
-    <p:sldId id="260" r:id="rId7"/>
-    <p:sldId id="261" r:id="rId8"/>
+    <p:sldId id="263" r:id="rId3"/>
+    <p:sldId id="257" r:id="rId4"/>
+    <p:sldId id="262" r:id="rId5"/>
+    <p:sldId id="258" r:id="rId6"/>
+    <p:sldId id="259" r:id="rId7"/>
+    <p:sldId id="260" r:id="rId8"/>
+    <p:sldId id="261" r:id="rId9"/>
   </p:sldIdLst>
   <p:sldSz cx="12192000" cy="6858000"/>
   <p:notesSz cx="6858000" cy="9144000"/>
@@ -112,7 +113,18 @@
   </p:defaultTextStyle>
   <p:extLst>
     <p:ext uri="{EFAFB233-063F-42B5-8137-9DF3F51BA10A}">
-      <p15:sldGuideLst xmlns:p15="http://schemas.microsoft.com/office/powerpoint/2012/main" xmlns=""/>
+      <p15:sldGuideLst xmlns:p15="http://schemas.microsoft.com/office/powerpoint/2012/main">
+        <p15:guide id="1" orient="horz" pos="2160">
+          <p15:clr>
+            <a:srgbClr val="A4A3A4"/>
+          </p15:clr>
+        </p15:guide>
+        <p15:guide id="2" pos="3840">
+          <p15:clr>
+            <a:srgbClr val="A4A3A4"/>
+          </p15:clr>
+        </p15:guide>
+      </p15:sldGuideLst>
     </p:ext>
   </p:extLst>
 </p:presentation>
@@ -249,7 +261,7 @@
           <a:p>
             <a:fld id="{9C27765A-BBDC-4B93-B191-B0458F0CABEC}" type="datetimeFigureOut">
               <a:rPr kumimoji="1" lang="ja-JP" altLang="en-US" smtClean="0"/>
-              <a:t>2019/10/13</a:t>
+              <a:t>2019/10/14</a:t>
             </a:fld>
             <a:endParaRPr kumimoji="1" lang="ja-JP" altLang="en-US"/>
           </a:p>
@@ -451,7 +463,7 @@
           <a:p>
             <a:fld id="{9C27765A-BBDC-4B93-B191-B0458F0CABEC}" type="datetimeFigureOut">
               <a:rPr kumimoji="1" lang="ja-JP" altLang="en-US" smtClean="0"/>
-              <a:t>2019/10/13</a:t>
+              <a:t>2019/10/14</a:t>
             </a:fld>
             <a:endParaRPr kumimoji="1" lang="ja-JP" altLang="en-US"/>
           </a:p>
@@ -663,7 +675,7 @@
           <a:p>
             <a:fld id="{9C27765A-BBDC-4B93-B191-B0458F0CABEC}" type="datetimeFigureOut">
               <a:rPr kumimoji="1" lang="ja-JP" altLang="en-US" smtClean="0"/>
-              <a:t>2019/10/13</a:t>
+              <a:t>2019/10/14</a:t>
             </a:fld>
             <a:endParaRPr kumimoji="1" lang="ja-JP" altLang="en-US"/>
           </a:p>
@@ -865,7 +877,7 @@
           <a:p>
             <a:fld id="{9C27765A-BBDC-4B93-B191-B0458F0CABEC}" type="datetimeFigureOut">
               <a:rPr kumimoji="1" lang="ja-JP" altLang="en-US" smtClean="0"/>
-              <a:t>2019/10/13</a:t>
+              <a:t>2019/10/14</a:t>
             </a:fld>
             <a:endParaRPr kumimoji="1" lang="ja-JP" altLang="en-US"/>
           </a:p>
@@ -1111,7 +1123,7 @@
           <a:p>
             <a:fld id="{9C27765A-BBDC-4B93-B191-B0458F0CABEC}" type="datetimeFigureOut">
               <a:rPr kumimoji="1" lang="ja-JP" altLang="en-US" smtClean="0"/>
-              <a:t>2019/10/13</a:t>
+              <a:t>2019/10/14</a:t>
             </a:fld>
             <a:endParaRPr kumimoji="1" lang="ja-JP" altLang="en-US"/>
           </a:p>
@@ -1407,7 +1419,7 @@
           <a:p>
             <a:fld id="{9C27765A-BBDC-4B93-B191-B0458F0CABEC}" type="datetimeFigureOut">
               <a:rPr kumimoji="1" lang="ja-JP" altLang="en-US" smtClean="0"/>
-              <a:t>2019/10/13</a:t>
+              <a:t>2019/10/14</a:t>
             </a:fld>
             <a:endParaRPr kumimoji="1" lang="ja-JP" altLang="en-US"/>
           </a:p>
@@ -1838,7 +1850,7 @@
           <a:p>
             <a:fld id="{9C27765A-BBDC-4B93-B191-B0458F0CABEC}" type="datetimeFigureOut">
               <a:rPr kumimoji="1" lang="ja-JP" altLang="en-US" smtClean="0"/>
-              <a:t>2019/10/13</a:t>
+              <a:t>2019/10/14</a:t>
             </a:fld>
             <a:endParaRPr kumimoji="1" lang="ja-JP" altLang="en-US"/>
           </a:p>
@@ -1956,7 +1968,7 @@
           <a:p>
             <a:fld id="{9C27765A-BBDC-4B93-B191-B0458F0CABEC}" type="datetimeFigureOut">
               <a:rPr kumimoji="1" lang="ja-JP" altLang="en-US" smtClean="0"/>
-              <a:t>2019/10/13</a:t>
+              <a:t>2019/10/14</a:t>
             </a:fld>
             <a:endParaRPr kumimoji="1" lang="ja-JP" altLang="en-US"/>
           </a:p>
@@ -2051,7 +2063,7 @@
           <a:p>
             <a:fld id="{9C27765A-BBDC-4B93-B191-B0458F0CABEC}" type="datetimeFigureOut">
               <a:rPr kumimoji="1" lang="ja-JP" altLang="en-US" smtClean="0"/>
-              <a:t>2019/10/13</a:t>
+              <a:t>2019/10/14</a:t>
             </a:fld>
             <a:endParaRPr kumimoji="1" lang="ja-JP" altLang="en-US"/>
           </a:p>
@@ -2360,7 +2372,7 @@
           <a:p>
             <a:fld id="{9C27765A-BBDC-4B93-B191-B0458F0CABEC}" type="datetimeFigureOut">
               <a:rPr kumimoji="1" lang="ja-JP" altLang="en-US" smtClean="0"/>
-              <a:t>2019/10/13</a:t>
+              <a:t>2019/10/14</a:t>
             </a:fld>
             <a:endParaRPr kumimoji="1" lang="ja-JP" altLang="en-US"/>
           </a:p>
@@ -2613,7 +2625,7 @@
           <a:p>
             <a:fld id="{9C27765A-BBDC-4B93-B191-B0458F0CABEC}" type="datetimeFigureOut">
               <a:rPr kumimoji="1" lang="ja-JP" altLang="en-US" smtClean="0"/>
-              <a:t>2019/10/13</a:t>
+              <a:t>2019/10/14</a:t>
             </a:fld>
             <a:endParaRPr kumimoji="1" lang="ja-JP" altLang="en-US"/>
           </a:p>
@@ -2858,7 +2870,7 @@
           <a:p>
             <a:fld id="{9C27765A-BBDC-4B93-B191-B0458F0CABEC}" type="datetimeFigureOut">
               <a:rPr kumimoji="1" lang="ja-JP" altLang="en-US" smtClean="0"/>
-              <a:t>2019/10/13</a:t>
+              <a:t>2019/10/14</a:t>
             </a:fld>
             <a:endParaRPr kumimoji="1" lang="ja-JP" altLang="en-US"/>
           </a:p>
@@ -3569,11 +3581,1489 @@
 <file path=ppt/slides/slide2.xml><?xml version="1.0" encoding="utf-8"?>
 <p:sld xmlns:a="http://schemas.openxmlformats.org/drawingml/2006/main" xmlns:r="http://schemas.openxmlformats.org/officeDocument/2006/relationships" xmlns:p="http://schemas.openxmlformats.org/presentationml/2006/main">
   <p:cSld>
+    <p:spTree>
+      <p:nvGrpSpPr>
+        <p:cNvPr id="1" name=""/>
+        <p:cNvGrpSpPr/>
+        <p:nvPr/>
+      </p:nvGrpSpPr>
+      <p:grpSpPr>
+        <a:xfrm>
+          <a:off x="0" y="0"/>
+          <a:ext cx="0" cy="0"/>
+          <a:chOff x="0" y="0"/>
+          <a:chExt cx="0" cy="0"/>
+        </a:xfrm>
+      </p:grpSpPr>
+      <p:sp>
+        <p:nvSpPr>
+          <p:cNvPr id="2" name="タイトル 1"/>
+          <p:cNvSpPr>
+            <a:spLocks noGrp="1"/>
+          </p:cNvSpPr>
+          <p:nvPr>
+            <p:ph type="title"/>
+          </p:nvPr>
+        </p:nvSpPr>
+        <p:spPr>
+          <a:xfrm>
+            <a:off x="4083908" y="0"/>
+            <a:ext cx="4458730" cy="650789"/>
+          </a:xfrm>
+        </p:spPr>
+        <p:txBody>
+          <a:bodyPr>
+            <a:normAutofit fontScale="90000"/>
+          </a:bodyPr>
+          <a:lstStyle/>
+          <a:p>
+            <a:r>
+              <a:rPr lang="ja-JP" altLang="en-US" b="1" dirty="0" smtClean="0">
+                <a:latin typeface="HGSｺﾞｼｯｸM" panose="020B0600000000000000" pitchFamily="50" charset="-128"/>
+                <a:ea typeface="HGSｺﾞｼｯｸM" panose="020B0600000000000000" pitchFamily="50" charset="-128"/>
+              </a:rPr>
+              <a:t>システムの目的</a:t>
+            </a:r>
+            <a:endParaRPr kumimoji="1" lang="ja-JP" altLang="en-US" b="1" dirty="0">
+              <a:latin typeface="HGSｺﾞｼｯｸM" panose="020B0600000000000000" pitchFamily="50" charset="-128"/>
+              <a:ea typeface="HGSｺﾞｼｯｸM" panose="020B0600000000000000" pitchFamily="50" charset="-128"/>
+            </a:endParaRPr>
+          </a:p>
+        </p:txBody>
+      </p:sp>
+      <p:pic>
+        <p:nvPicPr>
+          <p:cNvPr id="1026" name="Picture 2" descr="C:\Users\yamanin3\Desktop\images\agura_kutsurogu2_man.png"/>
+          <p:cNvPicPr>
+            <a:picLocks noChangeAspect="1" noChangeArrowheads="1"/>
+          </p:cNvPicPr>
+          <p:nvPr/>
+        </p:nvPicPr>
+        <p:blipFill>
+          <a:blip r:embed="rId2">
+            <a:extLst>
+              <a:ext uri="{28A0092B-C50C-407E-A947-70E740481C1C}">
+                <a14:useLocalDpi xmlns:a14="http://schemas.microsoft.com/office/drawing/2010/main" val="0"/>
+              </a:ext>
+            </a:extLst>
+          </a:blip>
+          <a:srcRect/>
+          <a:stretch>
+            <a:fillRect/>
+          </a:stretch>
+        </p:blipFill>
+        <p:spPr bwMode="auto">
+          <a:xfrm>
+            <a:off x="389258" y="394025"/>
+            <a:ext cx="1071476" cy="1071476"/>
+          </a:xfrm>
+          <a:prstGeom prst="rect">
+            <a:avLst/>
+          </a:prstGeom>
+          <a:noFill/>
+          <a:extLst>
+            <a:ext uri="{909E8E84-426E-40DD-AFC4-6F175D3DCCD1}">
+              <a14:hiddenFill xmlns:a14="http://schemas.microsoft.com/office/drawing/2010/main">
+                <a:solidFill>
+                  <a:srgbClr val="FFFFFF"/>
+                </a:solidFill>
+              </a14:hiddenFill>
+            </a:ext>
+          </a:extLst>
+        </p:spPr>
+      </p:pic>
+      <p:pic>
+        <p:nvPicPr>
+          <p:cNvPr id="1028" name="Picture 4" descr="C:\Users\yamanin3\Desktop\images\building_company_eigyousyo.png"/>
+          <p:cNvPicPr>
+            <a:picLocks noChangeAspect="1" noChangeArrowheads="1"/>
+          </p:cNvPicPr>
+          <p:nvPr/>
+        </p:nvPicPr>
+        <p:blipFill>
+          <a:blip r:embed="rId3">
+            <a:extLst>
+              <a:ext uri="{28A0092B-C50C-407E-A947-70E740481C1C}">
+                <a14:useLocalDpi xmlns:a14="http://schemas.microsoft.com/office/drawing/2010/main" val="0"/>
+              </a:ext>
+            </a:extLst>
+          </a:blip>
+          <a:srcRect/>
+          <a:stretch>
+            <a:fillRect/>
+          </a:stretch>
+        </p:blipFill>
+        <p:spPr bwMode="auto">
+          <a:xfrm>
+            <a:off x="148967" y="5197583"/>
+            <a:ext cx="1549700" cy="1549700"/>
+          </a:xfrm>
+          <a:prstGeom prst="rect">
+            <a:avLst/>
+          </a:prstGeom>
+          <a:noFill/>
+          <a:extLst>
+            <a:ext uri="{909E8E84-426E-40DD-AFC4-6F175D3DCCD1}">
+              <a14:hiddenFill xmlns:a14="http://schemas.microsoft.com/office/drawing/2010/main">
+                <a:solidFill>
+                  <a:srgbClr val="FFFFFF"/>
+                </a:solidFill>
+              </a14:hiddenFill>
+            </a:ext>
+          </a:extLst>
+        </p:spPr>
+      </p:pic>
+      <p:pic>
+        <p:nvPicPr>
+          <p:cNvPr id="1027" name="Picture 3" descr="C:\Users\yamanin3\Desktop\images\sales_eigyou_man.png"/>
+          <p:cNvPicPr>
+            <a:picLocks noChangeAspect="1" noChangeArrowheads="1"/>
+          </p:cNvPicPr>
+          <p:nvPr/>
+        </p:nvPicPr>
+        <p:blipFill>
+          <a:blip r:embed="rId4" cstate="print">
+            <a:extLst>
+              <a:ext uri="{28A0092B-C50C-407E-A947-70E740481C1C}">
+                <a14:useLocalDpi xmlns:a14="http://schemas.microsoft.com/office/drawing/2010/main" val="0"/>
+              </a:ext>
+            </a:extLst>
+          </a:blip>
+          <a:srcRect/>
+          <a:stretch>
+            <a:fillRect/>
+          </a:stretch>
+        </p:blipFill>
+        <p:spPr bwMode="auto">
+          <a:xfrm>
+            <a:off x="563164" y="5972433"/>
+            <a:ext cx="723664" cy="723664"/>
+          </a:xfrm>
+          <a:prstGeom prst="rect">
+            <a:avLst/>
+          </a:prstGeom>
+          <a:noFill/>
+          <a:extLst>
+            <a:ext uri="{909E8E84-426E-40DD-AFC4-6F175D3DCCD1}">
+              <a14:hiddenFill xmlns:a14="http://schemas.microsoft.com/office/drawing/2010/main">
+                <a:solidFill>
+                  <a:srgbClr val="FFFFFF"/>
+                </a:solidFill>
+              </a14:hiddenFill>
+            </a:ext>
+          </a:extLst>
+        </p:spPr>
+      </p:pic>
+      <p:pic>
+        <p:nvPicPr>
+          <p:cNvPr id="1029" name="Picture 5" descr="C:\Users\yamanin3\Desktop\images\souko_building.png"/>
+          <p:cNvPicPr>
+            <a:picLocks noChangeAspect="1" noChangeArrowheads="1"/>
+          </p:cNvPicPr>
+          <p:nvPr/>
+        </p:nvPicPr>
+        <p:blipFill>
+          <a:blip r:embed="rId5">
+            <a:extLst>
+              <a:ext uri="{28A0092B-C50C-407E-A947-70E740481C1C}">
+                <a14:useLocalDpi xmlns:a14="http://schemas.microsoft.com/office/drawing/2010/main" val="0"/>
+              </a:ext>
+            </a:extLst>
+          </a:blip>
+          <a:srcRect/>
+          <a:stretch>
+            <a:fillRect/>
+          </a:stretch>
+        </p:blipFill>
+        <p:spPr bwMode="auto">
+          <a:xfrm>
+            <a:off x="9982769" y="191803"/>
+            <a:ext cx="1475921" cy="1475921"/>
+          </a:xfrm>
+          <a:prstGeom prst="rect">
+            <a:avLst/>
+          </a:prstGeom>
+          <a:noFill/>
+          <a:extLst>
+            <a:ext uri="{909E8E84-426E-40DD-AFC4-6F175D3DCCD1}">
+              <a14:hiddenFill xmlns:a14="http://schemas.microsoft.com/office/drawing/2010/main">
+                <a:solidFill>
+                  <a:srgbClr val="FFFFFF"/>
+                </a:solidFill>
+              </a14:hiddenFill>
+            </a:ext>
+          </a:extLst>
+        </p:spPr>
+      </p:pic>
+      <p:sp>
+        <p:nvSpPr>
+          <p:cNvPr id="4" name="テキスト ボックス 3"/>
+          <p:cNvSpPr txBox="1"/>
+          <p:nvPr/>
+        </p:nvSpPr>
+        <p:spPr>
+          <a:xfrm>
+            <a:off x="10208045" y="24693"/>
+            <a:ext cx="1107996" cy="369332"/>
+          </a:xfrm>
+          <a:prstGeom prst="rect">
+            <a:avLst/>
+          </a:prstGeom>
+          <a:noFill/>
+        </p:spPr>
+        <p:txBody>
+          <a:bodyPr wrap="none" rtlCol="0">
+            <a:spAutoFit/>
+          </a:bodyPr>
+          <a:lstStyle/>
+          <a:p>
+            <a:r>
+              <a:rPr kumimoji="1" lang="ja-JP" altLang="en-US" dirty="0" smtClean="0"/>
+              <a:t>物流倉庫</a:t>
+            </a:r>
+            <a:endParaRPr kumimoji="1" lang="ja-JP" altLang="en-US" dirty="0"/>
+          </a:p>
+        </p:txBody>
+      </p:sp>
+      <p:sp>
+        <p:nvSpPr>
+          <p:cNvPr id="11" name="テキスト ボックス 10"/>
+          <p:cNvSpPr txBox="1"/>
+          <p:nvPr/>
+        </p:nvSpPr>
+        <p:spPr>
+          <a:xfrm>
+            <a:off x="600651" y="-5905"/>
+            <a:ext cx="646331" cy="369332"/>
+          </a:xfrm>
+          <a:prstGeom prst="rect">
+            <a:avLst/>
+          </a:prstGeom>
+          <a:noFill/>
+        </p:spPr>
+        <p:txBody>
+          <a:bodyPr wrap="none" rtlCol="0">
+            <a:spAutoFit/>
+          </a:bodyPr>
+          <a:lstStyle/>
+          <a:p>
+            <a:r>
+              <a:rPr kumimoji="1" lang="ja-JP" altLang="en-US" dirty="0" smtClean="0"/>
+              <a:t>顧客</a:t>
+            </a:r>
+            <a:endParaRPr kumimoji="1" lang="ja-JP" altLang="en-US" dirty="0"/>
+          </a:p>
+        </p:txBody>
+      </p:sp>
+      <p:sp>
+        <p:nvSpPr>
+          <p:cNvPr id="12" name="テキスト ボックス 11"/>
+          <p:cNvSpPr txBox="1"/>
+          <p:nvPr/>
+        </p:nvSpPr>
+        <p:spPr>
+          <a:xfrm>
+            <a:off x="10208045" y="6511431"/>
+            <a:ext cx="984565" cy="369332"/>
+          </a:xfrm>
+          <a:prstGeom prst="rect">
+            <a:avLst/>
+          </a:prstGeom>
+          <a:noFill/>
+        </p:spPr>
+        <p:txBody>
+          <a:bodyPr wrap="none" rtlCol="0">
+            <a:spAutoFit/>
+          </a:bodyPr>
+          <a:lstStyle/>
+          <a:p>
+            <a:r>
+              <a:rPr kumimoji="1" lang="ja-JP" altLang="en-US" dirty="0" smtClean="0"/>
+              <a:t>メーカー</a:t>
+            </a:r>
+            <a:endParaRPr kumimoji="1" lang="ja-JP" altLang="en-US" dirty="0"/>
+          </a:p>
+        </p:txBody>
+      </p:sp>
+      <p:sp>
+        <p:nvSpPr>
+          <p:cNvPr id="13" name="テキスト ボックス 12"/>
+          <p:cNvSpPr txBox="1"/>
+          <p:nvPr/>
+        </p:nvSpPr>
+        <p:spPr>
+          <a:xfrm>
+            <a:off x="1570672" y="6488668"/>
+            <a:ext cx="877163" cy="369332"/>
+          </a:xfrm>
+          <a:prstGeom prst="rect">
+            <a:avLst/>
+          </a:prstGeom>
+          <a:noFill/>
+        </p:spPr>
+        <p:txBody>
+          <a:bodyPr wrap="none" rtlCol="0">
+            <a:spAutoFit/>
+          </a:bodyPr>
+          <a:lstStyle/>
+          <a:p>
+            <a:r>
+              <a:rPr kumimoji="1" lang="ja-JP" altLang="en-US" dirty="0" smtClean="0"/>
+              <a:t>営業所</a:t>
+            </a:r>
+            <a:endParaRPr kumimoji="1" lang="ja-JP" altLang="en-US" dirty="0"/>
+          </a:p>
+        </p:txBody>
+      </p:sp>
+      <p:sp>
+        <p:nvSpPr>
+          <p:cNvPr id="27" name="右矢印 26"/>
+          <p:cNvSpPr/>
+          <p:nvPr/>
+        </p:nvSpPr>
+        <p:spPr>
+          <a:xfrm rot="5400000">
+            <a:off x="-1005832" y="3246526"/>
+            <a:ext cx="3558744" cy="196073"/>
+          </a:xfrm>
+          <a:prstGeom prst="rightArrow">
+            <a:avLst/>
+          </a:prstGeom>
+          <a:solidFill>
+            <a:schemeClr val="tx1"/>
+          </a:solidFill>
+          <a:ln>
+            <a:solidFill>
+              <a:srgbClr val="FFFF00"/>
+            </a:solidFill>
+          </a:ln>
+        </p:spPr>
+        <p:style>
+          <a:lnRef idx="2">
+            <a:schemeClr val="accent1">
+              <a:shade val="50000"/>
+            </a:schemeClr>
+          </a:lnRef>
+          <a:fillRef idx="1">
+            <a:schemeClr val="accent1"/>
+          </a:fillRef>
+          <a:effectRef idx="0">
+            <a:schemeClr val="accent1"/>
+          </a:effectRef>
+          <a:fontRef idx="minor">
+            <a:schemeClr val="lt1"/>
+          </a:fontRef>
+        </p:style>
+        <p:txBody>
+          <a:bodyPr rtlCol="0" anchor="ctr"/>
+          <a:lstStyle/>
+          <a:p>
+            <a:pPr algn="ctr"/>
+            <a:endParaRPr kumimoji="1" lang="ja-JP" altLang="en-US"/>
+          </a:p>
+        </p:txBody>
+      </p:sp>
+      <p:sp>
+        <p:nvSpPr>
+          <p:cNvPr id="36" name="右矢印 35"/>
+          <p:cNvSpPr/>
+          <p:nvPr/>
+        </p:nvSpPr>
+        <p:spPr>
+          <a:xfrm rot="16200000">
+            <a:off x="-703538" y="3250623"/>
+            <a:ext cx="3558744" cy="187877"/>
+          </a:xfrm>
+          <a:prstGeom prst="rightArrow">
+            <a:avLst/>
+          </a:prstGeom>
+          <a:solidFill>
+            <a:schemeClr val="tx1"/>
+          </a:solidFill>
+          <a:ln>
+            <a:solidFill>
+              <a:srgbClr val="FFFF00"/>
+            </a:solidFill>
+          </a:ln>
+        </p:spPr>
+        <p:style>
+          <a:lnRef idx="2">
+            <a:schemeClr val="accent1">
+              <a:shade val="50000"/>
+            </a:schemeClr>
+          </a:lnRef>
+          <a:fillRef idx="1">
+            <a:schemeClr val="accent1"/>
+          </a:fillRef>
+          <a:effectRef idx="0">
+            <a:schemeClr val="accent1"/>
+          </a:effectRef>
+          <a:fontRef idx="minor">
+            <a:schemeClr val="lt1"/>
+          </a:fontRef>
+        </p:style>
+        <p:txBody>
+          <a:bodyPr rtlCol="0" anchor="ctr"/>
+          <a:lstStyle/>
+          <a:p>
+            <a:pPr algn="ctr"/>
+            <a:endParaRPr kumimoji="1" lang="ja-JP" altLang="en-US"/>
+          </a:p>
+        </p:txBody>
+      </p:sp>
+      <p:sp>
+        <p:nvSpPr>
+          <p:cNvPr id="37" name="右矢印 36"/>
+          <p:cNvSpPr/>
+          <p:nvPr/>
+        </p:nvSpPr>
+        <p:spPr>
+          <a:xfrm rot="19860758">
+            <a:off x="1385812" y="3579447"/>
+            <a:ext cx="9078851" cy="206006"/>
+          </a:xfrm>
+          <a:prstGeom prst="rightArrow">
+            <a:avLst>
+              <a:gd name="adj1" fmla="val 50000"/>
+              <a:gd name="adj2" fmla="val 264576"/>
+            </a:avLst>
+          </a:prstGeom>
+          <a:solidFill>
+            <a:schemeClr val="tx1"/>
+          </a:solidFill>
+          <a:ln>
+            <a:solidFill>
+              <a:srgbClr val="FF0000"/>
+            </a:solidFill>
+          </a:ln>
+        </p:spPr>
+        <p:style>
+          <a:lnRef idx="2">
+            <a:schemeClr val="accent1">
+              <a:shade val="50000"/>
+            </a:schemeClr>
+          </a:lnRef>
+          <a:fillRef idx="1">
+            <a:schemeClr val="accent1"/>
+          </a:fillRef>
+          <a:effectRef idx="0">
+            <a:schemeClr val="accent1"/>
+          </a:effectRef>
+          <a:fontRef idx="minor">
+            <a:schemeClr val="lt1"/>
+          </a:fontRef>
+        </p:style>
+        <p:txBody>
+          <a:bodyPr rtlCol="0" anchor="ctr"/>
+          <a:lstStyle/>
+          <a:p>
+            <a:pPr algn="ctr"/>
+            <a:endParaRPr kumimoji="1" lang="ja-JP" altLang="en-US"/>
+          </a:p>
+        </p:txBody>
+      </p:sp>
+      <p:sp>
+        <p:nvSpPr>
+          <p:cNvPr id="38" name="右矢印 37"/>
+          <p:cNvSpPr/>
+          <p:nvPr/>
+        </p:nvSpPr>
+        <p:spPr>
+          <a:xfrm rot="9061531">
+            <a:off x="1180390" y="3241557"/>
+            <a:ext cx="9078851" cy="206006"/>
+          </a:xfrm>
+          <a:prstGeom prst="rightArrow">
+            <a:avLst>
+              <a:gd name="adj1" fmla="val 50000"/>
+              <a:gd name="adj2" fmla="val 264576"/>
+            </a:avLst>
+          </a:prstGeom>
+          <a:solidFill>
+            <a:schemeClr val="tx1"/>
+          </a:solidFill>
+          <a:ln>
+            <a:solidFill>
+              <a:srgbClr val="FF0000"/>
+            </a:solidFill>
+          </a:ln>
+        </p:spPr>
+        <p:style>
+          <a:lnRef idx="2">
+            <a:schemeClr val="accent1">
+              <a:shade val="50000"/>
+            </a:schemeClr>
+          </a:lnRef>
+          <a:fillRef idx="1">
+            <a:schemeClr val="accent1"/>
+          </a:fillRef>
+          <a:effectRef idx="0">
+            <a:schemeClr val="accent1"/>
+          </a:effectRef>
+          <a:fontRef idx="minor">
+            <a:schemeClr val="lt1"/>
+          </a:fontRef>
+        </p:style>
+        <p:txBody>
+          <a:bodyPr rtlCol="0" anchor="ctr"/>
+          <a:lstStyle/>
+          <a:p>
+            <a:pPr algn="ctr"/>
+            <a:endParaRPr kumimoji="1" lang="ja-JP" altLang="en-US"/>
+          </a:p>
+        </p:txBody>
+      </p:sp>
+      <p:sp>
+        <p:nvSpPr>
+          <p:cNvPr id="39" name="右矢印 38"/>
+          <p:cNvSpPr/>
+          <p:nvPr/>
+        </p:nvSpPr>
+        <p:spPr>
+          <a:xfrm rot="16200000">
+            <a:off x="8636559" y="3320174"/>
+            <a:ext cx="3558744" cy="196073"/>
+          </a:xfrm>
+          <a:prstGeom prst="rightArrow">
+            <a:avLst/>
+          </a:prstGeom>
+          <a:solidFill>
+            <a:schemeClr val="tx1"/>
+          </a:solidFill>
+          <a:ln>
+            <a:solidFill>
+              <a:srgbClr val="00B0F0"/>
+            </a:solidFill>
+          </a:ln>
+        </p:spPr>
+        <p:style>
+          <a:lnRef idx="2">
+            <a:schemeClr val="accent1">
+              <a:shade val="50000"/>
+            </a:schemeClr>
+          </a:lnRef>
+          <a:fillRef idx="1">
+            <a:schemeClr val="accent1"/>
+          </a:fillRef>
+          <a:effectRef idx="0">
+            <a:schemeClr val="accent1"/>
+          </a:effectRef>
+          <a:fontRef idx="minor">
+            <a:schemeClr val="lt1"/>
+          </a:fontRef>
+        </p:style>
+        <p:txBody>
+          <a:bodyPr rtlCol="0" anchor="ctr"/>
+          <a:lstStyle/>
+          <a:p>
+            <a:pPr algn="ctr"/>
+            <a:endParaRPr kumimoji="1" lang="ja-JP" altLang="en-US"/>
+          </a:p>
+        </p:txBody>
+      </p:sp>
+      <p:sp>
+        <p:nvSpPr>
+          <p:cNvPr id="40" name="右矢印 39"/>
+          <p:cNvSpPr/>
+          <p:nvPr/>
+        </p:nvSpPr>
+        <p:spPr>
+          <a:xfrm rot="5400000">
+            <a:off x="9080707" y="3349060"/>
+            <a:ext cx="3558744" cy="196073"/>
+          </a:xfrm>
+          <a:prstGeom prst="rightArrow">
+            <a:avLst/>
+          </a:prstGeom>
+          <a:solidFill>
+            <a:schemeClr val="tx1"/>
+          </a:solidFill>
+          <a:ln>
+            <a:solidFill>
+              <a:srgbClr val="00B0F0"/>
+            </a:solidFill>
+          </a:ln>
+        </p:spPr>
+        <p:style>
+          <a:lnRef idx="2">
+            <a:schemeClr val="accent1">
+              <a:shade val="50000"/>
+            </a:schemeClr>
+          </a:lnRef>
+          <a:fillRef idx="1">
+            <a:schemeClr val="accent1"/>
+          </a:fillRef>
+          <a:effectRef idx="0">
+            <a:schemeClr val="accent1"/>
+          </a:effectRef>
+          <a:fontRef idx="minor">
+            <a:schemeClr val="lt1"/>
+          </a:fontRef>
+        </p:style>
+        <p:txBody>
+          <a:bodyPr rtlCol="0" anchor="ctr"/>
+          <a:lstStyle/>
+          <a:p>
+            <a:pPr algn="ctr"/>
+            <a:endParaRPr kumimoji="1" lang="ja-JP" altLang="en-US"/>
+          </a:p>
+        </p:txBody>
+      </p:sp>
+      <p:pic>
+        <p:nvPicPr>
+          <p:cNvPr id="1033" name="Picture 9" descr="C:\Users\yamanin3\Desktop\images\computer_tablet_man.png"/>
+          <p:cNvPicPr>
+            <a:picLocks noChangeAspect="1" noChangeArrowheads="1"/>
+          </p:cNvPicPr>
+          <p:nvPr/>
+        </p:nvPicPr>
+        <p:blipFill>
+          <a:blip r:embed="rId6" cstate="print">
+            <a:extLst>
+              <a:ext uri="{28A0092B-C50C-407E-A947-70E740481C1C}">
+                <a14:useLocalDpi xmlns:a14="http://schemas.microsoft.com/office/drawing/2010/main" val="0"/>
+              </a:ext>
+            </a:extLst>
+          </a:blip>
+          <a:srcRect/>
+          <a:stretch>
+            <a:fillRect/>
+          </a:stretch>
+        </p:blipFill>
+        <p:spPr bwMode="auto">
+          <a:xfrm>
+            <a:off x="9828687" y="644176"/>
+            <a:ext cx="593458" cy="788648"/>
+          </a:xfrm>
+          <a:prstGeom prst="rect">
+            <a:avLst/>
+          </a:prstGeom>
+          <a:noFill/>
+          <a:extLst>
+            <a:ext uri="{909E8E84-426E-40DD-AFC4-6F175D3DCCD1}">
+              <a14:hiddenFill xmlns:a14="http://schemas.microsoft.com/office/drawing/2010/main">
+                <a:solidFill>
+                  <a:srgbClr val="FFFFFF"/>
+                </a:solidFill>
+              </a14:hiddenFill>
+            </a:ext>
+          </a:extLst>
+        </p:spPr>
+      </p:pic>
+      <p:pic>
+        <p:nvPicPr>
+          <p:cNvPr id="1034" name="Picture 10" descr="C:\Users\yamanin3\Desktop\images\building_koujou_entotsu.png"/>
+          <p:cNvPicPr>
+            <a:picLocks noChangeAspect="1" noChangeArrowheads="1"/>
+          </p:cNvPicPr>
+          <p:nvPr/>
+        </p:nvPicPr>
+        <p:blipFill>
+          <a:blip r:embed="rId7" cstate="print">
+            <a:extLst>
+              <a:ext uri="{28A0092B-C50C-407E-A947-70E740481C1C}">
+                <a14:useLocalDpi xmlns:a14="http://schemas.microsoft.com/office/drawing/2010/main" val="0"/>
+              </a:ext>
+            </a:extLst>
+          </a:blip>
+          <a:srcRect/>
+          <a:stretch>
+            <a:fillRect/>
+          </a:stretch>
+        </p:blipFill>
+        <p:spPr bwMode="auto">
+          <a:xfrm>
+            <a:off x="10031395" y="5316093"/>
+            <a:ext cx="1378668" cy="1312673"/>
+          </a:xfrm>
+          <a:prstGeom prst="rect">
+            <a:avLst/>
+          </a:prstGeom>
+          <a:noFill/>
+          <a:extLst>
+            <a:ext uri="{909E8E84-426E-40DD-AFC4-6F175D3DCCD1}">
+              <a14:hiddenFill xmlns:a14="http://schemas.microsoft.com/office/drawing/2010/main">
+                <a:solidFill>
+                  <a:srgbClr val="FFFFFF"/>
+                </a:solidFill>
+              </a14:hiddenFill>
+            </a:ext>
+          </a:extLst>
+        </p:spPr>
+      </p:pic>
+      <p:sp>
+        <p:nvSpPr>
+          <p:cNvPr id="28" name="テキスト ボックス 27"/>
+          <p:cNvSpPr txBox="1"/>
+          <p:nvPr/>
+        </p:nvSpPr>
+        <p:spPr>
+          <a:xfrm rot="19862444">
+            <a:off x="5283844" y="3675956"/>
+            <a:ext cx="1826141" cy="584775"/>
+          </a:xfrm>
+          <a:prstGeom prst="rect">
+            <a:avLst/>
+          </a:prstGeom>
+          <a:noFill/>
+        </p:spPr>
+        <p:txBody>
+          <a:bodyPr wrap="none" rtlCol="0">
+            <a:spAutoFit/>
+          </a:bodyPr>
+          <a:lstStyle/>
+          <a:p>
+            <a:r>
+              <a:rPr lang="ja-JP" altLang="en-US" sz="3200" dirty="0" smtClean="0"/>
+              <a:t>発注依頼</a:t>
+            </a:r>
+            <a:endParaRPr kumimoji="1" lang="ja-JP" altLang="en-US" sz="3200" dirty="0"/>
+          </a:p>
+        </p:txBody>
+      </p:sp>
+      <p:sp>
+        <p:nvSpPr>
+          <p:cNvPr id="45" name="テキスト ボックス 44"/>
+          <p:cNvSpPr txBox="1"/>
+          <p:nvPr/>
+        </p:nvSpPr>
+        <p:spPr>
+          <a:xfrm rot="19862444">
+            <a:off x="5099725" y="2692136"/>
+            <a:ext cx="1005403" cy="584775"/>
+          </a:xfrm>
+          <a:prstGeom prst="rect">
+            <a:avLst/>
+          </a:prstGeom>
+          <a:noFill/>
+        </p:spPr>
+        <p:txBody>
+          <a:bodyPr wrap="none" rtlCol="0">
+            <a:spAutoFit/>
+          </a:bodyPr>
+          <a:lstStyle/>
+          <a:p>
+            <a:r>
+              <a:rPr lang="ja-JP" altLang="en-US" sz="3200" dirty="0" smtClean="0"/>
+              <a:t>納品</a:t>
+            </a:r>
+            <a:endParaRPr kumimoji="1" lang="ja-JP" altLang="en-US" sz="3200" dirty="0"/>
+          </a:p>
+        </p:txBody>
+      </p:sp>
+      <p:sp>
+        <p:nvSpPr>
+          <p:cNvPr id="47" name="テキスト ボックス 46"/>
+          <p:cNvSpPr txBox="1"/>
+          <p:nvPr/>
+        </p:nvSpPr>
+        <p:spPr>
+          <a:xfrm>
+            <a:off x="9312491" y="3052174"/>
+            <a:ext cx="1005403" cy="584775"/>
+          </a:xfrm>
+          <a:prstGeom prst="rect">
+            <a:avLst/>
+          </a:prstGeom>
+          <a:noFill/>
+        </p:spPr>
+        <p:txBody>
+          <a:bodyPr wrap="none" rtlCol="0">
+            <a:spAutoFit/>
+          </a:bodyPr>
+          <a:lstStyle/>
+          <a:p>
+            <a:r>
+              <a:rPr kumimoji="1" lang="ja-JP" altLang="en-US" sz="3200" dirty="0" smtClean="0"/>
+              <a:t>入庫</a:t>
+            </a:r>
+            <a:endParaRPr kumimoji="1" lang="ja-JP" altLang="en-US" sz="3200" dirty="0"/>
+          </a:p>
+        </p:txBody>
+      </p:sp>
+      <p:sp>
+        <p:nvSpPr>
+          <p:cNvPr id="48" name="テキスト ボックス 47"/>
+          <p:cNvSpPr txBox="1"/>
+          <p:nvPr/>
+        </p:nvSpPr>
+        <p:spPr>
+          <a:xfrm>
+            <a:off x="10955988" y="3052174"/>
+            <a:ext cx="1005403" cy="584775"/>
+          </a:xfrm>
+          <a:prstGeom prst="rect">
+            <a:avLst/>
+          </a:prstGeom>
+          <a:noFill/>
+        </p:spPr>
+        <p:txBody>
+          <a:bodyPr wrap="none" rtlCol="0">
+            <a:spAutoFit/>
+          </a:bodyPr>
+          <a:lstStyle/>
+          <a:p>
+            <a:r>
+              <a:rPr kumimoji="1" lang="ja-JP" altLang="en-US" sz="3200" dirty="0" smtClean="0"/>
+              <a:t>発注</a:t>
+            </a:r>
+            <a:endParaRPr kumimoji="1" lang="ja-JP" altLang="en-US" sz="3200" dirty="0"/>
+          </a:p>
+        </p:txBody>
+      </p:sp>
+      <p:sp>
+        <p:nvSpPr>
+          <p:cNvPr id="49" name="テキスト ボックス 48"/>
+          <p:cNvSpPr txBox="1"/>
+          <p:nvPr/>
+        </p:nvSpPr>
+        <p:spPr>
+          <a:xfrm>
+            <a:off x="1169773" y="2688505"/>
+            <a:ext cx="576910" cy="1077218"/>
+          </a:xfrm>
+          <a:prstGeom prst="rect">
+            <a:avLst/>
+          </a:prstGeom>
+          <a:noFill/>
+        </p:spPr>
+        <p:txBody>
+          <a:bodyPr wrap="square" rtlCol="0">
+            <a:spAutoFit/>
+          </a:bodyPr>
+          <a:lstStyle/>
+          <a:p>
+            <a:r>
+              <a:rPr lang="ja-JP" altLang="en-US" sz="3200" dirty="0"/>
+              <a:t>出荷</a:t>
+            </a:r>
+            <a:endParaRPr kumimoji="1" lang="ja-JP" altLang="en-US" sz="3200" dirty="0"/>
+          </a:p>
+        </p:txBody>
+      </p:sp>
+      <p:sp>
+        <p:nvSpPr>
+          <p:cNvPr id="50" name="テキスト ボックス 49"/>
+          <p:cNvSpPr txBox="1"/>
+          <p:nvPr/>
+        </p:nvSpPr>
+        <p:spPr>
+          <a:xfrm>
+            <a:off x="98593" y="2688505"/>
+            <a:ext cx="576910" cy="1077218"/>
+          </a:xfrm>
+          <a:prstGeom prst="rect">
+            <a:avLst/>
+          </a:prstGeom>
+          <a:noFill/>
+        </p:spPr>
+        <p:txBody>
+          <a:bodyPr wrap="square" rtlCol="0">
+            <a:spAutoFit/>
+          </a:bodyPr>
+          <a:lstStyle/>
+          <a:p>
+            <a:r>
+              <a:rPr lang="ja-JP" altLang="en-US" sz="3200" dirty="0"/>
+              <a:t>注文</a:t>
+            </a:r>
+            <a:endParaRPr kumimoji="1" lang="ja-JP" altLang="en-US" sz="3200" dirty="0"/>
+          </a:p>
+        </p:txBody>
+      </p:sp>
+    </p:spTree>
+    <p:extLst>
+      <p:ext uri="{BB962C8B-B14F-4D97-AF65-F5344CB8AC3E}">
+        <p14:creationId xmlns:p14="http://schemas.microsoft.com/office/powerpoint/2010/main" val="2718410639"/>
+      </p:ext>
+    </p:extLst>
+  </p:cSld>
+  <p:clrMapOvr>
+    <a:masterClrMapping/>
+  </p:clrMapOvr>
+  <p:timing>
+    <p:tnLst>
+      <p:par>
+        <p:cTn id="1" dur="indefinite" restart="never" nodeType="tmRoot">
+          <p:childTnLst>
+            <p:seq concurrent="1" nextAc="seek">
+              <p:cTn id="2" dur="indefinite" nodeType="mainSeq">
+                <p:childTnLst>
+                  <p:par>
+                    <p:cTn id="3" fill="hold">
+                      <p:stCondLst>
+                        <p:cond delay="indefinite"/>
+                      </p:stCondLst>
+                      <p:childTnLst>
+                        <p:par>
+                          <p:cTn id="4" fill="hold">
+                            <p:stCondLst>
+                              <p:cond delay="0"/>
+                            </p:stCondLst>
+                            <p:childTnLst>
+                              <p:par>
+                                <p:cTn id="5" presetID="22" presetClass="entr" presetSubtype="1" fill="hold" grpId="0" nodeType="clickEffect">
+                                  <p:stCondLst>
+                                    <p:cond delay="0"/>
+                                  </p:stCondLst>
+                                  <p:childTnLst>
+                                    <p:set>
+                                      <p:cBhvr>
+                                        <p:cTn id="6" dur="1" fill="hold">
+                                          <p:stCondLst>
+                                            <p:cond delay="0"/>
+                                          </p:stCondLst>
+                                        </p:cTn>
+                                        <p:tgtEl>
+                                          <p:spTgt spid="27"/>
+                                        </p:tgtEl>
+                                        <p:attrNameLst>
+                                          <p:attrName>style.visibility</p:attrName>
+                                        </p:attrNameLst>
+                                      </p:cBhvr>
+                                      <p:to>
+                                        <p:strVal val="visible"/>
+                                      </p:to>
+                                    </p:set>
+                                    <p:animEffect transition="in" filter="wipe(up)">
+                                      <p:cBhvr>
+                                        <p:cTn id="7" dur="500"/>
+                                        <p:tgtEl>
+                                          <p:spTgt spid="27"/>
+                                        </p:tgtEl>
+                                      </p:cBhvr>
+                                    </p:animEffect>
+                                  </p:childTnLst>
+                                </p:cTn>
+                              </p:par>
+                              <p:par>
+                                <p:cTn id="8" presetID="22" presetClass="entr" presetSubtype="1" fill="hold" grpId="0" nodeType="withEffect">
+                                  <p:stCondLst>
+                                    <p:cond delay="0"/>
+                                  </p:stCondLst>
+                                  <p:childTnLst>
+                                    <p:set>
+                                      <p:cBhvr>
+                                        <p:cTn id="9" dur="1" fill="hold">
+                                          <p:stCondLst>
+                                            <p:cond delay="0"/>
+                                          </p:stCondLst>
+                                        </p:cTn>
+                                        <p:tgtEl>
+                                          <p:spTgt spid="50"/>
+                                        </p:tgtEl>
+                                        <p:attrNameLst>
+                                          <p:attrName>style.visibility</p:attrName>
+                                        </p:attrNameLst>
+                                      </p:cBhvr>
+                                      <p:to>
+                                        <p:strVal val="visible"/>
+                                      </p:to>
+                                    </p:set>
+                                    <p:animEffect transition="in" filter="wipe(up)">
+                                      <p:cBhvr>
+                                        <p:cTn id="10" dur="500"/>
+                                        <p:tgtEl>
+                                          <p:spTgt spid="50"/>
+                                        </p:tgtEl>
+                                      </p:cBhvr>
+                                    </p:animEffect>
+                                  </p:childTnLst>
+                                </p:cTn>
+                              </p:par>
+                            </p:childTnLst>
+                          </p:cTn>
+                        </p:par>
+                      </p:childTnLst>
+                    </p:cTn>
+                  </p:par>
+                  <p:par>
+                    <p:cTn id="11" fill="hold">
+                      <p:stCondLst>
+                        <p:cond delay="indefinite"/>
+                      </p:stCondLst>
+                      <p:childTnLst>
+                        <p:par>
+                          <p:cTn id="12" fill="hold">
+                            <p:stCondLst>
+                              <p:cond delay="0"/>
+                            </p:stCondLst>
+                            <p:childTnLst>
+                              <p:par>
+                                <p:cTn id="13" presetID="22" presetClass="entr" presetSubtype="8" fill="hold" grpId="0" nodeType="clickEffect">
+                                  <p:stCondLst>
+                                    <p:cond delay="0"/>
+                                  </p:stCondLst>
+                                  <p:childTnLst>
+                                    <p:set>
+                                      <p:cBhvr>
+                                        <p:cTn id="14" dur="1" fill="hold">
+                                          <p:stCondLst>
+                                            <p:cond delay="0"/>
+                                          </p:stCondLst>
+                                        </p:cTn>
+                                        <p:tgtEl>
+                                          <p:spTgt spid="37"/>
+                                        </p:tgtEl>
+                                        <p:attrNameLst>
+                                          <p:attrName>style.visibility</p:attrName>
+                                        </p:attrNameLst>
+                                      </p:cBhvr>
+                                      <p:to>
+                                        <p:strVal val="visible"/>
+                                      </p:to>
+                                    </p:set>
+                                    <p:animEffect transition="in" filter="wipe(left)">
+                                      <p:cBhvr>
+                                        <p:cTn id="15" dur="500"/>
+                                        <p:tgtEl>
+                                          <p:spTgt spid="37"/>
+                                        </p:tgtEl>
+                                      </p:cBhvr>
+                                    </p:animEffect>
+                                  </p:childTnLst>
+                                </p:cTn>
+                              </p:par>
+                              <p:par>
+                                <p:cTn id="16" presetID="22" presetClass="entr" presetSubtype="8" fill="hold" grpId="0" nodeType="withEffect">
+                                  <p:stCondLst>
+                                    <p:cond delay="0"/>
+                                  </p:stCondLst>
+                                  <p:childTnLst>
+                                    <p:set>
+                                      <p:cBhvr>
+                                        <p:cTn id="17" dur="1" fill="hold">
+                                          <p:stCondLst>
+                                            <p:cond delay="0"/>
+                                          </p:stCondLst>
+                                        </p:cTn>
+                                        <p:tgtEl>
+                                          <p:spTgt spid="28"/>
+                                        </p:tgtEl>
+                                        <p:attrNameLst>
+                                          <p:attrName>style.visibility</p:attrName>
+                                        </p:attrNameLst>
+                                      </p:cBhvr>
+                                      <p:to>
+                                        <p:strVal val="visible"/>
+                                      </p:to>
+                                    </p:set>
+                                    <p:animEffect transition="in" filter="wipe(left)">
+                                      <p:cBhvr>
+                                        <p:cTn id="18" dur="500"/>
+                                        <p:tgtEl>
+                                          <p:spTgt spid="28"/>
+                                        </p:tgtEl>
+                                      </p:cBhvr>
+                                    </p:animEffect>
+                                  </p:childTnLst>
+                                </p:cTn>
+                              </p:par>
+                            </p:childTnLst>
+                          </p:cTn>
+                        </p:par>
+                      </p:childTnLst>
+                    </p:cTn>
+                  </p:par>
+                  <p:par>
+                    <p:cTn id="19" fill="hold">
+                      <p:stCondLst>
+                        <p:cond delay="indefinite"/>
+                      </p:stCondLst>
+                      <p:childTnLst>
+                        <p:par>
+                          <p:cTn id="20" fill="hold">
+                            <p:stCondLst>
+                              <p:cond delay="0"/>
+                            </p:stCondLst>
+                            <p:childTnLst>
+                              <p:par>
+                                <p:cTn id="21" presetID="22" presetClass="entr" presetSubtype="1" fill="hold" grpId="0" nodeType="clickEffect">
+                                  <p:stCondLst>
+                                    <p:cond delay="0"/>
+                                  </p:stCondLst>
+                                  <p:childTnLst>
+                                    <p:set>
+                                      <p:cBhvr>
+                                        <p:cTn id="22" dur="1" fill="hold">
+                                          <p:stCondLst>
+                                            <p:cond delay="0"/>
+                                          </p:stCondLst>
+                                        </p:cTn>
+                                        <p:tgtEl>
+                                          <p:spTgt spid="40"/>
+                                        </p:tgtEl>
+                                        <p:attrNameLst>
+                                          <p:attrName>style.visibility</p:attrName>
+                                        </p:attrNameLst>
+                                      </p:cBhvr>
+                                      <p:to>
+                                        <p:strVal val="visible"/>
+                                      </p:to>
+                                    </p:set>
+                                    <p:animEffect transition="in" filter="wipe(up)">
+                                      <p:cBhvr>
+                                        <p:cTn id="23" dur="500"/>
+                                        <p:tgtEl>
+                                          <p:spTgt spid="40"/>
+                                        </p:tgtEl>
+                                      </p:cBhvr>
+                                    </p:animEffect>
+                                  </p:childTnLst>
+                                </p:cTn>
+                              </p:par>
+                              <p:par>
+                                <p:cTn id="24" presetID="22" presetClass="entr" presetSubtype="1" fill="hold" grpId="0" nodeType="withEffect">
+                                  <p:stCondLst>
+                                    <p:cond delay="0"/>
+                                  </p:stCondLst>
+                                  <p:childTnLst>
+                                    <p:set>
+                                      <p:cBhvr>
+                                        <p:cTn id="25" dur="1" fill="hold">
+                                          <p:stCondLst>
+                                            <p:cond delay="0"/>
+                                          </p:stCondLst>
+                                        </p:cTn>
+                                        <p:tgtEl>
+                                          <p:spTgt spid="48"/>
+                                        </p:tgtEl>
+                                        <p:attrNameLst>
+                                          <p:attrName>style.visibility</p:attrName>
+                                        </p:attrNameLst>
+                                      </p:cBhvr>
+                                      <p:to>
+                                        <p:strVal val="visible"/>
+                                      </p:to>
+                                    </p:set>
+                                    <p:animEffect transition="in" filter="wipe(up)">
+                                      <p:cBhvr>
+                                        <p:cTn id="26" dur="500"/>
+                                        <p:tgtEl>
+                                          <p:spTgt spid="48"/>
+                                        </p:tgtEl>
+                                      </p:cBhvr>
+                                    </p:animEffect>
+                                  </p:childTnLst>
+                                </p:cTn>
+                              </p:par>
+                            </p:childTnLst>
+                          </p:cTn>
+                        </p:par>
+                      </p:childTnLst>
+                    </p:cTn>
+                  </p:par>
+                  <p:par>
+                    <p:cTn id="27" fill="hold">
+                      <p:stCondLst>
+                        <p:cond delay="indefinite"/>
+                      </p:stCondLst>
+                      <p:childTnLst>
+                        <p:par>
+                          <p:cTn id="28" fill="hold">
+                            <p:stCondLst>
+                              <p:cond delay="0"/>
+                            </p:stCondLst>
+                            <p:childTnLst>
+                              <p:par>
+                                <p:cTn id="29" presetID="22" presetClass="entr" presetSubtype="4" fill="hold" grpId="0" nodeType="clickEffect">
+                                  <p:stCondLst>
+                                    <p:cond delay="0"/>
+                                  </p:stCondLst>
+                                  <p:childTnLst>
+                                    <p:set>
+                                      <p:cBhvr>
+                                        <p:cTn id="30" dur="1" fill="hold">
+                                          <p:stCondLst>
+                                            <p:cond delay="0"/>
+                                          </p:stCondLst>
+                                        </p:cTn>
+                                        <p:tgtEl>
+                                          <p:spTgt spid="39"/>
+                                        </p:tgtEl>
+                                        <p:attrNameLst>
+                                          <p:attrName>style.visibility</p:attrName>
+                                        </p:attrNameLst>
+                                      </p:cBhvr>
+                                      <p:to>
+                                        <p:strVal val="visible"/>
+                                      </p:to>
+                                    </p:set>
+                                    <p:animEffect transition="in" filter="wipe(down)">
+                                      <p:cBhvr>
+                                        <p:cTn id="31" dur="500"/>
+                                        <p:tgtEl>
+                                          <p:spTgt spid="39"/>
+                                        </p:tgtEl>
+                                      </p:cBhvr>
+                                    </p:animEffect>
+                                  </p:childTnLst>
+                                </p:cTn>
+                              </p:par>
+                              <p:par>
+                                <p:cTn id="32" presetID="22" presetClass="entr" presetSubtype="4" fill="hold" grpId="0" nodeType="withEffect">
+                                  <p:stCondLst>
+                                    <p:cond delay="0"/>
+                                  </p:stCondLst>
+                                  <p:childTnLst>
+                                    <p:set>
+                                      <p:cBhvr>
+                                        <p:cTn id="33" dur="1" fill="hold">
+                                          <p:stCondLst>
+                                            <p:cond delay="0"/>
+                                          </p:stCondLst>
+                                        </p:cTn>
+                                        <p:tgtEl>
+                                          <p:spTgt spid="47"/>
+                                        </p:tgtEl>
+                                        <p:attrNameLst>
+                                          <p:attrName>style.visibility</p:attrName>
+                                        </p:attrNameLst>
+                                      </p:cBhvr>
+                                      <p:to>
+                                        <p:strVal val="visible"/>
+                                      </p:to>
+                                    </p:set>
+                                    <p:animEffect transition="in" filter="wipe(down)">
+                                      <p:cBhvr>
+                                        <p:cTn id="34" dur="500"/>
+                                        <p:tgtEl>
+                                          <p:spTgt spid="47"/>
+                                        </p:tgtEl>
+                                      </p:cBhvr>
+                                    </p:animEffect>
+                                  </p:childTnLst>
+                                </p:cTn>
+                              </p:par>
+                            </p:childTnLst>
+                          </p:cTn>
+                        </p:par>
+                      </p:childTnLst>
+                    </p:cTn>
+                  </p:par>
+                  <p:par>
+                    <p:cTn id="35" fill="hold">
+                      <p:stCondLst>
+                        <p:cond delay="indefinite"/>
+                      </p:stCondLst>
+                      <p:childTnLst>
+                        <p:par>
+                          <p:cTn id="36" fill="hold">
+                            <p:stCondLst>
+                              <p:cond delay="0"/>
+                            </p:stCondLst>
+                            <p:childTnLst>
+                              <p:par>
+                                <p:cTn id="37" presetID="22" presetClass="entr" presetSubtype="2" fill="hold" grpId="0" nodeType="clickEffect">
+                                  <p:stCondLst>
+                                    <p:cond delay="0"/>
+                                  </p:stCondLst>
+                                  <p:childTnLst>
+                                    <p:set>
+                                      <p:cBhvr>
+                                        <p:cTn id="38" dur="1" fill="hold">
+                                          <p:stCondLst>
+                                            <p:cond delay="0"/>
+                                          </p:stCondLst>
+                                        </p:cTn>
+                                        <p:tgtEl>
+                                          <p:spTgt spid="38"/>
+                                        </p:tgtEl>
+                                        <p:attrNameLst>
+                                          <p:attrName>style.visibility</p:attrName>
+                                        </p:attrNameLst>
+                                      </p:cBhvr>
+                                      <p:to>
+                                        <p:strVal val="visible"/>
+                                      </p:to>
+                                    </p:set>
+                                    <p:animEffect transition="in" filter="wipe(right)">
+                                      <p:cBhvr>
+                                        <p:cTn id="39" dur="500"/>
+                                        <p:tgtEl>
+                                          <p:spTgt spid="38"/>
+                                        </p:tgtEl>
+                                      </p:cBhvr>
+                                    </p:animEffect>
+                                  </p:childTnLst>
+                                </p:cTn>
+                              </p:par>
+                              <p:par>
+                                <p:cTn id="40" presetID="22" presetClass="entr" presetSubtype="2" fill="hold" grpId="0" nodeType="withEffect">
+                                  <p:stCondLst>
+                                    <p:cond delay="0"/>
+                                  </p:stCondLst>
+                                  <p:childTnLst>
+                                    <p:set>
+                                      <p:cBhvr>
+                                        <p:cTn id="41" dur="1" fill="hold">
+                                          <p:stCondLst>
+                                            <p:cond delay="0"/>
+                                          </p:stCondLst>
+                                        </p:cTn>
+                                        <p:tgtEl>
+                                          <p:spTgt spid="45"/>
+                                        </p:tgtEl>
+                                        <p:attrNameLst>
+                                          <p:attrName>style.visibility</p:attrName>
+                                        </p:attrNameLst>
+                                      </p:cBhvr>
+                                      <p:to>
+                                        <p:strVal val="visible"/>
+                                      </p:to>
+                                    </p:set>
+                                    <p:animEffect transition="in" filter="wipe(right)">
+                                      <p:cBhvr>
+                                        <p:cTn id="42" dur="500"/>
+                                        <p:tgtEl>
+                                          <p:spTgt spid="45"/>
+                                        </p:tgtEl>
+                                      </p:cBhvr>
+                                    </p:animEffect>
+                                  </p:childTnLst>
+                                </p:cTn>
+                              </p:par>
+                            </p:childTnLst>
+                          </p:cTn>
+                        </p:par>
+                      </p:childTnLst>
+                    </p:cTn>
+                  </p:par>
+                  <p:par>
+                    <p:cTn id="43" fill="hold">
+                      <p:stCondLst>
+                        <p:cond delay="indefinite"/>
+                      </p:stCondLst>
+                      <p:childTnLst>
+                        <p:par>
+                          <p:cTn id="44" fill="hold">
+                            <p:stCondLst>
+                              <p:cond delay="0"/>
+                            </p:stCondLst>
+                            <p:childTnLst>
+                              <p:par>
+                                <p:cTn id="45" presetID="22" presetClass="entr" presetSubtype="4" fill="hold" grpId="0" nodeType="clickEffect">
+                                  <p:stCondLst>
+                                    <p:cond delay="0"/>
+                                  </p:stCondLst>
+                                  <p:childTnLst>
+                                    <p:set>
+                                      <p:cBhvr>
+                                        <p:cTn id="46" dur="1" fill="hold">
+                                          <p:stCondLst>
+                                            <p:cond delay="0"/>
+                                          </p:stCondLst>
+                                        </p:cTn>
+                                        <p:tgtEl>
+                                          <p:spTgt spid="36"/>
+                                        </p:tgtEl>
+                                        <p:attrNameLst>
+                                          <p:attrName>style.visibility</p:attrName>
+                                        </p:attrNameLst>
+                                      </p:cBhvr>
+                                      <p:to>
+                                        <p:strVal val="visible"/>
+                                      </p:to>
+                                    </p:set>
+                                    <p:animEffect transition="in" filter="wipe(down)">
+                                      <p:cBhvr>
+                                        <p:cTn id="47" dur="500"/>
+                                        <p:tgtEl>
+                                          <p:spTgt spid="36"/>
+                                        </p:tgtEl>
+                                      </p:cBhvr>
+                                    </p:animEffect>
+                                  </p:childTnLst>
+                                </p:cTn>
+                              </p:par>
+                              <p:par>
+                                <p:cTn id="48" presetID="22" presetClass="entr" presetSubtype="4" fill="hold" grpId="0" nodeType="withEffect">
+                                  <p:stCondLst>
+                                    <p:cond delay="0"/>
+                                  </p:stCondLst>
+                                  <p:childTnLst>
+                                    <p:set>
+                                      <p:cBhvr>
+                                        <p:cTn id="49" dur="1" fill="hold">
+                                          <p:stCondLst>
+                                            <p:cond delay="0"/>
+                                          </p:stCondLst>
+                                        </p:cTn>
+                                        <p:tgtEl>
+                                          <p:spTgt spid="49"/>
+                                        </p:tgtEl>
+                                        <p:attrNameLst>
+                                          <p:attrName>style.visibility</p:attrName>
+                                        </p:attrNameLst>
+                                      </p:cBhvr>
+                                      <p:to>
+                                        <p:strVal val="visible"/>
+                                      </p:to>
+                                    </p:set>
+                                    <p:animEffect transition="in" filter="wipe(down)">
+                                      <p:cBhvr>
+                                        <p:cTn id="50" dur="500"/>
+                                        <p:tgtEl>
+                                          <p:spTgt spid="49"/>
+                                        </p:tgtEl>
+                                      </p:cBhvr>
+                                    </p:animEffect>
+                                  </p:childTnLst>
+                                </p:cTn>
+                              </p:par>
+                            </p:childTnLst>
+                          </p:cTn>
+                        </p:par>
+                      </p:childTnLst>
+                    </p:cTn>
+                  </p:par>
+                </p:childTnLst>
+              </p:cTn>
+              <p:prevCondLst>
+                <p:cond evt="onPrev" delay="0">
+                  <p:tgtEl>
+                    <p:sldTgt/>
+                  </p:tgtEl>
+                </p:cond>
+              </p:prevCondLst>
+              <p:nextCondLst>
+                <p:cond evt="onNext" delay="0">
+                  <p:tgtEl>
+                    <p:sldTgt/>
+                  </p:tgtEl>
+                </p:cond>
+              </p:nextCondLst>
+            </p:seq>
+          </p:childTnLst>
+        </p:cTn>
+      </p:par>
+    </p:tnLst>
+    <p:bldLst>
+      <p:bldP spid="27" grpId="0" animBg="1"/>
+      <p:bldP spid="36" grpId="0" animBg="1"/>
+      <p:bldP spid="37" grpId="0" animBg="1"/>
+      <p:bldP spid="38" grpId="0" animBg="1"/>
+      <p:bldP spid="39" grpId="0" animBg="1"/>
+      <p:bldP spid="40" grpId="0" animBg="1"/>
+      <p:bldP spid="28" grpId="0"/>
+      <p:bldP spid="45" grpId="0"/>
+      <p:bldP spid="47" grpId="0"/>
+      <p:bldP spid="48" grpId="0"/>
+      <p:bldP spid="49" grpId="0"/>
+      <p:bldP spid="50" grpId="0"/>
+    </p:bldLst>
+  </p:timing>
+</p:sld>
+</file>
+
+<file path=ppt/slides/slide3.xml><?xml version="1.0" encoding="utf-8"?>
+<p:sld xmlns:a="http://schemas.openxmlformats.org/drawingml/2006/main" xmlns:r="http://schemas.openxmlformats.org/officeDocument/2006/relationships" xmlns:p="http://schemas.openxmlformats.org/presentationml/2006/main">
+  <p:cSld>
     <p:bg>
       <p:bgPr>
         <a:blipFill dpi="0" rotWithShape="1">
           <a:blip r:embed="rId2">
-            <a:alphaModFix amt="26000"/>
+            <a:alphaModFix amt="10000"/>
             <a:lum/>
           </a:blip>
           <a:srcRect/>
@@ -3625,14 +5115,7 @@
                 <a:latin typeface="HGSｺﾞｼｯｸM" panose="020B0600000000000000" pitchFamily="50" charset="-128"/>
                 <a:ea typeface="HGSｺﾞｼｯｸM" panose="020B0600000000000000" pitchFamily="50" charset="-128"/>
               </a:rPr>
-              <a:t>システムの</a:t>
-            </a:r>
-            <a:r>
-              <a:rPr lang="ja-JP" altLang="en-US" b="1" dirty="0" smtClean="0">
-                <a:latin typeface="HGSｺﾞｼｯｸM" panose="020B0600000000000000" pitchFamily="50" charset="-128"/>
-                <a:ea typeface="HGSｺﾞｼｯｸM" panose="020B0600000000000000" pitchFamily="50" charset="-128"/>
-              </a:rPr>
-              <a:t>目的</a:t>
+              <a:t>システムの目的</a:t>
             </a:r>
             <a:endParaRPr kumimoji="1" lang="ja-JP" altLang="en-US" b="1" dirty="0">
               <a:latin typeface="HGSｺﾞｼｯｸM" panose="020B0600000000000000" pitchFamily="50" charset="-128"/>
@@ -5066,7 +6549,7 @@
 </p:sld>
 </file>
 
-<file path=ppt/slides/slide3.xml><?xml version="1.0" encoding="utf-8"?>
+<file path=ppt/slides/slide4.xml><?xml version="1.0" encoding="utf-8"?>
 <p:sld xmlns:a="http://schemas.openxmlformats.org/drawingml/2006/main" xmlns:r="http://schemas.openxmlformats.org/officeDocument/2006/relationships" xmlns:p="http://schemas.openxmlformats.org/presentationml/2006/main">
   <p:cSld>
     <p:spTree>
@@ -5325,14 +6808,14 @@
 </p:sld>
 </file>
 
-<file path=ppt/slides/slide4.xml><?xml version="1.0" encoding="utf-8"?>
+<file path=ppt/slides/slide5.xml><?xml version="1.0" encoding="utf-8"?>
 <p:sld xmlns:a="http://schemas.openxmlformats.org/drawingml/2006/main" xmlns:r="http://schemas.openxmlformats.org/officeDocument/2006/relationships" xmlns:p="http://schemas.openxmlformats.org/presentationml/2006/main">
   <p:cSld>
     <p:bg>
       <p:bgPr>
         <a:blipFill dpi="0" rotWithShape="1">
           <a:blip r:embed="rId2">
-            <a:alphaModFix amt="26000"/>
+            <a:alphaModFix amt="10000"/>
             <a:lum/>
           </a:blip>
           <a:srcRect/>
@@ -5423,7 +6906,7 @@
         </p:blipFill>
         <p:spPr bwMode="auto">
           <a:xfrm>
-            <a:off x="130628" y="1892936"/>
+            <a:off x="155566" y="1593678"/>
             <a:ext cx="11883390" cy="3807120"/>
           </a:xfrm>
           <a:prstGeom prst="rect">
@@ -5461,14 +6944,14 @@
 </p:sld>
 </file>
 
-<file path=ppt/slides/slide5.xml><?xml version="1.0" encoding="utf-8"?>
+<file path=ppt/slides/slide6.xml><?xml version="1.0" encoding="utf-8"?>
 <p:sld xmlns:a="http://schemas.openxmlformats.org/drawingml/2006/main" xmlns:r="http://schemas.openxmlformats.org/officeDocument/2006/relationships" xmlns:p="http://schemas.openxmlformats.org/presentationml/2006/main">
   <p:cSld>
     <p:bg>
       <p:bgPr>
         <a:blipFill dpi="0" rotWithShape="1">
           <a:blip r:embed="rId2">
-            <a:alphaModFix amt="26000"/>
+            <a:alphaModFix amt="10000"/>
             <a:lum/>
           </a:blip>
           <a:srcRect/>
@@ -5559,7 +7042,7 @@
         </p:blipFill>
         <p:spPr bwMode="auto">
           <a:xfrm>
-            <a:off x="943070" y="1586565"/>
+            <a:off x="751877" y="1325563"/>
             <a:ext cx="10621404" cy="5038269"/>
           </a:xfrm>
           <a:prstGeom prst="rect">
@@ -5597,14 +7080,14 @@
 </p:sld>
 </file>
 
-<file path=ppt/slides/slide6.xml><?xml version="1.0" encoding="utf-8"?>
+<file path=ppt/slides/slide7.xml><?xml version="1.0" encoding="utf-8"?>
 <p:sld xmlns:a="http://schemas.openxmlformats.org/drawingml/2006/main" xmlns:r="http://schemas.openxmlformats.org/officeDocument/2006/relationships" xmlns:p="http://schemas.openxmlformats.org/presentationml/2006/main">
   <p:cSld>
     <p:bg>
       <p:bgPr>
         <a:blipFill dpi="0" rotWithShape="1">
           <a:blip r:embed="rId2">
-            <a:alphaModFix amt="26000"/>
+            <a:alphaModFix amt="10000"/>
             <a:lum/>
           </a:blip>
           <a:srcRect/>
@@ -5796,14 +7279,14 @@
 </p:sld>
 </file>
 
-<file path=ppt/slides/slide7.xml><?xml version="1.0" encoding="utf-8"?>
+<file path=ppt/slides/slide8.xml><?xml version="1.0" encoding="utf-8"?>
 <p:sld xmlns:a="http://schemas.openxmlformats.org/drawingml/2006/main" xmlns:r="http://schemas.openxmlformats.org/officeDocument/2006/relationships" xmlns:p="http://schemas.openxmlformats.org/presentationml/2006/main">
   <p:cSld>
     <p:bg>
       <p:bgPr>
         <a:blipFill dpi="0" rotWithShape="1">
           <a:blip r:embed="rId2">
-            <a:alphaModFix amt="26000"/>
+            <a:alphaModFix amt="10000"/>
             <a:lum/>
           </a:blip>
           <a:srcRect/>
@@ -5885,10 +7368,10 @@
           <a:lstStyle/>
           <a:p>
             <a:r>
-              <a:rPr kumimoji="1" lang="ja-JP" altLang="en-US" sz="2400" dirty="0" smtClean="0"/>
+              <a:rPr kumimoji="1" lang="ja-JP" altLang="en-US" sz="2400" b="1" dirty="0" smtClean="0"/>
               <a:t>・これまでに作成した資料</a:t>
             </a:r>
-            <a:endParaRPr kumimoji="1" lang="ja-JP" altLang="en-US" sz="2400" dirty="0"/>
+            <a:endParaRPr kumimoji="1" lang="ja-JP" altLang="en-US" sz="2400" b="1" dirty="0"/>
           </a:p>
         </p:txBody>
       </p:sp>
@@ -5901,7 +7384,7 @@
         <p:spPr>
           <a:xfrm>
             <a:off x="1750423" y="2120648"/>
-            <a:ext cx="5160387" cy="1015663"/>
+            <a:ext cx="5197257" cy="1015663"/>
           </a:xfrm>
           <a:prstGeom prst="rect">
             <a:avLst/>
@@ -5915,132 +7398,128 @@
           <a:lstStyle/>
           <a:p>
             <a:r>
-              <a:rPr kumimoji="1" lang="ja-JP" altLang="en-US" sz="2000" dirty="0" smtClean="0"/>
+              <a:rPr kumimoji="1" lang="ja-JP" altLang="en-US" sz="2000" b="1" dirty="0" smtClean="0"/>
               <a:t>・要求分析書</a:t>
             </a:r>
             <a:r>
-              <a:rPr lang="en-US" altLang="ja-JP" sz="2000" dirty="0"/>
+              <a:rPr lang="en-US" altLang="ja-JP" sz="2000" b="1" dirty="0"/>
               <a:t>	</a:t>
             </a:r>
             <a:r>
-              <a:rPr lang="en-US" altLang="ja-JP" sz="2000" dirty="0" smtClean="0"/>
+              <a:rPr lang="en-US" altLang="ja-JP" sz="2000" b="1" dirty="0" smtClean="0"/>
               <a:t>	9</a:t>
             </a:r>
             <a:r>
-              <a:rPr lang="ja-JP" altLang="en-US" sz="2000" dirty="0" smtClean="0"/>
+              <a:rPr lang="ja-JP" altLang="en-US" sz="2000" b="1" dirty="0" smtClean="0"/>
               <a:t>月</a:t>
             </a:r>
             <a:r>
-              <a:rPr lang="en-US" altLang="ja-JP" sz="2000" dirty="0" smtClean="0"/>
+              <a:rPr lang="en-US" altLang="ja-JP" sz="2000" b="1" dirty="0" smtClean="0"/>
               <a:t>24</a:t>
             </a:r>
             <a:r>
-              <a:rPr lang="ja-JP" altLang="en-US" sz="2000" dirty="0" smtClean="0"/>
+              <a:rPr lang="ja-JP" altLang="en-US" sz="2000" b="1" dirty="0" smtClean="0"/>
               <a:t>日</a:t>
             </a:r>
             <a:r>
-              <a:rPr lang="en-US" altLang="ja-JP" sz="2000" dirty="0" smtClean="0"/>
+              <a:rPr lang="en-US" altLang="ja-JP" sz="2000" b="1" dirty="0" smtClean="0"/>
               <a:t>~10</a:t>
             </a:r>
             <a:r>
-              <a:rPr lang="ja-JP" altLang="en-US" sz="2000" dirty="0" smtClean="0"/>
+              <a:rPr lang="ja-JP" altLang="en-US" sz="2000" b="1" dirty="0" smtClean="0"/>
               <a:t>月</a:t>
             </a:r>
             <a:r>
-              <a:rPr lang="en-US" altLang="ja-JP" sz="2000" dirty="0" smtClean="0"/>
+              <a:rPr lang="en-US" altLang="ja-JP" sz="2000" b="1" dirty="0" smtClean="0"/>
               <a:t>11</a:t>
             </a:r>
             <a:r>
-              <a:rPr lang="ja-JP" altLang="en-US" sz="2000" dirty="0" smtClean="0"/>
+              <a:rPr lang="ja-JP" altLang="en-US" sz="2000" b="1" dirty="0" smtClean="0"/>
               <a:t>日</a:t>
             </a:r>
-            <a:endParaRPr kumimoji="1" lang="en-US" altLang="ja-JP" sz="2000" dirty="0" smtClean="0"/>
-          </a:p>
-          <a:p>
-            <a:r>
-              <a:rPr lang="ja-JP" altLang="en-US" sz="2000" dirty="0" smtClean="0"/>
+            <a:endParaRPr kumimoji="1" lang="en-US" altLang="ja-JP" sz="2000" b="1" dirty="0" smtClean="0"/>
+          </a:p>
+          <a:p>
+            <a:r>
+              <a:rPr lang="ja-JP" altLang="en-US" sz="2000" b="1" dirty="0" smtClean="0"/>
               <a:t>・全体</a:t>
             </a:r>
             <a:r>
-              <a:rPr lang="en-US" altLang="ja-JP" sz="2000" dirty="0" smtClean="0"/>
+              <a:rPr lang="en-US" altLang="ja-JP" sz="2000" b="1" dirty="0" smtClean="0"/>
               <a:t>DFD		10</a:t>
             </a:r>
             <a:r>
-              <a:rPr lang="ja-JP" altLang="en-US" sz="2000" dirty="0" smtClean="0"/>
+              <a:rPr lang="ja-JP" altLang="en-US" sz="2000" b="1" dirty="0" smtClean="0"/>
               <a:t>月</a:t>
             </a:r>
             <a:r>
-              <a:rPr lang="en-US" altLang="ja-JP" sz="2000" dirty="0" smtClean="0"/>
+              <a:rPr lang="en-US" altLang="ja-JP" sz="2000" b="1" dirty="0" smtClean="0"/>
               <a:t>1</a:t>
             </a:r>
             <a:r>
-              <a:rPr lang="ja-JP" altLang="en-US" sz="2000" dirty="0" smtClean="0"/>
+              <a:rPr lang="ja-JP" altLang="en-US" sz="2000" b="1" dirty="0" smtClean="0"/>
               <a:t>日</a:t>
             </a:r>
             <a:r>
-              <a:rPr lang="en-US" altLang="ja-JP" sz="2000" dirty="0" smtClean="0"/>
+              <a:rPr lang="en-US" altLang="ja-JP" sz="2000" b="1" dirty="0" smtClean="0"/>
               <a:t>~10</a:t>
             </a:r>
             <a:r>
-              <a:rPr lang="ja-JP" altLang="en-US" sz="2000" dirty="0" smtClean="0"/>
+              <a:rPr lang="ja-JP" altLang="en-US" sz="2000" b="1" dirty="0" smtClean="0"/>
               <a:t>月</a:t>
             </a:r>
             <a:r>
-              <a:rPr lang="en-US" altLang="ja-JP" sz="2000" dirty="0" smtClean="0"/>
+              <a:rPr lang="en-US" altLang="ja-JP" sz="2000" b="1" dirty="0" smtClean="0"/>
               <a:t>11</a:t>
             </a:r>
             <a:r>
-              <a:rPr lang="ja-JP" altLang="en-US" sz="2000" dirty="0" smtClean="0"/>
+              <a:rPr lang="ja-JP" altLang="en-US" sz="2000" b="1" dirty="0" smtClean="0"/>
               <a:t>日</a:t>
             </a:r>
-            <a:endParaRPr lang="en-US" altLang="ja-JP" sz="2000" dirty="0" smtClean="0"/>
-          </a:p>
-          <a:p>
-            <a:r>
-              <a:rPr kumimoji="1" lang="ja-JP" altLang="en-US" sz="2000" dirty="0" smtClean="0"/>
-              <a:t>・システム</a:t>
-            </a:r>
-            <a:r>
-              <a:rPr kumimoji="1" lang="ja-JP" altLang="en-US" sz="2000" dirty="0" smtClean="0"/>
-              <a:t>構造図</a:t>
-            </a:r>
-            <a:r>
-              <a:rPr kumimoji="1" lang="en-US" altLang="ja-JP" sz="2000" dirty="0" smtClean="0"/>
+            <a:endParaRPr lang="en-US" altLang="ja-JP" sz="2000" b="1" dirty="0" smtClean="0"/>
+          </a:p>
+          <a:p>
+            <a:r>
+              <a:rPr kumimoji="1" lang="ja-JP" altLang="en-US" sz="2000" b="1" dirty="0" smtClean="0"/>
+              <a:t>・システム構造図</a:t>
+            </a:r>
+            <a:r>
+              <a:rPr kumimoji="1" lang="en-US" altLang="ja-JP" sz="2000" b="1" dirty="0" smtClean="0"/>
               <a:t>	</a:t>
             </a:r>
             <a:r>
-              <a:rPr kumimoji="1" lang="en-US" altLang="ja-JP" sz="2000" dirty="0" smtClean="0"/>
-              <a:t>	10</a:t>
-            </a:r>
-            <a:r>
-              <a:rPr kumimoji="1" lang="ja-JP" altLang="en-US" sz="2000" dirty="0" smtClean="0"/>
+              <a:rPr kumimoji="1" lang="en-US" altLang="ja-JP" sz="2000" b="1" dirty="0" smtClean="0"/>
+              <a:t>10</a:t>
+            </a:r>
+            <a:r>
+              <a:rPr kumimoji="1" lang="ja-JP" altLang="en-US" sz="2000" b="1" dirty="0" smtClean="0"/>
               <a:t>月</a:t>
             </a:r>
             <a:r>
-              <a:rPr lang="en-US" altLang="ja-JP" sz="2000" dirty="0"/>
+              <a:rPr lang="en-US" altLang="ja-JP" sz="2000" b="1" dirty="0"/>
               <a:t>8</a:t>
             </a:r>
             <a:r>
-              <a:rPr lang="ja-JP" altLang="en-US" sz="2000" dirty="0" smtClean="0"/>
+              <a:rPr lang="ja-JP" altLang="en-US" sz="2000" b="1" dirty="0" smtClean="0"/>
               <a:t>日</a:t>
             </a:r>
             <a:r>
-              <a:rPr lang="en-US" altLang="ja-JP" sz="2000" dirty="0" smtClean="0"/>
+              <a:rPr lang="en-US" altLang="ja-JP" sz="2000" b="1" dirty="0" smtClean="0"/>
               <a:t>~10</a:t>
             </a:r>
             <a:r>
-              <a:rPr lang="ja-JP" altLang="en-US" sz="2000" dirty="0" smtClean="0"/>
+              <a:rPr lang="ja-JP" altLang="en-US" sz="2000" b="1" dirty="0" smtClean="0"/>
               <a:t>月</a:t>
             </a:r>
             <a:r>
-              <a:rPr lang="en-US" altLang="ja-JP" sz="2000" dirty="0" smtClean="0"/>
+              <a:rPr lang="en-US" altLang="ja-JP" sz="2000" b="1" dirty="0" smtClean="0"/>
               <a:t>11</a:t>
             </a:r>
             <a:r>
-              <a:rPr lang="ja-JP" altLang="en-US" sz="2000" dirty="0" smtClean="0"/>
+              <a:rPr lang="ja-JP" altLang="en-US" sz="2000" b="1" dirty="0" smtClean="0"/>
               <a:t>日</a:t>
             </a:r>
-            <a:endParaRPr kumimoji="1" lang="en-US" altLang="ja-JP" sz="2000" dirty="0" smtClean="0"/>
+            <a:endParaRPr kumimoji="1" lang="en-US" altLang="ja-JP" sz="2000" b="1" dirty="0" smtClean="0"/>
           </a:p>
         </p:txBody>
       </p:sp>
@@ -6067,10 +7546,10 @@
           <a:lstStyle/>
           <a:p>
             <a:r>
-              <a:rPr kumimoji="1" lang="ja-JP" altLang="en-US" sz="2400" dirty="0" smtClean="0"/>
+              <a:rPr kumimoji="1" lang="ja-JP" altLang="en-US" sz="2400" b="1" dirty="0" smtClean="0"/>
               <a:t>・これから作成する資料</a:t>
             </a:r>
-            <a:endParaRPr kumimoji="1" lang="ja-JP" altLang="en-US" sz="2400" dirty="0"/>
+            <a:endParaRPr kumimoji="1" lang="ja-JP" altLang="en-US" sz="2400" b="1" dirty="0"/>
           </a:p>
         </p:txBody>
       </p:sp>
@@ -6083,7 +7562,7 @@
         <p:spPr>
           <a:xfrm>
             <a:off x="1750423" y="3805699"/>
-            <a:ext cx="4339650" cy="2031325"/>
+            <a:ext cx="5262979" cy="2031325"/>
           </a:xfrm>
           <a:prstGeom prst="rect">
             <a:avLst/>
@@ -6097,108 +7576,116 @@
           <a:lstStyle/>
           <a:p>
             <a:r>
-              <a:rPr kumimoji="1" lang="ja-JP" altLang="en-US" dirty="0" smtClean="0"/>
+              <a:rPr kumimoji="1" lang="ja-JP" altLang="en-US" b="1" dirty="0" smtClean="0"/>
               <a:t>・各種サブシステム仕様書</a:t>
             </a:r>
             <a:r>
-              <a:rPr kumimoji="1" lang="en-US" altLang="ja-JP" dirty="0" smtClean="0"/>
+              <a:rPr kumimoji="1" lang="en-US" altLang="ja-JP" b="1" dirty="0" smtClean="0"/>
               <a:t>		</a:t>
             </a:r>
             <a:r>
-              <a:rPr kumimoji="1" lang="ja-JP" altLang="en-US" dirty="0" smtClean="0"/>
+              <a:rPr kumimoji="1" lang="ja-JP" altLang="en-US" b="1" dirty="0" smtClean="0"/>
               <a:t>月日</a:t>
             </a:r>
-            <a:endParaRPr kumimoji="1" lang="en-US" altLang="ja-JP" dirty="0" smtClean="0"/>
-          </a:p>
-          <a:p>
-            <a:r>
-              <a:rPr lang="ja-JP" altLang="en-US" dirty="0" smtClean="0"/>
+            <a:endParaRPr kumimoji="1" lang="en-US" altLang="ja-JP" b="1" dirty="0" smtClean="0"/>
+          </a:p>
+          <a:p>
+            <a:r>
+              <a:rPr lang="ja-JP" altLang="en-US" b="1" dirty="0" smtClean="0"/>
               <a:t>・各種データベース仕様書</a:t>
             </a:r>
             <a:r>
-              <a:rPr lang="en-US" altLang="ja-JP" dirty="0" smtClean="0"/>
+              <a:rPr lang="en-US" altLang="ja-JP" b="1" dirty="0" smtClean="0"/>
               <a:t>		</a:t>
             </a:r>
             <a:r>
-              <a:rPr lang="ja-JP" altLang="en-US" dirty="0" smtClean="0"/>
+              <a:rPr lang="ja-JP" altLang="en-US" b="1" dirty="0" smtClean="0"/>
               <a:t>月日</a:t>
             </a:r>
-            <a:endParaRPr lang="en-US" altLang="ja-JP" dirty="0" smtClean="0"/>
-          </a:p>
-          <a:p>
-            <a:r>
-              <a:rPr kumimoji="1" lang="ja-JP" altLang="en-US" dirty="0" smtClean="0"/>
+            <a:endParaRPr lang="en-US" altLang="ja-JP" b="1" dirty="0" smtClean="0"/>
+          </a:p>
+          <a:p>
+            <a:r>
+              <a:rPr kumimoji="1" lang="ja-JP" altLang="en-US" b="1" dirty="0" smtClean="0"/>
               <a:t>・各種画面仕様書</a:t>
             </a:r>
             <a:r>
-              <a:rPr kumimoji="1" lang="en-US" altLang="ja-JP" dirty="0" smtClean="0"/>
+              <a:rPr kumimoji="1" lang="en-US" altLang="ja-JP" b="1" dirty="0" smtClean="0"/>
               <a:t>			</a:t>
             </a:r>
             <a:r>
-              <a:rPr lang="ja-JP" altLang="en-US" dirty="0"/>
+              <a:rPr lang="ja-JP" altLang="en-US" b="1" dirty="0"/>
               <a:t>月日</a:t>
             </a:r>
-            <a:endParaRPr kumimoji="1" lang="en-US" altLang="ja-JP" dirty="0" smtClean="0"/>
-          </a:p>
-          <a:p>
-            <a:r>
-              <a:rPr lang="ja-JP" altLang="en-US" dirty="0" smtClean="0"/>
+            <a:endParaRPr kumimoji="1" lang="en-US" altLang="ja-JP" b="1" dirty="0" smtClean="0"/>
+          </a:p>
+          <a:p>
+            <a:r>
+              <a:rPr lang="ja-JP" altLang="en-US" b="1" dirty="0" smtClean="0"/>
               <a:t>・各種プログラム仕様書</a:t>
             </a:r>
             <a:r>
-              <a:rPr lang="en-US" altLang="ja-JP" dirty="0" smtClean="0"/>
+              <a:rPr lang="en-US" altLang="ja-JP" b="1" dirty="0" smtClean="0"/>
               <a:t>		</a:t>
             </a:r>
             <a:r>
-              <a:rPr lang="ja-JP" altLang="en-US" dirty="0" smtClean="0"/>
+              <a:rPr lang="en-US" altLang="ja-JP" b="1" dirty="0" smtClean="0"/>
+              <a:t>	</a:t>
+            </a:r>
+            <a:r>
+              <a:rPr lang="ja-JP" altLang="en-US" b="1" dirty="0" smtClean="0"/>
               <a:t>月日</a:t>
             </a:r>
-            <a:endParaRPr lang="en-US" altLang="ja-JP" dirty="0" smtClean="0"/>
-          </a:p>
-          <a:p>
-            <a:r>
-              <a:rPr kumimoji="1" lang="ja-JP" altLang="en-US" dirty="0" smtClean="0"/>
+            <a:endParaRPr lang="en-US" altLang="ja-JP" b="1" dirty="0" smtClean="0"/>
+          </a:p>
+          <a:p>
+            <a:r>
+              <a:rPr kumimoji="1" lang="ja-JP" altLang="en-US" b="1" dirty="0" smtClean="0"/>
               <a:t>・各種モジュール仕様書</a:t>
             </a:r>
             <a:r>
-              <a:rPr kumimoji="1" lang="en-US" altLang="ja-JP" dirty="0" smtClean="0"/>
+              <a:rPr kumimoji="1" lang="en-US" altLang="ja-JP" b="1" dirty="0" smtClean="0"/>
               <a:t>		</a:t>
             </a:r>
             <a:r>
-              <a:rPr lang="ja-JP" altLang="en-US" dirty="0" smtClean="0"/>
+              <a:rPr kumimoji="1" lang="en-US" altLang="ja-JP" b="1" dirty="0" smtClean="0"/>
+              <a:t>	</a:t>
+            </a:r>
+            <a:r>
+              <a:rPr lang="ja-JP" altLang="en-US" b="1" dirty="0" smtClean="0"/>
               <a:t>月日</a:t>
             </a:r>
-            <a:endParaRPr kumimoji="1" lang="en-US" altLang="ja-JP" dirty="0" smtClean="0"/>
-          </a:p>
-          <a:p>
-            <a:r>
-              <a:rPr lang="ja-JP" altLang="en-US" dirty="0" smtClean="0"/>
+            <a:endParaRPr kumimoji="1" lang="en-US" altLang="ja-JP" b="1" dirty="0" smtClean="0"/>
+          </a:p>
+          <a:p>
+            <a:r>
+              <a:rPr lang="ja-JP" altLang="en-US" b="1" dirty="0" smtClean="0"/>
               <a:t>・テスト仕様書・テスト実施結果書</a:t>
             </a:r>
             <a:r>
-              <a:rPr lang="en-US" altLang="ja-JP" dirty="0" smtClean="0"/>
+              <a:rPr lang="en-US" altLang="ja-JP" b="1" dirty="0" smtClean="0"/>
               <a:t>	</a:t>
             </a:r>
             <a:r>
-              <a:rPr lang="ja-JP" altLang="en-US" dirty="0"/>
+              <a:rPr lang="ja-JP" altLang="en-US" b="1" dirty="0"/>
               <a:t>月日</a:t>
             </a:r>
-            <a:endParaRPr lang="en-US" altLang="ja-JP" dirty="0" smtClean="0"/>
-          </a:p>
-          <a:p>
-            <a:r>
-              <a:rPr kumimoji="1" lang="ja-JP" altLang="en-US" dirty="0" smtClean="0"/>
+            <a:endParaRPr lang="en-US" altLang="ja-JP" b="1" dirty="0" smtClean="0"/>
+          </a:p>
+          <a:p>
+            <a:r>
+              <a:rPr kumimoji="1" lang="ja-JP" altLang="en-US" b="1" dirty="0" smtClean="0"/>
               <a:t>・ガントチャート</a:t>
             </a:r>
             <a:r>
-              <a:rPr kumimoji="1" lang="en-US" altLang="ja-JP" dirty="0" smtClean="0"/>
+              <a:rPr kumimoji="1" lang="en-US" altLang="ja-JP" b="1" dirty="0" smtClean="0"/>
               <a:t>			</a:t>
             </a:r>
             <a:r>
-              <a:rPr lang="ja-JP" altLang="en-US" dirty="0"/>
+              <a:rPr lang="ja-JP" altLang="en-US" b="1" dirty="0"/>
               <a:t>月日</a:t>
             </a:r>
-            <a:endParaRPr kumimoji="1" lang="ja-JP" altLang="en-US" dirty="0"/>
+            <a:endParaRPr kumimoji="1" lang="ja-JP" altLang="en-US" b="1" dirty="0"/>
           </a:p>
         </p:txBody>
       </p:sp>
@@ -6477,7 +7964,7 @@
   <a:extraClrSchemeLst/>
   <a:extLst>
     <a:ext uri="{05A4C25C-085E-4340-85A3-A5531E510DB2}">
-      <thm15:themeFamily xmlns:thm15="http://schemas.microsoft.com/office/thememl/2012/main" xmlns="" name="Office Theme" id="{62F939B6-93AF-4DB8-9C6B-D6C7DFDC589F}" vid="{4A3C46E8-61CC-4603-A589-7422A47A8E4A}"/>
+      <thm15:themeFamily xmlns:thm15="http://schemas.microsoft.com/office/thememl/2012/main" name="Office Theme" id="{62F939B6-93AF-4DB8-9C6B-D6C7DFDC589F}" vid="{4A3C46E8-61CC-4603-A589-7422A47A8E4A}"/>
     </a:ext>
   </a:extLst>
 </a:theme>

--- a/企画発表プレゼンテーション.pptx
+++ b/企画発表プレゼンテーション.pptx
@@ -7,12 +7,14 @@
   <p:sldIdLst>
     <p:sldId id="256" r:id="rId2"/>
     <p:sldId id="263" r:id="rId3"/>
-    <p:sldId id="257" r:id="rId4"/>
-    <p:sldId id="262" r:id="rId5"/>
-    <p:sldId id="258" r:id="rId6"/>
-    <p:sldId id="259" r:id="rId7"/>
-    <p:sldId id="260" r:id="rId8"/>
-    <p:sldId id="261" r:id="rId9"/>
+    <p:sldId id="264" r:id="rId4"/>
+    <p:sldId id="265" r:id="rId5"/>
+    <p:sldId id="257" r:id="rId6"/>
+    <p:sldId id="262" r:id="rId7"/>
+    <p:sldId id="258" r:id="rId8"/>
+    <p:sldId id="259" r:id="rId9"/>
+    <p:sldId id="260" r:id="rId10"/>
+    <p:sldId id="261" r:id="rId11"/>
   </p:sldIdLst>
   <p:sldSz cx="12192000" cy="6858000"/>
   <p:notesSz cx="6858000" cy="9144000"/>
@@ -113,7 +115,7 @@
   </p:defaultTextStyle>
   <p:extLst>
     <p:ext uri="{EFAFB233-063F-42B5-8137-9DF3F51BA10A}">
-      <p15:sldGuideLst xmlns:p15="http://schemas.microsoft.com/office/powerpoint/2012/main">
+      <p15:sldGuideLst xmlns:p15="http://schemas.microsoft.com/office/powerpoint/2012/main" xmlns="">
         <p15:guide id="1" orient="horz" pos="2160">
           <p15:clr>
             <a:srgbClr val="A4A3A4"/>
@@ -261,7 +263,7 @@
           <a:p>
             <a:fld id="{9C27765A-BBDC-4B93-B191-B0458F0CABEC}" type="datetimeFigureOut">
               <a:rPr kumimoji="1" lang="ja-JP" altLang="en-US" smtClean="0"/>
-              <a:t>2019/10/14</a:t>
+              <a:t>2019/10/15</a:t>
             </a:fld>
             <a:endParaRPr kumimoji="1" lang="ja-JP" altLang="en-US"/>
           </a:p>
@@ -463,7 +465,7 @@
           <a:p>
             <a:fld id="{9C27765A-BBDC-4B93-B191-B0458F0CABEC}" type="datetimeFigureOut">
               <a:rPr kumimoji="1" lang="ja-JP" altLang="en-US" smtClean="0"/>
-              <a:t>2019/10/14</a:t>
+              <a:t>2019/10/15</a:t>
             </a:fld>
             <a:endParaRPr kumimoji="1" lang="ja-JP" altLang="en-US"/>
           </a:p>
@@ -675,7 +677,7 @@
           <a:p>
             <a:fld id="{9C27765A-BBDC-4B93-B191-B0458F0CABEC}" type="datetimeFigureOut">
               <a:rPr kumimoji="1" lang="ja-JP" altLang="en-US" smtClean="0"/>
-              <a:t>2019/10/14</a:t>
+              <a:t>2019/10/15</a:t>
             </a:fld>
             <a:endParaRPr kumimoji="1" lang="ja-JP" altLang="en-US"/>
           </a:p>
@@ -877,7 +879,7 @@
           <a:p>
             <a:fld id="{9C27765A-BBDC-4B93-B191-B0458F0CABEC}" type="datetimeFigureOut">
               <a:rPr kumimoji="1" lang="ja-JP" altLang="en-US" smtClean="0"/>
-              <a:t>2019/10/14</a:t>
+              <a:t>2019/10/15</a:t>
             </a:fld>
             <a:endParaRPr kumimoji="1" lang="ja-JP" altLang="en-US"/>
           </a:p>
@@ -1123,7 +1125,7 @@
           <a:p>
             <a:fld id="{9C27765A-BBDC-4B93-B191-B0458F0CABEC}" type="datetimeFigureOut">
               <a:rPr kumimoji="1" lang="ja-JP" altLang="en-US" smtClean="0"/>
-              <a:t>2019/10/14</a:t>
+              <a:t>2019/10/15</a:t>
             </a:fld>
             <a:endParaRPr kumimoji="1" lang="ja-JP" altLang="en-US"/>
           </a:p>
@@ -1419,7 +1421,7 @@
           <a:p>
             <a:fld id="{9C27765A-BBDC-4B93-B191-B0458F0CABEC}" type="datetimeFigureOut">
               <a:rPr kumimoji="1" lang="ja-JP" altLang="en-US" smtClean="0"/>
-              <a:t>2019/10/14</a:t>
+              <a:t>2019/10/15</a:t>
             </a:fld>
             <a:endParaRPr kumimoji="1" lang="ja-JP" altLang="en-US"/>
           </a:p>
@@ -1850,7 +1852,7 @@
           <a:p>
             <a:fld id="{9C27765A-BBDC-4B93-B191-B0458F0CABEC}" type="datetimeFigureOut">
               <a:rPr kumimoji="1" lang="ja-JP" altLang="en-US" smtClean="0"/>
-              <a:t>2019/10/14</a:t>
+              <a:t>2019/10/15</a:t>
             </a:fld>
             <a:endParaRPr kumimoji="1" lang="ja-JP" altLang="en-US"/>
           </a:p>
@@ -1968,7 +1970,7 @@
           <a:p>
             <a:fld id="{9C27765A-BBDC-4B93-B191-B0458F0CABEC}" type="datetimeFigureOut">
               <a:rPr kumimoji="1" lang="ja-JP" altLang="en-US" smtClean="0"/>
-              <a:t>2019/10/14</a:t>
+              <a:t>2019/10/15</a:t>
             </a:fld>
             <a:endParaRPr kumimoji="1" lang="ja-JP" altLang="en-US"/>
           </a:p>
@@ -2063,7 +2065,7 @@
           <a:p>
             <a:fld id="{9C27765A-BBDC-4B93-B191-B0458F0CABEC}" type="datetimeFigureOut">
               <a:rPr kumimoji="1" lang="ja-JP" altLang="en-US" smtClean="0"/>
-              <a:t>2019/10/14</a:t>
+              <a:t>2019/10/15</a:t>
             </a:fld>
             <a:endParaRPr kumimoji="1" lang="ja-JP" altLang="en-US"/>
           </a:p>
@@ -2372,7 +2374,7 @@
           <a:p>
             <a:fld id="{9C27765A-BBDC-4B93-B191-B0458F0CABEC}" type="datetimeFigureOut">
               <a:rPr kumimoji="1" lang="ja-JP" altLang="en-US" smtClean="0"/>
-              <a:t>2019/10/14</a:t>
+              <a:t>2019/10/15</a:t>
             </a:fld>
             <a:endParaRPr kumimoji="1" lang="ja-JP" altLang="en-US"/>
           </a:p>
@@ -2625,7 +2627,7 @@
           <a:p>
             <a:fld id="{9C27765A-BBDC-4B93-B191-B0458F0CABEC}" type="datetimeFigureOut">
               <a:rPr kumimoji="1" lang="ja-JP" altLang="en-US" smtClean="0"/>
-              <a:t>2019/10/14</a:t>
+              <a:t>2019/10/15</a:t>
             </a:fld>
             <a:endParaRPr kumimoji="1" lang="ja-JP" altLang="en-US"/>
           </a:p>
@@ -2690,9 +2692,19 @@
 <p:sldMaster xmlns:a="http://schemas.openxmlformats.org/drawingml/2006/main" xmlns:r="http://schemas.openxmlformats.org/officeDocument/2006/relationships" xmlns:p="http://schemas.openxmlformats.org/presentationml/2006/main">
   <p:cSld>
     <p:bg>
-      <p:bgRef idx="1001">
-        <a:schemeClr val="bg1"/>
-      </p:bgRef>
+      <p:bgPr>
+        <a:blipFill dpi="0" rotWithShape="1">
+          <a:blip r:embed="rId13">
+            <a:alphaModFix amt="10000"/>
+            <a:lum/>
+          </a:blip>
+          <a:srcRect/>
+          <a:stretch>
+            <a:fillRect/>
+          </a:stretch>
+        </a:blipFill>
+        <a:effectLst/>
+      </p:bgPr>
     </p:bg>
     <p:spTree>
       <p:nvGrpSpPr>
@@ -2870,7 +2882,7 @@
           <a:p>
             <a:fld id="{9C27765A-BBDC-4B93-B191-B0458F0CABEC}" type="datetimeFigureOut">
               <a:rPr kumimoji="1" lang="ja-JP" altLang="en-US" smtClean="0"/>
-              <a:t>2019/10/14</a:t>
+              <a:t>2019/10/15</a:t>
             </a:fld>
             <a:endParaRPr kumimoji="1" lang="ja-JP" altLang="en-US"/>
           </a:p>
@@ -3578,6 +3590,409 @@
 </p:sld>
 </file>
 
+<file path=ppt/slides/slide10.xml><?xml version="1.0" encoding="utf-8"?>
+<p:sld xmlns:a="http://schemas.openxmlformats.org/drawingml/2006/main" xmlns:r="http://schemas.openxmlformats.org/officeDocument/2006/relationships" xmlns:p="http://schemas.openxmlformats.org/presentationml/2006/main">
+  <p:cSld>
+    <p:spTree>
+      <p:nvGrpSpPr>
+        <p:cNvPr id="1" name=""/>
+        <p:cNvGrpSpPr/>
+        <p:nvPr/>
+      </p:nvGrpSpPr>
+      <p:grpSpPr>
+        <a:xfrm>
+          <a:off x="0" y="0"/>
+          <a:ext cx="0" cy="0"/>
+          <a:chOff x="0" y="0"/>
+          <a:chExt cx="0" cy="0"/>
+        </a:xfrm>
+      </p:grpSpPr>
+      <p:sp>
+        <p:nvSpPr>
+          <p:cNvPr id="2" name="タイトル 1"/>
+          <p:cNvSpPr>
+            <a:spLocks noGrp="1"/>
+          </p:cNvSpPr>
+          <p:nvPr>
+            <p:ph type="title"/>
+          </p:nvPr>
+        </p:nvSpPr>
+        <p:spPr>
+          <a:xfrm>
+            <a:off x="549875" y="0"/>
+            <a:ext cx="10515600" cy="1325563"/>
+          </a:xfrm>
+        </p:spPr>
+        <p:txBody>
+          <a:bodyPr/>
+          <a:lstStyle/>
+          <a:p>
+            <a:r>
+              <a:rPr kumimoji="1" lang="ja-JP" altLang="en-US" b="1" dirty="0" smtClean="0">
+                <a:latin typeface="HGSｺﾞｼｯｸM" panose="020B0600000000000000" pitchFamily="50" charset="-128"/>
+                <a:ea typeface="HGSｺﾞｼｯｸM" panose="020B0600000000000000" pitchFamily="50" charset="-128"/>
+              </a:rPr>
+              <a:t>スケジュール</a:t>
+            </a:r>
+            <a:endParaRPr kumimoji="1" lang="ja-JP" altLang="en-US" b="1" dirty="0">
+              <a:latin typeface="HGSｺﾞｼｯｸM" panose="020B0600000000000000" pitchFamily="50" charset="-128"/>
+              <a:ea typeface="HGSｺﾞｼｯｸM" panose="020B0600000000000000" pitchFamily="50" charset="-128"/>
+            </a:endParaRPr>
+          </a:p>
+        </p:txBody>
+      </p:sp>
+      <p:sp>
+        <p:nvSpPr>
+          <p:cNvPr id="4" name="テキスト ボックス 3"/>
+          <p:cNvSpPr txBox="1"/>
+          <p:nvPr/>
+        </p:nvSpPr>
+        <p:spPr>
+          <a:xfrm>
+            <a:off x="1018903" y="1637156"/>
+            <a:ext cx="3877985" cy="461665"/>
+          </a:xfrm>
+          <a:prstGeom prst="rect">
+            <a:avLst/>
+          </a:prstGeom>
+          <a:noFill/>
+        </p:spPr>
+        <p:txBody>
+          <a:bodyPr wrap="none" rtlCol="0">
+            <a:spAutoFit/>
+          </a:bodyPr>
+          <a:lstStyle/>
+          <a:p>
+            <a:r>
+              <a:rPr kumimoji="1" lang="ja-JP" altLang="en-US" sz="2400" b="1" dirty="0" smtClean="0"/>
+              <a:t>・これまでに作成した資料</a:t>
+            </a:r>
+            <a:endParaRPr kumimoji="1" lang="ja-JP" altLang="en-US" sz="2400" b="1" dirty="0"/>
+          </a:p>
+        </p:txBody>
+      </p:sp>
+      <p:sp>
+        <p:nvSpPr>
+          <p:cNvPr id="5" name="テキスト ボックス 4"/>
+          <p:cNvSpPr txBox="1"/>
+          <p:nvPr/>
+        </p:nvSpPr>
+        <p:spPr>
+          <a:xfrm>
+            <a:off x="1750423" y="2120648"/>
+            <a:ext cx="5197257" cy="1015663"/>
+          </a:xfrm>
+          <a:prstGeom prst="rect">
+            <a:avLst/>
+          </a:prstGeom>
+          <a:noFill/>
+        </p:spPr>
+        <p:txBody>
+          <a:bodyPr wrap="none" rtlCol="0">
+            <a:spAutoFit/>
+          </a:bodyPr>
+          <a:lstStyle/>
+          <a:p>
+            <a:r>
+              <a:rPr kumimoji="1" lang="ja-JP" altLang="en-US" sz="2000" b="1" dirty="0" smtClean="0"/>
+              <a:t>・要求分析書</a:t>
+            </a:r>
+            <a:r>
+              <a:rPr lang="en-US" altLang="ja-JP" sz="2000" b="1" dirty="0"/>
+              <a:t>	</a:t>
+            </a:r>
+            <a:r>
+              <a:rPr lang="en-US" altLang="ja-JP" sz="2000" b="1" dirty="0" smtClean="0"/>
+              <a:t>	9</a:t>
+            </a:r>
+            <a:r>
+              <a:rPr lang="ja-JP" altLang="en-US" sz="2000" b="1" dirty="0" smtClean="0"/>
+              <a:t>月</a:t>
+            </a:r>
+            <a:r>
+              <a:rPr lang="en-US" altLang="ja-JP" sz="2000" b="1" dirty="0" smtClean="0"/>
+              <a:t>24</a:t>
+            </a:r>
+            <a:r>
+              <a:rPr lang="ja-JP" altLang="en-US" sz="2000" b="1" dirty="0" smtClean="0"/>
+              <a:t>日</a:t>
+            </a:r>
+            <a:r>
+              <a:rPr lang="en-US" altLang="ja-JP" sz="2000" b="1" dirty="0" smtClean="0"/>
+              <a:t>~10</a:t>
+            </a:r>
+            <a:r>
+              <a:rPr lang="ja-JP" altLang="en-US" sz="2000" b="1" dirty="0" smtClean="0"/>
+              <a:t>月</a:t>
+            </a:r>
+            <a:r>
+              <a:rPr lang="en-US" altLang="ja-JP" sz="2000" b="1" dirty="0" smtClean="0"/>
+              <a:t>11</a:t>
+            </a:r>
+            <a:r>
+              <a:rPr lang="ja-JP" altLang="en-US" sz="2000" b="1" dirty="0" smtClean="0"/>
+              <a:t>日</a:t>
+            </a:r>
+            <a:endParaRPr kumimoji="1" lang="en-US" altLang="ja-JP" sz="2000" b="1" dirty="0" smtClean="0"/>
+          </a:p>
+          <a:p>
+            <a:r>
+              <a:rPr lang="ja-JP" altLang="en-US" sz="2000" b="1" dirty="0" smtClean="0"/>
+              <a:t>・全体</a:t>
+            </a:r>
+            <a:r>
+              <a:rPr lang="en-US" altLang="ja-JP" sz="2000" b="1" dirty="0" smtClean="0"/>
+              <a:t>DFD		10</a:t>
+            </a:r>
+            <a:r>
+              <a:rPr lang="ja-JP" altLang="en-US" sz="2000" b="1" dirty="0" smtClean="0"/>
+              <a:t>月</a:t>
+            </a:r>
+            <a:r>
+              <a:rPr lang="en-US" altLang="ja-JP" sz="2000" b="1" dirty="0" smtClean="0"/>
+              <a:t>1</a:t>
+            </a:r>
+            <a:r>
+              <a:rPr lang="ja-JP" altLang="en-US" sz="2000" b="1" dirty="0" smtClean="0"/>
+              <a:t>日</a:t>
+            </a:r>
+            <a:r>
+              <a:rPr lang="en-US" altLang="ja-JP" sz="2000" b="1" dirty="0" smtClean="0"/>
+              <a:t>~10</a:t>
+            </a:r>
+            <a:r>
+              <a:rPr lang="ja-JP" altLang="en-US" sz="2000" b="1" dirty="0" smtClean="0"/>
+              <a:t>月</a:t>
+            </a:r>
+            <a:r>
+              <a:rPr lang="en-US" altLang="ja-JP" sz="2000" b="1" dirty="0" smtClean="0"/>
+              <a:t>11</a:t>
+            </a:r>
+            <a:r>
+              <a:rPr lang="ja-JP" altLang="en-US" sz="2000" b="1" dirty="0" smtClean="0"/>
+              <a:t>日</a:t>
+            </a:r>
+            <a:endParaRPr lang="en-US" altLang="ja-JP" sz="2000" b="1" dirty="0" smtClean="0"/>
+          </a:p>
+          <a:p>
+            <a:r>
+              <a:rPr kumimoji="1" lang="ja-JP" altLang="en-US" sz="2000" b="1" dirty="0" smtClean="0"/>
+              <a:t>・システム構造図</a:t>
+            </a:r>
+            <a:r>
+              <a:rPr kumimoji="1" lang="en-US" altLang="ja-JP" sz="2000" b="1" dirty="0" smtClean="0"/>
+              <a:t>	10</a:t>
+            </a:r>
+            <a:r>
+              <a:rPr kumimoji="1" lang="ja-JP" altLang="en-US" sz="2000" b="1" dirty="0" smtClean="0"/>
+              <a:t>月</a:t>
+            </a:r>
+            <a:r>
+              <a:rPr lang="en-US" altLang="ja-JP" sz="2000" b="1" dirty="0"/>
+              <a:t>8</a:t>
+            </a:r>
+            <a:r>
+              <a:rPr lang="ja-JP" altLang="en-US" sz="2000" b="1" dirty="0" smtClean="0"/>
+              <a:t>日</a:t>
+            </a:r>
+            <a:r>
+              <a:rPr lang="en-US" altLang="ja-JP" sz="2000" b="1" dirty="0" smtClean="0"/>
+              <a:t>~10</a:t>
+            </a:r>
+            <a:r>
+              <a:rPr lang="ja-JP" altLang="en-US" sz="2000" b="1" dirty="0" smtClean="0"/>
+              <a:t>月</a:t>
+            </a:r>
+            <a:r>
+              <a:rPr lang="en-US" altLang="ja-JP" sz="2000" b="1" dirty="0" smtClean="0"/>
+              <a:t>11</a:t>
+            </a:r>
+            <a:r>
+              <a:rPr lang="ja-JP" altLang="en-US" sz="2000" b="1" dirty="0" smtClean="0"/>
+              <a:t>日</a:t>
+            </a:r>
+            <a:endParaRPr kumimoji="1" lang="en-US" altLang="ja-JP" sz="2000" b="1" dirty="0" smtClean="0"/>
+          </a:p>
+        </p:txBody>
+      </p:sp>
+      <p:sp>
+        <p:nvSpPr>
+          <p:cNvPr id="6" name="テキスト ボックス 5"/>
+          <p:cNvSpPr txBox="1"/>
+          <p:nvPr/>
+        </p:nvSpPr>
+        <p:spPr>
+          <a:xfrm>
+            <a:off x="1018903" y="3304845"/>
+            <a:ext cx="3570208" cy="461665"/>
+          </a:xfrm>
+          <a:prstGeom prst="rect">
+            <a:avLst/>
+          </a:prstGeom>
+          <a:noFill/>
+        </p:spPr>
+        <p:txBody>
+          <a:bodyPr wrap="none" rtlCol="0">
+            <a:spAutoFit/>
+          </a:bodyPr>
+          <a:lstStyle/>
+          <a:p>
+            <a:r>
+              <a:rPr kumimoji="1" lang="ja-JP" altLang="en-US" sz="2400" b="1" dirty="0" smtClean="0"/>
+              <a:t>・これから作成する資料</a:t>
+            </a:r>
+            <a:endParaRPr kumimoji="1" lang="ja-JP" altLang="en-US" sz="2400" b="1" dirty="0"/>
+          </a:p>
+        </p:txBody>
+      </p:sp>
+      <p:sp>
+        <p:nvSpPr>
+          <p:cNvPr id="7" name="テキスト ボックス 6"/>
+          <p:cNvSpPr txBox="1"/>
+          <p:nvPr/>
+        </p:nvSpPr>
+        <p:spPr>
+          <a:xfrm>
+            <a:off x="1750423" y="3805699"/>
+            <a:ext cx="5262979" cy="2031325"/>
+          </a:xfrm>
+          <a:prstGeom prst="rect">
+            <a:avLst/>
+          </a:prstGeom>
+          <a:noFill/>
+        </p:spPr>
+        <p:txBody>
+          <a:bodyPr wrap="none" rtlCol="0">
+            <a:spAutoFit/>
+          </a:bodyPr>
+          <a:lstStyle/>
+          <a:p>
+            <a:r>
+              <a:rPr kumimoji="1" lang="ja-JP" altLang="en-US" b="1" dirty="0" smtClean="0"/>
+              <a:t>・各種サブシステム仕様書</a:t>
+            </a:r>
+            <a:r>
+              <a:rPr kumimoji="1" lang="en-US" altLang="ja-JP" b="1" dirty="0" smtClean="0"/>
+              <a:t>		</a:t>
+            </a:r>
+            <a:r>
+              <a:rPr kumimoji="1" lang="ja-JP" altLang="en-US" b="1" dirty="0" smtClean="0"/>
+              <a:t>月日</a:t>
+            </a:r>
+            <a:endParaRPr kumimoji="1" lang="en-US" altLang="ja-JP" b="1" dirty="0" smtClean="0"/>
+          </a:p>
+          <a:p>
+            <a:r>
+              <a:rPr lang="ja-JP" altLang="en-US" b="1" dirty="0" smtClean="0"/>
+              <a:t>・各種データベース仕様書</a:t>
+            </a:r>
+            <a:r>
+              <a:rPr lang="en-US" altLang="ja-JP" b="1" dirty="0" smtClean="0"/>
+              <a:t>		</a:t>
+            </a:r>
+            <a:r>
+              <a:rPr lang="ja-JP" altLang="en-US" b="1" dirty="0" smtClean="0"/>
+              <a:t>月日</a:t>
+            </a:r>
+            <a:endParaRPr lang="en-US" altLang="ja-JP" b="1" dirty="0" smtClean="0"/>
+          </a:p>
+          <a:p>
+            <a:r>
+              <a:rPr kumimoji="1" lang="ja-JP" altLang="en-US" b="1" dirty="0" smtClean="0"/>
+              <a:t>・各種画面仕様書</a:t>
+            </a:r>
+            <a:r>
+              <a:rPr kumimoji="1" lang="en-US" altLang="ja-JP" b="1" dirty="0" smtClean="0"/>
+              <a:t>			</a:t>
+            </a:r>
+            <a:r>
+              <a:rPr lang="ja-JP" altLang="en-US" b="1" dirty="0"/>
+              <a:t>月日</a:t>
+            </a:r>
+            <a:endParaRPr kumimoji="1" lang="en-US" altLang="ja-JP" b="1" dirty="0" smtClean="0"/>
+          </a:p>
+          <a:p>
+            <a:r>
+              <a:rPr lang="ja-JP" altLang="en-US" b="1" dirty="0" smtClean="0"/>
+              <a:t>・各種プログラム仕様書</a:t>
+            </a:r>
+            <a:r>
+              <a:rPr lang="en-US" altLang="ja-JP" b="1" dirty="0" smtClean="0"/>
+              <a:t>			</a:t>
+            </a:r>
+            <a:r>
+              <a:rPr lang="ja-JP" altLang="en-US" b="1" dirty="0" smtClean="0"/>
+              <a:t>月日</a:t>
+            </a:r>
+            <a:endParaRPr lang="en-US" altLang="ja-JP" b="1" dirty="0" smtClean="0"/>
+          </a:p>
+          <a:p>
+            <a:r>
+              <a:rPr kumimoji="1" lang="ja-JP" altLang="en-US" b="1" dirty="0" smtClean="0"/>
+              <a:t>・各種モジュール仕様書</a:t>
+            </a:r>
+            <a:r>
+              <a:rPr kumimoji="1" lang="en-US" altLang="ja-JP" b="1" dirty="0" smtClean="0"/>
+              <a:t>			</a:t>
+            </a:r>
+            <a:r>
+              <a:rPr lang="ja-JP" altLang="en-US" b="1" dirty="0" smtClean="0"/>
+              <a:t>月日</a:t>
+            </a:r>
+            <a:endParaRPr kumimoji="1" lang="en-US" altLang="ja-JP" b="1" dirty="0" smtClean="0"/>
+          </a:p>
+          <a:p>
+            <a:r>
+              <a:rPr lang="ja-JP" altLang="en-US" b="1" dirty="0" smtClean="0"/>
+              <a:t>・テスト仕様書・テスト実施結果書</a:t>
+            </a:r>
+            <a:r>
+              <a:rPr lang="en-US" altLang="ja-JP" b="1" dirty="0" smtClean="0"/>
+              <a:t>	</a:t>
+            </a:r>
+            <a:r>
+              <a:rPr lang="ja-JP" altLang="en-US" b="1" dirty="0"/>
+              <a:t>月日</a:t>
+            </a:r>
+            <a:endParaRPr lang="en-US" altLang="ja-JP" b="1" dirty="0" smtClean="0"/>
+          </a:p>
+          <a:p>
+            <a:r>
+              <a:rPr kumimoji="1" lang="ja-JP" altLang="en-US" b="1" dirty="0" smtClean="0"/>
+              <a:t>・ガントチャート</a:t>
+            </a:r>
+            <a:r>
+              <a:rPr kumimoji="1" lang="en-US" altLang="ja-JP" b="1" dirty="0" smtClean="0"/>
+              <a:t>			</a:t>
+            </a:r>
+            <a:r>
+              <a:rPr lang="ja-JP" altLang="en-US" b="1" dirty="0"/>
+              <a:t>月日</a:t>
+            </a:r>
+            <a:endParaRPr kumimoji="1" lang="ja-JP" altLang="en-US" b="1" dirty="0"/>
+          </a:p>
+        </p:txBody>
+      </p:sp>
+    </p:spTree>
+    <p:extLst>
+      <p:ext uri="{BB962C8B-B14F-4D97-AF65-F5344CB8AC3E}">
+        <p14:creationId xmlns:p14="http://schemas.microsoft.com/office/powerpoint/2010/main" val="106448076"/>
+      </p:ext>
+    </p:extLst>
+  </p:cSld>
+  <p:clrMapOvr>
+    <a:masterClrMapping/>
+  </p:clrMapOvr>
+  <p:timing>
+    <p:tnLst>
+      <p:par>
+        <p:cTn id="1" dur="indefinite" restart="never" nodeType="tmRoot"/>
+      </p:par>
+    </p:tnLst>
+  </p:timing>
+</p:sld>
+</file>
+
 <file path=ppt/slides/slide2.xml><?xml version="1.0" encoding="utf-8"?>
 <p:sld xmlns:a="http://schemas.openxmlformats.org/drawingml/2006/main" xmlns:r="http://schemas.openxmlformats.org/officeDocument/2006/relationships" xmlns:p="http://schemas.openxmlformats.org/presentationml/2006/main">
   <p:cSld>
@@ -4013,108 +4428,6 @@
       </p:sp>
       <p:sp>
         <p:nvSpPr>
-          <p:cNvPr id="37" name="右矢印 36"/>
-          <p:cNvSpPr/>
-          <p:nvPr/>
-        </p:nvSpPr>
-        <p:spPr>
-          <a:xfrm rot="19860758">
-            <a:off x="1385812" y="3579447"/>
-            <a:ext cx="9078851" cy="206006"/>
-          </a:xfrm>
-          <a:prstGeom prst="rightArrow">
-            <a:avLst>
-              <a:gd name="adj1" fmla="val 50000"/>
-              <a:gd name="adj2" fmla="val 264576"/>
-            </a:avLst>
-          </a:prstGeom>
-          <a:solidFill>
-            <a:schemeClr val="tx1"/>
-          </a:solidFill>
-          <a:ln>
-            <a:solidFill>
-              <a:srgbClr val="FF0000"/>
-            </a:solidFill>
-          </a:ln>
-        </p:spPr>
-        <p:style>
-          <a:lnRef idx="2">
-            <a:schemeClr val="accent1">
-              <a:shade val="50000"/>
-            </a:schemeClr>
-          </a:lnRef>
-          <a:fillRef idx="1">
-            <a:schemeClr val="accent1"/>
-          </a:fillRef>
-          <a:effectRef idx="0">
-            <a:schemeClr val="accent1"/>
-          </a:effectRef>
-          <a:fontRef idx="minor">
-            <a:schemeClr val="lt1"/>
-          </a:fontRef>
-        </p:style>
-        <p:txBody>
-          <a:bodyPr rtlCol="0" anchor="ctr"/>
-          <a:lstStyle/>
-          <a:p>
-            <a:pPr algn="ctr"/>
-            <a:endParaRPr kumimoji="1" lang="ja-JP" altLang="en-US"/>
-          </a:p>
-        </p:txBody>
-      </p:sp>
-      <p:sp>
-        <p:nvSpPr>
-          <p:cNvPr id="38" name="右矢印 37"/>
-          <p:cNvSpPr/>
-          <p:nvPr/>
-        </p:nvSpPr>
-        <p:spPr>
-          <a:xfrm rot="9061531">
-            <a:off x="1180390" y="3241557"/>
-            <a:ext cx="9078851" cy="206006"/>
-          </a:xfrm>
-          <a:prstGeom prst="rightArrow">
-            <a:avLst>
-              <a:gd name="adj1" fmla="val 50000"/>
-              <a:gd name="adj2" fmla="val 264576"/>
-            </a:avLst>
-          </a:prstGeom>
-          <a:solidFill>
-            <a:schemeClr val="tx1"/>
-          </a:solidFill>
-          <a:ln>
-            <a:solidFill>
-              <a:srgbClr val="FF0000"/>
-            </a:solidFill>
-          </a:ln>
-        </p:spPr>
-        <p:style>
-          <a:lnRef idx="2">
-            <a:schemeClr val="accent1">
-              <a:shade val="50000"/>
-            </a:schemeClr>
-          </a:lnRef>
-          <a:fillRef idx="1">
-            <a:schemeClr val="accent1"/>
-          </a:fillRef>
-          <a:effectRef idx="0">
-            <a:schemeClr val="accent1"/>
-          </a:effectRef>
-          <a:fontRef idx="minor">
-            <a:schemeClr val="lt1"/>
-          </a:fontRef>
-        </p:style>
-        <p:txBody>
-          <a:bodyPr rtlCol="0" anchor="ctr"/>
-          <a:lstStyle/>
-          <a:p>
-            <a:pPr algn="ctr"/>
-            <a:endParaRPr kumimoji="1" lang="ja-JP" altLang="en-US"/>
-          </a:p>
-        </p:txBody>
-      </p:sp>
-      <p:sp>
-        <p:nvSpPr>
           <p:cNvPr id="39" name="右矢印 38"/>
           <p:cNvSpPr/>
           <p:nvPr/>
@@ -4293,14 +4606,14 @@
       </p:pic>
       <p:sp>
         <p:nvSpPr>
-          <p:cNvPr id="28" name="テキスト ボックス 27"/>
+          <p:cNvPr id="47" name="テキスト ボックス 46"/>
           <p:cNvSpPr txBox="1"/>
           <p:nvPr/>
         </p:nvSpPr>
         <p:spPr>
-          <a:xfrm rot="19862444">
-            <a:off x="5283844" y="3675956"/>
-            <a:ext cx="1826141" cy="584775"/>
+          <a:xfrm>
+            <a:off x="9312491" y="3052174"/>
+            <a:ext cx="1005403" cy="584775"/>
           </a:xfrm>
           <a:prstGeom prst="rect">
             <a:avLst/>
@@ -4314,8 +4627,8 @@
           <a:lstStyle/>
           <a:p>
             <a:r>
-              <a:rPr lang="ja-JP" altLang="en-US" sz="3200" dirty="0" smtClean="0"/>
-              <a:t>発注依頼</a:t>
+              <a:rPr kumimoji="1" lang="ja-JP" altLang="en-US" sz="3200" dirty="0" smtClean="0"/>
+              <a:t>入庫</a:t>
             </a:r>
             <a:endParaRPr kumimoji="1" lang="ja-JP" altLang="en-US" sz="3200" dirty="0"/>
           </a:p>
@@ -4323,13 +4636,13 @@
       </p:sp>
       <p:sp>
         <p:nvSpPr>
-          <p:cNvPr id="45" name="テキスト ボックス 44"/>
+          <p:cNvPr id="48" name="テキスト ボックス 47"/>
           <p:cNvSpPr txBox="1"/>
           <p:nvPr/>
         </p:nvSpPr>
         <p:spPr>
-          <a:xfrm rot="19862444">
-            <a:off x="5099725" y="2692136"/>
+          <a:xfrm>
+            <a:off x="10955988" y="3052174"/>
             <a:ext cx="1005403" cy="584775"/>
           </a:xfrm>
           <a:prstGeom prst="rect">
@@ -4344,8 +4657,8 @@
           <a:lstStyle/>
           <a:p>
             <a:r>
-              <a:rPr lang="ja-JP" altLang="en-US" sz="3200" dirty="0" smtClean="0"/>
-              <a:t>納品</a:t>
+              <a:rPr kumimoji="1" lang="ja-JP" altLang="en-US" sz="3200" dirty="0" smtClean="0"/>
+              <a:t>発注</a:t>
             </a:r>
             <a:endParaRPr kumimoji="1" lang="ja-JP" altLang="en-US" sz="3200" dirty="0"/>
           </a:p>
@@ -4353,14 +4666,14 @@
       </p:sp>
       <p:sp>
         <p:nvSpPr>
-          <p:cNvPr id="47" name="テキスト ボックス 46"/>
+          <p:cNvPr id="49" name="テキスト ボックス 48"/>
           <p:cNvSpPr txBox="1"/>
           <p:nvPr/>
         </p:nvSpPr>
         <p:spPr>
           <a:xfrm>
-            <a:off x="9312491" y="3052174"/>
-            <a:ext cx="1005403" cy="584775"/>
+            <a:off x="1169773" y="2688505"/>
+            <a:ext cx="576910" cy="1077218"/>
           </a:xfrm>
           <a:prstGeom prst="rect">
             <a:avLst/>
@@ -4368,14 +4681,14 @@
           <a:noFill/>
         </p:spPr>
         <p:txBody>
-          <a:bodyPr wrap="none" rtlCol="0">
+          <a:bodyPr wrap="square" rtlCol="0">
             <a:spAutoFit/>
           </a:bodyPr>
           <a:lstStyle/>
           <a:p>
             <a:r>
-              <a:rPr kumimoji="1" lang="ja-JP" altLang="en-US" sz="3200" dirty="0" smtClean="0"/>
-              <a:t>入庫</a:t>
+              <a:rPr lang="ja-JP" altLang="en-US" sz="3200" dirty="0"/>
+              <a:t>出荷</a:t>
             </a:r>
             <a:endParaRPr kumimoji="1" lang="ja-JP" altLang="en-US" sz="3200" dirty="0"/>
           </a:p>
@@ -4383,14 +4696,14 @@
       </p:sp>
       <p:sp>
         <p:nvSpPr>
-          <p:cNvPr id="48" name="テキスト ボックス 47"/>
+          <p:cNvPr id="50" name="テキスト ボックス 49"/>
           <p:cNvSpPr txBox="1"/>
           <p:nvPr/>
         </p:nvSpPr>
         <p:spPr>
           <a:xfrm>
-            <a:off x="10955988" y="3052174"/>
-            <a:ext cx="1005403" cy="584775"/>
+            <a:off x="98593" y="2688505"/>
+            <a:ext cx="576910" cy="1077218"/>
           </a:xfrm>
           <a:prstGeom prst="rect">
             <a:avLst/>
@@ -4398,59 +4711,70 @@
           <a:noFill/>
         </p:spPr>
         <p:txBody>
-          <a:bodyPr wrap="none" rtlCol="0">
+          <a:bodyPr wrap="square" rtlCol="0">
             <a:spAutoFit/>
           </a:bodyPr>
           <a:lstStyle/>
           <a:p>
             <a:r>
-              <a:rPr kumimoji="1" lang="ja-JP" altLang="en-US" sz="3200" dirty="0" smtClean="0"/>
-              <a:t>発注</a:t>
+              <a:rPr lang="ja-JP" altLang="en-US" sz="3200" dirty="0"/>
+              <a:t>注文</a:t>
             </a:r>
             <a:endParaRPr kumimoji="1" lang="ja-JP" altLang="en-US" sz="3200" dirty="0"/>
           </a:p>
         </p:txBody>
       </p:sp>
-      <p:sp>
-        <p:nvSpPr>
-          <p:cNvPr id="49" name="テキスト ボックス 48"/>
-          <p:cNvSpPr txBox="1"/>
+      <p:pic>
+        <p:nvPicPr>
+          <p:cNvPr id="3" name="Picture 2" descr="C:\Users\yamanin-Note\Desktop\yamanin3\job_jimu_woman.png"/>
+          <p:cNvPicPr>
+            <a:picLocks noChangeAspect="1" noChangeArrowheads="1"/>
+          </p:cNvPicPr>
           <p:nvPr/>
-        </p:nvSpPr>
-        <p:spPr>
-          <a:xfrm>
-            <a:off x="1169773" y="2688505"/>
-            <a:ext cx="576910" cy="1077218"/>
+        </p:nvPicPr>
+        <p:blipFill>
+          <a:blip r:embed="rId8" cstate="print">
+            <a:extLst>
+              <a:ext uri="{28A0092B-C50C-407E-A947-70E740481C1C}">
+                <a14:useLocalDpi xmlns:a14="http://schemas.microsoft.com/office/drawing/2010/main" val="0"/>
+              </a:ext>
+            </a:extLst>
+          </a:blip>
+          <a:srcRect/>
+          <a:stretch>
+            <a:fillRect/>
+          </a:stretch>
+        </p:blipFill>
+        <p:spPr bwMode="auto">
+          <a:xfrm>
+            <a:off x="3803055" y="4031904"/>
+            <a:ext cx="722860" cy="1106419"/>
           </a:xfrm>
           <a:prstGeom prst="rect">
             <a:avLst/>
           </a:prstGeom>
           <a:noFill/>
-        </p:spPr>
-        <p:txBody>
-          <a:bodyPr wrap="square" rtlCol="0">
-            <a:spAutoFit/>
-          </a:bodyPr>
-          <a:lstStyle/>
-          <a:p>
-            <a:r>
-              <a:rPr lang="ja-JP" altLang="en-US" sz="3200" dirty="0"/>
-              <a:t>出荷</a:t>
-            </a:r>
-            <a:endParaRPr kumimoji="1" lang="ja-JP" altLang="en-US" sz="3200" dirty="0"/>
-          </a:p>
-        </p:txBody>
-      </p:sp>
-      <p:sp>
-        <p:nvSpPr>
-          <p:cNvPr id="50" name="テキスト ボックス 49"/>
+          <a:extLst>
+            <a:ext uri="{909E8E84-426E-40DD-AFC4-6F175D3DCCD1}">
+              <a14:hiddenFill xmlns:a14="http://schemas.microsoft.com/office/drawing/2010/main">
+                <a:solidFill>
+                  <a:srgbClr val="FFFFFF"/>
+                </a:solidFill>
+              </a14:hiddenFill>
+            </a:ext>
+          </a:extLst>
+        </p:spPr>
+      </p:pic>
+      <p:sp>
+        <p:nvSpPr>
+          <p:cNvPr id="26" name="テキスト ボックス 25"/>
           <p:cNvSpPr txBox="1"/>
           <p:nvPr/>
         </p:nvSpPr>
         <p:spPr>
           <a:xfrm>
-            <a:off x="98593" y="2688505"/>
-            <a:ext cx="576910" cy="1077218"/>
+            <a:off x="5532661" y="6119336"/>
+            <a:ext cx="1107996" cy="369332"/>
           </a:xfrm>
           <a:prstGeom prst="rect">
             <a:avLst/>
@@ -4458,16 +4782,16 @@
           <a:noFill/>
         </p:spPr>
         <p:txBody>
-          <a:bodyPr wrap="square" rtlCol="0">
+          <a:bodyPr wrap="none" rtlCol="0">
             <a:spAutoFit/>
           </a:bodyPr>
           <a:lstStyle/>
           <a:p>
             <a:r>
-              <a:rPr lang="ja-JP" altLang="en-US" sz="3200" dirty="0"/>
-              <a:t>注文</a:t>
-            </a:r>
-            <a:endParaRPr kumimoji="1" lang="ja-JP" altLang="en-US" sz="3200" dirty="0"/>
+              <a:rPr kumimoji="1" lang="ja-JP" altLang="en-US" dirty="0" smtClean="0"/>
+              <a:t>事務担当</a:t>
+            </a:r>
+            <a:endParaRPr kumimoji="1" lang="en-US" altLang="ja-JP" dirty="0" smtClean="0"/>
           </a:p>
         </p:txBody>
       </p:sp>
@@ -4590,7 +4914,7 @@
                             </p:stCondLst>
                             <p:childTnLst>
                               <p:par>
-                                <p:cTn id="13" presetID="22" presetClass="entr" presetSubtype="8" fill="hold" grpId="0" nodeType="clickEffect">
+                                <p:cTn id="13" presetID="22" presetClass="entr" presetSubtype="1" fill="hold" grpId="0" nodeType="clickEffect">
                                   <p:stCondLst>
                                     <p:cond delay="0"/>
                                   </p:stCondLst>
@@ -4603,7 +4927,7 @@
                                           </p:stCondLst>
                                         </p:cTn>
                                         <p:tgtEl>
-                                          <p:spTgt spid="37"/>
+                                          <p:spTgt spid="40"/>
                                         </p:tgtEl>
                                         <p:attrNameLst>
                                           <p:attrName>style.visibility</p:attrName>
@@ -4613,11 +4937,11 @@
                                         <p:strVal val="visible"/>
                                       </p:to>
                                     </p:set>
-                                    <p:animEffect transition="in" filter="wipe(left)">
+                                    <p:animEffect transition="in" filter="wipe(up)">
                                       <p:cBhvr>
                                         <p:cTn id="15" dur="500"/>
                                         <p:tgtEl>
-                                          <p:spTgt spid="37"/>
+                                          <p:spTgt spid="40"/>
                                         </p:tgtEl>
                                       </p:cBhvr>
                                     </p:animEffect>
@@ -4625,7 +4949,7 @@
                                 </p:cTn>
                               </p:par>
                               <p:par>
-                                <p:cTn id="16" presetID="22" presetClass="entr" presetSubtype="8" fill="hold" grpId="0" nodeType="withEffect">
+                                <p:cTn id="16" presetID="22" presetClass="entr" presetSubtype="1" fill="hold" grpId="0" nodeType="withEffect">
                                   <p:stCondLst>
                                     <p:cond delay="0"/>
                                   </p:stCondLst>
@@ -4638,7 +4962,7 @@
                                           </p:stCondLst>
                                         </p:cTn>
                                         <p:tgtEl>
-                                          <p:spTgt spid="28"/>
+                                          <p:spTgt spid="48"/>
                                         </p:tgtEl>
                                         <p:attrNameLst>
                                           <p:attrName>style.visibility</p:attrName>
@@ -4648,11 +4972,11 @@
                                         <p:strVal val="visible"/>
                                       </p:to>
                                     </p:set>
-                                    <p:animEffect transition="in" filter="wipe(left)">
+                                    <p:animEffect transition="in" filter="wipe(up)">
                                       <p:cBhvr>
                                         <p:cTn id="18" dur="500"/>
                                         <p:tgtEl>
-                                          <p:spTgt spid="28"/>
+                                          <p:spTgt spid="48"/>
                                         </p:tgtEl>
                                       </p:cBhvr>
                                     </p:animEffect>
@@ -4678,7 +5002,7 @@
                             </p:stCondLst>
                             <p:childTnLst>
                               <p:par>
-                                <p:cTn id="21" presetID="22" presetClass="entr" presetSubtype="1" fill="hold" grpId="0" nodeType="clickEffect">
+                                <p:cTn id="21" presetID="22" presetClass="entr" presetSubtype="4" fill="hold" grpId="0" nodeType="clickEffect">
                                   <p:stCondLst>
                                     <p:cond delay="0"/>
                                   </p:stCondLst>
@@ -4691,7 +5015,7 @@
                                           </p:stCondLst>
                                         </p:cTn>
                                         <p:tgtEl>
-                                          <p:spTgt spid="40"/>
+                                          <p:spTgt spid="39"/>
                                         </p:tgtEl>
                                         <p:attrNameLst>
                                           <p:attrName>style.visibility</p:attrName>
@@ -4701,11 +5025,11 @@
                                         <p:strVal val="visible"/>
                                       </p:to>
                                     </p:set>
-                                    <p:animEffect transition="in" filter="wipe(up)">
+                                    <p:animEffect transition="in" filter="wipe(down)">
                                       <p:cBhvr>
                                         <p:cTn id="23" dur="500"/>
                                         <p:tgtEl>
-                                          <p:spTgt spid="40"/>
+                                          <p:spTgt spid="39"/>
                                         </p:tgtEl>
                                       </p:cBhvr>
                                     </p:animEffect>
@@ -4713,7 +5037,7 @@
                                 </p:cTn>
                               </p:par>
                               <p:par>
-                                <p:cTn id="24" presetID="22" presetClass="entr" presetSubtype="1" fill="hold" grpId="0" nodeType="withEffect">
+                                <p:cTn id="24" presetID="22" presetClass="entr" presetSubtype="4" fill="hold" grpId="0" nodeType="withEffect">
                                   <p:stCondLst>
                                     <p:cond delay="0"/>
                                   </p:stCondLst>
@@ -4726,7 +5050,7 @@
                                           </p:stCondLst>
                                         </p:cTn>
                                         <p:tgtEl>
-                                          <p:spTgt spid="48"/>
+                                          <p:spTgt spid="47"/>
                                         </p:tgtEl>
                                         <p:attrNameLst>
                                           <p:attrName>style.visibility</p:attrName>
@@ -4736,11 +5060,11 @@
                                         <p:strVal val="visible"/>
                                       </p:to>
                                     </p:set>
-                                    <p:animEffect transition="in" filter="wipe(up)">
+                                    <p:animEffect transition="in" filter="wipe(down)">
                                       <p:cBhvr>
                                         <p:cTn id="26" dur="500"/>
                                         <p:tgtEl>
-                                          <p:spTgt spid="48"/>
+                                          <p:spTgt spid="47"/>
                                         </p:tgtEl>
                                       </p:cBhvr>
                                     </p:animEffect>
@@ -4779,7 +5103,7 @@
                                           </p:stCondLst>
                                         </p:cTn>
                                         <p:tgtEl>
-                                          <p:spTgt spid="39"/>
+                                          <p:spTgt spid="36"/>
                                         </p:tgtEl>
                                         <p:attrNameLst>
                                           <p:attrName>style.visibility</p:attrName>
@@ -4793,7 +5117,7 @@
                                       <p:cBhvr>
                                         <p:cTn id="31" dur="500"/>
                                         <p:tgtEl>
-                                          <p:spTgt spid="39"/>
+                                          <p:spTgt spid="36"/>
                                         </p:tgtEl>
                                       </p:cBhvr>
                                     </p:animEffect>
@@ -4814,7 +5138,7 @@
                                           </p:stCondLst>
                                         </p:cTn>
                                         <p:tgtEl>
-                                          <p:spTgt spid="47"/>
+                                          <p:spTgt spid="49"/>
                                         </p:tgtEl>
                                         <p:attrNameLst>
                                           <p:attrName>style.visibility</p:attrName>
@@ -4827,182 +5151,6 @@
                                     <p:animEffect transition="in" filter="wipe(down)">
                                       <p:cBhvr>
                                         <p:cTn id="34" dur="500"/>
-                                        <p:tgtEl>
-                                          <p:spTgt spid="47"/>
-                                        </p:tgtEl>
-                                      </p:cBhvr>
-                                    </p:animEffect>
-                                  </p:childTnLst>
-                                </p:cTn>
-                              </p:par>
-                            </p:childTnLst>
-                          </p:cTn>
-                        </p:par>
-                      </p:childTnLst>
-                    </p:cTn>
-                  </p:par>
-                  <p:par>
-                    <p:cTn id="35" fill="hold">
-                      <p:stCondLst>
-                        <p:cond delay="indefinite"/>
-                      </p:stCondLst>
-                      <p:childTnLst>
-                        <p:par>
-                          <p:cTn id="36" fill="hold">
-                            <p:stCondLst>
-                              <p:cond delay="0"/>
-                            </p:stCondLst>
-                            <p:childTnLst>
-                              <p:par>
-                                <p:cTn id="37" presetID="22" presetClass="entr" presetSubtype="2" fill="hold" grpId="0" nodeType="clickEffect">
-                                  <p:stCondLst>
-                                    <p:cond delay="0"/>
-                                  </p:stCondLst>
-                                  <p:childTnLst>
-                                    <p:set>
-                                      <p:cBhvr>
-                                        <p:cTn id="38" dur="1" fill="hold">
-                                          <p:stCondLst>
-                                            <p:cond delay="0"/>
-                                          </p:stCondLst>
-                                        </p:cTn>
-                                        <p:tgtEl>
-                                          <p:spTgt spid="38"/>
-                                        </p:tgtEl>
-                                        <p:attrNameLst>
-                                          <p:attrName>style.visibility</p:attrName>
-                                        </p:attrNameLst>
-                                      </p:cBhvr>
-                                      <p:to>
-                                        <p:strVal val="visible"/>
-                                      </p:to>
-                                    </p:set>
-                                    <p:animEffect transition="in" filter="wipe(right)">
-                                      <p:cBhvr>
-                                        <p:cTn id="39" dur="500"/>
-                                        <p:tgtEl>
-                                          <p:spTgt spid="38"/>
-                                        </p:tgtEl>
-                                      </p:cBhvr>
-                                    </p:animEffect>
-                                  </p:childTnLst>
-                                </p:cTn>
-                              </p:par>
-                              <p:par>
-                                <p:cTn id="40" presetID="22" presetClass="entr" presetSubtype="2" fill="hold" grpId="0" nodeType="withEffect">
-                                  <p:stCondLst>
-                                    <p:cond delay="0"/>
-                                  </p:stCondLst>
-                                  <p:childTnLst>
-                                    <p:set>
-                                      <p:cBhvr>
-                                        <p:cTn id="41" dur="1" fill="hold">
-                                          <p:stCondLst>
-                                            <p:cond delay="0"/>
-                                          </p:stCondLst>
-                                        </p:cTn>
-                                        <p:tgtEl>
-                                          <p:spTgt spid="45"/>
-                                        </p:tgtEl>
-                                        <p:attrNameLst>
-                                          <p:attrName>style.visibility</p:attrName>
-                                        </p:attrNameLst>
-                                      </p:cBhvr>
-                                      <p:to>
-                                        <p:strVal val="visible"/>
-                                      </p:to>
-                                    </p:set>
-                                    <p:animEffect transition="in" filter="wipe(right)">
-                                      <p:cBhvr>
-                                        <p:cTn id="42" dur="500"/>
-                                        <p:tgtEl>
-                                          <p:spTgt spid="45"/>
-                                        </p:tgtEl>
-                                      </p:cBhvr>
-                                    </p:animEffect>
-                                  </p:childTnLst>
-                                </p:cTn>
-                              </p:par>
-                            </p:childTnLst>
-                          </p:cTn>
-                        </p:par>
-                      </p:childTnLst>
-                    </p:cTn>
-                  </p:par>
-                  <p:par>
-                    <p:cTn id="43" fill="hold">
-                      <p:stCondLst>
-                        <p:cond delay="indefinite"/>
-                      </p:stCondLst>
-                      <p:childTnLst>
-                        <p:par>
-                          <p:cTn id="44" fill="hold">
-                            <p:stCondLst>
-                              <p:cond delay="0"/>
-                            </p:stCondLst>
-                            <p:childTnLst>
-                              <p:par>
-                                <p:cTn id="45" presetID="22" presetClass="entr" presetSubtype="4" fill="hold" grpId="0" nodeType="clickEffect">
-                                  <p:stCondLst>
-                                    <p:cond delay="0"/>
-                                  </p:stCondLst>
-                                  <p:childTnLst>
-                                    <p:set>
-                                      <p:cBhvr>
-                                        <p:cTn id="46" dur="1" fill="hold">
-                                          <p:stCondLst>
-                                            <p:cond delay="0"/>
-                                          </p:stCondLst>
-                                        </p:cTn>
-                                        <p:tgtEl>
-                                          <p:spTgt spid="36"/>
-                                        </p:tgtEl>
-                                        <p:attrNameLst>
-                                          <p:attrName>style.visibility</p:attrName>
-                                        </p:attrNameLst>
-                                      </p:cBhvr>
-                                      <p:to>
-                                        <p:strVal val="visible"/>
-                                      </p:to>
-                                    </p:set>
-                                    <p:animEffect transition="in" filter="wipe(down)">
-                                      <p:cBhvr>
-                                        <p:cTn id="47" dur="500"/>
-                                        <p:tgtEl>
-                                          <p:spTgt spid="36"/>
-                                        </p:tgtEl>
-                                      </p:cBhvr>
-                                    </p:animEffect>
-                                  </p:childTnLst>
-                                </p:cTn>
-                              </p:par>
-                              <p:par>
-                                <p:cTn id="48" presetID="22" presetClass="entr" presetSubtype="4" fill="hold" grpId="0" nodeType="withEffect">
-                                  <p:stCondLst>
-                                    <p:cond delay="0"/>
-                                  </p:stCondLst>
-                                  <p:childTnLst>
-                                    <p:set>
-                                      <p:cBhvr>
-                                        <p:cTn id="49" dur="1" fill="hold">
-                                          <p:stCondLst>
-                                            <p:cond delay="0"/>
-                                          </p:stCondLst>
-                                        </p:cTn>
-                                        <p:tgtEl>
-                                          <p:spTgt spid="49"/>
-                                        </p:tgtEl>
-                                        <p:attrNameLst>
-                                          <p:attrName>style.visibility</p:attrName>
-                                        </p:attrNameLst>
-                                      </p:cBhvr>
-                                      <p:to>
-                                        <p:strVal val="visible"/>
-                                      </p:to>
-                                    </p:set>
-                                    <p:animEffect transition="in" filter="wipe(down)">
-                                      <p:cBhvr>
-                                        <p:cTn id="50" dur="500"/>
                                         <p:tgtEl>
                                           <p:spTgt spid="49"/>
                                         </p:tgtEl>
@@ -5041,12 +5189,8 @@
     <p:bldLst>
       <p:bldP spid="27" grpId="0" animBg="1"/>
       <p:bldP spid="36" grpId="0" animBg="1"/>
-      <p:bldP spid="37" grpId="0" animBg="1"/>
-      <p:bldP spid="38" grpId="0" animBg="1"/>
       <p:bldP spid="39" grpId="0" animBg="1"/>
       <p:bldP spid="40" grpId="0" animBg="1"/>
-      <p:bldP spid="28" grpId="0"/>
-      <p:bldP spid="45" grpId="0"/>
       <p:bldP spid="47" grpId="0"/>
       <p:bldP spid="48" grpId="0"/>
       <p:bldP spid="49" grpId="0"/>
@@ -5059,21 +5203,6 @@
 <file path=ppt/slides/slide3.xml><?xml version="1.0" encoding="utf-8"?>
 <p:sld xmlns:a="http://schemas.openxmlformats.org/drawingml/2006/main" xmlns:r="http://schemas.openxmlformats.org/officeDocument/2006/relationships" xmlns:p="http://schemas.openxmlformats.org/presentationml/2006/main">
   <p:cSld>
-    <p:bg>
-      <p:bgPr>
-        <a:blipFill dpi="0" rotWithShape="1">
-          <a:blip r:embed="rId2">
-            <a:alphaModFix amt="10000"/>
-            <a:lum/>
-          </a:blip>
-          <a:srcRect/>
-          <a:stretch>
-            <a:fillRect/>
-          </a:stretch>
-        </a:blipFill>
-        <a:effectLst/>
-      </p:bgPr>
-    </p:bg>
     <p:spTree>
       <p:nvGrpSpPr>
         <p:cNvPr id="1" name=""/>
@@ -5100,8 +5229,8 @@
         </p:nvSpPr>
         <p:spPr>
           <a:xfrm>
-            <a:off x="4083908" y="0"/>
-            <a:ext cx="4458730" cy="650789"/>
+            <a:off x="3961304" y="0"/>
+            <a:ext cx="3769211" cy="650789"/>
           </a:xfrm>
         </p:spPr>
         <p:txBody>
@@ -5126,7 +5255,1048 @@
       </p:sp>
       <p:pic>
         <p:nvPicPr>
+          <p:cNvPr id="1028" name="Picture 4" descr="C:\Users\yamanin3\Desktop\images\building_company_eigyousyo.png"/>
+          <p:cNvPicPr>
+            <a:picLocks noChangeAspect="1" noChangeArrowheads="1"/>
+          </p:cNvPicPr>
+          <p:nvPr/>
+        </p:nvPicPr>
+        <p:blipFill>
+          <a:blip r:embed="rId2">
+            <a:extLst>
+              <a:ext uri="{28A0092B-C50C-407E-A947-70E740481C1C}">
+                <a14:useLocalDpi xmlns:a14="http://schemas.microsoft.com/office/drawing/2010/main" val="0"/>
+              </a:ext>
+            </a:extLst>
+          </a:blip>
+          <a:srcRect/>
+          <a:stretch>
+            <a:fillRect/>
+          </a:stretch>
+        </p:blipFill>
+        <p:spPr bwMode="auto">
+          <a:xfrm>
+            <a:off x="5165999" y="782338"/>
+            <a:ext cx="1346192" cy="1346192"/>
+          </a:xfrm>
+          <a:prstGeom prst="rect">
+            <a:avLst/>
+          </a:prstGeom>
+          <a:noFill/>
+          <a:extLst>
+            <a:ext uri="{909E8E84-426E-40DD-AFC4-6F175D3DCCD1}">
+              <a14:hiddenFill xmlns:a14="http://schemas.microsoft.com/office/drawing/2010/main">
+                <a:solidFill>
+                  <a:srgbClr val="FFFFFF"/>
+                </a:solidFill>
+              </a14:hiddenFill>
+            </a:ext>
+          </a:extLst>
+        </p:spPr>
+      </p:pic>
+      <p:sp>
+        <p:nvSpPr>
+          <p:cNvPr id="5" name="円形吹き出し 4"/>
+          <p:cNvSpPr/>
+          <p:nvPr/>
+        </p:nvSpPr>
+        <p:spPr>
+          <a:xfrm>
+            <a:off x="104503" y="2939142"/>
+            <a:ext cx="11952514" cy="3827417"/>
+          </a:xfrm>
+          <a:prstGeom prst="wedgeEllipseCallout">
+            <a:avLst>
+              <a:gd name="adj1" fmla="val -1958"/>
+              <a:gd name="adj2" fmla="val -70341"/>
+            </a:avLst>
+          </a:prstGeom>
+          <a:solidFill>
+            <a:schemeClr val="bg1"/>
+          </a:solidFill>
+        </p:spPr>
+        <p:style>
+          <a:lnRef idx="2">
+            <a:schemeClr val="accent1">
+              <a:shade val="50000"/>
+            </a:schemeClr>
+          </a:lnRef>
+          <a:fillRef idx="1">
+            <a:schemeClr val="accent1"/>
+          </a:fillRef>
+          <a:effectRef idx="0">
+            <a:schemeClr val="accent1"/>
+          </a:effectRef>
+          <a:fontRef idx="minor">
+            <a:schemeClr val="lt1"/>
+          </a:fontRef>
+        </p:style>
+        <p:txBody>
+          <a:bodyPr rtlCol="0" anchor="ctr"/>
+          <a:lstStyle/>
+          <a:p>
+            <a:pPr algn="ctr"/>
+            <a:endParaRPr kumimoji="1" lang="ja-JP" altLang="en-US"/>
+          </a:p>
+        </p:txBody>
+      </p:sp>
+      <p:pic>
+        <p:nvPicPr>
+          <p:cNvPr id="24" name="Picture 3" descr="C:\Users\yamanin3\Desktop\images\sales_eigyou_man.png"/>
+          <p:cNvPicPr>
+            <a:picLocks noChangeAspect="1" noChangeArrowheads="1"/>
+          </p:cNvPicPr>
+          <p:nvPr/>
+        </p:nvPicPr>
+        <p:blipFill>
+          <a:blip r:embed="rId3" cstate="print">
+            <a:extLst>
+              <a:ext uri="{28A0092B-C50C-407E-A947-70E740481C1C}">
+                <a14:useLocalDpi xmlns:a14="http://schemas.microsoft.com/office/drawing/2010/main" val="0"/>
+              </a:ext>
+            </a:extLst>
+          </a:blip>
+          <a:srcRect/>
+          <a:stretch>
+            <a:fillRect/>
+          </a:stretch>
+        </p:blipFill>
+        <p:spPr bwMode="auto">
+          <a:xfrm>
+            <a:off x="1865521" y="3870701"/>
+            <a:ext cx="1934538" cy="1934538"/>
+          </a:xfrm>
+          <a:prstGeom prst="rect">
+            <a:avLst/>
+          </a:prstGeom>
+          <a:noFill/>
+          <a:extLst>
+            <a:ext uri="{909E8E84-426E-40DD-AFC4-6F175D3DCCD1}">
+              <a14:hiddenFill xmlns:a14="http://schemas.microsoft.com/office/drawing/2010/main">
+                <a:solidFill>
+                  <a:srgbClr val="FFFFFF"/>
+                </a:solidFill>
+              </a14:hiddenFill>
+            </a:ext>
+          </a:extLst>
+        </p:spPr>
+      </p:pic>
+      <p:pic>
+        <p:nvPicPr>
+          <p:cNvPr id="25" name="Picture 2" descr="C:\Users\yamanin-Note\Desktop\yamanin3\job_jimu_woman.png"/>
+          <p:cNvPicPr>
+            <a:picLocks noChangeAspect="1" noChangeArrowheads="1"/>
+          </p:cNvPicPr>
+          <p:nvPr/>
+        </p:nvPicPr>
+        <p:blipFill>
+          <a:blip r:embed="rId4">
+            <a:extLst>
+              <a:ext uri="{28A0092B-C50C-407E-A947-70E740481C1C}">
+                <a14:useLocalDpi xmlns:a14="http://schemas.microsoft.com/office/drawing/2010/main" val="0"/>
+              </a:ext>
+            </a:extLst>
+          </a:blip>
+          <a:srcRect/>
+          <a:stretch>
+            <a:fillRect/>
+          </a:stretch>
+        </p:blipFill>
+        <p:spPr bwMode="auto">
+          <a:xfrm>
+            <a:off x="8345277" y="3732402"/>
+            <a:ext cx="1444608" cy="2211136"/>
+          </a:xfrm>
+          <a:prstGeom prst="rect">
+            <a:avLst/>
+          </a:prstGeom>
+          <a:noFill/>
+          <a:extLst>
+            <a:ext uri="{909E8E84-426E-40DD-AFC4-6F175D3DCCD1}">
+              <a14:hiddenFill xmlns:a14="http://schemas.microsoft.com/office/drawing/2010/main">
+                <a:solidFill>
+                  <a:srgbClr val="FFFFFF"/>
+                </a:solidFill>
+              </a14:hiddenFill>
+            </a:ext>
+          </a:extLst>
+        </p:spPr>
+      </p:pic>
+      <p:sp>
+        <p:nvSpPr>
+          <p:cNvPr id="6" name="円形吹き出し 5"/>
+          <p:cNvSpPr/>
+          <p:nvPr/>
+        </p:nvSpPr>
+        <p:spPr>
+          <a:xfrm>
+            <a:off x="3540032" y="3208782"/>
+            <a:ext cx="2299063" cy="1353597"/>
+          </a:xfrm>
+          <a:prstGeom prst="wedgeEllipseCallout">
+            <a:avLst>
+              <a:gd name="adj1" fmla="val -58178"/>
+              <a:gd name="adj2" fmla="val 41269"/>
+            </a:avLst>
+          </a:prstGeom>
+          <a:solidFill>
+            <a:schemeClr val="bg2"/>
+          </a:solidFill>
+        </p:spPr>
+        <p:style>
+          <a:lnRef idx="2">
+            <a:schemeClr val="accent1">
+              <a:shade val="50000"/>
+            </a:schemeClr>
+          </a:lnRef>
+          <a:fillRef idx="1">
+            <a:schemeClr val="accent1"/>
+          </a:fillRef>
+          <a:effectRef idx="0">
+            <a:schemeClr val="accent1"/>
+          </a:effectRef>
+          <a:fontRef idx="minor">
+            <a:schemeClr val="lt1"/>
+          </a:fontRef>
+        </p:style>
+        <p:txBody>
+          <a:bodyPr rtlCol="0" anchor="ctr"/>
+          <a:lstStyle/>
+          <a:p>
+            <a:pPr algn="ctr"/>
+            <a:r>
+              <a:rPr kumimoji="1" lang="ja-JP" altLang="en-US" sz="2000" dirty="0" smtClean="0">
+                <a:solidFill>
+                  <a:schemeClr val="tx1"/>
+                </a:solidFill>
+              </a:rPr>
+              <a:t>「ペン</a:t>
+            </a:r>
+            <a:r>
+              <a:rPr kumimoji="1" lang="en-US" altLang="ja-JP" sz="2000" dirty="0" smtClean="0">
+                <a:solidFill>
+                  <a:schemeClr val="tx1"/>
+                </a:solidFill>
+              </a:rPr>
+              <a:t>10</a:t>
+            </a:r>
+            <a:r>
+              <a:rPr kumimoji="1" lang="ja-JP" altLang="en-US" sz="2000" dirty="0" smtClean="0">
+                <a:solidFill>
+                  <a:schemeClr val="tx1"/>
+                </a:solidFill>
+              </a:rPr>
+              <a:t>本ね！」</a:t>
+            </a:r>
+            <a:endParaRPr kumimoji="1" lang="ja-JP" altLang="en-US" sz="2000" dirty="0">
+              <a:solidFill>
+                <a:schemeClr val="tx1"/>
+              </a:solidFill>
+            </a:endParaRPr>
+          </a:p>
+        </p:txBody>
+      </p:sp>
+      <p:sp>
+        <p:nvSpPr>
+          <p:cNvPr id="28" name="円形吹き出し 27"/>
+          <p:cNvSpPr/>
+          <p:nvPr/>
+        </p:nvSpPr>
+        <p:spPr>
+          <a:xfrm>
+            <a:off x="5775354" y="4037979"/>
+            <a:ext cx="2569923" cy="1353597"/>
+          </a:xfrm>
+          <a:prstGeom prst="wedgeEllipseCallout">
+            <a:avLst>
+              <a:gd name="adj1" fmla="val 61708"/>
+              <a:gd name="adj2" fmla="val -25319"/>
+            </a:avLst>
+          </a:prstGeom>
+          <a:solidFill>
+            <a:schemeClr val="bg2"/>
+          </a:solidFill>
+        </p:spPr>
+        <p:style>
+          <a:lnRef idx="2">
+            <a:schemeClr val="accent1">
+              <a:shade val="50000"/>
+            </a:schemeClr>
+          </a:lnRef>
+          <a:fillRef idx="1">
+            <a:schemeClr val="accent1"/>
+          </a:fillRef>
+          <a:effectRef idx="0">
+            <a:schemeClr val="accent1"/>
+          </a:effectRef>
+          <a:fontRef idx="minor">
+            <a:schemeClr val="lt1"/>
+          </a:fontRef>
+        </p:style>
+        <p:txBody>
+          <a:bodyPr rtlCol="0" anchor="ctr"/>
+          <a:lstStyle/>
+          <a:p>
+            <a:pPr algn="ctr"/>
+            <a:r>
+              <a:rPr lang="ja-JP" altLang="en-US" sz="2000" dirty="0" smtClean="0">
+                <a:solidFill>
+                  <a:schemeClr val="tx1"/>
+                </a:solidFill>
+              </a:rPr>
+              <a:t>分かりました</a:t>
+            </a:r>
+            <a:endParaRPr lang="en-US" altLang="ja-JP" sz="2000" dirty="0" smtClean="0">
+              <a:solidFill>
+                <a:schemeClr val="tx1"/>
+              </a:solidFill>
+            </a:endParaRPr>
+          </a:p>
+          <a:p>
+            <a:pPr algn="ctr"/>
+            <a:r>
+              <a:rPr lang="ja-JP" altLang="en-US" sz="2000" dirty="0" smtClean="0">
+                <a:solidFill>
+                  <a:schemeClr val="tx1"/>
+                </a:solidFill>
+              </a:rPr>
+              <a:t>「ペン</a:t>
+            </a:r>
+            <a:r>
+              <a:rPr lang="en-US" altLang="ja-JP" sz="2000" dirty="0" smtClean="0">
+                <a:solidFill>
+                  <a:schemeClr val="tx1"/>
+                </a:solidFill>
+              </a:rPr>
+              <a:t>50</a:t>
+            </a:r>
+            <a:r>
+              <a:rPr lang="ja-JP" altLang="en-US" sz="2000" dirty="0" smtClean="0">
+                <a:solidFill>
+                  <a:schemeClr val="tx1"/>
+                </a:solidFill>
+              </a:rPr>
+              <a:t>本ですね！」</a:t>
+            </a:r>
+            <a:endParaRPr lang="en-US" altLang="ja-JP" sz="2000" dirty="0" smtClean="0">
+              <a:solidFill>
+                <a:schemeClr val="tx1"/>
+              </a:solidFill>
+            </a:endParaRPr>
+          </a:p>
+        </p:txBody>
+      </p:sp>
+      <p:sp>
+        <p:nvSpPr>
+          <p:cNvPr id="29" name="テキスト ボックス 28"/>
+          <p:cNvSpPr txBox="1"/>
+          <p:nvPr/>
+        </p:nvSpPr>
+        <p:spPr>
+          <a:xfrm>
+            <a:off x="2278792" y="5943538"/>
+            <a:ext cx="1107996" cy="369332"/>
+          </a:xfrm>
+          <a:prstGeom prst="rect">
+            <a:avLst/>
+          </a:prstGeom>
+          <a:noFill/>
+        </p:spPr>
+        <p:txBody>
+          <a:bodyPr wrap="none" rtlCol="0">
+            <a:spAutoFit/>
+          </a:bodyPr>
+          <a:lstStyle/>
+          <a:p>
+            <a:r>
+              <a:rPr kumimoji="1" lang="ja-JP" altLang="en-US" b="1" dirty="0" smtClean="0"/>
+              <a:t>営業担当</a:t>
+            </a:r>
+            <a:endParaRPr kumimoji="1" lang="ja-JP" altLang="en-US" b="1" dirty="0"/>
+          </a:p>
+        </p:txBody>
+      </p:sp>
+      <p:sp>
+        <p:nvSpPr>
+          <p:cNvPr id="30" name="テキスト ボックス 29"/>
+          <p:cNvSpPr txBox="1"/>
+          <p:nvPr/>
+        </p:nvSpPr>
+        <p:spPr>
+          <a:xfrm>
+            <a:off x="8513583" y="5970637"/>
+            <a:ext cx="1107996" cy="369332"/>
+          </a:xfrm>
+          <a:prstGeom prst="rect">
+            <a:avLst/>
+          </a:prstGeom>
+          <a:noFill/>
+        </p:spPr>
+        <p:txBody>
+          <a:bodyPr wrap="none" rtlCol="0">
+            <a:spAutoFit/>
+          </a:bodyPr>
+          <a:lstStyle/>
+          <a:p>
+            <a:r>
+              <a:rPr kumimoji="1" lang="ja-JP" altLang="en-US" b="1" dirty="0" smtClean="0"/>
+              <a:t>事務担当</a:t>
+            </a:r>
+            <a:endParaRPr kumimoji="1" lang="en-US" altLang="ja-JP" b="1" dirty="0" smtClean="0"/>
+          </a:p>
+        </p:txBody>
+      </p:sp>
+      <p:sp>
+        <p:nvSpPr>
+          <p:cNvPr id="7" name="テキスト ボックス 6"/>
+          <p:cNvSpPr txBox="1"/>
+          <p:nvPr/>
+        </p:nvSpPr>
+        <p:spPr>
+          <a:xfrm>
+            <a:off x="391096" y="1359089"/>
+            <a:ext cx="3570208" cy="769441"/>
+          </a:xfrm>
+          <a:prstGeom prst="rect">
+            <a:avLst/>
+          </a:prstGeom>
+          <a:noFill/>
+        </p:spPr>
+        <p:txBody>
+          <a:bodyPr wrap="none" rtlCol="0">
+            <a:spAutoFit/>
+          </a:bodyPr>
+          <a:lstStyle/>
+          <a:p>
+            <a:r>
+              <a:rPr kumimoji="1" lang="ja-JP" altLang="en-US" sz="4400" b="1" dirty="0" smtClean="0"/>
+              <a:t>問題点その</a:t>
+            </a:r>
+            <a:r>
+              <a:rPr lang="ja-JP" altLang="en-US" sz="4400" b="1" dirty="0" smtClean="0"/>
+              <a:t>１</a:t>
+            </a:r>
+            <a:endParaRPr kumimoji="1" lang="ja-JP" altLang="en-US" sz="4400" b="1" dirty="0"/>
+          </a:p>
+        </p:txBody>
+      </p:sp>
+    </p:spTree>
+    <p:extLst>
+      <p:ext uri="{BB962C8B-B14F-4D97-AF65-F5344CB8AC3E}">
+        <p14:creationId xmlns:p14="http://schemas.microsoft.com/office/powerpoint/2010/main" val="1681800677"/>
+      </p:ext>
+    </p:extLst>
+  </p:cSld>
+  <p:clrMapOvr>
+    <a:masterClrMapping/>
+  </p:clrMapOvr>
+  <p:timing>
+    <p:tnLst>
+      <p:par>
+        <p:cTn id="1" dur="indefinite" restart="never" nodeType="tmRoot"/>
+      </p:par>
+    </p:tnLst>
+  </p:timing>
+</p:sld>
+</file>
+
+<file path=ppt/slides/slide4.xml><?xml version="1.0" encoding="utf-8"?>
+<p:sld xmlns:a="http://schemas.openxmlformats.org/drawingml/2006/main" xmlns:r="http://schemas.openxmlformats.org/officeDocument/2006/relationships" xmlns:p="http://schemas.openxmlformats.org/presentationml/2006/main">
+  <p:cSld>
+    <p:spTree>
+      <p:nvGrpSpPr>
+        <p:cNvPr id="1" name=""/>
+        <p:cNvGrpSpPr/>
+        <p:nvPr/>
+      </p:nvGrpSpPr>
+      <p:grpSpPr>
+        <a:xfrm>
+          <a:off x="0" y="0"/>
+          <a:ext cx="0" cy="0"/>
+          <a:chOff x="0" y="0"/>
+          <a:chExt cx="0" cy="0"/>
+        </a:xfrm>
+      </p:grpSpPr>
+      <p:sp>
+        <p:nvSpPr>
+          <p:cNvPr id="2" name="タイトル 1"/>
+          <p:cNvSpPr>
+            <a:spLocks noGrp="1"/>
+          </p:cNvSpPr>
+          <p:nvPr>
+            <p:ph type="title"/>
+          </p:nvPr>
+        </p:nvSpPr>
+        <p:spPr>
+          <a:xfrm>
+            <a:off x="3961304" y="0"/>
+            <a:ext cx="3769211" cy="650789"/>
+          </a:xfrm>
+        </p:spPr>
+        <p:txBody>
+          <a:bodyPr>
+            <a:normAutofit fontScale="90000"/>
+          </a:bodyPr>
+          <a:lstStyle/>
+          <a:p>
+            <a:r>
+              <a:rPr lang="ja-JP" altLang="en-US" b="1" dirty="0" smtClean="0">
+                <a:latin typeface="HGSｺﾞｼｯｸM" panose="020B0600000000000000" pitchFamily="50" charset="-128"/>
+                <a:ea typeface="HGSｺﾞｼｯｸM" panose="020B0600000000000000" pitchFamily="50" charset="-128"/>
+              </a:rPr>
+              <a:t>システムの目的</a:t>
+            </a:r>
+            <a:endParaRPr kumimoji="1" lang="ja-JP" altLang="en-US" b="1" dirty="0">
+              <a:latin typeface="HGSｺﾞｼｯｸM" panose="020B0600000000000000" pitchFamily="50" charset="-128"/>
+              <a:ea typeface="HGSｺﾞｼｯｸM" panose="020B0600000000000000" pitchFamily="50" charset="-128"/>
+            </a:endParaRPr>
+          </a:p>
+        </p:txBody>
+      </p:sp>
+      <p:pic>
+        <p:nvPicPr>
+          <p:cNvPr id="1028" name="Picture 4" descr="C:\Users\yamanin3\Desktop\images\building_company_eigyousyo.png"/>
+          <p:cNvPicPr>
+            <a:picLocks noChangeAspect="1" noChangeArrowheads="1"/>
+          </p:cNvPicPr>
+          <p:nvPr/>
+        </p:nvPicPr>
+        <p:blipFill>
+          <a:blip r:embed="rId2">
+            <a:extLst>
+              <a:ext uri="{28A0092B-C50C-407E-A947-70E740481C1C}">
+                <a14:useLocalDpi xmlns:a14="http://schemas.microsoft.com/office/drawing/2010/main" val="0"/>
+              </a:ext>
+            </a:extLst>
+          </a:blip>
+          <a:srcRect/>
+          <a:stretch>
+            <a:fillRect/>
+          </a:stretch>
+        </p:blipFill>
+        <p:spPr bwMode="auto">
+          <a:xfrm>
+            <a:off x="5165999" y="782338"/>
+            <a:ext cx="1346192" cy="1346192"/>
+          </a:xfrm>
+          <a:prstGeom prst="rect">
+            <a:avLst/>
+          </a:prstGeom>
+          <a:noFill/>
+          <a:extLst>
+            <a:ext uri="{909E8E84-426E-40DD-AFC4-6F175D3DCCD1}">
+              <a14:hiddenFill xmlns:a14="http://schemas.microsoft.com/office/drawing/2010/main">
+                <a:solidFill>
+                  <a:srgbClr val="FFFFFF"/>
+                </a:solidFill>
+              </a14:hiddenFill>
+            </a:ext>
+          </a:extLst>
+        </p:spPr>
+      </p:pic>
+      <p:sp>
+        <p:nvSpPr>
+          <p:cNvPr id="5" name="円形吹き出し 4"/>
+          <p:cNvSpPr/>
+          <p:nvPr/>
+        </p:nvSpPr>
+        <p:spPr>
+          <a:xfrm>
+            <a:off x="104503" y="2939142"/>
+            <a:ext cx="11952514" cy="3827417"/>
+          </a:xfrm>
+          <a:prstGeom prst="wedgeEllipseCallout">
+            <a:avLst>
+              <a:gd name="adj1" fmla="val -1958"/>
+              <a:gd name="adj2" fmla="val -70341"/>
+            </a:avLst>
+          </a:prstGeom>
+          <a:solidFill>
+            <a:schemeClr val="bg1"/>
+          </a:solidFill>
+        </p:spPr>
+        <p:style>
+          <a:lnRef idx="2">
+            <a:schemeClr val="accent1">
+              <a:shade val="50000"/>
+            </a:schemeClr>
+          </a:lnRef>
+          <a:fillRef idx="1">
+            <a:schemeClr val="accent1"/>
+          </a:fillRef>
+          <a:effectRef idx="0">
+            <a:schemeClr val="accent1"/>
+          </a:effectRef>
+          <a:fontRef idx="minor">
+            <a:schemeClr val="lt1"/>
+          </a:fontRef>
+        </p:style>
+        <p:txBody>
+          <a:bodyPr rtlCol="0" anchor="ctr"/>
+          <a:lstStyle/>
+          <a:p>
+            <a:pPr algn="ctr"/>
+            <a:endParaRPr kumimoji="1" lang="ja-JP" altLang="en-US"/>
+          </a:p>
+        </p:txBody>
+      </p:sp>
+      <p:pic>
+        <p:nvPicPr>
+          <p:cNvPr id="24" name="Picture 3" descr="C:\Users\yamanin3\Desktop\images\sales_eigyou_man.png"/>
+          <p:cNvPicPr>
+            <a:picLocks noChangeAspect="1" noChangeArrowheads="1"/>
+          </p:cNvPicPr>
+          <p:nvPr/>
+        </p:nvPicPr>
+        <p:blipFill>
+          <a:blip r:embed="rId3" cstate="print">
+            <a:extLst>
+              <a:ext uri="{28A0092B-C50C-407E-A947-70E740481C1C}">
+                <a14:useLocalDpi xmlns:a14="http://schemas.microsoft.com/office/drawing/2010/main" val="0"/>
+              </a:ext>
+            </a:extLst>
+          </a:blip>
+          <a:srcRect/>
+          <a:stretch>
+            <a:fillRect/>
+          </a:stretch>
+        </p:blipFill>
+        <p:spPr bwMode="auto">
+          <a:xfrm>
+            <a:off x="1865521" y="3870701"/>
+            <a:ext cx="1934538" cy="1934538"/>
+          </a:xfrm>
+          <a:prstGeom prst="rect">
+            <a:avLst/>
+          </a:prstGeom>
+          <a:noFill/>
+          <a:extLst>
+            <a:ext uri="{909E8E84-426E-40DD-AFC4-6F175D3DCCD1}">
+              <a14:hiddenFill xmlns:a14="http://schemas.microsoft.com/office/drawing/2010/main">
+                <a:solidFill>
+                  <a:srgbClr val="FFFFFF"/>
+                </a:solidFill>
+              </a14:hiddenFill>
+            </a:ext>
+          </a:extLst>
+        </p:spPr>
+      </p:pic>
+      <p:pic>
+        <p:nvPicPr>
+          <p:cNvPr id="25" name="Picture 2" descr="C:\Users\yamanin-Note\Desktop\yamanin3\job_jimu_woman.png"/>
+          <p:cNvPicPr>
+            <a:picLocks noChangeAspect="1" noChangeArrowheads="1"/>
+          </p:cNvPicPr>
+          <p:nvPr/>
+        </p:nvPicPr>
+        <p:blipFill>
+          <a:blip r:embed="rId4">
+            <a:extLst>
+              <a:ext uri="{28A0092B-C50C-407E-A947-70E740481C1C}">
+                <a14:useLocalDpi xmlns:a14="http://schemas.microsoft.com/office/drawing/2010/main" val="0"/>
+              </a:ext>
+            </a:extLst>
+          </a:blip>
+          <a:srcRect/>
+          <a:stretch>
+            <a:fillRect/>
+          </a:stretch>
+        </p:blipFill>
+        <p:spPr bwMode="auto">
+          <a:xfrm>
+            <a:off x="8345277" y="3732402"/>
+            <a:ext cx="1444608" cy="2211136"/>
+          </a:xfrm>
+          <a:prstGeom prst="rect">
+            <a:avLst/>
+          </a:prstGeom>
+          <a:noFill/>
+          <a:extLst>
+            <a:ext uri="{909E8E84-426E-40DD-AFC4-6F175D3DCCD1}">
+              <a14:hiddenFill xmlns:a14="http://schemas.microsoft.com/office/drawing/2010/main">
+                <a:solidFill>
+                  <a:srgbClr val="FFFFFF"/>
+                </a:solidFill>
+              </a14:hiddenFill>
+            </a:ext>
+          </a:extLst>
+        </p:spPr>
+      </p:pic>
+      <p:sp>
+        <p:nvSpPr>
+          <p:cNvPr id="6" name="円形吹き出し 5"/>
+          <p:cNvSpPr/>
+          <p:nvPr/>
+        </p:nvSpPr>
+        <p:spPr>
+          <a:xfrm>
+            <a:off x="3540032" y="3208782"/>
+            <a:ext cx="2299063" cy="1353597"/>
+          </a:xfrm>
+          <a:prstGeom prst="wedgeEllipseCallout">
+            <a:avLst>
+              <a:gd name="adj1" fmla="val -58178"/>
+              <a:gd name="adj2" fmla="val 41269"/>
+            </a:avLst>
+          </a:prstGeom>
+          <a:solidFill>
+            <a:schemeClr val="bg2"/>
+          </a:solidFill>
+        </p:spPr>
+        <p:style>
+          <a:lnRef idx="2">
+            <a:schemeClr val="accent1">
+              <a:shade val="50000"/>
+            </a:schemeClr>
+          </a:lnRef>
+          <a:fillRef idx="1">
+            <a:schemeClr val="accent1"/>
+          </a:fillRef>
+          <a:effectRef idx="0">
+            <a:schemeClr val="accent1"/>
+          </a:effectRef>
+          <a:fontRef idx="minor">
+            <a:schemeClr val="lt1"/>
+          </a:fontRef>
+        </p:style>
+        <p:txBody>
+          <a:bodyPr rtlCol="0" anchor="ctr"/>
+          <a:lstStyle/>
+          <a:p>
+            <a:pPr algn="ctr"/>
+            <a:r>
+              <a:rPr kumimoji="1" lang="ja-JP" altLang="en-US" sz="2000" dirty="0" smtClean="0">
+                <a:solidFill>
+                  <a:schemeClr val="tx1"/>
+                </a:solidFill>
+              </a:rPr>
+              <a:t>「ペン</a:t>
+            </a:r>
+            <a:r>
+              <a:rPr kumimoji="1" lang="en-US" altLang="ja-JP" sz="2000" dirty="0" smtClean="0">
+                <a:solidFill>
+                  <a:schemeClr val="tx1"/>
+                </a:solidFill>
+              </a:rPr>
+              <a:t>10</a:t>
+            </a:r>
+            <a:r>
+              <a:rPr kumimoji="1" lang="ja-JP" altLang="en-US" sz="2000" dirty="0" smtClean="0">
+                <a:solidFill>
+                  <a:schemeClr val="tx1"/>
+                </a:solidFill>
+              </a:rPr>
+              <a:t>本ね！」</a:t>
+            </a:r>
+            <a:endParaRPr kumimoji="1" lang="ja-JP" altLang="en-US" sz="2000" dirty="0">
+              <a:solidFill>
+                <a:schemeClr val="tx1"/>
+              </a:solidFill>
+            </a:endParaRPr>
+          </a:p>
+        </p:txBody>
+      </p:sp>
+      <p:sp>
+        <p:nvSpPr>
+          <p:cNvPr id="28" name="円形吹き出し 27"/>
+          <p:cNvSpPr/>
+          <p:nvPr/>
+        </p:nvSpPr>
+        <p:spPr>
+          <a:xfrm>
+            <a:off x="5775354" y="4037979"/>
+            <a:ext cx="2569923" cy="1353597"/>
+          </a:xfrm>
+          <a:prstGeom prst="wedgeEllipseCallout">
+            <a:avLst>
+              <a:gd name="adj1" fmla="val 61708"/>
+              <a:gd name="adj2" fmla="val -25319"/>
+            </a:avLst>
+          </a:prstGeom>
+          <a:solidFill>
+            <a:schemeClr val="bg2"/>
+          </a:solidFill>
+        </p:spPr>
+        <p:style>
+          <a:lnRef idx="2">
+            <a:schemeClr val="accent1">
+              <a:shade val="50000"/>
+            </a:schemeClr>
+          </a:lnRef>
+          <a:fillRef idx="1">
+            <a:schemeClr val="accent1"/>
+          </a:fillRef>
+          <a:effectRef idx="0">
+            <a:schemeClr val="accent1"/>
+          </a:effectRef>
+          <a:fontRef idx="minor">
+            <a:schemeClr val="lt1"/>
+          </a:fontRef>
+        </p:style>
+        <p:txBody>
+          <a:bodyPr rtlCol="0" anchor="ctr"/>
+          <a:lstStyle/>
+          <a:p>
+            <a:pPr algn="ctr"/>
+            <a:r>
+              <a:rPr lang="ja-JP" altLang="en-US" sz="2000" dirty="0" smtClean="0">
+                <a:solidFill>
+                  <a:schemeClr val="tx1"/>
+                </a:solidFill>
+              </a:rPr>
+              <a:t>分かりました</a:t>
+            </a:r>
+            <a:endParaRPr lang="en-US" altLang="ja-JP" sz="2000" dirty="0" smtClean="0">
+              <a:solidFill>
+                <a:schemeClr val="tx1"/>
+              </a:solidFill>
+            </a:endParaRPr>
+          </a:p>
+          <a:p>
+            <a:pPr algn="ctr"/>
+            <a:r>
+              <a:rPr lang="ja-JP" altLang="en-US" sz="2000" dirty="0" smtClean="0">
+                <a:solidFill>
+                  <a:schemeClr val="tx1"/>
+                </a:solidFill>
+              </a:rPr>
+              <a:t>「ペン</a:t>
+            </a:r>
+            <a:r>
+              <a:rPr lang="en-US" altLang="ja-JP" sz="2000" dirty="0" smtClean="0">
+                <a:solidFill>
+                  <a:schemeClr val="tx1"/>
+                </a:solidFill>
+              </a:rPr>
+              <a:t>50</a:t>
+            </a:r>
+            <a:r>
+              <a:rPr lang="ja-JP" altLang="en-US" sz="2000" dirty="0" smtClean="0">
+                <a:solidFill>
+                  <a:schemeClr val="tx1"/>
+                </a:solidFill>
+              </a:rPr>
+              <a:t>本ですね！」</a:t>
+            </a:r>
+            <a:endParaRPr lang="en-US" altLang="ja-JP" sz="2000" dirty="0" smtClean="0">
+              <a:solidFill>
+                <a:schemeClr val="tx1"/>
+              </a:solidFill>
+            </a:endParaRPr>
+          </a:p>
+        </p:txBody>
+      </p:sp>
+      <p:sp>
+        <p:nvSpPr>
+          <p:cNvPr id="29" name="テキスト ボックス 28"/>
+          <p:cNvSpPr txBox="1"/>
+          <p:nvPr/>
+        </p:nvSpPr>
+        <p:spPr>
+          <a:xfrm>
+            <a:off x="2278792" y="5943538"/>
+            <a:ext cx="1107996" cy="369332"/>
+          </a:xfrm>
+          <a:prstGeom prst="rect">
+            <a:avLst/>
+          </a:prstGeom>
+          <a:noFill/>
+        </p:spPr>
+        <p:txBody>
+          <a:bodyPr wrap="none" rtlCol="0">
+            <a:spAutoFit/>
+          </a:bodyPr>
+          <a:lstStyle/>
+          <a:p>
+            <a:r>
+              <a:rPr kumimoji="1" lang="ja-JP" altLang="en-US" b="1" dirty="0" smtClean="0"/>
+              <a:t>営業担当</a:t>
+            </a:r>
+            <a:endParaRPr kumimoji="1" lang="ja-JP" altLang="en-US" b="1" dirty="0"/>
+          </a:p>
+        </p:txBody>
+      </p:sp>
+      <p:sp>
+        <p:nvSpPr>
+          <p:cNvPr id="30" name="テキスト ボックス 29"/>
+          <p:cNvSpPr txBox="1"/>
+          <p:nvPr/>
+        </p:nvSpPr>
+        <p:spPr>
+          <a:xfrm>
+            <a:off x="8513583" y="5970637"/>
+            <a:ext cx="1107996" cy="369332"/>
+          </a:xfrm>
+          <a:prstGeom prst="rect">
+            <a:avLst/>
+          </a:prstGeom>
+          <a:noFill/>
+        </p:spPr>
+        <p:txBody>
+          <a:bodyPr wrap="none" rtlCol="0">
+            <a:spAutoFit/>
+          </a:bodyPr>
+          <a:lstStyle/>
+          <a:p>
+            <a:r>
+              <a:rPr kumimoji="1" lang="ja-JP" altLang="en-US" b="1" dirty="0" smtClean="0"/>
+              <a:t>事務担当</a:t>
+            </a:r>
+            <a:endParaRPr kumimoji="1" lang="en-US" altLang="ja-JP" b="1" dirty="0" smtClean="0"/>
+          </a:p>
+        </p:txBody>
+      </p:sp>
+      <p:sp>
+        <p:nvSpPr>
+          <p:cNvPr id="7" name="テキスト ボックス 6"/>
+          <p:cNvSpPr txBox="1"/>
+          <p:nvPr/>
+        </p:nvSpPr>
+        <p:spPr>
+          <a:xfrm>
+            <a:off x="391096" y="1359089"/>
+            <a:ext cx="3570208" cy="769441"/>
+          </a:xfrm>
+          <a:prstGeom prst="rect">
+            <a:avLst/>
+          </a:prstGeom>
+          <a:noFill/>
+        </p:spPr>
+        <p:txBody>
+          <a:bodyPr wrap="none" rtlCol="0">
+            <a:spAutoFit/>
+          </a:bodyPr>
+          <a:lstStyle/>
+          <a:p>
+            <a:r>
+              <a:rPr kumimoji="1" lang="ja-JP" altLang="en-US" sz="4400" b="1" dirty="0" smtClean="0"/>
+              <a:t>問題点その</a:t>
+            </a:r>
+            <a:r>
+              <a:rPr lang="ja-JP" altLang="en-US" sz="4400" b="1" dirty="0"/>
+              <a:t>２</a:t>
+            </a:r>
+            <a:endParaRPr kumimoji="1" lang="ja-JP" altLang="en-US" sz="4400" b="1" dirty="0"/>
+          </a:p>
+        </p:txBody>
+      </p:sp>
+    </p:spTree>
+    <p:extLst>
+      <p:ext uri="{BB962C8B-B14F-4D97-AF65-F5344CB8AC3E}">
+        <p14:creationId xmlns:p14="http://schemas.microsoft.com/office/powerpoint/2010/main" val="663704935"/>
+      </p:ext>
+    </p:extLst>
+  </p:cSld>
+  <p:clrMapOvr>
+    <a:masterClrMapping/>
+  </p:clrMapOvr>
+  <p:timing>
+    <p:tnLst>
+      <p:par>
+        <p:cTn id="1" dur="indefinite" restart="never" nodeType="tmRoot"/>
+      </p:par>
+    </p:tnLst>
+  </p:timing>
+</p:sld>
+</file>
+
+<file path=ppt/slides/slide5.xml><?xml version="1.0" encoding="utf-8"?>
+<p:sld xmlns:a="http://schemas.openxmlformats.org/drawingml/2006/main" xmlns:r="http://schemas.openxmlformats.org/officeDocument/2006/relationships" xmlns:p="http://schemas.openxmlformats.org/presentationml/2006/main">
+  <p:cSld>
+    <p:spTree>
+      <p:nvGrpSpPr>
+        <p:cNvPr id="1" name=""/>
+        <p:cNvGrpSpPr/>
+        <p:nvPr/>
+      </p:nvGrpSpPr>
+      <p:grpSpPr>
+        <a:xfrm>
+          <a:off x="0" y="0"/>
+          <a:ext cx="0" cy="0"/>
+          <a:chOff x="0" y="0"/>
+          <a:chExt cx="0" cy="0"/>
+        </a:xfrm>
+      </p:grpSpPr>
+      <p:sp>
+        <p:nvSpPr>
+          <p:cNvPr id="2" name="タイトル 1"/>
+          <p:cNvSpPr>
+            <a:spLocks noGrp="1"/>
+          </p:cNvSpPr>
+          <p:nvPr>
+            <p:ph type="title"/>
+          </p:nvPr>
+        </p:nvSpPr>
+        <p:spPr>
+          <a:xfrm>
+            <a:off x="4083908" y="0"/>
+            <a:ext cx="4458730" cy="650789"/>
+          </a:xfrm>
+        </p:spPr>
+        <p:txBody>
+          <a:bodyPr>
+            <a:normAutofit fontScale="90000"/>
+          </a:bodyPr>
+          <a:lstStyle/>
+          <a:p>
+            <a:r>
+              <a:rPr lang="ja-JP" altLang="en-US" b="1" dirty="0" smtClean="0">
+                <a:latin typeface="HGSｺﾞｼｯｸM" panose="020B0600000000000000" pitchFamily="50" charset="-128"/>
+                <a:ea typeface="HGSｺﾞｼｯｸM" panose="020B0600000000000000" pitchFamily="50" charset="-128"/>
+              </a:rPr>
+              <a:t>システムの目的</a:t>
+            </a:r>
+            <a:endParaRPr kumimoji="1" lang="ja-JP" altLang="en-US" b="1" dirty="0">
+              <a:latin typeface="HGSｺﾞｼｯｸM" panose="020B0600000000000000" pitchFamily="50" charset="-128"/>
+              <a:ea typeface="HGSｺﾞｼｯｸM" panose="020B0600000000000000" pitchFamily="50" charset="-128"/>
+            </a:endParaRPr>
+          </a:p>
+        </p:txBody>
+      </p:sp>
+      <p:pic>
+        <p:nvPicPr>
           <p:cNvPr id="1026" name="Picture 2" descr="C:\Users\yamanin3\Desktop\images\agura_kutsurogu2_man.png"/>
+          <p:cNvPicPr>
+            <a:picLocks noChangeAspect="1" noChangeArrowheads="1"/>
+          </p:cNvPicPr>
+          <p:nvPr/>
+        </p:nvPicPr>
+        <p:blipFill>
+          <a:blip r:embed="rId2">
+            <a:extLst>
+              <a:ext uri="{28A0092B-C50C-407E-A947-70E740481C1C}">
+                <a14:useLocalDpi xmlns:a14="http://schemas.microsoft.com/office/drawing/2010/main" val="0"/>
+              </a:ext>
+            </a:extLst>
+          </a:blip>
+          <a:srcRect/>
+          <a:stretch>
+            <a:fillRect/>
+          </a:stretch>
+        </p:blipFill>
+        <p:spPr bwMode="auto">
+          <a:xfrm>
+            <a:off x="389258" y="394025"/>
+            <a:ext cx="1071476" cy="1071476"/>
+          </a:xfrm>
+          <a:prstGeom prst="rect">
+            <a:avLst/>
+          </a:prstGeom>
+          <a:noFill/>
+          <a:extLst>
+            <a:ext uri="{909E8E84-426E-40DD-AFC4-6F175D3DCCD1}">
+              <a14:hiddenFill xmlns:a14="http://schemas.microsoft.com/office/drawing/2010/main">
+                <a:solidFill>
+                  <a:srgbClr val="FFFFFF"/>
+                </a:solidFill>
+              </a14:hiddenFill>
+            </a:ext>
+          </a:extLst>
+        </p:spPr>
+      </p:pic>
+      <p:pic>
+        <p:nvPicPr>
+          <p:cNvPr id="1028" name="Picture 4" descr="C:\Users\yamanin3\Desktop\images\building_company_eigyousyo.png"/>
           <p:cNvPicPr>
             <a:picLocks noChangeAspect="1" noChangeArrowheads="1"/>
           </p:cNvPicPr>
@@ -5147,8 +6317,8 @@
         </p:blipFill>
         <p:spPr bwMode="auto">
           <a:xfrm>
-            <a:off x="389258" y="394025"/>
-            <a:ext cx="1071476" cy="1071476"/>
+            <a:off x="148967" y="5197583"/>
+            <a:ext cx="1549700" cy="1549700"/>
           </a:xfrm>
           <a:prstGeom prst="rect">
             <a:avLst/>
@@ -5167,14 +6337,14 @@
       </p:pic>
       <p:pic>
         <p:nvPicPr>
-          <p:cNvPr id="1028" name="Picture 4" descr="C:\Users\yamanin3\Desktop\images\building_company_eigyousyo.png"/>
+          <p:cNvPr id="1027" name="Picture 3" descr="C:\Users\yamanin3\Desktop\images\sales_eigyou_man.png"/>
           <p:cNvPicPr>
             <a:picLocks noChangeAspect="1" noChangeArrowheads="1"/>
           </p:cNvPicPr>
           <p:nvPr/>
         </p:nvPicPr>
         <p:blipFill>
-          <a:blip r:embed="rId4">
+          <a:blip r:embed="rId4" cstate="print">
             <a:extLst>
               <a:ext uri="{28A0092B-C50C-407E-A947-70E740481C1C}">
                 <a14:useLocalDpi xmlns:a14="http://schemas.microsoft.com/office/drawing/2010/main" val="0"/>
@@ -5188,8 +6358,8 @@
         </p:blipFill>
         <p:spPr bwMode="auto">
           <a:xfrm>
-            <a:off x="148967" y="5197583"/>
-            <a:ext cx="1549700" cy="1549700"/>
+            <a:off x="563164" y="5972433"/>
+            <a:ext cx="723664" cy="723664"/>
           </a:xfrm>
           <a:prstGeom prst="rect">
             <a:avLst/>
@@ -5208,47 +6378,6 @@
       </p:pic>
       <p:pic>
         <p:nvPicPr>
-          <p:cNvPr id="1027" name="Picture 3" descr="C:\Users\yamanin3\Desktop\images\sales_eigyou_man.png"/>
-          <p:cNvPicPr>
-            <a:picLocks noChangeAspect="1" noChangeArrowheads="1"/>
-          </p:cNvPicPr>
-          <p:nvPr/>
-        </p:nvPicPr>
-        <p:blipFill>
-          <a:blip r:embed="rId5" cstate="print">
-            <a:extLst>
-              <a:ext uri="{28A0092B-C50C-407E-A947-70E740481C1C}">
-                <a14:useLocalDpi xmlns:a14="http://schemas.microsoft.com/office/drawing/2010/main" val="0"/>
-              </a:ext>
-            </a:extLst>
-          </a:blip>
-          <a:srcRect/>
-          <a:stretch>
-            <a:fillRect/>
-          </a:stretch>
-        </p:blipFill>
-        <p:spPr bwMode="auto">
-          <a:xfrm>
-            <a:off x="563164" y="5972433"/>
-            <a:ext cx="723664" cy="723664"/>
-          </a:xfrm>
-          <a:prstGeom prst="rect">
-            <a:avLst/>
-          </a:prstGeom>
-          <a:noFill/>
-          <a:extLst>
-            <a:ext uri="{909E8E84-426E-40DD-AFC4-6F175D3DCCD1}">
-              <a14:hiddenFill xmlns:a14="http://schemas.microsoft.com/office/drawing/2010/main">
-                <a:solidFill>
-                  <a:srgbClr val="FFFFFF"/>
-                </a:solidFill>
-              </a14:hiddenFill>
-            </a:ext>
-          </a:extLst>
-        </p:spPr>
-      </p:pic>
-      <p:pic>
-        <p:nvPicPr>
           <p:cNvPr id="1029" name="Picture 5" descr="C:\Users\yamanin3\Desktop\images\souko_building.png"/>
           <p:cNvPicPr>
             <a:picLocks noChangeAspect="1" noChangeArrowheads="1"/>
@@ -5256,7 +6385,7 @@
           <p:nvPr/>
         </p:nvPicPr>
         <p:blipFill>
-          <a:blip r:embed="rId6">
+          <a:blip r:embed="rId5">
             <a:extLst>
               <a:ext uri="{28A0092B-C50C-407E-A947-70E740481C1C}">
                 <a14:useLocalDpi xmlns:a14="http://schemas.microsoft.com/office/drawing/2010/main" val="0"/>
@@ -5711,7 +6840,7 @@
           <p:nvPr/>
         </p:nvPicPr>
         <p:blipFill>
-          <a:blip r:embed="rId7" cstate="print">
+          <a:blip r:embed="rId6" cstate="print">
             <a:extLst>
               <a:ext uri="{28A0092B-C50C-407E-A947-70E740481C1C}">
                 <a14:useLocalDpi xmlns:a14="http://schemas.microsoft.com/office/drawing/2010/main" val="0"/>
@@ -5752,7 +6881,7 @@
           <p:nvPr/>
         </p:nvPicPr>
         <p:blipFill>
-          <a:blip r:embed="rId8" cstate="print">
+          <a:blip r:embed="rId7" cstate="print">
             <a:extLst>
               <a:ext uri="{28A0092B-C50C-407E-A947-70E740481C1C}">
                 <a14:useLocalDpi xmlns:a14="http://schemas.microsoft.com/office/drawing/2010/main" val="0"/>
@@ -6549,7 +7678,7 @@
 </p:sld>
 </file>
 
-<file path=ppt/slides/slide4.xml><?xml version="1.0" encoding="utf-8"?>
+<file path=ppt/slides/slide6.xml><?xml version="1.0" encoding="utf-8"?>
 <p:sld xmlns:a="http://schemas.openxmlformats.org/drawingml/2006/main" xmlns:r="http://schemas.openxmlformats.org/officeDocument/2006/relationships" xmlns:p="http://schemas.openxmlformats.org/presentationml/2006/main">
   <p:cSld>
     <p:spTree>
@@ -6808,24 +7937,9 @@
 </p:sld>
 </file>
 
-<file path=ppt/slides/slide5.xml><?xml version="1.0" encoding="utf-8"?>
+<file path=ppt/slides/slide7.xml><?xml version="1.0" encoding="utf-8"?>
 <p:sld xmlns:a="http://schemas.openxmlformats.org/drawingml/2006/main" xmlns:r="http://schemas.openxmlformats.org/officeDocument/2006/relationships" xmlns:p="http://schemas.openxmlformats.org/presentationml/2006/main">
   <p:cSld>
-    <p:bg>
-      <p:bgPr>
-        <a:blipFill dpi="0" rotWithShape="1">
-          <a:blip r:embed="rId2">
-            <a:alphaModFix amt="10000"/>
-            <a:lum/>
-          </a:blip>
-          <a:srcRect/>
-          <a:stretch>
-            <a:fillRect/>
-          </a:stretch>
-        </a:blipFill>
-        <a:effectLst/>
-      </p:bgPr>
-    </p:bg>
     <p:spTree>
       <p:nvGrpSpPr>
         <p:cNvPr id="1" name=""/>
@@ -6892,7 +8006,7 @@
           <p:nvPr/>
         </p:nvPicPr>
         <p:blipFill>
-          <a:blip r:embed="rId3">
+          <a:blip r:embed="rId2">
             <a:extLst>
               <a:ext uri="{28A0092B-C50C-407E-A947-70E740481C1C}">
                 <a14:useLocalDpi xmlns:a14="http://schemas.microsoft.com/office/drawing/2010/main" val="0"/>
@@ -6944,24 +8058,9 @@
 </p:sld>
 </file>
 
-<file path=ppt/slides/slide6.xml><?xml version="1.0" encoding="utf-8"?>
+<file path=ppt/slides/slide8.xml><?xml version="1.0" encoding="utf-8"?>
 <p:sld xmlns:a="http://schemas.openxmlformats.org/drawingml/2006/main" xmlns:r="http://schemas.openxmlformats.org/officeDocument/2006/relationships" xmlns:p="http://schemas.openxmlformats.org/presentationml/2006/main">
   <p:cSld>
-    <p:bg>
-      <p:bgPr>
-        <a:blipFill dpi="0" rotWithShape="1">
-          <a:blip r:embed="rId2">
-            <a:alphaModFix amt="10000"/>
-            <a:lum/>
-          </a:blip>
-          <a:srcRect/>
-          <a:stretch>
-            <a:fillRect/>
-          </a:stretch>
-        </a:blipFill>
-        <a:effectLst/>
-      </p:bgPr>
-    </p:bg>
     <p:spTree>
       <p:nvGrpSpPr>
         <p:cNvPr id="1" name=""/>
@@ -7028,7 +8127,7 @@
           <p:nvPr/>
         </p:nvPicPr>
         <p:blipFill>
-          <a:blip r:embed="rId3">
+          <a:blip r:embed="rId2">
             <a:extLst>
               <a:ext uri="{28A0092B-C50C-407E-A947-70E740481C1C}">
                 <a14:useLocalDpi xmlns:a14="http://schemas.microsoft.com/office/drawing/2010/main" val="0"/>
@@ -7080,24 +8179,9 @@
 </p:sld>
 </file>
 
-<file path=ppt/slides/slide7.xml><?xml version="1.0" encoding="utf-8"?>
+<file path=ppt/slides/slide9.xml><?xml version="1.0" encoding="utf-8"?>
 <p:sld xmlns:a="http://schemas.openxmlformats.org/drawingml/2006/main" xmlns:r="http://schemas.openxmlformats.org/officeDocument/2006/relationships" xmlns:p="http://schemas.openxmlformats.org/presentationml/2006/main">
   <p:cSld>
-    <p:bg>
-      <p:bgPr>
-        <a:blipFill dpi="0" rotWithShape="1">
-          <a:blip r:embed="rId2">
-            <a:alphaModFix amt="10000"/>
-            <a:lum/>
-          </a:blip>
-          <a:srcRect/>
-          <a:stretch>
-            <a:fillRect/>
-          </a:stretch>
-        </a:blipFill>
-        <a:effectLst/>
-      </p:bgPr>
-    </p:bg>
     <p:spTree>
       <p:nvGrpSpPr>
         <p:cNvPr id="1" name=""/>
@@ -7263,436 +8347,6 @@
     <p:extLst>
       <p:ext uri="{BB962C8B-B14F-4D97-AF65-F5344CB8AC3E}">
         <p14:creationId xmlns:p14="http://schemas.microsoft.com/office/powerpoint/2010/main" val="269283686"/>
-      </p:ext>
-    </p:extLst>
-  </p:cSld>
-  <p:clrMapOvr>
-    <a:masterClrMapping/>
-  </p:clrMapOvr>
-  <p:timing>
-    <p:tnLst>
-      <p:par>
-        <p:cTn id="1" dur="indefinite" restart="never" nodeType="tmRoot"/>
-      </p:par>
-    </p:tnLst>
-  </p:timing>
-</p:sld>
-</file>
-
-<file path=ppt/slides/slide8.xml><?xml version="1.0" encoding="utf-8"?>
-<p:sld xmlns:a="http://schemas.openxmlformats.org/drawingml/2006/main" xmlns:r="http://schemas.openxmlformats.org/officeDocument/2006/relationships" xmlns:p="http://schemas.openxmlformats.org/presentationml/2006/main">
-  <p:cSld>
-    <p:bg>
-      <p:bgPr>
-        <a:blipFill dpi="0" rotWithShape="1">
-          <a:blip r:embed="rId2">
-            <a:alphaModFix amt="10000"/>
-            <a:lum/>
-          </a:blip>
-          <a:srcRect/>
-          <a:stretch>
-            <a:fillRect/>
-          </a:stretch>
-        </a:blipFill>
-        <a:effectLst/>
-      </p:bgPr>
-    </p:bg>
-    <p:spTree>
-      <p:nvGrpSpPr>
-        <p:cNvPr id="1" name=""/>
-        <p:cNvGrpSpPr/>
-        <p:nvPr/>
-      </p:nvGrpSpPr>
-      <p:grpSpPr>
-        <a:xfrm>
-          <a:off x="0" y="0"/>
-          <a:ext cx="0" cy="0"/>
-          <a:chOff x="0" y="0"/>
-          <a:chExt cx="0" cy="0"/>
-        </a:xfrm>
-      </p:grpSpPr>
-      <p:sp>
-        <p:nvSpPr>
-          <p:cNvPr id="2" name="タイトル 1"/>
-          <p:cNvSpPr>
-            <a:spLocks noGrp="1"/>
-          </p:cNvSpPr>
-          <p:nvPr>
-            <p:ph type="title"/>
-          </p:nvPr>
-        </p:nvSpPr>
-        <p:spPr>
-          <a:xfrm>
-            <a:off x="549875" y="0"/>
-            <a:ext cx="10515600" cy="1325563"/>
-          </a:xfrm>
-        </p:spPr>
-        <p:txBody>
-          <a:bodyPr/>
-          <a:lstStyle/>
-          <a:p>
-            <a:r>
-              <a:rPr kumimoji="1" lang="ja-JP" altLang="en-US" b="1" dirty="0" smtClean="0">
-                <a:latin typeface="HGSｺﾞｼｯｸM" panose="020B0600000000000000" pitchFamily="50" charset="-128"/>
-                <a:ea typeface="HGSｺﾞｼｯｸM" panose="020B0600000000000000" pitchFamily="50" charset="-128"/>
-              </a:rPr>
-              <a:t>スケジュール</a:t>
-            </a:r>
-            <a:endParaRPr kumimoji="1" lang="ja-JP" altLang="en-US" b="1" dirty="0">
-              <a:latin typeface="HGSｺﾞｼｯｸM" panose="020B0600000000000000" pitchFamily="50" charset="-128"/>
-              <a:ea typeface="HGSｺﾞｼｯｸM" panose="020B0600000000000000" pitchFamily="50" charset="-128"/>
-            </a:endParaRPr>
-          </a:p>
-        </p:txBody>
-      </p:sp>
-      <p:sp>
-        <p:nvSpPr>
-          <p:cNvPr id="4" name="テキスト ボックス 3"/>
-          <p:cNvSpPr txBox="1"/>
-          <p:nvPr/>
-        </p:nvSpPr>
-        <p:spPr>
-          <a:xfrm>
-            <a:off x="1018903" y="1637156"/>
-            <a:ext cx="3877985" cy="461665"/>
-          </a:xfrm>
-          <a:prstGeom prst="rect">
-            <a:avLst/>
-          </a:prstGeom>
-          <a:noFill/>
-        </p:spPr>
-        <p:txBody>
-          <a:bodyPr wrap="none" rtlCol="0">
-            <a:spAutoFit/>
-          </a:bodyPr>
-          <a:lstStyle/>
-          <a:p>
-            <a:r>
-              <a:rPr kumimoji="1" lang="ja-JP" altLang="en-US" sz="2400" b="1" dirty="0" smtClean="0"/>
-              <a:t>・これまでに作成した資料</a:t>
-            </a:r>
-            <a:endParaRPr kumimoji="1" lang="ja-JP" altLang="en-US" sz="2400" b="1" dirty="0"/>
-          </a:p>
-        </p:txBody>
-      </p:sp>
-      <p:sp>
-        <p:nvSpPr>
-          <p:cNvPr id="5" name="テキスト ボックス 4"/>
-          <p:cNvSpPr txBox="1"/>
-          <p:nvPr/>
-        </p:nvSpPr>
-        <p:spPr>
-          <a:xfrm>
-            <a:off x="1750423" y="2120648"/>
-            <a:ext cx="5197257" cy="1015663"/>
-          </a:xfrm>
-          <a:prstGeom prst="rect">
-            <a:avLst/>
-          </a:prstGeom>
-          <a:noFill/>
-        </p:spPr>
-        <p:txBody>
-          <a:bodyPr wrap="none" rtlCol="0">
-            <a:spAutoFit/>
-          </a:bodyPr>
-          <a:lstStyle/>
-          <a:p>
-            <a:r>
-              <a:rPr kumimoji="1" lang="ja-JP" altLang="en-US" sz="2000" b="1" dirty="0" smtClean="0"/>
-              <a:t>・要求分析書</a:t>
-            </a:r>
-            <a:r>
-              <a:rPr lang="en-US" altLang="ja-JP" sz="2000" b="1" dirty="0"/>
-              <a:t>	</a:t>
-            </a:r>
-            <a:r>
-              <a:rPr lang="en-US" altLang="ja-JP" sz="2000" b="1" dirty="0" smtClean="0"/>
-              <a:t>	9</a:t>
-            </a:r>
-            <a:r>
-              <a:rPr lang="ja-JP" altLang="en-US" sz="2000" b="1" dirty="0" smtClean="0"/>
-              <a:t>月</a:t>
-            </a:r>
-            <a:r>
-              <a:rPr lang="en-US" altLang="ja-JP" sz="2000" b="1" dirty="0" smtClean="0"/>
-              <a:t>24</a:t>
-            </a:r>
-            <a:r>
-              <a:rPr lang="ja-JP" altLang="en-US" sz="2000" b="1" dirty="0" smtClean="0"/>
-              <a:t>日</a:t>
-            </a:r>
-            <a:r>
-              <a:rPr lang="en-US" altLang="ja-JP" sz="2000" b="1" dirty="0" smtClean="0"/>
-              <a:t>~10</a:t>
-            </a:r>
-            <a:r>
-              <a:rPr lang="ja-JP" altLang="en-US" sz="2000" b="1" dirty="0" smtClean="0"/>
-              <a:t>月</a:t>
-            </a:r>
-            <a:r>
-              <a:rPr lang="en-US" altLang="ja-JP" sz="2000" b="1" dirty="0" smtClean="0"/>
-              <a:t>11</a:t>
-            </a:r>
-            <a:r>
-              <a:rPr lang="ja-JP" altLang="en-US" sz="2000" b="1" dirty="0" smtClean="0"/>
-              <a:t>日</a:t>
-            </a:r>
-            <a:endParaRPr kumimoji="1" lang="en-US" altLang="ja-JP" sz="2000" b="1" dirty="0" smtClean="0"/>
-          </a:p>
-          <a:p>
-            <a:r>
-              <a:rPr lang="ja-JP" altLang="en-US" sz="2000" b="1" dirty="0" smtClean="0"/>
-              <a:t>・全体</a:t>
-            </a:r>
-            <a:r>
-              <a:rPr lang="en-US" altLang="ja-JP" sz="2000" b="1" dirty="0" smtClean="0"/>
-              <a:t>DFD		10</a:t>
-            </a:r>
-            <a:r>
-              <a:rPr lang="ja-JP" altLang="en-US" sz="2000" b="1" dirty="0" smtClean="0"/>
-              <a:t>月</a:t>
-            </a:r>
-            <a:r>
-              <a:rPr lang="en-US" altLang="ja-JP" sz="2000" b="1" dirty="0" smtClean="0"/>
-              <a:t>1</a:t>
-            </a:r>
-            <a:r>
-              <a:rPr lang="ja-JP" altLang="en-US" sz="2000" b="1" dirty="0" smtClean="0"/>
-              <a:t>日</a:t>
-            </a:r>
-            <a:r>
-              <a:rPr lang="en-US" altLang="ja-JP" sz="2000" b="1" dirty="0" smtClean="0"/>
-              <a:t>~10</a:t>
-            </a:r>
-            <a:r>
-              <a:rPr lang="ja-JP" altLang="en-US" sz="2000" b="1" dirty="0" smtClean="0"/>
-              <a:t>月</a:t>
-            </a:r>
-            <a:r>
-              <a:rPr lang="en-US" altLang="ja-JP" sz="2000" b="1" dirty="0" smtClean="0"/>
-              <a:t>11</a:t>
-            </a:r>
-            <a:r>
-              <a:rPr lang="ja-JP" altLang="en-US" sz="2000" b="1" dirty="0" smtClean="0"/>
-              <a:t>日</a:t>
-            </a:r>
-            <a:endParaRPr lang="en-US" altLang="ja-JP" sz="2000" b="1" dirty="0" smtClean="0"/>
-          </a:p>
-          <a:p>
-            <a:r>
-              <a:rPr kumimoji="1" lang="ja-JP" altLang="en-US" sz="2000" b="1" dirty="0" smtClean="0"/>
-              <a:t>・システム構造図</a:t>
-            </a:r>
-            <a:r>
-              <a:rPr kumimoji="1" lang="en-US" altLang="ja-JP" sz="2000" b="1" dirty="0" smtClean="0"/>
-              <a:t>	</a:t>
-            </a:r>
-            <a:r>
-              <a:rPr kumimoji="1" lang="en-US" altLang="ja-JP" sz="2000" b="1" dirty="0" smtClean="0"/>
-              <a:t>10</a:t>
-            </a:r>
-            <a:r>
-              <a:rPr kumimoji="1" lang="ja-JP" altLang="en-US" sz="2000" b="1" dirty="0" smtClean="0"/>
-              <a:t>月</a:t>
-            </a:r>
-            <a:r>
-              <a:rPr lang="en-US" altLang="ja-JP" sz="2000" b="1" dirty="0"/>
-              <a:t>8</a:t>
-            </a:r>
-            <a:r>
-              <a:rPr lang="ja-JP" altLang="en-US" sz="2000" b="1" dirty="0" smtClean="0"/>
-              <a:t>日</a:t>
-            </a:r>
-            <a:r>
-              <a:rPr lang="en-US" altLang="ja-JP" sz="2000" b="1" dirty="0" smtClean="0"/>
-              <a:t>~10</a:t>
-            </a:r>
-            <a:r>
-              <a:rPr lang="ja-JP" altLang="en-US" sz="2000" b="1" dirty="0" smtClean="0"/>
-              <a:t>月</a:t>
-            </a:r>
-            <a:r>
-              <a:rPr lang="en-US" altLang="ja-JP" sz="2000" b="1" dirty="0" smtClean="0"/>
-              <a:t>11</a:t>
-            </a:r>
-            <a:r>
-              <a:rPr lang="ja-JP" altLang="en-US" sz="2000" b="1" dirty="0" smtClean="0"/>
-              <a:t>日</a:t>
-            </a:r>
-            <a:endParaRPr kumimoji="1" lang="en-US" altLang="ja-JP" sz="2000" b="1" dirty="0" smtClean="0"/>
-          </a:p>
-        </p:txBody>
-      </p:sp>
-      <p:sp>
-        <p:nvSpPr>
-          <p:cNvPr id="6" name="テキスト ボックス 5"/>
-          <p:cNvSpPr txBox="1"/>
-          <p:nvPr/>
-        </p:nvSpPr>
-        <p:spPr>
-          <a:xfrm>
-            <a:off x="1018903" y="3304845"/>
-            <a:ext cx="3570208" cy="461665"/>
-          </a:xfrm>
-          <a:prstGeom prst="rect">
-            <a:avLst/>
-          </a:prstGeom>
-          <a:noFill/>
-        </p:spPr>
-        <p:txBody>
-          <a:bodyPr wrap="none" rtlCol="0">
-            <a:spAutoFit/>
-          </a:bodyPr>
-          <a:lstStyle/>
-          <a:p>
-            <a:r>
-              <a:rPr kumimoji="1" lang="ja-JP" altLang="en-US" sz="2400" b="1" dirty="0" smtClean="0"/>
-              <a:t>・これから作成する資料</a:t>
-            </a:r>
-            <a:endParaRPr kumimoji="1" lang="ja-JP" altLang="en-US" sz="2400" b="1" dirty="0"/>
-          </a:p>
-        </p:txBody>
-      </p:sp>
-      <p:sp>
-        <p:nvSpPr>
-          <p:cNvPr id="7" name="テキスト ボックス 6"/>
-          <p:cNvSpPr txBox="1"/>
-          <p:nvPr/>
-        </p:nvSpPr>
-        <p:spPr>
-          <a:xfrm>
-            <a:off x="1750423" y="3805699"/>
-            <a:ext cx="5262979" cy="2031325"/>
-          </a:xfrm>
-          <a:prstGeom prst="rect">
-            <a:avLst/>
-          </a:prstGeom>
-          <a:noFill/>
-        </p:spPr>
-        <p:txBody>
-          <a:bodyPr wrap="none" rtlCol="0">
-            <a:spAutoFit/>
-          </a:bodyPr>
-          <a:lstStyle/>
-          <a:p>
-            <a:r>
-              <a:rPr kumimoji="1" lang="ja-JP" altLang="en-US" b="1" dirty="0" smtClean="0"/>
-              <a:t>・各種サブシステム仕様書</a:t>
-            </a:r>
-            <a:r>
-              <a:rPr kumimoji="1" lang="en-US" altLang="ja-JP" b="1" dirty="0" smtClean="0"/>
-              <a:t>		</a:t>
-            </a:r>
-            <a:r>
-              <a:rPr kumimoji="1" lang="ja-JP" altLang="en-US" b="1" dirty="0" smtClean="0"/>
-              <a:t>月日</a:t>
-            </a:r>
-            <a:endParaRPr kumimoji="1" lang="en-US" altLang="ja-JP" b="1" dirty="0" smtClean="0"/>
-          </a:p>
-          <a:p>
-            <a:r>
-              <a:rPr lang="ja-JP" altLang="en-US" b="1" dirty="0" smtClean="0"/>
-              <a:t>・各種データベース仕様書</a:t>
-            </a:r>
-            <a:r>
-              <a:rPr lang="en-US" altLang="ja-JP" b="1" dirty="0" smtClean="0"/>
-              <a:t>		</a:t>
-            </a:r>
-            <a:r>
-              <a:rPr lang="ja-JP" altLang="en-US" b="1" dirty="0" smtClean="0"/>
-              <a:t>月日</a:t>
-            </a:r>
-            <a:endParaRPr lang="en-US" altLang="ja-JP" b="1" dirty="0" smtClean="0"/>
-          </a:p>
-          <a:p>
-            <a:r>
-              <a:rPr kumimoji="1" lang="ja-JP" altLang="en-US" b="1" dirty="0" smtClean="0"/>
-              <a:t>・各種画面仕様書</a:t>
-            </a:r>
-            <a:r>
-              <a:rPr kumimoji="1" lang="en-US" altLang="ja-JP" b="1" dirty="0" smtClean="0"/>
-              <a:t>			</a:t>
-            </a:r>
-            <a:r>
-              <a:rPr lang="ja-JP" altLang="en-US" b="1" dirty="0"/>
-              <a:t>月日</a:t>
-            </a:r>
-            <a:endParaRPr kumimoji="1" lang="en-US" altLang="ja-JP" b="1" dirty="0" smtClean="0"/>
-          </a:p>
-          <a:p>
-            <a:r>
-              <a:rPr lang="ja-JP" altLang="en-US" b="1" dirty="0" smtClean="0"/>
-              <a:t>・各種プログラム仕様書</a:t>
-            </a:r>
-            <a:r>
-              <a:rPr lang="en-US" altLang="ja-JP" b="1" dirty="0" smtClean="0"/>
-              <a:t>		</a:t>
-            </a:r>
-            <a:r>
-              <a:rPr lang="en-US" altLang="ja-JP" b="1" dirty="0" smtClean="0"/>
-              <a:t>	</a:t>
-            </a:r>
-            <a:r>
-              <a:rPr lang="ja-JP" altLang="en-US" b="1" dirty="0" smtClean="0"/>
-              <a:t>月日</a:t>
-            </a:r>
-            <a:endParaRPr lang="en-US" altLang="ja-JP" b="1" dirty="0" smtClean="0"/>
-          </a:p>
-          <a:p>
-            <a:r>
-              <a:rPr kumimoji="1" lang="ja-JP" altLang="en-US" b="1" dirty="0" smtClean="0"/>
-              <a:t>・各種モジュール仕様書</a:t>
-            </a:r>
-            <a:r>
-              <a:rPr kumimoji="1" lang="en-US" altLang="ja-JP" b="1" dirty="0" smtClean="0"/>
-              <a:t>		</a:t>
-            </a:r>
-            <a:r>
-              <a:rPr kumimoji="1" lang="en-US" altLang="ja-JP" b="1" dirty="0" smtClean="0"/>
-              <a:t>	</a:t>
-            </a:r>
-            <a:r>
-              <a:rPr lang="ja-JP" altLang="en-US" b="1" dirty="0" smtClean="0"/>
-              <a:t>月日</a:t>
-            </a:r>
-            <a:endParaRPr kumimoji="1" lang="en-US" altLang="ja-JP" b="1" dirty="0" smtClean="0"/>
-          </a:p>
-          <a:p>
-            <a:r>
-              <a:rPr lang="ja-JP" altLang="en-US" b="1" dirty="0" smtClean="0"/>
-              <a:t>・テスト仕様書・テスト実施結果書</a:t>
-            </a:r>
-            <a:r>
-              <a:rPr lang="en-US" altLang="ja-JP" b="1" dirty="0" smtClean="0"/>
-              <a:t>	</a:t>
-            </a:r>
-            <a:r>
-              <a:rPr lang="ja-JP" altLang="en-US" b="1" dirty="0"/>
-              <a:t>月日</a:t>
-            </a:r>
-            <a:endParaRPr lang="en-US" altLang="ja-JP" b="1" dirty="0" smtClean="0"/>
-          </a:p>
-          <a:p>
-            <a:r>
-              <a:rPr kumimoji="1" lang="ja-JP" altLang="en-US" b="1" dirty="0" smtClean="0"/>
-              <a:t>・ガントチャート</a:t>
-            </a:r>
-            <a:r>
-              <a:rPr kumimoji="1" lang="en-US" altLang="ja-JP" b="1" dirty="0" smtClean="0"/>
-              <a:t>			</a:t>
-            </a:r>
-            <a:r>
-              <a:rPr lang="ja-JP" altLang="en-US" b="1" dirty="0"/>
-              <a:t>月日</a:t>
-            </a:r>
-            <a:endParaRPr kumimoji="1" lang="ja-JP" altLang="en-US" b="1" dirty="0"/>
-          </a:p>
-        </p:txBody>
-      </p:sp>
-    </p:spTree>
-    <p:extLst>
-      <p:ext uri="{BB962C8B-B14F-4D97-AF65-F5344CB8AC3E}">
-        <p14:creationId xmlns:p14="http://schemas.microsoft.com/office/powerpoint/2010/main" val="106448076"/>
       </p:ext>
     </p:extLst>
   </p:cSld>
@@ -7964,7 +8618,7 @@
   <a:extraClrSchemeLst/>
   <a:extLst>
     <a:ext uri="{05A4C25C-085E-4340-85A3-A5531E510DB2}">
-      <thm15:themeFamily xmlns:thm15="http://schemas.microsoft.com/office/thememl/2012/main" name="Office Theme" id="{62F939B6-93AF-4DB8-9C6B-D6C7DFDC589F}" vid="{4A3C46E8-61CC-4603-A589-7422A47A8E4A}"/>
+      <thm15:themeFamily xmlns:thm15="http://schemas.microsoft.com/office/thememl/2012/main" xmlns="" name="Office Theme" id="{62F939B6-93AF-4DB8-9C6B-D6C7DFDC589F}" vid="{4A3C46E8-61CC-4603-A589-7422A47A8E4A}"/>
     </a:ext>
   </a:extLst>
 </a:theme>

--- a/企画発表プレゼンテーション.pptx
+++ b/企画発表プレゼンテーション.pptx
@@ -6,15 +6,15 @@
   </p:sldMasterIdLst>
   <p:sldIdLst>
     <p:sldId id="256" r:id="rId2"/>
-    <p:sldId id="263" r:id="rId3"/>
-    <p:sldId id="264" r:id="rId4"/>
-    <p:sldId id="265" r:id="rId5"/>
+    <p:sldId id="264" r:id="rId3"/>
+    <p:sldId id="265" r:id="rId4"/>
+    <p:sldId id="266" r:id="rId5"/>
     <p:sldId id="257" r:id="rId6"/>
-    <p:sldId id="262" r:id="rId7"/>
-    <p:sldId id="258" r:id="rId8"/>
-    <p:sldId id="259" r:id="rId9"/>
-    <p:sldId id="260" r:id="rId10"/>
-    <p:sldId id="261" r:id="rId11"/>
+    <p:sldId id="258" r:id="rId7"/>
+    <p:sldId id="259" r:id="rId8"/>
+    <p:sldId id="260" r:id="rId9"/>
+    <p:sldId id="261" r:id="rId10"/>
+    <p:sldId id="267" r:id="rId11"/>
   </p:sldIdLst>
   <p:sldSz cx="12192000" cy="6858000"/>
   <p:notesSz cx="6858000" cy="9144000"/>
@@ -115,7 +115,7 @@
   </p:defaultTextStyle>
   <p:extLst>
     <p:ext uri="{EFAFB233-063F-42B5-8137-9DF3F51BA10A}">
-      <p15:sldGuideLst xmlns:p15="http://schemas.microsoft.com/office/powerpoint/2012/main" xmlns="">
+      <p15:sldGuideLst xmlns="" xmlns:p15="http://schemas.microsoft.com/office/powerpoint/2012/main">
         <p15:guide id="1" orient="horz" pos="2160">
           <p15:clr>
             <a:srgbClr val="A4A3A4"/>
@@ -3591,8 +3591,23 @@
 </file>
 
 <file path=ppt/slides/slide10.xml><?xml version="1.0" encoding="utf-8"?>
-<p:sld xmlns:a="http://schemas.openxmlformats.org/drawingml/2006/main" xmlns:r="http://schemas.openxmlformats.org/officeDocument/2006/relationships" xmlns:p="http://schemas.openxmlformats.org/presentationml/2006/main">
+<p:sld xmlns:a="http://schemas.openxmlformats.org/drawingml/2006/main" xmlns:r="http://schemas.openxmlformats.org/officeDocument/2006/relationships" xmlns:p="http://schemas.openxmlformats.org/presentationml/2006/main" showMasterSp="0">
   <p:cSld>
+    <p:bg>
+      <p:bgPr>
+        <a:blipFill dpi="0" rotWithShape="1">
+          <a:blip r:embed="rId2">
+            <a:alphaModFix amt="0"/>
+            <a:lum/>
+          </a:blip>
+          <a:srcRect/>
+          <a:stretch>
+            <a:fillRect/>
+          </a:stretch>
+        </a:blipFill>
+        <a:effectLst/>
+      </p:bgPr>
+    </p:bg>
     <p:spTree>
       <p:nvGrpSpPr>
         <p:cNvPr id="1" name=""/>
@@ -3607,376 +3622,51 @@
           <a:chExt cx="0" cy="0"/>
         </a:xfrm>
       </p:grpSpPr>
-      <p:sp>
-        <p:nvSpPr>
-          <p:cNvPr id="2" name="タイトル 1"/>
-          <p:cNvSpPr>
-            <a:spLocks noGrp="1"/>
-          </p:cNvSpPr>
-          <p:nvPr>
-            <p:ph type="title"/>
-          </p:nvPr>
-        </p:nvSpPr>
-        <p:spPr>
+      <p:pic>
+        <p:nvPicPr>
+          <p:cNvPr id="1027" name="Picture 3" descr="C:\Users\yamanin-Note\Desktop\終.png"/>
+          <p:cNvPicPr>
+            <a:picLocks noChangeAspect="1" noChangeArrowheads="1"/>
+          </p:cNvPicPr>
+          <p:nvPr/>
+        </p:nvPicPr>
+        <p:blipFill>
+          <a:blip r:embed="rId3">
+            <a:extLst>
+              <a:ext uri="{28A0092B-C50C-407E-A947-70E740481C1C}">
+                <a14:useLocalDpi xmlns:a14="http://schemas.microsoft.com/office/drawing/2010/main" val="0"/>
+              </a:ext>
+            </a:extLst>
+          </a:blip>
+          <a:srcRect/>
+          <a:stretch>
+            <a:fillRect/>
+          </a:stretch>
+        </p:blipFill>
+        <p:spPr bwMode="auto">
           <a:xfrm>
-            <a:off x="549875" y="0"/>
-            <a:ext cx="10515600" cy="1325563"/>
-          </a:xfrm>
-        </p:spPr>
-        <p:txBody>
-          <a:bodyPr/>
-          <a:lstStyle/>
-          <a:p>
-            <a:r>
-              <a:rPr kumimoji="1" lang="ja-JP" altLang="en-US" b="1" dirty="0" smtClean="0">
-                <a:latin typeface="HGSｺﾞｼｯｸM" panose="020B0600000000000000" pitchFamily="50" charset="-128"/>
-                <a:ea typeface="HGSｺﾞｼｯｸM" panose="020B0600000000000000" pitchFamily="50" charset="-128"/>
-              </a:rPr>
-              <a:t>スケジュール</a:t>
-            </a:r>
-            <a:endParaRPr kumimoji="1" lang="ja-JP" altLang="en-US" b="1" dirty="0">
-              <a:latin typeface="HGSｺﾞｼｯｸM" panose="020B0600000000000000" pitchFamily="50" charset="-128"/>
-              <a:ea typeface="HGSｺﾞｼｯｸM" panose="020B0600000000000000" pitchFamily="50" charset="-128"/>
-            </a:endParaRPr>
-          </a:p>
-        </p:txBody>
-      </p:sp>
-      <p:sp>
-        <p:nvSpPr>
-          <p:cNvPr id="4" name="テキスト ボックス 3"/>
-          <p:cNvSpPr txBox="1"/>
-          <p:nvPr/>
-        </p:nvSpPr>
-        <p:spPr>
-          <a:xfrm>
-            <a:off x="1018903" y="1637156"/>
-            <a:ext cx="3877985" cy="461665"/>
+            <a:off x="4011702" y="1486851"/>
+            <a:ext cx="4410075" cy="4391025"/>
           </a:xfrm>
           <a:prstGeom prst="rect">
             <a:avLst/>
           </a:prstGeom>
           <a:noFill/>
-        </p:spPr>
-        <p:txBody>
-          <a:bodyPr wrap="none" rtlCol="0">
-            <a:spAutoFit/>
-          </a:bodyPr>
-          <a:lstStyle/>
-          <a:p>
-            <a:r>
-              <a:rPr kumimoji="1" lang="ja-JP" altLang="en-US" sz="2400" b="1" dirty="0" smtClean="0"/>
-              <a:t>・これまでに作成した資料</a:t>
-            </a:r>
-            <a:endParaRPr kumimoji="1" lang="ja-JP" altLang="en-US" sz="2400" b="1" dirty="0"/>
-          </a:p>
-        </p:txBody>
-      </p:sp>
-      <p:sp>
-        <p:nvSpPr>
-          <p:cNvPr id="5" name="テキスト ボックス 4"/>
-          <p:cNvSpPr txBox="1"/>
-          <p:nvPr/>
-        </p:nvSpPr>
-        <p:spPr>
-          <a:xfrm>
-            <a:off x="1750423" y="2120648"/>
-            <a:ext cx="5197257" cy="1015663"/>
-          </a:xfrm>
-          <a:prstGeom prst="rect">
-            <a:avLst/>
-          </a:prstGeom>
-          <a:noFill/>
-        </p:spPr>
-        <p:txBody>
-          <a:bodyPr wrap="none" rtlCol="0">
-            <a:spAutoFit/>
-          </a:bodyPr>
-          <a:lstStyle/>
-          <a:p>
-            <a:r>
-              <a:rPr kumimoji="1" lang="ja-JP" altLang="en-US" sz="2000" b="1" dirty="0" smtClean="0"/>
-              <a:t>・要求分析書</a:t>
-            </a:r>
-            <a:r>
-              <a:rPr lang="en-US" altLang="ja-JP" sz="2000" b="1" dirty="0"/>
-              <a:t>	</a:t>
-            </a:r>
-            <a:r>
-              <a:rPr lang="en-US" altLang="ja-JP" sz="2000" b="1" dirty="0" smtClean="0"/>
-              <a:t>	9</a:t>
-            </a:r>
-            <a:r>
-              <a:rPr lang="ja-JP" altLang="en-US" sz="2000" b="1" dirty="0" smtClean="0"/>
-              <a:t>月</a:t>
-            </a:r>
-            <a:r>
-              <a:rPr lang="en-US" altLang="ja-JP" sz="2000" b="1" dirty="0" smtClean="0"/>
-              <a:t>24</a:t>
-            </a:r>
-            <a:r>
-              <a:rPr lang="ja-JP" altLang="en-US" sz="2000" b="1" dirty="0" smtClean="0"/>
-              <a:t>日</a:t>
-            </a:r>
-            <a:r>
-              <a:rPr lang="en-US" altLang="ja-JP" sz="2000" b="1" dirty="0" smtClean="0"/>
-              <a:t>~10</a:t>
-            </a:r>
-            <a:r>
-              <a:rPr lang="ja-JP" altLang="en-US" sz="2000" b="1" dirty="0" smtClean="0"/>
-              <a:t>月</a:t>
-            </a:r>
-            <a:r>
-              <a:rPr lang="en-US" altLang="ja-JP" sz="2000" b="1" dirty="0" smtClean="0"/>
-              <a:t>11</a:t>
-            </a:r>
-            <a:r>
-              <a:rPr lang="ja-JP" altLang="en-US" sz="2000" b="1" dirty="0" smtClean="0"/>
-              <a:t>日</a:t>
-            </a:r>
-            <a:endParaRPr kumimoji="1" lang="en-US" altLang="ja-JP" sz="2000" b="1" dirty="0" smtClean="0"/>
-          </a:p>
-          <a:p>
-            <a:r>
-              <a:rPr lang="ja-JP" altLang="en-US" sz="2000" b="1" dirty="0" smtClean="0"/>
-              <a:t>・全体</a:t>
-            </a:r>
-            <a:r>
-              <a:rPr lang="en-US" altLang="ja-JP" sz="2000" b="1" dirty="0" smtClean="0"/>
-              <a:t>DFD		10</a:t>
-            </a:r>
-            <a:r>
-              <a:rPr lang="ja-JP" altLang="en-US" sz="2000" b="1" dirty="0" smtClean="0"/>
-              <a:t>月</a:t>
-            </a:r>
-            <a:r>
-              <a:rPr lang="en-US" altLang="ja-JP" sz="2000" b="1" dirty="0" smtClean="0"/>
-              <a:t>1</a:t>
-            </a:r>
-            <a:r>
-              <a:rPr lang="ja-JP" altLang="en-US" sz="2000" b="1" dirty="0" smtClean="0"/>
-              <a:t>日</a:t>
-            </a:r>
-            <a:r>
-              <a:rPr lang="en-US" altLang="ja-JP" sz="2000" b="1" dirty="0" smtClean="0"/>
-              <a:t>~10</a:t>
-            </a:r>
-            <a:r>
-              <a:rPr lang="ja-JP" altLang="en-US" sz="2000" b="1" dirty="0" smtClean="0"/>
-              <a:t>月</a:t>
-            </a:r>
-            <a:r>
-              <a:rPr lang="en-US" altLang="ja-JP" sz="2000" b="1" dirty="0" smtClean="0"/>
-              <a:t>11</a:t>
-            </a:r>
-            <a:r>
-              <a:rPr lang="ja-JP" altLang="en-US" sz="2000" b="1" dirty="0" smtClean="0"/>
-              <a:t>日</a:t>
-            </a:r>
-            <a:endParaRPr lang="en-US" altLang="ja-JP" sz="2000" b="1" dirty="0" smtClean="0"/>
-          </a:p>
-          <a:p>
-            <a:r>
-              <a:rPr kumimoji="1" lang="ja-JP" altLang="en-US" sz="2000" b="1" dirty="0" smtClean="0"/>
-              <a:t>・システム構造図</a:t>
-            </a:r>
-            <a:r>
-              <a:rPr kumimoji="1" lang="en-US" altLang="ja-JP" sz="2000" b="1" dirty="0" smtClean="0"/>
-              <a:t>	10</a:t>
-            </a:r>
-            <a:r>
-              <a:rPr kumimoji="1" lang="ja-JP" altLang="en-US" sz="2000" b="1" dirty="0" smtClean="0"/>
-              <a:t>月</a:t>
-            </a:r>
-            <a:r>
-              <a:rPr lang="en-US" altLang="ja-JP" sz="2000" b="1" dirty="0"/>
-              <a:t>8</a:t>
-            </a:r>
-            <a:r>
-              <a:rPr lang="ja-JP" altLang="en-US" sz="2000" b="1" dirty="0" smtClean="0"/>
-              <a:t>日</a:t>
-            </a:r>
-            <a:r>
-              <a:rPr lang="en-US" altLang="ja-JP" sz="2000" b="1" dirty="0" smtClean="0"/>
-              <a:t>~10</a:t>
-            </a:r>
-            <a:r>
-              <a:rPr lang="ja-JP" altLang="en-US" sz="2000" b="1" dirty="0" smtClean="0"/>
-              <a:t>月</a:t>
-            </a:r>
-            <a:r>
-              <a:rPr lang="en-US" altLang="ja-JP" sz="2000" b="1" dirty="0" smtClean="0"/>
-              <a:t>11</a:t>
-            </a:r>
-            <a:r>
-              <a:rPr lang="ja-JP" altLang="en-US" sz="2000" b="1" dirty="0" smtClean="0"/>
-              <a:t>日</a:t>
-            </a:r>
-            <a:endParaRPr kumimoji="1" lang="en-US" altLang="ja-JP" sz="2000" b="1" dirty="0" smtClean="0"/>
-          </a:p>
-        </p:txBody>
-      </p:sp>
-      <p:sp>
-        <p:nvSpPr>
-          <p:cNvPr id="6" name="テキスト ボックス 5"/>
-          <p:cNvSpPr txBox="1"/>
-          <p:nvPr/>
-        </p:nvSpPr>
-        <p:spPr>
-          <a:xfrm>
-            <a:off x="1018903" y="3304845"/>
-            <a:ext cx="3570208" cy="461665"/>
-          </a:xfrm>
-          <a:prstGeom prst="rect">
-            <a:avLst/>
-          </a:prstGeom>
-          <a:noFill/>
-        </p:spPr>
-        <p:txBody>
-          <a:bodyPr wrap="none" rtlCol="0">
-            <a:spAutoFit/>
-          </a:bodyPr>
-          <a:lstStyle/>
-          <a:p>
-            <a:r>
-              <a:rPr kumimoji="1" lang="ja-JP" altLang="en-US" sz="2400" b="1" dirty="0" smtClean="0"/>
-              <a:t>・これから作成する資料</a:t>
-            </a:r>
-            <a:endParaRPr kumimoji="1" lang="ja-JP" altLang="en-US" sz="2400" b="1" dirty="0"/>
-          </a:p>
-        </p:txBody>
-      </p:sp>
-      <p:sp>
-        <p:nvSpPr>
-          <p:cNvPr id="7" name="テキスト ボックス 6"/>
-          <p:cNvSpPr txBox="1"/>
-          <p:nvPr/>
-        </p:nvSpPr>
-        <p:spPr>
-          <a:xfrm>
-            <a:off x="1750423" y="3805699"/>
-            <a:ext cx="5262979" cy="2031325"/>
-          </a:xfrm>
-          <a:prstGeom prst="rect">
-            <a:avLst/>
-          </a:prstGeom>
-          <a:noFill/>
-        </p:spPr>
-        <p:txBody>
-          <a:bodyPr wrap="none" rtlCol="0">
-            <a:spAutoFit/>
-          </a:bodyPr>
-          <a:lstStyle/>
-          <a:p>
-            <a:r>
-              <a:rPr kumimoji="1" lang="ja-JP" altLang="en-US" b="1" dirty="0" smtClean="0"/>
-              <a:t>・各種サブシステム仕様書</a:t>
-            </a:r>
-            <a:r>
-              <a:rPr kumimoji="1" lang="en-US" altLang="ja-JP" b="1" dirty="0" smtClean="0"/>
-              <a:t>		</a:t>
-            </a:r>
-            <a:r>
-              <a:rPr kumimoji="1" lang="ja-JP" altLang="en-US" b="1" dirty="0" smtClean="0"/>
-              <a:t>月日</a:t>
-            </a:r>
-            <a:endParaRPr kumimoji="1" lang="en-US" altLang="ja-JP" b="1" dirty="0" smtClean="0"/>
-          </a:p>
-          <a:p>
-            <a:r>
-              <a:rPr lang="ja-JP" altLang="en-US" b="1" dirty="0" smtClean="0"/>
-              <a:t>・各種データベース仕様書</a:t>
-            </a:r>
-            <a:r>
-              <a:rPr lang="en-US" altLang="ja-JP" b="1" dirty="0" smtClean="0"/>
-              <a:t>		</a:t>
-            </a:r>
-            <a:r>
-              <a:rPr lang="ja-JP" altLang="en-US" b="1" dirty="0" smtClean="0"/>
-              <a:t>月日</a:t>
-            </a:r>
-            <a:endParaRPr lang="en-US" altLang="ja-JP" b="1" dirty="0" smtClean="0"/>
-          </a:p>
-          <a:p>
-            <a:r>
-              <a:rPr kumimoji="1" lang="ja-JP" altLang="en-US" b="1" dirty="0" smtClean="0"/>
-              <a:t>・各種画面仕様書</a:t>
-            </a:r>
-            <a:r>
-              <a:rPr kumimoji="1" lang="en-US" altLang="ja-JP" b="1" dirty="0" smtClean="0"/>
-              <a:t>			</a:t>
-            </a:r>
-            <a:r>
-              <a:rPr lang="ja-JP" altLang="en-US" b="1" dirty="0"/>
-              <a:t>月日</a:t>
-            </a:r>
-            <a:endParaRPr kumimoji="1" lang="en-US" altLang="ja-JP" b="1" dirty="0" smtClean="0"/>
-          </a:p>
-          <a:p>
-            <a:r>
-              <a:rPr lang="ja-JP" altLang="en-US" b="1" dirty="0" smtClean="0"/>
-              <a:t>・各種プログラム仕様書</a:t>
-            </a:r>
-            <a:r>
-              <a:rPr lang="en-US" altLang="ja-JP" b="1" dirty="0" smtClean="0"/>
-              <a:t>			</a:t>
-            </a:r>
-            <a:r>
-              <a:rPr lang="ja-JP" altLang="en-US" b="1" dirty="0" smtClean="0"/>
-              <a:t>月日</a:t>
-            </a:r>
-            <a:endParaRPr lang="en-US" altLang="ja-JP" b="1" dirty="0" smtClean="0"/>
-          </a:p>
-          <a:p>
-            <a:r>
-              <a:rPr kumimoji="1" lang="ja-JP" altLang="en-US" b="1" dirty="0" smtClean="0"/>
-              <a:t>・各種モジュール仕様書</a:t>
-            </a:r>
-            <a:r>
-              <a:rPr kumimoji="1" lang="en-US" altLang="ja-JP" b="1" dirty="0" smtClean="0"/>
-              <a:t>			</a:t>
-            </a:r>
-            <a:r>
-              <a:rPr lang="ja-JP" altLang="en-US" b="1" dirty="0" smtClean="0"/>
-              <a:t>月日</a:t>
-            </a:r>
-            <a:endParaRPr kumimoji="1" lang="en-US" altLang="ja-JP" b="1" dirty="0" smtClean="0"/>
-          </a:p>
-          <a:p>
-            <a:r>
-              <a:rPr lang="ja-JP" altLang="en-US" b="1" dirty="0" smtClean="0"/>
-              <a:t>・テスト仕様書・テスト実施結果書</a:t>
-            </a:r>
-            <a:r>
-              <a:rPr lang="en-US" altLang="ja-JP" b="1" dirty="0" smtClean="0"/>
-              <a:t>	</a:t>
-            </a:r>
-            <a:r>
-              <a:rPr lang="ja-JP" altLang="en-US" b="1" dirty="0"/>
-              <a:t>月日</a:t>
-            </a:r>
-            <a:endParaRPr lang="en-US" altLang="ja-JP" b="1" dirty="0" smtClean="0"/>
-          </a:p>
-          <a:p>
-            <a:r>
-              <a:rPr kumimoji="1" lang="ja-JP" altLang="en-US" b="1" dirty="0" smtClean="0"/>
-              <a:t>・ガントチャート</a:t>
-            </a:r>
-            <a:r>
-              <a:rPr kumimoji="1" lang="en-US" altLang="ja-JP" b="1" dirty="0" smtClean="0"/>
-              <a:t>			</a:t>
-            </a:r>
-            <a:r>
-              <a:rPr lang="ja-JP" altLang="en-US" b="1" dirty="0"/>
-              <a:t>月日</a:t>
-            </a:r>
-            <a:endParaRPr kumimoji="1" lang="ja-JP" altLang="en-US" b="1" dirty="0"/>
-          </a:p>
-        </p:txBody>
-      </p:sp>
+          <a:extLst>
+            <a:ext uri="{909E8E84-426E-40DD-AFC4-6F175D3DCCD1}">
+              <a14:hiddenFill xmlns:a14="http://schemas.microsoft.com/office/drawing/2010/main">
+                <a:solidFill>
+                  <a:srgbClr val="FFFFFF"/>
+                </a:solidFill>
+              </a14:hiddenFill>
+            </a:ext>
+          </a:extLst>
+        </p:spPr>
+      </p:pic>
     </p:spTree>
     <p:extLst>
       <p:ext uri="{BB962C8B-B14F-4D97-AF65-F5344CB8AC3E}">
-        <p14:creationId xmlns:p14="http://schemas.microsoft.com/office/powerpoint/2010/main" val="106448076"/>
+        <p14:creationId xmlns:p14="http://schemas.microsoft.com/office/powerpoint/2010/main" val="3755014784"/>
       </p:ext>
     </p:extLst>
   </p:cSld>
@@ -3986,7 +3676,86 @@
   <p:timing>
     <p:tnLst>
       <p:par>
-        <p:cTn id="1" dur="indefinite" restart="never" nodeType="tmRoot"/>
+        <p:cTn id="1" dur="indefinite" restart="never" nodeType="tmRoot">
+          <p:childTnLst>
+            <p:seq concurrent="1" nextAc="seek">
+              <p:cTn id="2" dur="indefinite" nodeType="mainSeq">
+                <p:childTnLst>
+                  <p:par>
+                    <p:cTn id="3" fill="hold">
+                      <p:stCondLst>
+                        <p:cond delay="indefinite"/>
+                        <p:cond evt="onBegin" delay="0">
+                          <p:tn val="2"/>
+                        </p:cond>
+                      </p:stCondLst>
+                      <p:childTnLst>
+                        <p:par>
+                          <p:cTn id="4" fill="hold">
+                            <p:stCondLst>
+                              <p:cond delay="0"/>
+                            </p:stCondLst>
+                            <p:childTnLst>
+                              <p:par>
+                                <p:cTn id="5" presetID="10" presetClass="entr" presetSubtype="0" fill="hold" nodeType="withEffect">
+                                  <p:stCondLst>
+                                    <p:cond delay="0"/>
+                                  </p:stCondLst>
+                                  <p:childTnLst>
+                                    <p:set>
+                                      <p:cBhvr>
+                                        <p:cTn id="6" dur="1" fill="hold">
+                                          <p:stCondLst>
+                                            <p:cond delay="0"/>
+                                          </p:stCondLst>
+                                        </p:cTn>
+                                        <p:tgtEl>
+                                          <p:spTgt spid="1027"/>
+                                        </p:tgtEl>
+                                        <p:attrNameLst>
+                                          <p:attrName>style.visibility</p:attrName>
+                                        </p:attrNameLst>
+                                      </p:cBhvr>
+                                      <p:to>
+                                        <p:strVal val="visible"/>
+                                      </p:to>
+                                    </p:set>
+                                    <p:animEffect transition="in" filter="fade">
+                                      <p:cBhvr>
+                                        <p:cTn id="7" dur="2000"/>
+                                        <p:tgtEl>
+                                          <p:spTgt spid="1027"/>
+                                        </p:tgtEl>
+                                      </p:cBhvr>
+                                    </p:animEffect>
+                                  </p:childTnLst>
+                                </p:cTn>
+                              </p:par>
+                            </p:childTnLst>
+                          </p:cTn>
+                        </p:par>
+                      </p:childTnLst>
+                    </p:cTn>
+                  </p:par>
+                </p:childTnLst>
+              </p:cTn>
+              <p:prevCondLst>
+                <p:cond evt="onPrev" delay="0">
+                  <p:tgtEl>
+                    <p:sldTgt/>
+                  </p:tgtEl>
+                </p:cond>
+              </p:prevCondLst>
+              <p:nextCondLst>
+                <p:cond evt="onNext" delay="0">
+                  <p:tgtEl>
+                    <p:sldTgt/>
+                  </p:tgtEl>
+                </p:cond>
+              </p:nextCondLst>
+            </p:seq>
+          </p:childTnLst>
+        </p:cTn>
       </p:par>
     </p:tnLst>
   </p:timing>
@@ -4022,8 +3791,8 @@
         </p:nvSpPr>
         <p:spPr>
           <a:xfrm>
-            <a:off x="4083908" y="0"/>
-            <a:ext cx="4458730" cy="650789"/>
+            <a:off x="3961304" y="0"/>
+            <a:ext cx="3769211" cy="650789"/>
           </a:xfrm>
         </p:spPr>
         <p:txBody>
@@ -4048,7 +3817,7 @@
       </p:sp>
       <p:pic>
         <p:nvPicPr>
-          <p:cNvPr id="1026" name="Picture 2" descr="C:\Users\yamanin3\Desktop\images\agura_kutsurogu2_man.png"/>
+          <p:cNvPr id="1028" name="Picture 4" descr="C:\Users\yamanin3\Desktop\images\building_company_eigyousyo.png"/>
           <p:cNvPicPr>
             <a:picLocks noChangeAspect="1" noChangeArrowheads="1"/>
           </p:cNvPicPr>
@@ -4069,8 +3838,8 @@
         </p:blipFill>
         <p:spPr bwMode="auto">
           <a:xfrm>
-            <a:off x="389258" y="394025"/>
-            <a:ext cx="1071476" cy="1071476"/>
+            <a:off x="5165999" y="782338"/>
+            <a:ext cx="1346192" cy="1346192"/>
           </a:xfrm>
           <a:prstGeom prst="rect">
             <a:avLst/>
@@ -4087,271 +3856,26 @@
           </a:extLst>
         </p:spPr>
       </p:pic>
-      <p:pic>
-        <p:nvPicPr>
-          <p:cNvPr id="1028" name="Picture 4" descr="C:\Users\yamanin3\Desktop\images\building_company_eigyousyo.png"/>
-          <p:cNvPicPr>
-            <a:picLocks noChangeAspect="1" noChangeArrowheads="1"/>
-          </p:cNvPicPr>
-          <p:nvPr/>
-        </p:nvPicPr>
-        <p:blipFill>
-          <a:blip r:embed="rId3">
-            <a:extLst>
-              <a:ext uri="{28A0092B-C50C-407E-A947-70E740481C1C}">
-                <a14:useLocalDpi xmlns:a14="http://schemas.microsoft.com/office/drawing/2010/main" val="0"/>
-              </a:ext>
-            </a:extLst>
-          </a:blip>
-          <a:srcRect/>
-          <a:stretch>
-            <a:fillRect/>
-          </a:stretch>
-        </p:blipFill>
-        <p:spPr bwMode="auto">
-          <a:xfrm>
-            <a:off x="148967" y="5197583"/>
-            <a:ext cx="1549700" cy="1549700"/>
-          </a:xfrm>
-          <a:prstGeom prst="rect">
-            <a:avLst/>
-          </a:prstGeom>
-          <a:noFill/>
-          <a:extLst>
-            <a:ext uri="{909E8E84-426E-40DD-AFC4-6F175D3DCCD1}">
-              <a14:hiddenFill xmlns:a14="http://schemas.microsoft.com/office/drawing/2010/main">
-                <a:solidFill>
-                  <a:srgbClr val="FFFFFF"/>
-                </a:solidFill>
-              </a14:hiddenFill>
-            </a:ext>
-          </a:extLst>
-        </p:spPr>
-      </p:pic>
-      <p:pic>
-        <p:nvPicPr>
-          <p:cNvPr id="1027" name="Picture 3" descr="C:\Users\yamanin3\Desktop\images\sales_eigyou_man.png"/>
-          <p:cNvPicPr>
-            <a:picLocks noChangeAspect="1" noChangeArrowheads="1"/>
-          </p:cNvPicPr>
-          <p:nvPr/>
-        </p:nvPicPr>
-        <p:blipFill>
-          <a:blip r:embed="rId4" cstate="print">
-            <a:extLst>
-              <a:ext uri="{28A0092B-C50C-407E-A947-70E740481C1C}">
-                <a14:useLocalDpi xmlns:a14="http://schemas.microsoft.com/office/drawing/2010/main" val="0"/>
-              </a:ext>
-            </a:extLst>
-          </a:blip>
-          <a:srcRect/>
-          <a:stretch>
-            <a:fillRect/>
-          </a:stretch>
-        </p:blipFill>
-        <p:spPr bwMode="auto">
-          <a:xfrm>
-            <a:off x="563164" y="5972433"/>
-            <a:ext cx="723664" cy="723664"/>
-          </a:xfrm>
-          <a:prstGeom prst="rect">
-            <a:avLst/>
-          </a:prstGeom>
-          <a:noFill/>
-          <a:extLst>
-            <a:ext uri="{909E8E84-426E-40DD-AFC4-6F175D3DCCD1}">
-              <a14:hiddenFill xmlns:a14="http://schemas.microsoft.com/office/drawing/2010/main">
-                <a:solidFill>
-                  <a:srgbClr val="FFFFFF"/>
-                </a:solidFill>
-              </a14:hiddenFill>
-            </a:ext>
-          </a:extLst>
-        </p:spPr>
-      </p:pic>
-      <p:pic>
-        <p:nvPicPr>
-          <p:cNvPr id="1029" name="Picture 5" descr="C:\Users\yamanin3\Desktop\images\souko_building.png"/>
-          <p:cNvPicPr>
-            <a:picLocks noChangeAspect="1" noChangeArrowheads="1"/>
-          </p:cNvPicPr>
-          <p:nvPr/>
-        </p:nvPicPr>
-        <p:blipFill>
-          <a:blip r:embed="rId5">
-            <a:extLst>
-              <a:ext uri="{28A0092B-C50C-407E-A947-70E740481C1C}">
-                <a14:useLocalDpi xmlns:a14="http://schemas.microsoft.com/office/drawing/2010/main" val="0"/>
-              </a:ext>
-            </a:extLst>
-          </a:blip>
-          <a:srcRect/>
-          <a:stretch>
-            <a:fillRect/>
-          </a:stretch>
-        </p:blipFill>
-        <p:spPr bwMode="auto">
-          <a:xfrm>
-            <a:off x="9982769" y="191803"/>
-            <a:ext cx="1475921" cy="1475921"/>
-          </a:xfrm>
-          <a:prstGeom prst="rect">
-            <a:avLst/>
-          </a:prstGeom>
-          <a:noFill/>
-          <a:extLst>
-            <a:ext uri="{909E8E84-426E-40DD-AFC4-6F175D3DCCD1}">
-              <a14:hiddenFill xmlns:a14="http://schemas.microsoft.com/office/drawing/2010/main">
-                <a:solidFill>
-                  <a:srgbClr val="FFFFFF"/>
-                </a:solidFill>
-              </a14:hiddenFill>
-            </a:ext>
-          </a:extLst>
-        </p:spPr>
-      </p:pic>
-      <p:sp>
-        <p:nvSpPr>
-          <p:cNvPr id="4" name="テキスト ボックス 3"/>
-          <p:cNvSpPr txBox="1"/>
+      <p:sp>
+        <p:nvSpPr>
+          <p:cNvPr id="5" name="円形吹き出し 4"/>
+          <p:cNvSpPr/>
           <p:nvPr/>
         </p:nvSpPr>
         <p:spPr>
           <a:xfrm>
-            <a:off x="10208045" y="24693"/>
-            <a:ext cx="1107996" cy="369332"/>
-          </a:xfrm>
-          <a:prstGeom prst="rect">
-            <a:avLst/>
-          </a:prstGeom>
-          <a:noFill/>
-        </p:spPr>
-        <p:txBody>
-          <a:bodyPr wrap="none" rtlCol="0">
-            <a:spAutoFit/>
-          </a:bodyPr>
-          <a:lstStyle/>
-          <a:p>
-            <a:r>
-              <a:rPr kumimoji="1" lang="ja-JP" altLang="en-US" dirty="0" smtClean="0"/>
-              <a:t>物流倉庫</a:t>
-            </a:r>
-            <a:endParaRPr kumimoji="1" lang="ja-JP" altLang="en-US" dirty="0"/>
-          </a:p>
-        </p:txBody>
-      </p:sp>
-      <p:sp>
-        <p:nvSpPr>
-          <p:cNvPr id="11" name="テキスト ボックス 10"/>
-          <p:cNvSpPr txBox="1"/>
-          <p:nvPr/>
-        </p:nvSpPr>
-        <p:spPr>
-          <a:xfrm>
-            <a:off x="600651" y="-5905"/>
-            <a:ext cx="646331" cy="369332"/>
-          </a:xfrm>
-          <a:prstGeom prst="rect">
-            <a:avLst/>
-          </a:prstGeom>
-          <a:noFill/>
-        </p:spPr>
-        <p:txBody>
-          <a:bodyPr wrap="none" rtlCol="0">
-            <a:spAutoFit/>
-          </a:bodyPr>
-          <a:lstStyle/>
-          <a:p>
-            <a:r>
-              <a:rPr kumimoji="1" lang="ja-JP" altLang="en-US" dirty="0" smtClean="0"/>
-              <a:t>顧客</a:t>
-            </a:r>
-            <a:endParaRPr kumimoji="1" lang="ja-JP" altLang="en-US" dirty="0"/>
-          </a:p>
-        </p:txBody>
-      </p:sp>
-      <p:sp>
-        <p:nvSpPr>
-          <p:cNvPr id="12" name="テキスト ボックス 11"/>
-          <p:cNvSpPr txBox="1"/>
-          <p:nvPr/>
-        </p:nvSpPr>
-        <p:spPr>
-          <a:xfrm>
-            <a:off x="10208045" y="6511431"/>
-            <a:ext cx="984565" cy="369332"/>
-          </a:xfrm>
-          <a:prstGeom prst="rect">
-            <a:avLst/>
-          </a:prstGeom>
-          <a:noFill/>
-        </p:spPr>
-        <p:txBody>
-          <a:bodyPr wrap="none" rtlCol="0">
-            <a:spAutoFit/>
-          </a:bodyPr>
-          <a:lstStyle/>
-          <a:p>
-            <a:r>
-              <a:rPr kumimoji="1" lang="ja-JP" altLang="en-US" dirty="0" smtClean="0"/>
-              <a:t>メーカー</a:t>
-            </a:r>
-            <a:endParaRPr kumimoji="1" lang="ja-JP" altLang="en-US" dirty="0"/>
-          </a:p>
-        </p:txBody>
-      </p:sp>
-      <p:sp>
-        <p:nvSpPr>
-          <p:cNvPr id="13" name="テキスト ボックス 12"/>
-          <p:cNvSpPr txBox="1"/>
-          <p:nvPr/>
-        </p:nvSpPr>
-        <p:spPr>
-          <a:xfrm>
-            <a:off x="1570672" y="6488668"/>
-            <a:ext cx="877163" cy="369332"/>
-          </a:xfrm>
-          <a:prstGeom prst="rect">
-            <a:avLst/>
-          </a:prstGeom>
-          <a:noFill/>
-        </p:spPr>
-        <p:txBody>
-          <a:bodyPr wrap="none" rtlCol="0">
-            <a:spAutoFit/>
-          </a:bodyPr>
-          <a:lstStyle/>
-          <a:p>
-            <a:r>
-              <a:rPr kumimoji="1" lang="ja-JP" altLang="en-US" dirty="0" smtClean="0"/>
-              <a:t>営業所</a:t>
-            </a:r>
-            <a:endParaRPr kumimoji="1" lang="ja-JP" altLang="en-US" dirty="0"/>
-          </a:p>
-        </p:txBody>
-      </p:sp>
-      <p:sp>
-        <p:nvSpPr>
-          <p:cNvPr id="27" name="右矢印 26"/>
-          <p:cNvSpPr/>
-          <p:nvPr/>
-        </p:nvSpPr>
-        <p:spPr>
-          <a:xfrm rot="5400000">
-            <a:off x="-1005832" y="3246526"/>
-            <a:ext cx="3558744" cy="196073"/>
-          </a:xfrm>
-          <a:prstGeom prst="rightArrow">
-            <a:avLst/>
+            <a:off x="104503" y="2939142"/>
+            <a:ext cx="11952514" cy="3827417"/>
+          </a:xfrm>
+          <a:prstGeom prst="wedgeEllipseCallout">
+            <a:avLst>
+              <a:gd name="adj1" fmla="val -1958"/>
+              <a:gd name="adj2" fmla="val -70341"/>
+            </a:avLst>
           </a:prstGeom>
           <a:solidFill>
-            <a:schemeClr val="tx1"/>
+            <a:schemeClr val="bg1"/>
           </a:solidFill>
-          <a:ln>
-            <a:solidFill>
-              <a:srgbClr val="FFFF00"/>
-            </a:solidFill>
-          </a:ln>
         </p:spPr>
         <p:style>
           <a:lnRef idx="2">
@@ -4378,28 +3902,108 @@
           </a:p>
         </p:txBody>
       </p:sp>
-      <p:sp>
-        <p:nvSpPr>
-          <p:cNvPr id="36" name="右矢印 35"/>
+      <p:pic>
+        <p:nvPicPr>
+          <p:cNvPr id="24" name="Picture 3" descr="C:\Users\yamanin3\Desktop\images\sales_eigyou_man.png"/>
+          <p:cNvPicPr>
+            <a:picLocks noChangeAspect="1" noChangeArrowheads="1"/>
+          </p:cNvPicPr>
+          <p:nvPr/>
+        </p:nvPicPr>
+        <p:blipFill>
+          <a:blip r:embed="rId3" cstate="print">
+            <a:extLst>
+              <a:ext uri="{28A0092B-C50C-407E-A947-70E740481C1C}">
+                <a14:useLocalDpi xmlns:a14="http://schemas.microsoft.com/office/drawing/2010/main" val="0"/>
+              </a:ext>
+            </a:extLst>
+          </a:blip>
+          <a:srcRect/>
+          <a:stretch>
+            <a:fillRect/>
+          </a:stretch>
+        </p:blipFill>
+        <p:spPr bwMode="auto">
+          <a:xfrm>
+            <a:off x="1865521" y="3870701"/>
+            <a:ext cx="1934538" cy="1934538"/>
+          </a:xfrm>
+          <a:prstGeom prst="rect">
+            <a:avLst/>
+          </a:prstGeom>
+          <a:noFill/>
+          <a:extLst>
+            <a:ext uri="{909E8E84-426E-40DD-AFC4-6F175D3DCCD1}">
+              <a14:hiddenFill xmlns:a14="http://schemas.microsoft.com/office/drawing/2010/main">
+                <a:solidFill>
+                  <a:srgbClr val="FFFFFF"/>
+                </a:solidFill>
+              </a14:hiddenFill>
+            </a:ext>
+          </a:extLst>
+        </p:spPr>
+      </p:pic>
+      <p:pic>
+        <p:nvPicPr>
+          <p:cNvPr id="25" name="Picture 2" descr="C:\Users\yamanin-Note\Desktop\yamanin3\job_jimu_woman.png"/>
+          <p:cNvPicPr>
+            <a:picLocks noChangeAspect="1" noChangeArrowheads="1"/>
+          </p:cNvPicPr>
+          <p:nvPr/>
+        </p:nvPicPr>
+        <p:blipFill>
+          <a:blip r:embed="rId4">
+            <a:extLst>
+              <a:ext uri="{28A0092B-C50C-407E-A947-70E740481C1C}">
+                <a14:useLocalDpi xmlns:a14="http://schemas.microsoft.com/office/drawing/2010/main" val="0"/>
+              </a:ext>
+            </a:extLst>
+          </a:blip>
+          <a:srcRect/>
+          <a:stretch>
+            <a:fillRect/>
+          </a:stretch>
+        </p:blipFill>
+        <p:spPr bwMode="auto">
+          <a:xfrm>
+            <a:off x="8345277" y="3732402"/>
+            <a:ext cx="1444608" cy="2211136"/>
+          </a:xfrm>
+          <a:prstGeom prst="rect">
+            <a:avLst/>
+          </a:prstGeom>
+          <a:noFill/>
+          <a:extLst>
+            <a:ext uri="{909E8E84-426E-40DD-AFC4-6F175D3DCCD1}">
+              <a14:hiddenFill xmlns:a14="http://schemas.microsoft.com/office/drawing/2010/main">
+                <a:solidFill>
+                  <a:srgbClr val="FFFFFF"/>
+                </a:solidFill>
+              </a14:hiddenFill>
+            </a:ext>
+          </a:extLst>
+        </p:spPr>
+      </p:pic>
+      <p:sp>
+        <p:nvSpPr>
+          <p:cNvPr id="6" name="円形吹き出し 5"/>
           <p:cNvSpPr/>
           <p:nvPr/>
         </p:nvSpPr>
         <p:spPr>
-          <a:xfrm rot="16200000">
-            <a:off x="-703538" y="3250623"/>
-            <a:ext cx="3558744" cy="187877"/>
-          </a:xfrm>
-          <a:prstGeom prst="rightArrow">
-            <a:avLst/>
+          <a:xfrm>
+            <a:off x="3540032" y="3208782"/>
+            <a:ext cx="2299063" cy="1353597"/>
+          </a:xfrm>
+          <a:prstGeom prst="wedgeEllipseCallout">
+            <a:avLst>
+              <a:gd name="adj1" fmla="val -58178"/>
+              <a:gd name="adj2" fmla="val 41269"/>
+            </a:avLst>
           </a:prstGeom>
           <a:solidFill>
-            <a:schemeClr val="tx1"/>
+            <a:schemeClr val="bg2"/>
           </a:solidFill>
-          <a:ln>
-            <a:solidFill>
-              <a:srgbClr val="FFFF00"/>
-            </a:solidFill>
-          </a:ln>
         </p:spPr>
         <p:style>
           <a:lnRef idx="2">
@@ -4422,32 +4026,58 @@
           <a:lstStyle/>
           <a:p>
             <a:pPr algn="ctr"/>
-            <a:endParaRPr kumimoji="1" lang="ja-JP" altLang="en-US"/>
-          </a:p>
-        </p:txBody>
-      </p:sp>
-      <p:sp>
-        <p:nvSpPr>
-          <p:cNvPr id="39" name="右矢印 38"/>
+            <a:r>
+              <a:rPr kumimoji="1" lang="ja-JP" altLang="en-US" sz="2000" dirty="0" smtClean="0">
+                <a:solidFill>
+                  <a:schemeClr val="tx1"/>
+                </a:solidFill>
+              </a:rPr>
+              <a:t>「ペン</a:t>
+            </a:r>
+            <a:r>
+              <a:rPr kumimoji="1" lang="en-US" altLang="ja-JP" sz="2000" dirty="0" smtClean="0">
+                <a:solidFill>
+                  <a:schemeClr val="tx1"/>
+                </a:solidFill>
+              </a:rPr>
+              <a:t>10</a:t>
+            </a:r>
+            <a:r>
+              <a:rPr kumimoji="1" lang="ja-JP" altLang="en-US" sz="2000" dirty="0" smtClean="0">
+                <a:solidFill>
+                  <a:schemeClr val="tx1"/>
+                </a:solidFill>
+              </a:rPr>
+              <a:t>本ね！」</a:t>
+            </a:r>
+            <a:endParaRPr kumimoji="1" lang="ja-JP" altLang="en-US" sz="2000" dirty="0">
+              <a:solidFill>
+                <a:schemeClr val="tx1"/>
+              </a:solidFill>
+            </a:endParaRPr>
+          </a:p>
+        </p:txBody>
+      </p:sp>
+      <p:sp>
+        <p:nvSpPr>
+          <p:cNvPr id="28" name="円形吹き出し 27"/>
           <p:cNvSpPr/>
           <p:nvPr/>
         </p:nvSpPr>
         <p:spPr>
-          <a:xfrm rot="16200000">
-            <a:off x="8636559" y="3320174"/>
-            <a:ext cx="3558744" cy="196073"/>
-          </a:xfrm>
-          <a:prstGeom prst="rightArrow">
-            <a:avLst/>
+          <a:xfrm>
+            <a:off x="5775354" y="4037979"/>
+            <a:ext cx="2569923" cy="1353597"/>
+          </a:xfrm>
+          <a:prstGeom prst="wedgeEllipseCallout">
+            <a:avLst>
+              <a:gd name="adj1" fmla="val 61708"/>
+              <a:gd name="adj2" fmla="val -25319"/>
+            </a:avLst>
           </a:prstGeom>
           <a:solidFill>
-            <a:schemeClr val="tx1"/>
+            <a:schemeClr val="bg2"/>
           </a:solidFill>
-          <a:ln>
-            <a:solidFill>
-              <a:srgbClr val="00B0F0"/>
-            </a:solidFill>
-          </a:ln>
         </p:spPr>
         <p:style>
           <a:lnRef idx="2">
@@ -4470,150 +4100,124 @@
           <a:lstStyle/>
           <a:p>
             <a:pPr algn="ctr"/>
-            <a:endParaRPr kumimoji="1" lang="ja-JP" altLang="en-US"/>
-          </a:p>
-        </p:txBody>
-      </p:sp>
-      <p:sp>
-        <p:nvSpPr>
-          <p:cNvPr id="40" name="右矢印 39"/>
-          <p:cNvSpPr/>
+            <a:r>
+              <a:rPr lang="ja-JP" altLang="en-US" sz="2000" dirty="0" smtClean="0">
+                <a:solidFill>
+                  <a:schemeClr val="tx1"/>
+                </a:solidFill>
+              </a:rPr>
+              <a:t>分かりました</a:t>
+            </a:r>
+            <a:endParaRPr lang="en-US" altLang="ja-JP" sz="2000" dirty="0" smtClean="0">
+              <a:solidFill>
+                <a:schemeClr val="tx1"/>
+              </a:solidFill>
+            </a:endParaRPr>
+          </a:p>
+          <a:p>
+            <a:pPr algn="ctr"/>
+            <a:r>
+              <a:rPr lang="ja-JP" altLang="en-US" sz="2000" dirty="0" smtClean="0">
+                <a:solidFill>
+                  <a:schemeClr val="tx1"/>
+                </a:solidFill>
+              </a:rPr>
+              <a:t>「ペン</a:t>
+            </a:r>
+            <a:r>
+              <a:rPr lang="en-US" altLang="ja-JP" sz="2000" dirty="0" smtClean="0">
+                <a:solidFill>
+                  <a:schemeClr val="tx1"/>
+                </a:solidFill>
+              </a:rPr>
+              <a:t>50</a:t>
+            </a:r>
+            <a:r>
+              <a:rPr lang="ja-JP" altLang="en-US" sz="2000" dirty="0" smtClean="0">
+                <a:solidFill>
+                  <a:schemeClr val="tx1"/>
+                </a:solidFill>
+              </a:rPr>
+              <a:t>本ですね！」</a:t>
+            </a:r>
+            <a:endParaRPr lang="en-US" altLang="ja-JP" sz="2000" dirty="0" smtClean="0">
+              <a:solidFill>
+                <a:schemeClr val="tx1"/>
+              </a:solidFill>
+            </a:endParaRPr>
+          </a:p>
+        </p:txBody>
+      </p:sp>
+      <p:sp>
+        <p:nvSpPr>
+          <p:cNvPr id="29" name="テキスト ボックス 28"/>
+          <p:cNvSpPr txBox="1"/>
           <p:nvPr/>
         </p:nvSpPr>
         <p:spPr>
-          <a:xfrm rot="5400000">
-            <a:off x="9080707" y="3349060"/>
-            <a:ext cx="3558744" cy="196073"/>
-          </a:xfrm>
-          <a:prstGeom prst="rightArrow">
-            <a:avLst/>
-          </a:prstGeom>
-          <a:solidFill>
-            <a:schemeClr val="tx1"/>
-          </a:solidFill>
-          <a:ln>
-            <a:solidFill>
-              <a:srgbClr val="00B0F0"/>
-            </a:solidFill>
-          </a:ln>
-        </p:spPr>
-        <p:style>
-          <a:lnRef idx="2">
-            <a:schemeClr val="accent1">
-              <a:shade val="50000"/>
-            </a:schemeClr>
-          </a:lnRef>
-          <a:fillRef idx="1">
-            <a:schemeClr val="accent1"/>
-          </a:fillRef>
-          <a:effectRef idx="0">
-            <a:schemeClr val="accent1"/>
-          </a:effectRef>
-          <a:fontRef idx="minor">
-            <a:schemeClr val="lt1"/>
-          </a:fontRef>
-        </p:style>
-        <p:txBody>
-          <a:bodyPr rtlCol="0" anchor="ctr"/>
-          <a:lstStyle/>
-          <a:p>
-            <a:pPr algn="ctr"/>
-            <a:endParaRPr kumimoji="1" lang="ja-JP" altLang="en-US"/>
-          </a:p>
-        </p:txBody>
-      </p:sp>
-      <p:pic>
-        <p:nvPicPr>
-          <p:cNvPr id="1033" name="Picture 9" descr="C:\Users\yamanin3\Desktop\images\computer_tablet_man.png"/>
-          <p:cNvPicPr>
-            <a:picLocks noChangeAspect="1" noChangeArrowheads="1"/>
-          </p:cNvPicPr>
-          <p:nvPr/>
-        </p:nvPicPr>
-        <p:blipFill>
-          <a:blip r:embed="rId6" cstate="print">
-            <a:extLst>
-              <a:ext uri="{28A0092B-C50C-407E-A947-70E740481C1C}">
-                <a14:useLocalDpi xmlns:a14="http://schemas.microsoft.com/office/drawing/2010/main" val="0"/>
-              </a:ext>
-            </a:extLst>
-          </a:blip>
-          <a:srcRect/>
-          <a:stretch>
-            <a:fillRect/>
-          </a:stretch>
-        </p:blipFill>
-        <p:spPr bwMode="auto">
           <a:xfrm>
-            <a:off x="9828687" y="644176"/>
-            <a:ext cx="593458" cy="788648"/>
+            <a:off x="2278792" y="5943538"/>
+            <a:ext cx="1107996" cy="369332"/>
           </a:xfrm>
           <a:prstGeom prst="rect">
             <a:avLst/>
           </a:prstGeom>
           <a:noFill/>
-          <a:extLst>
-            <a:ext uri="{909E8E84-426E-40DD-AFC4-6F175D3DCCD1}">
-              <a14:hiddenFill xmlns:a14="http://schemas.microsoft.com/office/drawing/2010/main">
-                <a:solidFill>
-                  <a:srgbClr val="FFFFFF"/>
-                </a:solidFill>
-              </a14:hiddenFill>
-            </a:ext>
-          </a:extLst>
-        </p:spPr>
-      </p:pic>
-      <p:pic>
-        <p:nvPicPr>
-          <p:cNvPr id="1034" name="Picture 10" descr="C:\Users\yamanin3\Desktop\images\building_koujou_entotsu.png"/>
-          <p:cNvPicPr>
-            <a:picLocks noChangeAspect="1" noChangeArrowheads="1"/>
-          </p:cNvPicPr>
+        </p:spPr>
+        <p:txBody>
+          <a:bodyPr wrap="none" rtlCol="0">
+            <a:spAutoFit/>
+          </a:bodyPr>
+          <a:lstStyle/>
+          <a:p>
+            <a:r>
+              <a:rPr kumimoji="1" lang="ja-JP" altLang="en-US" b="1" dirty="0" smtClean="0"/>
+              <a:t>営業担当</a:t>
+            </a:r>
+            <a:endParaRPr kumimoji="1" lang="ja-JP" altLang="en-US" b="1" dirty="0"/>
+          </a:p>
+        </p:txBody>
+      </p:sp>
+      <p:sp>
+        <p:nvSpPr>
+          <p:cNvPr id="30" name="テキスト ボックス 29"/>
+          <p:cNvSpPr txBox="1"/>
           <p:nvPr/>
-        </p:nvPicPr>
-        <p:blipFill>
-          <a:blip r:embed="rId7" cstate="print">
-            <a:extLst>
-              <a:ext uri="{28A0092B-C50C-407E-A947-70E740481C1C}">
-                <a14:useLocalDpi xmlns:a14="http://schemas.microsoft.com/office/drawing/2010/main" val="0"/>
-              </a:ext>
-            </a:extLst>
-          </a:blip>
-          <a:srcRect/>
-          <a:stretch>
-            <a:fillRect/>
-          </a:stretch>
-        </p:blipFill>
-        <p:spPr bwMode="auto">
+        </p:nvSpPr>
+        <p:spPr>
           <a:xfrm>
-            <a:off x="10031395" y="5316093"/>
-            <a:ext cx="1378668" cy="1312673"/>
+            <a:off x="8513583" y="5970637"/>
+            <a:ext cx="1107996" cy="369332"/>
           </a:xfrm>
           <a:prstGeom prst="rect">
             <a:avLst/>
           </a:prstGeom>
           <a:noFill/>
-          <a:extLst>
-            <a:ext uri="{909E8E84-426E-40DD-AFC4-6F175D3DCCD1}">
-              <a14:hiddenFill xmlns:a14="http://schemas.microsoft.com/office/drawing/2010/main">
-                <a:solidFill>
-                  <a:srgbClr val="FFFFFF"/>
-                </a:solidFill>
-              </a14:hiddenFill>
-            </a:ext>
-          </a:extLst>
-        </p:spPr>
-      </p:pic>
-      <p:sp>
-        <p:nvSpPr>
-          <p:cNvPr id="47" name="テキスト ボックス 46"/>
+        </p:spPr>
+        <p:txBody>
+          <a:bodyPr wrap="none" rtlCol="0">
+            <a:spAutoFit/>
+          </a:bodyPr>
+          <a:lstStyle/>
+          <a:p>
+            <a:r>
+              <a:rPr kumimoji="1" lang="ja-JP" altLang="en-US" b="1" dirty="0" smtClean="0"/>
+              <a:t>事務担当</a:t>
+            </a:r>
+            <a:endParaRPr kumimoji="1" lang="en-US" altLang="ja-JP" b="1" dirty="0" smtClean="0"/>
+          </a:p>
+        </p:txBody>
+      </p:sp>
+      <p:sp>
+        <p:nvSpPr>
+          <p:cNvPr id="7" name="テキスト ボックス 6"/>
           <p:cNvSpPr txBox="1"/>
           <p:nvPr/>
         </p:nvSpPr>
         <p:spPr>
           <a:xfrm>
-            <a:off x="9312491" y="3052174"/>
-            <a:ext cx="1005403" cy="584775"/>
+            <a:off x="391096" y="1359089"/>
+            <a:ext cx="3570208" cy="769441"/>
           </a:xfrm>
           <a:prstGeom prst="rect">
             <a:avLst/>
@@ -4627,178 +4231,21 @@
           <a:lstStyle/>
           <a:p>
             <a:r>
-              <a:rPr kumimoji="1" lang="ja-JP" altLang="en-US" sz="3200" dirty="0" smtClean="0"/>
-              <a:t>入庫</a:t>
-            </a:r>
-            <a:endParaRPr kumimoji="1" lang="ja-JP" altLang="en-US" sz="3200" dirty="0"/>
-          </a:p>
-        </p:txBody>
-      </p:sp>
-      <p:sp>
-        <p:nvSpPr>
-          <p:cNvPr id="48" name="テキスト ボックス 47"/>
-          <p:cNvSpPr txBox="1"/>
-          <p:nvPr/>
-        </p:nvSpPr>
-        <p:spPr>
-          <a:xfrm>
-            <a:off x="10955988" y="3052174"/>
-            <a:ext cx="1005403" cy="584775"/>
-          </a:xfrm>
-          <a:prstGeom prst="rect">
-            <a:avLst/>
-          </a:prstGeom>
-          <a:noFill/>
-        </p:spPr>
-        <p:txBody>
-          <a:bodyPr wrap="none" rtlCol="0">
-            <a:spAutoFit/>
-          </a:bodyPr>
-          <a:lstStyle/>
-          <a:p>
-            <a:r>
-              <a:rPr kumimoji="1" lang="ja-JP" altLang="en-US" sz="3200" dirty="0" smtClean="0"/>
-              <a:t>発注</a:t>
-            </a:r>
-            <a:endParaRPr kumimoji="1" lang="ja-JP" altLang="en-US" sz="3200" dirty="0"/>
-          </a:p>
-        </p:txBody>
-      </p:sp>
-      <p:sp>
-        <p:nvSpPr>
-          <p:cNvPr id="49" name="テキスト ボックス 48"/>
-          <p:cNvSpPr txBox="1"/>
-          <p:nvPr/>
-        </p:nvSpPr>
-        <p:spPr>
-          <a:xfrm>
-            <a:off x="1169773" y="2688505"/>
-            <a:ext cx="576910" cy="1077218"/>
-          </a:xfrm>
-          <a:prstGeom prst="rect">
-            <a:avLst/>
-          </a:prstGeom>
-          <a:noFill/>
-        </p:spPr>
-        <p:txBody>
-          <a:bodyPr wrap="square" rtlCol="0">
-            <a:spAutoFit/>
-          </a:bodyPr>
-          <a:lstStyle/>
-          <a:p>
-            <a:r>
-              <a:rPr lang="ja-JP" altLang="en-US" sz="3200" dirty="0"/>
-              <a:t>出荷</a:t>
-            </a:r>
-            <a:endParaRPr kumimoji="1" lang="ja-JP" altLang="en-US" sz="3200" dirty="0"/>
-          </a:p>
-        </p:txBody>
-      </p:sp>
-      <p:sp>
-        <p:nvSpPr>
-          <p:cNvPr id="50" name="テキスト ボックス 49"/>
-          <p:cNvSpPr txBox="1"/>
-          <p:nvPr/>
-        </p:nvSpPr>
-        <p:spPr>
-          <a:xfrm>
-            <a:off x="98593" y="2688505"/>
-            <a:ext cx="576910" cy="1077218"/>
-          </a:xfrm>
-          <a:prstGeom prst="rect">
-            <a:avLst/>
-          </a:prstGeom>
-          <a:noFill/>
-        </p:spPr>
-        <p:txBody>
-          <a:bodyPr wrap="square" rtlCol="0">
-            <a:spAutoFit/>
-          </a:bodyPr>
-          <a:lstStyle/>
-          <a:p>
-            <a:r>
-              <a:rPr lang="ja-JP" altLang="en-US" sz="3200" dirty="0"/>
-              <a:t>注文</a:t>
-            </a:r>
-            <a:endParaRPr kumimoji="1" lang="ja-JP" altLang="en-US" sz="3200" dirty="0"/>
-          </a:p>
-        </p:txBody>
-      </p:sp>
-      <p:pic>
-        <p:nvPicPr>
-          <p:cNvPr id="3" name="Picture 2" descr="C:\Users\yamanin-Note\Desktop\yamanin3\job_jimu_woman.png"/>
-          <p:cNvPicPr>
-            <a:picLocks noChangeAspect="1" noChangeArrowheads="1"/>
-          </p:cNvPicPr>
-          <p:nvPr/>
-        </p:nvPicPr>
-        <p:blipFill>
-          <a:blip r:embed="rId8" cstate="print">
-            <a:extLst>
-              <a:ext uri="{28A0092B-C50C-407E-A947-70E740481C1C}">
-                <a14:useLocalDpi xmlns:a14="http://schemas.microsoft.com/office/drawing/2010/main" val="0"/>
-              </a:ext>
-            </a:extLst>
-          </a:blip>
-          <a:srcRect/>
-          <a:stretch>
-            <a:fillRect/>
-          </a:stretch>
-        </p:blipFill>
-        <p:spPr bwMode="auto">
-          <a:xfrm>
-            <a:off x="3803055" y="4031904"/>
-            <a:ext cx="722860" cy="1106419"/>
-          </a:xfrm>
-          <a:prstGeom prst="rect">
-            <a:avLst/>
-          </a:prstGeom>
-          <a:noFill/>
-          <a:extLst>
-            <a:ext uri="{909E8E84-426E-40DD-AFC4-6F175D3DCCD1}">
-              <a14:hiddenFill xmlns:a14="http://schemas.microsoft.com/office/drawing/2010/main">
-                <a:solidFill>
-                  <a:srgbClr val="FFFFFF"/>
-                </a:solidFill>
-              </a14:hiddenFill>
-            </a:ext>
-          </a:extLst>
-        </p:spPr>
-      </p:pic>
-      <p:sp>
-        <p:nvSpPr>
-          <p:cNvPr id="26" name="テキスト ボックス 25"/>
-          <p:cNvSpPr txBox="1"/>
-          <p:nvPr/>
-        </p:nvSpPr>
-        <p:spPr>
-          <a:xfrm>
-            <a:off x="5532661" y="6119336"/>
-            <a:ext cx="1107996" cy="369332"/>
-          </a:xfrm>
-          <a:prstGeom prst="rect">
-            <a:avLst/>
-          </a:prstGeom>
-          <a:noFill/>
-        </p:spPr>
-        <p:txBody>
-          <a:bodyPr wrap="none" rtlCol="0">
-            <a:spAutoFit/>
-          </a:bodyPr>
-          <a:lstStyle/>
-          <a:p>
-            <a:r>
-              <a:rPr kumimoji="1" lang="ja-JP" altLang="en-US" dirty="0" smtClean="0"/>
-              <a:t>事務担当</a:t>
-            </a:r>
-            <a:endParaRPr kumimoji="1" lang="en-US" altLang="ja-JP" dirty="0" smtClean="0"/>
+              <a:rPr kumimoji="1" lang="ja-JP" altLang="en-US" sz="4400" b="1" dirty="0" smtClean="0"/>
+              <a:t>問題点その</a:t>
+            </a:r>
+            <a:r>
+              <a:rPr lang="ja-JP" altLang="en-US" sz="4400" b="1" dirty="0" smtClean="0"/>
+              <a:t>１</a:t>
+            </a:r>
+            <a:endParaRPr kumimoji="1" lang="ja-JP" altLang="en-US" sz="4400" b="1" dirty="0"/>
           </a:p>
         </p:txBody>
       </p:sp>
     </p:spTree>
     <p:extLst>
       <p:ext uri="{BB962C8B-B14F-4D97-AF65-F5344CB8AC3E}">
-        <p14:creationId xmlns:p14="http://schemas.microsoft.com/office/powerpoint/2010/main" val="2718410639"/>
+        <p14:creationId xmlns:p14="http://schemas.microsoft.com/office/powerpoint/2010/main" val="1681800677"/>
       </p:ext>
     </p:extLst>
   </p:cSld>
@@ -4826,7 +4273,7 @@
                             </p:stCondLst>
                             <p:childTnLst>
                               <p:par>
-                                <p:cTn id="5" presetID="22" presetClass="entr" presetSubtype="1" fill="hold" grpId="0" nodeType="clickEffect">
+                                <p:cTn id="5" presetID="10" presetClass="entr" presetSubtype="0" fill="hold" nodeType="clickEffect">
                                   <p:stCondLst>
                                     <p:cond delay="0"/>
                                   </p:stCondLst>
@@ -4839,7 +4286,7 @@
                                           </p:stCondLst>
                                         </p:cTn>
                                         <p:tgtEl>
-                                          <p:spTgt spid="27"/>
+                                          <p:spTgt spid="1028"/>
                                         </p:tgtEl>
                                         <p:attrNameLst>
                                           <p:attrName>style.visibility</p:attrName>
@@ -4849,11 +4296,11 @@
                                         <p:strVal val="visible"/>
                                       </p:to>
                                     </p:set>
-                                    <p:animEffect transition="in" filter="wipe(up)">
+                                    <p:animEffect transition="in" filter="fade">
                                       <p:cBhvr>
                                         <p:cTn id="7" dur="500"/>
                                         <p:tgtEl>
-                                          <p:spTgt spid="27"/>
+                                          <p:spTgt spid="1028"/>
                                         </p:tgtEl>
                                       </p:cBhvr>
                                     </p:animEffect>
@@ -4861,7 +4308,7 @@
                                 </p:cTn>
                               </p:par>
                               <p:par>
-                                <p:cTn id="8" presetID="22" presetClass="entr" presetSubtype="1" fill="hold" grpId="0" nodeType="withEffect">
+                                <p:cTn id="8" presetID="10" presetClass="entr" presetSubtype="0" fill="hold" grpId="0" nodeType="withEffect">
                                   <p:stCondLst>
                                     <p:cond delay="0"/>
                                   </p:stCondLst>
@@ -4874,7 +4321,7 @@
                                           </p:stCondLst>
                                         </p:cTn>
                                         <p:tgtEl>
-                                          <p:spTgt spid="50"/>
+                                          <p:spTgt spid="7"/>
                                         </p:tgtEl>
                                         <p:attrNameLst>
                                           <p:attrName>style.visibility</p:attrName>
@@ -4884,11 +4331,11 @@
                                         <p:strVal val="visible"/>
                                       </p:to>
                                     </p:set>
-                                    <p:animEffect transition="in" filter="wipe(up)">
+                                    <p:animEffect transition="in" filter="fade">
                                       <p:cBhvr>
                                         <p:cTn id="10" dur="500"/>
                                         <p:tgtEl>
-                                          <p:spTgt spid="50"/>
+                                          <p:spTgt spid="7"/>
                                         </p:tgtEl>
                                       </p:cBhvr>
                                     </p:animEffect>
@@ -4914,7 +4361,7 @@
                             </p:stCondLst>
                             <p:childTnLst>
                               <p:par>
-                                <p:cTn id="13" presetID="22" presetClass="entr" presetSubtype="1" fill="hold" grpId="0" nodeType="clickEffect">
+                                <p:cTn id="13" presetID="10" presetClass="entr" presetSubtype="0" fill="hold" grpId="0" nodeType="clickEffect">
                                   <p:stCondLst>
                                     <p:cond delay="0"/>
                                   </p:stCondLst>
@@ -4927,7 +4374,7 @@
                                           </p:stCondLst>
                                         </p:cTn>
                                         <p:tgtEl>
-                                          <p:spTgt spid="40"/>
+                                          <p:spTgt spid="5"/>
                                         </p:tgtEl>
                                         <p:attrNameLst>
                                           <p:attrName>style.visibility</p:attrName>
@@ -4937,46 +4384,11 @@
                                         <p:strVal val="visible"/>
                                       </p:to>
                                     </p:set>
-                                    <p:animEffect transition="in" filter="wipe(up)">
+                                    <p:animEffect transition="in" filter="fade">
                                       <p:cBhvr>
                                         <p:cTn id="15" dur="500"/>
                                         <p:tgtEl>
-                                          <p:spTgt spid="40"/>
-                                        </p:tgtEl>
-                                      </p:cBhvr>
-                                    </p:animEffect>
-                                  </p:childTnLst>
-                                </p:cTn>
-                              </p:par>
-                              <p:par>
-                                <p:cTn id="16" presetID="22" presetClass="entr" presetSubtype="1" fill="hold" grpId="0" nodeType="withEffect">
-                                  <p:stCondLst>
-                                    <p:cond delay="0"/>
-                                  </p:stCondLst>
-                                  <p:childTnLst>
-                                    <p:set>
-                                      <p:cBhvr>
-                                        <p:cTn id="17" dur="1" fill="hold">
-                                          <p:stCondLst>
-                                            <p:cond delay="0"/>
-                                          </p:stCondLst>
-                                        </p:cTn>
-                                        <p:tgtEl>
-                                          <p:spTgt spid="48"/>
-                                        </p:tgtEl>
-                                        <p:attrNameLst>
-                                          <p:attrName>style.visibility</p:attrName>
-                                        </p:attrNameLst>
-                                      </p:cBhvr>
-                                      <p:to>
-                                        <p:strVal val="visible"/>
-                                      </p:to>
-                                    </p:set>
-                                    <p:animEffect transition="in" filter="wipe(up)">
-                                      <p:cBhvr>
-                                        <p:cTn id="18" dur="500"/>
-                                        <p:tgtEl>
-                                          <p:spTgt spid="48"/>
+                                          <p:spTgt spid="5"/>
                                         </p:tgtEl>
                                       </p:cBhvr>
                                     </p:animEffect>
@@ -4990,32 +4402,67 @@
                     </p:cTn>
                   </p:par>
                   <p:par>
-                    <p:cTn id="19" fill="hold">
+                    <p:cTn id="16" fill="hold">
                       <p:stCondLst>
                         <p:cond delay="indefinite"/>
                       </p:stCondLst>
                       <p:childTnLst>
                         <p:par>
-                          <p:cTn id="20" fill="hold">
+                          <p:cTn id="17" fill="hold">
                             <p:stCondLst>
                               <p:cond delay="0"/>
                             </p:stCondLst>
                             <p:childTnLst>
                               <p:par>
-                                <p:cTn id="21" presetID="22" presetClass="entr" presetSubtype="4" fill="hold" grpId="0" nodeType="clickEffect">
+                                <p:cTn id="18" presetID="10" presetClass="entr" presetSubtype="0" fill="hold" nodeType="clickEffect">
                                   <p:stCondLst>
                                     <p:cond delay="0"/>
                                   </p:stCondLst>
                                   <p:childTnLst>
                                     <p:set>
                                       <p:cBhvr>
+                                        <p:cTn id="19" dur="1" fill="hold">
+                                          <p:stCondLst>
+                                            <p:cond delay="0"/>
+                                          </p:stCondLst>
+                                        </p:cTn>
+                                        <p:tgtEl>
+                                          <p:spTgt spid="24"/>
+                                        </p:tgtEl>
+                                        <p:attrNameLst>
+                                          <p:attrName>style.visibility</p:attrName>
+                                        </p:attrNameLst>
+                                      </p:cBhvr>
+                                      <p:to>
+                                        <p:strVal val="visible"/>
+                                      </p:to>
+                                    </p:set>
+                                    <p:animEffect transition="in" filter="fade">
+                                      <p:cBhvr>
+                                        <p:cTn id="20" dur="500"/>
+                                        <p:tgtEl>
+                                          <p:spTgt spid="24"/>
+                                        </p:tgtEl>
+                                      </p:cBhvr>
+                                    </p:animEffect>
+                                  </p:childTnLst>
+                                </p:cTn>
+                              </p:par>
+                              <p:par>
+                                <p:cTn id="21" presetID="10" presetClass="entr" presetSubtype="0" fill="hold" grpId="0" nodeType="withEffect">
+                                  <p:stCondLst>
+                                    <p:cond delay="0"/>
+                                  </p:stCondLst>
+                                  <p:childTnLst>
+                                    <p:set>
+                                      <p:cBhvr>
                                         <p:cTn id="22" dur="1" fill="hold">
                                           <p:stCondLst>
                                             <p:cond delay="0"/>
                                           </p:stCondLst>
                                         </p:cTn>
                                         <p:tgtEl>
-                                          <p:spTgt spid="39"/>
+                                          <p:spTgt spid="29"/>
                                         </p:tgtEl>
                                         <p:attrNameLst>
                                           <p:attrName>style.visibility</p:attrName>
@@ -5025,11 +4472,11 @@
                                         <p:strVal val="visible"/>
                                       </p:to>
                                     </p:set>
-                                    <p:animEffect transition="in" filter="wipe(down)">
+                                    <p:animEffect transition="in" filter="fade">
                                       <p:cBhvr>
                                         <p:cTn id="23" dur="500"/>
                                         <p:tgtEl>
-                                          <p:spTgt spid="39"/>
+                                          <p:spTgt spid="29"/>
                                         </p:tgtEl>
                                       </p:cBhvr>
                                     </p:animEffect>
@@ -5037,7 +4484,7 @@
                                 </p:cTn>
                               </p:par>
                               <p:par>
-                                <p:cTn id="24" presetID="22" presetClass="entr" presetSubtype="4" fill="hold" grpId="0" nodeType="withEffect">
+                                <p:cTn id="24" presetID="10" presetClass="entr" presetSubtype="0" fill="hold" grpId="0" nodeType="withEffect">
                                   <p:stCondLst>
                                     <p:cond delay="0"/>
                                   </p:stCondLst>
@@ -5050,7 +4497,7 @@
                                           </p:stCondLst>
                                         </p:cTn>
                                         <p:tgtEl>
-                                          <p:spTgt spid="47"/>
+                                          <p:spTgt spid="30"/>
                                         </p:tgtEl>
                                         <p:attrNameLst>
                                           <p:attrName>style.visibility</p:attrName>
@@ -5060,11 +4507,46 @@
                                         <p:strVal val="visible"/>
                                       </p:to>
                                     </p:set>
-                                    <p:animEffect transition="in" filter="wipe(down)">
+                                    <p:animEffect transition="in" filter="fade">
                                       <p:cBhvr>
                                         <p:cTn id="26" dur="500"/>
                                         <p:tgtEl>
-                                          <p:spTgt spid="47"/>
+                                          <p:spTgt spid="30"/>
+                                        </p:tgtEl>
+                                      </p:cBhvr>
+                                    </p:animEffect>
+                                  </p:childTnLst>
+                                </p:cTn>
+                              </p:par>
+                              <p:par>
+                                <p:cTn id="27" presetID="10" presetClass="entr" presetSubtype="0" fill="hold" nodeType="withEffect">
+                                  <p:stCondLst>
+                                    <p:cond delay="0"/>
+                                  </p:stCondLst>
+                                  <p:childTnLst>
+                                    <p:set>
+                                      <p:cBhvr>
+                                        <p:cTn id="28" dur="1" fill="hold">
+                                          <p:stCondLst>
+                                            <p:cond delay="0"/>
+                                          </p:stCondLst>
+                                        </p:cTn>
+                                        <p:tgtEl>
+                                          <p:spTgt spid="25"/>
+                                        </p:tgtEl>
+                                        <p:attrNameLst>
+                                          <p:attrName>style.visibility</p:attrName>
+                                        </p:attrNameLst>
+                                      </p:cBhvr>
+                                      <p:to>
+                                        <p:strVal val="visible"/>
+                                      </p:to>
+                                    </p:set>
+                                    <p:animEffect transition="in" filter="fade">
+                                      <p:cBhvr>
+                                        <p:cTn id="29" dur="500"/>
+                                        <p:tgtEl>
+                                          <p:spTgt spid="25"/>
                                         </p:tgtEl>
                                       </p:cBhvr>
                                     </p:animEffect>
@@ -5078,32 +4560,32 @@
                     </p:cTn>
                   </p:par>
                   <p:par>
-                    <p:cTn id="27" fill="hold">
+                    <p:cTn id="30" fill="hold">
                       <p:stCondLst>
                         <p:cond delay="indefinite"/>
                       </p:stCondLst>
                       <p:childTnLst>
                         <p:par>
-                          <p:cTn id="28" fill="hold">
+                          <p:cTn id="31" fill="hold">
                             <p:stCondLst>
                               <p:cond delay="0"/>
                             </p:stCondLst>
                             <p:childTnLst>
                               <p:par>
-                                <p:cTn id="29" presetID="22" presetClass="entr" presetSubtype="4" fill="hold" grpId="0" nodeType="clickEffect">
+                                <p:cTn id="32" presetID="10" presetClass="entr" presetSubtype="0" fill="hold" grpId="0" nodeType="clickEffect">
                                   <p:stCondLst>
                                     <p:cond delay="0"/>
                                   </p:stCondLst>
                                   <p:childTnLst>
                                     <p:set>
                                       <p:cBhvr>
-                                        <p:cTn id="30" dur="1" fill="hold">
+                                        <p:cTn id="33" dur="1" fill="hold">
                                           <p:stCondLst>
                                             <p:cond delay="0"/>
                                           </p:stCondLst>
                                         </p:cTn>
                                         <p:tgtEl>
-                                          <p:spTgt spid="36"/>
+                                          <p:spTgt spid="6"/>
                                         </p:tgtEl>
                                         <p:attrNameLst>
                                           <p:attrName>style.visibility</p:attrName>
@@ -5113,32 +4595,50 @@
                                         <p:strVal val="visible"/>
                                       </p:to>
                                     </p:set>
-                                    <p:animEffect transition="in" filter="wipe(down)">
-                                      <p:cBhvr>
-                                        <p:cTn id="31" dur="500"/>
-                                        <p:tgtEl>
-                                          <p:spTgt spid="36"/>
+                                    <p:animEffect transition="in" filter="fade">
+                                      <p:cBhvr>
+                                        <p:cTn id="34" dur="500"/>
+                                        <p:tgtEl>
+                                          <p:spTgt spid="6"/>
                                         </p:tgtEl>
                                       </p:cBhvr>
                                     </p:animEffect>
                                   </p:childTnLst>
                                 </p:cTn>
                               </p:par>
+                            </p:childTnLst>
+                          </p:cTn>
+                        </p:par>
+                      </p:childTnLst>
+                    </p:cTn>
+                  </p:par>
+                  <p:par>
+                    <p:cTn id="35" fill="hold">
+                      <p:stCondLst>
+                        <p:cond delay="indefinite"/>
+                      </p:stCondLst>
+                      <p:childTnLst>
+                        <p:par>
+                          <p:cTn id="36" fill="hold">
+                            <p:stCondLst>
+                              <p:cond delay="0"/>
+                            </p:stCondLst>
+                            <p:childTnLst>
                               <p:par>
-                                <p:cTn id="32" presetID="22" presetClass="entr" presetSubtype="4" fill="hold" grpId="0" nodeType="withEffect">
+                                <p:cTn id="37" presetID="10" presetClass="entr" presetSubtype="0" fill="hold" grpId="0" nodeType="clickEffect">
                                   <p:stCondLst>
                                     <p:cond delay="0"/>
                                   </p:stCondLst>
                                   <p:childTnLst>
                                     <p:set>
                                       <p:cBhvr>
-                                        <p:cTn id="33" dur="1" fill="hold">
+                                        <p:cTn id="38" dur="1" fill="hold">
                                           <p:stCondLst>
                                             <p:cond delay="0"/>
                                           </p:stCondLst>
                                         </p:cTn>
                                         <p:tgtEl>
-                                          <p:spTgt spid="49"/>
+                                          <p:spTgt spid="28"/>
                                         </p:tgtEl>
                                         <p:attrNameLst>
                                           <p:attrName>style.visibility</p:attrName>
@@ -5148,11 +4648,11 @@
                                         <p:strVal val="visible"/>
                                       </p:to>
                                     </p:set>
-                                    <p:animEffect transition="in" filter="wipe(down)">
-                                      <p:cBhvr>
-                                        <p:cTn id="34" dur="500"/>
-                                        <p:tgtEl>
-                                          <p:spTgt spid="49"/>
+                                    <p:animEffect transition="in" filter="fade">
+                                      <p:cBhvr>
+                                        <p:cTn id="39" dur="500"/>
+                                        <p:tgtEl>
+                                          <p:spTgt spid="28"/>
                                         </p:tgtEl>
                                       </p:cBhvr>
                                     </p:animEffect>
@@ -5187,14 +4687,12 @@
       </p:par>
     </p:tnLst>
     <p:bldLst>
-      <p:bldP spid="27" grpId="0" animBg="1"/>
-      <p:bldP spid="36" grpId="0" animBg="1"/>
-      <p:bldP spid="39" grpId="0" animBg="1"/>
-      <p:bldP spid="40" grpId="0" animBg="1"/>
-      <p:bldP spid="47" grpId="0"/>
-      <p:bldP spid="48" grpId="0"/>
-      <p:bldP spid="49" grpId="0"/>
-      <p:bldP spid="50" grpId="0"/>
+      <p:bldP spid="5" grpId="0" animBg="1"/>
+      <p:bldP spid="6" grpId="0" animBg="1"/>
+      <p:bldP spid="28" grpId="0" animBg="1"/>
+      <p:bldP spid="29" grpId="0"/>
+      <p:bldP spid="30" grpId="0"/>
+      <p:bldP spid="7" grpId="0"/>
     </p:bldLst>
   </p:timing>
 </p:sld>
@@ -5253,9 +4751,43 @@
           </a:p>
         </p:txBody>
       </p:sp>
+      <p:sp>
+        <p:nvSpPr>
+          <p:cNvPr id="7" name="テキスト ボックス 6"/>
+          <p:cNvSpPr txBox="1"/>
+          <p:nvPr/>
+        </p:nvSpPr>
+        <p:spPr>
+          <a:xfrm>
+            <a:off x="391096" y="1359089"/>
+            <a:ext cx="3570208" cy="769441"/>
+          </a:xfrm>
+          <a:prstGeom prst="rect">
+            <a:avLst/>
+          </a:prstGeom>
+          <a:noFill/>
+        </p:spPr>
+        <p:txBody>
+          <a:bodyPr wrap="none" rtlCol="0">
+            <a:spAutoFit/>
+          </a:bodyPr>
+          <a:lstStyle/>
+          <a:p>
+            <a:r>
+              <a:rPr kumimoji="1" lang="ja-JP" altLang="en-US" sz="4400" b="1" dirty="0" smtClean="0"/>
+              <a:t>問題点その</a:t>
+            </a:r>
+            <a:r>
+              <a:rPr lang="ja-JP" altLang="en-US" sz="4400" b="1" dirty="0"/>
+              <a:t>２</a:t>
+            </a:r>
+            <a:endParaRPr kumimoji="1" lang="ja-JP" altLang="en-US" sz="4400" b="1" dirty="0"/>
+          </a:p>
+        </p:txBody>
+      </p:sp>
       <p:pic>
         <p:nvPicPr>
-          <p:cNvPr id="1028" name="Picture 4" descr="C:\Users\yamanin3\Desktop\images\building_company_eigyousyo.png"/>
+          <p:cNvPr id="16" name="Picture 5" descr="C:\Users\yamanin3\Desktop\images\souko_building.png"/>
           <p:cNvPicPr>
             <a:picLocks noChangeAspect="1" noChangeArrowheads="1"/>
           </p:cNvPicPr>
@@ -5276,8 +4808,8 @@
         </p:blipFill>
         <p:spPr bwMode="auto">
           <a:xfrm>
-            <a:off x="5165999" y="782338"/>
-            <a:ext cx="1346192" cy="1346192"/>
+            <a:off x="8668365" y="2715359"/>
+            <a:ext cx="1941813" cy="1941813"/>
           </a:xfrm>
           <a:prstGeom prst="rect">
             <a:avLst/>
@@ -5296,24 +4828,59 @@
       </p:pic>
       <p:sp>
         <p:nvSpPr>
-          <p:cNvPr id="5" name="円形吹き出し 4"/>
+          <p:cNvPr id="17" name="テキスト ボックス 16"/>
+          <p:cNvSpPr txBox="1"/>
+          <p:nvPr/>
+        </p:nvSpPr>
+        <p:spPr>
+          <a:xfrm>
+            <a:off x="9316105" y="4876892"/>
+            <a:ext cx="646331" cy="369332"/>
+          </a:xfrm>
+          <a:prstGeom prst="rect">
+            <a:avLst/>
+          </a:prstGeom>
+          <a:noFill/>
+        </p:spPr>
+        <p:txBody>
+          <a:bodyPr wrap="none" rtlCol="0">
+            <a:spAutoFit/>
+          </a:bodyPr>
+          <a:lstStyle/>
+          <a:p>
+            <a:r>
+              <a:rPr kumimoji="1" lang="ja-JP" altLang="en-US" b="1" dirty="0" smtClean="0"/>
+              <a:t>倉庫</a:t>
+            </a:r>
+            <a:endParaRPr kumimoji="1" lang="ja-JP" altLang="en-US" b="1" dirty="0"/>
+          </a:p>
+        </p:txBody>
+      </p:sp>
+      <p:sp>
+        <p:nvSpPr>
+          <p:cNvPr id="23" name="右矢印 22"/>
           <p:cNvSpPr/>
           <p:nvPr/>
         </p:nvSpPr>
         <p:spPr>
-          <a:xfrm>
-            <a:off x="104503" y="2939142"/>
-            <a:ext cx="11952514" cy="3827417"/>
-          </a:xfrm>
-          <a:prstGeom prst="wedgeEllipseCallout">
+          <a:xfrm rot="10800000">
+            <a:off x="3304898" y="3639777"/>
+            <a:ext cx="4820196" cy="387848"/>
+          </a:xfrm>
+          <a:prstGeom prst="rightArrow">
             <a:avLst>
-              <a:gd name="adj1" fmla="val -1958"/>
-              <a:gd name="adj2" fmla="val -70341"/>
+              <a:gd name="adj1" fmla="val 50000"/>
+              <a:gd name="adj2" fmla="val 190479"/>
             </a:avLst>
           </a:prstGeom>
           <a:solidFill>
             <a:schemeClr val="bg1"/>
           </a:solidFill>
+          <a:ln w="38100">
+            <a:solidFill>
+              <a:schemeClr val="tx1"/>
+            </a:solidFill>
+          </a:ln>
         </p:spPr>
         <p:style>
           <a:lnRef idx="2">
@@ -5336,20 +4903,128 @@
           <a:lstStyle/>
           <a:p>
             <a:pPr algn="ctr"/>
-            <a:endParaRPr kumimoji="1" lang="ja-JP" altLang="en-US"/>
-          </a:p>
-        </p:txBody>
-      </p:sp>
+            <a:endParaRPr kumimoji="1" lang="ja-JP" altLang="en-US">
+              <a:solidFill>
+                <a:schemeClr val="bg1"/>
+              </a:solidFill>
+            </a:endParaRPr>
+          </a:p>
+        </p:txBody>
+      </p:sp>
+      <p:sp>
+        <p:nvSpPr>
+          <p:cNvPr id="3" name="テキスト ボックス 2"/>
+          <p:cNvSpPr txBox="1"/>
+          <p:nvPr/>
+        </p:nvSpPr>
+        <p:spPr>
+          <a:xfrm>
+            <a:off x="5385017" y="3058759"/>
+            <a:ext cx="1107996" cy="646331"/>
+          </a:xfrm>
+          <a:prstGeom prst="rect">
+            <a:avLst/>
+          </a:prstGeom>
+          <a:noFill/>
+        </p:spPr>
+        <p:txBody>
+          <a:bodyPr wrap="none" rtlCol="0">
+            <a:spAutoFit/>
+          </a:bodyPr>
+          <a:lstStyle/>
+          <a:p>
+            <a:r>
+              <a:rPr kumimoji="1" lang="ja-JP" altLang="en-US" sz="3600" dirty="0" smtClean="0"/>
+              <a:t>出庫</a:t>
+            </a:r>
+            <a:endParaRPr kumimoji="1" lang="ja-JP" altLang="en-US" sz="3600" dirty="0"/>
+          </a:p>
+        </p:txBody>
+      </p:sp>
+      <p:sp>
+        <p:nvSpPr>
+          <p:cNvPr id="4" name="テキスト ボックス 3"/>
+          <p:cNvSpPr txBox="1"/>
+          <p:nvPr/>
+        </p:nvSpPr>
+        <p:spPr>
+          <a:xfrm>
+            <a:off x="485656" y="5569388"/>
+            <a:ext cx="11264622" cy="646331"/>
+          </a:xfrm>
+          <a:prstGeom prst="rect">
+            <a:avLst/>
+          </a:prstGeom>
+          <a:noFill/>
+        </p:spPr>
+        <p:txBody>
+          <a:bodyPr wrap="none" rtlCol="0">
+            <a:spAutoFit/>
+          </a:bodyPr>
+          <a:lstStyle/>
+          <a:p>
+            <a:r>
+              <a:rPr kumimoji="1" lang="ja-JP" altLang="en-US" sz="3600" b="1" dirty="0" smtClean="0">
+                <a:solidFill>
+                  <a:srgbClr val="FF0000"/>
+                </a:solidFill>
+              </a:rPr>
+              <a:t>このタイミングで在庫数を減らす処理が行われていた</a:t>
+            </a:r>
+            <a:endParaRPr kumimoji="1" lang="ja-JP" altLang="en-US" sz="3600" b="1" dirty="0">
+              <a:solidFill>
+                <a:srgbClr val="FF0000"/>
+              </a:solidFill>
+            </a:endParaRPr>
+          </a:p>
+        </p:txBody>
+      </p:sp>
+      <p:cxnSp>
+        <p:nvCxnSpPr>
+          <p:cNvPr id="11" name="直線矢印コネクタ 10"/>
+          <p:cNvCxnSpPr/>
+          <p:nvPr/>
+        </p:nvCxnSpPr>
+        <p:spPr>
+          <a:xfrm flipV="1">
+            <a:off x="5939015" y="4027625"/>
+            <a:ext cx="0" cy="1419586"/>
+          </a:xfrm>
+          <a:prstGeom prst="straightConnector1">
+            <a:avLst/>
+          </a:prstGeom>
+          <a:ln w="76200">
+            <a:solidFill>
+              <a:srgbClr val="FF0000"/>
+            </a:solidFill>
+            <a:tailEnd type="arrow"/>
+          </a:ln>
+        </p:spPr>
+        <p:style>
+          <a:lnRef idx="1">
+            <a:schemeClr val="accent1"/>
+          </a:lnRef>
+          <a:fillRef idx="0">
+            <a:schemeClr val="accent1"/>
+          </a:fillRef>
+          <a:effectRef idx="0">
+            <a:schemeClr val="accent1"/>
+          </a:effectRef>
+          <a:fontRef idx="minor">
+            <a:schemeClr val="tx1"/>
+          </a:fontRef>
+        </p:style>
+      </p:cxnSp>
       <p:pic>
         <p:nvPicPr>
-          <p:cNvPr id="24" name="Picture 3" descr="C:\Users\yamanin3\Desktop\images\sales_eigyou_man.png"/>
+          <p:cNvPr id="31" name="Picture 4" descr="C:\Users\yamanin3\Desktop\images\building_company_eigyousyo.png"/>
           <p:cNvPicPr>
             <a:picLocks noChangeAspect="1" noChangeArrowheads="1"/>
           </p:cNvPicPr>
           <p:nvPr/>
         </p:nvPicPr>
         <p:blipFill>
-          <a:blip r:embed="rId3" cstate="print">
+          <a:blip r:embed="rId3">
             <a:extLst>
               <a:ext uri="{28A0092B-C50C-407E-A947-70E740481C1C}">
                 <a14:useLocalDpi xmlns:a14="http://schemas.microsoft.com/office/drawing/2010/main" val="0"/>
@@ -5363,8 +5038,8 @@
         </p:blipFill>
         <p:spPr bwMode="auto">
           <a:xfrm>
-            <a:off x="1865521" y="3870701"/>
-            <a:ext cx="1934538" cy="1934538"/>
+            <a:off x="1015928" y="2662042"/>
+            <a:ext cx="2048448" cy="2048448"/>
           </a:xfrm>
           <a:prstGeom prst="rect">
             <a:avLst/>
@@ -5383,14 +5058,14 @@
       </p:pic>
       <p:pic>
         <p:nvPicPr>
-          <p:cNvPr id="25" name="Picture 2" descr="C:\Users\yamanin-Note\Desktop\yamanin3\job_jimu_woman.png"/>
+          <p:cNvPr id="32" name="Picture 3" descr="C:\Users\yamanin3\Desktop\images\sales_eigyou_man.png"/>
           <p:cNvPicPr>
             <a:picLocks noChangeAspect="1" noChangeArrowheads="1"/>
           </p:cNvPicPr>
           <p:nvPr/>
         </p:nvPicPr>
         <p:blipFill>
-          <a:blip r:embed="rId4">
+          <a:blip r:embed="rId4" cstate="print">
             <a:extLst>
               <a:ext uri="{28A0092B-C50C-407E-A947-70E740481C1C}">
                 <a14:useLocalDpi xmlns:a14="http://schemas.microsoft.com/office/drawing/2010/main" val="0"/>
@@ -5404,8 +5079,8 @@
         </p:blipFill>
         <p:spPr bwMode="auto">
           <a:xfrm>
-            <a:off x="8345277" y="3732402"/>
-            <a:ext cx="1444608" cy="2211136"/>
+            <a:off x="1561869" y="3650301"/>
+            <a:ext cx="956565" cy="956565"/>
           </a:xfrm>
           <a:prstGeom prst="rect">
             <a:avLst/>
@@ -5424,178 +5099,14 @@
       </p:pic>
       <p:sp>
         <p:nvSpPr>
-          <p:cNvPr id="6" name="円形吹き出し 5"/>
-          <p:cNvSpPr/>
+          <p:cNvPr id="33" name="テキスト ボックス 32"/>
+          <p:cNvSpPr txBox="1"/>
           <p:nvPr/>
         </p:nvSpPr>
         <p:spPr>
           <a:xfrm>
-            <a:off x="3540032" y="3208782"/>
-            <a:ext cx="2299063" cy="1353597"/>
-          </a:xfrm>
-          <a:prstGeom prst="wedgeEllipseCallout">
-            <a:avLst>
-              <a:gd name="adj1" fmla="val -58178"/>
-              <a:gd name="adj2" fmla="val 41269"/>
-            </a:avLst>
-          </a:prstGeom>
-          <a:solidFill>
-            <a:schemeClr val="bg2"/>
-          </a:solidFill>
-        </p:spPr>
-        <p:style>
-          <a:lnRef idx="2">
-            <a:schemeClr val="accent1">
-              <a:shade val="50000"/>
-            </a:schemeClr>
-          </a:lnRef>
-          <a:fillRef idx="1">
-            <a:schemeClr val="accent1"/>
-          </a:fillRef>
-          <a:effectRef idx="0">
-            <a:schemeClr val="accent1"/>
-          </a:effectRef>
-          <a:fontRef idx="minor">
-            <a:schemeClr val="lt1"/>
-          </a:fontRef>
-        </p:style>
-        <p:txBody>
-          <a:bodyPr rtlCol="0" anchor="ctr"/>
-          <a:lstStyle/>
-          <a:p>
-            <a:pPr algn="ctr"/>
-            <a:r>
-              <a:rPr kumimoji="1" lang="ja-JP" altLang="en-US" sz="2000" dirty="0" smtClean="0">
-                <a:solidFill>
-                  <a:schemeClr val="tx1"/>
-                </a:solidFill>
-              </a:rPr>
-              <a:t>「ペン</a:t>
-            </a:r>
-            <a:r>
-              <a:rPr kumimoji="1" lang="en-US" altLang="ja-JP" sz="2000" dirty="0" smtClean="0">
-                <a:solidFill>
-                  <a:schemeClr val="tx1"/>
-                </a:solidFill>
-              </a:rPr>
-              <a:t>10</a:t>
-            </a:r>
-            <a:r>
-              <a:rPr kumimoji="1" lang="ja-JP" altLang="en-US" sz="2000" dirty="0" smtClean="0">
-                <a:solidFill>
-                  <a:schemeClr val="tx1"/>
-                </a:solidFill>
-              </a:rPr>
-              <a:t>本ね！」</a:t>
-            </a:r>
-            <a:endParaRPr kumimoji="1" lang="ja-JP" altLang="en-US" sz="2000" dirty="0">
-              <a:solidFill>
-                <a:schemeClr val="tx1"/>
-              </a:solidFill>
-            </a:endParaRPr>
-          </a:p>
-        </p:txBody>
-      </p:sp>
-      <p:sp>
-        <p:nvSpPr>
-          <p:cNvPr id="28" name="円形吹き出し 27"/>
-          <p:cNvSpPr/>
-          <p:nvPr/>
-        </p:nvSpPr>
-        <p:spPr>
-          <a:xfrm>
-            <a:off x="5775354" y="4037979"/>
-            <a:ext cx="2569923" cy="1353597"/>
-          </a:xfrm>
-          <a:prstGeom prst="wedgeEllipseCallout">
-            <a:avLst>
-              <a:gd name="adj1" fmla="val 61708"/>
-              <a:gd name="adj2" fmla="val -25319"/>
-            </a:avLst>
-          </a:prstGeom>
-          <a:solidFill>
-            <a:schemeClr val="bg2"/>
-          </a:solidFill>
-        </p:spPr>
-        <p:style>
-          <a:lnRef idx="2">
-            <a:schemeClr val="accent1">
-              <a:shade val="50000"/>
-            </a:schemeClr>
-          </a:lnRef>
-          <a:fillRef idx="1">
-            <a:schemeClr val="accent1"/>
-          </a:fillRef>
-          <a:effectRef idx="0">
-            <a:schemeClr val="accent1"/>
-          </a:effectRef>
-          <a:fontRef idx="minor">
-            <a:schemeClr val="lt1"/>
-          </a:fontRef>
-        </p:style>
-        <p:txBody>
-          <a:bodyPr rtlCol="0" anchor="ctr"/>
-          <a:lstStyle/>
-          <a:p>
-            <a:pPr algn="ctr"/>
-            <a:r>
-              <a:rPr lang="ja-JP" altLang="en-US" sz="2000" dirty="0" smtClean="0">
-                <a:solidFill>
-                  <a:schemeClr val="tx1"/>
-                </a:solidFill>
-              </a:rPr>
-              <a:t>分かりました</a:t>
-            </a:r>
-            <a:endParaRPr lang="en-US" altLang="ja-JP" sz="2000" dirty="0" smtClean="0">
-              <a:solidFill>
-                <a:schemeClr val="tx1"/>
-              </a:solidFill>
-            </a:endParaRPr>
-          </a:p>
-          <a:p>
-            <a:pPr algn="ctr"/>
-            <a:r>
-              <a:rPr lang="ja-JP" altLang="en-US" sz="2000" dirty="0" smtClean="0">
-                <a:solidFill>
-                  <a:schemeClr val="tx1"/>
-                </a:solidFill>
-              </a:rPr>
-              <a:t>「ペン</a:t>
-            </a:r>
-            <a:r>
-              <a:rPr lang="en-US" altLang="ja-JP" sz="2000" dirty="0" smtClean="0">
-                <a:solidFill>
-                  <a:schemeClr val="tx1"/>
-                </a:solidFill>
-              </a:rPr>
-              <a:t>50</a:t>
-            </a:r>
-            <a:r>
-              <a:rPr lang="ja-JP" altLang="en-US" sz="2000" dirty="0" smtClean="0">
-                <a:solidFill>
-                  <a:schemeClr val="tx1"/>
-                </a:solidFill>
-              </a:rPr>
-              <a:t>本ですね！」</a:t>
-            </a:r>
-            <a:endParaRPr lang="en-US" altLang="ja-JP" sz="2000" dirty="0" smtClean="0">
-              <a:solidFill>
-                <a:schemeClr val="tx1"/>
-              </a:solidFill>
-            </a:endParaRPr>
-          </a:p>
-        </p:txBody>
-      </p:sp>
-      <p:sp>
-        <p:nvSpPr>
-          <p:cNvPr id="29" name="テキスト ボックス 28"/>
-          <p:cNvSpPr txBox="1"/>
-          <p:nvPr/>
-        </p:nvSpPr>
-        <p:spPr>
-          <a:xfrm>
-            <a:off x="2278792" y="5943538"/>
-            <a:ext cx="1107996" cy="369332"/>
+            <a:off x="1589013" y="4876892"/>
+            <a:ext cx="902277" cy="369332"/>
           </a:xfrm>
           <a:prstGeom prst="rect">
             <a:avLst/>
@@ -5603,87 +5114,23 @@
           <a:noFill/>
         </p:spPr>
         <p:txBody>
-          <a:bodyPr wrap="none" rtlCol="0">
+          <a:bodyPr wrap="square" rtlCol="0">
             <a:spAutoFit/>
           </a:bodyPr>
           <a:lstStyle/>
           <a:p>
             <a:r>
               <a:rPr kumimoji="1" lang="ja-JP" altLang="en-US" b="1" dirty="0" smtClean="0"/>
-              <a:t>営業担当</a:t>
+              <a:t>営業所</a:t>
             </a:r>
             <a:endParaRPr kumimoji="1" lang="ja-JP" altLang="en-US" b="1" dirty="0"/>
-          </a:p>
-        </p:txBody>
-      </p:sp>
-      <p:sp>
-        <p:nvSpPr>
-          <p:cNvPr id="30" name="テキスト ボックス 29"/>
-          <p:cNvSpPr txBox="1"/>
-          <p:nvPr/>
-        </p:nvSpPr>
-        <p:spPr>
-          <a:xfrm>
-            <a:off x="8513583" y="5970637"/>
-            <a:ext cx="1107996" cy="369332"/>
-          </a:xfrm>
-          <a:prstGeom prst="rect">
-            <a:avLst/>
-          </a:prstGeom>
-          <a:noFill/>
-        </p:spPr>
-        <p:txBody>
-          <a:bodyPr wrap="none" rtlCol="0">
-            <a:spAutoFit/>
-          </a:bodyPr>
-          <a:lstStyle/>
-          <a:p>
-            <a:r>
-              <a:rPr kumimoji="1" lang="ja-JP" altLang="en-US" b="1" dirty="0" smtClean="0"/>
-              <a:t>事務担当</a:t>
-            </a:r>
-            <a:endParaRPr kumimoji="1" lang="en-US" altLang="ja-JP" b="1" dirty="0" smtClean="0"/>
-          </a:p>
-        </p:txBody>
-      </p:sp>
-      <p:sp>
-        <p:nvSpPr>
-          <p:cNvPr id="7" name="テキスト ボックス 6"/>
-          <p:cNvSpPr txBox="1"/>
-          <p:nvPr/>
-        </p:nvSpPr>
-        <p:spPr>
-          <a:xfrm>
-            <a:off x="391096" y="1359089"/>
-            <a:ext cx="3570208" cy="769441"/>
-          </a:xfrm>
-          <a:prstGeom prst="rect">
-            <a:avLst/>
-          </a:prstGeom>
-          <a:noFill/>
-        </p:spPr>
-        <p:txBody>
-          <a:bodyPr wrap="none" rtlCol="0">
-            <a:spAutoFit/>
-          </a:bodyPr>
-          <a:lstStyle/>
-          <a:p>
-            <a:r>
-              <a:rPr kumimoji="1" lang="ja-JP" altLang="en-US" sz="4400" b="1" dirty="0" smtClean="0"/>
-              <a:t>問題点その</a:t>
-            </a:r>
-            <a:r>
-              <a:rPr lang="ja-JP" altLang="en-US" sz="4400" b="1" dirty="0" smtClean="0"/>
-              <a:t>１</a:t>
-            </a:r>
-            <a:endParaRPr kumimoji="1" lang="ja-JP" altLang="en-US" sz="4400" b="1" dirty="0"/>
           </a:p>
         </p:txBody>
       </p:sp>
     </p:spTree>
     <p:extLst>
       <p:ext uri="{BB962C8B-B14F-4D97-AF65-F5344CB8AC3E}">
-        <p14:creationId xmlns:p14="http://schemas.microsoft.com/office/powerpoint/2010/main" val="1681800677"/>
+        <p14:creationId xmlns:p14="http://schemas.microsoft.com/office/powerpoint/2010/main" val="663704935"/>
       </p:ext>
     </p:extLst>
   </p:cSld>
@@ -5693,9 +5140,500 @@
   <p:timing>
     <p:tnLst>
       <p:par>
-        <p:cTn id="1" dur="indefinite" restart="never" nodeType="tmRoot"/>
+        <p:cTn id="1" dur="indefinite" restart="never" nodeType="tmRoot">
+          <p:childTnLst>
+            <p:seq concurrent="1" nextAc="seek">
+              <p:cTn id="2" dur="indefinite" nodeType="mainSeq">
+                <p:childTnLst>
+                  <p:par>
+                    <p:cTn id="3" fill="hold">
+                      <p:stCondLst>
+                        <p:cond delay="indefinite"/>
+                      </p:stCondLst>
+                      <p:childTnLst>
+                        <p:par>
+                          <p:cTn id="4" fill="hold">
+                            <p:stCondLst>
+                              <p:cond delay="0"/>
+                            </p:stCondLst>
+                            <p:childTnLst>
+                              <p:par>
+                                <p:cTn id="5" presetID="10" presetClass="entr" presetSubtype="0" fill="hold" nodeType="clickEffect">
+                                  <p:stCondLst>
+                                    <p:cond delay="0"/>
+                                  </p:stCondLst>
+                                  <p:childTnLst>
+                                    <p:set>
+                                      <p:cBhvr>
+                                        <p:cTn id="6" dur="1" fill="hold">
+                                          <p:stCondLst>
+                                            <p:cond delay="0"/>
+                                          </p:stCondLst>
+                                        </p:cTn>
+                                        <p:tgtEl>
+                                          <p:spTgt spid="31"/>
+                                        </p:tgtEl>
+                                        <p:attrNameLst>
+                                          <p:attrName>style.visibility</p:attrName>
+                                        </p:attrNameLst>
+                                      </p:cBhvr>
+                                      <p:to>
+                                        <p:strVal val="visible"/>
+                                      </p:to>
+                                    </p:set>
+                                    <p:animEffect transition="in" filter="fade">
+                                      <p:cBhvr>
+                                        <p:cTn id="7" dur="500"/>
+                                        <p:tgtEl>
+                                          <p:spTgt spid="31"/>
+                                        </p:tgtEl>
+                                      </p:cBhvr>
+                                    </p:animEffect>
+                                  </p:childTnLst>
+                                </p:cTn>
+                              </p:par>
+                              <p:par>
+                                <p:cTn id="8" presetID="10" presetClass="entr" presetSubtype="0" fill="hold" nodeType="withEffect">
+                                  <p:stCondLst>
+                                    <p:cond delay="0"/>
+                                  </p:stCondLst>
+                                  <p:childTnLst>
+                                    <p:set>
+                                      <p:cBhvr>
+                                        <p:cTn id="9" dur="1" fill="hold">
+                                          <p:stCondLst>
+                                            <p:cond delay="0"/>
+                                          </p:stCondLst>
+                                        </p:cTn>
+                                        <p:tgtEl>
+                                          <p:spTgt spid="32"/>
+                                        </p:tgtEl>
+                                        <p:attrNameLst>
+                                          <p:attrName>style.visibility</p:attrName>
+                                        </p:attrNameLst>
+                                      </p:cBhvr>
+                                      <p:to>
+                                        <p:strVal val="visible"/>
+                                      </p:to>
+                                    </p:set>
+                                    <p:animEffect transition="in" filter="fade">
+                                      <p:cBhvr>
+                                        <p:cTn id="10" dur="500"/>
+                                        <p:tgtEl>
+                                          <p:spTgt spid="32"/>
+                                        </p:tgtEl>
+                                      </p:cBhvr>
+                                    </p:animEffect>
+                                  </p:childTnLst>
+                                </p:cTn>
+                              </p:par>
+                              <p:par>
+                                <p:cTn id="11" presetID="10" presetClass="entr" presetSubtype="0" fill="hold" grpId="0" nodeType="withEffect">
+                                  <p:stCondLst>
+                                    <p:cond delay="0"/>
+                                  </p:stCondLst>
+                                  <p:childTnLst>
+                                    <p:set>
+                                      <p:cBhvr>
+                                        <p:cTn id="12" dur="1" fill="hold">
+                                          <p:stCondLst>
+                                            <p:cond delay="0"/>
+                                          </p:stCondLst>
+                                        </p:cTn>
+                                        <p:tgtEl>
+                                          <p:spTgt spid="33"/>
+                                        </p:tgtEl>
+                                        <p:attrNameLst>
+                                          <p:attrName>style.visibility</p:attrName>
+                                        </p:attrNameLst>
+                                      </p:cBhvr>
+                                      <p:to>
+                                        <p:strVal val="visible"/>
+                                      </p:to>
+                                    </p:set>
+                                    <p:animEffect transition="in" filter="fade">
+                                      <p:cBhvr>
+                                        <p:cTn id="13" dur="500"/>
+                                        <p:tgtEl>
+                                          <p:spTgt spid="33"/>
+                                        </p:tgtEl>
+                                      </p:cBhvr>
+                                    </p:animEffect>
+                                  </p:childTnLst>
+                                </p:cTn>
+                              </p:par>
+                              <p:par>
+                                <p:cTn id="14" presetID="10" presetClass="entr" presetSubtype="0" fill="hold" grpId="0" nodeType="withEffect">
+                                  <p:stCondLst>
+                                    <p:cond delay="0"/>
+                                  </p:stCondLst>
+                                  <p:childTnLst>
+                                    <p:set>
+                                      <p:cBhvr>
+                                        <p:cTn id="15" dur="1" fill="hold">
+                                          <p:stCondLst>
+                                            <p:cond delay="0"/>
+                                          </p:stCondLst>
+                                        </p:cTn>
+                                        <p:tgtEl>
+                                          <p:spTgt spid="17"/>
+                                        </p:tgtEl>
+                                        <p:attrNameLst>
+                                          <p:attrName>style.visibility</p:attrName>
+                                        </p:attrNameLst>
+                                      </p:cBhvr>
+                                      <p:to>
+                                        <p:strVal val="visible"/>
+                                      </p:to>
+                                    </p:set>
+                                    <p:animEffect transition="in" filter="fade">
+                                      <p:cBhvr>
+                                        <p:cTn id="16" dur="500"/>
+                                        <p:tgtEl>
+                                          <p:spTgt spid="17"/>
+                                        </p:tgtEl>
+                                      </p:cBhvr>
+                                    </p:animEffect>
+                                  </p:childTnLst>
+                                </p:cTn>
+                              </p:par>
+                              <p:par>
+                                <p:cTn id="17" presetID="10" presetClass="entr" presetSubtype="0" fill="hold" nodeType="withEffect">
+                                  <p:stCondLst>
+                                    <p:cond delay="0"/>
+                                  </p:stCondLst>
+                                  <p:childTnLst>
+                                    <p:set>
+                                      <p:cBhvr>
+                                        <p:cTn id="18" dur="1" fill="hold">
+                                          <p:stCondLst>
+                                            <p:cond delay="0"/>
+                                          </p:stCondLst>
+                                        </p:cTn>
+                                        <p:tgtEl>
+                                          <p:spTgt spid="16"/>
+                                        </p:tgtEl>
+                                        <p:attrNameLst>
+                                          <p:attrName>style.visibility</p:attrName>
+                                        </p:attrNameLst>
+                                      </p:cBhvr>
+                                      <p:to>
+                                        <p:strVal val="visible"/>
+                                      </p:to>
+                                    </p:set>
+                                    <p:animEffect transition="in" filter="fade">
+                                      <p:cBhvr>
+                                        <p:cTn id="19" dur="500"/>
+                                        <p:tgtEl>
+                                          <p:spTgt spid="16"/>
+                                        </p:tgtEl>
+                                      </p:cBhvr>
+                                    </p:animEffect>
+                                  </p:childTnLst>
+                                </p:cTn>
+                              </p:par>
+                            </p:childTnLst>
+                          </p:cTn>
+                        </p:par>
+                      </p:childTnLst>
+                    </p:cTn>
+                  </p:par>
+                  <p:par>
+                    <p:cTn id="20" fill="hold">
+                      <p:stCondLst>
+                        <p:cond delay="indefinite"/>
+                      </p:stCondLst>
+                      <p:childTnLst>
+                        <p:par>
+                          <p:cTn id="21" fill="hold">
+                            <p:stCondLst>
+                              <p:cond delay="0"/>
+                            </p:stCondLst>
+                            <p:childTnLst>
+                              <p:par>
+                                <p:cTn id="22" presetID="22" presetClass="entr" presetSubtype="2" fill="hold" grpId="0" nodeType="clickEffect">
+                                  <p:stCondLst>
+                                    <p:cond delay="0"/>
+                                  </p:stCondLst>
+                                  <p:childTnLst>
+                                    <p:set>
+                                      <p:cBhvr>
+                                        <p:cTn id="23" dur="1" fill="hold">
+                                          <p:stCondLst>
+                                            <p:cond delay="0"/>
+                                          </p:stCondLst>
+                                        </p:cTn>
+                                        <p:tgtEl>
+                                          <p:spTgt spid="23"/>
+                                        </p:tgtEl>
+                                        <p:attrNameLst>
+                                          <p:attrName>style.visibility</p:attrName>
+                                        </p:attrNameLst>
+                                      </p:cBhvr>
+                                      <p:to>
+                                        <p:strVal val="visible"/>
+                                      </p:to>
+                                    </p:set>
+                                    <p:animEffect transition="in" filter="wipe(right)">
+                                      <p:cBhvr>
+                                        <p:cTn id="24" dur="500"/>
+                                        <p:tgtEl>
+                                          <p:spTgt spid="23"/>
+                                        </p:tgtEl>
+                                      </p:cBhvr>
+                                    </p:animEffect>
+                                  </p:childTnLst>
+                                </p:cTn>
+                              </p:par>
+                              <p:par>
+                                <p:cTn id="25" presetID="22" presetClass="entr" presetSubtype="2" fill="hold" grpId="0" nodeType="withEffect">
+                                  <p:stCondLst>
+                                    <p:cond delay="0"/>
+                                  </p:stCondLst>
+                                  <p:childTnLst>
+                                    <p:set>
+                                      <p:cBhvr>
+                                        <p:cTn id="26" dur="1" fill="hold">
+                                          <p:stCondLst>
+                                            <p:cond delay="0"/>
+                                          </p:stCondLst>
+                                        </p:cTn>
+                                        <p:tgtEl>
+                                          <p:spTgt spid="3"/>
+                                        </p:tgtEl>
+                                        <p:attrNameLst>
+                                          <p:attrName>style.visibility</p:attrName>
+                                        </p:attrNameLst>
+                                      </p:cBhvr>
+                                      <p:to>
+                                        <p:strVal val="visible"/>
+                                      </p:to>
+                                    </p:set>
+                                    <p:animEffect transition="in" filter="wipe(right)">
+                                      <p:cBhvr>
+                                        <p:cTn id="27" dur="500"/>
+                                        <p:tgtEl>
+                                          <p:spTgt spid="3"/>
+                                        </p:tgtEl>
+                                      </p:cBhvr>
+                                    </p:animEffect>
+                                  </p:childTnLst>
+                                </p:cTn>
+                              </p:par>
+                            </p:childTnLst>
+                          </p:cTn>
+                        </p:par>
+                      </p:childTnLst>
+                    </p:cTn>
+                  </p:par>
+                  <p:par>
+                    <p:cTn id="28" fill="hold">
+                      <p:stCondLst>
+                        <p:cond delay="indefinite"/>
+                      </p:stCondLst>
+                      <p:childTnLst>
+                        <p:par>
+                          <p:cTn id="29" fill="hold">
+                            <p:stCondLst>
+                              <p:cond delay="0"/>
+                            </p:stCondLst>
+                            <p:childTnLst>
+                              <p:par>
+                                <p:cTn id="30" presetID="53" presetClass="entr" presetSubtype="16" fill="hold" grpId="0" nodeType="clickEffect">
+                                  <p:stCondLst>
+                                    <p:cond delay="0"/>
+                                  </p:stCondLst>
+                                  <p:childTnLst>
+                                    <p:set>
+                                      <p:cBhvr>
+                                        <p:cTn id="31" dur="1" fill="hold">
+                                          <p:stCondLst>
+                                            <p:cond delay="0"/>
+                                          </p:stCondLst>
+                                        </p:cTn>
+                                        <p:tgtEl>
+                                          <p:spTgt spid="4"/>
+                                        </p:tgtEl>
+                                        <p:attrNameLst>
+                                          <p:attrName>style.visibility</p:attrName>
+                                        </p:attrNameLst>
+                                      </p:cBhvr>
+                                      <p:to>
+                                        <p:strVal val="visible"/>
+                                      </p:to>
+                                    </p:set>
+                                    <p:anim calcmode="lin" valueType="num">
+                                      <p:cBhvr>
+                                        <p:cTn id="32" dur="500" fill="hold"/>
+                                        <p:tgtEl>
+                                          <p:spTgt spid="4"/>
+                                        </p:tgtEl>
+                                        <p:attrNameLst>
+                                          <p:attrName>ppt_w</p:attrName>
+                                        </p:attrNameLst>
+                                      </p:cBhvr>
+                                      <p:tavLst>
+                                        <p:tav tm="0">
+                                          <p:val>
+                                            <p:fltVal val="0"/>
+                                          </p:val>
+                                        </p:tav>
+                                        <p:tav tm="100000">
+                                          <p:val>
+                                            <p:strVal val="#ppt_w"/>
+                                          </p:val>
+                                        </p:tav>
+                                      </p:tavLst>
+                                    </p:anim>
+                                    <p:anim calcmode="lin" valueType="num">
+                                      <p:cBhvr>
+                                        <p:cTn id="33" dur="500" fill="hold"/>
+                                        <p:tgtEl>
+                                          <p:spTgt spid="4"/>
+                                        </p:tgtEl>
+                                        <p:attrNameLst>
+                                          <p:attrName>ppt_h</p:attrName>
+                                        </p:attrNameLst>
+                                      </p:cBhvr>
+                                      <p:tavLst>
+                                        <p:tav tm="0">
+                                          <p:val>
+                                            <p:fltVal val="0"/>
+                                          </p:val>
+                                        </p:tav>
+                                        <p:tav tm="100000">
+                                          <p:val>
+                                            <p:strVal val="#ppt_h"/>
+                                          </p:val>
+                                        </p:tav>
+                                      </p:tavLst>
+                                    </p:anim>
+                                    <p:animEffect transition="in" filter="fade">
+                                      <p:cBhvr>
+                                        <p:cTn id="34" dur="500"/>
+                                        <p:tgtEl>
+                                          <p:spTgt spid="4"/>
+                                        </p:tgtEl>
+                                      </p:cBhvr>
+                                    </p:animEffect>
+                                  </p:childTnLst>
+                                </p:cTn>
+                              </p:par>
+                              <p:par>
+                                <p:cTn id="35" presetID="53" presetClass="entr" presetSubtype="16" fill="hold" nodeType="withEffect">
+                                  <p:stCondLst>
+                                    <p:cond delay="0"/>
+                                  </p:stCondLst>
+                                  <p:childTnLst>
+                                    <p:set>
+                                      <p:cBhvr>
+                                        <p:cTn id="36" dur="1" fill="hold">
+                                          <p:stCondLst>
+                                            <p:cond delay="0"/>
+                                          </p:stCondLst>
+                                        </p:cTn>
+                                        <p:tgtEl>
+                                          <p:spTgt spid="11"/>
+                                        </p:tgtEl>
+                                        <p:attrNameLst>
+                                          <p:attrName>style.visibility</p:attrName>
+                                        </p:attrNameLst>
+                                      </p:cBhvr>
+                                      <p:to>
+                                        <p:strVal val="visible"/>
+                                      </p:to>
+                                    </p:set>
+                                    <p:anim calcmode="lin" valueType="num">
+                                      <p:cBhvr>
+                                        <p:cTn id="37" dur="500" fill="hold"/>
+                                        <p:tgtEl>
+                                          <p:spTgt spid="11"/>
+                                        </p:tgtEl>
+                                        <p:attrNameLst>
+                                          <p:attrName>ppt_w</p:attrName>
+                                        </p:attrNameLst>
+                                      </p:cBhvr>
+                                      <p:tavLst>
+                                        <p:tav tm="0">
+                                          <p:val>
+                                            <p:fltVal val="0"/>
+                                          </p:val>
+                                        </p:tav>
+                                        <p:tav tm="100000">
+                                          <p:val>
+                                            <p:strVal val="#ppt_w"/>
+                                          </p:val>
+                                        </p:tav>
+                                      </p:tavLst>
+                                    </p:anim>
+                                    <p:anim calcmode="lin" valueType="num">
+                                      <p:cBhvr>
+                                        <p:cTn id="38" dur="500" fill="hold"/>
+                                        <p:tgtEl>
+                                          <p:spTgt spid="11"/>
+                                        </p:tgtEl>
+                                        <p:attrNameLst>
+                                          <p:attrName>ppt_h</p:attrName>
+                                        </p:attrNameLst>
+                                      </p:cBhvr>
+                                      <p:tavLst>
+                                        <p:tav tm="0">
+                                          <p:val>
+                                            <p:fltVal val="0"/>
+                                          </p:val>
+                                        </p:tav>
+                                        <p:tav tm="100000">
+                                          <p:val>
+                                            <p:strVal val="#ppt_h"/>
+                                          </p:val>
+                                        </p:tav>
+                                      </p:tavLst>
+                                    </p:anim>
+                                    <p:animEffect transition="in" filter="fade">
+                                      <p:cBhvr>
+                                        <p:cTn id="39" dur="500"/>
+                                        <p:tgtEl>
+                                          <p:spTgt spid="11"/>
+                                        </p:tgtEl>
+                                      </p:cBhvr>
+                                    </p:animEffect>
+                                  </p:childTnLst>
+                                </p:cTn>
+                              </p:par>
+                            </p:childTnLst>
+                          </p:cTn>
+                        </p:par>
+                      </p:childTnLst>
+                    </p:cTn>
+                  </p:par>
+                </p:childTnLst>
+              </p:cTn>
+              <p:prevCondLst>
+                <p:cond evt="onPrev" delay="0">
+                  <p:tgtEl>
+                    <p:sldTgt/>
+                  </p:tgtEl>
+                </p:cond>
+              </p:prevCondLst>
+              <p:nextCondLst>
+                <p:cond evt="onNext" delay="0">
+                  <p:tgtEl>
+                    <p:sldTgt/>
+                  </p:tgtEl>
+                </p:cond>
+              </p:nextCondLst>
+            </p:seq>
+          </p:childTnLst>
+        </p:cTn>
       </p:par>
     </p:tnLst>
+    <p:bldLst>
+      <p:bldP spid="17" grpId="0"/>
+      <p:bldP spid="23" grpId="0" animBg="1"/>
+      <p:bldP spid="3" grpId="0"/>
+      <p:bldP spid="4" grpId="0"/>
+      <p:bldP spid="33" grpId="0"/>
+    </p:bldLst>
   </p:timing>
 </p:sld>
 </file>
@@ -5753,9 +5691,47 @@
           </a:p>
         </p:txBody>
       </p:sp>
+      <p:sp>
+        <p:nvSpPr>
+          <p:cNvPr id="7" name="テキスト ボックス 6"/>
+          <p:cNvSpPr txBox="1"/>
+          <p:nvPr/>
+        </p:nvSpPr>
+        <p:spPr>
+          <a:xfrm>
+            <a:off x="391096" y="974368"/>
+            <a:ext cx="3570208" cy="769441"/>
+          </a:xfrm>
+          <a:prstGeom prst="rect">
+            <a:avLst/>
+          </a:prstGeom>
+          <a:noFill/>
+        </p:spPr>
+        <p:txBody>
+          <a:bodyPr wrap="none" rtlCol="0">
+            <a:spAutoFit/>
+          </a:bodyPr>
+          <a:lstStyle/>
+          <a:p>
+            <a:r>
+              <a:rPr kumimoji="1" lang="ja-JP" altLang="en-US" sz="4400" b="1" dirty="0" smtClean="0"/>
+              <a:t>問題点</a:t>
+            </a:r>
+            <a:r>
+              <a:rPr kumimoji="1" lang="ja-JP" altLang="en-US" sz="4400" b="1" dirty="0" smtClean="0"/>
+              <a:t>その</a:t>
+            </a:r>
+            <a:r>
+              <a:rPr lang="ja-JP" altLang="en-US" sz="4400" b="1" dirty="0"/>
+              <a:t>３</a:t>
+            </a:r>
+            <a:endParaRPr kumimoji="1" lang="ja-JP" altLang="en-US" sz="4400" b="1" dirty="0"/>
+          </a:p>
+        </p:txBody>
+      </p:sp>
       <p:pic>
         <p:nvPicPr>
-          <p:cNvPr id="1028" name="Picture 4" descr="C:\Users\yamanin3\Desktop\images\building_company_eigyousyo.png"/>
+          <p:cNvPr id="13" name="Picture 4" descr="C:\Users\yamanin3\Desktop\images\building_company_eigyousyo.png"/>
           <p:cNvPicPr>
             <a:picLocks noChangeAspect="1" noChangeArrowheads="1"/>
           </p:cNvPicPr>
@@ -5776,8 +5752,8 @@
         </p:blipFill>
         <p:spPr bwMode="auto">
           <a:xfrm>
-            <a:off x="5165999" y="782338"/>
-            <a:ext cx="1346192" cy="1346192"/>
+            <a:off x="1242377" y="1959801"/>
+            <a:ext cx="1379799" cy="1379799"/>
           </a:xfrm>
           <a:prstGeom prst="rect">
             <a:avLst/>
@@ -5796,23 +5772,689 @@
       </p:pic>
       <p:sp>
         <p:nvSpPr>
-          <p:cNvPr id="5" name="円形吹き出し 4"/>
+          <p:cNvPr id="15" name="テキスト ボックス 14"/>
+          <p:cNvSpPr txBox="1"/>
+          <p:nvPr/>
+        </p:nvSpPr>
+        <p:spPr>
+          <a:xfrm>
+            <a:off x="1481137" y="3344768"/>
+            <a:ext cx="902277" cy="369332"/>
+          </a:xfrm>
+          <a:prstGeom prst="rect">
+            <a:avLst/>
+          </a:prstGeom>
+          <a:noFill/>
+        </p:spPr>
+        <p:txBody>
+          <a:bodyPr wrap="square" rtlCol="0">
+            <a:spAutoFit/>
+          </a:bodyPr>
+          <a:lstStyle/>
+          <a:p>
+            <a:r>
+              <a:rPr kumimoji="1" lang="ja-JP" altLang="en-US" b="1" dirty="0" smtClean="0"/>
+              <a:t>営業所</a:t>
+            </a:r>
+            <a:endParaRPr kumimoji="1" lang="ja-JP" altLang="en-US" b="1" dirty="0"/>
+          </a:p>
+        </p:txBody>
+      </p:sp>
+      <p:pic>
+        <p:nvPicPr>
+          <p:cNvPr id="18" name="Picture 4" descr="C:\Users\yamanin3\Desktop\images\building_company_eigyousyo.png"/>
+          <p:cNvPicPr>
+            <a:picLocks noChangeAspect="1" noChangeArrowheads="1"/>
+          </p:cNvPicPr>
+          <p:nvPr/>
+        </p:nvPicPr>
+        <p:blipFill>
+          <a:blip r:embed="rId2">
+            <a:extLst>
+              <a:ext uri="{28A0092B-C50C-407E-A947-70E740481C1C}">
+                <a14:useLocalDpi xmlns:a14="http://schemas.microsoft.com/office/drawing/2010/main" val="0"/>
+              </a:ext>
+            </a:extLst>
+          </a:blip>
+          <a:srcRect/>
+          <a:stretch>
+            <a:fillRect/>
+          </a:stretch>
+        </p:blipFill>
+        <p:spPr bwMode="auto">
+          <a:xfrm>
+            <a:off x="3209750" y="1959801"/>
+            <a:ext cx="1379799" cy="1379799"/>
+          </a:xfrm>
+          <a:prstGeom prst="rect">
+            <a:avLst/>
+          </a:prstGeom>
+          <a:noFill/>
+          <a:extLst>
+            <a:ext uri="{909E8E84-426E-40DD-AFC4-6F175D3DCCD1}">
+              <a14:hiddenFill xmlns:a14="http://schemas.microsoft.com/office/drawing/2010/main">
+                <a:solidFill>
+                  <a:srgbClr val="FFFFFF"/>
+                </a:solidFill>
+              </a14:hiddenFill>
+            </a:ext>
+          </a:extLst>
+        </p:spPr>
+      </p:pic>
+      <p:sp>
+        <p:nvSpPr>
+          <p:cNvPr id="20" name="テキスト ボックス 19"/>
+          <p:cNvSpPr txBox="1"/>
+          <p:nvPr/>
+        </p:nvSpPr>
+        <p:spPr>
+          <a:xfrm>
+            <a:off x="3448510" y="3344768"/>
+            <a:ext cx="902277" cy="369332"/>
+          </a:xfrm>
+          <a:prstGeom prst="rect">
+            <a:avLst/>
+          </a:prstGeom>
+          <a:noFill/>
+        </p:spPr>
+        <p:txBody>
+          <a:bodyPr wrap="square" rtlCol="0">
+            <a:spAutoFit/>
+          </a:bodyPr>
+          <a:lstStyle/>
+          <a:p>
+            <a:r>
+              <a:rPr kumimoji="1" lang="ja-JP" altLang="en-US" b="1" dirty="0" smtClean="0"/>
+              <a:t>営業所</a:t>
+            </a:r>
+            <a:endParaRPr kumimoji="1" lang="ja-JP" altLang="en-US" b="1" dirty="0"/>
+          </a:p>
+        </p:txBody>
+      </p:sp>
+      <p:pic>
+        <p:nvPicPr>
+          <p:cNvPr id="21" name="Picture 4" descr="C:\Users\yamanin3\Desktop\images\building_company_eigyousyo.png"/>
+          <p:cNvPicPr>
+            <a:picLocks noChangeAspect="1" noChangeArrowheads="1"/>
+          </p:cNvPicPr>
+          <p:nvPr/>
+        </p:nvPicPr>
+        <p:blipFill>
+          <a:blip r:embed="rId2">
+            <a:extLst>
+              <a:ext uri="{28A0092B-C50C-407E-A947-70E740481C1C}">
+                <a14:useLocalDpi xmlns:a14="http://schemas.microsoft.com/office/drawing/2010/main" val="0"/>
+              </a:ext>
+            </a:extLst>
+          </a:blip>
+          <a:srcRect/>
+          <a:stretch>
+            <a:fillRect/>
+          </a:stretch>
+        </p:blipFill>
+        <p:spPr bwMode="auto">
+          <a:xfrm>
+            <a:off x="5258198" y="1959801"/>
+            <a:ext cx="1379799" cy="1379799"/>
+          </a:xfrm>
+          <a:prstGeom prst="rect">
+            <a:avLst/>
+          </a:prstGeom>
+          <a:noFill/>
+          <a:extLst>
+            <a:ext uri="{909E8E84-426E-40DD-AFC4-6F175D3DCCD1}">
+              <a14:hiddenFill xmlns:a14="http://schemas.microsoft.com/office/drawing/2010/main">
+                <a:solidFill>
+                  <a:srgbClr val="FFFFFF"/>
+                </a:solidFill>
+              </a14:hiddenFill>
+            </a:ext>
+          </a:extLst>
+        </p:spPr>
+      </p:pic>
+      <p:sp>
+        <p:nvSpPr>
+          <p:cNvPr id="24" name="テキスト ボックス 23"/>
+          <p:cNvSpPr txBox="1"/>
+          <p:nvPr/>
+        </p:nvSpPr>
+        <p:spPr>
+          <a:xfrm>
+            <a:off x="5496958" y="3339600"/>
+            <a:ext cx="902277" cy="369332"/>
+          </a:xfrm>
+          <a:prstGeom prst="rect">
+            <a:avLst/>
+          </a:prstGeom>
+          <a:noFill/>
+        </p:spPr>
+        <p:txBody>
+          <a:bodyPr wrap="square" rtlCol="0">
+            <a:spAutoFit/>
+          </a:bodyPr>
+          <a:lstStyle/>
+          <a:p>
+            <a:r>
+              <a:rPr kumimoji="1" lang="ja-JP" altLang="en-US" b="1" dirty="0" smtClean="0"/>
+              <a:t>営業所</a:t>
+            </a:r>
+            <a:endParaRPr kumimoji="1" lang="ja-JP" altLang="en-US" b="1" dirty="0"/>
+          </a:p>
+        </p:txBody>
+      </p:sp>
+      <p:pic>
+        <p:nvPicPr>
+          <p:cNvPr id="25" name="Picture 4" descr="C:\Users\yamanin3\Desktop\images\building_company_eigyousyo.png"/>
+          <p:cNvPicPr>
+            <a:picLocks noChangeAspect="1" noChangeArrowheads="1"/>
+          </p:cNvPicPr>
+          <p:nvPr/>
+        </p:nvPicPr>
+        <p:blipFill>
+          <a:blip r:embed="rId2">
+            <a:extLst>
+              <a:ext uri="{28A0092B-C50C-407E-A947-70E740481C1C}">
+                <a14:useLocalDpi xmlns:a14="http://schemas.microsoft.com/office/drawing/2010/main" val="0"/>
+              </a:ext>
+            </a:extLst>
+          </a:blip>
+          <a:srcRect/>
+          <a:stretch>
+            <a:fillRect/>
+          </a:stretch>
+        </p:blipFill>
+        <p:spPr bwMode="auto">
+          <a:xfrm>
+            <a:off x="7306646" y="1959801"/>
+            <a:ext cx="1379799" cy="1379799"/>
+          </a:xfrm>
+          <a:prstGeom prst="rect">
+            <a:avLst/>
+          </a:prstGeom>
+          <a:noFill/>
+          <a:extLst>
+            <a:ext uri="{909E8E84-426E-40DD-AFC4-6F175D3DCCD1}">
+              <a14:hiddenFill xmlns:a14="http://schemas.microsoft.com/office/drawing/2010/main">
+                <a:solidFill>
+                  <a:srgbClr val="FFFFFF"/>
+                </a:solidFill>
+              </a14:hiddenFill>
+            </a:ext>
+          </a:extLst>
+        </p:spPr>
+      </p:pic>
+      <p:sp>
+        <p:nvSpPr>
+          <p:cNvPr id="26" name="テキスト ボックス 25"/>
+          <p:cNvSpPr txBox="1"/>
+          <p:nvPr/>
+        </p:nvSpPr>
+        <p:spPr>
+          <a:xfrm>
+            <a:off x="7545406" y="3307334"/>
+            <a:ext cx="902277" cy="369332"/>
+          </a:xfrm>
+          <a:prstGeom prst="rect">
+            <a:avLst/>
+          </a:prstGeom>
+          <a:noFill/>
+        </p:spPr>
+        <p:txBody>
+          <a:bodyPr wrap="square" rtlCol="0">
+            <a:spAutoFit/>
+          </a:bodyPr>
+          <a:lstStyle/>
+          <a:p>
+            <a:r>
+              <a:rPr kumimoji="1" lang="ja-JP" altLang="en-US" b="1" dirty="0" smtClean="0"/>
+              <a:t>営業所</a:t>
+            </a:r>
+            <a:endParaRPr kumimoji="1" lang="ja-JP" altLang="en-US" b="1" dirty="0"/>
+          </a:p>
+        </p:txBody>
+      </p:sp>
+      <p:pic>
+        <p:nvPicPr>
+          <p:cNvPr id="27" name="Picture 4" descr="C:\Users\yamanin3\Desktop\images\building_company_eigyousyo.png"/>
+          <p:cNvPicPr>
+            <a:picLocks noChangeAspect="1" noChangeArrowheads="1"/>
+          </p:cNvPicPr>
+          <p:nvPr/>
+        </p:nvPicPr>
+        <p:blipFill>
+          <a:blip r:embed="rId2">
+            <a:extLst>
+              <a:ext uri="{28A0092B-C50C-407E-A947-70E740481C1C}">
+                <a14:useLocalDpi xmlns:a14="http://schemas.microsoft.com/office/drawing/2010/main" val="0"/>
+              </a:ext>
+            </a:extLst>
+          </a:blip>
+          <a:srcRect/>
+          <a:stretch>
+            <a:fillRect/>
+          </a:stretch>
+        </p:blipFill>
+        <p:spPr bwMode="auto">
+          <a:xfrm>
+            <a:off x="9355094" y="1927535"/>
+            <a:ext cx="1379799" cy="1379799"/>
+          </a:xfrm>
+          <a:prstGeom prst="rect">
+            <a:avLst/>
+          </a:prstGeom>
+          <a:noFill/>
+          <a:extLst>
+            <a:ext uri="{909E8E84-426E-40DD-AFC4-6F175D3DCCD1}">
+              <a14:hiddenFill xmlns:a14="http://schemas.microsoft.com/office/drawing/2010/main">
+                <a:solidFill>
+                  <a:srgbClr val="FFFFFF"/>
+                </a:solidFill>
+              </a14:hiddenFill>
+            </a:ext>
+          </a:extLst>
+        </p:spPr>
+      </p:pic>
+      <p:sp>
+        <p:nvSpPr>
+          <p:cNvPr id="28" name="テキスト ボックス 27"/>
+          <p:cNvSpPr txBox="1"/>
+          <p:nvPr/>
+        </p:nvSpPr>
+        <p:spPr>
+          <a:xfrm>
+            <a:off x="9593854" y="3307334"/>
+            <a:ext cx="902277" cy="369332"/>
+          </a:xfrm>
+          <a:prstGeom prst="rect">
+            <a:avLst/>
+          </a:prstGeom>
+          <a:noFill/>
+        </p:spPr>
+        <p:txBody>
+          <a:bodyPr wrap="square" rtlCol="0">
+            <a:spAutoFit/>
+          </a:bodyPr>
+          <a:lstStyle/>
+          <a:p>
+            <a:r>
+              <a:rPr kumimoji="1" lang="ja-JP" altLang="en-US" b="1" dirty="0" smtClean="0"/>
+              <a:t>営業所</a:t>
+            </a:r>
+            <a:endParaRPr kumimoji="1" lang="ja-JP" altLang="en-US" b="1" dirty="0"/>
+          </a:p>
+        </p:txBody>
+      </p:sp>
+      <p:pic>
+        <p:nvPicPr>
+          <p:cNvPr id="29" name="Picture 5" descr="C:\Users\yamanin3\Desktop\images\souko_building.png"/>
+          <p:cNvPicPr>
+            <a:picLocks noChangeAspect="1" noChangeArrowheads="1"/>
+          </p:cNvPicPr>
+          <p:nvPr/>
+        </p:nvPicPr>
+        <p:blipFill>
+          <a:blip r:embed="rId3">
+            <a:extLst>
+              <a:ext uri="{28A0092B-C50C-407E-A947-70E740481C1C}">
+                <a14:useLocalDpi xmlns:a14="http://schemas.microsoft.com/office/drawing/2010/main" val="0"/>
+              </a:ext>
+            </a:extLst>
+          </a:blip>
+          <a:srcRect/>
+          <a:stretch>
+            <a:fillRect/>
+          </a:stretch>
+        </p:blipFill>
+        <p:spPr bwMode="auto">
+          <a:xfrm>
+            <a:off x="1327941" y="4590067"/>
+            <a:ext cx="1214831" cy="1214831"/>
+          </a:xfrm>
+          <a:prstGeom prst="rect">
+            <a:avLst/>
+          </a:prstGeom>
+          <a:noFill/>
+          <a:extLst>
+            <a:ext uri="{909E8E84-426E-40DD-AFC4-6F175D3DCCD1}">
+              <a14:hiddenFill xmlns:a14="http://schemas.microsoft.com/office/drawing/2010/main">
+                <a:solidFill>
+                  <a:srgbClr val="FFFFFF"/>
+                </a:solidFill>
+              </a14:hiddenFill>
+            </a:ext>
+          </a:extLst>
+        </p:spPr>
+      </p:pic>
+      <p:sp>
+        <p:nvSpPr>
+          <p:cNvPr id="30" name="テキスト ボックス 29"/>
+          <p:cNvSpPr txBox="1"/>
+          <p:nvPr/>
+        </p:nvSpPr>
+        <p:spPr>
+          <a:xfrm>
+            <a:off x="1612190" y="5833275"/>
+            <a:ext cx="646331" cy="369332"/>
+          </a:xfrm>
+          <a:prstGeom prst="rect">
+            <a:avLst/>
+          </a:prstGeom>
+          <a:noFill/>
+        </p:spPr>
+        <p:txBody>
+          <a:bodyPr wrap="none" rtlCol="0">
+            <a:spAutoFit/>
+          </a:bodyPr>
+          <a:lstStyle/>
+          <a:p>
+            <a:r>
+              <a:rPr kumimoji="1" lang="ja-JP" altLang="en-US" b="1" dirty="0" smtClean="0"/>
+              <a:t>倉庫</a:t>
+            </a:r>
+            <a:endParaRPr kumimoji="1" lang="ja-JP" altLang="en-US" b="1" dirty="0"/>
+          </a:p>
+        </p:txBody>
+      </p:sp>
+      <p:pic>
+        <p:nvPicPr>
+          <p:cNvPr id="34" name="Picture 5" descr="C:\Users\yamanin3\Desktop\images\souko_building.png"/>
+          <p:cNvPicPr>
+            <a:picLocks noChangeAspect="1" noChangeArrowheads="1"/>
+          </p:cNvPicPr>
+          <p:nvPr/>
+        </p:nvPicPr>
+        <p:blipFill>
+          <a:blip r:embed="rId3">
+            <a:extLst>
+              <a:ext uri="{28A0092B-C50C-407E-A947-70E740481C1C}">
+                <a14:useLocalDpi xmlns:a14="http://schemas.microsoft.com/office/drawing/2010/main" val="0"/>
+              </a:ext>
+            </a:extLst>
+          </a:blip>
+          <a:srcRect/>
+          <a:stretch>
+            <a:fillRect/>
+          </a:stretch>
+        </p:blipFill>
+        <p:spPr bwMode="auto">
+          <a:xfrm>
+            <a:off x="3292233" y="4618444"/>
+            <a:ext cx="1214831" cy="1214831"/>
+          </a:xfrm>
+          <a:prstGeom prst="rect">
+            <a:avLst/>
+          </a:prstGeom>
+          <a:noFill/>
+          <a:extLst>
+            <a:ext uri="{909E8E84-426E-40DD-AFC4-6F175D3DCCD1}">
+              <a14:hiddenFill xmlns:a14="http://schemas.microsoft.com/office/drawing/2010/main">
+                <a:solidFill>
+                  <a:srgbClr val="FFFFFF"/>
+                </a:solidFill>
+              </a14:hiddenFill>
+            </a:ext>
+          </a:extLst>
+        </p:spPr>
+      </p:pic>
+      <p:sp>
+        <p:nvSpPr>
+          <p:cNvPr id="35" name="テキスト ボックス 34"/>
+          <p:cNvSpPr txBox="1"/>
+          <p:nvPr/>
+        </p:nvSpPr>
+        <p:spPr>
+          <a:xfrm>
+            <a:off x="3576483" y="5833275"/>
+            <a:ext cx="646331" cy="369332"/>
+          </a:xfrm>
+          <a:prstGeom prst="rect">
+            <a:avLst/>
+          </a:prstGeom>
+          <a:noFill/>
+        </p:spPr>
+        <p:txBody>
+          <a:bodyPr wrap="none" rtlCol="0">
+            <a:spAutoFit/>
+          </a:bodyPr>
+          <a:lstStyle/>
+          <a:p>
+            <a:r>
+              <a:rPr kumimoji="1" lang="ja-JP" altLang="en-US" b="1" dirty="0" smtClean="0"/>
+              <a:t>倉庫</a:t>
+            </a:r>
+            <a:endParaRPr kumimoji="1" lang="ja-JP" altLang="en-US" b="1" dirty="0"/>
+          </a:p>
+        </p:txBody>
+      </p:sp>
+      <p:pic>
+        <p:nvPicPr>
+          <p:cNvPr id="36" name="Picture 5" descr="C:\Users\yamanin3\Desktop\images\souko_building.png"/>
+          <p:cNvPicPr>
+            <a:picLocks noChangeAspect="1" noChangeArrowheads="1"/>
+          </p:cNvPicPr>
+          <p:nvPr/>
+        </p:nvPicPr>
+        <p:blipFill>
+          <a:blip r:embed="rId3">
+            <a:extLst>
+              <a:ext uri="{28A0092B-C50C-407E-A947-70E740481C1C}">
+                <a14:useLocalDpi xmlns:a14="http://schemas.microsoft.com/office/drawing/2010/main" val="0"/>
+              </a:ext>
+            </a:extLst>
+          </a:blip>
+          <a:srcRect/>
+          <a:stretch>
+            <a:fillRect/>
+          </a:stretch>
+        </p:blipFill>
+        <p:spPr bwMode="auto">
+          <a:xfrm>
+            <a:off x="5340681" y="4590068"/>
+            <a:ext cx="1214831" cy="1214831"/>
+          </a:xfrm>
+          <a:prstGeom prst="rect">
+            <a:avLst/>
+          </a:prstGeom>
+          <a:noFill/>
+          <a:extLst>
+            <a:ext uri="{909E8E84-426E-40DD-AFC4-6F175D3DCCD1}">
+              <a14:hiddenFill xmlns:a14="http://schemas.microsoft.com/office/drawing/2010/main">
+                <a:solidFill>
+                  <a:srgbClr val="FFFFFF"/>
+                </a:solidFill>
+              </a14:hiddenFill>
+            </a:ext>
+          </a:extLst>
+        </p:spPr>
+      </p:pic>
+      <p:sp>
+        <p:nvSpPr>
+          <p:cNvPr id="37" name="テキスト ボックス 36"/>
+          <p:cNvSpPr txBox="1"/>
+          <p:nvPr/>
+        </p:nvSpPr>
+        <p:spPr>
+          <a:xfrm>
+            <a:off x="5624931" y="5804899"/>
+            <a:ext cx="646331" cy="369332"/>
+          </a:xfrm>
+          <a:prstGeom prst="rect">
+            <a:avLst/>
+          </a:prstGeom>
+          <a:noFill/>
+        </p:spPr>
+        <p:txBody>
+          <a:bodyPr wrap="none" rtlCol="0">
+            <a:spAutoFit/>
+          </a:bodyPr>
+          <a:lstStyle/>
+          <a:p>
+            <a:r>
+              <a:rPr kumimoji="1" lang="ja-JP" altLang="en-US" b="1" dirty="0" smtClean="0"/>
+              <a:t>倉庫</a:t>
+            </a:r>
+            <a:endParaRPr kumimoji="1" lang="ja-JP" altLang="en-US" b="1" dirty="0"/>
+          </a:p>
+        </p:txBody>
+      </p:sp>
+      <p:pic>
+        <p:nvPicPr>
+          <p:cNvPr id="38" name="Picture 5" descr="C:\Users\yamanin3\Desktop\images\souko_building.png"/>
+          <p:cNvPicPr>
+            <a:picLocks noChangeAspect="1" noChangeArrowheads="1"/>
+          </p:cNvPicPr>
+          <p:nvPr/>
+        </p:nvPicPr>
+        <p:blipFill>
+          <a:blip r:embed="rId3">
+            <a:extLst>
+              <a:ext uri="{28A0092B-C50C-407E-A947-70E740481C1C}">
+                <a14:useLocalDpi xmlns:a14="http://schemas.microsoft.com/office/drawing/2010/main" val="0"/>
+              </a:ext>
+            </a:extLst>
+          </a:blip>
+          <a:srcRect/>
+          <a:stretch>
+            <a:fillRect/>
+          </a:stretch>
+        </p:blipFill>
+        <p:spPr bwMode="auto">
+          <a:xfrm>
+            <a:off x="7389128" y="4618444"/>
+            <a:ext cx="1214831" cy="1214831"/>
+          </a:xfrm>
+          <a:prstGeom prst="rect">
+            <a:avLst/>
+          </a:prstGeom>
+          <a:noFill/>
+          <a:extLst>
+            <a:ext uri="{909E8E84-426E-40DD-AFC4-6F175D3DCCD1}">
+              <a14:hiddenFill xmlns:a14="http://schemas.microsoft.com/office/drawing/2010/main">
+                <a:solidFill>
+                  <a:srgbClr val="FFFFFF"/>
+                </a:solidFill>
+              </a14:hiddenFill>
+            </a:ext>
+          </a:extLst>
+        </p:spPr>
+      </p:pic>
+      <p:sp>
+        <p:nvSpPr>
+          <p:cNvPr id="39" name="テキスト ボックス 38"/>
+          <p:cNvSpPr txBox="1"/>
+          <p:nvPr/>
+        </p:nvSpPr>
+        <p:spPr>
+          <a:xfrm>
+            <a:off x="7673377" y="5833275"/>
+            <a:ext cx="646331" cy="369332"/>
+          </a:xfrm>
+          <a:prstGeom prst="rect">
+            <a:avLst/>
+          </a:prstGeom>
+          <a:noFill/>
+        </p:spPr>
+        <p:txBody>
+          <a:bodyPr wrap="none" rtlCol="0">
+            <a:spAutoFit/>
+          </a:bodyPr>
+          <a:lstStyle/>
+          <a:p>
+            <a:r>
+              <a:rPr kumimoji="1" lang="ja-JP" altLang="en-US" b="1" dirty="0" smtClean="0"/>
+              <a:t>倉庫</a:t>
+            </a:r>
+            <a:endParaRPr kumimoji="1" lang="ja-JP" altLang="en-US" b="1" dirty="0"/>
+          </a:p>
+        </p:txBody>
+      </p:sp>
+      <p:pic>
+        <p:nvPicPr>
+          <p:cNvPr id="40" name="Picture 5" descr="C:\Users\yamanin3\Desktop\images\souko_building.png"/>
+          <p:cNvPicPr>
+            <a:picLocks noChangeAspect="1" noChangeArrowheads="1"/>
+          </p:cNvPicPr>
+          <p:nvPr/>
+        </p:nvPicPr>
+        <p:blipFill>
+          <a:blip r:embed="rId3">
+            <a:extLst>
+              <a:ext uri="{28A0092B-C50C-407E-A947-70E740481C1C}">
+                <a14:useLocalDpi xmlns:a14="http://schemas.microsoft.com/office/drawing/2010/main" val="0"/>
+              </a:ext>
+            </a:extLst>
+          </a:blip>
+          <a:srcRect/>
+          <a:stretch>
+            <a:fillRect/>
+          </a:stretch>
+        </p:blipFill>
+        <p:spPr bwMode="auto">
+          <a:xfrm>
+            <a:off x="9355094" y="4618442"/>
+            <a:ext cx="1214831" cy="1214831"/>
+          </a:xfrm>
+          <a:prstGeom prst="rect">
+            <a:avLst/>
+          </a:prstGeom>
+          <a:noFill/>
+          <a:extLst>
+            <a:ext uri="{909E8E84-426E-40DD-AFC4-6F175D3DCCD1}">
+              <a14:hiddenFill xmlns:a14="http://schemas.microsoft.com/office/drawing/2010/main">
+                <a:solidFill>
+                  <a:srgbClr val="FFFFFF"/>
+                </a:solidFill>
+              </a14:hiddenFill>
+            </a:ext>
+          </a:extLst>
+        </p:spPr>
+      </p:pic>
+      <p:sp>
+        <p:nvSpPr>
+          <p:cNvPr id="41" name="テキスト ボックス 40"/>
+          <p:cNvSpPr txBox="1"/>
+          <p:nvPr/>
+        </p:nvSpPr>
+        <p:spPr>
+          <a:xfrm>
+            <a:off x="9721827" y="5802648"/>
+            <a:ext cx="646331" cy="369332"/>
+          </a:xfrm>
+          <a:prstGeom prst="rect">
+            <a:avLst/>
+          </a:prstGeom>
+          <a:noFill/>
+        </p:spPr>
+        <p:txBody>
+          <a:bodyPr wrap="none" rtlCol="0">
+            <a:spAutoFit/>
+          </a:bodyPr>
+          <a:lstStyle/>
+          <a:p>
+            <a:r>
+              <a:rPr kumimoji="1" lang="ja-JP" altLang="en-US" b="1" dirty="0" smtClean="0"/>
+              <a:t>倉庫</a:t>
+            </a:r>
+            <a:endParaRPr kumimoji="1" lang="ja-JP" altLang="en-US" b="1" dirty="0"/>
+          </a:p>
+        </p:txBody>
+      </p:sp>
+      <p:sp>
+        <p:nvSpPr>
+          <p:cNvPr id="8" name="爆発 2 7"/>
           <p:cNvSpPr/>
           <p:nvPr/>
         </p:nvSpPr>
         <p:spPr>
-          <a:xfrm>
-            <a:off x="104503" y="2939142"/>
-            <a:ext cx="11952514" cy="3827417"/>
-          </a:xfrm>
-          <a:prstGeom prst="wedgeEllipseCallout">
-            <a:avLst>
-              <a:gd name="adj1" fmla="val -1958"/>
-              <a:gd name="adj2" fmla="val -70341"/>
-            </a:avLst>
+          <a:xfrm rot="20685715">
+            <a:off x="1939396" y="648457"/>
+            <a:ext cx="8779621" cy="5392621"/>
+          </a:xfrm>
+          <a:prstGeom prst="irregularSeal2">
+            <a:avLst/>
           </a:prstGeom>
           <a:solidFill>
-            <a:schemeClr val="bg1"/>
+            <a:srgbClr val="FF0000"/>
           </a:solidFill>
         </p:spPr>
         <p:style>
@@ -5836,354 +6478,26 @@
           <a:lstStyle/>
           <a:p>
             <a:pPr algn="ctr"/>
-            <a:endParaRPr kumimoji="1" lang="ja-JP" altLang="en-US"/>
-          </a:p>
-        </p:txBody>
-      </p:sp>
-      <p:pic>
-        <p:nvPicPr>
-          <p:cNvPr id="24" name="Picture 3" descr="C:\Users\yamanin3\Desktop\images\sales_eigyou_man.png"/>
-          <p:cNvPicPr>
-            <a:picLocks noChangeAspect="1" noChangeArrowheads="1"/>
-          </p:cNvPicPr>
-          <p:nvPr/>
-        </p:nvPicPr>
-        <p:blipFill>
-          <a:blip r:embed="rId3" cstate="print">
-            <a:extLst>
-              <a:ext uri="{28A0092B-C50C-407E-A947-70E740481C1C}">
-                <a14:useLocalDpi xmlns:a14="http://schemas.microsoft.com/office/drawing/2010/main" val="0"/>
-              </a:ext>
-            </a:extLst>
-          </a:blip>
-          <a:srcRect/>
-          <a:stretch>
-            <a:fillRect/>
-          </a:stretch>
-        </p:blipFill>
-        <p:spPr bwMode="auto">
-          <a:xfrm>
-            <a:off x="1865521" y="3870701"/>
-            <a:ext cx="1934538" cy="1934538"/>
-          </a:xfrm>
-          <a:prstGeom prst="rect">
-            <a:avLst/>
-          </a:prstGeom>
-          <a:noFill/>
-          <a:extLst>
-            <a:ext uri="{909E8E84-426E-40DD-AFC4-6F175D3DCCD1}">
-              <a14:hiddenFill xmlns:a14="http://schemas.microsoft.com/office/drawing/2010/main">
+            <a:r>
+              <a:rPr kumimoji="1" lang="ja-JP" altLang="en-US" sz="4400" dirty="0" smtClean="0">
                 <a:solidFill>
-                  <a:srgbClr val="FFFFFF"/>
-                </a:solidFill>
-              </a14:hiddenFill>
-            </a:ext>
-          </a:extLst>
-        </p:spPr>
-      </p:pic>
-      <p:pic>
-        <p:nvPicPr>
-          <p:cNvPr id="25" name="Picture 2" descr="C:\Users\yamanin-Note\Desktop\yamanin3\job_jimu_woman.png"/>
-          <p:cNvPicPr>
-            <a:picLocks noChangeAspect="1" noChangeArrowheads="1"/>
-          </p:cNvPicPr>
-          <p:nvPr/>
-        </p:nvPicPr>
-        <p:blipFill>
-          <a:blip r:embed="rId4">
-            <a:extLst>
-              <a:ext uri="{28A0092B-C50C-407E-A947-70E740481C1C}">
-                <a14:useLocalDpi xmlns:a14="http://schemas.microsoft.com/office/drawing/2010/main" val="0"/>
-              </a:ext>
-            </a:extLst>
-          </a:blip>
-          <a:srcRect/>
-          <a:stretch>
-            <a:fillRect/>
-          </a:stretch>
-        </p:blipFill>
-        <p:spPr bwMode="auto">
-          <a:xfrm>
-            <a:off x="8345277" y="3732402"/>
-            <a:ext cx="1444608" cy="2211136"/>
-          </a:xfrm>
-          <a:prstGeom prst="rect">
-            <a:avLst/>
-          </a:prstGeom>
-          <a:noFill/>
-          <a:extLst>
-            <a:ext uri="{909E8E84-426E-40DD-AFC4-6F175D3DCCD1}">
-              <a14:hiddenFill xmlns:a14="http://schemas.microsoft.com/office/drawing/2010/main">
-                <a:solidFill>
-                  <a:srgbClr val="FFFFFF"/>
-                </a:solidFill>
-              </a14:hiddenFill>
-            </a:ext>
-          </a:extLst>
-        </p:spPr>
-      </p:pic>
-      <p:sp>
-        <p:nvSpPr>
-          <p:cNvPr id="6" name="円形吹き出し 5"/>
-          <p:cNvSpPr/>
-          <p:nvPr/>
-        </p:nvSpPr>
-        <p:spPr>
-          <a:xfrm>
-            <a:off x="3540032" y="3208782"/>
-            <a:ext cx="2299063" cy="1353597"/>
-          </a:xfrm>
-          <a:prstGeom prst="wedgeEllipseCallout">
-            <a:avLst>
-              <a:gd name="adj1" fmla="val -58178"/>
-              <a:gd name="adj2" fmla="val 41269"/>
-            </a:avLst>
-          </a:prstGeom>
-          <a:solidFill>
-            <a:schemeClr val="bg2"/>
-          </a:solidFill>
-        </p:spPr>
-        <p:style>
-          <a:lnRef idx="2">
-            <a:schemeClr val="accent1">
-              <a:shade val="50000"/>
-            </a:schemeClr>
-          </a:lnRef>
-          <a:fillRef idx="1">
-            <a:schemeClr val="accent1"/>
-          </a:fillRef>
-          <a:effectRef idx="0">
-            <a:schemeClr val="accent1"/>
-          </a:effectRef>
-          <a:fontRef idx="minor">
-            <a:schemeClr val="lt1"/>
-          </a:fontRef>
-        </p:style>
-        <p:txBody>
-          <a:bodyPr rtlCol="0" anchor="ctr"/>
-          <a:lstStyle/>
-          <a:p>
-            <a:pPr algn="ctr"/>
-            <a:r>
-              <a:rPr kumimoji="1" lang="ja-JP" altLang="en-US" sz="2000" dirty="0" smtClean="0">
-                <a:solidFill>
-                  <a:schemeClr val="tx1"/>
+                  <a:srgbClr val="FFFF00"/>
                 </a:solidFill>
               </a:rPr>
-              <a:t>「ペン</a:t>
-            </a:r>
-            <a:r>
-              <a:rPr kumimoji="1" lang="en-US" altLang="ja-JP" sz="2000" dirty="0" smtClean="0">
-                <a:solidFill>
-                  <a:schemeClr val="tx1"/>
-                </a:solidFill>
-              </a:rPr>
-              <a:t>10</a:t>
-            </a:r>
-            <a:r>
-              <a:rPr kumimoji="1" lang="ja-JP" altLang="en-US" sz="2000" dirty="0" smtClean="0">
-                <a:solidFill>
-                  <a:schemeClr val="tx1"/>
-                </a:solidFill>
-              </a:rPr>
-              <a:t>本ね！」</a:t>
-            </a:r>
-            <a:endParaRPr kumimoji="1" lang="ja-JP" altLang="en-US" sz="2000" dirty="0">
+              <a:t>手間がかかっている！！</a:t>
+            </a:r>
+            <a:endParaRPr kumimoji="1" lang="ja-JP" altLang="en-US" sz="4400" dirty="0">
               <a:solidFill>
-                <a:schemeClr val="tx1"/>
+                <a:srgbClr val="FFFF00"/>
               </a:solidFill>
             </a:endParaRPr>
-          </a:p>
-        </p:txBody>
-      </p:sp>
-      <p:sp>
-        <p:nvSpPr>
-          <p:cNvPr id="28" name="円形吹き出し 27"/>
-          <p:cNvSpPr/>
-          <p:nvPr/>
-        </p:nvSpPr>
-        <p:spPr>
-          <a:xfrm>
-            <a:off x="5775354" y="4037979"/>
-            <a:ext cx="2569923" cy="1353597"/>
-          </a:xfrm>
-          <a:prstGeom prst="wedgeEllipseCallout">
-            <a:avLst>
-              <a:gd name="adj1" fmla="val 61708"/>
-              <a:gd name="adj2" fmla="val -25319"/>
-            </a:avLst>
-          </a:prstGeom>
-          <a:solidFill>
-            <a:schemeClr val="bg2"/>
-          </a:solidFill>
-        </p:spPr>
-        <p:style>
-          <a:lnRef idx="2">
-            <a:schemeClr val="accent1">
-              <a:shade val="50000"/>
-            </a:schemeClr>
-          </a:lnRef>
-          <a:fillRef idx="1">
-            <a:schemeClr val="accent1"/>
-          </a:fillRef>
-          <a:effectRef idx="0">
-            <a:schemeClr val="accent1"/>
-          </a:effectRef>
-          <a:fontRef idx="minor">
-            <a:schemeClr val="lt1"/>
-          </a:fontRef>
-        </p:style>
-        <p:txBody>
-          <a:bodyPr rtlCol="0" anchor="ctr"/>
-          <a:lstStyle/>
-          <a:p>
-            <a:pPr algn="ctr"/>
-            <a:r>
-              <a:rPr lang="ja-JP" altLang="en-US" sz="2000" dirty="0" smtClean="0">
-                <a:solidFill>
-                  <a:schemeClr val="tx1"/>
-                </a:solidFill>
-              </a:rPr>
-              <a:t>分かりました</a:t>
-            </a:r>
-            <a:endParaRPr lang="en-US" altLang="ja-JP" sz="2000" dirty="0" smtClean="0">
-              <a:solidFill>
-                <a:schemeClr val="tx1"/>
-              </a:solidFill>
-            </a:endParaRPr>
-          </a:p>
-          <a:p>
-            <a:pPr algn="ctr"/>
-            <a:r>
-              <a:rPr lang="ja-JP" altLang="en-US" sz="2000" dirty="0" smtClean="0">
-                <a:solidFill>
-                  <a:schemeClr val="tx1"/>
-                </a:solidFill>
-              </a:rPr>
-              <a:t>「ペン</a:t>
-            </a:r>
-            <a:r>
-              <a:rPr lang="en-US" altLang="ja-JP" sz="2000" dirty="0" smtClean="0">
-                <a:solidFill>
-                  <a:schemeClr val="tx1"/>
-                </a:solidFill>
-              </a:rPr>
-              <a:t>50</a:t>
-            </a:r>
-            <a:r>
-              <a:rPr lang="ja-JP" altLang="en-US" sz="2000" dirty="0" smtClean="0">
-                <a:solidFill>
-                  <a:schemeClr val="tx1"/>
-                </a:solidFill>
-              </a:rPr>
-              <a:t>本ですね！」</a:t>
-            </a:r>
-            <a:endParaRPr lang="en-US" altLang="ja-JP" sz="2000" dirty="0" smtClean="0">
-              <a:solidFill>
-                <a:schemeClr val="tx1"/>
-              </a:solidFill>
-            </a:endParaRPr>
-          </a:p>
-        </p:txBody>
-      </p:sp>
-      <p:sp>
-        <p:nvSpPr>
-          <p:cNvPr id="29" name="テキスト ボックス 28"/>
-          <p:cNvSpPr txBox="1"/>
-          <p:nvPr/>
-        </p:nvSpPr>
-        <p:spPr>
-          <a:xfrm>
-            <a:off x="2278792" y="5943538"/>
-            <a:ext cx="1107996" cy="369332"/>
-          </a:xfrm>
-          <a:prstGeom prst="rect">
-            <a:avLst/>
-          </a:prstGeom>
-          <a:noFill/>
-        </p:spPr>
-        <p:txBody>
-          <a:bodyPr wrap="none" rtlCol="0">
-            <a:spAutoFit/>
-          </a:bodyPr>
-          <a:lstStyle/>
-          <a:p>
-            <a:r>
-              <a:rPr kumimoji="1" lang="ja-JP" altLang="en-US" b="1" dirty="0" smtClean="0"/>
-              <a:t>営業担当</a:t>
-            </a:r>
-            <a:endParaRPr kumimoji="1" lang="ja-JP" altLang="en-US" b="1" dirty="0"/>
-          </a:p>
-        </p:txBody>
-      </p:sp>
-      <p:sp>
-        <p:nvSpPr>
-          <p:cNvPr id="30" name="テキスト ボックス 29"/>
-          <p:cNvSpPr txBox="1"/>
-          <p:nvPr/>
-        </p:nvSpPr>
-        <p:spPr>
-          <a:xfrm>
-            <a:off x="8513583" y="5970637"/>
-            <a:ext cx="1107996" cy="369332"/>
-          </a:xfrm>
-          <a:prstGeom prst="rect">
-            <a:avLst/>
-          </a:prstGeom>
-          <a:noFill/>
-        </p:spPr>
-        <p:txBody>
-          <a:bodyPr wrap="none" rtlCol="0">
-            <a:spAutoFit/>
-          </a:bodyPr>
-          <a:lstStyle/>
-          <a:p>
-            <a:r>
-              <a:rPr kumimoji="1" lang="ja-JP" altLang="en-US" b="1" dirty="0" smtClean="0"/>
-              <a:t>事務担当</a:t>
-            </a:r>
-            <a:endParaRPr kumimoji="1" lang="en-US" altLang="ja-JP" b="1" dirty="0" smtClean="0"/>
-          </a:p>
-        </p:txBody>
-      </p:sp>
-      <p:sp>
-        <p:nvSpPr>
-          <p:cNvPr id="7" name="テキスト ボックス 6"/>
-          <p:cNvSpPr txBox="1"/>
-          <p:nvPr/>
-        </p:nvSpPr>
-        <p:spPr>
-          <a:xfrm>
-            <a:off x="391096" y="1359089"/>
-            <a:ext cx="3570208" cy="769441"/>
-          </a:xfrm>
-          <a:prstGeom prst="rect">
-            <a:avLst/>
-          </a:prstGeom>
-          <a:noFill/>
-        </p:spPr>
-        <p:txBody>
-          <a:bodyPr wrap="none" rtlCol="0">
-            <a:spAutoFit/>
-          </a:bodyPr>
-          <a:lstStyle/>
-          <a:p>
-            <a:r>
-              <a:rPr kumimoji="1" lang="ja-JP" altLang="en-US" sz="4400" b="1" dirty="0" smtClean="0"/>
-              <a:t>問題点その</a:t>
-            </a:r>
-            <a:r>
-              <a:rPr lang="ja-JP" altLang="en-US" sz="4400" b="1" dirty="0"/>
-              <a:t>２</a:t>
-            </a:r>
-            <a:endParaRPr kumimoji="1" lang="ja-JP" altLang="en-US" sz="4400" b="1" dirty="0"/>
           </a:p>
         </p:txBody>
       </p:sp>
     </p:spTree>
     <p:extLst>
       <p:ext uri="{BB962C8B-B14F-4D97-AF65-F5344CB8AC3E}">
-        <p14:creationId xmlns:p14="http://schemas.microsoft.com/office/powerpoint/2010/main" val="663704935"/>
+        <p14:creationId xmlns:p14="http://schemas.microsoft.com/office/powerpoint/2010/main" val="3684350009"/>
       </p:ext>
     </p:extLst>
   </p:cSld>
@@ -6193,9 +6507,862 @@
   <p:timing>
     <p:tnLst>
       <p:par>
-        <p:cTn id="1" dur="indefinite" restart="never" nodeType="tmRoot"/>
+        <p:cTn id="1" dur="indefinite" restart="never" nodeType="tmRoot">
+          <p:childTnLst>
+            <p:seq concurrent="1" nextAc="seek">
+              <p:cTn id="2" dur="indefinite" nodeType="mainSeq">
+                <p:childTnLst>
+                  <p:par>
+                    <p:cTn id="3" fill="hold">
+                      <p:stCondLst>
+                        <p:cond delay="indefinite"/>
+                      </p:stCondLst>
+                      <p:childTnLst>
+                        <p:par>
+                          <p:cTn id="4" fill="hold">
+                            <p:stCondLst>
+                              <p:cond delay="0"/>
+                            </p:stCondLst>
+                            <p:childTnLst>
+                              <p:par>
+                                <p:cTn id="5" presetID="10" presetClass="entr" presetSubtype="0" fill="hold" nodeType="clickEffect">
+                                  <p:stCondLst>
+                                    <p:cond delay="0"/>
+                                  </p:stCondLst>
+                                  <p:childTnLst>
+                                    <p:set>
+                                      <p:cBhvr>
+                                        <p:cTn id="6" dur="1" fill="hold">
+                                          <p:stCondLst>
+                                            <p:cond delay="0"/>
+                                          </p:stCondLst>
+                                        </p:cTn>
+                                        <p:tgtEl>
+                                          <p:spTgt spid="13"/>
+                                        </p:tgtEl>
+                                        <p:attrNameLst>
+                                          <p:attrName>style.visibility</p:attrName>
+                                        </p:attrNameLst>
+                                      </p:cBhvr>
+                                      <p:to>
+                                        <p:strVal val="visible"/>
+                                      </p:to>
+                                    </p:set>
+                                    <p:animEffect transition="in" filter="fade">
+                                      <p:cBhvr>
+                                        <p:cTn id="7" dur="500"/>
+                                        <p:tgtEl>
+                                          <p:spTgt spid="13"/>
+                                        </p:tgtEl>
+                                      </p:cBhvr>
+                                    </p:animEffect>
+                                  </p:childTnLst>
+                                </p:cTn>
+                              </p:par>
+                              <p:par>
+                                <p:cTn id="8" presetID="10" presetClass="entr" presetSubtype="0" fill="hold" grpId="0" nodeType="withEffect">
+                                  <p:stCondLst>
+                                    <p:cond delay="0"/>
+                                  </p:stCondLst>
+                                  <p:childTnLst>
+                                    <p:set>
+                                      <p:cBhvr>
+                                        <p:cTn id="9" dur="1" fill="hold">
+                                          <p:stCondLst>
+                                            <p:cond delay="0"/>
+                                          </p:stCondLst>
+                                        </p:cTn>
+                                        <p:tgtEl>
+                                          <p:spTgt spid="15"/>
+                                        </p:tgtEl>
+                                        <p:attrNameLst>
+                                          <p:attrName>style.visibility</p:attrName>
+                                        </p:attrNameLst>
+                                      </p:cBhvr>
+                                      <p:to>
+                                        <p:strVal val="visible"/>
+                                      </p:to>
+                                    </p:set>
+                                    <p:animEffect transition="in" filter="fade">
+                                      <p:cBhvr>
+                                        <p:cTn id="10" dur="500"/>
+                                        <p:tgtEl>
+                                          <p:spTgt spid="15"/>
+                                        </p:tgtEl>
+                                      </p:cBhvr>
+                                    </p:animEffect>
+                                  </p:childTnLst>
+                                </p:cTn>
+                              </p:par>
+                              <p:par>
+                                <p:cTn id="11" presetID="10" presetClass="entr" presetSubtype="0" fill="hold" nodeType="withEffect">
+                                  <p:stCondLst>
+                                    <p:cond delay="0"/>
+                                  </p:stCondLst>
+                                  <p:childTnLst>
+                                    <p:set>
+                                      <p:cBhvr>
+                                        <p:cTn id="12" dur="1" fill="hold">
+                                          <p:stCondLst>
+                                            <p:cond delay="0"/>
+                                          </p:stCondLst>
+                                        </p:cTn>
+                                        <p:tgtEl>
+                                          <p:spTgt spid="18"/>
+                                        </p:tgtEl>
+                                        <p:attrNameLst>
+                                          <p:attrName>style.visibility</p:attrName>
+                                        </p:attrNameLst>
+                                      </p:cBhvr>
+                                      <p:to>
+                                        <p:strVal val="visible"/>
+                                      </p:to>
+                                    </p:set>
+                                    <p:animEffect transition="in" filter="fade">
+                                      <p:cBhvr>
+                                        <p:cTn id="13" dur="500"/>
+                                        <p:tgtEl>
+                                          <p:spTgt spid="18"/>
+                                        </p:tgtEl>
+                                      </p:cBhvr>
+                                    </p:animEffect>
+                                  </p:childTnLst>
+                                </p:cTn>
+                              </p:par>
+                              <p:par>
+                                <p:cTn id="14" presetID="10" presetClass="entr" presetSubtype="0" fill="hold" grpId="0" nodeType="withEffect">
+                                  <p:stCondLst>
+                                    <p:cond delay="0"/>
+                                  </p:stCondLst>
+                                  <p:childTnLst>
+                                    <p:set>
+                                      <p:cBhvr>
+                                        <p:cTn id="15" dur="1" fill="hold">
+                                          <p:stCondLst>
+                                            <p:cond delay="0"/>
+                                          </p:stCondLst>
+                                        </p:cTn>
+                                        <p:tgtEl>
+                                          <p:spTgt spid="20"/>
+                                        </p:tgtEl>
+                                        <p:attrNameLst>
+                                          <p:attrName>style.visibility</p:attrName>
+                                        </p:attrNameLst>
+                                      </p:cBhvr>
+                                      <p:to>
+                                        <p:strVal val="visible"/>
+                                      </p:to>
+                                    </p:set>
+                                    <p:animEffect transition="in" filter="fade">
+                                      <p:cBhvr>
+                                        <p:cTn id="16" dur="500"/>
+                                        <p:tgtEl>
+                                          <p:spTgt spid="20"/>
+                                        </p:tgtEl>
+                                      </p:cBhvr>
+                                    </p:animEffect>
+                                  </p:childTnLst>
+                                </p:cTn>
+                              </p:par>
+                              <p:par>
+                                <p:cTn id="17" presetID="10" presetClass="entr" presetSubtype="0" fill="hold" nodeType="withEffect">
+                                  <p:stCondLst>
+                                    <p:cond delay="0"/>
+                                  </p:stCondLst>
+                                  <p:childTnLst>
+                                    <p:set>
+                                      <p:cBhvr>
+                                        <p:cTn id="18" dur="1" fill="hold">
+                                          <p:stCondLst>
+                                            <p:cond delay="0"/>
+                                          </p:stCondLst>
+                                        </p:cTn>
+                                        <p:tgtEl>
+                                          <p:spTgt spid="21"/>
+                                        </p:tgtEl>
+                                        <p:attrNameLst>
+                                          <p:attrName>style.visibility</p:attrName>
+                                        </p:attrNameLst>
+                                      </p:cBhvr>
+                                      <p:to>
+                                        <p:strVal val="visible"/>
+                                      </p:to>
+                                    </p:set>
+                                    <p:animEffect transition="in" filter="fade">
+                                      <p:cBhvr>
+                                        <p:cTn id="19" dur="500"/>
+                                        <p:tgtEl>
+                                          <p:spTgt spid="21"/>
+                                        </p:tgtEl>
+                                      </p:cBhvr>
+                                    </p:animEffect>
+                                  </p:childTnLst>
+                                </p:cTn>
+                              </p:par>
+                              <p:par>
+                                <p:cTn id="20" presetID="10" presetClass="entr" presetSubtype="0" fill="hold" grpId="0" nodeType="withEffect">
+                                  <p:stCondLst>
+                                    <p:cond delay="0"/>
+                                  </p:stCondLst>
+                                  <p:childTnLst>
+                                    <p:set>
+                                      <p:cBhvr>
+                                        <p:cTn id="21" dur="1" fill="hold">
+                                          <p:stCondLst>
+                                            <p:cond delay="0"/>
+                                          </p:stCondLst>
+                                        </p:cTn>
+                                        <p:tgtEl>
+                                          <p:spTgt spid="24"/>
+                                        </p:tgtEl>
+                                        <p:attrNameLst>
+                                          <p:attrName>style.visibility</p:attrName>
+                                        </p:attrNameLst>
+                                      </p:cBhvr>
+                                      <p:to>
+                                        <p:strVal val="visible"/>
+                                      </p:to>
+                                    </p:set>
+                                    <p:animEffect transition="in" filter="fade">
+                                      <p:cBhvr>
+                                        <p:cTn id="22" dur="500"/>
+                                        <p:tgtEl>
+                                          <p:spTgt spid="24"/>
+                                        </p:tgtEl>
+                                      </p:cBhvr>
+                                    </p:animEffect>
+                                  </p:childTnLst>
+                                </p:cTn>
+                              </p:par>
+                              <p:par>
+                                <p:cTn id="23" presetID="10" presetClass="entr" presetSubtype="0" fill="hold" nodeType="withEffect">
+                                  <p:stCondLst>
+                                    <p:cond delay="0"/>
+                                  </p:stCondLst>
+                                  <p:childTnLst>
+                                    <p:set>
+                                      <p:cBhvr>
+                                        <p:cTn id="24" dur="1" fill="hold">
+                                          <p:stCondLst>
+                                            <p:cond delay="0"/>
+                                          </p:stCondLst>
+                                        </p:cTn>
+                                        <p:tgtEl>
+                                          <p:spTgt spid="25"/>
+                                        </p:tgtEl>
+                                        <p:attrNameLst>
+                                          <p:attrName>style.visibility</p:attrName>
+                                        </p:attrNameLst>
+                                      </p:cBhvr>
+                                      <p:to>
+                                        <p:strVal val="visible"/>
+                                      </p:to>
+                                    </p:set>
+                                    <p:animEffect transition="in" filter="fade">
+                                      <p:cBhvr>
+                                        <p:cTn id="25" dur="500"/>
+                                        <p:tgtEl>
+                                          <p:spTgt spid="25"/>
+                                        </p:tgtEl>
+                                      </p:cBhvr>
+                                    </p:animEffect>
+                                  </p:childTnLst>
+                                </p:cTn>
+                              </p:par>
+                              <p:par>
+                                <p:cTn id="26" presetID="10" presetClass="entr" presetSubtype="0" fill="hold" grpId="0" nodeType="withEffect">
+                                  <p:stCondLst>
+                                    <p:cond delay="0"/>
+                                  </p:stCondLst>
+                                  <p:childTnLst>
+                                    <p:set>
+                                      <p:cBhvr>
+                                        <p:cTn id="27" dur="1" fill="hold">
+                                          <p:stCondLst>
+                                            <p:cond delay="0"/>
+                                          </p:stCondLst>
+                                        </p:cTn>
+                                        <p:tgtEl>
+                                          <p:spTgt spid="26"/>
+                                        </p:tgtEl>
+                                        <p:attrNameLst>
+                                          <p:attrName>style.visibility</p:attrName>
+                                        </p:attrNameLst>
+                                      </p:cBhvr>
+                                      <p:to>
+                                        <p:strVal val="visible"/>
+                                      </p:to>
+                                    </p:set>
+                                    <p:animEffect transition="in" filter="fade">
+                                      <p:cBhvr>
+                                        <p:cTn id="28" dur="500"/>
+                                        <p:tgtEl>
+                                          <p:spTgt spid="26"/>
+                                        </p:tgtEl>
+                                      </p:cBhvr>
+                                    </p:animEffect>
+                                  </p:childTnLst>
+                                </p:cTn>
+                              </p:par>
+                              <p:par>
+                                <p:cTn id="29" presetID="10" presetClass="entr" presetSubtype="0" fill="hold" nodeType="withEffect">
+                                  <p:stCondLst>
+                                    <p:cond delay="0"/>
+                                  </p:stCondLst>
+                                  <p:childTnLst>
+                                    <p:set>
+                                      <p:cBhvr>
+                                        <p:cTn id="30" dur="1" fill="hold">
+                                          <p:stCondLst>
+                                            <p:cond delay="0"/>
+                                          </p:stCondLst>
+                                        </p:cTn>
+                                        <p:tgtEl>
+                                          <p:spTgt spid="27"/>
+                                        </p:tgtEl>
+                                        <p:attrNameLst>
+                                          <p:attrName>style.visibility</p:attrName>
+                                        </p:attrNameLst>
+                                      </p:cBhvr>
+                                      <p:to>
+                                        <p:strVal val="visible"/>
+                                      </p:to>
+                                    </p:set>
+                                    <p:animEffect transition="in" filter="fade">
+                                      <p:cBhvr>
+                                        <p:cTn id="31" dur="500"/>
+                                        <p:tgtEl>
+                                          <p:spTgt spid="27"/>
+                                        </p:tgtEl>
+                                      </p:cBhvr>
+                                    </p:animEffect>
+                                  </p:childTnLst>
+                                </p:cTn>
+                              </p:par>
+                              <p:par>
+                                <p:cTn id="32" presetID="10" presetClass="entr" presetSubtype="0" fill="hold" grpId="0" nodeType="withEffect">
+                                  <p:stCondLst>
+                                    <p:cond delay="0"/>
+                                  </p:stCondLst>
+                                  <p:childTnLst>
+                                    <p:set>
+                                      <p:cBhvr>
+                                        <p:cTn id="33" dur="1" fill="hold">
+                                          <p:stCondLst>
+                                            <p:cond delay="0"/>
+                                          </p:stCondLst>
+                                        </p:cTn>
+                                        <p:tgtEl>
+                                          <p:spTgt spid="28"/>
+                                        </p:tgtEl>
+                                        <p:attrNameLst>
+                                          <p:attrName>style.visibility</p:attrName>
+                                        </p:attrNameLst>
+                                      </p:cBhvr>
+                                      <p:to>
+                                        <p:strVal val="visible"/>
+                                      </p:to>
+                                    </p:set>
+                                    <p:animEffect transition="in" filter="fade">
+                                      <p:cBhvr>
+                                        <p:cTn id="34" dur="500"/>
+                                        <p:tgtEl>
+                                          <p:spTgt spid="28"/>
+                                        </p:tgtEl>
+                                      </p:cBhvr>
+                                    </p:animEffect>
+                                  </p:childTnLst>
+                                </p:cTn>
+                              </p:par>
+                              <p:par>
+                                <p:cTn id="35" presetID="10" presetClass="entr" presetSubtype="0" fill="hold" nodeType="withEffect">
+                                  <p:stCondLst>
+                                    <p:cond delay="0"/>
+                                  </p:stCondLst>
+                                  <p:childTnLst>
+                                    <p:set>
+                                      <p:cBhvr>
+                                        <p:cTn id="36" dur="1" fill="hold">
+                                          <p:stCondLst>
+                                            <p:cond delay="0"/>
+                                          </p:stCondLst>
+                                        </p:cTn>
+                                        <p:tgtEl>
+                                          <p:spTgt spid="29"/>
+                                        </p:tgtEl>
+                                        <p:attrNameLst>
+                                          <p:attrName>style.visibility</p:attrName>
+                                        </p:attrNameLst>
+                                      </p:cBhvr>
+                                      <p:to>
+                                        <p:strVal val="visible"/>
+                                      </p:to>
+                                    </p:set>
+                                    <p:animEffect transition="in" filter="fade">
+                                      <p:cBhvr>
+                                        <p:cTn id="37" dur="500"/>
+                                        <p:tgtEl>
+                                          <p:spTgt spid="29"/>
+                                        </p:tgtEl>
+                                      </p:cBhvr>
+                                    </p:animEffect>
+                                  </p:childTnLst>
+                                </p:cTn>
+                              </p:par>
+                              <p:par>
+                                <p:cTn id="38" presetID="10" presetClass="entr" presetSubtype="0" fill="hold" grpId="0" nodeType="withEffect">
+                                  <p:stCondLst>
+                                    <p:cond delay="0"/>
+                                  </p:stCondLst>
+                                  <p:childTnLst>
+                                    <p:set>
+                                      <p:cBhvr>
+                                        <p:cTn id="39" dur="1" fill="hold">
+                                          <p:stCondLst>
+                                            <p:cond delay="0"/>
+                                          </p:stCondLst>
+                                        </p:cTn>
+                                        <p:tgtEl>
+                                          <p:spTgt spid="30"/>
+                                        </p:tgtEl>
+                                        <p:attrNameLst>
+                                          <p:attrName>style.visibility</p:attrName>
+                                        </p:attrNameLst>
+                                      </p:cBhvr>
+                                      <p:to>
+                                        <p:strVal val="visible"/>
+                                      </p:to>
+                                    </p:set>
+                                    <p:animEffect transition="in" filter="fade">
+                                      <p:cBhvr>
+                                        <p:cTn id="40" dur="500"/>
+                                        <p:tgtEl>
+                                          <p:spTgt spid="30"/>
+                                        </p:tgtEl>
+                                      </p:cBhvr>
+                                    </p:animEffect>
+                                  </p:childTnLst>
+                                </p:cTn>
+                              </p:par>
+                              <p:par>
+                                <p:cTn id="41" presetID="10" presetClass="entr" presetSubtype="0" fill="hold" nodeType="withEffect">
+                                  <p:stCondLst>
+                                    <p:cond delay="0"/>
+                                  </p:stCondLst>
+                                  <p:childTnLst>
+                                    <p:set>
+                                      <p:cBhvr>
+                                        <p:cTn id="42" dur="1" fill="hold">
+                                          <p:stCondLst>
+                                            <p:cond delay="0"/>
+                                          </p:stCondLst>
+                                        </p:cTn>
+                                        <p:tgtEl>
+                                          <p:spTgt spid="34"/>
+                                        </p:tgtEl>
+                                        <p:attrNameLst>
+                                          <p:attrName>style.visibility</p:attrName>
+                                        </p:attrNameLst>
+                                      </p:cBhvr>
+                                      <p:to>
+                                        <p:strVal val="visible"/>
+                                      </p:to>
+                                    </p:set>
+                                    <p:animEffect transition="in" filter="fade">
+                                      <p:cBhvr>
+                                        <p:cTn id="43" dur="500"/>
+                                        <p:tgtEl>
+                                          <p:spTgt spid="34"/>
+                                        </p:tgtEl>
+                                      </p:cBhvr>
+                                    </p:animEffect>
+                                  </p:childTnLst>
+                                </p:cTn>
+                              </p:par>
+                              <p:par>
+                                <p:cTn id="44" presetID="10" presetClass="entr" presetSubtype="0" fill="hold" grpId="0" nodeType="withEffect">
+                                  <p:stCondLst>
+                                    <p:cond delay="0"/>
+                                  </p:stCondLst>
+                                  <p:childTnLst>
+                                    <p:set>
+                                      <p:cBhvr>
+                                        <p:cTn id="45" dur="1" fill="hold">
+                                          <p:stCondLst>
+                                            <p:cond delay="0"/>
+                                          </p:stCondLst>
+                                        </p:cTn>
+                                        <p:tgtEl>
+                                          <p:spTgt spid="35"/>
+                                        </p:tgtEl>
+                                        <p:attrNameLst>
+                                          <p:attrName>style.visibility</p:attrName>
+                                        </p:attrNameLst>
+                                      </p:cBhvr>
+                                      <p:to>
+                                        <p:strVal val="visible"/>
+                                      </p:to>
+                                    </p:set>
+                                    <p:animEffect transition="in" filter="fade">
+                                      <p:cBhvr>
+                                        <p:cTn id="46" dur="500"/>
+                                        <p:tgtEl>
+                                          <p:spTgt spid="35"/>
+                                        </p:tgtEl>
+                                      </p:cBhvr>
+                                    </p:animEffect>
+                                  </p:childTnLst>
+                                </p:cTn>
+                              </p:par>
+                              <p:par>
+                                <p:cTn id="47" presetID="10" presetClass="entr" presetSubtype="0" fill="hold" nodeType="withEffect">
+                                  <p:stCondLst>
+                                    <p:cond delay="0"/>
+                                  </p:stCondLst>
+                                  <p:childTnLst>
+                                    <p:set>
+                                      <p:cBhvr>
+                                        <p:cTn id="48" dur="1" fill="hold">
+                                          <p:stCondLst>
+                                            <p:cond delay="0"/>
+                                          </p:stCondLst>
+                                        </p:cTn>
+                                        <p:tgtEl>
+                                          <p:spTgt spid="36"/>
+                                        </p:tgtEl>
+                                        <p:attrNameLst>
+                                          <p:attrName>style.visibility</p:attrName>
+                                        </p:attrNameLst>
+                                      </p:cBhvr>
+                                      <p:to>
+                                        <p:strVal val="visible"/>
+                                      </p:to>
+                                    </p:set>
+                                    <p:animEffect transition="in" filter="fade">
+                                      <p:cBhvr>
+                                        <p:cTn id="49" dur="500"/>
+                                        <p:tgtEl>
+                                          <p:spTgt spid="36"/>
+                                        </p:tgtEl>
+                                      </p:cBhvr>
+                                    </p:animEffect>
+                                  </p:childTnLst>
+                                </p:cTn>
+                              </p:par>
+                              <p:par>
+                                <p:cTn id="50" presetID="10" presetClass="entr" presetSubtype="0" fill="hold" grpId="0" nodeType="withEffect">
+                                  <p:stCondLst>
+                                    <p:cond delay="0"/>
+                                  </p:stCondLst>
+                                  <p:childTnLst>
+                                    <p:set>
+                                      <p:cBhvr>
+                                        <p:cTn id="51" dur="1" fill="hold">
+                                          <p:stCondLst>
+                                            <p:cond delay="0"/>
+                                          </p:stCondLst>
+                                        </p:cTn>
+                                        <p:tgtEl>
+                                          <p:spTgt spid="37"/>
+                                        </p:tgtEl>
+                                        <p:attrNameLst>
+                                          <p:attrName>style.visibility</p:attrName>
+                                        </p:attrNameLst>
+                                      </p:cBhvr>
+                                      <p:to>
+                                        <p:strVal val="visible"/>
+                                      </p:to>
+                                    </p:set>
+                                    <p:animEffect transition="in" filter="fade">
+                                      <p:cBhvr>
+                                        <p:cTn id="52" dur="500"/>
+                                        <p:tgtEl>
+                                          <p:spTgt spid="37"/>
+                                        </p:tgtEl>
+                                      </p:cBhvr>
+                                    </p:animEffect>
+                                  </p:childTnLst>
+                                </p:cTn>
+                              </p:par>
+                              <p:par>
+                                <p:cTn id="53" presetID="10" presetClass="entr" presetSubtype="0" fill="hold" nodeType="withEffect">
+                                  <p:stCondLst>
+                                    <p:cond delay="0"/>
+                                  </p:stCondLst>
+                                  <p:childTnLst>
+                                    <p:set>
+                                      <p:cBhvr>
+                                        <p:cTn id="54" dur="1" fill="hold">
+                                          <p:stCondLst>
+                                            <p:cond delay="0"/>
+                                          </p:stCondLst>
+                                        </p:cTn>
+                                        <p:tgtEl>
+                                          <p:spTgt spid="38"/>
+                                        </p:tgtEl>
+                                        <p:attrNameLst>
+                                          <p:attrName>style.visibility</p:attrName>
+                                        </p:attrNameLst>
+                                      </p:cBhvr>
+                                      <p:to>
+                                        <p:strVal val="visible"/>
+                                      </p:to>
+                                    </p:set>
+                                    <p:animEffect transition="in" filter="fade">
+                                      <p:cBhvr>
+                                        <p:cTn id="55" dur="500"/>
+                                        <p:tgtEl>
+                                          <p:spTgt spid="38"/>
+                                        </p:tgtEl>
+                                      </p:cBhvr>
+                                    </p:animEffect>
+                                  </p:childTnLst>
+                                </p:cTn>
+                              </p:par>
+                              <p:par>
+                                <p:cTn id="56" presetID="10" presetClass="entr" presetSubtype="0" fill="hold" grpId="0" nodeType="withEffect">
+                                  <p:stCondLst>
+                                    <p:cond delay="0"/>
+                                  </p:stCondLst>
+                                  <p:childTnLst>
+                                    <p:set>
+                                      <p:cBhvr>
+                                        <p:cTn id="57" dur="1" fill="hold">
+                                          <p:stCondLst>
+                                            <p:cond delay="0"/>
+                                          </p:stCondLst>
+                                        </p:cTn>
+                                        <p:tgtEl>
+                                          <p:spTgt spid="39"/>
+                                        </p:tgtEl>
+                                        <p:attrNameLst>
+                                          <p:attrName>style.visibility</p:attrName>
+                                        </p:attrNameLst>
+                                      </p:cBhvr>
+                                      <p:to>
+                                        <p:strVal val="visible"/>
+                                      </p:to>
+                                    </p:set>
+                                    <p:animEffect transition="in" filter="fade">
+                                      <p:cBhvr>
+                                        <p:cTn id="58" dur="500"/>
+                                        <p:tgtEl>
+                                          <p:spTgt spid="39"/>
+                                        </p:tgtEl>
+                                      </p:cBhvr>
+                                    </p:animEffect>
+                                  </p:childTnLst>
+                                </p:cTn>
+                              </p:par>
+                              <p:par>
+                                <p:cTn id="59" presetID="10" presetClass="entr" presetSubtype="0" fill="hold" nodeType="withEffect">
+                                  <p:stCondLst>
+                                    <p:cond delay="0"/>
+                                  </p:stCondLst>
+                                  <p:childTnLst>
+                                    <p:set>
+                                      <p:cBhvr>
+                                        <p:cTn id="60" dur="1" fill="hold">
+                                          <p:stCondLst>
+                                            <p:cond delay="0"/>
+                                          </p:stCondLst>
+                                        </p:cTn>
+                                        <p:tgtEl>
+                                          <p:spTgt spid="40"/>
+                                        </p:tgtEl>
+                                        <p:attrNameLst>
+                                          <p:attrName>style.visibility</p:attrName>
+                                        </p:attrNameLst>
+                                      </p:cBhvr>
+                                      <p:to>
+                                        <p:strVal val="visible"/>
+                                      </p:to>
+                                    </p:set>
+                                    <p:animEffect transition="in" filter="fade">
+                                      <p:cBhvr>
+                                        <p:cTn id="61" dur="500"/>
+                                        <p:tgtEl>
+                                          <p:spTgt spid="40"/>
+                                        </p:tgtEl>
+                                      </p:cBhvr>
+                                    </p:animEffect>
+                                  </p:childTnLst>
+                                </p:cTn>
+                              </p:par>
+                              <p:par>
+                                <p:cTn id="62" presetID="10" presetClass="entr" presetSubtype="0" fill="hold" grpId="0" nodeType="withEffect">
+                                  <p:stCondLst>
+                                    <p:cond delay="0"/>
+                                  </p:stCondLst>
+                                  <p:childTnLst>
+                                    <p:set>
+                                      <p:cBhvr>
+                                        <p:cTn id="63" dur="1" fill="hold">
+                                          <p:stCondLst>
+                                            <p:cond delay="0"/>
+                                          </p:stCondLst>
+                                        </p:cTn>
+                                        <p:tgtEl>
+                                          <p:spTgt spid="41"/>
+                                        </p:tgtEl>
+                                        <p:attrNameLst>
+                                          <p:attrName>style.visibility</p:attrName>
+                                        </p:attrNameLst>
+                                      </p:cBhvr>
+                                      <p:to>
+                                        <p:strVal val="visible"/>
+                                      </p:to>
+                                    </p:set>
+                                    <p:animEffect transition="in" filter="fade">
+                                      <p:cBhvr>
+                                        <p:cTn id="64" dur="500"/>
+                                        <p:tgtEl>
+                                          <p:spTgt spid="41"/>
+                                        </p:tgtEl>
+                                      </p:cBhvr>
+                                    </p:animEffect>
+                                  </p:childTnLst>
+                                </p:cTn>
+                              </p:par>
+                            </p:childTnLst>
+                          </p:cTn>
+                        </p:par>
+                      </p:childTnLst>
+                    </p:cTn>
+                  </p:par>
+                  <p:par>
+                    <p:cTn id="65" fill="hold">
+                      <p:stCondLst>
+                        <p:cond delay="indefinite"/>
+                      </p:stCondLst>
+                      <p:childTnLst>
+                        <p:par>
+                          <p:cTn id="66" fill="hold">
+                            <p:stCondLst>
+                              <p:cond delay="0"/>
+                            </p:stCondLst>
+                            <p:childTnLst>
+                              <p:par>
+                                <p:cTn id="67" presetID="53" presetClass="entr" presetSubtype="16" fill="hold" grpId="0" nodeType="clickEffect">
+                                  <p:stCondLst>
+                                    <p:cond delay="0"/>
+                                  </p:stCondLst>
+                                  <p:childTnLst>
+                                    <p:set>
+                                      <p:cBhvr>
+                                        <p:cTn id="68" dur="1" fill="hold">
+                                          <p:stCondLst>
+                                            <p:cond delay="0"/>
+                                          </p:stCondLst>
+                                        </p:cTn>
+                                        <p:tgtEl>
+                                          <p:spTgt spid="8"/>
+                                        </p:tgtEl>
+                                        <p:attrNameLst>
+                                          <p:attrName>style.visibility</p:attrName>
+                                        </p:attrNameLst>
+                                      </p:cBhvr>
+                                      <p:to>
+                                        <p:strVal val="visible"/>
+                                      </p:to>
+                                    </p:set>
+                                    <p:anim calcmode="lin" valueType="num">
+                                      <p:cBhvr>
+                                        <p:cTn id="69" dur="400" fill="hold"/>
+                                        <p:tgtEl>
+                                          <p:spTgt spid="8"/>
+                                        </p:tgtEl>
+                                        <p:attrNameLst>
+                                          <p:attrName>ppt_w</p:attrName>
+                                        </p:attrNameLst>
+                                      </p:cBhvr>
+                                      <p:tavLst>
+                                        <p:tav tm="0">
+                                          <p:val>
+                                            <p:fltVal val="0"/>
+                                          </p:val>
+                                        </p:tav>
+                                        <p:tav tm="100000">
+                                          <p:val>
+                                            <p:strVal val="#ppt_w"/>
+                                          </p:val>
+                                        </p:tav>
+                                      </p:tavLst>
+                                    </p:anim>
+                                    <p:anim calcmode="lin" valueType="num">
+                                      <p:cBhvr>
+                                        <p:cTn id="70" dur="400" fill="hold"/>
+                                        <p:tgtEl>
+                                          <p:spTgt spid="8"/>
+                                        </p:tgtEl>
+                                        <p:attrNameLst>
+                                          <p:attrName>ppt_h</p:attrName>
+                                        </p:attrNameLst>
+                                      </p:cBhvr>
+                                      <p:tavLst>
+                                        <p:tav tm="0">
+                                          <p:val>
+                                            <p:fltVal val="0"/>
+                                          </p:val>
+                                        </p:tav>
+                                        <p:tav tm="100000">
+                                          <p:val>
+                                            <p:strVal val="#ppt_h"/>
+                                          </p:val>
+                                        </p:tav>
+                                      </p:tavLst>
+                                    </p:anim>
+                                    <p:animEffect transition="in" filter="fade">
+                                      <p:cBhvr>
+                                        <p:cTn id="71" dur="400"/>
+                                        <p:tgtEl>
+                                          <p:spTgt spid="8"/>
+                                        </p:tgtEl>
+                                      </p:cBhvr>
+                                    </p:animEffect>
+                                  </p:childTnLst>
+                                </p:cTn>
+                              </p:par>
+                            </p:childTnLst>
+                          </p:cTn>
+                        </p:par>
+                      </p:childTnLst>
+                    </p:cTn>
+                  </p:par>
+                </p:childTnLst>
+              </p:cTn>
+              <p:prevCondLst>
+                <p:cond evt="onPrev" delay="0">
+                  <p:tgtEl>
+                    <p:sldTgt/>
+                  </p:tgtEl>
+                </p:cond>
+              </p:prevCondLst>
+              <p:nextCondLst>
+                <p:cond evt="onNext" delay="0">
+                  <p:tgtEl>
+                    <p:sldTgt/>
+                  </p:tgtEl>
+                </p:cond>
+              </p:nextCondLst>
+            </p:seq>
+          </p:childTnLst>
+        </p:cTn>
       </p:par>
     </p:tnLst>
+    <p:bldLst>
+      <p:bldP spid="15" grpId="0"/>
+      <p:bldP spid="20" grpId="0"/>
+      <p:bldP spid="24" grpId="0"/>
+      <p:bldP spid="26" grpId="0"/>
+      <p:bldP spid="28" grpId="0"/>
+      <p:bldP spid="30" grpId="0"/>
+      <p:bldP spid="35" grpId="0"/>
+      <p:bldP spid="37" grpId="0"/>
+      <p:bldP spid="39" grpId="0"/>
+      <p:bldP spid="41" grpId="0"/>
+      <p:bldP spid="8" grpId="0" animBg="1"/>
+    </p:bldLst>
   </p:timing>
 </p:sld>
 </file>
@@ -7705,26 +8872,31 @@
             <p:ph type="title"/>
           </p:nvPr>
         </p:nvSpPr>
-        <p:spPr/>
+        <p:spPr>
+          <a:xfrm>
+            <a:off x="459259" y="0"/>
+            <a:ext cx="10515600" cy="1325563"/>
+          </a:xfrm>
+        </p:spPr>
         <p:txBody>
           <a:bodyPr>
             <a:normAutofit/>
           </a:bodyPr>
           <a:lstStyle/>
           <a:p>
+            <a:r>
+              <a:rPr lang="ja-JP" altLang="en-US" b="1" dirty="0" smtClean="0">
+                <a:latin typeface="HGSｺﾞｼｯｸM" panose="020B0600000000000000" pitchFamily="50" charset="-128"/>
+                <a:ea typeface="HGSｺﾞｼｯｸM" panose="020B0600000000000000" pitchFamily="50" charset="-128"/>
+              </a:rPr>
+              <a:t>システム</a:t>
+            </a:r>
             <a:r>
               <a:rPr lang="ja-JP" altLang="en-US" b="1" dirty="0">
                 <a:latin typeface="HGSｺﾞｼｯｸM" panose="020B0600000000000000" pitchFamily="50" charset="-128"/>
                 <a:ea typeface="HGSｺﾞｼｯｸM" panose="020B0600000000000000" pitchFamily="50" charset="-128"/>
               </a:rPr>
-              <a:t>システム</a:t>
-            </a:r>
-            <a:r>
-              <a:rPr lang="ja-JP" altLang="en-US" b="1" dirty="0" smtClean="0">
-                <a:latin typeface="HGSｺﾞｼｯｸM" panose="020B0600000000000000" pitchFamily="50" charset="-128"/>
-                <a:ea typeface="HGSｺﾞｼｯｸM" panose="020B0600000000000000" pitchFamily="50" charset="-128"/>
-              </a:rPr>
-              <a:t>の目的</a:t>
+              <a:t>構造図</a:t>
             </a:r>
             <a:endParaRPr kumimoji="1" lang="ja-JP" altLang="en-US" b="1" dirty="0">
               <a:latin typeface="HGSｺﾞｼｯｸM" panose="020B0600000000000000" pitchFamily="50" charset="-128"/>
@@ -7733,194 +8905,51 @@
           </a:p>
         </p:txBody>
       </p:sp>
-      <p:sp>
-        <p:nvSpPr>
-          <p:cNvPr id="3" name="テキスト ボックス 2"/>
-          <p:cNvSpPr txBox="1"/>
+      <p:pic>
+        <p:nvPicPr>
+          <p:cNvPr id="1026" name="Picture 2" descr="C:\Users\yamanin-Note\Desktop\キャプチャ.PNG"/>
+          <p:cNvPicPr>
+            <a:picLocks noChangeAspect="1" noChangeArrowheads="1"/>
+          </p:cNvPicPr>
           <p:nvPr/>
-        </p:nvSpPr>
-        <p:spPr>
+        </p:nvPicPr>
+        <p:blipFill>
+          <a:blip r:embed="rId2">
+            <a:extLst>
+              <a:ext uri="{28A0092B-C50C-407E-A947-70E740481C1C}">
+                <a14:useLocalDpi xmlns:a14="http://schemas.microsoft.com/office/drawing/2010/main" val="0"/>
+              </a:ext>
+            </a:extLst>
+          </a:blip>
+          <a:srcRect/>
+          <a:stretch>
+            <a:fillRect/>
+          </a:stretch>
+        </p:blipFill>
+        <p:spPr bwMode="auto">
           <a:xfrm>
-            <a:off x="912261" y="2010851"/>
-            <a:ext cx="10956846" cy="461665"/>
+            <a:off x="155566" y="1593678"/>
+            <a:ext cx="11883390" cy="3807120"/>
           </a:xfrm>
           <a:prstGeom prst="rect">
             <a:avLst/>
           </a:prstGeom>
           <a:noFill/>
-        </p:spPr>
-        <p:txBody>
-          <a:bodyPr wrap="none" rtlCol="0">
-            <a:spAutoFit/>
-          </a:bodyPr>
-          <a:lstStyle/>
-          <a:p>
-            <a:r>
-              <a:rPr kumimoji="1" lang="ja-JP" altLang="en-US" sz="2400" b="1" dirty="0" smtClean="0"/>
-              <a:t>・営業担当から物流担当への発注依頼を、電子データで取り行えるようにする</a:t>
-            </a:r>
-            <a:endParaRPr kumimoji="1" lang="ja-JP" altLang="en-US" sz="2400" b="1" dirty="0"/>
-          </a:p>
-        </p:txBody>
-      </p:sp>
-      <p:sp>
-        <p:nvSpPr>
-          <p:cNvPr id="4" name="テキスト ボックス 3"/>
-          <p:cNvSpPr txBox="1"/>
-          <p:nvPr/>
-        </p:nvSpPr>
-        <p:spPr>
-          <a:xfrm>
-            <a:off x="912261" y="2677719"/>
-            <a:ext cx="7263527" cy="461665"/>
-          </a:xfrm>
-          <a:prstGeom prst="rect">
-            <a:avLst/>
-          </a:prstGeom>
-          <a:noFill/>
-        </p:spPr>
-        <p:txBody>
-          <a:bodyPr wrap="none" rtlCol="0">
-            <a:spAutoFit/>
-          </a:bodyPr>
-          <a:lstStyle/>
-          <a:p>
-            <a:r>
-              <a:rPr kumimoji="1" lang="ja-JP" altLang="en-US" sz="2400" b="1" dirty="0" smtClean="0"/>
-              <a:t>・在庫状況をリアルタイムで把握できるようにする</a:t>
-            </a:r>
-            <a:endParaRPr kumimoji="1" lang="en-US" altLang="ja-JP" sz="2400" b="1" dirty="0" smtClean="0"/>
-          </a:p>
-        </p:txBody>
-      </p:sp>
-      <p:sp>
-        <p:nvSpPr>
-          <p:cNvPr id="5" name="テキスト ボックス 4"/>
-          <p:cNvSpPr txBox="1"/>
-          <p:nvPr/>
-        </p:nvSpPr>
-        <p:spPr>
-          <a:xfrm>
-            <a:off x="912261" y="3371609"/>
-            <a:ext cx="7879080" cy="461665"/>
-          </a:xfrm>
-          <a:prstGeom prst="rect">
-            <a:avLst/>
-          </a:prstGeom>
-          <a:noFill/>
-        </p:spPr>
-        <p:txBody>
-          <a:bodyPr wrap="none" rtlCol="0">
-            <a:spAutoFit/>
-          </a:bodyPr>
-          <a:lstStyle/>
-          <a:p>
-            <a:r>
-              <a:rPr lang="ja-JP" altLang="en-US" sz="2400" b="1" dirty="0" smtClean="0"/>
-              <a:t>・受発注管理を物流倉庫で一括して取り行うようにする</a:t>
-            </a:r>
-            <a:endParaRPr kumimoji="1" lang="ja-JP" altLang="en-US" sz="2400" b="1" dirty="0"/>
-          </a:p>
-        </p:txBody>
-      </p:sp>
-      <p:sp>
-        <p:nvSpPr>
-          <p:cNvPr id="6" name="テキスト ボックス 5"/>
-          <p:cNvSpPr txBox="1"/>
-          <p:nvPr/>
-        </p:nvSpPr>
-        <p:spPr>
-          <a:xfrm>
-            <a:off x="912261" y="4064272"/>
-            <a:ext cx="6647974" cy="461665"/>
-          </a:xfrm>
-          <a:prstGeom prst="rect">
-            <a:avLst/>
-          </a:prstGeom>
-          <a:noFill/>
-        </p:spPr>
-        <p:txBody>
-          <a:bodyPr wrap="none" rtlCol="0">
-            <a:spAutoFit/>
-          </a:bodyPr>
-          <a:lstStyle/>
-          <a:p>
-            <a:r>
-              <a:rPr kumimoji="1" lang="ja-JP" altLang="en-US" sz="2400" b="1" dirty="0" smtClean="0"/>
-              <a:t>・各営業所は物流倉庫に対して発注依頼を行う</a:t>
-            </a:r>
-            <a:endParaRPr kumimoji="1" lang="ja-JP" altLang="en-US" sz="2400" b="1" dirty="0"/>
-          </a:p>
-        </p:txBody>
-      </p:sp>
-      <p:sp>
-        <p:nvSpPr>
-          <p:cNvPr id="7" name="テキスト ボックス 6"/>
-          <p:cNvSpPr txBox="1"/>
-          <p:nvPr/>
-        </p:nvSpPr>
-        <p:spPr>
-          <a:xfrm>
-            <a:off x="912261" y="4766656"/>
-            <a:ext cx="10033516" cy="461665"/>
-          </a:xfrm>
-          <a:prstGeom prst="rect">
-            <a:avLst/>
-          </a:prstGeom>
-          <a:noFill/>
-        </p:spPr>
-        <p:txBody>
-          <a:bodyPr wrap="none" rtlCol="0">
-            <a:spAutoFit/>
-          </a:bodyPr>
-          <a:lstStyle/>
-          <a:p>
-            <a:r>
-              <a:rPr lang="ja-JP" altLang="en-US" sz="2400" b="1" dirty="0" smtClean="0"/>
-              <a:t>・注文処理によって、受注処理と在庫数を減らす処理を行うようにする</a:t>
-            </a:r>
-            <a:endParaRPr kumimoji="1" lang="ja-JP" altLang="en-US" sz="2400" b="1" dirty="0"/>
-          </a:p>
-        </p:txBody>
-      </p:sp>
-      <p:sp>
-        <p:nvSpPr>
-          <p:cNvPr id="8" name="テキスト ボックス 7"/>
-          <p:cNvSpPr txBox="1"/>
-          <p:nvPr/>
-        </p:nvSpPr>
-        <p:spPr>
-          <a:xfrm>
-            <a:off x="912261" y="5463452"/>
-            <a:ext cx="7879080" cy="461665"/>
-          </a:xfrm>
-          <a:prstGeom prst="rect">
-            <a:avLst/>
-          </a:prstGeom>
-          <a:noFill/>
-        </p:spPr>
-        <p:txBody>
-          <a:bodyPr wrap="none" rtlCol="0">
-            <a:spAutoFit/>
-          </a:bodyPr>
-          <a:lstStyle/>
-          <a:p>
-            <a:r>
-              <a:rPr kumimoji="1" lang="ja-JP" altLang="en-US" sz="2400" b="1" dirty="0" smtClean="0"/>
-              <a:t>・物流担当が発注点と発注量の設定を行えるようにす</a:t>
-            </a:r>
-            <a:r>
-              <a:rPr lang="ja-JP" altLang="en-US" sz="2400" b="1" dirty="0"/>
-              <a:t>る</a:t>
-            </a:r>
-            <a:endParaRPr kumimoji="1" lang="ja-JP" altLang="en-US" sz="2400" b="1" dirty="0"/>
-          </a:p>
-        </p:txBody>
-      </p:sp>
+          <a:extLst>
+            <a:ext uri="{909E8E84-426E-40DD-AFC4-6F175D3DCCD1}">
+              <a14:hiddenFill xmlns:a14="http://schemas.microsoft.com/office/drawing/2010/main">
+                <a:solidFill>
+                  <a:srgbClr val="FFFFFF"/>
+                </a:solidFill>
+              </a14:hiddenFill>
+            </a:ext>
+          </a:extLst>
+        </p:spPr>
+      </p:pic>
     </p:spTree>
     <p:extLst>
       <p:ext uri="{BB962C8B-B14F-4D97-AF65-F5344CB8AC3E}">
-        <p14:creationId xmlns:p14="http://schemas.microsoft.com/office/powerpoint/2010/main" val="3455932199"/>
+        <p14:creationId xmlns:p14="http://schemas.microsoft.com/office/powerpoint/2010/main" val="1977652840"/>
       </p:ext>
     </p:extLst>
   </p:cSld>
@@ -7977,18 +9006,18 @@
           <a:lstStyle/>
           <a:p>
             <a:r>
-              <a:rPr lang="ja-JP" altLang="en-US" b="1" dirty="0" smtClean="0">
+              <a:rPr kumimoji="1" lang="ja-JP" altLang="en-US" b="1" dirty="0" smtClean="0">
                 <a:latin typeface="HGSｺﾞｼｯｸM" panose="020B0600000000000000" pitchFamily="50" charset="-128"/>
                 <a:ea typeface="HGSｺﾞｼｯｸM" panose="020B0600000000000000" pitchFamily="50" charset="-128"/>
               </a:rPr>
-              <a:t>システム</a:t>
-            </a:r>
-            <a:r>
-              <a:rPr lang="ja-JP" altLang="en-US" b="1" dirty="0">
+              <a:t>全体</a:t>
+            </a:r>
+            <a:r>
+              <a:rPr kumimoji="1" lang="en-US" altLang="ja-JP" b="1" dirty="0" smtClean="0">
                 <a:latin typeface="HGSｺﾞｼｯｸM" panose="020B0600000000000000" pitchFamily="50" charset="-128"/>
                 <a:ea typeface="HGSｺﾞｼｯｸM" panose="020B0600000000000000" pitchFamily="50" charset="-128"/>
               </a:rPr>
-              <a:t>構造図</a:t>
+              <a:t>DFD</a:t>
             </a:r>
             <a:endParaRPr kumimoji="1" lang="ja-JP" altLang="en-US" b="1" dirty="0">
               <a:latin typeface="HGSｺﾞｼｯｸM" panose="020B0600000000000000" pitchFamily="50" charset="-128"/>
@@ -7999,7 +9028,7 @@
       </p:sp>
       <p:pic>
         <p:nvPicPr>
-          <p:cNvPr id="1026" name="Picture 2" descr="C:\Users\yamanin-Note\Desktop\キャプチャ.PNG"/>
+          <p:cNvPr id="2050" name="Picture 2" descr="C:\Users\yamanin-Note\Desktop\キャプチャ (1).PNG"/>
           <p:cNvPicPr>
             <a:picLocks noChangeAspect="1" noChangeArrowheads="1"/>
           </p:cNvPicPr>
@@ -8020,8 +9049,8 @@
         </p:blipFill>
         <p:spPr bwMode="auto">
           <a:xfrm>
-            <a:off x="155566" y="1593678"/>
-            <a:ext cx="11883390" cy="3807120"/>
+            <a:off x="751877" y="1325563"/>
+            <a:ext cx="10621404" cy="5038269"/>
           </a:xfrm>
           <a:prstGeom prst="rect">
             <a:avLst/>
@@ -8041,7 +9070,7 @@
     </p:spTree>
     <p:extLst>
       <p:ext uri="{BB962C8B-B14F-4D97-AF65-F5344CB8AC3E}">
-        <p14:creationId xmlns:p14="http://schemas.microsoft.com/office/powerpoint/2010/main" val="1977652840"/>
+        <p14:creationId xmlns:p14="http://schemas.microsoft.com/office/powerpoint/2010/main" val="4096901125"/>
       </p:ext>
     </p:extLst>
   </p:cSld>
@@ -8087,14 +9116,12 @@
         </p:nvSpPr>
         <p:spPr>
           <a:xfrm>
-            <a:off x="459259" y="0"/>
+            <a:off x="508687" y="0"/>
             <a:ext cx="10515600" cy="1325563"/>
           </a:xfrm>
         </p:spPr>
         <p:txBody>
-          <a:bodyPr>
-            <a:normAutofit/>
-          </a:bodyPr>
+          <a:bodyPr/>
           <a:lstStyle/>
           <a:p>
             <a:r>
@@ -8102,14 +9129,7 @@
                 <a:latin typeface="HGSｺﾞｼｯｸM" panose="020B0600000000000000" pitchFamily="50" charset="-128"/>
                 <a:ea typeface="HGSｺﾞｼｯｸM" panose="020B0600000000000000" pitchFamily="50" charset="-128"/>
               </a:rPr>
-              <a:t>全体</a:t>
-            </a:r>
-            <a:r>
-              <a:rPr kumimoji="1" lang="en-US" altLang="ja-JP" b="1" dirty="0" smtClean="0">
-                <a:latin typeface="HGSｺﾞｼｯｸM" panose="020B0600000000000000" pitchFamily="50" charset="-128"/>
-                <a:ea typeface="HGSｺﾞｼｯｸM" panose="020B0600000000000000" pitchFamily="50" charset="-128"/>
-              </a:rPr>
-              <a:t>DFD</a:t>
+              <a:t>開発環境と実行環境</a:t>
             </a:r>
             <a:endParaRPr kumimoji="1" lang="ja-JP" altLang="en-US" b="1" dirty="0">
               <a:latin typeface="HGSｺﾞｼｯｸM" panose="020B0600000000000000" pitchFamily="50" charset="-128"/>
@@ -8118,51 +9138,123 @@
           </a:p>
         </p:txBody>
       </p:sp>
-      <p:pic>
-        <p:nvPicPr>
-          <p:cNvPr id="2050" name="Picture 2" descr="C:\Users\yamanin-Note\Desktop\キャプチャ (1).PNG"/>
-          <p:cNvPicPr>
-            <a:picLocks noChangeAspect="1" noChangeArrowheads="1"/>
-          </p:cNvPicPr>
-          <p:nvPr/>
-        </p:nvPicPr>
-        <p:blipFill>
-          <a:blip r:embed="rId2">
-            <a:extLst>
-              <a:ext uri="{28A0092B-C50C-407E-A947-70E740481C1C}">
-                <a14:useLocalDpi xmlns:a14="http://schemas.microsoft.com/office/drawing/2010/main" val="0"/>
-              </a:ext>
-            </a:extLst>
-          </a:blip>
-          <a:srcRect/>
-          <a:stretch>
-            <a:fillRect/>
-          </a:stretch>
-        </p:blipFill>
-        <p:spPr bwMode="auto">
-          <a:xfrm>
-            <a:off x="751877" y="1325563"/>
-            <a:ext cx="10621404" cy="5038269"/>
-          </a:xfrm>
-          <a:prstGeom prst="rect">
-            <a:avLst/>
-          </a:prstGeom>
-          <a:noFill/>
-          <a:extLst>
-            <a:ext uri="{909E8E84-426E-40DD-AFC4-6F175D3DCCD1}">
-              <a14:hiddenFill xmlns:a14="http://schemas.microsoft.com/office/drawing/2010/main">
-                <a:solidFill>
-                  <a:srgbClr val="FFFFFF"/>
-                </a:solidFill>
-              </a14:hiddenFill>
-            </a:ext>
-          </a:extLst>
-        </p:spPr>
-      </p:pic>
+      <p:sp>
+        <p:nvSpPr>
+          <p:cNvPr id="3" name="コンテンツ プレースホルダー 2"/>
+          <p:cNvSpPr>
+            <a:spLocks noGrp="1"/>
+          </p:cNvSpPr>
+          <p:nvPr>
+            <p:ph idx="1"/>
+          </p:nvPr>
+        </p:nvSpPr>
+        <p:spPr/>
+        <p:txBody>
+          <a:bodyPr/>
+          <a:lstStyle/>
+          <a:p>
+            <a:pPr marL="0" indent="0">
+              <a:buNone/>
+            </a:pPr>
+            <a:r>
+              <a:rPr lang="ja-JP" altLang="en-US" dirty="0" smtClean="0">
+                <a:latin typeface="Bahnschrift SemiBold" panose="020B0502040204020203" pitchFamily="34" charset="0"/>
+              </a:rPr>
+              <a:t>・開発環境</a:t>
+            </a:r>
+            <a:endParaRPr lang="en-US" altLang="ja-JP" dirty="0">
+              <a:latin typeface="Bahnschrift SemiBold" panose="020B0502040204020203" pitchFamily="34" charset="0"/>
+            </a:endParaRPr>
+          </a:p>
+          <a:p>
+            <a:pPr marL="0" indent="0">
+              <a:buNone/>
+            </a:pPr>
+            <a:r>
+              <a:rPr lang="en-US" altLang="ja-JP" dirty="0">
+                <a:latin typeface="Bahnschrift SemiBold" panose="020B0502040204020203" pitchFamily="34" charset="0"/>
+              </a:rPr>
+              <a:t>	</a:t>
+            </a:r>
+            <a:r>
+              <a:rPr lang="ja-JP" altLang="en-US" dirty="0" smtClean="0">
+                <a:latin typeface="Bahnschrift SemiBold" panose="020B0502040204020203" pitchFamily="34" charset="0"/>
+              </a:rPr>
+              <a:t>・</a:t>
+            </a:r>
+            <a:r>
+              <a:rPr lang="en-US" altLang="ja-JP" dirty="0" smtClean="0">
+                <a:latin typeface="Bahnschrift SemiBold" panose="020B0502040204020203" pitchFamily="34" charset="0"/>
+              </a:rPr>
+              <a:t>Windows 10 Education 64bit</a:t>
+            </a:r>
+          </a:p>
+          <a:p>
+            <a:pPr marL="0" indent="0">
+              <a:buNone/>
+            </a:pPr>
+            <a:r>
+              <a:rPr lang="ja-JP" altLang="en-US" dirty="0" smtClean="0">
+                <a:latin typeface="Bahnschrift SemiBold" panose="020B0502040204020203" pitchFamily="34" charset="0"/>
+              </a:rPr>
+              <a:t>・実行環境</a:t>
+            </a:r>
+            <a:endParaRPr lang="en-US" altLang="ja-JP" dirty="0" smtClean="0">
+              <a:latin typeface="Bahnschrift SemiBold" panose="020B0502040204020203" pitchFamily="34" charset="0"/>
+            </a:endParaRPr>
+          </a:p>
+          <a:p>
+            <a:pPr marL="0" indent="0">
+              <a:buNone/>
+            </a:pPr>
+            <a:r>
+              <a:rPr lang="en-US" altLang="ja-JP" dirty="0">
+                <a:latin typeface="Bahnschrift SemiBold" panose="020B0502040204020203" pitchFamily="34" charset="0"/>
+              </a:rPr>
+              <a:t>	</a:t>
+            </a:r>
+            <a:r>
+              <a:rPr lang="ja-JP" altLang="en-US" dirty="0" smtClean="0">
+                <a:latin typeface="Bahnschrift SemiBold" panose="020B0502040204020203" pitchFamily="34" charset="0"/>
+              </a:rPr>
+              <a:t>・</a:t>
+            </a:r>
+            <a:r>
+              <a:rPr lang="en-US" altLang="ja-JP" dirty="0" smtClean="0">
+                <a:latin typeface="Bahnschrift SemiBold" panose="020B0502040204020203" pitchFamily="34" charset="0"/>
+              </a:rPr>
+              <a:t>Microsoft Visual C# 2017</a:t>
+            </a:r>
+          </a:p>
+          <a:p>
+            <a:pPr marL="0" indent="0">
+              <a:buNone/>
+            </a:pPr>
+            <a:r>
+              <a:rPr lang="en-US" altLang="ja-JP" dirty="0" smtClean="0">
+                <a:latin typeface="Bahnschrift SemiBold" panose="020B0502040204020203" pitchFamily="34" charset="0"/>
+              </a:rPr>
+              <a:t>	</a:t>
+            </a:r>
+            <a:r>
+              <a:rPr lang="ja-JP" altLang="en-US" dirty="0" smtClean="0">
+                <a:latin typeface="Bahnschrift SemiBold" panose="020B0502040204020203" pitchFamily="34" charset="0"/>
+              </a:rPr>
+              <a:t>・</a:t>
+            </a:r>
+            <a:r>
+              <a:rPr lang="en-US" altLang="ja-JP" dirty="0" smtClean="0">
+                <a:latin typeface="Bahnschrift SemiBold" panose="020B0502040204020203" pitchFamily="34" charset="0"/>
+              </a:rPr>
+              <a:t>Microsoft Office Access 2016</a:t>
+            </a:r>
+          </a:p>
+        </p:txBody>
+      </p:sp>
     </p:spTree>
     <p:extLst>
       <p:ext uri="{BB962C8B-B14F-4D97-AF65-F5344CB8AC3E}">
-        <p14:creationId xmlns:p14="http://schemas.microsoft.com/office/powerpoint/2010/main" val="4096901125"/>
+        <p14:creationId xmlns:p14="http://schemas.microsoft.com/office/powerpoint/2010/main" val="269283686"/>
       </p:ext>
     </p:extLst>
   </p:cSld>
@@ -8208,7 +9300,7 @@
         </p:nvSpPr>
         <p:spPr>
           <a:xfrm>
-            <a:off x="508687" y="0"/>
+            <a:off x="549875" y="0"/>
             <a:ext cx="10515600" cy="1325563"/>
           </a:xfrm>
         </p:spPr>
@@ -8221,7 +9313,7 @@
                 <a:latin typeface="HGSｺﾞｼｯｸM" panose="020B0600000000000000" pitchFamily="50" charset="-128"/>
                 <a:ea typeface="HGSｺﾞｼｯｸM" panose="020B0600000000000000" pitchFamily="50" charset="-128"/>
               </a:rPr>
-              <a:t>開発環境と実行環境</a:t>
+              <a:t>スケジュール</a:t>
             </a:r>
             <a:endParaRPr kumimoji="1" lang="ja-JP" altLang="en-US" b="1" dirty="0">
               <a:latin typeface="HGSｺﾞｼｯｸM" panose="020B0600000000000000" pitchFamily="50" charset="-128"/>
@@ -8232,121 +9324,340 @@
       </p:sp>
       <p:sp>
         <p:nvSpPr>
-          <p:cNvPr id="3" name="コンテンツ プレースホルダー 2"/>
-          <p:cNvSpPr>
-            <a:spLocks noGrp="1"/>
-          </p:cNvSpPr>
-          <p:nvPr>
-            <p:ph idx="1"/>
-          </p:nvPr>
-        </p:nvSpPr>
-        <p:spPr/>
-        <p:txBody>
-          <a:bodyPr/>
-          <a:lstStyle/>
-          <a:p>
-            <a:pPr marL="0" indent="0">
-              <a:buNone/>
-            </a:pPr>
-            <a:r>
-              <a:rPr lang="ja-JP" altLang="en-US" dirty="0" smtClean="0">
-                <a:latin typeface="Bahnschrift SemiBold" panose="020B0502040204020203" pitchFamily="34" charset="0"/>
-              </a:rPr>
-              <a:t>・開発環境</a:t>
-            </a:r>
-            <a:endParaRPr lang="en-US" altLang="ja-JP" dirty="0">
-              <a:latin typeface="Bahnschrift SemiBold" panose="020B0502040204020203" pitchFamily="34" charset="0"/>
-            </a:endParaRPr>
-          </a:p>
-          <a:p>
-            <a:pPr marL="0" indent="0">
-              <a:buNone/>
-            </a:pPr>
-            <a:r>
-              <a:rPr lang="en-US" altLang="ja-JP" dirty="0">
-                <a:latin typeface="Bahnschrift SemiBold" panose="020B0502040204020203" pitchFamily="34" charset="0"/>
-              </a:rPr>
+          <p:cNvPr id="4" name="テキスト ボックス 3"/>
+          <p:cNvSpPr txBox="1"/>
+          <p:nvPr/>
+        </p:nvSpPr>
+        <p:spPr>
+          <a:xfrm>
+            <a:off x="1018903" y="1637156"/>
+            <a:ext cx="3877985" cy="461665"/>
+          </a:xfrm>
+          <a:prstGeom prst="rect">
+            <a:avLst/>
+          </a:prstGeom>
+          <a:noFill/>
+        </p:spPr>
+        <p:txBody>
+          <a:bodyPr wrap="none" rtlCol="0">
+            <a:spAutoFit/>
+          </a:bodyPr>
+          <a:lstStyle/>
+          <a:p>
+            <a:r>
+              <a:rPr kumimoji="1" lang="ja-JP" altLang="en-US" sz="2400" b="1" dirty="0" smtClean="0"/>
+              <a:t>・これまでに作成した資料</a:t>
+            </a:r>
+            <a:endParaRPr kumimoji="1" lang="ja-JP" altLang="en-US" sz="2400" b="1" dirty="0"/>
+          </a:p>
+        </p:txBody>
+      </p:sp>
+      <p:sp>
+        <p:nvSpPr>
+          <p:cNvPr id="5" name="テキスト ボックス 4"/>
+          <p:cNvSpPr txBox="1"/>
+          <p:nvPr/>
+        </p:nvSpPr>
+        <p:spPr>
+          <a:xfrm>
+            <a:off x="1750423" y="2120648"/>
+            <a:ext cx="5197257" cy="1015663"/>
+          </a:xfrm>
+          <a:prstGeom prst="rect">
+            <a:avLst/>
+          </a:prstGeom>
+          <a:noFill/>
+        </p:spPr>
+        <p:txBody>
+          <a:bodyPr wrap="none" rtlCol="0">
+            <a:spAutoFit/>
+          </a:bodyPr>
+          <a:lstStyle/>
+          <a:p>
+            <a:r>
+              <a:rPr kumimoji="1" lang="ja-JP" altLang="en-US" sz="2000" b="1" dirty="0" smtClean="0"/>
+              <a:t>・要求分析書</a:t>
+            </a:r>
+            <a:r>
+              <a:rPr lang="en-US" altLang="ja-JP" sz="2000" b="1" dirty="0"/>
               <a:t>	</a:t>
             </a:r>
             <a:r>
-              <a:rPr lang="ja-JP" altLang="en-US" dirty="0" smtClean="0">
-                <a:latin typeface="Bahnschrift SemiBold" panose="020B0502040204020203" pitchFamily="34" charset="0"/>
-              </a:rPr>
-              <a:t>・</a:t>
-            </a:r>
-            <a:r>
-              <a:rPr lang="en-US" altLang="ja-JP" dirty="0" smtClean="0">
-                <a:latin typeface="Bahnschrift SemiBold" panose="020B0502040204020203" pitchFamily="34" charset="0"/>
-              </a:rPr>
-              <a:t>Windows 10 Education 64bit</a:t>
-            </a:r>
-          </a:p>
-          <a:p>
-            <a:pPr marL="0" indent="0">
-              <a:buNone/>
-            </a:pPr>
-            <a:r>
-              <a:rPr lang="ja-JP" altLang="en-US" dirty="0" smtClean="0">
-                <a:latin typeface="Bahnschrift SemiBold" panose="020B0502040204020203" pitchFamily="34" charset="0"/>
-              </a:rPr>
-              <a:t>・実行環境</a:t>
-            </a:r>
-            <a:endParaRPr lang="en-US" altLang="ja-JP" dirty="0" smtClean="0">
-              <a:latin typeface="Bahnschrift SemiBold" panose="020B0502040204020203" pitchFamily="34" charset="0"/>
-            </a:endParaRPr>
-          </a:p>
-          <a:p>
-            <a:pPr marL="0" indent="0">
-              <a:buNone/>
-            </a:pPr>
-            <a:r>
-              <a:rPr lang="en-US" altLang="ja-JP" dirty="0">
-                <a:latin typeface="Bahnschrift SemiBold" panose="020B0502040204020203" pitchFamily="34" charset="0"/>
-              </a:rPr>
+              <a:rPr lang="en-US" altLang="ja-JP" sz="2000" b="1" dirty="0" smtClean="0"/>
+              <a:t>	9</a:t>
+            </a:r>
+            <a:r>
+              <a:rPr lang="ja-JP" altLang="en-US" sz="2000" b="1" dirty="0" smtClean="0"/>
+              <a:t>月</a:t>
+            </a:r>
+            <a:r>
+              <a:rPr lang="en-US" altLang="ja-JP" sz="2000" b="1" dirty="0" smtClean="0"/>
+              <a:t>24</a:t>
+            </a:r>
+            <a:r>
+              <a:rPr lang="ja-JP" altLang="en-US" sz="2000" b="1" dirty="0" smtClean="0"/>
+              <a:t>日</a:t>
+            </a:r>
+            <a:r>
+              <a:rPr lang="en-US" altLang="ja-JP" sz="2000" b="1" dirty="0" smtClean="0"/>
+              <a:t>~10</a:t>
+            </a:r>
+            <a:r>
+              <a:rPr lang="ja-JP" altLang="en-US" sz="2000" b="1" dirty="0" smtClean="0"/>
+              <a:t>月</a:t>
+            </a:r>
+            <a:r>
+              <a:rPr lang="en-US" altLang="ja-JP" sz="2000" b="1" dirty="0" smtClean="0"/>
+              <a:t>11</a:t>
+            </a:r>
+            <a:r>
+              <a:rPr lang="ja-JP" altLang="en-US" sz="2000" b="1" dirty="0" smtClean="0"/>
+              <a:t>日</a:t>
+            </a:r>
+            <a:endParaRPr kumimoji="1" lang="en-US" altLang="ja-JP" sz="2000" b="1" dirty="0" smtClean="0"/>
+          </a:p>
+          <a:p>
+            <a:r>
+              <a:rPr lang="ja-JP" altLang="en-US" sz="2000" b="1" dirty="0" smtClean="0"/>
+              <a:t>・全体</a:t>
+            </a:r>
+            <a:r>
+              <a:rPr lang="en-US" altLang="ja-JP" sz="2000" b="1" dirty="0" smtClean="0"/>
+              <a:t>DFD		10</a:t>
+            </a:r>
+            <a:r>
+              <a:rPr lang="ja-JP" altLang="en-US" sz="2000" b="1" dirty="0" smtClean="0"/>
+              <a:t>月</a:t>
+            </a:r>
+            <a:r>
+              <a:rPr lang="en-US" altLang="ja-JP" sz="2000" b="1" dirty="0" smtClean="0"/>
+              <a:t>1</a:t>
+            </a:r>
+            <a:r>
+              <a:rPr lang="ja-JP" altLang="en-US" sz="2000" b="1" dirty="0" smtClean="0"/>
+              <a:t>日</a:t>
+            </a:r>
+            <a:r>
+              <a:rPr lang="en-US" altLang="ja-JP" sz="2000" b="1" dirty="0" smtClean="0"/>
+              <a:t>~10</a:t>
+            </a:r>
+            <a:r>
+              <a:rPr lang="ja-JP" altLang="en-US" sz="2000" b="1" dirty="0" smtClean="0"/>
+              <a:t>月</a:t>
+            </a:r>
+            <a:r>
+              <a:rPr lang="en-US" altLang="ja-JP" sz="2000" b="1" dirty="0" smtClean="0"/>
+              <a:t>11</a:t>
+            </a:r>
+            <a:r>
+              <a:rPr lang="ja-JP" altLang="en-US" sz="2000" b="1" dirty="0" smtClean="0"/>
+              <a:t>日</a:t>
+            </a:r>
+            <a:endParaRPr lang="en-US" altLang="ja-JP" sz="2000" b="1" dirty="0" smtClean="0"/>
+          </a:p>
+          <a:p>
+            <a:r>
+              <a:rPr kumimoji="1" lang="ja-JP" altLang="en-US" sz="2000" b="1" dirty="0" smtClean="0"/>
+              <a:t>・システム構造図</a:t>
+            </a:r>
+            <a:r>
+              <a:rPr kumimoji="1" lang="en-US" altLang="ja-JP" sz="2000" b="1" dirty="0" smtClean="0"/>
+              <a:t>	10</a:t>
+            </a:r>
+            <a:r>
+              <a:rPr kumimoji="1" lang="ja-JP" altLang="en-US" sz="2000" b="1" dirty="0" smtClean="0"/>
+              <a:t>月</a:t>
+            </a:r>
+            <a:r>
+              <a:rPr lang="en-US" altLang="ja-JP" sz="2000" b="1" dirty="0"/>
+              <a:t>8</a:t>
+            </a:r>
+            <a:r>
+              <a:rPr lang="ja-JP" altLang="en-US" sz="2000" b="1" dirty="0" smtClean="0"/>
+              <a:t>日</a:t>
+            </a:r>
+            <a:r>
+              <a:rPr lang="en-US" altLang="ja-JP" sz="2000" b="1" dirty="0" smtClean="0"/>
+              <a:t>~10</a:t>
+            </a:r>
+            <a:r>
+              <a:rPr lang="ja-JP" altLang="en-US" sz="2000" b="1" dirty="0" smtClean="0"/>
+              <a:t>月</a:t>
+            </a:r>
+            <a:r>
+              <a:rPr lang="en-US" altLang="ja-JP" sz="2000" b="1" dirty="0" smtClean="0"/>
+              <a:t>11</a:t>
+            </a:r>
+            <a:r>
+              <a:rPr lang="ja-JP" altLang="en-US" sz="2000" b="1" dirty="0" smtClean="0"/>
+              <a:t>日</a:t>
+            </a:r>
+            <a:endParaRPr kumimoji="1" lang="en-US" altLang="ja-JP" sz="2000" b="1" dirty="0" smtClean="0"/>
+          </a:p>
+        </p:txBody>
+      </p:sp>
+      <p:sp>
+        <p:nvSpPr>
+          <p:cNvPr id="6" name="テキスト ボックス 5"/>
+          <p:cNvSpPr txBox="1"/>
+          <p:nvPr/>
+        </p:nvSpPr>
+        <p:spPr>
+          <a:xfrm>
+            <a:off x="1018903" y="3304845"/>
+            <a:ext cx="3570208" cy="461665"/>
+          </a:xfrm>
+          <a:prstGeom prst="rect">
+            <a:avLst/>
+          </a:prstGeom>
+          <a:noFill/>
+        </p:spPr>
+        <p:txBody>
+          <a:bodyPr wrap="none" rtlCol="0">
+            <a:spAutoFit/>
+          </a:bodyPr>
+          <a:lstStyle/>
+          <a:p>
+            <a:r>
+              <a:rPr kumimoji="1" lang="ja-JP" altLang="en-US" sz="2400" b="1" dirty="0" smtClean="0"/>
+              <a:t>・これから作成する資料</a:t>
+            </a:r>
+            <a:endParaRPr kumimoji="1" lang="ja-JP" altLang="en-US" sz="2400" b="1" dirty="0"/>
+          </a:p>
+        </p:txBody>
+      </p:sp>
+      <p:sp>
+        <p:nvSpPr>
+          <p:cNvPr id="7" name="テキスト ボックス 6"/>
+          <p:cNvSpPr txBox="1"/>
+          <p:nvPr/>
+        </p:nvSpPr>
+        <p:spPr>
+          <a:xfrm>
+            <a:off x="1750423" y="3805699"/>
+            <a:ext cx="5262979" cy="2031325"/>
+          </a:xfrm>
+          <a:prstGeom prst="rect">
+            <a:avLst/>
+          </a:prstGeom>
+          <a:noFill/>
+        </p:spPr>
+        <p:txBody>
+          <a:bodyPr wrap="none" rtlCol="0">
+            <a:spAutoFit/>
+          </a:bodyPr>
+          <a:lstStyle/>
+          <a:p>
+            <a:r>
+              <a:rPr kumimoji="1" lang="ja-JP" altLang="en-US" b="1" dirty="0" smtClean="0"/>
+              <a:t>・各種サブシステム仕様書</a:t>
+            </a:r>
+            <a:r>
+              <a:rPr kumimoji="1" lang="en-US" altLang="ja-JP" b="1" dirty="0" smtClean="0"/>
+              <a:t>		</a:t>
+            </a:r>
+            <a:r>
+              <a:rPr kumimoji="1" lang="ja-JP" altLang="en-US" b="1" dirty="0" smtClean="0"/>
+              <a:t>月日</a:t>
+            </a:r>
+            <a:endParaRPr kumimoji="1" lang="en-US" altLang="ja-JP" b="1" dirty="0" smtClean="0"/>
+          </a:p>
+          <a:p>
+            <a:r>
+              <a:rPr lang="ja-JP" altLang="en-US" b="1" dirty="0" smtClean="0"/>
+              <a:t>・各種データベース仕様書</a:t>
+            </a:r>
+            <a:r>
+              <a:rPr lang="en-US" altLang="ja-JP" b="1" dirty="0" smtClean="0"/>
+              <a:t>		</a:t>
+            </a:r>
+            <a:r>
+              <a:rPr lang="ja-JP" altLang="en-US" b="1" dirty="0" smtClean="0"/>
+              <a:t>月日</a:t>
+            </a:r>
+            <a:endParaRPr lang="en-US" altLang="ja-JP" b="1" dirty="0" smtClean="0"/>
+          </a:p>
+          <a:p>
+            <a:r>
+              <a:rPr kumimoji="1" lang="ja-JP" altLang="en-US" b="1" dirty="0" smtClean="0"/>
+              <a:t>・各種画面仕様書</a:t>
+            </a:r>
+            <a:r>
+              <a:rPr kumimoji="1" lang="en-US" altLang="ja-JP" b="1" dirty="0" smtClean="0"/>
+              <a:t>			</a:t>
+            </a:r>
+            <a:r>
+              <a:rPr lang="ja-JP" altLang="en-US" b="1" dirty="0"/>
+              <a:t>月日</a:t>
+            </a:r>
+            <a:endParaRPr kumimoji="1" lang="en-US" altLang="ja-JP" b="1" dirty="0" smtClean="0"/>
+          </a:p>
+          <a:p>
+            <a:r>
+              <a:rPr lang="ja-JP" altLang="en-US" b="1" dirty="0" smtClean="0"/>
+              <a:t>・各種プログラム仕様書</a:t>
+            </a:r>
+            <a:r>
+              <a:rPr lang="en-US" altLang="ja-JP" b="1" dirty="0" smtClean="0"/>
+              <a:t>			</a:t>
+            </a:r>
+            <a:r>
+              <a:rPr lang="ja-JP" altLang="en-US" b="1" dirty="0" smtClean="0"/>
+              <a:t>月日</a:t>
+            </a:r>
+            <a:endParaRPr lang="en-US" altLang="ja-JP" b="1" dirty="0" smtClean="0"/>
+          </a:p>
+          <a:p>
+            <a:r>
+              <a:rPr kumimoji="1" lang="ja-JP" altLang="en-US" b="1" dirty="0" smtClean="0"/>
+              <a:t>・各種モジュール仕様書</a:t>
+            </a:r>
+            <a:r>
+              <a:rPr kumimoji="1" lang="en-US" altLang="ja-JP" b="1" dirty="0" smtClean="0"/>
+              <a:t>			</a:t>
+            </a:r>
+            <a:r>
+              <a:rPr lang="ja-JP" altLang="en-US" b="1" dirty="0" smtClean="0"/>
+              <a:t>月日</a:t>
+            </a:r>
+            <a:endParaRPr kumimoji="1" lang="en-US" altLang="ja-JP" b="1" dirty="0" smtClean="0"/>
+          </a:p>
+          <a:p>
+            <a:r>
+              <a:rPr lang="ja-JP" altLang="en-US" b="1" dirty="0" smtClean="0"/>
+              <a:t>・テスト仕様書・テスト実施結果書</a:t>
+            </a:r>
+            <a:r>
+              <a:rPr lang="en-US" altLang="ja-JP" b="1" dirty="0" smtClean="0"/>
               <a:t>	</a:t>
             </a:r>
             <a:r>
-              <a:rPr lang="ja-JP" altLang="en-US" dirty="0" smtClean="0">
-                <a:latin typeface="Bahnschrift SemiBold" panose="020B0502040204020203" pitchFamily="34" charset="0"/>
-              </a:rPr>
-              <a:t>・</a:t>
-            </a:r>
-            <a:r>
-              <a:rPr lang="en-US" altLang="ja-JP" dirty="0" smtClean="0">
-                <a:latin typeface="Bahnschrift SemiBold" panose="020B0502040204020203" pitchFamily="34" charset="0"/>
-              </a:rPr>
-              <a:t>Microsoft Visual C# 2017</a:t>
-            </a:r>
-          </a:p>
-          <a:p>
-            <a:pPr marL="0" indent="0">
-              <a:buNone/>
-            </a:pPr>
-            <a:r>
-              <a:rPr lang="en-US" altLang="ja-JP" dirty="0" smtClean="0">
-                <a:latin typeface="Bahnschrift SemiBold" panose="020B0502040204020203" pitchFamily="34" charset="0"/>
-              </a:rPr>
-              <a:t>	</a:t>
-            </a:r>
-            <a:r>
-              <a:rPr lang="ja-JP" altLang="en-US" dirty="0" smtClean="0">
-                <a:latin typeface="Bahnschrift SemiBold" panose="020B0502040204020203" pitchFamily="34" charset="0"/>
-              </a:rPr>
-              <a:t>・</a:t>
-            </a:r>
-            <a:r>
-              <a:rPr lang="en-US" altLang="ja-JP" dirty="0" smtClean="0">
-                <a:latin typeface="Bahnschrift SemiBold" panose="020B0502040204020203" pitchFamily="34" charset="0"/>
-              </a:rPr>
-              <a:t>Microsoft Office Access 2016</a:t>
-            </a:r>
+              <a:rPr lang="ja-JP" altLang="en-US" b="1" dirty="0"/>
+              <a:t>月日</a:t>
+            </a:r>
+            <a:endParaRPr lang="en-US" altLang="ja-JP" b="1" dirty="0" smtClean="0"/>
+          </a:p>
+          <a:p>
+            <a:r>
+              <a:rPr kumimoji="1" lang="ja-JP" altLang="en-US" b="1" dirty="0" smtClean="0"/>
+              <a:t>・ガントチャート</a:t>
+            </a:r>
+            <a:r>
+              <a:rPr kumimoji="1" lang="en-US" altLang="ja-JP" b="1" dirty="0" smtClean="0"/>
+              <a:t>			</a:t>
+            </a:r>
+            <a:r>
+              <a:rPr lang="ja-JP" altLang="en-US" b="1" dirty="0"/>
+              <a:t>月日</a:t>
+            </a:r>
+            <a:endParaRPr kumimoji="1" lang="ja-JP" altLang="en-US" b="1" dirty="0"/>
           </a:p>
         </p:txBody>
       </p:sp>
     </p:spTree>
     <p:extLst>
       <p:ext uri="{BB962C8B-B14F-4D97-AF65-F5344CB8AC3E}">
-        <p14:creationId xmlns:p14="http://schemas.microsoft.com/office/powerpoint/2010/main" val="269283686"/>
+        <p14:creationId xmlns:p14="http://schemas.microsoft.com/office/powerpoint/2010/main" val="106448076"/>
       </p:ext>
     </p:extLst>
   </p:cSld>
@@ -8618,7 +9929,7 @@
   <a:extraClrSchemeLst/>
   <a:extLst>
     <a:ext uri="{05A4C25C-085E-4340-85A3-A5531E510DB2}">
-      <thm15:themeFamily xmlns:thm15="http://schemas.microsoft.com/office/thememl/2012/main" xmlns="" name="Office Theme" id="{62F939B6-93AF-4DB8-9C6B-D6C7DFDC589F}" vid="{4A3C46E8-61CC-4603-A589-7422A47A8E4A}"/>
+      <thm15:themeFamily xmlns="" xmlns:thm15="http://schemas.microsoft.com/office/thememl/2012/main" name="Office Theme" id="{62F939B6-93AF-4DB8-9C6B-D6C7DFDC589F}" vid="{4A3C46E8-61CC-4603-A589-7422A47A8E4A}"/>
     </a:ext>
   </a:extLst>
 </a:theme>

--- a/企画発表プレゼンテーション.pptx
+++ b/企画発表プレゼンテーション.pptx
@@ -9,12 +9,15 @@
     <p:sldId id="264" r:id="rId3"/>
     <p:sldId id="265" r:id="rId4"/>
     <p:sldId id="266" r:id="rId5"/>
-    <p:sldId id="257" r:id="rId6"/>
-    <p:sldId id="258" r:id="rId7"/>
-    <p:sldId id="259" r:id="rId8"/>
-    <p:sldId id="260" r:id="rId9"/>
-    <p:sldId id="261" r:id="rId10"/>
-    <p:sldId id="267" r:id="rId11"/>
+    <p:sldId id="270" r:id="rId6"/>
+    <p:sldId id="268" r:id="rId7"/>
+    <p:sldId id="269" r:id="rId8"/>
+    <p:sldId id="257" r:id="rId9"/>
+    <p:sldId id="258" r:id="rId10"/>
+    <p:sldId id="259" r:id="rId11"/>
+    <p:sldId id="260" r:id="rId12"/>
+    <p:sldId id="261" r:id="rId13"/>
+    <p:sldId id="267" r:id="rId14"/>
   </p:sldIdLst>
   <p:sldSz cx="12192000" cy="6858000"/>
   <p:notesSz cx="6858000" cy="9144000"/>
@@ -115,7 +118,7 @@
   </p:defaultTextStyle>
   <p:extLst>
     <p:ext uri="{EFAFB233-063F-42B5-8137-9DF3F51BA10A}">
-      <p15:sldGuideLst xmlns="" xmlns:p15="http://schemas.microsoft.com/office/powerpoint/2012/main">
+      <p15:sldGuideLst xmlns:p15="http://schemas.microsoft.com/office/powerpoint/2012/main" xmlns="">
         <p15:guide id="1" orient="horz" pos="2160">
           <p15:clr>
             <a:srgbClr val="A4A3A4"/>
@@ -263,7 +266,7 @@
           <a:p>
             <a:fld id="{9C27765A-BBDC-4B93-B191-B0458F0CABEC}" type="datetimeFigureOut">
               <a:rPr kumimoji="1" lang="ja-JP" altLang="en-US" smtClean="0"/>
-              <a:t>2019/10/15</a:t>
+              <a:t>2019/10/16</a:t>
             </a:fld>
             <a:endParaRPr kumimoji="1" lang="ja-JP" altLang="en-US"/>
           </a:p>
@@ -465,7 +468,7 @@
           <a:p>
             <a:fld id="{9C27765A-BBDC-4B93-B191-B0458F0CABEC}" type="datetimeFigureOut">
               <a:rPr kumimoji="1" lang="ja-JP" altLang="en-US" smtClean="0"/>
-              <a:t>2019/10/15</a:t>
+              <a:t>2019/10/16</a:t>
             </a:fld>
             <a:endParaRPr kumimoji="1" lang="ja-JP" altLang="en-US"/>
           </a:p>
@@ -677,7 +680,7 @@
           <a:p>
             <a:fld id="{9C27765A-BBDC-4B93-B191-B0458F0CABEC}" type="datetimeFigureOut">
               <a:rPr kumimoji="1" lang="ja-JP" altLang="en-US" smtClean="0"/>
-              <a:t>2019/10/15</a:t>
+              <a:t>2019/10/16</a:t>
             </a:fld>
             <a:endParaRPr kumimoji="1" lang="ja-JP" altLang="en-US"/>
           </a:p>
@@ -879,7 +882,7 @@
           <a:p>
             <a:fld id="{9C27765A-BBDC-4B93-B191-B0458F0CABEC}" type="datetimeFigureOut">
               <a:rPr kumimoji="1" lang="ja-JP" altLang="en-US" smtClean="0"/>
-              <a:t>2019/10/15</a:t>
+              <a:t>2019/10/16</a:t>
             </a:fld>
             <a:endParaRPr kumimoji="1" lang="ja-JP" altLang="en-US"/>
           </a:p>
@@ -1125,7 +1128,7 @@
           <a:p>
             <a:fld id="{9C27765A-BBDC-4B93-B191-B0458F0CABEC}" type="datetimeFigureOut">
               <a:rPr kumimoji="1" lang="ja-JP" altLang="en-US" smtClean="0"/>
-              <a:t>2019/10/15</a:t>
+              <a:t>2019/10/16</a:t>
             </a:fld>
             <a:endParaRPr kumimoji="1" lang="ja-JP" altLang="en-US"/>
           </a:p>
@@ -1421,7 +1424,7 @@
           <a:p>
             <a:fld id="{9C27765A-BBDC-4B93-B191-B0458F0CABEC}" type="datetimeFigureOut">
               <a:rPr kumimoji="1" lang="ja-JP" altLang="en-US" smtClean="0"/>
-              <a:t>2019/10/15</a:t>
+              <a:t>2019/10/16</a:t>
             </a:fld>
             <a:endParaRPr kumimoji="1" lang="ja-JP" altLang="en-US"/>
           </a:p>
@@ -1852,7 +1855,7 @@
           <a:p>
             <a:fld id="{9C27765A-BBDC-4B93-B191-B0458F0CABEC}" type="datetimeFigureOut">
               <a:rPr kumimoji="1" lang="ja-JP" altLang="en-US" smtClean="0"/>
-              <a:t>2019/10/15</a:t>
+              <a:t>2019/10/16</a:t>
             </a:fld>
             <a:endParaRPr kumimoji="1" lang="ja-JP" altLang="en-US"/>
           </a:p>
@@ -1970,7 +1973,7 @@
           <a:p>
             <a:fld id="{9C27765A-BBDC-4B93-B191-B0458F0CABEC}" type="datetimeFigureOut">
               <a:rPr kumimoji="1" lang="ja-JP" altLang="en-US" smtClean="0"/>
-              <a:t>2019/10/15</a:t>
+              <a:t>2019/10/16</a:t>
             </a:fld>
             <a:endParaRPr kumimoji="1" lang="ja-JP" altLang="en-US"/>
           </a:p>
@@ -2065,7 +2068,7 @@
           <a:p>
             <a:fld id="{9C27765A-BBDC-4B93-B191-B0458F0CABEC}" type="datetimeFigureOut">
               <a:rPr kumimoji="1" lang="ja-JP" altLang="en-US" smtClean="0"/>
-              <a:t>2019/10/15</a:t>
+              <a:t>2019/10/16</a:t>
             </a:fld>
             <a:endParaRPr kumimoji="1" lang="ja-JP" altLang="en-US"/>
           </a:p>
@@ -2374,7 +2377,7 @@
           <a:p>
             <a:fld id="{9C27765A-BBDC-4B93-B191-B0458F0CABEC}" type="datetimeFigureOut">
               <a:rPr kumimoji="1" lang="ja-JP" altLang="en-US" smtClean="0"/>
-              <a:t>2019/10/15</a:t>
+              <a:t>2019/10/16</a:t>
             </a:fld>
             <a:endParaRPr kumimoji="1" lang="ja-JP" altLang="en-US"/>
           </a:p>
@@ -2627,7 +2630,7 @@
           <a:p>
             <a:fld id="{9C27765A-BBDC-4B93-B191-B0458F0CABEC}" type="datetimeFigureOut">
               <a:rPr kumimoji="1" lang="ja-JP" altLang="en-US" smtClean="0"/>
-              <a:t>2019/10/15</a:t>
+              <a:t>2019/10/16</a:t>
             </a:fld>
             <a:endParaRPr kumimoji="1" lang="ja-JP" altLang="en-US"/>
           </a:p>
@@ -2882,7 +2885,7 @@
           <a:p>
             <a:fld id="{9C27765A-BBDC-4B93-B191-B0458F0CABEC}" type="datetimeFigureOut">
               <a:rPr kumimoji="1" lang="ja-JP" altLang="en-US" smtClean="0"/>
-              <a:t>2019/10/15</a:t>
+              <a:t>2019/10/16</a:t>
             </a:fld>
             <a:endParaRPr kumimoji="1" lang="ja-JP" altLang="en-US"/>
           </a:p>
@@ -3591,6 +3594,714 @@
 </file>
 
 <file path=ppt/slides/slide10.xml><?xml version="1.0" encoding="utf-8"?>
+<p:sld xmlns:a="http://schemas.openxmlformats.org/drawingml/2006/main" xmlns:r="http://schemas.openxmlformats.org/officeDocument/2006/relationships" xmlns:p="http://schemas.openxmlformats.org/presentationml/2006/main">
+  <p:cSld>
+    <p:spTree>
+      <p:nvGrpSpPr>
+        <p:cNvPr id="1" name=""/>
+        <p:cNvGrpSpPr/>
+        <p:nvPr/>
+      </p:nvGrpSpPr>
+      <p:grpSpPr>
+        <a:xfrm>
+          <a:off x="0" y="0"/>
+          <a:ext cx="0" cy="0"/>
+          <a:chOff x="0" y="0"/>
+          <a:chExt cx="0" cy="0"/>
+        </a:xfrm>
+      </p:grpSpPr>
+      <p:sp>
+        <p:nvSpPr>
+          <p:cNvPr id="2" name="タイトル 1"/>
+          <p:cNvSpPr>
+            <a:spLocks noGrp="1"/>
+          </p:cNvSpPr>
+          <p:nvPr>
+            <p:ph type="title"/>
+          </p:nvPr>
+        </p:nvSpPr>
+        <p:spPr>
+          <a:xfrm>
+            <a:off x="459259" y="0"/>
+            <a:ext cx="10515600" cy="1325563"/>
+          </a:xfrm>
+        </p:spPr>
+        <p:txBody>
+          <a:bodyPr>
+            <a:normAutofit/>
+          </a:bodyPr>
+          <a:lstStyle/>
+          <a:p>
+            <a:r>
+              <a:rPr kumimoji="1" lang="ja-JP" altLang="en-US" b="1" dirty="0" smtClean="0">
+                <a:latin typeface="HGSｺﾞｼｯｸM" panose="020B0600000000000000" pitchFamily="50" charset="-128"/>
+                <a:ea typeface="HGSｺﾞｼｯｸM" panose="020B0600000000000000" pitchFamily="50" charset="-128"/>
+              </a:rPr>
+              <a:t>全体</a:t>
+            </a:r>
+            <a:r>
+              <a:rPr kumimoji="1" lang="en-US" altLang="ja-JP" b="1" dirty="0" smtClean="0">
+                <a:latin typeface="HGSｺﾞｼｯｸM" panose="020B0600000000000000" pitchFamily="50" charset="-128"/>
+                <a:ea typeface="HGSｺﾞｼｯｸM" panose="020B0600000000000000" pitchFamily="50" charset="-128"/>
+              </a:rPr>
+              <a:t>DFD</a:t>
+            </a:r>
+            <a:endParaRPr kumimoji="1" lang="ja-JP" altLang="en-US" b="1" dirty="0">
+              <a:latin typeface="HGSｺﾞｼｯｸM" panose="020B0600000000000000" pitchFamily="50" charset="-128"/>
+              <a:ea typeface="HGSｺﾞｼｯｸM" panose="020B0600000000000000" pitchFamily="50" charset="-128"/>
+            </a:endParaRPr>
+          </a:p>
+        </p:txBody>
+      </p:sp>
+      <p:pic>
+        <p:nvPicPr>
+          <p:cNvPr id="2050" name="Picture 2" descr="C:\Users\yamanin-Note\Desktop\キャプチャ (1).PNG"/>
+          <p:cNvPicPr>
+            <a:picLocks noChangeAspect="1" noChangeArrowheads="1"/>
+          </p:cNvPicPr>
+          <p:nvPr/>
+        </p:nvPicPr>
+        <p:blipFill>
+          <a:blip r:embed="rId2">
+            <a:extLst>
+              <a:ext uri="{28A0092B-C50C-407E-A947-70E740481C1C}">
+                <a14:useLocalDpi xmlns:a14="http://schemas.microsoft.com/office/drawing/2010/main" val="0"/>
+              </a:ext>
+            </a:extLst>
+          </a:blip>
+          <a:srcRect/>
+          <a:stretch>
+            <a:fillRect/>
+          </a:stretch>
+        </p:blipFill>
+        <p:spPr bwMode="auto">
+          <a:xfrm>
+            <a:off x="751877" y="1325563"/>
+            <a:ext cx="10621404" cy="5038269"/>
+          </a:xfrm>
+          <a:prstGeom prst="rect">
+            <a:avLst/>
+          </a:prstGeom>
+          <a:noFill/>
+          <a:extLst>
+            <a:ext uri="{909E8E84-426E-40DD-AFC4-6F175D3DCCD1}">
+              <a14:hiddenFill xmlns:a14="http://schemas.microsoft.com/office/drawing/2010/main">
+                <a:solidFill>
+                  <a:srgbClr val="FFFFFF"/>
+                </a:solidFill>
+              </a14:hiddenFill>
+            </a:ext>
+          </a:extLst>
+        </p:spPr>
+      </p:pic>
+    </p:spTree>
+    <p:extLst>
+      <p:ext uri="{BB962C8B-B14F-4D97-AF65-F5344CB8AC3E}">
+        <p14:creationId xmlns:p14="http://schemas.microsoft.com/office/powerpoint/2010/main" val="4096901125"/>
+      </p:ext>
+    </p:extLst>
+  </p:cSld>
+  <p:clrMapOvr>
+    <a:masterClrMapping/>
+  </p:clrMapOvr>
+  <p:timing>
+    <p:tnLst>
+      <p:par>
+        <p:cTn id="1" dur="indefinite" restart="never" nodeType="tmRoot"/>
+      </p:par>
+    </p:tnLst>
+  </p:timing>
+</p:sld>
+</file>
+
+<file path=ppt/slides/slide11.xml><?xml version="1.0" encoding="utf-8"?>
+<p:sld xmlns:a="http://schemas.openxmlformats.org/drawingml/2006/main" xmlns:r="http://schemas.openxmlformats.org/officeDocument/2006/relationships" xmlns:p="http://schemas.openxmlformats.org/presentationml/2006/main">
+  <p:cSld>
+    <p:spTree>
+      <p:nvGrpSpPr>
+        <p:cNvPr id="1" name=""/>
+        <p:cNvGrpSpPr/>
+        <p:nvPr/>
+      </p:nvGrpSpPr>
+      <p:grpSpPr>
+        <a:xfrm>
+          <a:off x="0" y="0"/>
+          <a:ext cx="0" cy="0"/>
+          <a:chOff x="0" y="0"/>
+          <a:chExt cx="0" cy="0"/>
+        </a:xfrm>
+      </p:grpSpPr>
+      <p:sp>
+        <p:nvSpPr>
+          <p:cNvPr id="2" name="タイトル 1"/>
+          <p:cNvSpPr>
+            <a:spLocks noGrp="1"/>
+          </p:cNvSpPr>
+          <p:nvPr>
+            <p:ph type="title"/>
+          </p:nvPr>
+        </p:nvSpPr>
+        <p:spPr>
+          <a:xfrm>
+            <a:off x="508687" y="0"/>
+            <a:ext cx="10515600" cy="1325563"/>
+          </a:xfrm>
+        </p:spPr>
+        <p:txBody>
+          <a:bodyPr/>
+          <a:lstStyle/>
+          <a:p>
+            <a:r>
+              <a:rPr kumimoji="1" lang="ja-JP" altLang="en-US" b="1" dirty="0" smtClean="0">
+                <a:latin typeface="HGSｺﾞｼｯｸM" panose="020B0600000000000000" pitchFamily="50" charset="-128"/>
+                <a:ea typeface="HGSｺﾞｼｯｸM" panose="020B0600000000000000" pitchFamily="50" charset="-128"/>
+              </a:rPr>
+              <a:t>開発環境と実行環境</a:t>
+            </a:r>
+            <a:endParaRPr kumimoji="1" lang="ja-JP" altLang="en-US" b="1" dirty="0">
+              <a:latin typeface="HGSｺﾞｼｯｸM" panose="020B0600000000000000" pitchFamily="50" charset="-128"/>
+              <a:ea typeface="HGSｺﾞｼｯｸM" panose="020B0600000000000000" pitchFamily="50" charset="-128"/>
+            </a:endParaRPr>
+          </a:p>
+        </p:txBody>
+      </p:sp>
+      <p:sp>
+        <p:nvSpPr>
+          <p:cNvPr id="3" name="コンテンツ プレースホルダー 2"/>
+          <p:cNvSpPr>
+            <a:spLocks noGrp="1"/>
+          </p:cNvSpPr>
+          <p:nvPr>
+            <p:ph idx="1"/>
+          </p:nvPr>
+        </p:nvSpPr>
+        <p:spPr/>
+        <p:txBody>
+          <a:bodyPr/>
+          <a:lstStyle/>
+          <a:p>
+            <a:pPr marL="0" indent="0">
+              <a:buNone/>
+            </a:pPr>
+            <a:r>
+              <a:rPr lang="ja-JP" altLang="en-US" dirty="0" smtClean="0">
+                <a:latin typeface="Bahnschrift SemiBold" panose="020B0502040204020203" pitchFamily="34" charset="0"/>
+              </a:rPr>
+              <a:t>・開発環境</a:t>
+            </a:r>
+            <a:endParaRPr lang="en-US" altLang="ja-JP" dirty="0">
+              <a:latin typeface="Bahnschrift SemiBold" panose="020B0502040204020203" pitchFamily="34" charset="0"/>
+            </a:endParaRPr>
+          </a:p>
+          <a:p>
+            <a:pPr marL="0" indent="0">
+              <a:buNone/>
+            </a:pPr>
+            <a:r>
+              <a:rPr lang="en-US" altLang="ja-JP" dirty="0">
+                <a:latin typeface="Bahnschrift SemiBold" panose="020B0502040204020203" pitchFamily="34" charset="0"/>
+              </a:rPr>
+              <a:t>	</a:t>
+            </a:r>
+            <a:r>
+              <a:rPr lang="ja-JP" altLang="en-US" dirty="0" smtClean="0">
+                <a:latin typeface="Bahnschrift SemiBold" panose="020B0502040204020203" pitchFamily="34" charset="0"/>
+              </a:rPr>
+              <a:t>・</a:t>
+            </a:r>
+            <a:r>
+              <a:rPr lang="en-US" altLang="ja-JP" dirty="0" smtClean="0">
+                <a:latin typeface="Bahnschrift SemiBold" panose="020B0502040204020203" pitchFamily="34" charset="0"/>
+              </a:rPr>
+              <a:t>Windows 10 Education 64bit</a:t>
+            </a:r>
+          </a:p>
+          <a:p>
+            <a:pPr marL="0" indent="0">
+              <a:buNone/>
+            </a:pPr>
+            <a:r>
+              <a:rPr lang="ja-JP" altLang="en-US" dirty="0" smtClean="0">
+                <a:latin typeface="Bahnschrift SemiBold" panose="020B0502040204020203" pitchFamily="34" charset="0"/>
+              </a:rPr>
+              <a:t>・実行環境</a:t>
+            </a:r>
+            <a:endParaRPr lang="en-US" altLang="ja-JP" dirty="0" smtClean="0">
+              <a:latin typeface="Bahnschrift SemiBold" panose="020B0502040204020203" pitchFamily="34" charset="0"/>
+            </a:endParaRPr>
+          </a:p>
+          <a:p>
+            <a:pPr marL="0" indent="0">
+              <a:buNone/>
+            </a:pPr>
+            <a:r>
+              <a:rPr lang="en-US" altLang="ja-JP" dirty="0">
+                <a:latin typeface="Bahnschrift SemiBold" panose="020B0502040204020203" pitchFamily="34" charset="0"/>
+              </a:rPr>
+              <a:t>	</a:t>
+            </a:r>
+            <a:r>
+              <a:rPr lang="ja-JP" altLang="en-US" dirty="0" smtClean="0">
+                <a:latin typeface="Bahnschrift SemiBold" panose="020B0502040204020203" pitchFamily="34" charset="0"/>
+              </a:rPr>
+              <a:t>・</a:t>
+            </a:r>
+            <a:r>
+              <a:rPr lang="en-US" altLang="ja-JP" dirty="0" smtClean="0">
+                <a:latin typeface="Bahnschrift SemiBold" panose="020B0502040204020203" pitchFamily="34" charset="0"/>
+              </a:rPr>
+              <a:t>Microsoft Visual C# 2017</a:t>
+            </a:r>
+          </a:p>
+          <a:p>
+            <a:pPr marL="0" indent="0">
+              <a:buNone/>
+            </a:pPr>
+            <a:r>
+              <a:rPr lang="en-US" altLang="ja-JP" dirty="0" smtClean="0">
+                <a:latin typeface="Bahnschrift SemiBold" panose="020B0502040204020203" pitchFamily="34" charset="0"/>
+              </a:rPr>
+              <a:t>	</a:t>
+            </a:r>
+            <a:r>
+              <a:rPr lang="ja-JP" altLang="en-US" dirty="0" smtClean="0">
+                <a:latin typeface="Bahnschrift SemiBold" panose="020B0502040204020203" pitchFamily="34" charset="0"/>
+              </a:rPr>
+              <a:t>・</a:t>
+            </a:r>
+            <a:r>
+              <a:rPr lang="en-US" altLang="ja-JP" dirty="0" smtClean="0">
+                <a:latin typeface="Bahnschrift SemiBold" panose="020B0502040204020203" pitchFamily="34" charset="0"/>
+              </a:rPr>
+              <a:t>Microsoft Office Access 2016</a:t>
+            </a:r>
+          </a:p>
+        </p:txBody>
+      </p:sp>
+    </p:spTree>
+    <p:extLst>
+      <p:ext uri="{BB962C8B-B14F-4D97-AF65-F5344CB8AC3E}">
+        <p14:creationId xmlns:p14="http://schemas.microsoft.com/office/powerpoint/2010/main" val="269283686"/>
+      </p:ext>
+    </p:extLst>
+  </p:cSld>
+  <p:clrMapOvr>
+    <a:masterClrMapping/>
+  </p:clrMapOvr>
+  <p:timing>
+    <p:tnLst>
+      <p:par>
+        <p:cTn id="1" dur="indefinite" restart="never" nodeType="tmRoot"/>
+      </p:par>
+    </p:tnLst>
+  </p:timing>
+</p:sld>
+</file>
+
+<file path=ppt/slides/slide12.xml><?xml version="1.0" encoding="utf-8"?>
+<p:sld xmlns:a="http://schemas.openxmlformats.org/drawingml/2006/main" xmlns:r="http://schemas.openxmlformats.org/officeDocument/2006/relationships" xmlns:p="http://schemas.openxmlformats.org/presentationml/2006/main">
+  <p:cSld>
+    <p:spTree>
+      <p:nvGrpSpPr>
+        <p:cNvPr id="1" name=""/>
+        <p:cNvGrpSpPr/>
+        <p:nvPr/>
+      </p:nvGrpSpPr>
+      <p:grpSpPr>
+        <a:xfrm>
+          <a:off x="0" y="0"/>
+          <a:ext cx="0" cy="0"/>
+          <a:chOff x="0" y="0"/>
+          <a:chExt cx="0" cy="0"/>
+        </a:xfrm>
+      </p:grpSpPr>
+      <p:sp>
+        <p:nvSpPr>
+          <p:cNvPr id="2" name="タイトル 1"/>
+          <p:cNvSpPr>
+            <a:spLocks noGrp="1"/>
+          </p:cNvSpPr>
+          <p:nvPr>
+            <p:ph type="title"/>
+          </p:nvPr>
+        </p:nvSpPr>
+        <p:spPr>
+          <a:xfrm>
+            <a:off x="549875" y="0"/>
+            <a:ext cx="10515600" cy="1325563"/>
+          </a:xfrm>
+        </p:spPr>
+        <p:txBody>
+          <a:bodyPr/>
+          <a:lstStyle/>
+          <a:p>
+            <a:r>
+              <a:rPr kumimoji="1" lang="ja-JP" altLang="en-US" b="1" dirty="0" smtClean="0">
+                <a:latin typeface="HGSｺﾞｼｯｸM" panose="020B0600000000000000" pitchFamily="50" charset="-128"/>
+                <a:ea typeface="HGSｺﾞｼｯｸM" panose="020B0600000000000000" pitchFamily="50" charset="-128"/>
+              </a:rPr>
+              <a:t>スケジュール</a:t>
+            </a:r>
+            <a:endParaRPr kumimoji="1" lang="ja-JP" altLang="en-US" b="1" dirty="0">
+              <a:latin typeface="HGSｺﾞｼｯｸM" panose="020B0600000000000000" pitchFamily="50" charset="-128"/>
+              <a:ea typeface="HGSｺﾞｼｯｸM" panose="020B0600000000000000" pitchFamily="50" charset="-128"/>
+            </a:endParaRPr>
+          </a:p>
+        </p:txBody>
+      </p:sp>
+      <p:sp>
+        <p:nvSpPr>
+          <p:cNvPr id="4" name="テキスト ボックス 3"/>
+          <p:cNvSpPr txBox="1"/>
+          <p:nvPr/>
+        </p:nvSpPr>
+        <p:spPr>
+          <a:xfrm>
+            <a:off x="1018903" y="1637156"/>
+            <a:ext cx="3877985" cy="461665"/>
+          </a:xfrm>
+          <a:prstGeom prst="rect">
+            <a:avLst/>
+          </a:prstGeom>
+          <a:noFill/>
+        </p:spPr>
+        <p:txBody>
+          <a:bodyPr wrap="none" rtlCol="0">
+            <a:spAutoFit/>
+          </a:bodyPr>
+          <a:lstStyle/>
+          <a:p>
+            <a:r>
+              <a:rPr kumimoji="1" lang="ja-JP" altLang="en-US" sz="2400" b="1" dirty="0" smtClean="0"/>
+              <a:t>・これまでに作成した資料</a:t>
+            </a:r>
+            <a:endParaRPr kumimoji="1" lang="ja-JP" altLang="en-US" sz="2400" b="1" dirty="0"/>
+          </a:p>
+        </p:txBody>
+      </p:sp>
+      <p:sp>
+        <p:nvSpPr>
+          <p:cNvPr id="5" name="テキスト ボックス 4"/>
+          <p:cNvSpPr txBox="1"/>
+          <p:nvPr/>
+        </p:nvSpPr>
+        <p:spPr>
+          <a:xfrm>
+            <a:off x="1750423" y="2120648"/>
+            <a:ext cx="5197257" cy="1015663"/>
+          </a:xfrm>
+          <a:prstGeom prst="rect">
+            <a:avLst/>
+          </a:prstGeom>
+          <a:noFill/>
+        </p:spPr>
+        <p:txBody>
+          <a:bodyPr wrap="none" rtlCol="0">
+            <a:spAutoFit/>
+          </a:bodyPr>
+          <a:lstStyle/>
+          <a:p>
+            <a:r>
+              <a:rPr kumimoji="1" lang="ja-JP" altLang="en-US" sz="2000" b="1" dirty="0" smtClean="0"/>
+              <a:t>・要求分析書</a:t>
+            </a:r>
+            <a:r>
+              <a:rPr lang="en-US" altLang="ja-JP" sz="2000" b="1" dirty="0"/>
+              <a:t>	</a:t>
+            </a:r>
+            <a:r>
+              <a:rPr lang="en-US" altLang="ja-JP" sz="2000" b="1" dirty="0" smtClean="0"/>
+              <a:t>	9</a:t>
+            </a:r>
+            <a:r>
+              <a:rPr lang="ja-JP" altLang="en-US" sz="2000" b="1" dirty="0" smtClean="0"/>
+              <a:t>月</a:t>
+            </a:r>
+            <a:r>
+              <a:rPr lang="en-US" altLang="ja-JP" sz="2000" b="1" dirty="0" smtClean="0"/>
+              <a:t>24</a:t>
+            </a:r>
+            <a:r>
+              <a:rPr lang="ja-JP" altLang="en-US" sz="2000" b="1" dirty="0" smtClean="0"/>
+              <a:t>日</a:t>
+            </a:r>
+            <a:r>
+              <a:rPr lang="en-US" altLang="ja-JP" sz="2000" b="1" dirty="0" smtClean="0"/>
+              <a:t>~10</a:t>
+            </a:r>
+            <a:r>
+              <a:rPr lang="ja-JP" altLang="en-US" sz="2000" b="1" dirty="0" smtClean="0"/>
+              <a:t>月</a:t>
+            </a:r>
+            <a:r>
+              <a:rPr lang="en-US" altLang="ja-JP" sz="2000" b="1" dirty="0" smtClean="0"/>
+              <a:t>11</a:t>
+            </a:r>
+            <a:r>
+              <a:rPr lang="ja-JP" altLang="en-US" sz="2000" b="1" dirty="0" smtClean="0"/>
+              <a:t>日</a:t>
+            </a:r>
+            <a:endParaRPr kumimoji="1" lang="en-US" altLang="ja-JP" sz="2000" b="1" dirty="0" smtClean="0"/>
+          </a:p>
+          <a:p>
+            <a:r>
+              <a:rPr lang="ja-JP" altLang="en-US" sz="2000" b="1" dirty="0" smtClean="0"/>
+              <a:t>・全体</a:t>
+            </a:r>
+            <a:r>
+              <a:rPr lang="en-US" altLang="ja-JP" sz="2000" b="1" dirty="0" smtClean="0"/>
+              <a:t>DFD		10</a:t>
+            </a:r>
+            <a:r>
+              <a:rPr lang="ja-JP" altLang="en-US" sz="2000" b="1" dirty="0" smtClean="0"/>
+              <a:t>月</a:t>
+            </a:r>
+            <a:r>
+              <a:rPr lang="en-US" altLang="ja-JP" sz="2000" b="1" dirty="0" smtClean="0"/>
+              <a:t>1</a:t>
+            </a:r>
+            <a:r>
+              <a:rPr lang="ja-JP" altLang="en-US" sz="2000" b="1" dirty="0" smtClean="0"/>
+              <a:t>日</a:t>
+            </a:r>
+            <a:r>
+              <a:rPr lang="en-US" altLang="ja-JP" sz="2000" b="1" dirty="0" smtClean="0"/>
+              <a:t>~10</a:t>
+            </a:r>
+            <a:r>
+              <a:rPr lang="ja-JP" altLang="en-US" sz="2000" b="1" dirty="0" smtClean="0"/>
+              <a:t>月</a:t>
+            </a:r>
+            <a:r>
+              <a:rPr lang="en-US" altLang="ja-JP" sz="2000" b="1" dirty="0" smtClean="0"/>
+              <a:t>11</a:t>
+            </a:r>
+            <a:r>
+              <a:rPr lang="ja-JP" altLang="en-US" sz="2000" b="1" dirty="0" smtClean="0"/>
+              <a:t>日</a:t>
+            </a:r>
+            <a:endParaRPr lang="en-US" altLang="ja-JP" sz="2000" b="1" dirty="0" smtClean="0"/>
+          </a:p>
+          <a:p>
+            <a:r>
+              <a:rPr kumimoji="1" lang="ja-JP" altLang="en-US" sz="2000" b="1" dirty="0" smtClean="0"/>
+              <a:t>・システム構造図</a:t>
+            </a:r>
+            <a:r>
+              <a:rPr kumimoji="1" lang="en-US" altLang="ja-JP" sz="2000" b="1" dirty="0" smtClean="0"/>
+              <a:t>	10</a:t>
+            </a:r>
+            <a:r>
+              <a:rPr kumimoji="1" lang="ja-JP" altLang="en-US" sz="2000" b="1" dirty="0" smtClean="0"/>
+              <a:t>月</a:t>
+            </a:r>
+            <a:r>
+              <a:rPr lang="en-US" altLang="ja-JP" sz="2000" b="1" dirty="0"/>
+              <a:t>8</a:t>
+            </a:r>
+            <a:r>
+              <a:rPr lang="ja-JP" altLang="en-US" sz="2000" b="1" dirty="0" smtClean="0"/>
+              <a:t>日</a:t>
+            </a:r>
+            <a:r>
+              <a:rPr lang="en-US" altLang="ja-JP" sz="2000" b="1" dirty="0" smtClean="0"/>
+              <a:t>~10</a:t>
+            </a:r>
+            <a:r>
+              <a:rPr lang="ja-JP" altLang="en-US" sz="2000" b="1" dirty="0" smtClean="0"/>
+              <a:t>月</a:t>
+            </a:r>
+            <a:r>
+              <a:rPr lang="en-US" altLang="ja-JP" sz="2000" b="1" dirty="0" smtClean="0"/>
+              <a:t>11</a:t>
+            </a:r>
+            <a:r>
+              <a:rPr lang="ja-JP" altLang="en-US" sz="2000" b="1" dirty="0" smtClean="0"/>
+              <a:t>日</a:t>
+            </a:r>
+            <a:endParaRPr kumimoji="1" lang="en-US" altLang="ja-JP" sz="2000" b="1" dirty="0" smtClean="0"/>
+          </a:p>
+        </p:txBody>
+      </p:sp>
+      <p:sp>
+        <p:nvSpPr>
+          <p:cNvPr id="6" name="テキスト ボックス 5"/>
+          <p:cNvSpPr txBox="1"/>
+          <p:nvPr/>
+        </p:nvSpPr>
+        <p:spPr>
+          <a:xfrm>
+            <a:off x="1018903" y="3304845"/>
+            <a:ext cx="3570208" cy="461665"/>
+          </a:xfrm>
+          <a:prstGeom prst="rect">
+            <a:avLst/>
+          </a:prstGeom>
+          <a:noFill/>
+        </p:spPr>
+        <p:txBody>
+          <a:bodyPr wrap="none" rtlCol="0">
+            <a:spAutoFit/>
+          </a:bodyPr>
+          <a:lstStyle/>
+          <a:p>
+            <a:r>
+              <a:rPr kumimoji="1" lang="ja-JP" altLang="en-US" sz="2400" b="1" dirty="0" smtClean="0"/>
+              <a:t>・これから作成する資料</a:t>
+            </a:r>
+            <a:endParaRPr kumimoji="1" lang="ja-JP" altLang="en-US" sz="2400" b="1" dirty="0"/>
+          </a:p>
+        </p:txBody>
+      </p:sp>
+      <p:sp>
+        <p:nvSpPr>
+          <p:cNvPr id="7" name="テキスト ボックス 6"/>
+          <p:cNvSpPr txBox="1"/>
+          <p:nvPr/>
+        </p:nvSpPr>
+        <p:spPr>
+          <a:xfrm>
+            <a:off x="1750423" y="3805699"/>
+            <a:ext cx="5262979" cy="2031325"/>
+          </a:xfrm>
+          <a:prstGeom prst="rect">
+            <a:avLst/>
+          </a:prstGeom>
+          <a:noFill/>
+        </p:spPr>
+        <p:txBody>
+          <a:bodyPr wrap="none" rtlCol="0">
+            <a:spAutoFit/>
+          </a:bodyPr>
+          <a:lstStyle/>
+          <a:p>
+            <a:r>
+              <a:rPr kumimoji="1" lang="ja-JP" altLang="en-US" b="1" dirty="0" smtClean="0"/>
+              <a:t>・各種サブシステム仕様書</a:t>
+            </a:r>
+            <a:r>
+              <a:rPr kumimoji="1" lang="en-US" altLang="ja-JP" b="1" dirty="0" smtClean="0"/>
+              <a:t>		</a:t>
+            </a:r>
+            <a:r>
+              <a:rPr kumimoji="1" lang="ja-JP" altLang="en-US" b="1" dirty="0" smtClean="0"/>
+              <a:t>月日</a:t>
+            </a:r>
+            <a:endParaRPr kumimoji="1" lang="en-US" altLang="ja-JP" b="1" dirty="0" smtClean="0"/>
+          </a:p>
+          <a:p>
+            <a:r>
+              <a:rPr lang="ja-JP" altLang="en-US" b="1" dirty="0" smtClean="0"/>
+              <a:t>・各種データベース仕様書</a:t>
+            </a:r>
+            <a:r>
+              <a:rPr lang="en-US" altLang="ja-JP" b="1" dirty="0" smtClean="0"/>
+              <a:t>		</a:t>
+            </a:r>
+            <a:r>
+              <a:rPr lang="ja-JP" altLang="en-US" b="1" dirty="0" smtClean="0"/>
+              <a:t>月日</a:t>
+            </a:r>
+            <a:endParaRPr lang="en-US" altLang="ja-JP" b="1" dirty="0" smtClean="0"/>
+          </a:p>
+          <a:p>
+            <a:r>
+              <a:rPr kumimoji="1" lang="ja-JP" altLang="en-US" b="1" dirty="0" smtClean="0"/>
+              <a:t>・各種画面仕様書</a:t>
+            </a:r>
+            <a:r>
+              <a:rPr kumimoji="1" lang="en-US" altLang="ja-JP" b="1" dirty="0" smtClean="0"/>
+              <a:t>			</a:t>
+            </a:r>
+            <a:r>
+              <a:rPr lang="ja-JP" altLang="en-US" b="1" dirty="0"/>
+              <a:t>月日</a:t>
+            </a:r>
+            <a:endParaRPr kumimoji="1" lang="en-US" altLang="ja-JP" b="1" dirty="0" smtClean="0"/>
+          </a:p>
+          <a:p>
+            <a:r>
+              <a:rPr lang="ja-JP" altLang="en-US" b="1" dirty="0" smtClean="0"/>
+              <a:t>・各種プログラム仕様書</a:t>
+            </a:r>
+            <a:r>
+              <a:rPr lang="en-US" altLang="ja-JP" b="1" dirty="0" smtClean="0"/>
+              <a:t>			</a:t>
+            </a:r>
+            <a:r>
+              <a:rPr lang="ja-JP" altLang="en-US" b="1" dirty="0" smtClean="0"/>
+              <a:t>月日</a:t>
+            </a:r>
+            <a:endParaRPr lang="en-US" altLang="ja-JP" b="1" dirty="0" smtClean="0"/>
+          </a:p>
+          <a:p>
+            <a:r>
+              <a:rPr kumimoji="1" lang="ja-JP" altLang="en-US" b="1" dirty="0" smtClean="0"/>
+              <a:t>・各種モジュール仕様書</a:t>
+            </a:r>
+            <a:r>
+              <a:rPr kumimoji="1" lang="en-US" altLang="ja-JP" b="1" dirty="0" smtClean="0"/>
+              <a:t>			</a:t>
+            </a:r>
+            <a:r>
+              <a:rPr lang="ja-JP" altLang="en-US" b="1" dirty="0" smtClean="0"/>
+              <a:t>月日</a:t>
+            </a:r>
+            <a:endParaRPr kumimoji="1" lang="en-US" altLang="ja-JP" b="1" dirty="0" smtClean="0"/>
+          </a:p>
+          <a:p>
+            <a:r>
+              <a:rPr lang="ja-JP" altLang="en-US" b="1" dirty="0" smtClean="0"/>
+              <a:t>・テスト仕様書・テスト実施結果書</a:t>
+            </a:r>
+            <a:r>
+              <a:rPr lang="en-US" altLang="ja-JP" b="1" dirty="0" smtClean="0"/>
+              <a:t>	</a:t>
+            </a:r>
+            <a:r>
+              <a:rPr lang="ja-JP" altLang="en-US" b="1" dirty="0"/>
+              <a:t>月日</a:t>
+            </a:r>
+            <a:endParaRPr lang="en-US" altLang="ja-JP" b="1" dirty="0" smtClean="0"/>
+          </a:p>
+          <a:p>
+            <a:r>
+              <a:rPr kumimoji="1" lang="ja-JP" altLang="en-US" b="1" dirty="0" smtClean="0"/>
+              <a:t>・ガントチャート</a:t>
+            </a:r>
+            <a:r>
+              <a:rPr kumimoji="1" lang="en-US" altLang="ja-JP" b="1" dirty="0" smtClean="0"/>
+              <a:t>			</a:t>
+            </a:r>
+            <a:r>
+              <a:rPr lang="ja-JP" altLang="en-US" b="1" dirty="0"/>
+              <a:t>月日</a:t>
+            </a:r>
+            <a:endParaRPr kumimoji="1" lang="ja-JP" altLang="en-US" b="1" dirty="0"/>
+          </a:p>
+        </p:txBody>
+      </p:sp>
+    </p:spTree>
+    <p:extLst>
+      <p:ext uri="{BB962C8B-B14F-4D97-AF65-F5344CB8AC3E}">
+        <p14:creationId xmlns:p14="http://schemas.microsoft.com/office/powerpoint/2010/main" val="106448076"/>
+      </p:ext>
+    </p:extLst>
+  </p:cSld>
+  <p:clrMapOvr>
+    <a:masterClrMapping/>
+  </p:clrMapOvr>
+  <p:timing>
+    <p:tnLst>
+      <p:par>
+        <p:cTn id="1" dur="indefinite" restart="never" nodeType="tmRoot"/>
+      </p:par>
+    </p:tnLst>
+  </p:timing>
+</p:sld>
+</file>
+
+<file path=ppt/slides/slide13.xml><?xml version="1.0" encoding="utf-8"?>
 <p:sld xmlns:a="http://schemas.openxmlformats.org/drawingml/2006/main" xmlns:r="http://schemas.openxmlformats.org/officeDocument/2006/relationships" xmlns:p="http://schemas.openxmlformats.org/presentationml/2006/main" showMasterSp="0">
   <p:cSld>
     <p:bg>
@@ -4321,7 +5032,7 @@
                                           </p:stCondLst>
                                         </p:cTn>
                                         <p:tgtEl>
-                                          <p:spTgt spid="7"/>
+                                          <p:spTgt spid="5"/>
                                         </p:tgtEl>
                                         <p:attrNameLst>
                                           <p:attrName>style.visibility</p:attrName>
@@ -4335,7 +5046,147 @@
                                       <p:cBhvr>
                                         <p:cTn id="10" dur="500"/>
                                         <p:tgtEl>
-                                          <p:spTgt spid="7"/>
+                                          <p:spTgt spid="5"/>
+                                        </p:tgtEl>
+                                      </p:cBhvr>
+                                    </p:animEffect>
+                                  </p:childTnLst>
+                                </p:cTn>
+                              </p:par>
+                              <p:par>
+                                <p:cTn id="11" presetID="10" presetClass="entr" presetSubtype="0" fill="hold" nodeType="withEffect">
+                                  <p:stCondLst>
+                                    <p:cond delay="0"/>
+                                  </p:stCondLst>
+                                  <p:childTnLst>
+                                    <p:set>
+                                      <p:cBhvr>
+                                        <p:cTn id="12" dur="1" fill="hold">
+                                          <p:stCondLst>
+                                            <p:cond delay="0"/>
+                                          </p:stCondLst>
+                                        </p:cTn>
+                                        <p:tgtEl>
+                                          <p:spTgt spid="24"/>
+                                        </p:tgtEl>
+                                        <p:attrNameLst>
+                                          <p:attrName>style.visibility</p:attrName>
+                                        </p:attrNameLst>
+                                      </p:cBhvr>
+                                      <p:to>
+                                        <p:strVal val="visible"/>
+                                      </p:to>
+                                    </p:set>
+                                    <p:animEffect transition="in" filter="fade">
+                                      <p:cBhvr>
+                                        <p:cTn id="13" dur="500"/>
+                                        <p:tgtEl>
+                                          <p:spTgt spid="24"/>
+                                        </p:tgtEl>
+                                      </p:cBhvr>
+                                    </p:animEffect>
+                                  </p:childTnLst>
+                                </p:cTn>
+                              </p:par>
+                              <p:par>
+                                <p:cTn id="14" presetID="10" presetClass="entr" presetSubtype="0" fill="hold" nodeType="withEffect">
+                                  <p:stCondLst>
+                                    <p:cond delay="0"/>
+                                  </p:stCondLst>
+                                  <p:childTnLst>
+                                    <p:set>
+                                      <p:cBhvr>
+                                        <p:cTn id="15" dur="1" fill="hold">
+                                          <p:stCondLst>
+                                            <p:cond delay="0"/>
+                                          </p:stCondLst>
+                                        </p:cTn>
+                                        <p:tgtEl>
+                                          <p:spTgt spid="25"/>
+                                        </p:tgtEl>
+                                        <p:attrNameLst>
+                                          <p:attrName>style.visibility</p:attrName>
+                                        </p:attrNameLst>
+                                      </p:cBhvr>
+                                      <p:to>
+                                        <p:strVal val="visible"/>
+                                      </p:to>
+                                    </p:set>
+                                    <p:animEffect transition="in" filter="fade">
+                                      <p:cBhvr>
+                                        <p:cTn id="16" dur="500"/>
+                                        <p:tgtEl>
+                                          <p:spTgt spid="25"/>
+                                        </p:tgtEl>
+                                      </p:cBhvr>
+                                    </p:animEffect>
+                                  </p:childTnLst>
+                                </p:cTn>
+                              </p:par>
+                              <p:par>
+                                <p:cTn id="17" presetID="10" presetClass="entr" presetSubtype="0" fill="hold" grpId="0" nodeType="withEffect">
+                                  <p:stCondLst>
+                                    <p:cond delay="0"/>
+                                  </p:stCondLst>
+                                  <p:childTnLst>
+                                    <p:set>
+                                      <p:cBhvr>
+                                        <p:cTn id="18" dur="1" fill="hold">
+                                          <p:stCondLst>
+                                            <p:cond delay="0"/>
+                                          </p:stCondLst>
+                                        </p:cTn>
+                                        <p:tgtEl>
+                                          <p:spTgt spid="30"/>
+                                        </p:tgtEl>
+                                        <p:attrNameLst>
+                                          <p:attrName>style.visibility</p:attrName>
+                                        </p:attrNameLst>
+                                      </p:cBhvr>
+                                      <p:to>
+                                        <p:strVal val="visible"/>
+                                      </p:to>
+                                    </p:set>
+                                    <p:animEffect transition="in" filter="fade">
+                                      <p:cBhvr>
+                                        <p:cTn id="19" dur="500"/>
+                                        <p:tgtEl>
+                                          <p:spTgt spid="30"/>
+                                        </p:tgtEl>
+                                      </p:cBhvr>
+                                    </p:animEffect>
+                                  </p:childTnLst>
+                                </p:cTn>
+                              </p:par>
+                              <p:par>
+                                <p:cTn id="20" presetID="10" presetClass="entr" presetSubtype="0" fill="hold" grpId="0" nodeType="withEffect">
+                                  <p:stCondLst>
+                                    <p:cond delay="0"/>
+                                  </p:stCondLst>
+                                  <p:childTnLst>
+                                    <p:set>
+                                      <p:cBhvr>
+                                        <p:cTn id="21" dur="1" fill="hold">
+                                          <p:stCondLst>
+                                            <p:cond delay="0"/>
+                                          </p:stCondLst>
+                                        </p:cTn>
+                                        <p:tgtEl>
+                                          <p:spTgt spid="29"/>
+                                        </p:tgtEl>
+                                        <p:attrNameLst>
+                                          <p:attrName>style.visibility</p:attrName>
+                                        </p:attrNameLst>
+                                      </p:cBhvr>
+                                      <p:to>
+                                        <p:strVal val="visible"/>
+                                      </p:to>
+                                    </p:set>
+                                    <p:animEffect transition="in" filter="fade">
+                                      <p:cBhvr>
+                                        <p:cTn id="22" dur="500"/>
+                                        <p:tgtEl>
+                                          <p:spTgt spid="29"/>
                                         </p:tgtEl>
                                       </p:cBhvr>
                                     </p:animEffect>
@@ -4349,32 +5200,32 @@
                     </p:cTn>
                   </p:par>
                   <p:par>
-                    <p:cTn id="11" fill="hold">
+                    <p:cTn id="23" fill="hold">
                       <p:stCondLst>
                         <p:cond delay="indefinite"/>
                       </p:stCondLst>
                       <p:childTnLst>
                         <p:par>
-                          <p:cTn id="12" fill="hold">
+                          <p:cTn id="24" fill="hold">
                             <p:stCondLst>
                               <p:cond delay="0"/>
                             </p:stCondLst>
                             <p:childTnLst>
                               <p:par>
-                                <p:cTn id="13" presetID="10" presetClass="entr" presetSubtype="0" fill="hold" grpId="0" nodeType="clickEffect">
+                                <p:cTn id="25" presetID="10" presetClass="entr" presetSubtype="0" fill="hold" grpId="0" nodeType="clickEffect">
                                   <p:stCondLst>
                                     <p:cond delay="0"/>
                                   </p:stCondLst>
                                   <p:childTnLst>
                                     <p:set>
                                       <p:cBhvr>
-                                        <p:cTn id="14" dur="1" fill="hold">
+                                        <p:cTn id="26" dur="1" fill="hold">
                                           <p:stCondLst>
                                             <p:cond delay="0"/>
                                           </p:stCondLst>
                                         </p:cTn>
                                         <p:tgtEl>
-                                          <p:spTgt spid="5"/>
+                                          <p:spTgt spid="6"/>
                                         </p:tgtEl>
                                         <p:attrNameLst>
                                           <p:attrName>style.visibility</p:attrName>
@@ -4386,9 +5237,9 @@
                                     </p:set>
                                     <p:animEffect transition="in" filter="fade">
                                       <p:cBhvr>
-                                        <p:cTn id="15" dur="500"/>
-                                        <p:tgtEl>
-                                          <p:spTgt spid="5"/>
+                                        <p:cTn id="27" dur="500"/>
+                                        <p:tgtEl>
+                                          <p:spTgt spid="6"/>
                                         </p:tgtEl>
                                       </p:cBhvr>
                                     </p:animEffect>
@@ -4402,32 +5253,32 @@
                     </p:cTn>
                   </p:par>
                   <p:par>
-                    <p:cTn id="16" fill="hold">
+                    <p:cTn id="28" fill="hold">
                       <p:stCondLst>
                         <p:cond delay="indefinite"/>
                       </p:stCondLst>
                       <p:childTnLst>
                         <p:par>
-                          <p:cTn id="17" fill="hold">
+                          <p:cTn id="29" fill="hold">
                             <p:stCondLst>
                               <p:cond delay="0"/>
                             </p:stCondLst>
                             <p:childTnLst>
                               <p:par>
-                                <p:cTn id="18" presetID="10" presetClass="entr" presetSubtype="0" fill="hold" nodeType="clickEffect">
+                                <p:cTn id="30" presetID="10" presetClass="entr" presetSubtype="0" fill="hold" grpId="0" nodeType="clickEffect">
                                   <p:stCondLst>
                                     <p:cond delay="0"/>
                                   </p:stCondLst>
                                   <p:childTnLst>
                                     <p:set>
                                       <p:cBhvr>
-                                        <p:cTn id="19" dur="1" fill="hold">
+                                        <p:cTn id="31" dur="1" fill="hold">
                                           <p:stCondLst>
                                             <p:cond delay="0"/>
                                           </p:stCondLst>
                                         </p:cTn>
                                         <p:tgtEl>
-                                          <p:spTgt spid="24"/>
+                                          <p:spTgt spid="28"/>
                                         </p:tgtEl>
                                         <p:attrNameLst>
                                           <p:attrName>style.visibility</p:attrName>
@@ -4439,218 +5290,7 @@
                                     </p:set>
                                     <p:animEffect transition="in" filter="fade">
                                       <p:cBhvr>
-                                        <p:cTn id="20" dur="500"/>
-                                        <p:tgtEl>
-                                          <p:spTgt spid="24"/>
-                                        </p:tgtEl>
-                                      </p:cBhvr>
-                                    </p:animEffect>
-                                  </p:childTnLst>
-                                </p:cTn>
-                              </p:par>
-                              <p:par>
-                                <p:cTn id="21" presetID="10" presetClass="entr" presetSubtype="0" fill="hold" grpId="0" nodeType="withEffect">
-                                  <p:stCondLst>
-                                    <p:cond delay="0"/>
-                                  </p:stCondLst>
-                                  <p:childTnLst>
-                                    <p:set>
-                                      <p:cBhvr>
-                                        <p:cTn id="22" dur="1" fill="hold">
-                                          <p:stCondLst>
-                                            <p:cond delay="0"/>
-                                          </p:stCondLst>
-                                        </p:cTn>
-                                        <p:tgtEl>
-                                          <p:spTgt spid="29"/>
-                                        </p:tgtEl>
-                                        <p:attrNameLst>
-                                          <p:attrName>style.visibility</p:attrName>
-                                        </p:attrNameLst>
-                                      </p:cBhvr>
-                                      <p:to>
-                                        <p:strVal val="visible"/>
-                                      </p:to>
-                                    </p:set>
-                                    <p:animEffect transition="in" filter="fade">
-                                      <p:cBhvr>
-                                        <p:cTn id="23" dur="500"/>
-                                        <p:tgtEl>
-                                          <p:spTgt spid="29"/>
-                                        </p:tgtEl>
-                                      </p:cBhvr>
-                                    </p:animEffect>
-                                  </p:childTnLst>
-                                </p:cTn>
-                              </p:par>
-                              <p:par>
-                                <p:cTn id="24" presetID="10" presetClass="entr" presetSubtype="0" fill="hold" grpId="0" nodeType="withEffect">
-                                  <p:stCondLst>
-                                    <p:cond delay="0"/>
-                                  </p:stCondLst>
-                                  <p:childTnLst>
-                                    <p:set>
-                                      <p:cBhvr>
-                                        <p:cTn id="25" dur="1" fill="hold">
-                                          <p:stCondLst>
-                                            <p:cond delay="0"/>
-                                          </p:stCondLst>
-                                        </p:cTn>
-                                        <p:tgtEl>
-                                          <p:spTgt spid="30"/>
-                                        </p:tgtEl>
-                                        <p:attrNameLst>
-                                          <p:attrName>style.visibility</p:attrName>
-                                        </p:attrNameLst>
-                                      </p:cBhvr>
-                                      <p:to>
-                                        <p:strVal val="visible"/>
-                                      </p:to>
-                                    </p:set>
-                                    <p:animEffect transition="in" filter="fade">
-                                      <p:cBhvr>
-                                        <p:cTn id="26" dur="500"/>
-                                        <p:tgtEl>
-                                          <p:spTgt spid="30"/>
-                                        </p:tgtEl>
-                                      </p:cBhvr>
-                                    </p:animEffect>
-                                  </p:childTnLst>
-                                </p:cTn>
-                              </p:par>
-                              <p:par>
-                                <p:cTn id="27" presetID="10" presetClass="entr" presetSubtype="0" fill="hold" nodeType="withEffect">
-                                  <p:stCondLst>
-                                    <p:cond delay="0"/>
-                                  </p:stCondLst>
-                                  <p:childTnLst>
-                                    <p:set>
-                                      <p:cBhvr>
-                                        <p:cTn id="28" dur="1" fill="hold">
-                                          <p:stCondLst>
-                                            <p:cond delay="0"/>
-                                          </p:stCondLst>
-                                        </p:cTn>
-                                        <p:tgtEl>
-                                          <p:spTgt spid="25"/>
-                                        </p:tgtEl>
-                                        <p:attrNameLst>
-                                          <p:attrName>style.visibility</p:attrName>
-                                        </p:attrNameLst>
-                                      </p:cBhvr>
-                                      <p:to>
-                                        <p:strVal val="visible"/>
-                                      </p:to>
-                                    </p:set>
-                                    <p:animEffect transition="in" filter="fade">
-                                      <p:cBhvr>
-                                        <p:cTn id="29" dur="500"/>
-                                        <p:tgtEl>
-                                          <p:spTgt spid="25"/>
-                                        </p:tgtEl>
-                                      </p:cBhvr>
-                                    </p:animEffect>
-                                  </p:childTnLst>
-                                </p:cTn>
-                              </p:par>
-                            </p:childTnLst>
-                          </p:cTn>
-                        </p:par>
-                      </p:childTnLst>
-                    </p:cTn>
-                  </p:par>
-                  <p:par>
-                    <p:cTn id="30" fill="hold">
-                      <p:stCondLst>
-                        <p:cond delay="indefinite"/>
-                      </p:stCondLst>
-                      <p:childTnLst>
-                        <p:par>
-                          <p:cTn id="31" fill="hold">
-                            <p:stCondLst>
-                              <p:cond delay="0"/>
-                            </p:stCondLst>
-                            <p:childTnLst>
-                              <p:par>
-                                <p:cTn id="32" presetID="10" presetClass="entr" presetSubtype="0" fill="hold" grpId="0" nodeType="clickEffect">
-                                  <p:stCondLst>
-                                    <p:cond delay="0"/>
-                                  </p:stCondLst>
-                                  <p:childTnLst>
-                                    <p:set>
-                                      <p:cBhvr>
-                                        <p:cTn id="33" dur="1" fill="hold">
-                                          <p:stCondLst>
-                                            <p:cond delay="0"/>
-                                          </p:stCondLst>
-                                        </p:cTn>
-                                        <p:tgtEl>
-                                          <p:spTgt spid="6"/>
-                                        </p:tgtEl>
-                                        <p:attrNameLst>
-                                          <p:attrName>style.visibility</p:attrName>
-                                        </p:attrNameLst>
-                                      </p:cBhvr>
-                                      <p:to>
-                                        <p:strVal val="visible"/>
-                                      </p:to>
-                                    </p:set>
-                                    <p:animEffect transition="in" filter="fade">
-                                      <p:cBhvr>
-                                        <p:cTn id="34" dur="500"/>
-                                        <p:tgtEl>
-                                          <p:spTgt spid="6"/>
-                                        </p:tgtEl>
-                                      </p:cBhvr>
-                                    </p:animEffect>
-                                  </p:childTnLst>
-                                </p:cTn>
-                              </p:par>
-                            </p:childTnLst>
-                          </p:cTn>
-                        </p:par>
-                      </p:childTnLst>
-                    </p:cTn>
-                  </p:par>
-                  <p:par>
-                    <p:cTn id="35" fill="hold">
-                      <p:stCondLst>
-                        <p:cond delay="indefinite"/>
-                      </p:stCondLst>
-                      <p:childTnLst>
-                        <p:par>
-                          <p:cTn id="36" fill="hold">
-                            <p:stCondLst>
-                              <p:cond delay="0"/>
-                            </p:stCondLst>
-                            <p:childTnLst>
-                              <p:par>
-                                <p:cTn id="37" presetID="10" presetClass="entr" presetSubtype="0" fill="hold" grpId="0" nodeType="clickEffect">
-                                  <p:stCondLst>
-                                    <p:cond delay="0"/>
-                                  </p:stCondLst>
-                                  <p:childTnLst>
-                                    <p:set>
-                                      <p:cBhvr>
-                                        <p:cTn id="38" dur="1" fill="hold">
-                                          <p:stCondLst>
-                                            <p:cond delay="0"/>
-                                          </p:stCondLst>
-                                        </p:cTn>
-                                        <p:tgtEl>
-                                          <p:spTgt spid="28"/>
-                                        </p:tgtEl>
-                                        <p:attrNameLst>
-                                          <p:attrName>style.visibility</p:attrName>
-                                        </p:attrNameLst>
-                                      </p:cBhvr>
-                                      <p:to>
-                                        <p:strVal val="visible"/>
-                                      </p:to>
-                                    </p:set>
-                                    <p:animEffect transition="in" filter="fade">
-                                      <p:cBhvr>
-                                        <p:cTn id="39" dur="500"/>
+                                        <p:cTn id="32" dur="500"/>
                                         <p:tgtEl>
                                           <p:spTgt spid="28"/>
                                         </p:tgtEl>
@@ -4692,7 +5332,6 @@
       <p:bldP spid="28" grpId="0" animBg="1"/>
       <p:bldP spid="29" grpId="0"/>
       <p:bldP spid="30" grpId="0"/>
-      <p:bldP spid="7" grpId="0"/>
     </p:bldLst>
   </p:timing>
 </p:sld>
@@ -4949,8 +5588,8 @@
         </p:nvSpPr>
         <p:spPr>
           <a:xfrm>
-            <a:off x="485656" y="5569388"/>
-            <a:ext cx="11264622" cy="646331"/>
+            <a:off x="3769190" y="5569388"/>
+            <a:ext cx="4339650" cy="646331"/>
           </a:xfrm>
           <a:prstGeom prst="rect">
             <a:avLst/>
@@ -4969,9 +5608,25 @@
                   <a:srgbClr val="FF0000"/>
                 </a:solidFill>
               </a:rPr>
-              <a:t>このタイミングで在庫数を減らす処理が行われていた</a:t>
-            </a:r>
-            <a:endParaRPr kumimoji="1" lang="ja-JP" altLang="en-US" sz="3600" b="1" dirty="0">
+              <a:t>在庫数</a:t>
+            </a:r>
+            <a:r>
+              <a:rPr kumimoji="1" lang="ja-JP" altLang="en-US" sz="3600" b="1" dirty="0" smtClean="0">
+                <a:solidFill>
+                  <a:srgbClr val="FF0000"/>
+                </a:solidFill>
+              </a:rPr>
+              <a:t>を減らす</a:t>
+            </a:r>
+            <a:r>
+              <a:rPr kumimoji="1" lang="ja-JP" altLang="en-US" sz="3600" b="1" dirty="0" smtClean="0">
+                <a:solidFill>
+                  <a:srgbClr val="FF0000"/>
+                </a:solidFill>
+              </a:rPr>
+              <a:t>処理</a:t>
+            </a:r>
+            <a:endParaRPr lang="en-US" altLang="ja-JP" sz="3600" b="1" dirty="0">
               <a:solidFill>
                 <a:srgbClr val="FF0000"/>
               </a:solidFill>
@@ -5439,7 +6094,7 @@
                             </p:stCondLst>
                             <p:childTnLst>
                               <p:par>
-                                <p:cTn id="30" presetID="53" presetClass="entr" presetSubtype="16" fill="hold" grpId="0" nodeType="clickEffect">
+                                <p:cTn id="30" presetID="42" presetClass="entr" presetSubtype="0" fill="hold" nodeType="clickEffect">
                                   <p:stCondLst>
                                     <p:cond delay="0"/>
                                   </p:stCondLst>
@@ -5452,7 +6107,7 @@
                                           </p:stCondLst>
                                         </p:cTn>
                                         <p:tgtEl>
-                                          <p:spTgt spid="4"/>
+                                          <p:spTgt spid="11"/>
                                         </p:tgtEl>
                                         <p:attrNameLst>
                                           <p:attrName>style.visibility</p:attrName>
@@ -5462,65 +6117,65 @@
                                         <p:strVal val="visible"/>
                                       </p:to>
                                     </p:set>
+                                    <p:animEffect transition="in" filter="fade">
+                                      <p:cBhvr>
+                                        <p:cTn id="32" dur="1000"/>
+                                        <p:tgtEl>
+                                          <p:spTgt spid="11"/>
+                                        </p:tgtEl>
+                                      </p:cBhvr>
+                                    </p:animEffect>
                                     <p:anim calcmode="lin" valueType="num">
                                       <p:cBhvr>
-                                        <p:cTn id="32" dur="500" fill="hold"/>
-                                        <p:tgtEl>
-                                          <p:spTgt spid="4"/>
+                                        <p:cTn id="33" dur="1000" fill="hold"/>
+                                        <p:tgtEl>
+                                          <p:spTgt spid="11"/>
                                         </p:tgtEl>
                                         <p:attrNameLst>
-                                          <p:attrName>ppt_w</p:attrName>
+                                          <p:attrName>ppt_x</p:attrName>
                                         </p:attrNameLst>
                                       </p:cBhvr>
                                       <p:tavLst>
                                         <p:tav tm="0">
                                           <p:val>
-                                            <p:fltVal val="0"/>
+                                            <p:strVal val="#ppt_x"/>
                                           </p:val>
                                         </p:tav>
                                         <p:tav tm="100000">
                                           <p:val>
-                                            <p:strVal val="#ppt_w"/>
+                                            <p:strVal val="#ppt_x"/>
                                           </p:val>
                                         </p:tav>
                                       </p:tavLst>
                                     </p:anim>
                                     <p:anim calcmode="lin" valueType="num">
                                       <p:cBhvr>
-                                        <p:cTn id="33" dur="500" fill="hold"/>
-                                        <p:tgtEl>
-                                          <p:spTgt spid="4"/>
+                                        <p:cTn id="34" dur="1000" fill="hold"/>
+                                        <p:tgtEl>
+                                          <p:spTgt spid="11"/>
                                         </p:tgtEl>
                                         <p:attrNameLst>
-                                          <p:attrName>ppt_h</p:attrName>
+                                          <p:attrName>ppt_y</p:attrName>
                                         </p:attrNameLst>
                                       </p:cBhvr>
                                       <p:tavLst>
                                         <p:tav tm="0">
                                           <p:val>
-                                            <p:fltVal val="0"/>
+                                            <p:strVal val="#ppt_y+.1"/>
                                           </p:val>
                                         </p:tav>
                                         <p:tav tm="100000">
                                           <p:val>
-                                            <p:strVal val="#ppt_h"/>
+                                            <p:strVal val="#ppt_y"/>
                                           </p:val>
                                         </p:tav>
                                       </p:tavLst>
                                     </p:anim>
-                                    <p:animEffect transition="in" filter="fade">
-                                      <p:cBhvr>
-                                        <p:cTn id="34" dur="500"/>
-                                        <p:tgtEl>
-                                          <p:spTgt spid="4"/>
-                                        </p:tgtEl>
-                                      </p:cBhvr>
-                                    </p:animEffect>
                                   </p:childTnLst>
                                 </p:cTn>
                               </p:par>
                               <p:par>
-                                <p:cTn id="35" presetID="53" presetClass="entr" presetSubtype="16" fill="hold" nodeType="withEffect">
+                                <p:cTn id="35" presetID="42" presetClass="entr" presetSubtype="0" fill="hold" grpId="0" nodeType="withEffect">
                                   <p:stCondLst>
                                     <p:cond delay="0"/>
                                   </p:stCondLst>
@@ -5533,7 +6188,7 @@
                                           </p:stCondLst>
                                         </p:cTn>
                                         <p:tgtEl>
-                                          <p:spTgt spid="11"/>
+                                          <p:spTgt spid="4"/>
                                         </p:tgtEl>
                                         <p:attrNameLst>
                                           <p:attrName>style.visibility</p:attrName>
@@ -5543,60 +6198,60 @@
                                         <p:strVal val="visible"/>
                                       </p:to>
                                     </p:set>
+                                    <p:animEffect transition="in" filter="fade">
+                                      <p:cBhvr>
+                                        <p:cTn id="37" dur="1000"/>
+                                        <p:tgtEl>
+                                          <p:spTgt spid="4"/>
+                                        </p:tgtEl>
+                                      </p:cBhvr>
+                                    </p:animEffect>
                                     <p:anim calcmode="lin" valueType="num">
                                       <p:cBhvr>
-                                        <p:cTn id="37" dur="500" fill="hold"/>
-                                        <p:tgtEl>
-                                          <p:spTgt spid="11"/>
+                                        <p:cTn id="38" dur="1000" fill="hold"/>
+                                        <p:tgtEl>
+                                          <p:spTgt spid="4"/>
                                         </p:tgtEl>
                                         <p:attrNameLst>
-                                          <p:attrName>ppt_w</p:attrName>
+                                          <p:attrName>ppt_x</p:attrName>
                                         </p:attrNameLst>
                                       </p:cBhvr>
                                       <p:tavLst>
                                         <p:tav tm="0">
                                           <p:val>
-                                            <p:fltVal val="0"/>
+                                            <p:strVal val="#ppt_x"/>
                                           </p:val>
                                         </p:tav>
                                         <p:tav tm="100000">
                                           <p:val>
-                                            <p:strVal val="#ppt_w"/>
+                                            <p:strVal val="#ppt_x"/>
                                           </p:val>
                                         </p:tav>
                                       </p:tavLst>
                                     </p:anim>
                                     <p:anim calcmode="lin" valueType="num">
                                       <p:cBhvr>
-                                        <p:cTn id="38" dur="500" fill="hold"/>
-                                        <p:tgtEl>
-                                          <p:spTgt spid="11"/>
+                                        <p:cTn id="39" dur="1000" fill="hold"/>
+                                        <p:tgtEl>
+                                          <p:spTgt spid="4"/>
                                         </p:tgtEl>
                                         <p:attrNameLst>
-                                          <p:attrName>ppt_h</p:attrName>
+                                          <p:attrName>ppt_y</p:attrName>
                                         </p:attrNameLst>
                                       </p:cBhvr>
                                       <p:tavLst>
                                         <p:tav tm="0">
                                           <p:val>
-                                            <p:fltVal val="0"/>
+                                            <p:strVal val="#ppt_y+.1"/>
                                           </p:val>
                                         </p:tav>
                                         <p:tav tm="100000">
                                           <p:val>
-                                            <p:strVal val="#ppt_h"/>
+                                            <p:strVal val="#ppt_y"/>
                                           </p:val>
                                         </p:tav>
                                       </p:tavLst>
                                     </p:anim>
-                                    <p:animEffect transition="in" filter="fade">
-                                      <p:cBhvr>
-                                        <p:cTn id="39" dur="500"/>
-                                        <p:tgtEl>
-                                          <p:spTgt spid="11"/>
-                                        </p:tgtEl>
-                                      </p:cBhvr>
-                                    </p:animEffect>
                                   </p:childTnLst>
                                 </p:cTn>
                               </p:par>
@@ -5715,11 +6370,7 @@
           <a:p>
             <a:r>
               <a:rPr kumimoji="1" lang="ja-JP" altLang="en-US" sz="4400" b="1" dirty="0" smtClean="0"/>
-              <a:t>問題点</a:t>
-            </a:r>
-            <a:r>
-              <a:rPr kumimoji="1" lang="ja-JP" altLang="en-US" sz="4400" b="1" dirty="0" smtClean="0"/>
-              <a:t>その</a:t>
+              <a:t>問題点その</a:t>
             </a:r>
             <a:r>
               <a:rPr lang="ja-JP" altLang="en-US" sz="4400" b="1" dirty="0"/>
@@ -7368,6 +8019,3864 @@
 </file>
 
 <file path=ppt/slides/slide5.xml><?xml version="1.0" encoding="utf-8"?>
+<p:sld xmlns:a="http://schemas.openxmlformats.org/drawingml/2006/main" xmlns:r="http://schemas.openxmlformats.org/officeDocument/2006/relationships" xmlns:p="http://schemas.openxmlformats.org/presentationml/2006/main">
+  <p:cSld>
+    <p:spTree>
+      <p:nvGrpSpPr>
+        <p:cNvPr id="1" name=""/>
+        <p:cNvGrpSpPr/>
+        <p:nvPr/>
+      </p:nvGrpSpPr>
+      <p:grpSpPr>
+        <a:xfrm>
+          <a:off x="0" y="0"/>
+          <a:ext cx="0" cy="0"/>
+          <a:chOff x="0" y="0"/>
+          <a:chExt cx="0" cy="0"/>
+        </a:xfrm>
+      </p:grpSpPr>
+      <p:sp>
+        <p:nvSpPr>
+          <p:cNvPr id="2" name="タイトル 1"/>
+          <p:cNvSpPr>
+            <a:spLocks noGrp="1"/>
+          </p:cNvSpPr>
+          <p:nvPr>
+            <p:ph type="title"/>
+          </p:nvPr>
+        </p:nvSpPr>
+        <p:spPr>
+          <a:xfrm>
+            <a:off x="3961304" y="0"/>
+            <a:ext cx="3769211" cy="650789"/>
+          </a:xfrm>
+        </p:spPr>
+        <p:txBody>
+          <a:bodyPr>
+            <a:normAutofit fontScale="90000"/>
+          </a:bodyPr>
+          <a:lstStyle/>
+          <a:p>
+            <a:r>
+              <a:rPr lang="ja-JP" altLang="en-US" b="1" dirty="0" smtClean="0">
+                <a:latin typeface="HGSｺﾞｼｯｸM" panose="020B0600000000000000" pitchFamily="50" charset="-128"/>
+                <a:ea typeface="HGSｺﾞｼｯｸM" panose="020B0600000000000000" pitchFamily="50" charset="-128"/>
+              </a:rPr>
+              <a:t>システムの目的</a:t>
+            </a:r>
+            <a:endParaRPr kumimoji="1" lang="ja-JP" altLang="en-US" b="1" dirty="0">
+              <a:latin typeface="HGSｺﾞｼｯｸM" panose="020B0600000000000000" pitchFamily="50" charset="-128"/>
+              <a:ea typeface="HGSｺﾞｼｯｸM" panose="020B0600000000000000" pitchFamily="50" charset="-128"/>
+            </a:endParaRPr>
+          </a:p>
+        </p:txBody>
+      </p:sp>
+      <p:pic>
+        <p:nvPicPr>
+          <p:cNvPr id="24" name="Picture 3" descr="C:\Users\yamanin3\Desktop\images\sales_eigyou_man.png"/>
+          <p:cNvPicPr>
+            <a:picLocks noChangeAspect="1" noChangeArrowheads="1"/>
+          </p:cNvPicPr>
+          <p:nvPr/>
+        </p:nvPicPr>
+        <p:blipFill>
+          <a:blip r:embed="rId2" cstate="print">
+            <a:extLst>
+              <a:ext uri="{28A0092B-C50C-407E-A947-70E740481C1C}">
+                <a14:useLocalDpi xmlns:a14="http://schemas.microsoft.com/office/drawing/2010/main" val="0"/>
+              </a:ext>
+            </a:extLst>
+          </a:blip>
+          <a:srcRect/>
+          <a:stretch>
+            <a:fillRect/>
+          </a:stretch>
+        </p:blipFill>
+        <p:spPr bwMode="auto">
+          <a:xfrm>
+            <a:off x="1865521" y="3747507"/>
+            <a:ext cx="1934538" cy="1934538"/>
+          </a:xfrm>
+          <a:prstGeom prst="rect">
+            <a:avLst/>
+          </a:prstGeom>
+          <a:noFill/>
+          <a:extLst>
+            <a:ext uri="{909E8E84-426E-40DD-AFC4-6F175D3DCCD1}">
+              <a14:hiddenFill xmlns:a14="http://schemas.microsoft.com/office/drawing/2010/main">
+                <a:solidFill>
+                  <a:srgbClr val="FFFFFF"/>
+                </a:solidFill>
+              </a14:hiddenFill>
+            </a:ext>
+          </a:extLst>
+        </p:spPr>
+      </p:pic>
+      <p:sp>
+        <p:nvSpPr>
+          <p:cNvPr id="29" name="テキスト ボックス 28"/>
+          <p:cNvSpPr txBox="1"/>
+          <p:nvPr/>
+        </p:nvSpPr>
+        <p:spPr>
+          <a:xfrm>
+            <a:off x="2278792" y="5943538"/>
+            <a:ext cx="1107996" cy="369332"/>
+          </a:xfrm>
+          <a:prstGeom prst="rect">
+            <a:avLst/>
+          </a:prstGeom>
+          <a:noFill/>
+        </p:spPr>
+        <p:txBody>
+          <a:bodyPr wrap="none" rtlCol="0">
+            <a:spAutoFit/>
+          </a:bodyPr>
+          <a:lstStyle/>
+          <a:p>
+            <a:r>
+              <a:rPr kumimoji="1" lang="ja-JP" altLang="en-US" b="1" dirty="0" smtClean="0"/>
+              <a:t>営業担当</a:t>
+            </a:r>
+            <a:endParaRPr kumimoji="1" lang="ja-JP" altLang="en-US" b="1" dirty="0"/>
+          </a:p>
+        </p:txBody>
+      </p:sp>
+      <p:sp>
+        <p:nvSpPr>
+          <p:cNvPr id="30" name="テキスト ボックス 29"/>
+          <p:cNvSpPr txBox="1"/>
+          <p:nvPr/>
+        </p:nvSpPr>
+        <p:spPr>
+          <a:xfrm>
+            <a:off x="8513583" y="5970637"/>
+            <a:ext cx="1107996" cy="369332"/>
+          </a:xfrm>
+          <a:prstGeom prst="rect">
+            <a:avLst/>
+          </a:prstGeom>
+          <a:noFill/>
+        </p:spPr>
+        <p:txBody>
+          <a:bodyPr wrap="none" rtlCol="0">
+            <a:spAutoFit/>
+          </a:bodyPr>
+          <a:lstStyle/>
+          <a:p>
+            <a:r>
+              <a:rPr lang="ja-JP" altLang="en-US" b="1" dirty="0">
+                <a:solidFill>
+                  <a:srgbClr val="FF0000"/>
+                </a:solidFill>
+              </a:rPr>
+              <a:t>物流</a:t>
+            </a:r>
+            <a:r>
+              <a:rPr kumimoji="1" lang="ja-JP" altLang="en-US" b="1" dirty="0" smtClean="0">
+                <a:solidFill>
+                  <a:srgbClr val="FF0000"/>
+                </a:solidFill>
+              </a:rPr>
+              <a:t>担当</a:t>
+            </a:r>
+            <a:endParaRPr kumimoji="1" lang="en-US" altLang="ja-JP" b="1" dirty="0" smtClean="0">
+              <a:solidFill>
+                <a:srgbClr val="FF0000"/>
+              </a:solidFill>
+            </a:endParaRPr>
+          </a:p>
+        </p:txBody>
+      </p:sp>
+      <p:sp>
+        <p:nvSpPr>
+          <p:cNvPr id="7" name="テキスト ボックス 6"/>
+          <p:cNvSpPr txBox="1"/>
+          <p:nvPr/>
+        </p:nvSpPr>
+        <p:spPr>
+          <a:xfrm>
+            <a:off x="391096" y="1359089"/>
+            <a:ext cx="3570208" cy="769441"/>
+          </a:xfrm>
+          <a:prstGeom prst="rect">
+            <a:avLst/>
+          </a:prstGeom>
+          <a:noFill/>
+        </p:spPr>
+        <p:txBody>
+          <a:bodyPr wrap="none" rtlCol="0">
+            <a:spAutoFit/>
+          </a:bodyPr>
+          <a:lstStyle/>
+          <a:p>
+            <a:r>
+              <a:rPr lang="ja-JP" altLang="en-US" sz="4400" b="1" dirty="0" smtClean="0"/>
+              <a:t>改善</a:t>
+            </a:r>
+            <a:r>
+              <a:rPr kumimoji="1" lang="ja-JP" altLang="en-US" sz="4400" b="1" dirty="0" smtClean="0"/>
+              <a:t>点</a:t>
+            </a:r>
+            <a:r>
+              <a:rPr kumimoji="1" lang="ja-JP" altLang="en-US" sz="4400" b="1" dirty="0" smtClean="0"/>
+              <a:t>その</a:t>
+            </a:r>
+            <a:r>
+              <a:rPr lang="ja-JP" altLang="en-US" sz="4400" b="1" dirty="0" smtClean="0"/>
+              <a:t>１</a:t>
+            </a:r>
+            <a:endParaRPr kumimoji="1" lang="ja-JP" altLang="en-US" sz="4400" b="1" dirty="0"/>
+          </a:p>
+        </p:txBody>
+      </p:sp>
+      <p:pic>
+        <p:nvPicPr>
+          <p:cNvPr id="12" name="Picture 9" descr="C:\Users\yamanin3\Desktop\images\computer_tablet_man.png"/>
+          <p:cNvPicPr>
+            <a:picLocks noChangeAspect="1" noChangeArrowheads="1"/>
+          </p:cNvPicPr>
+          <p:nvPr/>
+        </p:nvPicPr>
+        <p:blipFill>
+          <a:blip r:embed="rId3" cstate="print">
+            <a:extLst>
+              <a:ext uri="{28A0092B-C50C-407E-A947-70E740481C1C}">
+                <a14:useLocalDpi xmlns:a14="http://schemas.microsoft.com/office/drawing/2010/main" val="0"/>
+              </a:ext>
+            </a:extLst>
+          </a:blip>
+          <a:srcRect/>
+          <a:stretch>
+            <a:fillRect/>
+          </a:stretch>
+        </p:blipFill>
+        <p:spPr bwMode="auto">
+          <a:xfrm>
+            <a:off x="8302396" y="3697921"/>
+            <a:ext cx="1530369" cy="2033711"/>
+          </a:xfrm>
+          <a:prstGeom prst="rect">
+            <a:avLst/>
+          </a:prstGeom>
+          <a:noFill/>
+          <a:extLst>
+            <a:ext uri="{909E8E84-426E-40DD-AFC4-6F175D3DCCD1}">
+              <a14:hiddenFill xmlns:a14="http://schemas.microsoft.com/office/drawing/2010/main">
+                <a:solidFill>
+                  <a:srgbClr val="FFFFFF"/>
+                </a:solidFill>
+              </a14:hiddenFill>
+            </a:ext>
+          </a:extLst>
+        </p:spPr>
+      </p:pic>
+      <p:sp>
+        <p:nvSpPr>
+          <p:cNvPr id="3" name="正方形/長方形 2"/>
+          <p:cNvSpPr/>
+          <p:nvPr/>
+        </p:nvSpPr>
+        <p:spPr>
+          <a:xfrm>
+            <a:off x="4564851" y="3565731"/>
+            <a:ext cx="2711159" cy="955121"/>
+          </a:xfrm>
+          <a:prstGeom prst="rect">
+            <a:avLst/>
+          </a:prstGeom>
+          <a:solidFill>
+            <a:schemeClr val="bg2">
+              <a:lumMod val="75000"/>
+            </a:schemeClr>
+          </a:solidFill>
+          <a:ln>
+            <a:solidFill>
+              <a:schemeClr val="tx1"/>
+            </a:solidFill>
+          </a:ln>
+        </p:spPr>
+        <p:style>
+          <a:lnRef idx="2">
+            <a:schemeClr val="accent1">
+              <a:shade val="50000"/>
+            </a:schemeClr>
+          </a:lnRef>
+          <a:fillRef idx="1">
+            <a:schemeClr val="accent1"/>
+          </a:fillRef>
+          <a:effectRef idx="0">
+            <a:schemeClr val="accent1"/>
+          </a:effectRef>
+          <a:fontRef idx="minor">
+            <a:schemeClr val="lt1"/>
+          </a:fontRef>
+        </p:style>
+        <p:txBody>
+          <a:bodyPr rtlCol="0" anchor="ctr"/>
+          <a:lstStyle/>
+          <a:p>
+            <a:pPr algn="ctr"/>
+            <a:r>
+              <a:rPr kumimoji="1" lang="ja-JP" altLang="en-US" sz="3200" b="1" dirty="0" smtClean="0">
+                <a:solidFill>
+                  <a:schemeClr val="tx1"/>
+                </a:solidFill>
+              </a:rPr>
+              <a:t>電子情報</a:t>
+            </a:r>
+            <a:endParaRPr kumimoji="1" lang="ja-JP" altLang="en-US" sz="3200" b="1" dirty="0">
+              <a:solidFill>
+                <a:schemeClr val="tx1"/>
+              </a:solidFill>
+            </a:endParaRPr>
+          </a:p>
+        </p:txBody>
+      </p:sp>
+      <p:sp>
+        <p:nvSpPr>
+          <p:cNvPr id="14" name="右矢印 13"/>
+          <p:cNvSpPr/>
+          <p:nvPr/>
+        </p:nvSpPr>
+        <p:spPr>
+          <a:xfrm>
+            <a:off x="3961304" y="4520852"/>
+            <a:ext cx="4163790" cy="387848"/>
+          </a:xfrm>
+          <a:prstGeom prst="rightArrow">
+            <a:avLst>
+              <a:gd name="adj1" fmla="val 50000"/>
+              <a:gd name="adj2" fmla="val 190479"/>
+            </a:avLst>
+          </a:prstGeom>
+          <a:solidFill>
+            <a:schemeClr val="bg1"/>
+          </a:solidFill>
+          <a:ln w="38100">
+            <a:solidFill>
+              <a:schemeClr val="tx1"/>
+            </a:solidFill>
+          </a:ln>
+        </p:spPr>
+        <p:style>
+          <a:lnRef idx="2">
+            <a:schemeClr val="accent1">
+              <a:shade val="50000"/>
+            </a:schemeClr>
+          </a:lnRef>
+          <a:fillRef idx="1">
+            <a:schemeClr val="accent1"/>
+          </a:fillRef>
+          <a:effectRef idx="0">
+            <a:schemeClr val="accent1"/>
+          </a:effectRef>
+          <a:fontRef idx="minor">
+            <a:schemeClr val="lt1"/>
+          </a:fontRef>
+        </p:style>
+        <p:txBody>
+          <a:bodyPr rtlCol="0" anchor="ctr"/>
+          <a:lstStyle/>
+          <a:p>
+            <a:pPr algn="ctr"/>
+            <a:endParaRPr kumimoji="1" lang="ja-JP" altLang="en-US">
+              <a:solidFill>
+                <a:schemeClr val="bg1"/>
+              </a:solidFill>
+            </a:endParaRPr>
+          </a:p>
+        </p:txBody>
+      </p:sp>
+    </p:spTree>
+    <p:extLst>
+      <p:ext uri="{BB962C8B-B14F-4D97-AF65-F5344CB8AC3E}">
+        <p14:creationId xmlns:p14="http://schemas.microsoft.com/office/powerpoint/2010/main" val="3217720112"/>
+      </p:ext>
+    </p:extLst>
+  </p:cSld>
+  <p:clrMapOvr>
+    <a:masterClrMapping/>
+  </p:clrMapOvr>
+  <p:timing>
+    <p:tnLst>
+      <p:par>
+        <p:cTn id="1" dur="indefinite" restart="never" nodeType="tmRoot">
+          <p:childTnLst>
+            <p:seq concurrent="1" nextAc="seek">
+              <p:cTn id="2" dur="indefinite" nodeType="mainSeq">
+                <p:childTnLst>
+                  <p:par>
+                    <p:cTn id="3" fill="hold">
+                      <p:stCondLst>
+                        <p:cond delay="indefinite"/>
+                      </p:stCondLst>
+                      <p:childTnLst>
+                        <p:par>
+                          <p:cTn id="4" fill="hold">
+                            <p:stCondLst>
+                              <p:cond delay="0"/>
+                            </p:stCondLst>
+                            <p:childTnLst>
+                              <p:par>
+                                <p:cTn id="5" presetID="10" presetClass="entr" presetSubtype="0" fill="hold" nodeType="clickEffect">
+                                  <p:stCondLst>
+                                    <p:cond delay="0"/>
+                                  </p:stCondLst>
+                                  <p:childTnLst>
+                                    <p:set>
+                                      <p:cBhvr>
+                                        <p:cTn id="6" dur="1" fill="hold">
+                                          <p:stCondLst>
+                                            <p:cond delay="0"/>
+                                          </p:stCondLst>
+                                        </p:cTn>
+                                        <p:tgtEl>
+                                          <p:spTgt spid="24"/>
+                                        </p:tgtEl>
+                                        <p:attrNameLst>
+                                          <p:attrName>style.visibility</p:attrName>
+                                        </p:attrNameLst>
+                                      </p:cBhvr>
+                                      <p:to>
+                                        <p:strVal val="visible"/>
+                                      </p:to>
+                                    </p:set>
+                                    <p:animEffect transition="in" filter="fade">
+                                      <p:cBhvr>
+                                        <p:cTn id="7" dur="500"/>
+                                        <p:tgtEl>
+                                          <p:spTgt spid="24"/>
+                                        </p:tgtEl>
+                                      </p:cBhvr>
+                                    </p:animEffect>
+                                  </p:childTnLst>
+                                </p:cTn>
+                              </p:par>
+                              <p:par>
+                                <p:cTn id="8" presetID="10" presetClass="entr" presetSubtype="0" fill="hold" grpId="0" nodeType="withEffect">
+                                  <p:stCondLst>
+                                    <p:cond delay="0"/>
+                                  </p:stCondLst>
+                                  <p:childTnLst>
+                                    <p:set>
+                                      <p:cBhvr>
+                                        <p:cTn id="9" dur="1" fill="hold">
+                                          <p:stCondLst>
+                                            <p:cond delay="0"/>
+                                          </p:stCondLst>
+                                        </p:cTn>
+                                        <p:tgtEl>
+                                          <p:spTgt spid="29"/>
+                                        </p:tgtEl>
+                                        <p:attrNameLst>
+                                          <p:attrName>style.visibility</p:attrName>
+                                        </p:attrNameLst>
+                                      </p:cBhvr>
+                                      <p:to>
+                                        <p:strVal val="visible"/>
+                                      </p:to>
+                                    </p:set>
+                                    <p:animEffect transition="in" filter="fade">
+                                      <p:cBhvr>
+                                        <p:cTn id="10" dur="500"/>
+                                        <p:tgtEl>
+                                          <p:spTgt spid="29"/>
+                                        </p:tgtEl>
+                                      </p:cBhvr>
+                                    </p:animEffect>
+                                  </p:childTnLst>
+                                </p:cTn>
+                              </p:par>
+                              <p:par>
+                                <p:cTn id="11" presetID="10" presetClass="entr" presetSubtype="0" fill="hold" nodeType="withEffect">
+                                  <p:stCondLst>
+                                    <p:cond delay="0"/>
+                                  </p:stCondLst>
+                                  <p:childTnLst>
+                                    <p:set>
+                                      <p:cBhvr>
+                                        <p:cTn id="12" dur="1" fill="hold">
+                                          <p:stCondLst>
+                                            <p:cond delay="0"/>
+                                          </p:stCondLst>
+                                        </p:cTn>
+                                        <p:tgtEl>
+                                          <p:spTgt spid="12"/>
+                                        </p:tgtEl>
+                                        <p:attrNameLst>
+                                          <p:attrName>style.visibility</p:attrName>
+                                        </p:attrNameLst>
+                                      </p:cBhvr>
+                                      <p:to>
+                                        <p:strVal val="visible"/>
+                                      </p:to>
+                                    </p:set>
+                                    <p:animEffect transition="in" filter="fade">
+                                      <p:cBhvr>
+                                        <p:cTn id="13" dur="500"/>
+                                        <p:tgtEl>
+                                          <p:spTgt spid="12"/>
+                                        </p:tgtEl>
+                                      </p:cBhvr>
+                                    </p:animEffect>
+                                  </p:childTnLst>
+                                </p:cTn>
+                              </p:par>
+                              <p:par>
+                                <p:cTn id="14" presetID="10" presetClass="entr" presetSubtype="0" fill="hold" grpId="0" nodeType="withEffect">
+                                  <p:stCondLst>
+                                    <p:cond delay="0"/>
+                                  </p:stCondLst>
+                                  <p:childTnLst>
+                                    <p:set>
+                                      <p:cBhvr>
+                                        <p:cTn id="15" dur="1" fill="hold">
+                                          <p:stCondLst>
+                                            <p:cond delay="0"/>
+                                          </p:stCondLst>
+                                        </p:cTn>
+                                        <p:tgtEl>
+                                          <p:spTgt spid="30"/>
+                                        </p:tgtEl>
+                                        <p:attrNameLst>
+                                          <p:attrName>style.visibility</p:attrName>
+                                        </p:attrNameLst>
+                                      </p:cBhvr>
+                                      <p:to>
+                                        <p:strVal val="visible"/>
+                                      </p:to>
+                                    </p:set>
+                                    <p:animEffect transition="in" filter="fade">
+                                      <p:cBhvr>
+                                        <p:cTn id="16" dur="500"/>
+                                        <p:tgtEl>
+                                          <p:spTgt spid="30"/>
+                                        </p:tgtEl>
+                                      </p:cBhvr>
+                                    </p:animEffect>
+                                  </p:childTnLst>
+                                </p:cTn>
+                              </p:par>
+                            </p:childTnLst>
+                          </p:cTn>
+                        </p:par>
+                      </p:childTnLst>
+                    </p:cTn>
+                  </p:par>
+                  <p:par>
+                    <p:cTn id="17" fill="hold">
+                      <p:stCondLst>
+                        <p:cond delay="indefinite"/>
+                      </p:stCondLst>
+                      <p:childTnLst>
+                        <p:par>
+                          <p:cTn id="18" fill="hold">
+                            <p:stCondLst>
+                              <p:cond delay="0"/>
+                            </p:stCondLst>
+                            <p:childTnLst>
+                              <p:par>
+                                <p:cTn id="19" presetID="8" presetClass="emph" presetSubtype="0" fill="hold" nodeType="clickEffect">
+                                  <p:stCondLst>
+                                    <p:cond delay="0"/>
+                                  </p:stCondLst>
+                                  <p:childTnLst>
+                                    <p:animRot by="21600000">
+                                      <p:cBhvr>
+                                        <p:cTn id="20" dur="1250" fill="hold"/>
+                                        <p:tgtEl>
+                                          <p:spTgt spid="24"/>
+                                        </p:tgtEl>
+                                        <p:attrNameLst>
+                                          <p:attrName>r</p:attrName>
+                                        </p:attrNameLst>
+                                      </p:cBhvr>
+                                    </p:animRot>
+                                  </p:childTnLst>
+                                </p:cTn>
+                              </p:par>
+                            </p:childTnLst>
+                          </p:cTn>
+                        </p:par>
+                        <p:par>
+                          <p:cTn id="21" fill="hold">
+                            <p:stCondLst>
+                              <p:cond delay="1250"/>
+                            </p:stCondLst>
+                            <p:childTnLst>
+                              <p:par>
+                                <p:cTn id="22" presetID="22" presetClass="entr" presetSubtype="8" fill="hold" grpId="0" nodeType="afterEffect">
+                                  <p:stCondLst>
+                                    <p:cond delay="0"/>
+                                  </p:stCondLst>
+                                  <p:childTnLst>
+                                    <p:set>
+                                      <p:cBhvr>
+                                        <p:cTn id="23" dur="1" fill="hold">
+                                          <p:stCondLst>
+                                            <p:cond delay="0"/>
+                                          </p:stCondLst>
+                                        </p:cTn>
+                                        <p:tgtEl>
+                                          <p:spTgt spid="3"/>
+                                        </p:tgtEl>
+                                        <p:attrNameLst>
+                                          <p:attrName>style.visibility</p:attrName>
+                                        </p:attrNameLst>
+                                      </p:cBhvr>
+                                      <p:to>
+                                        <p:strVal val="visible"/>
+                                      </p:to>
+                                    </p:set>
+                                    <p:animEffect transition="in" filter="wipe(left)">
+                                      <p:cBhvr>
+                                        <p:cTn id="24" dur="500"/>
+                                        <p:tgtEl>
+                                          <p:spTgt spid="3"/>
+                                        </p:tgtEl>
+                                      </p:cBhvr>
+                                    </p:animEffect>
+                                  </p:childTnLst>
+                                </p:cTn>
+                              </p:par>
+                              <p:par>
+                                <p:cTn id="25" presetID="22" presetClass="entr" presetSubtype="8" fill="hold" grpId="0" nodeType="withEffect">
+                                  <p:stCondLst>
+                                    <p:cond delay="0"/>
+                                  </p:stCondLst>
+                                  <p:childTnLst>
+                                    <p:set>
+                                      <p:cBhvr>
+                                        <p:cTn id="26" dur="1" fill="hold">
+                                          <p:stCondLst>
+                                            <p:cond delay="0"/>
+                                          </p:stCondLst>
+                                        </p:cTn>
+                                        <p:tgtEl>
+                                          <p:spTgt spid="14"/>
+                                        </p:tgtEl>
+                                        <p:attrNameLst>
+                                          <p:attrName>style.visibility</p:attrName>
+                                        </p:attrNameLst>
+                                      </p:cBhvr>
+                                      <p:to>
+                                        <p:strVal val="visible"/>
+                                      </p:to>
+                                    </p:set>
+                                    <p:animEffect transition="in" filter="wipe(left)">
+                                      <p:cBhvr>
+                                        <p:cTn id="27" dur="500"/>
+                                        <p:tgtEl>
+                                          <p:spTgt spid="14"/>
+                                        </p:tgtEl>
+                                      </p:cBhvr>
+                                    </p:animEffect>
+                                  </p:childTnLst>
+                                </p:cTn>
+                              </p:par>
+                            </p:childTnLst>
+                          </p:cTn>
+                        </p:par>
+                      </p:childTnLst>
+                    </p:cTn>
+                  </p:par>
+                </p:childTnLst>
+              </p:cTn>
+              <p:prevCondLst>
+                <p:cond evt="onPrev" delay="0">
+                  <p:tgtEl>
+                    <p:sldTgt/>
+                  </p:tgtEl>
+                </p:cond>
+              </p:prevCondLst>
+              <p:nextCondLst>
+                <p:cond evt="onNext" delay="0">
+                  <p:tgtEl>
+                    <p:sldTgt/>
+                  </p:tgtEl>
+                </p:cond>
+              </p:nextCondLst>
+            </p:seq>
+          </p:childTnLst>
+        </p:cTn>
+      </p:par>
+    </p:tnLst>
+    <p:bldLst>
+      <p:bldP spid="29" grpId="0"/>
+      <p:bldP spid="30" grpId="0"/>
+      <p:bldP spid="3" grpId="0" animBg="1"/>
+      <p:bldP spid="14" grpId="0" animBg="1"/>
+    </p:bldLst>
+  </p:timing>
+</p:sld>
+</file>
+
+<file path=ppt/slides/slide6.xml><?xml version="1.0" encoding="utf-8"?>
+<p:sld xmlns:a="http://schemas.openxmlformats.org/drawingml/2006/main" xmlns:r="http://schemas.openxmlformats.org/officeDocument/2006/relationships" xmlns:p="http://schemas.openxmlformats.org/presentationml/2006/main">
+  <p:cSld>
+    <p:spTree>
+      <p:nvGrpSpPr>
+        <p:cNvPr id="1" name=""/>
+        <p:cNvGrpSpPr/>
+        <p:nvPr/>
+      </p:nvGrpSpPr>
+      <p:grpSpPr>
+        <a:xfrm>
+          <a:off x="0" y="0"/>
+          <a:ext cx="0" cy="0"/>
+          <a:chOff x="0" y="0"/>
+          <a:chExt cx="0" cy="0"/>
+        </a:xfrm>
+      </p:grpSpPr>
+      <p:sp>
+        <p:nvSpPr>
+          <p:cNvPr id="2" name="タイトル 1"/>
+          <p:cNvSpPr>
+            <a:spLocks noGrp="1"/>
+          </p:cNvSpPr>
+          <p:nvPr>
+            <p:ph type="title"/>
+          </p:nvPr>
+        </p:nvSpPr>
+        <p:spPr>
+          <a:xfrm>
+            <a:off x="3961304" y="0"/>
+            <a:ext cx="3769211" cy="650789"/>
+          </a:xfrm>
+        </p:spPr>
+        <p:txBody>
+          <a:bodyPr>
+            <a:normAutofit fontScale="90000"/>
+          </a:bodyPr>
+          <a:lstStyle/>
+          <a:p>
+            <a:r>
+              <a:rPr lang="ja-JP" altLang="en-US" b="1" dirty="0" smtClean="0">
+                <a:latin typeface="HGSｺﾞｼｯｸM" panose="020B0600000000000000" pitchFamily="50" charset="-128"/>
+                <a:ea typeface="HGSｺﾞｼｯｸM" panose="020B0600000000000000" pitchFamily="50" charset="-128"/>
+              </a:rPr>
+              <a:t>システムの目的</a:t>
+            </a:r>
+            <a:endParaRPr kumimoji="1" lang="ja-JP" altLang="en-US" b="1" dirty="0">
+              <a:latin typeface="HGSｺﾞｼｯｸM" panose="020B0600000000000000" pitchFamily="50" charset="-128"/>
+              <a:ea typeface="HGSｺﾞｼｯｸM" panose="020B0600000000000000" pitchFamily="50" charset="-128"/>
+            </a:endParaRPr>
+          </a:p>
+        </p:txBody>
+      </p:sp>
+      <p:sp>
+        <p:nvSpPr>
+          <p:cNvPr id="7" name="テキスト ボックス 6"/>
+          <p:cNvSpPr txBox="1"/>
+          <p:nvPr/>
+        </p:nvSpPr>
+        <p:spPr>
+          <a:xfrm>
+            <a:off x="391096" y="1359089"/>
+            <a:ext cx="3570208" cy="769441"/>
+          </a:xfrm>
+          <a:prstGeom prst="rect">
+            <a:avLst/>
+          </a:prstGeom>
+          <a:noFill/>
+        </p:spPr>
+        <p:txBody>
+          <a:bodyPr wrap="none" rtlCol="0">
+            <a:spAutoFit/>
+          </a:bodyPr>
+          <a:lstStyle/>
+          <a:p>
+            <a:r>
+              <a:rPr lang="ja-JP" altLang="en-US" sz="4400" b="1" dirty="0"/>
+              <a:t>改善案</a:t>
+            </a:r>
+            <a:r>
+              <a:rPr kumimoji="1" lang="ja-JP" altLang="en-US" sz="4400" b="1" dirty="0" smtClean="0"/>
+              <a:t>その</a:t>
+            </a:r>
+            <a:r>
+              <a:rPr lang="ja-JP" altLang="en-US" sz="4400" b="1" dirty="0"/>
+              <a:t>２</a:t>
+            </a:r>
+            <a:endParaRPr kumimoji="1" lang="ja-JP" altLang="en-US" sz="4400" b="1" dirty="0"/>
+          </a:p>
+        </p:txBody>
+      </p:sp>
+      <p:sp>
+        <p:nvSpPr>
+          <p:cNvPr id="23" name="右矢印 22"/>
+          <p:cNvSpPr/>
+          <p:nvPr/>
+        </p:nvSpPr>
+        <p:spPr>
+          <a:xfrm>
+            <a:off x="3304898" y="3639777"/>
+            <a:ext cx="4820196" cy="387848"/>
+          </a:xfrm>
+          <a:prstGeom prst="rightArrow">
+            <a:avLst>
+              <a:gd name="adj1" fmla="val 50000"/>
+              <a:gd name="adj2" fmla="val 190479"/>
+            </a:avLst>
+          </a:prstGeom>
+          <a:solidFill>
+            <a:schemeClr val="bg1"/>
+          </a:solidFill>
+          <a:ln w="38100">
+            <a:solidFill>
+              <a:schemeClr val="tx1"/>
+            </a:solidFill>
+          </a:ln>
+        </p:spPr>
+        <p:style>
+          <a:lnRef idx="2">
+            <a:schemeClr val="accent1">
+              <a:shade val="50000"/>
+            </a:schemeClr>
+          </a:lnRef>
+          <a:fillRef idx="1">
+            <a:schemeClr val="accent1"/>
+          </a:fillRef>
+          <a:effectRef idx="0">
+            <a:schemeClr val="accent1"/>
+          </a:effectRef>
+          <a:fontRef idx="minor">
+            <a:schemeClr val="lt1"/>
+          </a:fontRef>
+        </p:style>
+        <p:txBody>
+          <a:bodyPr rtlCol="0" anchor="ctr"/>
+          <a:lstStyle/>
+          <a:p>
+            <a:pPr algn="ctr"/>
+            <a:endParaRPr kumimoji="1" lang="ja-JP" altLang="en-US">
+              <a:solidFill>
+                <a:schemeClr val="bg1"/>
+              </a:solidFill>
+            </a:endParaRPr>
+          </a:p>
+        </p:txBody>
+      </p:sp>
+      <p:sp>
+        <p:nvSpPr>
+          <p:cNvPr id="3" name="テキスト ボックス 2"/>
+          <p:cNvSpPr txBox="1"/>
+          <p:nvPr/>
+        </p:nvSpPr>
+        <p:spPr>
+          <a:xfrm>
+            <a:off x="5160998" y="3007098"/>
+            <a:ext cx="1107996" cy="646331"/>
+          </a:xfrm>
+          <a:prstGeom prst="rect">
+            <a:avLst/>
+          </a:prstGeom>
+          <a:noFill/>
+        </p:spPr>
+        <p:txBody>
+          <a:bodyPr wrap="none" rtlCol="0">
+            <a:spAutoFit/>
+          </a:bodyPr>
+          <a:lstStyle/>
+          <a:p>
+            <a:r>
+              <a:rPr lang="ja-JP" altLang="en-US" sz="3600" dirty="0"/>
+              <a:t>注文</a:t>
+            </a:r>
+            <a:endParaRPr kumimoji="1" lang="ja-JP" altLang="en-US" sz="3600" dirty="0"/>
+          </a:p>
+        </p:txBody>
+      </p:sp>
+      <p:pic>
+        <p:nvPicPr>
+          <p:cNvPr id="13" name="Picture 2" descr="C:\Users\yamanin3\Desktop\images\agura_kutsurogu2_man.png"/>
+          <p:cNvPicPr>
+            <a:picLocks noChangeAspect="1" noChangeArrowheads="1"/>
+          </p:cNvPicPr>
+          <p:nvPr/>
+        </p:nvPicPr>
+        <p:blipFill>
+          <a:blip r:embed="rId2">
+            <a:extLst>
+              <a:ext uri="{28A0092B-C50C-407E-A947-70E740481C1C}">
+                <a14:useLocalDpi xmlns:a14="http://schemas.microsoft.com/office/drawing/2010/main" val="0"/>
+              </a:ext>
+            </a:extLst>
+          </a:blip>
+          <a:srcRect/>
+          <a:stretch>
+            <a:fillRect/>
+          </a:stretch>
+        </p:blipFill>
+        <p:spPr bwMode="auto">
+          <a:xfrm>
+            <a:off x="1386735" y="3044235"/>
+            <a:ext cx="1578930" cy="1578930"/>
+          </a:xfrm>
+          <a:prstGeom prst="rect">
+            <a:avLst/>
+          </a:prstGeom>
+          <a:noFill/>
+          <a:extLst>
+            <a:ext uri="{909E8E84-426E-40DD-AFC4-6F175D3DCCD1}">
+              <a14:hiddenFill xmlns:a14="http://schemas.microsoft.com/office/drawing/2010/main">
+                <a:solidFill>
+                  <a:srgbClr val="FFFFFF"/>
+                </a:solidFill>
+              </a14:hiddenFill>
+            </a:ext>
+          </a:extLst>
+        </p:spPr>
+      </p:pic>
+      <p:sp>
+        <p:nvSpPr>
+          <p:cNvPr id="14" name="テキスト ボックス 13"/>
+          <p:cNvSpPr txBox="1"/>
+          <p:nvPr/>
+        </p:nvSpPr>
+        <p:spPr>
+          <a:xfrm>
+            <a:off x="1853035" y="4876892"/>
+            <a:ext cx="646331" cy="369332"/>
+          </a:xfrm>
+          <a:prstGeom prst="rect">
+            <a:avLst/>
+          </a:prstGeom>
+          <a:noFill/>
+        </p:spPr>
+        <p:txBody>
+          <a:bodyPr wrap="none" rtlCol="0">
+            <a:spAutoFit/>
+          </a:bodyPr>
+          <a:lstStyle/>
+          <a:p>
+            <a:r>
+              <a:rPr kumimoji="1" lang="ja-JP" altLang="en-US" b="1" dirty="0" smtClean="0"/>
+              <a:t>顧客</a:t>
+            </a:r>
+            <a:endParaRPr kumimoji="1" lang="ja-JP" altLang="en-US" b="1" dirty="0"/>
+          </a:p>
+        </p:txBody>
+      </p:sp>
+      <p:pic>
+        <p:nvPicPr>
+          <p:cNvPr id="15" name="Picture 4" descr="C:\Users\yamanin3\Desktop\images\building_company_eigyousyo.png"/>
+          <p:cNvPicPr>
+            <a:picLocks noChangeAspect="1" noChangeArrowheads="1"/>
+          </p:cNvPicPr>
+          <p:nvPr/>
+        </p:nvPicPr>
+        <p:blipFill>
+          <a:blip r:embed="rId3">
+            <a:extLst>
+              <a:ext uri="{28A0092B-C50C-407E-A947-70E740481C1C}">
+                <a14:useLocalDpi xmlns:a14="http://schemas.microsoft.com/office/drawing/2010/main" val="0"/>
+              </a:ext>
+            </a:extLst>
+          </a:blip>
+          <a:srcRect/>
+          <a:stretch>
+            <a:fillRect/>
+          </a:stretch>
+        </p:blipFill>
+        <p:spPr bwMode="auto">
+          <a:xfrm>
+            <a:off x="8566260" y="2809476"/>
+            <a:ext cx="2048448" cy="2048448"/>
+          </a:xfrm>
+          <a:prstGeom prst="rect">
+            <a:avLst/>
+          </a:prstGeom>
+          <a:noFill/>
+          <a:extLst>
+            <a:ext uri="{909E8E84-426E-40DD-AFC4-6F175D3DCCD1}">
+              <a14:hiddenFill xmlns:a14="http://schemas.microsoft.com/office/drawing/2010/main">
+                <a:solidFill>
+                  <a:srgbClr val="FFFFFF"/>
+                </a:solidFill>
+              </a14:hiddenFill>
+            </a:ext>
+          </a:extLst>
+        </p:spPr>
+      </p:pic>
+      <p:pic>
+        <p:nvPicPr>
+          <p:cNvPr id="18" name="Picture 3" descr="C:\Users\yamanin3\Desktop\images\sales_eigyou_man.png"/>
+          <p:cNvPicPr>
+            <a:picLocks noChangeAspect="1" noChangeArrowheads="1"/>
+          </p:cNvPicPr>
+          <p:nvPr/>
+        </p:nvPicPr>
+        <p:blipFill>
+          <a:blip r:embed="rId4" cstate="print">
+            <a:extLst>
+              <a:ext uri="{28A0092B-C50C-407E-A947-70E740481C1C}">
+                <a14:useLocalDpi xmlns:a14="http://schemas.microsoft.com/office/drawing/2010/main" val="0"/>
+              </a:ext>
+            </a:extLst>
+          </a:blip>
+          <a:srcRect/>
+          <a:stretch>
+            <a:fillRect/>
+          </a:stretch>
+        </p:blipFill>
+        <p:spPr bwMode="auto">
+          <a:xfrm>
+            <a:off x="9112201" y="3833700"/>
+            <a:ext cx="956565" cy="956565"/>
+          </a:xfrm>
+          <a:prstGeom prst="rect">
+            <a:avLst/>
+          </a:prstGeom>
+          <a:noFill/>
+          <a:extLst>
+            <a:ext uri="{909E8E84-426E-40DD-AFC4-6F175D3DCCD1}">
+              <a14:hiddenFill xmlns:a14="http://schemas.microsoft.com/office/drawing/2010/main">
+                <a:solidFill>
+                  <a:srgbClr val="FFFFFF"/>
+                </a:solidFill>
+              </a14:hiddenFill>
+            </a:ext>
+          </a:extLst>
+        </p:spPr>
+      </p:pic>
+      <p:sp>
+        <p:nvSpPr>
+          <p:cNvPr id="19" name="テキスト ボックス 18"/>
+          <p:cNvSpPr txBox="1"/>
+          <p:nvPr/>
+        </p:nvSpPr>
+        <p:spPr>
+          <a:xfrm>
+            <a:off x="9166489" y="4876892"/>
+            <a:ext cx="902277" cy="369332"/>
+          </a:xfrm>
+          <a:prstGeom prst="rect">
+            <a:avLst/>
+          </a:prstGeom>
+          <a:noFill/>
+        </p:spPr>
+        <p:txBody>
+          <a:bodyPr wrap="square" rtlCol="0">
+            <a:spAutoFit/>
+          </a:bodyPr>
+          <a:lstStyle/>
+          <a:p>
+            <a:r>
+              <a:rPr kumimoji="1" lang="ja-JP" altLang="en-US" b="1" dirty="0" smtClean="0"/>
+              <a:t>営業所</a:t>
+            </a:r>
+            <a:endParaRPr kumimoji="1" lang="ja-JP" altLang="en-US" b="1" dirty="0"/>
+          </a:p>
+        </p:txBody>
+      </p:sp>
+      <p:sp>
+        <p:nvSpPr>
+          <p:cNvPr id="5" name="テキスト ボックス 4"/>
+          <p:cNvSpPr txBox="1"/>
+          <p:nvPr/>
+        </p:nvSpPr>
+        <p:spPr>
+          <a:xfrm>
+            <a:off x="3545171" y="5590902"/>
+            <a:ext cx="4339650" cy="646331"/>
+          </a:xfrm>
+          <a:prstGeom prst="rect">
+            <a:avLst/>
+          </a:prstGeom>
+          <a:noFill/>
+        </p:spPr>
+        <p:txBody>
+          <a:bodyPr wrap="none" rtlCol="0">
+            <a:spAutoFit/>
+          </a:bodyPr>
+          <a:lstStyle/>
+          <a:p>
+            <a:r>
+              <a:rPr kumimoji="1" lang="ja-JP" altLang="en-US" sz="3600" b="1" dirty="0" smtClean="0">
+                <a:solidFill>
+                  <a:srgbClr val="FF0000"/>
+                </a:solidFill>
+              </a:rPr>
+              <a:t>在庫数を減らす処理</a:t>
+            </a:r>
+            <a:endParaRPr kumimoji="1" lang="ja-JP" altLang="en-US" sz="3600" b="1" dirty="0">
+              <a:solidFill>
+                <a:srgbClr val="FF0000"/>
+              </a:solidFill>
+            </a:endParaRPr>
+          </a:p>
+        </p:txBody>
+      </p:sp>
+      <p:cxnSp>
+        <p:nvCxnSpPr>
+          <p:cNvPr id="21" name="直線矢印コネクタ 20"/>
+          <p:cNvCxnSpPr/>
+          <p:nvPr/>
+        </p:nvCxnSpPr>
+        <p:spPr>
+          <a:xfrm flipV="1">
+            <a:off x="5671223" y="4080472"/>
+            <a:ext cx="0" cy="1419586"/>
+          </a:xfrm>
+          <a:prstGeom prst="straightConnector1">
+            <a:avLst/>
+          </a:prstGeom>
+          <a:ln w="76200">
+            <a:solidFill>
+              <a:srgbClr val="FF0000"/>
+            </a:solidFill>
+            <a:tailEnd type="arrow"/>
+          </a:ln>
+        </p:spPr>
+        <p:style>
+          <a:lnRef idx="1">
+            <a:schemeClr val="accent1"/>
+          </a:lnRef>
+          <a:fillRef idx="0">
+            <a:schemeClr val="accent1"/>
+          </a:fillRef>
+          <a:effectRef idx="0">
+            <a:schemeClr val="accent1"/>
+          </a:effectRef>
+          <a:fontRef idx="minor">
+            <a:schemeClr val="tx1"/>
+          </a:fontRef>
+        </p:style>
+      </p:cxnSp>
+    </p:spTree>
+    <p:extLst>
+      <p:ext uri="{BB962C8B-B14F-4D97-AF65-F5344CB8AC3E}">
+        <p14:creationId xmlns:p14="http://schemas.microsoft.com/office/powerpoint/2010/main" val="3523283280"/>
+      </p:ext>
+    </p:extLst>
+  </p:cSld>
+  <p:clrMapOvr>
+    <a:masterClrMapping/>
+  </p:clrMapOvr>
+  <p:timing>
+    <p:tnLst>
+      <p:par>
+        <p:cTn id="1" dur="indefinite" restart="never" nodeType="tmRoot">
+          <p:childTnLst>
+            <p:seq concurrent="1" nextAc="seek">
+              <p:cTn id="2" dur="indefinite" nodeType="mainSeq">
+                <p:childTnLst>
+                  <p:par>
+                    <p:cTn id="3" fill="hold">
+                      <p:stCondLst>
+                        <p:cond delay="indefinite"/>
+                      </p:stCondLst>
+                      <p:childTnLst>
+                        <p:par>
+                          <p:cTn id="4" fill="hold">
+                            <p:stCondLst>
+                              <p:cond delay="0"/>
+                            </p:stCondLst>
+                            <p:childTnLst>
+                              <p:par>
+                                <p:cTn id="5" presetID="10" presetClass="entr" presetSubtype="0" fill="hold" nodeType="clickEffect">
+                                  <p:stCondLst>
+                                    <p:cond delay="0"/>
+                                  </p:stCondLst>
+                                  <p:childTnLst>
+                                    <p:set>
+                                      <p:cBhvr>
+                                        <p:cTn id="6" dur="1" fill="hold">
+                                          <p:stCondLst>
+                                            <p:cond delay="0"/>
+                                          </p:stCondLst>
+                                        </p:cTn>
+                                        <p:tgtEl>
+                                          <p:spTgt spid="13"/>
+                                        </p:tgtEl>
+                                        <p:attrNameLst>
+                                          <p:attrName>style.visibility</p:attrName>
+                                        </p:attrNameLst>
+                                      </p:cBhvr>
+                                      <p:to>
+                                        <p:strVal val="visible"/>
+                                      </p:to>
+                                    </p:set>
+                                    <p:animEffect transition="in" filter="fade">
+                                      <p:cBhvr>
+                                        <p:cTn id="7" dur="500"/>
+                                        <p:tgtEl>
+                                          <p:spTgt spid="13"/>
+                                        </p:tgtEl>
+                                      </p:cBhvr>
+                                    </p:animEffect>
+                                  </p:childTnLst>
+                                </p:cTn>
+                              </p:par>
+                              <p:par>
+                                <p:cTn id="8" presetID="10" presetClass="entr" presetSubtype="0" fill="hold" grpId="0" nodeType="withEffect">
+                                  <p:stCondLst>
+                                    <p:cond delay="0"/>
+                                  </p:stCondLst>
+                                  <p:childTnLst>
+                                    <p:set>
+                                      <p:cBhvr>
+                                        <p:cTn id="9" dur="1" fill="hold">
+                                          <p:stCondLst>
+                                            <p:cond delay="0"/>
+                                          </p:stCondLst>
+                                        </p:cTn>
+                                        <p:tgtEl>
+                                          <p:spTgt spid="14"/>
+                                        </p:tgtEl>
+                                        <p:attrNameLst>
+                                          <p:attrName>style.visibility</p:attrName>
+                                        </p:attrNameLst>
+                                      </p:cBhvr>
+                                      <p:to>
+                                        <p:strVal val="visible"/>
+                                      </p:to>
+                                    </p:set>
+                                    <p:animEffect transition="in" filter="fade">
+                                      <p:cBhvr>
+                                        <p:cTn id="10" dur="500"/>
+                                        <p:tgtEl>
+                                          <p:spTgt spid="14"/>
+                                        </p:tgtEl>
+                                      </p:cBhvr>
+                                    </p:animEffect>
+                                  </p:childTnLst>
+                                </p:cTn>
+                              </p:par>
+                              <p:par>
+                                <p:cTn id="11" presetID="10" presetClass="entr" presetSubtype="0" fill="hold" nodeType="withEffect">
+                                  <p:stCondLst>
+                                    <p:cond delay="0"/>
+                                  </p:stCondLst>
+                                  <p:childTnLst>
+                                    <p:set>
+                                      <p:cBhvr>
+                                        <p:cTn id="12" dur="1" fill="hold">
+                                          <p:stCondLst>
+                                            <p:cond delay="0"/>
+                                          </p:stCondLst>
+                                        </p:cTn>
+                                        <p:tgtEl>
+                                          <p:spTgt spid="15"/>
+                                        </p:tgtEl>
+                                        <p:attrNameLst>
+                                          <p:attrName>style.visibility</p:attrName>
+                                        </p:attrNameLst>
+                                      </p:cBhvr>
+                                      <p:to>
+                                        <p:strVal val="visible"/>
+                                      </p:to>
+                                    </p:set>
+                                    <p:animEffect transition="in" filter="fade">
+                                      <p:cBhvr>
+                                        <p:cTn id="13" dur="500"/>
+                                        <p:tgtEl>
+                                          <p:spTgt spid="15"/>
+                                        </p:tgtEl>
+                                      </p:cBhvr>
+                                    </p:animEffect>
+                                  </p:childTnLst>
+                                </p:cTn>
+                              </p:par>
+                              <p:par>
+                                <p:cTn id="14" presetID="10" presetClass="entr" presetSubtype="0" fill="hold" nodeType="withEffect">
+                                  <p:stCondLst>
+                                    <p:cond delay="0"/>
+                                  </p:stCondLst>
+                                  <p:childTnLst>
+                                    <p:set>
+                                      <p:cBhvr>
+                                        <p:cTn id="15" dur="1" fill="hold">
+                                          <p:stCondLst>
+                                            <p:cond delay="0"/>
+                                          </p:stCondLst>
+                                        </p:cTn>
+                                        <p:tgtEl>
+                                          <p:spTgt spid="18"/>
+                                        </p:tgtEl>
+                                        <p:attrNameLst>
+                                          <p:attrName>style.visibility</p:attrName>
+                                        </p:attrNameLst>
+                                      </p:cBhvr>
+                                      <p:to>
+                                        <p:strVal val="visible"/>
+                                      </p:to>
+                                    </p:set>
+                                    <p:animEffect transition="in" filter="fade">
+                                      <p:cBhvr>
+                                        <p:cTn id="16" dur="500"/>
+                                        <p:tgtEl>
+                                          <p:spTgt spid="18"/>
+                                        </p:tgtEl>
+                                      </p:cBhvr>
+                                    </p:animEffect>
+                                  </p:childTnLst>
+                                </p:cTn>
+                              </p:par>
+                              <p:par>
+                                <p:cTn id="17" presetID="10" presetClass="entr" presetSubtype="0" fill="hold" grpId="0" nodeType="withEffect">
+                                  <p:stCondLst>
+                                    <p:cond delay="0"/>
+                                  </p:stCondLst>
+                                  <p:childTnLst>
+                                    <p:set>
+                                      <p:cBhvr>
+                                        <p:cTn id="18" dur="1" fill="hold">
+                                          <p:stCondLst>
+                                            <p:cond delay="0"/>
+                                          </p:stCondLst>
+                                        </p:cTn>
+                                        <p:tgtEl>
+                                          <p:spTgt spid="19"/>
+                                        </p:tgtEl>
+                                        <p:attrNameLst>
+                                          <p:attrName>style.visibility</p:attrName>
+                                        </p:attrNameLst>
+                                      </p:cBhvr>
+                                      <p:to>
+                                        <p:strVal val="visible"/>
+                                      </p:to>
+                                    </p:set>
+                                    <p:animEffect transition="in" filter="fade">
+                                      <p:cBhvr>
+                                        <p:cTn id="19" dur="500"/>
+                                        <p:tgtEl>
+                                          <p:spTgt spid="19"/>
+                                        </p:tgtEl>
+                                      </p:cBhvr>
+                                    </p:animEffect>
+                                  </p:childTnLst>
+                                </p:cTn>
+                              </p:par>
+                            </p:childTnLst>
+                          </p:cTn>
+                        </p:par>
+                      </p:childTnLst>
+                    </p:cTn>
+                  </p:par>
+                  <p:par>
+                    <p:cTn id="20" fill="hold">
+                      <p:stCondLst>
+                        <p:cond delay="indefinite"/>
+                      </p:stCondLst>
+                      <p:childTnLst>
+                        <p:par>
+                          <p:cTn id="21" fill="hold">
+                            <p:stCondLst>
+                              <p:cond delay="0"/>
+                            </p:stCondLst>
+                            <p:childTnLst>
+                              <p:par>
+                                <p:cTn id="22" presetID="22" presetClass="entr" presetSubtype="8" fill="hold" grpId="0" nodeType="clickEffect">
+                                  <p:stCondLst>
+                                    <p:cond delay="0"/>
+                                  </p:stCondLst>
+                                  <p:childTnLst>
+                                    <p:set>
+                                      <p:cBhvr>
+                                        <p:cTn id="23" dur="1" fill="hold">
+                                          <p:stCondLst>
+                                            <p:cond delay="0"/>
+                                          </p:stCondLst>
+                                        </p:cTn>
+                                        <p:tgtEl>
+                                          <p:spTgt spid="23"/>
+                                        </p:tgtEl>
+                                        <p:attrNameLst>
+                                          <p:attrName>style.visibility</p:attrName>
+                                        </p:attrNameLst>
+                                      </p:cBhvr>
+                                      <p:to>
+                                        <p:strVal val="visible"/>
+                                      </p:to>
+                                    </p:set>
+                                    <p:animEffect transition="in" filter="wipe(left)">
+                                      <p:cBhvr>
+                                        <p:cTn id="24" dur="500"/>
+                                        <p:tgtEl>
+                                          <p:spTgt spid="23"/>
+                                        </p:tgtEl>
+                                      </p:cBhvr>
+                                    </p:animEffect>
+                                  </p:childTnLst>
+                                </p:cTn>
+                              </p:par>
+                              <p:par>
+                                <p:cTn id="25" presetID="22" presetClass="entr" presetSubtype="8" fill="hold" grpId="0" nodeType="withEffect">
+                                  <p:stCondLst>
+                                    <p:cond delay="0"/>
+                                  </p:stCondLst>
+                                  <p:childTnLst>
+                                    <p:set>
+                                      <p:cBhvr>
+                                        <p:cTn id="26" dur="1" fill="hold">
+                                          <p:stCondLst>
+                                            <p:cond delay="0"/>
+                                          </p:stCondLst>
+                                        </p:cTn>
+                                        <p:tgtEl>
+                                          <p:spTgt spid="3"/>
+                                        </p:tgtEl>
+                                        <p:attrNameLst>
+                                          <p:attrName>style.visibility</p:attrName>
+                                        </p:attrNameLst>
+                                      </p:cBhvr>
+                                      <p:to>
+                                        <p:strVal val="visible"/>
+                                      </p:to>
+                                    </p:set>
+                                    <p:animEffect transition="in" filter="wipe(left)">
+                                      <p:cBhvr>
+                                        <p:cTn id="27" dur="500"/>
+                                        <p:tgtEl>
+                                          <p:spTgt spid="3"/>
+                                        </p:tgtEl>
+                                      </p:cBhvr>
+                                    </p:animEffect>
+                                  </p:childTnLst>
+                                </p:cTn>
+                              </p:par>
+                            </p:childTnLst>
+                          </p:cTn>
+                        </p:par>
+                      </p:childTnLst>
+                    </p:cTn>
+                  </p:par>
+                  <p:par>
+                    <p:cTn id="28" fill="hold">
+                      <p:stCondLst>
+                        <p:cond delay="indefinite"/>
+                      </p:stCondLst>
+                      <p:childTnLst>
+                        <p:par>
+                          <p:cTn id="29" fill="hold">
+                            <p:stCondLst>
+                              <p:cond delay="0"/>
+                            </p:stCondLst>
+                            <p:childTnLst>
+                              <p:par>
+                                <p:cTn id="30" presetID="42" presetClass="entr" presetSubtype="0" fill="hold" nodeType="clickEffect">
+                                  <p:stCondLst>
+                                    <p:cond delay="0"/>
+                                  </p:stCondLst>
+                                  <p:childTnLst>
+                                    <p:set>
+                                      <p:cBhvr>
+                                        <p:cTn id="31" dur="1" fill="hold">
+                                          <p:stCondLst>
+                                            <p:cond delay="0"/>
+                                          </p:stCondLst>
+                                        </p:cTn>
+                                        <p:tgtEl>
+                                          <p:spTgt spid="21"/>
+                                        </p:tgtEl>
+                                        <p:attrNameLst>
+                                          <p:attrName>style.visibility</p:attrName>
+                                        </p:attrNameLst>
+                                      </p:cBhvr>
+                                      <p:to>
+                                        <p:strVal val="visible"/>
+                                      </p:to>
+                                    </p:set>
+                                    <p:animEffect transition="in" filter="fade">
+                                      <p:cBhvr>
+                                        <p:cTn id="32" dur="1000"/>
+                                        <p:tgtEl>
+                                          <p:spTgt spid="21"/>
+                                        </p:tgtEl>
+                                      </p:cBhvr>
+                                    </p:animEffect>
+                                    <p:anim calcmode="lin" valueType="num">
+                                      <p:cBhvr>
+                                        <p:cTn id="33" dur="1000" fill="hold"/>
+                                        <p:tgtEl>
+                                          <p:spTgt spid="21"/>
+                                        </p:tgtEl>
+                                        <p:attrNameLst>
+                                          <p:attrName>ppt_x</p:attrName>
+                                        </p:attrNameLst>
+                                      </p:cBhvr>
+                                      <p:tavLst>
+                                        <p:tav tm="0">
+                                          <p:val>
+                                            <p:strVal val="#ppt_x"/>
+                                          </p:val>
+                                        </p:tav>
+                                        <p:tav tm="100000">
+                                          <p:val>
+                                            <p:strVal val="#ppt_x"/>
+                                          </p:val>
+                                        </p:tav>
+                                      </p:tavLst>
+                                    </p:anim>
+                                    <p:anim calcmode="lin" valueType="num">
+                                      <p:cBhvr>
+                                        <p:cTn id="34" dur="1000" fill="hold"/>
+                                        <p:tgtEl>
+                                          <p:spTgt spid="21"/>
+                                        </p:tgtEl>
+                                        <p:attrNameLst>
+                                          <p:attrName>ppt_y</p:attrName>
+                                        </p:attrNameLst>
+                                      </p:cBhvr>
+                                      <p:tavLst>
+                                        <p:tav tm="0">
+                                          <p:val>
+                                            <p:strVal val="#ppt_y+.1"/>
+                                          </p:val>
+                                        </p:tav>
+                                        <p:tav tm="100000">
+                                          <p:val>
+                                            <p:strVal val="#ppt_y"/>
+                                          </p:val>
+                                        </p:tav>
+                                      </p:tavLst>
+                                    </p:anim>
+                                  </p:childTnLst>
+                                </p:cTn>
+                              </p:par>
+                              <p:par>
+                                <p:cTn id="35" presetID="42" presetClass="entr" presetSubtype="0" fill="hold" grpId="0" nodeType="withEffect">
+                                  <p:stCondLst>
+                                    <p:cond delay="0"/>
+                                  </p:stCondLst>
+                                  <p:childTnLst>
+                                    <p:set>
+                                      <p:cBhvr>
+                                        <p:cTn id="36" dur="1" fill="hold">
+                                          <p:stCondLst>
+                                            <p:cond delay="0"/>
+                                          </p:stCondLst>
+                                        </p:cTn>
+                                        <p:tgtEl>
+                                          <p:spTgt spid="5"/>
+                                        </p:tgtEl>
+                                        <p:attrNameLst>
+                                          <p:attrName>style.visibility</p:attrName>
+                                        </p:attrNameLst>
+                                      </p:cBhvr>
+                                      <p:to>
+                                        <p:strVal val="visible"/>
+                                      </p:to>
+                                    </p:set>
+                                    <p:animEffect transition="in" filter="fade">
+                                      <p:cBhvr>
+                                        <p:cTn id="37" dur="1000"/>
+                                        <p:tgtEl>
+                                          <p:spTgt spid="5"/>
+                                        </p:tgtEl>
+                                      </p:cBhvr>
+                                    </p:animEffect>
+                                    <p:anim calcmode="lin" valueType="num">
+                                      <p:cBhvr>
+                                        <p:cTn id="38" dur="1000" fill="hold"/>
+                                        <p:tgtEl>
+                                          <p:spTgt spid="5"/>
+                                        </p:tgtEl>
+                                        <p:attrNameLst>
+                                          <p:attrName>ppt_x</p:attrName>
+                                        </p:attrNameLst>
+                                      </p:cBhvr>
+                                      <p:tavLst>
+                                        <p:tav tm="0">
+                                          <p:val>
+                                            <p:strVal val="#ppt_x"/>
+                                          </p:val>
+                                        </p:tav>
+                                        <p:tav tm="100000">
+                                          <p:val>
+                                            <p:strVal val="#ppt_x"/>
+                                          </p:val>
+                                        </p:tav>
+                                      </p:tavLst>
+                                    </p:anim>
+                                    <p:anim calcmode="lin" valueType="num">
+                                      <p:cBhvr>
+                                        <p:cTn id="39" dur="1000" fill="hold"/>
+                                        <p:tgtEl>
+                                          <p:spTgt spid="5"/>
+                                        </p:tgtEl>
+                                        <p:attrNameLst>
+                                          <p:attrName>ppt_y</p:attrName>
+                                        </p:attrNameLst>
+                                      </p:cBhvr>
+                                      <p:tavLst>
+                                        <p:tav tm="0">
+                                          <p:val>
+                                            <p:strVal val="#ppt_y+.1"/>
+                                          </p:val>
+                                        </p:tav>
+                                        <p:tav tm="100000">
+                                          <p:val>
+                                            <p:strVal val="#ppt_y"/>
+                                          </p:val>
+                                        </p:tav>
+                                      </p:tavLst>
+                                    </p:anim>
+                                  </p:childTnLst>
+                                </p:cTn>
+                              </p:par>
+                            </p:childTnLst>
+                          </p:cTn>
+                        </p:par>
+                      </p:childTnLst>
+                    </p:cTn>
+                  </p:par>
+                </p:childTnLst>
+              </p:cTn>
+              <p:prevCondLst>
+                <p:cond evt="onPrev" delay="0">
+                  <p:tgtEl>
+                    <p:sldTgt/>
+                  </p:tgtEl>
+                </p:cond>
+              </p:prevCondLst>
+              <p:nextCondLst>
+                <p:cond evt="onNext" delay="0">
+                  <p:tgtEl>
+                    <p:sldTgt/>
+                  </p:tgtEl>
+                </p:cond>
+              </p:nextCondLst>
+            </p:seq>
+          </p:childTnLst>
+        </p:cTn>
+      </p:par>
+    </p:tnLst>
+    <p:bldLst>
+      <p:bldP spid="23" grpId="0" animBg="1"/>
+      <p:bldP spid="3" grpId="0"/>
+      <p:bldP spid="14" grpId="0"/>
+      <p:bldP spid="19" grpId="0"/>
+      <p:bldP spid="5" grpId="0"/>
+    </p:bldLst>
+  </p:timing>
+</p:sld>
+</file>
+
+<file path=ppt/slides/slide7.xml><?xml version="1.0" encoding="utf-8"?>
+<p:sld xmlns:a="http://schemas.openxmlformats.org/drawingml/2006/main" xmlns:r="http://schemas.openxmlformats.org/officeDocument/2006/relationships" xmlns:p="http://schemas.openxmlformats.org/presentationml/2006/main">
+  <p:cSld>
+    <p:spTree>
+      <p:nvGrpSpPr>
+        <p:cNvPr id="1" name=""/>
+        <p:cNvGrpSpPr/>
+        <p:nvPr/>
+      </p:nvGrpSpPr>
+      <p:grpSpPr>
+        <a:xfrm>
+          <a:off x="0" y="0"/>
+          <a:ext cx="0" cy="0"/>
+          <a:chOff x="0" y="0"/>
+          <a:chExt cx="0" cy="0"/>
+        </a:xfrm>
+      </p:grpSpPr>
+      <p:sp>
+        <p:nvSpPr>
+          <p:cNvPr id="2" name="タイトル 1"/>
+          <p:cNvSpPr>
+            <a:spLocks noGrp="1"/>
+          </p:cNvSpPr>
+          <p:nvPr>
+            <p:ph type="title"/>
+          </p:nvPr>
+        </p:nvSpPr>
+        <p:spPr>
+          <a:xfrm>
+            <a:off x="3961304" y="0"/>
+            <a:ext cx="3769211" cy="650789"/>
+          </a:xfrm>
+        </p:spPr>
+        <p:txBody>
+          <a:bodyPr>
+            <a:normAutofit fontScale="90000"/>
+          </a:bodyPr>
+          <a:lstStyle/>
+          <a:p>
+            <a:r>
+              <a:rPr lang="ja-JP" altLang="en-US" b="1" dirty="0" smtClean="0">
+                <a:latin typeface="HGSｺﾞｼｯｸM" panose="020B0600000000000000" pitchFamily="50" charset="-128"/>
+                <a:ea typeface="HGSｺﾞｼｯｸM" panose="020B0600000000000000" pitchFamily="50" charset="-128"/>
+              </a:rPr>
+              <a:t>システムの目的</a:t>
+            </a:r>
+            <a:endParaRPr kumimoji="1" lang="ja-JP" altLang="en-US" b="1" dirty="0">
+              <a:latin typeface="HGSｺﾞｼｯｸM" panose="020B0600000000000000" pitchFamily="50" charset="-128"/>
+              <a:ea typeface="HGSｺﾞｼｯｸM" panose="020B0600000000000000" pitchFamily="50" charset="-128"/>
+            </a:endParaRPr>
+          </a:p>
+        </p:txBody>
+      </p:sp>
+      <p:sp>
+        <p:nvSpPr>
+          <p:cNvPr id="7" name="テキスト ボックス 6"/>
+          <p:cNvSpPr txBox="1"/>
+          <p:nvPr/>
+        </p:nvSpPr>
+        <p:spPr>
+          <a:xfrm>
+            <a:off x="391096" y="1359089"/>
+            <a:ext cx="3570208" cy="769441"/>
+          </a:xfrm>
+          <a:prstGeom prst="rect">
+            <a:avLst/>
+          </a:prstGeom>
+          <a:noFill/>
+        </p:spPr>
+        <p:txBody>
+          <a:bodyPr wrap="none" rtlCol="0">
+            <a:spAutoFit/>
+          </a:bodyPr>
+          <a:lstStyle/>
+          <a:p>
+            <a:r>
+              <a:rPr lang="ja-JP" altLang="en-US" sz="4400" b="1" dirty="0"/>
+              <a:t>改善案</a:t>
+            </a:r>
+            <a:r>
+              <a:rPr kumimoji="1" lang="ja-JP" altLang="en-US" sz="4400" b="1" dirty="0" smtClean="0"/>
+              <a:t>その３</a:t>
+            </a:r>
+            <a:endParaRPr kumimoji="1" lang="ja-JP" altLang="en-US" sz="4400" b="1" dirty="0"/>
+          </a:p>
+        </p:txBody>
+      </p:sp>
+      <p:pic>
+        <p:nvPicPr>
+          <p:cNvPr id="16" name="Picture 5" descr="C:\Users\yamanin3\Desktop\images\souko_building.png"/>
+          <p:cNvPicPr>
+            <a:picLocks noChangeAspect="1" noChangeArrowheads="1"/>
+          </p:cNvPicPr>
+          <p:nvPr/>
+        </p:nvPicPr>
+        <p:blipFill>
+          <a:blip r:embed="rId2">
+            <a:extLst>
+              <a:ext uri="{28A0092B-C50C-407E-A947-70E740481C1C}">
+                <a14:useLocalDpi xmlns:a14="http://schemas.microsoft.com/office/drawing/2010/main" val="0"/>
+              </a:ext>
+            </a:extLst>
+          </a:blip>
+          <a:srcRect/>
+          <a:stretch>
+            <a:fillRect/>
+          </a:stretch>
+        </p:blipFill>
+        <p:spPr bwMode="auto">
+          <a:xfrm>
+            <a:off x="1458570" y="2082728"/>
+            <a:ext cx="1214831" cy="1214831"/>
+          </a:xfrm>
+          <a:prstGeom prst="rect">
+            <a:avLst/>
+          </a:prstGeom>
+          <a:noFill/>
+          <a:extLst>
+            <a:ext uri="{909E8E84-426E-40DD-AFC4-6F175D3DCCD1}">
+              <a14:hiddenFill xmlns:a14="http://schemas.microsoft.com/office/drawing/2010/main">
+                <a:solidFill>
+                  <a:srgbClr val="FFFFFF"/>
+                </a:solidFill>
+              </a14:hiddenFill>
+            </a:ext>
+          </a:extLst>
+        </p:spPr>
+      </p:pic>
+      <p:sp>
+        <p:nvSpPr>
+          <p:cNvPr id="17" name="テキスト ボックス 16"/>
+          <p:cNvSpPr txBox="1"/>
+          <p:nvPr/>
+        </p:nvSpPr>
+        <p:spPr>
+          <a:xfrm>
+            <a:off x="1742819" y="3325936"/>
+            <a:ext cx="646331" cy="369332"/>
+          </a:xfrm>
+          <a:prstGeom prst="rect">
+            <a:avLst/>
+          </a:prstGeom>
+          <a:noFill/>
+        </p:spPr>
+        <p:txBody>
+          <a:bodyPr wrap="none" rtlCol="0">
+            <a:spAutoFit/>
+          </a:bodyPr>
+          <a:lstStyle/>
+          <a:p>
+            <a:r>
+              <a:rPr kumimoji="1" lang="ja-JP" altLang="en-US" b="1" dirty="0" smtClean="0"/>
+              <a:t>倉庫</a:t>
+            </a:r>
+            <a:endParaRPr kumimoji="1" lang="ja-JP" altLang="en-US" b="1" dirty="0"/>
+          </a:p>
+        </p:txBody>
+      </p:sp>
+      <p:pic>
+        <p:nvPicPr>
+          <p:cNvPr id="20" name="Picture 5" descr="C:\Users\yamanin3\Desktop\images\souko_building.png"/>
+          <p:cNvPicPr>
+            <a:picLocks noChangeAspect="1" noChangeArrowheads="1"/>
+          </p:cNvPicPr>
+          <p:nvPr/>
+        </p:nvPicPr>
+        <p:blipFill>
+          <a:blip r:embed="rId2">
+            <a:extLst>
+              <a:ext uri="{28A0092B-C50C-407E-A947-70E740481C1C}">
+                <a14:useLocalDpi xmlns:a14="http://schemas.microsoft.com/office/drawing/2010/main" val="0"/>
+              </a:ext>
+            </a:extLst>
+          </a:blip>
+          <a:srcRect/>
+          <a:stretch>
+            <a:fillRect/>
+          </a:stretch>
+        </p:blipFill>
+        <p:spPr bwMode="auto">
+          <a:xfrm>
+            <a:off x="3422862" y="2111105"/>
+            <a:ext cx="1214831" cy="1214831"/>
+          </a:xfrm>
+          <a:prstGeom prst="rect">
+            <a:avLst/>
+          </a:prstGeom>
+          <a:noFill/>
+          <a:extLst>
+            <a:ext uri="{909E8E84-426E-40DD-AFC4-6F175D3DCCD1}">
+              <a14:hiddenFill xmlns:a14="http://schemas.microsoft.com/office/drawing/2010/main">
+                <a:solidFill>
+                  <a:srgbClr val="FFFFFF"/>
+                </a:solidFill>
+              </a14:hiddenFill>
+            </a:ext>
+          </a:extLst>
+        </p:spPr>
+      </p:pic>
+      <p:sp>
+        <p:nvSpPr>
+          <p:cNvPr id="22" name="テキスト ボックス 21"/>
+          <p:cNvSpPr txBox="1"/>
+          <p:nvPr/>
+        </p:nvSpPr>
+        <p:spPr>
+          <a:xfrm>
+            <a:off x="3707112" y="3325936"/>
+            <a:ext cx="646331" cy="369332"/>
+          </a:xfrm>
+          <a:prstGeom prst="rect">
+            <a:avLst/>
+          </a:prstGeom>
+          <a:noFill/>
+        </p:spPr>
+        <p:txBody>
+          <a:bodyPr wrap="none" rtlCol="0">
+            <a:spAutoFit/>
+          </a:bodyPr>
+          <a:lstStyle/>
+          <a:p>
+            <a:r>
+              <a:rPr kumimoji="1" lang="ja-JP" altLang="en-US" b="1" dirty="0" smtClean="0"/>
+              <a:t>倉庫</a:t>
+            </a:r>
+            <a:endParaRPr kumimoji="1" lang="ja-JP" altLang="en-US" b="1" dirty="0"/>
+          </a:p>
+        </p:txBody>
+      </p:sp>
+      <p:pic>
+        <p:nvPicPr>
+          <p:cNvPr id="24" name="Picture 5" descr="C:\Users\yamanin3\Desktop\images\souko_building.png"/>
+          <p:cNvPicPr>
+            <a:picLocks noChangeAspect="1" noChangeArrowheads="1"/>
+          </p:cNvPicPr>
+          <p:nvPr/>
+        </p:nvPicPr>
+        <p:blipFill>
+          <a:blip r:embed="rId2">
+            <a:extLst>
+              <a:ext uri="{28A0092B-C50C-407E-A947-70E740481C1C}">
+                <a14:useLocalDpi xmlns:a14="http://schemas.microsoft.com/office/drawing/2010/main" val="0"/>
+              </a:ext>
+            </a:extLst>
+          </a:blip>
+          <a:srcRect/>
+          <a:stretch>
+            <a:fillRect/>
+          </a:stretch>
+        </p:blipFill>
+        <p:spPr bwMode="auto">
+          <a:xfrm>
+            <a:off x="5471310" y="2082729"/>
+            <a:ext cx="1214831" cy="1214831"/>
+          </a:xfrm>
+          <a:prstGeom prst="rect">
+            <a:avLst/>
+          </a:prstGeom>
+          <a:noFill/>
+          <a:extLst>
+            <a:ext uri="{909E8E84-426E-40DD-AFC4-6F175D3DCCD1}">
+              <a14:hiddenFill xmlns:a14="http://schemas.microsoft.com/office/drawing/2010/main">
+                <a:solidFill>
+                  <a:srgbClr val="FFFFFF"/>
+                </a:solidFill>
+              </a14:hiddenFill>
+            </a:ext>
+          </a:extLst>
+        </p:spPr>
+      </p:pic>
+      <p:sp>
+        <p:nvSpPr>
+          <p:cNvPr id="25" name="テキスト ボックス 24"/>
+          <p:cNvSpPr txBox="1"/>
+          <p:nvPr/>
+        </p:nvSpPr>
+        <p:spPr>
+          <a:xfrm>
+            <a:off x="5755560" y="3297560"/>
+            <a:ext cx="646331" cy="369332"/>
+          </a:xfrm>
+          <a:prstGeom prst="rect">
+            <a:avLst/>
+          </a:prstGeom>
+          <a:noFill/>
+        </p:spPr>
+        <p:txBody>
+          <a:bodyPr wrap="none" rtlCol="0">
+            <a:spAutoFit/>
+          </a:bodyPr>
+          <a:lstStyle/>
+          <a:p>
+            <a:r>
+              <a:rPr kumimoji="1" lang="ja-JP" altLang="en-US" b="1" dirty="0" smtClean="0"/>
+              <a:t>倉庫</a:t>
+            </a:r>
+            <a:endParaRPr kumimoji="1" lang="ja-JP" altLang="en-US" b="1" dirty="0"/>
+          </a:p>
+        </p:txBody>
+      </p:sp>
+      <p:pic>
+        <p:nvPicPr>
+          <p:cNvPr id="26" name="Picture 5" descr="C:\Users\yamanin3\Desktop\images\souko_building.png"/>
+          <p:cNvPicPr>
+            <a:picLocks noChangeAspect="1" noChangeArrowheads="1"/>
+          </p:cNvPicPr>
+          <p:nvPr/>
+        </p:nvPicPr>
+        <p:blipFill>
+          <a:blip r:embed="rId2">
+            <a:extLst>
+              <a:ext uri="{28A0092B-C50C-407E-A947-70E740481C1C}">
+                <a14:useLocalDpi xmlns:a14="http://schemas.microsoft.com/office/drawing/2010/main" val="0"/>
+              </a:ext>
+            </a:extLst>
+          </a:blip>
+          <a:srcRect/>
+          <a:stretch>
+            <a:fillRect/>
+          </a:stretch>
+        </p:blipFill>
+        <p:spPr bwMode="auto">
+          <a:xfrm>
+            <a:off x="7519757" y="2111105"/>
+            <a:ext cx="1214831" cy="1214831"/>
+          </a:xfrm>
+          <a:prstGeom prst="rect">
+            <a:avLst/>
+          </a:prstGeom>
+          <a:noFill/>
+          <a:extLst>
+            <a:ext uri="{909E8E84-426E-40DD-AFC4-6F175D3DCCD1}">
+              <a14:hiddenFill xmlns:a14="http://schemas.microsoft.com/office/drawing/2010/main">
+                <a:solidFill>
+                  <a:srgbClr val="FFFFFF"/>
+                </a:solidFill>
+              </a14:hiddenFill>
+            </a:ext>
+          </a:extLst>
+        </p:spPr>
+      </p:pic>
+      <p:sp>
+        <p:nvSpPr>
+          <p:cNvPr id="27" name="テキスト ボックス 26"/>
+          <p:cNvSpPr txBox="1"/>
+          <p:nvPr/>
+        </p:nvSpPr>
+        <p:spPr>
+          <a:xfrm>
+            <a:off x="7804006" y="3325936"/>
+            <a:ext cx="646331" cy="369332"/>
+          </a:xfrm>
+          <a:prstGeom prst="rect">
+            <a:avLst/>
+          </a:prstGeom>
+          <a:noFill/>
+        </p:spPr>
+        <p:txBody>
+          <a:bodyPr wrap="none" rtlCol="0">
+            <a:spAutoFit/>
+          </a:bodyPr>
+          <a:lstStyle/>
+          <a:p>
+            <a:r>
+              <a:rPr kumimoji="1" lang="ja-JP" altLang="en-US" b="1" dirty="0" smtClean="0"/>
+              <a:t>倉庫</a:t>
+            </a:r>
+            <a:endParaRPr kumimoji="1" lang="ja-JP" altLang="en-US" b="1" dirty="0"/>
+          </a:p>
+        </p:txBody>
+      </p:sp>
+      <p:pic>
+        <p:nvPicPr>
+          <p:cNvPr id="28" name="Picture 5" descr="C:\Users\yamanin3\Desktop\images\souko_building.png"/>
+          <p:cNvPicPr>
+            <a:picLocks noChangeAspect="1" noChangeArrowheads="1"/>
+          </p:cNvPicPr>
+          <p:nvPr/>
+        </p:nvPicPr>
+        <p:blipFill>
+          <a:blip r:embed="rId2">
+            <a:extLst>
+              <a:ext uri="{28A0092B-C50C-407E-A947-70E740481C1C}">
+                <a14:useLocalDpi xmlns:a14="http://schemas.microsoft.com/office/drawing/2010/main" val="0"/>
+              </a:ext>
+            </a:extLst>
+          </a:blip>
+          <a:srcRect/>
+          <a:stretch>
+            <a:fillRect/>
+          </a:stretch>
+        </p:blipFill>
+        <p:spPr bwMode="auto">
+          <a:xfrm>
+            <a:off x="9485723" y="2111103"/>
+            <a:ext cx="1214831" cy="1214831"/>
+          </a:xfrm>
+          <a:prstGeom prst="rect">
+            <a:avLst/>
+          </a:prstGeom>
+          <a:noFill/>
+          <a:extLst>
+            <a:ext uri="{909E8E84-426E-40DD-AFC4-6F175D3DCCD1}">
+              <a14:hiddenFill xmlns:a14="http://schemas.microsoft.com/office/drawing/2010/main">
+                <a:solidFill>
+                  <a:srgbClr val="FFFFFF"/>
+                </a:solidFill>
+              </a14:hiddenFill>
+            </a:ext>
+          </a:extLst>
+        </p:spPr>
+      </p:pic>
+      <p:sp>
+        <p:nvSpPr>
+          <p:cNvPr id="29" name="テキスト ボックス 28"/>
+          <p:cNvSpPr txBox="1"/>
+          <p:nvPr/>
+        </p:nvSpPr>
+        <p:spPr>
+          <a:xfrm>
+            <a:off x="9852456" y="3295309"/>
+            <a:ext cx="646331" cy="369332"/>
+          </a:xfrm>
+          <a:prstGeom prst="rect">
+            <a:avLst/>
+          </a:prstGeom>
+          <a:noFill/>
+        </p:spPr>
+        <p:txBody>
+          <a:bodyPr wrap="none" rtlCol="0">
+            <a:spAutoFit/>
+          </a:bodyPr>
+          <a:lstStyle/>
+          <a:p>
+            <a:r>
+              <a:rPr kumimoji="1" lang="ja-JP" altLang="en-US" b="1" dirty="0" smtClean="0"/>
+              <a:t>倉庫</a:t>
+            </a:r>
+            <a:endParaRPr kumimoji="1" lang="ja-JP" altLang="en-US" b="1" dirty="0"/>
+          </a:p>
+        </p:txBody>
+      </p:sp>
+      <p:pic>
+        <p:nvPicPr>
+          <p:cNvPr id="30" name="Picture 5" descr="C:\Users\yamanin3\Desktop\images\souko_building.png"/>
+          <p:cNvPicPr>
+            <a:picLocks noChangeAspect="1" noChangeArrowheads="1"/>
+          </p:cNvPicPr>
+          <p:nvPr/>
+        </p:nvPicPr>
+        <p:blipFill>
+          <a:blip r:embed="rId2">
+            <a:extLst>
+              <a:ext uri="{28A0092B-C50C-407E-A947-70E740481C1C}">
+                <a14:useLocalDpi xmlns:a14="http://schemas.microsoft.com/office/drawing/2010/main" val="0"/>
+              </a:ext>
+            </a:extLst>
+          </a:blip>
+          <a:srcRect/>
+          <a:stretch>
+            <a:fillRect/>
+          </a:stretch>
+        </p:blipFill>
+        <p:spPr bwMode="auto">
+          <a:xfrm>
+            <a:off x="4637795" y="2219653"/>
+            <a:ext cx="2520644" cy="2520644"/>
+          </a:xfrm>
+          <a:prstGeom prst="rect">
+            <a:avLst/>
+          </a:prstGeom>
+          <a:noFill/>
+          <a:extLst>
+            <a:ext uri="{909E8E84-426E-40DD-AFC4-6F175D3DCCD1}">
+              <a14:hiddenFill xmlns:a14="http://schemas.microsoft.com/office/drawing/2010/main">
+                <a:solidFill>
+                  <a:srgbClr val="FFFFFF"/>
+                </a:solidFill>
+              </a14:hiddenFill>
+            </a:ext>
+          </a:extLst>
+        </p:spPr>
+      </p:pic>
+      <p:sp>
+        <p:nvSpPr>
+          <p:cNvPr id="31" name="テキスト ボックス 30"/>
+          <p:cNvSpPr txBox="1"/>
+          <p:nvPr/>
+        </p:nvSpPr>
+        <p:spPr>
+          <a:xfrm>
+            <a:off x="5344119" y="4555631"/>
+            <a:ext cx="1107996" cy="369332"/>
+          </a:xfrm>
+          <a:prstGeom prst="rect">
+            <a:avLst/>
+          </a:prstGeom>
+          <a:noFill/>
+        </p:spPr>
+        <p:txBody>
+          <a:bodyPr wrap="none" rtlCol="0">
+            <a:spAutoFit/>
+          </a:bodyPr>
+          <a:lstStyle/>
+          <a:p>
+            <a:r>
+              <a:rPr kumimoji="1" lang="ja-JP" altLang="en-US" b="1" dirty="0" smtClean="0"/>
+              <a:t>物流倉庫</a:t>
+            </a:r>
+            <a:endParaRPr kumimoji="1" lang="ja-JP" altLang="en-US" b="1" dirty="0"/>
+          </a:p>
+        </p:txBody>
+      </p:sp>
+    </p:spTree>
+    <p:extLst>
+      <p:ext uri="{BB962C8B-B14F-4D97-AF65-F5344CB8AC3E}">
+        <p14:creationId xmlns:p14="http://schemas.microsoft.com/office/powerpoint/2010/main" val="1247459632"/>
+      </p:ext>
+    </p:extLst>
+  </p:cSld>
+  <p:clrMapOvr>
+    <a:masterClrMapping/>
+  </p:clrMapOvr>
+  <p:timing>
+    <p:tnLst>
+      <p:par>
+        <p:cTn id="1" dur="indefinite" restart="never" nodeType="tmRoot">
+          <p:childTnLst>
+            <p:seq concurrent="1" nextAc="seek">
+              <p:cTn id="2" dur="indefinite" nodeType="mainSeq">
+                <p:childTnLst>
+                  <p:par>
+                    <p:cTn id="3" fill="hold">
+                      <p:stCondLst>
+                        <p:cond delay="indefinite"/>
+                      </p:stCondLst>
+                      <p:childTnLst>
+                        <p:par>
+                          <p:cTn id="4" fill="hold">
+                            <p:stCondLst>
+                              <p:cond delay="0"/>
+                            </p:stCondLst>
+                            <p:childTnLst>
+                              <p:par>
+                                <p:cTn id="5" presetID="10" presetClass="entr" presetSubtype="0" fill="hold" nodeType="clickEffect">
+                                  <p:stCondLst>
+                                    <p:cond delay="0"/>
+                                  </p:stCondLst>
+                                  <p:childTnLst>
+                                    <p:set>
+                                      <p:cBhvr>
+                                        <p:cTn id="6" dur="1" fill="hold">
+                                          <p:stCondLst>
+                                            <p:cond delay="0"/>
+                                          </p:stCondLst>
+                                        </p:cTn>
+                                        <p:tgtEl>
+                                          <p:spTgt spid="16"/>
+                                        </p:tgtEl>
+                                        <p:attrNameLst>
+                                          <p:attrName>style.visibility</p:attrName>
+                                        </p:attrNameLst>
+                                      </p:cBhvr>
+                                      <p:to>
+                                        <p:strVal val="visible"/>
+                                      </p:to>
+                                    </p:set>
+                                    <p:animEffect transition="in" filter="fade">
+                                      <p:cBhvr>
+                                        <p:cTn id="7" dur="500"/>
+                                        <p:tgtEl>
+                                          <p:spTgt spid="16"/>
+                                        </p:tgtEl>
+                                      </p:cBhvr>
+                                    </p:animEffect>
+                                  </p:childTnLst>
+                                </p:cTn>
+                              </p:par>
+                              <p:par>
+                                <p:cTn id="8" presetID="10" presetClass="entr" presetSubtype="0" fill="hold" grpId="0" nodeType="withEffect">
+                                  <p:stCondLst>
+                                    <p:cond delay="0"/>
+                                  </p:stCondLst>
+                                  <p:childTnLst>
+                                    <p:set>
+                                      <p:cBhvr>
+                                        <p:cTn id="9" dur="1" fill="hold">
+                                          <p:stCondLst>
+                                            <p:cond delay="0"/>
+                                          </p:stCondLst>
+                                        </p:cTn>
+                                        <p:tgtEl>
+                                          <p:spTgt spid="17"/>
+                                        </p:tgtEl>
+                                        <p:attrNameLst>
+                                          <p:attrName>style.visibility</p:attrName>
+                                        </p:attrNameLst>
+                                      </p:cBhvr>
+                                      <p:to>
+                                        <p:strVal val="visible"/>
+                                      </p:to>
+                                    </p:set>
+                                    <p:animEffect transition="in" filter="fade">
+                                      <p:cBhvr>
+                                        <p:cTn id="10" dur="500"/>
+                                        <p:tgtEl>
+                                          <p:spTgt spid="17"/>
+                                        </p:tgtEl>
+                                      </p:cBhvr>
+                                    </p:animEffect>
+                                  </p:childTnLst>
+                                </p:cTn>
+                              </p:par>
+                              <p:par>
+                                <p:cTn id="11" presetID="10" presetClass="entr" presetSubtype="0" fill="hold" nodeType="withEffect">
+                                  <p:stCondLst>
+                                    <p:cond delay="0"/>
+                                  </p:stCondLst>
+                                  <p:childTnLst>
+                                    <p:set>
+                                      <p:cBhvr>
+                                        <p:cTn id="12" dur="1" fill="hold">
+                                          <p:stCondLst>
+                                            <p:cond delay="0"/>
+                                          </p:stCondLst>
+                                        </p:cTn>
+                                        <p:tgtEl>
+                                          <p:spTgt spid="20"/>
+                                        </p:tgtEl>
+                                        <p:attrNameLst>
+                                          <p:attrName>style.visibility</p:attrName>
+                                        </p:attrNameLst>
+                                      </p:cBhvr>
+                                      <p:to>
+                                        <p:strVal val="visible"/>
+                                      </p:to>
+                                    </p:set>
+                                    <p:animEffect transition="in" filter="fade">
+                                      <p:cBhvr>
+                                        <p:cTn id="13" dur="500"/>
+                                        <p:tgtEl>
+                                          <p:spTgt spid="20"/>
+                                        </p:tgtEl>
+                                      </p:cBhvr>
+                                    </p:animEffect>
+                                  </p:childTnLst>
+                                </p:cTn>
+                              </p:par>
+                              <p:par>
+                                <p:cTn id="14" presetID="10" presetClass="entr" presetSubtype="0" fill="hold" grpId="0" nodeType="withEffect">
+                                  <p:stCondLst>
+                                    <p:cond delay="0"/>
+                                  </p:stCondLst>
+                                  <p:childTnLst>
+                                    <p:set>
+                                      <p:cBhvr>
+                                        <p:cTn id="15" dur="1" fill="hold">
+                                          <p:stCondLst>
+                                            <p:cond delay="0"/>
+                                          </p:stCondLst>
+                                        </p:cTn>
+                                        <p:tgtEl>
+                                          <p:spTgt spid="22"/>
+                                        </p:tgtEl>
+                                        <p:attrNameLst>
+                                          <p:attrName>style.visibility</p:attrName>
+                                        </p:attrNameLst>
+                                      </p:cBhvr>
+                                      <p:to>
+                                        <p:strVal val="visible"/>
+                                      </p:to>
+                                    </p:set>
+                                    <p:animEffect transition="in" filter="fade">
+                                      <p:cBhvr>
+                                        <p:cTn id="16" dur="500"/>
+                                        <p:tgtEl>
+                                          <p:spTgt spid="22"/>
+                                        </p:tgtEl>
+                                      </p:cBhvr>
+                                    </p:animEffect>
+                                  </p:childTnLst>
+                                </p:cTn>
+                              </p:par>
+                              <p:par>
+                                <p:cTn id="17" presetID="10" presetClass="entr" presetSubtype="0" fill="hold" nodeType="withEffect">
+                                  <p:stCondLst>
+                                    <p:cond delay="0"/>
+                                  </p:stCondLst>
+                                  <p:childTnLst>
+                                    <p:set>
+                                      <p:cBhvr>
+                                        <p:cTn id="18" dur="1" fill="hold">
+                                          <p:stCondLst>
+                                            <p:cond delay="0"/>
+                                          </p:stCondLst>
+                                        </p:cTn>
+                                        <p:tgtEl>
+                                          <p:spTgt spid="24"/>
+                                        </p:tgtEl>
+                                        <p:attrNameLst>
+                                          <p:attrName>style.visibility</p:attrName>
+                                        </p:attrNameLst>
+                                      </p:cBhvr>
+                                      <p:to>
+                                        <p:strVal val="visible"/>
+                                      </p:to>
+                                    </p:set>
+                                    <p:animEffect transition="in" filter="fade">
+                                      <p:cBhvr>
+                                        <p:cTn id="19" dur="500"/>
+                                        <p:tgtEl>
+                                          <p:spTgt spid="24"/>
+                                        </p:tgtEl>
+                                      </p:cBhvr>
+                                    </p:animEffect>
+                                  </p:childTnLst>
+                                </p:cTn>
+                              </p:par>
+                              <p:par>
+                                <p:cTn id="20" presetID="10" presetClass="entr" presetSubtype="0" fill="hold" grpId="0" nodeType="withEffect">
+                                  <p:stCondLst>
+                                    <p:cond delay="0"/>
+                                  </p:stCondLst>
+                                  <p:childTnLst>
+                                    <p:set>
+                                      <p:cBhvr>
+                                        <p:cTn id="21" dur="1" fill="hold">
+                                          <p:stCondLst>
+                                            <p:cond delay="0"/>
+                                          </p:stCondLst>
+                                        </p:cTn>
+                                        <p:tgtEl>
+                                          <p:spTgt spid="25"/>
+                                        </p:tgtEl>
+                                        <p:attrNameLst>
+                                          <p:attrName>style.visibility</p:attrName>
+                                        </p:attrNameLst>
+                                      </p:cBhvr>
+                                      <p:to>
+                                        <p:strVal val="visible"/>
+                                      </p:to>
+                                    </p:set>
+                                    <p:animEffect transition="in" filter="fade">
+                                      <p:cBhvr>
+                                        <p:cTn id="22" dur="500"/>
+                                        <p:tgtEl>
+                                          <p:spTgt spid="25"/>
+                                        </p:tgtEl>
+                                      </p:cBhvr>
+                                    </p:animEffect>
+                                  </p:childTnLst>
+                                </p:cTn>
+                              </p:par>
+                              <p:par>
+                                <p:cTn id="23" presetID="10" presetClass="entr" presetSubtype="0" fill="hold" nodeType="withEffect">
+                                  <p:stCondLst>
+                                    <p:cond delay="0"/>
+                                  </p:stCondLst>
+                                  <p:childTnLst>
+                                    <p:set>
+                                      <p:cBhvr>
+                                        <p:cTn id="24" dur="1" fill="hold">
+                                          <p:stCondLst>
+                                            <p:cond delay="0"/>
+                                          </p:stCondLst>
+                                        </p:cTn>
+                                        <p:tgtEl>
+                                          <p:spTgt spid="26"/>
+                                        </p:tgtEl>
+                                        <p:attrNameLst>
+                                          <p:attrName>style.visibility</p:attrName>
+                                        </p:attrNameLst>
+                                      </p:cBhvr>
+                                      <p:to>
+                                        <p:strVal val="visible"/>
+                                      </p:to>
+                                    </p:set>
+                                    <p:animEffect transition="in" filter="fade">
+                                      <p:cBhvr>
+                                        <p:cTn id="25" dur="500"/>
+                                        <p:tgtEl>
+                                          <p:spTgt spid="26"/>
+                                        </p:tgtEl>
+                                      </p:cBhvr>
+                                    </p:animEffect>
+                                  </p:childTnLst>
+                                </p:cTn>
+                              </p:par>
+                              <p:par>
+                                <p:cTn id="26" presetID="10" presetClass="entr" presetSubtype="0" fill="hold" grpId="0" nodeType="withEffect">
+                                  <p:stCondLst>
+                                    <p:cond delay="0"/>
+                                  </p:stCondLst>
+                                  <p:childTnLst>
+                                    <p:set>
+                                      <p:cBhvr>
+                                        <p:cTn id="27" dur="1" fill="hold">
+                                          <p:stCondLst>
+                                            <p:cond delay="0"/>
+                                          </p:stCondLst>
+                                        </p:cTn>
+                                        <p:tgtEl>
+                                          <p:spTgt spid="27"/>
+                                        </p:tgtEl>
+                                        <p:attrNameLst>
+                                          <p:attrName>style.visibility</p:attrName>
+                                        </p:attrNameLst>
+                                      </p:cBhvr>
+                                      <p:to>
+                                        <p:strVal val="visible"/>
+                                      </p:to>
+                                    </p:set>
+                                    <p:animEffect transition="in" filter="fade">
+                                      <p:cBhvr>
+                                        <p:cTn id="28" dur="500"/>
+                                        <p:tgtEl>
+                                          <p:spTgt spid="27"/>
+                                        </p:tgtEl>
+                                      </p:cBhvr>
+                                    </p:animEffect>
+                                  </p:childTnLst>
+                                </p:cTn>
+                              </p:par>
+                              <p:par>
+                                <p:cTn id="29" presetID="10" presetClass="entr" presetSubtype="0" fill="hold" nodeType="withEffect">
+                                  <p:stCondLst>
+                                    <p:cond delay="0"/>
+                                  </p:stCondLst>
+                                  <p:childTnLst>
+                                    <p:set>
+                                      <p:cBhvr>
+                                        <p:cTn id="30" dur="1" fill="hold">
+                                          <p:stCondLst>
+                                            <p:cond delay="0"/>
+                                          </p:stCondLst>
+                                        </p:cTn>
+                                        <p:tgtEl>
+                                          <p:spTgt spid="28"/>
+                                        </p:tgtEl>
+                                        <p:attrNameLst>
+                                          <p:attrName>style.visibility</p:attrName>
+                                        </p:attrNameLst>
+                                      </p:cBhvr>
+                                      <p:to>
+                                        <p:strVal val="visible"/>
+                                      </p:to>
+                                    </p:set>
+                                    <p:animEffect transition="in" filter="fade">
+                                      <p:cBhvr>
+                                        <p:cTn id="31" dur="500"/>
+                                        <p:tgtEl>
+                                          <p:spTgt spid="28"/>
+                                        </p:tgtEl>
+                                      </p:cBhvr>
+                                    </p:animEffect>
+                                  </p:childTnLst>
+                                </p:cTn>
+                              </p:par>
+                              <p:par>
+                                <p:cTn id="32" presetID="10" presetClass="entr" presetSubtype="0" fill="hold" grpId="0" nodeType="withEffect">
+                                  <p:stCondLst>
+                                    <p:cond delay="0"/>
+                                  </p:stCondLst>
+                                  <p:childTnLst>
+                                    <p:set>
+                                      <p:cBhvr>
+                                        <p:cTn id="33" dur="1" fill="hold">
+                                          <p:stCondLst>
+                                            <p:cond delay="0"/>
+                                          </p:stCondLst>
+                                        </p:cTn>
+                                        <p:tgtEl>
+                                          <p:spTgt spid="29"/>
+                                        </p:tgtEl>
+                                        <p:attrNameLst>
+                                          <p:attrName>style.visibility</p:attrName>
+                                        </p:attrNameLst>
+                                      </p:cBhvr>
+                                      <p:to>
+                                        <p:strVal val="visible"/>
+                                      </p:to>
+                                    </p:set>
+                                    <p:animEffect transition="in" filter="fade">
+                                      <p:cBhvr>
+                                        <p:cTn id="34" dur="500"/>
+                                        <p:tgtEl>
+                                          <p:spTgt spid="29"/>
+                                        </p:tgtEl>
+                                      </p:cBhvr>
+                                    </p:animEffect>
+                                  </p:childTnLst>
+                                </p:cTn>
+                              </p:par>
+                            </p:childTnLst>
+                          </p:cTn>
+                        </p:par>
+                      </p:childTnLst>
+                    </p:cTn>
+                  </p:par>
+                  <p:par>
+                    <p:cTn id="35" fill="hold">
+                      <p:stCondLst>
+                        <p:cond delay="indefinite"/>
+                      </p:stCondLst>
+                      <p:childTnLst>
+                        <p:par>
+                          <p:cTn id="36" fill="hold">
+                            <p:stCondLst>
+                              <p:cond delay="0"/>
+                            </p:stCondLst>
+                            <p:childTnLst>
+                              <p:par>
+                                <p:cTn id="37" presetID="35" presetClass="exit" presetSubtype="0" fill="hold" nodeType="clickEffect">
+                                  <p:stCondLst>
+                                    <p:cond delay="0"/>
+                                  </p:stCondLst>
+                                  <p:childTnLst>
+                                    <p:animEffect transition="out" filter="fade">
+                                      <p:cBhvr>
+                                        <p:cTn id="38" dur="2000"/>
+                                        <p:tgtEl>
+                                          <p:spTgt spid="16"/>
+                                        </p:tgtEl>
+                                      </p:cBhvr>
+                                    </p:animEffect>
+                                    <p:anim calcmode="lin" valueType="num">
+                                      <p:cBhvr>
+                                        <p:cTn id="39" dur="2000"/>
+                                        <p:tgtEl>
+                                          <p:spTgt spid="16"/>
+                                        </p:tgtEl>
+                                        <p:attrNameLst>
+                                          <p:attrName>style.rotation</p:attrName>
+                                        </p:attrNameLst>
+                                      </p:cBhvr>
+                                      <p:tavLst>
+                                        <p:tav tm="0">
+                                          <p:val>
+                                            <p:fltVal val="0"/>
+                                          </p:val>
+                                        </p:tav>
+                                        <p:tav tm="100000">
+                                          <p:val>
+                                            <p:fltVal val="720"/>
+                                          </p:val>
+                                        </p:tav>
+                                      </p:tavLst>
+                                    </p:anim>
+                                    <p:anim calcmode="lin" valueType="num">
+                                      <p:cBhvr>
+                                        <p:cTn id="40" dur="2000"/>
+                                        <p:tgtEl>
+                                          <p:spTgt spid="16"/>
+                                        </p:tgtEl>
+                                        <p:attrNameLst>
+                                          <p:attrName>ppt_h</p:attrName>
+                                        </p:attrNameLst>
+                                      </p:cBhvr>
+                                      <p:tavLst>
+                                        <p:tav tm="0">
+                                          <p:val>
+                                            <p:strVal val="ppt_h"/>
+                                          </p:val>
+                                        </p:tav>
+                                        <p:tav tm="100000">
+                                          <p:val>
+                                            <p:fltVal val="0"/>
+                                          </p:val>
+                                        </p:tav>
+                                      </p:tavLst>
+                                    </p:anim>
+                                    <p:anim calcmode="lin" valueType="num">
+                                      <p:cBhvr>
+                                        <p:cTn id="41" dur="2000"/>
+                                        <p:tgtEl>
+                                          <p:spTgt spid="16"/>
+                                        </p:tgtEl>
+                                        <p:attrNameLst>
+                                          <p:attrName>ppt_w</p:attrName>
+                                        </p:attrNameLst>
+                                      </p:cBhvr>
+                                      <p:tavLst>
+                                        <p:tav tm="0">
+                                          <p:val>
+                                            <p:strVal val="ppt_w"/>
+                                          </p:val>
+                                        </p:tav>
+                                        <p:tav tm="100000">
+                                          <p:val>
+                                            <p:fltVal val="0"/>
+                                          </p:val>
+                                        </p:tav>
+                                      </p:tavLst>
+                                    </p:anim>
+                                    <p:set>
+                                      <p:cBhvr>
+                                        <p:cTn id="42" dur="1" fill="hold">
+                                          <p:stCondLst>
+                                            <p:cond delay="1999"/>
+                                          </p:stCondLst>
+                                        </p:cTn>
+                                        <p:tgtEl>
+                                          <p:spTgt spid="16"/>
+                                        </p:tgtEl>
+                                        <p:attrNameLst>
+                                          <p:attrName>style.visibility</p:attrName>
+                                        </p:attrNameLst>
+                                      </p:cBhvr>
+                                      <p:to>
+                                        <p:strVal val="hidden"/>
+                                      </p:to>
+                                    </p:set>
+                                  </p:childTnLst>
+                                </p:cTn>
+                              </p:par>
+                              <p:par>
+                                <p:cTn id="43" presetID="35" presetClass="exit" presetSubtype="0" fill="hold" grpId="1" nodeType="withEffect">
+                                  <p:stCondLst>
+                                    <p:cond delay="0"/>
+                                  </p:stCondLst>
+                                  <p:childTnLst>
+                                    <p:animEffect transition="out" filter="fade">
+                                      <p:cBhvr>
+                                        <p:cTn id="44" dur="2000"/>
+                                        <p:tgtEl>
+                                          <p:spTgt spid="17"/>
+                                        </p:tgtEl>
+                                      </p:cBhvr>
+                                    </p:animEffect>
+                                    <p:anim calcmode="lin" valueType="num">
+                                      <p:cBhvr>
+                                        <p:cTn id="45" dur="2000"/>
+                                        <p:tgtEl>
+                                          <p:spTgt spid="17"/>
+                                        </p:tgtEl>
+                                        <p:attrNameLst>
+                                          <p:attrName>style.rotation</p:attrName>
+                                        </p:attrNameLst>
+                                      </p:cBhvr>
+                                      <p:tavLst>
+                                        <p:tav tm="0">
+                                          <p:val>
+                                            <p:fltVal val="0"/>
+                                          </p:val>
+                                        </p:tav>
+                                        <p:tav tm="100000">
+                                          <p:val>
+                                            <p:fltVal val="720"/>
+                                          </p:val>
+                                        </p:tav>
+                                      </p:tavLst>
+                                    </p:anim>
+                                    <p:anim calcmode="lin" valueType="num">
+                                      <p:cBhvr>
+                                        <p:cTn id="46" dur="2000"/>
+                                        <p:tgtEl>
+                                          <p:spTgt spid="17"/>
+                                        </p:tgtEl>
+                                        <p:attrNameLst>
+                                          <p:attrName>ppt_h</p:attrName>
+                                        </p:attrNameLst>
+                                      </p:cBhvr>
+                                      <p:tavLst>
+                                        <p:tav tm="0">
+                                          <p:val>
+                                            <p:strVal val="ppt_h"/>
+                                          </p:val>
+                                        </p:tav>
+                                        <p:tav tm="100000">
+                                          <p:val>
+                                            <p:fltVal val="0"/>
+                                          </p:val>
+                                        </p:tav>
+                                      </p:tavLst>
+                                    </p:anim>
+                                    <p:anim calcmode="lin" valueType="num">
+                                      <p:cBhvr>
+                                        <p:cTn id="47" dur="2000"/>
+                                        <p:tgtEl>
+                                          <p:spTgt spid="17"/>
+                                        </p:tgtEl>
+                                        <p:attrNameLst>
+                                          <p:attrName>ppt_w</p:attrName>
+                                        </p:attrNameLst>
+                                      </p:cBhvr>
+                                      <p:tavLst>
+                                        <p:tav tm="0">
+                                          <p:val>
+                                            <p:strVal val="ppt_w"/>
+                                          </p:val>
+                                        </p:tav>
+                                        <p:tav tm="100000">
+                                          <p:val>
+                                            <p:fltVal val="0"/>
+                                          </p:val>
+                                        </p:tav>
+                                      </p:tavLst>
+                                    </p:anim>
+                                    <p:set>
+                                      <p:cBhvr>
+                                        <p:cTn id="48" dur="1" fill="hold">
+                                          <p:stCondLst>
+                                            <p:cond delay="1999"/>
+                                          </p:stCondLst>
+                                        </p:cTn>
+                                        <p:tgtEl>
+                                          <p:spTgt spid="17"/>
+                                        </p:tgtEl>
+                                        <p:attrNameLst>
+                                          <p:attrName>style.visibility</p:attrName>
+                                        </p:attrNameLst>
+                                      </p:cBhvr>
+                                      <p:to>
+                                        <p:strVal val="hidden"/>
+                                      </p:to>
+                                    </p:set>
+                                  </p:childTnLst>
+                                </p:cTn>
+                              </p:par>
+                              <p:par>
+                                <p:cTn id="49" presetID="35" presetClass="exit" presetSubtype="0" fill="hold" nodeType="withEffect">
+                                  <p:stCondLst>
+                                    <p:cond delay="0"/>
+                                  </p:stCondLst>
+                                  <p:childTnLst>
+                                    <p:animEffect transition="out" filter="fade">
+                                      <p:cBhvr>
+                                        <p:cTn id="50" dur="2000"/>
+                                        <p:tgtEl>
+                                          <p:spTgt spid="20"/>
+                                        </p:tgtEl>
+                                      </p:cBhvr>
+                                    </p:animEffect>
+                                    <p:anim calcmode="lin" valueType="num">
+                                      <p:cBhvr>
+                                        <p:cTn id="51" dur="2000"/>
+                                        <p:tgtEl>
+                                          <p:spTgt spid="20"/>
+                                        </p:tgtEl>
+                                        <p:attrNameLst>
+                                          <p:attrName>style.rotation</p:attrName>
+                                        </p:attrNameLst>
+                                      </p:cBhvr>
+                                      <p:tavLst>
+                                        <p:tav tm="0">
+                                          <p:val>
+                                            <p:fltVal val="0"/>
+                                          </p:val>
+                                        </p:tav>
+                                        <p:tav tm="100000">
+                                          <p:val>
+                                            <p:fltVal val="720"/>
+                                          </p:val>
+                                        </p:tav>
+                                      </p:tavLst>
+                                    </p:anim>
+                                    <p:anim calcmode="lin" valueType="num">
+                                      <p:cBhvr>
+                                        <p:cTn id="52" dur="2000"/>
+                                        <p:tgtEl>
+                                          <p:spTgt spid="20"/>
+                                        </p:tgtEl>
+                                        <p:attrNameLst>
+                                          <p:attrName>ppt_h</p:attrName>
+                                        </p:attrNameLst>
+                                      </p:cBhvr>
+                                      <p:tavLst>
+                                        <p:tav tm="0">
+                                          <p:val>
+                                            <p:strVal val="ppt_h"/>
+                                          </p:val>
+                                        </p:tav>
+                                        <p:tav tm="100000">
+                                          <p:val>
+                                            <p:fltVal val="0"/>
+                                          </p:val>
+                                        </p:tav>
+                                      </p:tavLst>
+                                    </p:anim>
+                                    <p:anim calcmode="lin" valueType="num">
+                                      <p:cBhvr>
+                                        <p:cTn id="53" dur="2000"/>
+                                        <p:tgtEl>
+                                          <p:spTgt spid="20"/>
+                                        </p:tgtEl>
+                                        <p:attrNameLst>
+                                          <p:attrName>ppt_w</p:attrName>
+                                        </p:attrNameLst>
+                                      </p:cBhvr>
+                                      <p:tavLst>
+                                        <p:tav tm="0">
+                                          <p:val>
+                                            <p:strVal val="ppt_w"/>
+                                          </p:val>
+                                        </p:tav>
+                                        <p:tav tm="100000">
+                                          <p:val>
+                                            <p:fltVal val="0"/>
+                                          </p:val>
+                                        </p:tav>
+                                      </p:tavLst>
+                                    </p:anim>
+                                    <p:set>
+                                      <p:cBhvr>
+                                        <p:cTn id="54" dur="1" fill="hold">
+                                          <p:stCondLst>
+                                            <p:cond delay="1999"/>
+                                          </p:stCondLst>
+                                        </p:cTn>
+                                        <p:tgtEl>
+                                          <p:spTgt spid="20"/>
+                                        </p:tgtEl>
+                                        <p:attrNameLst>
+                                          <p:attrName>style.visibility</p:attrName>
+                                        </p:attrNameLst>
+                                      </p:cBhvr>
+                                      <p:to>
+                                        <p:strVal val="hidden"/>
+                                      </p:to>
+                                    </p:set>
+                                  </p:childTnLst>
+                                </p:cTn>
+                              </p:par>
+                              <p:par>
+                                <p:cTn id="55" presetID="35" presetClass="exit" presetSubtype="0" fill="hold" grpId="1" nodeType="withEffect">
+                                  <p:stCondLst>
+                                    <p:cond delay="0"/>
+                                  </p:stCondLst>
+                                  <p:childTnLst>
+                                    <p:animEffect transition="out" filter="fade">
+                                      <p:cBhvr>
+                                        <p:cTn id="56" dur="2000"/>
+                                        <p:tgtEl>
+                                          <p:spTgt spid="22"/>
+                                        </p:tgtEl>
+                                      </p:cBhvr>
+                                    </p:animEffect>
+                                    <p:anim calcmode="lin" valueType="num">
+                                      <p:cBhvr>
+                                        <p:cTn id="57" dur="2000"/>
+                                        <p:tgtEl>
+                                          <p:spTgt spid="22"/>
+                                        </p:tgtEl>
+                                        <p:attrNameLst>
+                                          <p:attrName>style.rotation</p:attrName>
+                                        </p:attrNameLst>
+                                      </p:cBhvr>
+                                      <p:tavLst>
+                                        <p:tav tm="0">
+                                          <p:val>
+                                            <p:fltVal val="0"/>
+                                          </p:val>
+                                        </p:tav>
+                                        <p:tav tm="100000">
+                                          <p:val>
+                                            <p:fltVal val="720"/>
+                                          </p:val>
+                                        </p:tav>
+                                      </p:tavLst>
+                                    </p:anim>
+                                    <p:anim calcmode="lin" valueType="num">
+                                      <p:cBhvr>
+                                        <p:cTn id="58" dur="2000"/>
+                                        <p:tgtEl>
+                                          <p:spTgt spid="22"/>
+                                        </p:tgtEl>
+                                        <p:attrNameLst>
+                                          <p:attrName>ppt_h</p:attrName>
+                                        </p:attrNameLst>
+                                      </p:cBhvr>
+                                      <p:tavLst>
+                                        <p:tav tm="0">
+                                          <p:val>
+                                            <p:strVal val="ppt_h"/>
+                                          </p:val>
+                                        </p:tav>
+                                        <p:tav tm="100000">
+                                          <p:val>
+                                            <p:fltVal val="0"/>
+                                          </p:val>
+                                        </p:tav>
+                                      </p:tavLst>
+                                    </p:anim>
+                                    <p:anim calcmode="lin" valueType="num">
+                                      <p:cBhvr>
+                                        <p:cTn id="59" dur="2000"/>
+                                        <p:tgtEl>
+                                          <p:spTgt spid="22"/>
+                                        </p:tgtEl>
+                                        <p:attrNameLst>
+                                          <p:attrName>ppt_w</p:attrName>
+                                        </p:attrNameLst>
+                                      </p:cBhvr>
+                                      <p:tavLst>
+                                        <p:tav tm="0">
+                                          <p:val>
+                                            <p:strVal val="ppt_w"/>
+                                          </p:val>
+                                        </p:tav>
+                                        <p:tav tm="100000">
+                                          <p:val>
+                                            <p:fltVal val="0"/>
+                                          </p:val>
+                                        </p:tav>
+                                      </p:tavLst>
+                                    </p:anim>
+                                    <p:set>
+                                      <p:cBhvr>
+                                        <p:cTn id="60" dur="1" fill="hold">
+                                          <p:stCondLst>
+                                            <p:cond delay="1999"/>
+                                          </p:stCondLst>
+                                        </p:cTn>
+                                        <p:tgtEl>
+                                          <p:spTgt spid="22"/>
+                                        </p:tgtEl>
+                                        <p:attrNameLst>
+                                          <p:attrName>style.visibility</p:attrName>
+                                        </p:attrNameLst>
+                                      </p:cBhvr>
+                                      <p:to>
+                                        <p:strVal val="hidden"/>
+                                      </p:to>
+                                    </p:set>
+                                  </p:childTnLst>
+                                </p:cTn>
+                              </p:par>
+                              <p:par>
+                                <p:cTn id="61" presetID="35" presetClass="exit" presetSubtype="0" fill="hold" nodeType="withEffect">
+                                  <p:stCondLst>
+                                    <p:cond delay="0"/>
+                                  </p:stCondLst>
+                                  <p:childTnLst>
+                                    <p:animEffect transition="out" filter="fade">
+                                      <p:cBhvr>
+                                        <p:cTn id="62" dur="2000"/>
+                                        <p:tgtEl>
+                                          <p:spTgt spid="24"/>
+                                        </p:tgtEl>
+                                      </p:cBhvr>
+                                    </p:animEffect>
+                                    <p:anim calcmode="lin" valueType="num">
+                                      <p:cBhvr>
+                                        <p:cTn id="63" dur="2000"/>
+                                        <p:tgtEl>
+                                          <p:spTgt spid="24"/>
+                                        </p:tgtEl>
+                                        <p:attrNameLst>
+                                          <p:attrName>style.rotation</p:attrName>
+                                        </p:attrNameLst>
+                                      </p:cBhvr>
+                                      <p:tavLst>
+                                        <p:tav tm="0">
+                                          <p:val>
+                                            <p:fltVal val="0"/>
+                                          </p:val>
+                                        </p:tav>
+                                        <p:tav tm="100000">
+                                          <p:val>
+                                            <p:fltVal val="720"/>
+                                          </p:val>
+                                        </p:tav>
+                                      </p:tavLst>
+                                    </p:anim>
+                                    <p:anim calcmode="lin" valueType="num">
+                                      <p:cBhvr>
+                                        <p:cTn id="64" dur="2000"/>
+                                        <p:tgtEl>
+                                          <p:spTgt spid="24"/>
+                                        </p:tgtEl>
+                                        <p:attrNameLst>
+                                          <p:attrName>ppt_h</p:attrName>
+                                        </p:attrNameLst>
+                                      </p:cBhvr>
+                                      <p:tavLst>
+                                        <p:tav tm="0">
+                                          <p:val>
+                                            <p:strVal val="ppt_h"/>
+                                          </p:val>
+                                        </p:tav>
+                                        <p:tav tm="100000">
+                                          <p:val>
+                                            <p:fltVal val="0"/>
+                                          </p:val>
+                                        </p:tav>
+                                      </p:tavLst>
+                                    </p:anim>
+                                    <p:anim calcmode="lin" valueType="num">
+                                      <p:cBhvr>
+                                        <p:cTn id="65" dur="2000"/>
+                                        <p:tgtEl>
+                                          <p:spTgt spid="24"/>
+                                        </p:tgtEl>
+                                        <p:attrNameLst>
+                                          <p:attrName>ppt_w</p:attrName>
+                                        </p:attrNameLst>
+                                      </p:cBhvr>
+                                      <p:tavLst>
+                                        <p:tav tm="0">
+                                          <p:val>
+                                            <p:strVal val="ppt_w"/>
+                                          </p:val>
+                                        </p:tav>
+                                        <p:tav tm="100000">
+                                          <p:val>
+                                            <p:fltVal val="0"/>
+                                          </p:val>
+                                        </p:tav>
+                                      </p:tavLst>
+                                    </p:anim>
+                                    <p:set>
+                                      <p:cBhvr>
+                                        <p:cTn id="66" dur="1" fill="hold">
+                                          <p:stCondLst>
+                                            <p:cond delay="1999"/>
+                                          </p:stCondLst>
+                                        </p:cTn>
+                                        <p:tgtEl>
+                                          <p:spTgt spid="24"/>
+                                        </p:tgtEl>
+                                        <p:attrNameLst>
+                                          <p:attrName>style.visibility</p:attrName>
+                                        </p:attrNameLst>
+                                      </p:cBhvr>
+                                      <p:to>
+                                        <p:strVal val="hidden"/>
+                                      </p:to>
+                                    </p:set>
+                                  </p:childTnLst>
+                                </p:cTn>
+                              </p:par>
+                              <p:par>
+                                <p:cTn id="67" presetID="35" presetClass="exit" presetSubtype="0" fill="hold" grpId="1" nodeType="withEffect">
+                                  <p:stCondLst>
+                                    <p:cond delay="0"/>
+                                  </p:stCondLst>
+                                  <p:childTnLst>
+                                    <p:animEffect transition="out" filter="fade">
+                                      <p:cBhvr>
+                                        <p:cTn id="68" dur="2000"/>
+                                        <p:tgtEl>
+                                          <p:spTgt spid="25"/>
+                                        </p:tgtEl>
+                                      </p:cBhvr>
+                                    </p:animEffect>
+                                    <p:anim calcmode="lin" valueType="num">
+                                      <p:cBhvr>
+                                        <p:cTn id="69" dur="2000"/>
+                                        <p:tgtEl>
+                                          <p:spTgt spid="25"/>
+                                        </p:tgtEl>
+                                        <p:attrNameLst>
+                                          <p:attrName>style.rotation</p:attrName>
+                                        </p:attrNameLst>
+                                      </p:cBhvr>
+                                      <p:tavLst>
+                                        <p:tav tm="0">
+                                          <p:val>
+                                            <p:fltVal val="0"/>
+                                          </p:val>
+                                        </p:tav>
+                                        <p:tav tm="100000">
+                                          <p:val>
+                                            <p:fltVal val="720"/>
+                                          </p:val>
+                                        </p:tav>
+                                      </p:tavLst>
+                                    </p:anim>
+                                    <p:anim calcmode="lin" valueType="num">
+                                      <p:cBhvr>
+                                        <p:cTn id="70" dur="2000"/>
+                                        <p:tgtEl>
+                                          <p:spTgt spid="25"/>
+                                        </p:tgtEl>
+                                        <p:attrNameLst>
+                                          <p:attrName>ppt_h</p:attrName>
+                                        </p:attrNameLst>
+                                      </p:cBhvr>
+                                      <p:tavLst>
+                                        <p:tav tm="0">
+                                          <p:val>
+                                            <p:strVal val="ppt_h"/>
+                                          </p:val>
+                                        </p:tav>
+                                        <p:tav tm="100000">
+                                          <p:val>
+                                            <p:fltVal val="0"/>
+                                          </p:val>
+                                        </p:tav>
+                                      </p:tavLst>
+                                    </p:anim>
+                                    <p:anim calcmode="lin" valueType="num">
+                                      <p:cBhvr>
+                                        <p:cTn id="71" dur="2000"/>
+                                        <p:tgtEl>
+                                          <p:spTgt spid="25"/>
+                                        </p:tgtEl>
+                                        <p:attrNameLst>
+                                          <p:attrName>ppt_w</p:attrName>
+                                        </p:attrNameLst>
+                                      </p:cBhvr>
+                                      <p:tavLst>
+                                        <p:tav tm="0">
+                                          <p:val>
+                                            <p:strVal val="ppt_w"/>
+                                          </p:val>
+                                        </p:tav>
+                                        <p:tav tm="100000">
+                                          <p:val>
+                                            <p:fltVal val="0"/>
+                                          </p:val>
+                                        </p:tav>
+                                      </p:tavLst>
+                                    </p:anim>
+                                    <p:set>
+                                      <p:cBhvr>
+                                        <p:cTn id="72" dur="1" fill="hold">
+                                          <p:stCondLst>
+                                            <p:cond delay="1999"/>
+                                          </p:stCondLst>
+                                        </p:cTn>
+                                        <p:tgtEl>
+                                          <p:spTgt spid="25"/>
+                                        </p:tgtEl>
+                                        <p:attrNameLst>
+                                          <p:attrName>style.visibility</p:attrName>
+                                        </p:attrNameLst>
+                                      </p:cBhvr>
+                                      <p:to>
+                                        <p:strVal val="hidden"/>
+                                      </p:to>
+                                    </p:set>
+                                  </p:childTnLst>
+                                </p:cTn>
+                              </p:par>
+                              <p:par>
+                                <p:cTn id="73" presetID="35" presetClass="exit" presetSubtype="0" fill="hold" nodeType="withEffect">
+                                  <p:stCondLst>
+                                    <p:cond delay="0"/>
+                                  </p:stCondLst>
+                                  <p:childTnLst>
+                                    <p:animEffect transition="out" filter="fade">
+                                      <p:cBhvr>
+                                        <p:cTn id="74" dur="2000"/>
+                                        <p:tgtEl>
+                                          <p:spTgt spid="26"/>
+                                        </p:tgtEl>
+                                      </p:cBhvr>
+                                    </p:animEffect>
+                                    <p:anim calcmode="lin" valueType="num">
+                                      <p:cBhvr>
+                                        <p:cTn id="75" dur="2000"/>
+                                        <p:tgtEl>
+                                          <p:spTgt spid="26"/>
+                                        </p:tgtEl>
+                                        <p:attrNameLst>
+                                          <p:attrName>style.rotation</p:attrName>
+                                        </p:attrNameLst>
+                                      </p:cBhvr>
+                                      <p:tavLst>
+                                        <p:tav tm="0">
+                                          <p:val>
+                                            <p:fltVal val="0"/>
+                                          </p:val>
+                                        </p:tav>
+                                        <p:tav tm="100000">
+                                          <p:val>
+                                            <p:fltVal val="720"/>
+                                          </p:val>
+                                        </p:tav>
+                                      </p:tavLst>
+                                    </p:anim>
+                                    <p:anim calcmode="lin" valueType="num">
+                                      <p:cBhvr>
+                                        <p:cTn id="76" dur="2000"/>
+                                        <p:tgtEl>
+                                          <p:spTgt spid="26"/>
+                                        </p:tgtEl>
+                                        <p:attrNameLst>
+                                          <p:attrName>ppt_h</p:attrName>
+                                        </p:attrNameLst>
+                                      </p:cBhvr>
+                                      <p:tavLst>
+                                        <p:tav tm="0">
+                                          <p:val>
+                                            <p:strVal val="ppt_h"/>
+                                          </p:val>
+                                        </p:tav>
+                                        <p:tav tm="100000">
+                                          <p:val>
+                                            <p:fltVal val="0"/>
+                                          </p:val>
+                                        </p:tav>
+                                      </p:tavLst>
+                                    </p:anim>
+                                    <p:anim calcmode="lin" valueType="num">
+                                      <p:cBhvr>
+                                        <p:cTn id="77" dur="2000"/>
+                                        <p:tgtEl>
+                                          <p:spTgt spid="26"/>
+                                        </p:tgtEl>
+                                        <p:attrNameLst>
+                                          <p:attrName>ppt_w</p:attrName>
+                                        </p:attrNameLst>
+                                      </p:cBhvr>
+                                      <p:tavLst>
+                                        <p:tav tm="0">
+                                          <p:val>
+                                            <p:strVal val="ppt_w"/>
+                                          </p:val>
+                                        </p:tav>
+                                        <p:tav tm="100000">
+                                          <p:val>
+                                            <p:fltVal val="0"/>
+                                          </p:val>
+                                        </p:tav>
+                                      </p:tavLst>
+                                    </p:anim>
+                                    <p:set>
+                                      <p:cBhvr>
+                                        <p:cTn id="78" dur="1" fill="hold">
+                                          <p:stCondLst>
+                                            <p:cond delay="1999"/>
+                                          </p:stCondLst>
+                                        </p:cTn>
+                                        <p:tgtEl>
+                                          <p:spTgt spid="26"/>
+                                        </p:tgtEl>
+                                        <p:attrNameLst>
+                                          <p:attrName>style.visibility</p:attrName>
+                                        </p:attrNameLst>
+                                      </p:cBhvr>
+                                      <p:to>
+                                        <p:strVal val="hidden"/>
+                                      </p:to>
+                                    </p:set>
+                                  </p:childTnLst>
+                                </p:cTn>
+                              </p:par>
+                              <p:par>
+                                <p:cTn id="79" presetID="35" presetClass="exit" presetSubtype="0" fill="hold" grpId="1" nodeType="withEffect">
+                                  <p:stCondLst>
+                                    <p:cond delay="0"/>
+                                  </p:stCondLst>
+                                  <p:childTnLst>
+                                    <p:animEffect transition="out" filter="fade">
+                                      <p:cBhvr>
+                                        <p:cTn id="80" dur="2000"/>
+                                        <p:tgtEl>
+                                          <p:spTgt spid="27"/>
+                                        </p:tgtEl>
+                                      </p:cBhvr>
+                                    </p:animEffect>
+                                    <p:anim calcmode="lin" valueType="num">
+                                      <p:cBhvr>
+                                        <p:cTn id="81" dur="2000"/>
+                                        <p:tgtEl>
+                                          <p:spTgt spid="27"/>
+                                        </p:tgtEl>
+                                        <p:attrNameLst>
+                                          <p:attrName>style.rotation</p:attrName>
+                                        </p:attrNameLst>
+                                      </p:cBhvr>
+                                      <p:tavLst>
+                                        <p:tav tm="0">
+                                          <p:val>
+                                            <p:fltVal val="0"/>
+                                          </p:val>
+                                        </p:tav>
+                                        <p:tav tm="100000">
+                                          <p:val>
+                                            <p:fltVal val="720"/>
+                                          </p:val>
+                                        </p:tav>
+                                      </p:tavLst>
+                                    </p:anim>
+                                    <p:anim calcmode="lin" valueType="num">
+                                      <p:cBhvr>
+                                        <p:cTn id="82" dur="2000"/>
+                                        <p:tgtEl>
+                                          <p:spTgt spid="27"/>
+                                        </p:tgtEl>
+                                        <p:attrNameLst>
+                                          <p:attrName>ppt_h</p:attrName>
+                                        </p:attrNameLst>
+                                      </p:cBhvr>
+                                      <p:tavLst>
+                                        <p:tav tm="0">
+                                          <p:val>
+                                            <p:strVal val="ppt_h"/>
+                                          </p:val>
+                                        </p:tav>
+                                        <p:tav tm="100000">
+                                          <p:val>
+                                            <p:fltVal val="0"/>
+                                          </p:val>
+                                        </p:tav>
+                                      </p:tavLst>
+                                    </p:anim>
+                                    <p:anim calcmode="lin" valueType="num">
+                                      <p:cBhvr>
+                                        <p:cTn id="83" dur="2000"/>
+                                        <p:tgtEl>
+                                          <p:spTgt spid="27"/>
+                                        </p:tgtEl>
+                                        <p:attrNameLst>
+                                          <p:attrName>ppt_w</p:attrName>
+                                        </p:attrNameLst>
+                                      </p:cBhvr>
+                                      <p:tavLst>
+                                        <p:tav tm="0">
+                                          <p:val>
+                                            <p:strVal val="ppt_w"/>
+                                          </p:val>
+                                        </p:tav>
+                                        <p:tav tm="100000">
+                                          <p:val>
+                                            <p:fltVal val="0"/>
+                                          </p:val>
+                                        </p:tav>
+                                      </p:tavLst>
+                                    </p:anim>
+                                    <p:set>
+                                      <p:cBhvr>
+                                        <p:cTn id="84" dur="1" fill="hold">
+                                          <p:stCondLst>
+                                            <p:cond delay="1999"/>
+                                          </p:stCondLst>
+                                        </p:cTn>
+                                        <p:tgtEl>
+                                          <p:spTgt spid="27"/>
+                                        </p:tgtEl>
+                                        <p:attrNameLst>
+                                          <p:attrName>style.visibility</p:attrName>
+                                        </p:attrNameLst>
+                                      </p:cBhvr>
+                                      <p:to>
+                                        <p:strVal val="hidden"/>
+                                      </p:to>
+                                    </p:set>
+                                  </p:childTnLst>
+                                </p:cTn>
+                              </p:par>
+                              <p:par>
+                                <p:cTn id="85" presetID="35" presetClass="exit" presetSubtype="0" fill="hold" nodeType="withEffect">
+                                  <p:stCondLst>
+                                    <p:cond delay="0"/>
+                                  </p:stCondLst>
+                                  <p:childTnLst>
+                                    <p:animEffect transition="out" filter="fade">
+                                      <p:cBhvr>
+                                        <p:cTn id="86" dur="2000"/>
+                                        <p:tgtEl>
+                                          <p:spTgt spid="28"/>
+                                        </p:tgtEl>
+                                      </p:cBhvr>
+                                    </p:animEffect>
+                                    <p:anim calcmode="lin" valueType="num">
+                                      <p:cBhvr>
+                                        <p:cTn id="87" dur="2000"/>
+                                        <p:tgtEl>
+                                          <p:spTgt spid="28"/>
+                                        </p:tgtEl>
+                                        <p:attrNameLst>
+                                          <p:attrName>style.rotation</p:attrName>
+                                        </p:attrNameLst>
+                                      </p:cBhvr>
+                                      <p:tavLst>
+                                        <p:tav tm="0">
+                                          <p:val>
+                                            <p:fltVal val="0"/>
+                                          </p:val>
+                                        </p:tav>
+                                        <p:tav tm="100000">
+                                          <p:val>
+                                            <p:fltVal val="720"/>
+                                          </p:val>
+                                        </p:tav>
+                                      </p:tavLst>
+                                    </p:anim>
+                                    <p:anim calcmode="lin" valueType="num">
+                                      <p:cBhvr>
+                                        <p:cTn id="88" dur="2000"/>
+                                        <p:tgtEl>
+                                          <p:spTgt spid="28"/>
+                                        </p:tgtEl>
+                                        <p:attrNameLst>
+                                          <p:attrName>ppt_h</p:attrName>
+                                        </p:attrNameLst>
+                                      </p:cBhvr>
+                                      <p:tavLst>
+                                        <p:tav tm="0">
+                                          <p:val>
+                                            <p:strVal val="ppt_h"/>
+                                          </p:val>
+                                        </p:tav>
+                                        <p:tav tm="100000">
+                                          <p:val>
+                                            <p:fltVal val="0"/>
+                                          </p:val>
+                                        </p:tav>
+                                      </p:tavLst>
+                                    </p:anim>
+                                    <p:anim calcmode="lin" valueType="num">
+                                      <p:cBhvr>
+                                        <p:cTn id="89" dur="2000"/>
+                                        <p:tgtEl>
+                                          <p:spTgt spid="28"/>
+                                        </p:tgtEl>
+                                        <p:attrNameLst>
+                                          <p:attrName>ppt_w</p:attrName>
+                                        </p:attrNameLst>
+                                      </p:cBhvr>
+                                      <p:tavLst>
+                                        <p:tav tm="0">
+                                          <p:val>
+                                            <p:strVal val="ppt_w"/>
+                                          </p:val>
+                                        </p:tav>
+                                        <p:tav tm="100000">
+                                          <p:val>
+                                            <p:fltVal val="0"/>
+                                          </p:val>
+                                        </p:tav>
+                                      </p:tavLst>
+                                    </p:anim>
+                                    <p:set>
+                                      <p:cBhvr>
+                                        <p:cTn id="90" dur="1" fill="hold">
+                                          <p:stCondLst>
+                                            <p:cond delay="1999"/>
+                                          </p:stCondLst>
+                                        </p:cTn>
+                                        <p:tgtEl>
+                                          <p:spTgt spid="28"/>
+                                        </p:tgtEl>
+                                        <p:attrNameLst>
+                                          <p:attrName>style.visibility</p:attrName>
+                                        </p:attrNameLst>
+                                      </p:cBhvr>
+                                      <p:to>
+                                        <p:strVal val="hidden"/>
+                                      </p:to>
+                                    </p:set>
+                                  </p:childTnLst>
+                                </p:cTn>
+                              </p:par>
+                              <p:par>
+                                <p:cTn id="91" presetID="35" presetClass="exit" presetSubtype="0" fill="hold" grpId="1" nodeType="withEffect">
+                                  <p:stCondLst>
+                                    <p:cond delay="0"/>
+                                  </p:stCondLst>
+                                  <p:childTnLst>
+                                    <p:animEffect transition="out" filter="fade">
+                                      <p:cBhvr>
+                                        <p:cTn id="92" dur="2000"/>
+                                        <p:tgtEl>
+                                          <p:spTgt spid="29"/>
+                                        </p:tgtEl>
+                                      </p:cBhvr>
+                                    </p:animEffect>
+                                    <p:anim calcmode="lin" valueType="num">
+                                      <p:cBhvr>
+                                        <p:cTn id="93" dur="2000"/>
+                                        <p:tgtEl>
+                                          <p:spTgt spid="29"/>
+                                        </p:tgtEl>
+                                        <p:attrNameLst>
+                                          <p:attrName>style.rotation</p:attrName>
+                                        </p:attrNameLst>
+                                      </p:cBhvr>
+                                      <p:tavLst>
+                                        <p:tav tm="0">
+                                          <p:val>
+                                            <p:fltVal val="0"/>
+                                          </p:val>
+                                        </p:tav>
+                                        <p:tav tm="100000">
+                                          <p:val>
+                                            <p:fltVal val="720"/>
+                                          </p:val>
+                                        </p:tav>
+                                      </p:tavLst>
+                                    </p:anim>
+                                    <p:anim calcmode="lin" valueType="num">
+                                      <p:cBhvr>
+                                        <p:cTn id="94" dur="2000"/>
+                                        <p:tgtEl>
+                                          <p:spTgt spid="29"/>
+                                        </p:tgtEl>
+                                        <p:attrNameLst>
+                                          <p:attrName>ppt_h</p:attrName>
+                                        </p:attrNameLst>
+                                      </p:cBhvr>
+                                      <p:tavLst>
+                                        <p:tav tm="0">
+                                          <p:val>
+                                            <p:strVal val="ppt_h"/>
+                                          </p:val>
+                                        </p:tav>
+                                        <p:tav tm="100000">
+                                          <p:val>
+                                            <p:fltVal val="0"/>
+                                          </p:val>
+                                        </p:tav>
+                                      </p:tavLst>
+                                    </p:anim>
+                                    <p:anim calcmode="lin" valueType="num">
+                                      <p:cBhvr>
+                                        <p:cTn id="95" dur="2000"/>
+                                        <p:tgtEl>
+                                          <p:spTgt spid="29"/>
+                                        </p:tgtEl>
+                                        <p:attrNameLst>
+                                          <p:attrName>ppt_w</p:attrName>
+                                        </p:attrNameLst>
+                                      </p:cBhvr>
+                                      <p:tavLst>
+                                        <p:tav tm="0">
+                                          <p:val>
+                                            <p:strVal val="ppt_w"/>
+                                          </p:val>
+                                        </p:tav>
+                                        <p:tav tm="100000">
+                                          <p:val>
+                                            <p:fltVal val="0"/>
+                                          </p:val>
+                                        </p:tav>
+                                      </p:tavLst>
+                                    </p:anim>
+                                    <p:set>
+                                      <p:cBhvr>
+                                        <p:cTn id="96" dur="1" fill="hold">
+                                          <p:stCondLst>
+                                            <p:cond delay="1999"/>
+                                          </p:stCondLst>
+                                        </p:cTn>
+                                        <p:tgtEl>
+                                          <p:spTgt spid="29"/>
+                                        </p:tgtEl>
+                                        <p:attrNameLst>
+                                          <p:attrName>style.visibility</p:attrName>
+                                        </p:attrNameLst>
+                                      </p:cBhvr>
+                                      <p:to>
+                                        <p:strVal val="hidden"/>
+                                      </p:to>
+                                    </p:set>
+                                  </p:childTnLst>
+                                </p:cTn>
+                              </p:par>
+                            </p:childTnLst>
+                          </p:cTn>
+                        </p:par>
+                        <p:par>
+                          <p:cTn id="97" fill="hold">
+                            <p:stCondLst>
+                              <p:cond delay="2000"/>
+                            </p:stCondLst>
+                            <p:childTnLst>
+                              <p:par>
+                                <p:cTn id="98" presetID="37" presetClass="entr" presetSubtype="0" fill="hold" nodeType="afterEffect">
+                                  <p:stCondLst>
+                                    <p:cond delay="0"/>
+                                  </p:stCondLst>
+                                  <p:childTnLst>
+                                    <p:set>
+                                      <p:cBhvr>
+                                        <p:cTn id="99" dur="1" fill="hold">
+                                          <p:stCondLst>
+                                            <p:cond delay="0"/>
+                                          </p:stCondLst>
+                                        </p:cTn>
+                                        <p:tgtEl>
+                                          <p:spTgt spid="30"/>
+                                        </p:tgtEl>
+                                        <p:attrNameLst>
+                                          <p:attrName>style.visibility</p:attrName>
+                                        </p:attrNameLst>
+                                      </p:cBhvr>
+                                      <p:to>
+                                        <p:strVal val="visible"/>
+                                      </p:to>
+                                    </p:set>
+                                    <p:animEffect transition="in" filter="fade">
+                                      <p:cBhvr>
+                                        <p:cTn id="100" dur="1000"/>
+                                        <p:tgtEl>
+                                          <p:spTgt spid="30"/>
+                                        </p:tgtEl>
+                                      </p:cBhvr>
+                                    </p:animEffect>
+                                    <p:anim calcmode="lin" valueType="num">
+                                      <p:cBhvr>
+                                        <p:cTn id="101" dur="1000" fill="hold"/>
+                                        <p:tgtEl>
+                                          <p:spTgt spid="30"/>
+                                        </p:tgtEl>
+                                        <p:attrNameLst>
+                                          <p:attrName>ppt_x</p:attrName>
+                                        </p:attrNameLst>
+                                      </p:cBhvr>
+                                      <p:tavLst>
+                                        <p:tav tm="0">
+                                          <p:val>
+                                            <p:strVal val="#ppt_x"/>
+                                          </p:val>
+                                        </p:tav>
+                                        <p:tav tm="100000">
+                                          <p:val>
+                                            <p:strVal val="#ppt_x"/>
+                                          </p:val>
+                                        </p:tav>
+                                      </p:tavLst>
+                                    </p:anim>
+                                    <p:anim calcmode="lin" valueType="num">
+                                      <p:cBhvr>
+                                        <p:cTn id="102" dur="900" decel="100000" fill="hold"/>
+                                        <p:tgtEl>
+                                          <p:spTgt spid="30"/>
+                                        </p:tgtEl>
+                                        <p:attrNameLst>
+                                          <p:attrName>ppt_y</p:attrName>
+                                        </p:attrNameLst>
+                                      </p:cBhvr>
+                                      <p:tavLst>
+                                        <p:tav tm="0">
+                                          <p:val>
+                                            <p:strVal val="#ppt_y+1"/>
+                                          </p:val>
+                                        </p:tav>
+                                        <p:tav tm="100000">
+                                          <p:val>
+                                            <p:strVal val="#ppt_y-.03"/>
+                                          </p:val>
+                                        </p:tav>
+                                      </p:tavLst>
+                                    </p:anim>
+                                    <p:anim calcmode="lin" valueType="num">
+                                      <p:cBhvr>
+                                        <p:cTn id="103" dur="100" accel="100000" fill="hold">
+                                          <p:stCondLst>
+                                            <p:cond delay="900"/>
+                                          </p:stCondLst>
+                                        </p:cTn>
+                                        <p:tgtEl>
+                                          <p:spTgt spid="30"/>
+                                        </p:tgtEl>
+                                        <p:attrNameLst>
+                                          <p:attrName>ppt_y</p:attrName>
+                                        </p:attrNameLst>
+                                      </p:cBhvr>
+                                      <p:tavLst>
+                                        <p:tav tm="0">
+                                          <p:val>
+                                            <p:strVal val="#ppt_y-.03"/>
+                                          </p:val>
+                                        </p:tav>
+                                        <p:tav tm="100000">
+                                          <p:val>
+                                            <p:strVal val="#ppt_y"/>
+                                          </p:val>
+                                        </p:tav>
+                                      </p:tavLst>
+                                    </p:anim>
+                                  </p:childTnLst>
+                                </p:cTn>
+                              </p:par>
+                              <p:par>
+                                <p:cTn id="104" presetID="37" presetClass="entr" presetSubtype="0" fill="hold" grpId="0" nodeType="withEffect">
+                                  <p:stCondLst>
+                                    <p:cond delay="0"/>
+                                  </p:stCondLst>
+                                  <p:childTnLst>
+                                    <p:set>
+                                      <p:cBhvr>
+                                        <p:cTn id="105" dur="1" fill="hold">
+                                          <p:stCondLst>
+                                            <p:cond delay="0"/>
+                                          </p:stCondLst>
+                                        </p:cTn>
+                                        <p:tgtEl>
+                                          <p:spTgt spid="31"/>
+                                        </p:tgtEl>
+                                        <p:attrNameLst>
+                                          <p:attrName>style.visibility</p:attrName>
+                                        </p:attrNameLst>
+                                      </p:cBhvr>
+                                      <p:to>
+                                        <p:strVal val="visible"/>
+                                      </p:to>
+                                    </p:set>
+                                    <p:animEffect transition="in" filter="fade">
+                                      <p:cBhvr>
+                                        <p:cTn id="106" dur="1000"/>
+                                        <p:tgtEl>
+                                          <p:spTgt spid="31"/>
+                                        </p:tgtEl>
+                                      </p:cBhvr>
+                                    </p:animEffect>
+                                    <p:anim calcmode="lin" valueType="num">
+                                      <p:cBhvr>
+                                        <p:cTn id="107" dur="1000" fill="hold"/>
+                                        <p:tgtEl>
+                                          <p:spTgt spid="31"/>
+                                        </p:tgtEl>
+                                        <p:attrNameLst>
+                                          <p:attrName>ppt_x</p:attrName>
+                                        </p:attrNameLst>
+                                      </p:cBhvr>
+                                      <p:tavLst>
+                                        <p:tav tm="0">
+                                          <p:val>
+                                            <p:strVal val="#ppt_x"/>
+                                          </p:val>
+                                        </p:tav>
+                                        <p:tav tm="100000">
+                                          <p:val>
+                                            <p:strVal val="#ppt_x"/>
+                                          </p:val>
+                                        </p:tav>
+                                      </p:tavLst>
+                                    </p:anim>
+                                    <p:anim calcmode="lin" valueType="num">
+                                      <p:cBhvr>
+                                        <p:cTn id="108" dur="900" decel="100000" fill="hold"/>
+                                        <p:tgtEl>
+                                          <p:spTgt spid="31"/>
+                                        </p:tgtEl>
+                                        <p:attrNameLst>
+                                          <p:attrName>ppt_y</p:attrName>
+                                        </p:attrNameLst>
+                                      </p:cBhvr>
+                                      <p:tavLst>
+                                        <p:tav tm="0">
+                                          <p:val>
+                                            <p:strVal val="#ppt_y+1"/>
+                                          </p:val>
+                                        </p:tav>
+                                        <p:tav tm="100000">
+                                          <p:val>
+                                            <p:strVal val="#ppt_y-.03"/>
+                                          </p:val>
+                                        </p:tav>
+                                      </p:tavLst>
+                                    </p:anim>
+                                    <p:anim calcmode="lin" valueType="num">
+                                      <p:cBhvr>
+                                        <p:cTn id="109" dur="100" accel="100000" fill="hold">
+                                          <p:stCondLst>
+                                            <p:cond delay="900"/>
+                                          </p:stCondLst>
+                                        </p:cTn>
+                                        <p:tgtEl>
+                                          <p:spTgt spid="31"/>
+                                        </p:tgtEl>
+                                        <p:attrNameLst>
+                                          <p:attrName>ppt_y</p:attrName>
+                                        </p:attrNameLst>
+                                      </p:cBhvr>
+                                      <p:tavLst>
+                                        <p:tav tm="0">
+                                          <p:val>
+                                            <p:strVal val="#ppt_y-.03"/>
+                                          </p:val>
+                                        </p:tav>
+                                        <p:tav tm="100000">
+                                          <p:val>
+                                            <p:strVal val="#ppt_y"/>
+                                          </p:val>
+                                        </p:tav>
+                                      </p:tavLst>
+                                    </p:anim>
+                                  </p:childTnLst>
+                                </p:cTn>
+                              </p:par>
+                            </p:childTnLst>
+                          </p:cTn>
+                        </p:par>
+                      </p:childTnLst>
+                    </p:cTn>
+                  </p:par>
+                </p:childTnLst>
+              </p:cTn>
+              <p:prevCondLst>
+                <p:cond evt="onPrev" delay="0">
+                  <p:tgtEl>
+                    <p:sldTgt/>
+                  </p:tgtEl>
+                </p:cond>
+              </p:prevCondLst>
+              <p:nextCondLst>
+                <p:cond evt="onNext" delay="0">
+                  <p:tgtEl>
+                    <p:sldTgt/>
+                  </p:tgtEl>
+                </p:cond>
+              </p:nextCondLst>
+            </p:seq>
+          </p:childTnLst>
+        </p:cTn>
+      </p:par>
+    </p:tnLst>
+    <p:bldLst>
+      <p:bldP spid="17" grpId="0"/>
+      <p:bldP spid="17" grpId="1"/>
+      <p:bldP spid="22" grpId="0"/>
+      <p:bldP spid="22" grpId="1"/>
+      <p:bldP spid="25" grpId="0"/>
+      <p:bldP spid="25" grpId="1"/>
+      <p:bldP spid="27" grpId="0"/>
+      <p:bldP spid="27" grpId="1"/>
+      <p:bldP spid="29" grpId="0"/>
+      <p:bldP spid="29" grpId="1"/>
+      <p:bldP spid="31" grpId="0"/>
+    </p:bldLst>
+  </p:timing>
+</p:sld>
+</file>
+
+<file path=ppt/slides/slide8.xml><?xml version="1.0" encoding="utf-8"?>
 <p:sld xmlns:a="http://schemas.openxmlformats.org/drawingml/2006/main" xmlns:r="http://schemas.openxmlformats.org/officeDocument/2006/relationships" xmlns:p="http://schemas.openxmlformats.org/presentationml/2006/main">
   <p:cSld>
     <p:spTree>
@@ -8845,7 +13354,7 @@
 </p:sld>
 </file>
 
-<file path=ppt/slides/slide6.xml><?xml version="1.0" encoding="utf-8"?>
+<file path=ppt/slides/slide9.xml><?xml version="1.0" encoding="utf-8"?>
 <p:sld xmlns:a="http://schemas.openxmlformats.org/drawingml/2006/main" xmlns:r="http://schemas.openxmlformats.org/officeDocument/2006/relationships" xmlns:p="http://schemas.openxmlformats.org/presentationml/2006/main">
   <p:cSld>
     <p:spTree>
@@ -8950,714 +13459,6 @@
     <p:extLst>
       <p:ext uri="{BB962C8B-B14F-4D97-AF65-F5344CB8AC3E}">
         <p14:creationId xmlns:p14="http://schemas.microsoft.com/office/powerpoint/2010/main" val="1977652840"/>
-      </p:ext>
-    </p:extLst>
-  </p:cSld>
-  <p:clrMapOvr>
-    <a:masterClrMapping/>
-  </p:clrMapOvr>
-  <p:timing>
-    <p:tnLst>
-      <p:par>
-        <p:cTn id="1" dur="indefinite" restart="never" nodeType="tmRoot"/>
-      </p:par>
-    </p:tnLst>
-  </p:timing>
-</p:sld>
-</file>
-
-<file path=ppt/slides/slide7.xml><?xml version="1.0" encoding="utf-8"?>
-<p:sld xmlns:a="http://schemas.openxmlformats.org/drawingml/2006/main" xmlns:r="http://schemas.openxmlformats.org/officeDocument/2006/relationships" xmlns:p="http://schemas.openxmlformats.org/presentationml/2006/main">
-  <p:cSld>
-    <p:spTree>
-      <p:nvGrpSpPr>
-        <p:cNvPr id="1" name=""/>
-        <p:cNvGrpSpPr/>
-        <p:nvPr/>
-      </p:nvGrpSpPr>
-      <p:grpSpPr>
-        <a:xfrm>
-          <a:off x="0" y="0"/>
-          <a:ext cx="0" cy="0"/>
-          <a:chOff x="0" y="0"/>
-          <a:chExt cx="0" cy="0"/>
-        </a:xfrm>
-      </p:grpSpPr>
-      <p:sp>
-        <p:nvSpPr>
-          <p:cNvPr id="2" name="タイトル 1"/>
-          <p:cNvSpPr>
-            <a:spLocks noGrp="1"/>
-          </p:cNvSpPr>
-          <p:nvPr>
-            <p:ph type="title"/>
-          </p:nvPr>
-        </p:nvSpPr>
-        <p:spPr>
-          <a:xfrm>
-            <a:off x="459259" y="0"/>
-            <a:ext cx="10515600" cy="1325563"/>
-          </a:xfrm>
-        </p:spPr>
-        <p:txBody>
-          <a:bodyPr>
-            <a:normAutofit/>
-          </a:bodyPr>
-          <a:lstStyle/>
-          <a:p>
-            <a:r>
-              <a:rPr kumimoji="1" lang="ja-JP" altLang="en-US" b="1" dirty="0" smtClean="0">
-                <a:latin typeface="HGSｺﾞｼｯｸM" panose="020B0600000000000000" pitchFamily="50" charset="-128"/>
-                <a:ea typeface="HGSｺﾞｼｯｸM" panose="020B0600000000000000" pitchFamily="50" charset="-128"/>
-              </a:rPr>
-              <a:t>全体</a:t>
-            </a:r>
-            <a:r>
-              <a:rPr kumimoji="1" lang="en-US" altLang="ja-JP" b="1" dirty="0" smtClean="0">
-                <a:latin typeface="HGSｺﾞｼｯｸM" panose="020B0600000000000000" pitchFamily="50" charset="-128"/>
-                <a:ea typeface="HGSｺﾞｼｯｸM" panose="020B0600000000000000" pitchFamily="50" charset="-128"/>
-              </a:rPr>
-              <a:t>DFD</a:t>
-            </a:r>
-            <a:endParaRPr kumimoji="1" lang="ja-JP" altLang="en-US" b="1" dirty="0">
-              <a:latin typeface="HGSｺﾞｼｯｸM" panose="020B0600000000000000" pitchFamily="50" charset="-128"/>
-              <a:ea typeface="HGSｺﾞｼｯｸM" panose="020B0600000000000000" pitchFamily="50" charset="-128"/>
-            </a:endParaRPr>
-          </a:p>
-        </p:txBody>
-      </p:sp>
-      <p:pic>
-        <p:nvPicPr>
-          <p:cNvPr id="2050" name="Picture 2" descr="C:\Users\yamanin-Note\Desktop\キャプチャ (1).PNG"/>
-          <p:cNvPicPr>
-            <a:picLocks noChangeAspect="1" noChangeArrowheads="1"/>
-          </p:cNvPicPr>
-          <p:nvPr/>
-        </p:nvPicPr>
-        <p:blipFill>
-          <a:blip r:embed="rId2">
-            <a:extLst>
-              <a:ext uri="{28A0092B-C50C-407E-A947-70E740481C1C}">
-                <a14:useLocalDpi xmlns:a14="http://schemas.microsoft.com/office/drawing/2010/main" val="0"/>
-              </a:ext>
-            </a:extLst>
-          </a:blip>
-          <a:srcRect/>
-          <a:stretch>
-            <a:fillRect/>
-          </a:stretch>
-        </p:blipFill>
-        <p:spPr bwMode="auto">
-          <a:xfrm>
-            <a:off x="751877" y="1325563"/>
-            <a:ext cx="10621404" cy="5038269"/>
-          </a:xfrm>
-          <a:prstGeom prst="rect">
-            <a:avLst/>
-          </a:prstGeom>
-          <a:noFill/>
-          <a:extLst>
-            <a:ext uri="{909E8E84-426E-40DD-AFC4-6F175D3DCCD1}">
-              <a14:hiddenFill xmlns:a14="http://schemas.microsoft.com/office/drawing/2010/main">
-                <a:solidFill>
-                  <a:srgbClr val="FFFFFF"/>
-                </a:solidFill>
-              </a14:hiddenFill>
-            </a:ext>
-          </a:extLst>
-        </p:spPr>
-      </p:pic>
-    </p:spTree>
-    <p:extLst>
-      <p:ext uri="{BB962C8B-B14F-4D97-AF65-F5344CB8AC3E}">
-        <p14:creationId xmlns:p14="http://schemas.microsoft.com/office/powerpoint/2010/main" val="4096901125"/>
-      </p:ext>
-    </p:extLst>
-  </p:cSld>
-  <p:clrMapOvr>
-    <a:masterClrMapping/>
-  </p:clrMapOvr>
-  <p:timing>
-    <p:tnLst>
-      <p:par>
-        <p:cTn id="1" dur="indefinite" restart="never" nodeType="tmRoot"/>
-      </p:par>
-    </p:tnLst>
-  </p:timing>
-</p:sld>
-</file>
-
-<file path=ppt/slides/slide8.xml><?xml version="1.0" encoding="utf-8"?>
-<p:sld xmlns:a="http://schemas.openxmlformats.org/drawingml/2006/main" xmlns:r="http://schemas.openxmlformats.org/officeDocument/2006/relationships" xmlns:p="http://schemas.openxmlformats.org/presentationml/2006/main">
-  <p:cSld>
-    <p:spTree>
-      <p:nvGrpSpPr>
-        <p:cNvPr id="1" name=""/>
-        <p:cNvGrpSpPr/>
-        <p:nvPr/>
-      </p:nvGrpSpPr>
-      <p:grpSpPr>
-        <a:xfrm>
-          <a:off x="0" y="0"/>
-          <a:ext cx="0" cy="0"/>
-          <a:chOff x="0" y="0"/>
-          <a:chExt cx="0" cy="0"/>
-        </a:xfrm>
-      </p:grpSpPr>
-      <p:sp>
-        <p:nvSpPr>
-          <p:cNvPr id="2" name="タイトル 1"/>
-          <p:cNvSpPr>
-            <a:spLocks noGrp="1"/>
-          </p:cNvSpPr>
-          <p:nvPr>
-            <p:ph type="title"/>
-          </p:nvPr>
-        </p:nvSpPr>
-        <p:spPr>
-          <a:xfrm>
-            <a:off x="508687" y="0"/>
-            <a:ext cx="10515600" cy="1325563"/>
-          </a:xfrm>
-        </p:spPr>
-        <p:txBody>
-          <a:bodyPr/>
-          <a:lstStyle/>
-          <a:p>
-            <a:r>
-              <a:rPr kumimoji="1" lang="ja-JP" altLang="en-US" b="1" dirty="0" smtClean="0">
-                <a:latin typeface="HGSｺﾞｼｯｸM" panose="020B0600000000000000" pitchFamily="50" charset="-128"/>
-                <a:ea typeface="HGSｺﾞｼｯｸM" panose="020B0600000000000000" pitchFamily="50" charset="-128"/>
-              </a:rPr>
-              <a:t>開発環境と実行環境</a:t>
-            </a:r>
-            <a:endParaRPr kumimoji="1" lang="ja-JP" altLang="en-US" b="1" dirty="0">
-              <a:latin typeface="HGSｺﾞｼｯｸM" panose="020B0600000000000000" pitchFamily="50" charset="-128"/>
-              <a:ea typeface="HGSｺﾞｼｯｸM" panose="020B0600000000000000" pitchFamily="50" charset="-128"/>
-            </a:endParaRPr>
-          </a:p>
-        </p:txBody>
-      </p:sp>
-      <p:sp>
-        <p:nvSpPr>
-          <p:cNvPr id="3" name="コンテンツ プレースホルダー 2"/>
-          <p:cNvSpPr>
-            <a:spLocks noGrp="1"/>
-          </p:cNvSpPr>
-          <p:nvPr>
-            <p:ph idx="1"/>
-          </p:nvPr>
-        </p:nvSpPr>
-        <p:spPr/>
-        <p:txBody>
-          <a:bodyPr/>
-          <a:lstStyle/>
-          <a:p>
-            <a:pPr marL="0" indent="0">
-              <a:buNone/>
-            </a:pPr>
-            <a:r>
-              <a:rPr lang="ja-JP" altLang="en-US" dirty="0" smtClean="0">
-                <a:latin typeface="Bahnschrift SemiBold" panose="020B0502040204020203" pitchFamily="34" charset="0"/>
-              </a:rPr>
-              <a:t>・開発環境</a:t>
-            </a:r>
-            <a:endParaRPr lang="en-US" altLang="ja-JP" dirty="0">
-              <a:latin typeface="Bahnschrift SemiBold" panose="020B0502040204020203" pitchFamily="34" charset="0"/>
-            </a:endParaRPr>
-          </a:p>
-          <a:p>
-            <a:pPr marL="0" indent="0">
-              <a:buNone/>
-            </a:pPr>
-            <a:r>
-              <a:rPr lang="en-US" altLang="ja-JP" dirty="0">
-                <a:latin typeface="Bahnschrift SemiBold" panose="020B0502040204020203" pitchFamily="34" charset="0"/>
-              </a:rPr>
-              <a:t>	</a:t>
-            </a:r>
-            <a:r>
-              <a:rPr lang="ja-JP" altLang="en-US" dirty="0" smtClean="0">
-                <a:latin typeface="Bahnschrift SemiBold" panose="020B0502040204020203" pitchFamily="34" charset="0"/>
-              </a:rPr>
-              <a:t>・</a:t>
-            </a:r>
-            <a:r>
-              <a:rPr lang="en-US" altLang="ja-JP" dirty="0" smtClean="0">
-                <a:latin typeface="Bahnschrift SemiBold" panose="020B0502040204020203" pitchFamily="34" charset="0"/>
-              </a:rPr>
-              <a:t>Windows 10 Education 64bit</a:t>
-            </a:r>
-          </a:p>
-          <a:p>
-            <a:pPr marL="0" indent="0">
-              <a:buNone/>
-            </a:pPr>
-            <a:r>
-              <a:rPr lang="ja-JP" altLang="en-US" dirty="0" smtClean="0">
-                <a:latin typeface="Bahnschrift SemiBold" panose="020B0502040204020203" pitchFamily="34" charset="0"/>
-              </a:rPr>
-              <a:t>・実行環境</a:t>
-            </a:r>
-            <a:endParaRPr lang="en-US" altLang="ja-JP" dirty="0" smtClean="0">
-              <a:latin typeface="Bahnschrift SemiBold" panose="020B0502040204020203" pitchFamily="34" charset="0"/>
-            </a:endParaRPr>
-          </a:p>
-          <a:p>
-            <a:pPr marL="0" indent="0">
-              <a:buNone/>
-            </a:pPr>
-            <a:r>
-              <a:rPr lang="en-US" altLang="ja-JP" dirty="0">
-                <a:latin typeface="Bahnschrift SemiBold" panose="020B0502040204020203" pitchFamily="34" charset="0"/>
-              </a:rPr>
-              <a:t>	</a:t>
-            </a:r>
-            <a:r>
-              <a:rPr lang="ja-JP" altLang="en-US" dirty="0" smtClean="0">
-                <a:latin typeface="Bahnschrift SemiBold" panose="020B0502040204020203" pitchFamily="34" charset="0"/>
-              </a:rPr>
-              <a:t>・</a:t>
-            </a:r>
-            <a:r>
-              <a:rPr lang="en-US" altLang="ja-JP" dirty="0" smtClean="0">
-                <a:latin typeface="Bahnschrift SemiBold" panose="020B0502040204020203" pitchFamily="34" charset="0"/>
-              </a:rPr>
-              <a:t>Microsoft Visual C# 2017</a:t>
-            </a:r>
-          </a:p>
-          <a:p>
-            <a:pPr marL="0" indent="0">
-              <a:buNone/>
-            </a:pPr>
-            <a:r>
-              <a:rPr lang="en-US" altLang="ja-JP" dirty="0" smtClean="0">
-                <a:latin typeface="Bahnschrift SemiBold" panose="020B0502040204020203" pitchFamily="34" charset="0"/>
-              </a:rPr>
-              <a:t>	</a:t>
-            </a:r>
-            <a:r>
-              <a:rPr lang="ja-JP" altLang="en-US" dirty="0" smtClean="0">
-                <a:latin typeface="Bahnschrift SemiBold" panose="020B0502040204020203" pitchFamily="34" charset="0"/>
-              </a:rPr>
-              <a:t>・</a:t>
-            </a:r>
-            <a:r>
-              <a:rPr lang="en-US" altLang="ja-JP" dirty="0" smtClean="0">
-                <a:latin typeface="Bahnschrift SemiBold" panose="020B0502040204020203" pitchFamily="34" charset="0"/>
-              </a:rPr>
-              <a:t>Microsoft Office Access 2016</a:t>
-            </a:r>
-          </a:p>
-        </p:txBody>
-      </p:sp>
-    </p:spTree>
-    <p:extLst>
-      <p:ext uri="{BB962C8B-B14F-4D97-AF65-F5344CB8AC3E}">
-        <p14:creationId xmlns:p14="http://schemas.microsoft.com/office/powerpoint/2010/main" val="269283686"/>
-      </p:ext>
-    </p:extLst>
-  </p:cSld>
-  <p:clrMapOvr>
-    <a:masterClrMapping/>
-  </p:clrMapOvr>
-  <p:timing>
-    <p:tnLst>
-      <p:par>
-        <p:cTn id="1" dur="indefinite" restart="never" nodeType="tmRoot"/>
-      </p:par>
-    </p:tnLst>
-  </p:timing>
-</p:sld>
-</file>
-
-<file path=ppt/slides/slide9.xml><?xml version="1.0" encoding="utf-8"?>
-<p:sld xmlns:a="http://schemas.openxmlformats.org/drawingml/2006/main" xmlns:r="http://schemas.openxmlformats.org/officeDocument/2006/relationships" xmlns:p="http://schemas.openxmlformats.org/presentationml/2006/main">
-  <p:cSld>
-    <p:spTree>
-      <p:nvGrpSpPr>
-        <p:cNvPr id="1" name=""/>
-        <p:cNvGrpSpPr/>
-        <p:nvPr/>
-      </p:nvGrpSpPr>
-      <p:grpSpPr>
-        <a:xfrm>
-          <a:off x="0" y="0"/>
-          <a:ext cx="0" cy="0"/>
-          <a:chOff x="0" y="0"/>
-          <a:chExt cx="0" cy="0"/>
-        </a:xfrm>
-      </p:grpSpPr>
-      <p:sp>
-        <p:nvSpPr>
-          <p:cNvPr id="2" name="タイトル 1"/>
-          <p:cNvSpPr>
-            <a:spLocks noGrp="1"/>
-          </p:cNvSpPr>
-          <p:nvPr>
-            <p:ph type="title"/>
-          </p:nvPr>
-        </p:nvSpPr>
-        <p:spPr>
-          <a:xfrm>
-            <a:off x="549875" y="0"/>
-            <a:ext cx="10515600" cy="1325563"/>
-          </a:xfrm>
-        </p:spPr>
-        <p:txBody>
-          <a:bodyPr/>
-          <a:lstStyle/>
-          <a:p>
-            <a:r>
-              <a:rPr kumimoji="1" lang="ja-JP" altLang="en-US" b="1" dirty="0" smtClean="0">
-                <a:latin typeface="HGSｺﾞｼｯｸM" panose="020B0600000000000000" pitchFamily="50" charset="-128"/>
-                <a:ea typeface="HGSｺﾞｼｯｸM" panose="020B0600000000000000" pitchFamily="50" charset="-128"/>
-              </a:rPr>
-              <a:t>スケジュール</a:t>
-            </a:r>
-            <a:endParaRPr kumimoji="1" lang="ja-JP" altLang="en-US" b="1" dirty="0">
-              <a:latin typeface="HGSｺﾞｼｯｸM" panose="020B0600000000000000" pitchFamily="50" charset="-128"/>
-              <a:ea typeface="HGSｺﾞｼｯｸM" panose="020B0600000000000000" pitchFamily="50" charset="-128"/>
-            </a:endParaRPr>
-          </a:p>
-        </p:txBody>
-      </p:sp>
-      <p:sp>
-        <p:nvSpPr>
-          <p:cNvPr id="4" name="テキスト ボックス 3"/>
-          <p:cNvSpPr txBox="1"/>
-          <p:nvPr/>
-        </p:nvSpPr>
-        <p:spPr>
-          <a:xfrm>
-            <a:off x="1018903" y="1637156"/>
-            <a:ext cx="3877985" cy="461665"/>
-          </a:xfrm>
-          <a:prstGeom prst="rect">
-            <a:avLst/>
-          </a:prstGeom>
-          <a:noFill/>
-        </p:spPr>
-        <p:txBody>
-          <a:bodyPr wrap="none" rtlCol="0">
-            <a:spAutoFit/>
-          </a:bodyPr>
-          <a:lstStyle/>
-          <a:p>
-            <a:r>
-              <a:rPr kumimoji="1" lang="ja-JP" altLang="en-US" sz="2400" b="1" dirty="0" smtClean="0"/>
-              <a:t>・これまでに作成した資料</a:t>
-            </a:r>
-            <a:endParaRPr kumimoji="1" lang="ja-JP" altLang="en-US" sz="2400" b="1" dirty="0"/>
-          </a:p>
-        </p:txBody>
-      </p:sp>
-      <p:sp>
-        <p:nvSpPr>
-          <p:cNvPr id="5" name="テキスト ボックス 4"/>
-          <p:cNvSpPr txBox="1"/>
-          <p:nvPr/>
-        </p:nvSpPr>
-        <p:spPr>
-          <a:xfrm>
-            <a:off x="1750423" y="2120648"/>
-            <a:ext cx="5197257" cy="1015663"/>
-          </a:xfrm>
-          <a:prstGeom prst="rect">
-            <a:avLst/>
-          </a:prstGeom>
-          <a:noFill/>
-        </p:spPr>
-        <p:txBody>
-          <a:bodyPr wrap="none" rtlCol="0">
-            <a:spAutoFit/>
-          </a:bodyPr>
-          <a:lstStyle/>
-          <a:p>
-            <a:r>
-              <a:rPr kumimoji="1" lang="ja-JP" altLang="en-US" sz="2000" b="1" dirty="0" smtClean="0"/>
-              <a:t>・要求分析書</a:t>
-            </a:r>
-            <a:r>
-              <a:rPr lang="en-US" altLang="ja-JP" sz="2000" b="1" dirty="0"/>
-              <a:t>	</a:t>
-            </a:r>
-            <a:r>
-              <a:rPr lang="en-US" altLang="ja-JP" sz="2000" b="1" dirty="0" smtClean="0"/>
-              <a:t>	9</a:t>
-            </a:r>
-            <a:r>
-              <a:rPr lang="ja-JP" altLang="en-US" sz="2000" b="1" dirty="0" smtClean="0"/>
-              <a:t>月</a:t>
-            </a:r>
-            <a:r>
-              <a:rPr lang="en-US" altLang="ja-JP" sz="2000" b="1" dirty="0" smtClean="0"/>
-              <a:t>24</a:t>
-            </a:r>
-            <a:r>
-              <a:rPr lang="ja-JP" altLang="en-US" sz="2000" b="1" dirty="0" smtClean="0"/>
-              <a:t>日</a:t>
-            </a:r>
-            <a:r>
-              <a:rPr lang="en-US" altLang="ja-JP" sz="2000" b="1" dirty="0" smtClean="0"/>
-              <a:t>~10</a:t>
-            </a:r>
-            <a:r>
-              <a:rPr lang="ja-JP" altLang="en-US" sz="2000" b="1" dirty="0" smtClean="0"/>
-              <a:t>月</a:t>
-            </a:r>
-            <a:r>
-              <a:rPr lang="en-US" altLang="ja-JP" sz="2000" b="1" dirty="0" smtClean="0"/>
-              <a:t>11</a:t>
-            </a:r>
-            <a:r>
-              <a:rPr lang="ja-JP" altLang="en-US" sz="2000" b="1" dirty="0" smtClean="0"/>
-              <a:t>日</a:t>
-            </a:r>
-            <a:endParaRPr kumimoji="1" lang="en-US" altLang="ja-JP" sz="2000" b="1" dirty="0" smtClean="0"/>
-          </a:p>
-          <a:p>
-            <a:r>
-              <a:rPr lang="ja-JP" altLang="en-US" sz="2000" b="1" dirty="0" smtClean="0"/>
-              <a:t>・全体</a:t>
-            </a:r>
-            <a:r>
-              <a:rPr lang="en-US" altLang="ja-JP" sz="2000" b="1" dirty="0" smtClean="0"/>
-              <a:t>DFD		10</a:t>
-            </a:r>
-            <a:r>
-              <a:rPr lang="ja-JP" altLang="en-US" sz="2000" b="1" dirty="0" smtClean="0"/>
-              <a:t>月</a:t>
-            </a:r>
-            <a:r>
-              <a:rPr lang="en-US" altLang="ja-JP" sz="2000" b="1" dirty="0" smtClean="0"/>
-              <a:t>1</a:t>
-            </a:r>
-            <a:r>
-              <a:rPr lang="ja-JP" altLang="en-US" sz="2000" b="1" dirty="0" smtClean="0"/>
-              <a:t>日</a:t>
-            </a:r>
-            <a:r>
-              <a:rPr lang="en-US" altLang="ja-JP" sz="2000" b="1" dirty="0" smtClean="0"/>
-              <a:t>~10</a:t>
-            </a:r>
-            <a:r>
-              <a:rPr lang="ja-JP" altLang="en-US" sz="2000" b="1" dirty="0" smtClean="0"/>
-              <a:t>月</a:t>
-            </a:r>
-            <a:r>
-              <a:rPr lang="en-US" altLang="ja-JP" sz="2000" b="1" dirty="0" smtClean="0"/>
-              <a:t>11</a:t>
-            </a:r>
-            <a:r>
-              <a:rPr lang="ja-JP" altLang="en-US" sz="2000" b="1" dirty="0" smtClean="0"/>
-              <a:t>日</a:t>
-            </a:r>
-            <a:endParaRPr lang="en-US" altLang="ja-JP" sz="2000" b="1" dirty="0" smtClean="0"/>
-          </a:p>
-          <a:p>
-            <a:r>
-              <a:rPr kumimoji="1" lang="ja-JP" altLang="en-US" sz="2000" b="1" dirty="0" smtClean="0"/>
-              <a:t>・システム構造図</a:t>
-            </a:r>
-            <a:r>
-              <a:rPr kumimoji="1" lang="en-US" altLang="ja-JP" sz="2000" b="1" dirty="0" smtClean="0"/>
-              <a:t>	10</a:t>
-            </a:r>
-            <a:r>
-              <a:rPr kumimoji="1" lang="ja-JP" altLang="en-US" sz="2000" b="1" dirty="0" smtClean="0"/>
-              <a:t>月</a:t>
-            </a:r>
-            <a:r>
-              <a:rPr lang="en-US" altLang="ja-JP" sz="2000" b="1" dirty="0"/>
-              <a:t>8</a:t>
-            </a:r>
-            <a:r>
-              <a:rPr lang="ja-JP" altLang="en-US" sz="2000" b="1" dirty="0" smtClean="0"/>
-              <a:t>日</a:t>
-            </a:r>
-            <a:r>
-              <a:rPr lang="en-US" altLang="ja-JP" sz="2000" b="1" dirty="0" smtClean="0"/>
-              <a:t>~10</a:t>
-            </a:r>
-            <a:r>
-              <a:rPr lang="ja-JP" altLang="en-US" sz="2000" b="1" dirty="0" smtClean="0"/>
-              <a:t>月</a:t>
-            </a:r>
-            <a:r>
-              <a:rPr lang="en-US" altLang="ja-JP" sz="2000" b="1" dirty="0" smtClean="0"/>
-              <a:t>11</a:t>
-            </a:r>
-            <a:r>
-              <a:rPr lang="ja-JP" altLang="en-US" sz="2000" b="1" dirty="0" smtClean="0"/>
-              <a:t>日</a:t>
-            </a:r>
-            <a:endParaRPr kumimoji="1" lang="en-US" altLang="ja-JP" sz="2000" b="1" dirty="0" smtClean="0"/>
-          </a:p>
-        </p:txBody>
-      </p:sp>
-      <p:sp>
-        <p:nvSpPr>
-          <p:cNvPr id="6" name="テキスト ボックス 5"/>
-          <p:cNvSpPr txBox="1"/>
-          <p:nvPr/>
-        </p:nvSpPr>
-        <p:spPr>
-          <a:xfrm>
-            <a:off x="1018903" y="3304845"/>
-            <a:ext cx="3570208" cy="461665"/>
-          </a:xfrm>
-          <a:prstGeom prst="rect">
-            <a:avLst/>
-          </a:prstGeom>
-          <a:noFill/>
-        </p:spPr>
-        <p:txBody>
-          <a:bodyPr wrap="none" rtlCol="0">
-            <a:spAutoFit/>
-          </a:bodyPr>
-          <a:lstStyle/>
-          <a:p>
-            <a:r>
-              <a:rPr kumimoji="1" lang="ja-JP" altLang="en-US" sz="2400" b="1" dirty="0" smtClean="0"/>
-              <a:t>・これから作成する資料</a:t>
-            </a:r>
-            <a:endParaRPr kumimoji="1" lang="ja-JP" altLang="en-US" sz="2400" b="1" dirty="0"/>
-          </a:p>
-        </p:txBody>
-      </p:sp>
-      <p:sp>
-        <p:nvSpPr>
-          <p:cNvPr id="7" name="テキスト ボックス 6"/>
-          <p:cNvSpPr txBox="1"/>
-          <p:nvPr/>
-        </p:nvSpPr>
-        <p:spPr>
-          <a:xfrm>
-            <a:off x="1750423" y="3805699"/>
-            <a:ext cx="5262979" cy="2031325"/>
-          </a:xfrm>
-          <a:prstGeom prst="rect">
-            <a:avLst/>
-          </a:prstGeom>
-          <a:noFill/>
-        </p:spPr>
-        <p:txBody>
-          <a:bodyPr wrap="none" rtlCol="0">
-            <a:spAutoFit/>
-          </a:bodyPr>
-          <a:lstStyle/>
-          <a:p>
-            <a:r>
-              <a:rPr kumimoji="1" lang="ja-JP" altLang="en-US" b="1" dirty="0" smtClean="0"/>
-              <a:t>・各種サブシステム仕様書</a:t>
-            </a:r>
-            <a:r>
-              <a:rPr kumimoji="1" lang="en-US" altLang="ja-JP" b="1" dirty="0" smtClean="0"/>
-              <a:t>		</a:t>
-            </a:r>
-            <a:r>
-              <a:rPr kumimoji="1" lang="ja-JP" altLang="en-US" b="1" dirty="0" smtClean="0"/>
-              <a:t>月日</a:t>
-            </a:r>
-            <a:endParaRPr kumimoji="1" lang="en-US" altLang="ja-JP" b="1" dirty="0" smtClean="0"/>
-          </a:p>
-          <a:p>
-            <a:r>
-              <a:rPr lang="ja-JP" altLang="en-US" b="1" dirty="0" smtClean="0"/>
-              <a:t>・各種データベース仕様書</a:t>
-            </a:r>
-            <a:r>
-              <a:rPr lang="en-US" altLang="ja-JP" b="1" dirty="0" smtClean="0"/>
-              <a:t>		</a:t>
-            </a:r>
-            <a:r>
-              <a:rPr lang="ja-JP" altLang="en-US" b="1" dirty="0" smtClean="0"/>
-              <a:t>月日</a:t>
-            </a:r>
-            <a:endParaRPr lang="en-US" altLang="ja-JP" b="1" dirty="0" smtClean="0"/>
-          </a:p>
-          <a:p>
-            <a:r>
-              <a:rPr kumimoji="1" lang="ja-JP" altLang="en-US" b="1" dirty="0" smtClean="0"/>
-              <a:t>・各種画面仕様書</a:t>
-            </a:r>
-            <a:r>
-              <a:rPr kumimoji="1" lang="en-US" altLang="ja-JP" b="1" dirty="0" smtClean="0"/>
-              <a:t>			</a:t>
-            </a:r>
-            <a:r>
-              <a:rPr lang="ja-JP" altLang="en-US" b="1" dirty="0"/>
-              <a:t>月日</a:t>
-            </a:r>
-            <a:endParaRPr kumimoji="1" lang="en-US" altLang="ja-JP" b="1" dirty="0" smtClean="0"/>
-          </a:p>
-          <a:p>
-            <a:r>
-              <a:rPr lang="ja-JP" altLang="en-US" b="1" dirty="0" smtClean="0"/>
-              <a:t>・各種プログラム仕様書</a:t>
-            </a:r>
-            <a:r>
-              <a:rPr lang="en-US" altLang="ja-JP" b="1" dirty="0" smtClean="0"/>
-              <a:t>			</a:t>
-            </a:r>
-            <a:r>
-              <a:rPr lang="ja-JP" altLang="en-US" b="1" dirty="0" smtClean="0"/>
-              <a:t>月日</a:t>
-            </a:r>
-            <a:endParaRPr lang="en-US" altLang="ja-JP" b="1" dirty="0" smtClean="0"/>
-          </a:p>
-          <a:p>
-            <a:r>
-              <a:rPr kumimoji="1" lang="ja-JP" altLang="en-US" b="1" dirty="0" smtClean="0"/>
-              <a:t>・各種モジュール仕様書</a:t>
-            </a:r>
-            <a:r>
-              <a:rPr kumimoji="1" lang="en-US" altLang="ja-JP" b="1" dirty="0" smtClean="0"/>
-              <a:t>			</a:t>
-            </a:r>
-            <a:r>
-              <a:rPr lang="ja-JP" altLang="en-US" b="1" dirty="0" smtClean="0"/>
-              <a:t>月日</a:t>
-            </a:r>
-            <a:endParaRPr kumimoji="1" lang="en-US" altLang="ja-JP" b="1" dirty="0" smtClean="0"/>
-          </a:p>
-          <a:p>
-            <a:r>
-              <a:rPr lang="ja-JP" altLang="en-US" b="1" dirty="0" smtClean="0"/>
-              <a:t>・テスト仕様書・テスト実施結果書</a:t>
-            </a:r>
-            <a:r>
-              <a:rPr lang="en-US" altLang="ja-JP" b="1" dirty="0" smtClean="0"/>
-              <a:t>	</a:t>
-            </a:r>
-            <a:r>
-              <a:rPr lang="ja-JP" altLang="en-US" b="1" dirty="0"/>
-              <a:t>月日</a:t>
-            </a:r>
-            <a:endParaRPr lang="en-US" altLang="ja-JP" b="1" dirty="0" smtClean="0"/>
-          </a:p>
-          <a:p>
-            <a:r>
-              <a:rPr kumimoji="1" lang="ja-JP" altLang="en-US" b="1" dirty="0" smtClean="0"/>
-              <a:t>・ガントチャート</a:t>
-            </a:r>
-            <a:r>
-              <a:rPr kumimoji="1" lang="en-US" altLang="ja-JP" b="1" dirty="0" smtClean="0"/>
-              <a:t>			</a:t>
-            </a:r>
-            <a:r>
-              <a:rPr lang="ja-JP" altLang="en-US" b="1" dirty="0"/>
-              <a:t>月日</a:t>
-            </a:r>
-            <a:endParaRPr kumimoji="1" lang="ja-JP" altLang="en-US" b="1" dirty="0"/>
-          </a:p>
-        </p:txBody>
-      </p:sp>
-    </p:spTree>
-    <p:extLst>
-      <p:ext uri="{BB962C8B-B14F-4D97-AF65-F5344CB8AC3E}">
-        <p14:creationId xmlns:p14="http://schemas.microsoft.com/office/powerpoint/2010/main" val="106448076"/>
       </p:ext>
     </p:extLst>
   </p:cSld>
@@ -9929,7 +13730,7 @@
   <a:extraClrSchemeLst/>
   <a:extLst>
     <a:ext uri="{05A4C25C-085E-4340-85A3-A5531E510DB2}">
-      <thm15:themeFamily xmlns="" xmlns:thm15="http://schemas.microsoft.com/office/thememl/2012/main" name="Office Theme" id="{62F939B6-93AF-4DB8-9C6B-D6C7DFDC589F}" vid="{4A3C46E8-61CC-4603-A589-7422A47A8E4A}"/>
+      <thm15:themeFamily xmlns:thm15="http://schemas.microsoft.com/office/thememl/2012/main" xmlns="" name="Office Theme" id="{62F939B6-93AF-4DB8-9C6B-D6C7DFDC589F}" vid="{4A3C46E8-61CC-4603-A589-7422A47A8E4A}"/>
     </a:ext>
   </a:extLst>
 </a:theme>

--- a/企画発表プレゼンテーション.pptx
+++ b/企画発表プレゼンテーション.pptx
@@ -9,9 +9,9 @@
     <p:sldId id="264" r:id="rId3"/>
     <p:sldId id="265" r:id="rId4"/>
     <p:sldId id="266" r:id="rId5"/>
-    <p:sldId id="270" r:id="rId6"/>
+    <p:sldId id="269" r:id="rId6"/>
     <p:sldId id="268" r:id="rId7"/>
-    <p:sldId id="269" r:id="rId8"/>
+    <p:sldId id="270" r:id="rId8"/>
     <p:sldId id="257" r:id="rId9"/>
     <p:sldId id="258" r:id="rId10"/>
     <p:sldId id="259" r:id="rId11"/>
@@ -8071,16 +8071,50 @@
           </a:p>
         </p:txBody>
       </p:sp>
+      <p:sp>
+        <p:nvSpPr>
+          <p:cNvPr id="7" name="テキスト ボックス 6"/>
+          <p:cNvSpPr txBox="1"/>
+          <p:nvPr/>
+        </p:nvSpPr>
+        <p:spPr>
+          <a:xfrm>
+            <a:off x="391096" y="1359089"/>
+            <a:ext cx="3570208" cy="769441"/>
+          </a:xfrm>
+          <a:prstGeom prst="rect">
+            <a:avLst/>
+          </a:prstGeom>
+          <a:noFill/>
+        </p:spPr>
+        <p:txBody>
+          <a:bodyPr wrap="none" rtlCol="0">
+            <a:spAutoFit/>
+          </a:bodyPr>
+          <a:lstStyle/>
+          <a:p>
+            <a:r>
+              <a:rPr lang="ja-JP" altLang="en-US" sz="4400" b="1" dirty="0"/>
+              <a:t>改善案</a:t>
+            </a:r>
+            <a:r>
+              <a:rPr kumimoji="1" lang="ja-JP" altLang="en-US" sz="4400" b="1" dirty="0" smtClean="0"/>
+              <a:t>その１</a:t>
+            </a:r>
+            <a:endParaRPr kumimoji="1" lang="ja-JP" altLang="en-US" sz="4400" b="1" dirty="0"/>
+          </a:p>
+        </p:txBody>
+      </p:sp>
       <p:pic>
         <p:nvPicPr>
-          <p:cNvPr id="24" name="Picture 3" descr="C:\Users\yamanin3\Desktop\images\sales_eigyou_man.png"/>
+          <p:cNvPr id="16" name="Picture 5" descr="C:\Users\yamanin3\Desktop\images\souko_building.png"/>
           <p:cNvPicPr>
             <a:picLocks noChangeAspect="1" noChangeArrowheads="1"/>
           </p:cNvPicPr>
           <p:nvPr/>
         </p:nvPicPr>
         <p:blipFill>
-          <a:blip r:embed="rId2" cstate="print">
+          <a:blip r:embed="rId2">
             <a:extLst>
               <a:ext uri="{28A0092B-C50C-407E-A947-70E740481C1C}">
                 <a14:useLocalDpi xmlns:a14="http://schemas.microsoft.com/office/drawing/2010/main" val="0"/>
@@ -8094,8 +8128,292 @@
         </p:blipFill>
         <p:spPr bwMode="auto">
           <a:xfrm>
-            <a:off x="1865521" y="3747507"/>
-            <a:ext cx="1934538" cy="1934538"/>
+            <a:off x="1458570" y="2082728"/>
+            <a:ext cx="1214831" cy="1214831"/>
+          </a:xfrm>
+          <a:prstGeom prst="rect">
+            <a:avLst/>
+          </a:prstGeom>
+          <a:noFill/>
+          <a:extLst>
+            <a:ext uri="{909E8E84-426E-40DD-AFC4-6F175D3DCCD1}">
+              <a14:hiddenFill xmlns:a14="http://schemas.microsoft.com/office/drawing/2010/main">
+                <a:solidFill>
+                  <a:srgbClr val="FFFFFF"/>
+                </a:solidFill>
+              </a14:hiddenFill>
+            </a:ext>
+          </a:extLst>
+        </p:spPr>
+      </p:pic>
+      <p:sp>
+        <p:nvSpPr>
+          <p:cNvPr id="17" name="テキスト ボックス 16"/>
+          <p:cNvSpPr txBox="1"/>
+          <p:nvPr/>
+        </p:nvSpPr>
+        <p:spPr>
+          <a:xfrm>
+            <a:off x="1742819" y="3325936"/>
+            <a:ext cx="646331" cy="369332"/>
+          </a:xfrm>
+          <a:prstGeom prst="rect">
+            <a:avLst/>
+          </a:prstGeom>
+          <a:noFill/>
+        </p:spPr>
+        <p:txBody>
+          <a:bodyPr wrap="none" rtlCol="0">
+            <a:spAutoFit/>
+          </a:bodyPr>
+          <a:lstStyle/>
+          <a:p>
+            <a:r>
+              <a:rPr kumimoji="1" lang="ja-JP" altLang="en-US" b="1" dirty="0" smtClean="0"/>
+              <a:t>倉庫</a:t>
+            </a:r>
+            <a:endParaRPr kumimoji="1" lang="ja-JP" altLang="en-US" b="1" dirty="0"/>
+          </a:p>
+        </p:txBody>
+      </p:sp>
+      <p:pic>
+        <p:nvPicPr>
+          <p:cNvPr id="20" name="Picture 5" descr="C:\Users\yamanin3\Desktop\images\souko_building.png"/>
+          <p:cNvPicPr>
+            <a:picLocks noChangeAspect="1" noChangeArrowheads="1"/>
+          </p:cNvPicPr>
+          <p:nvPr/>
+        </p:nvPicPr>
+        <p:blipFill>
+          <a:blip r:embed="rId2">
+            <a:extLst>
+              <a:ext uri="{28A0092B-C50C-407E-A947-70E740481C1C}">
+                <a14:useLocalDpi xmlns:a14="http://schemas.microsoft.com/office/drawing/2010/main" val="0"/>
+              </a:ext>
+            </a:extLst>
+          </a:blip>
+          <a:srcRect/>
+          <a:stretch>
+            <a:fillRect/>
+          </a:stretch>
+        </p:blipFill>
+        <p:spPr bwMode="auto">
+          <a:xfrm>
+            <a:off x="3422862" y="2111105"/>
+            <a:ext cx="1214831" cy="1214831"/>
+          </a:xfrm>
+          <a:prstGeom prst="rect">
+            <a:avLst/>
+          </a:prstGeom>
+          <a:noFill/>
+          <a:extLst>
+            <a:ext uri="{909E8E84-426E-40DD-AFC4-6F175D3DCCD1}">
+              <a14:hiddenFill xmlns:a14="http://schemas.microsoft.com/office/drawing/2010/main">
+                <a:solidFill>
+                  <a:srgbClr val="FFFFFF"/>
+                </a:solidFill>
+              </a14:hiddenFill>
+            </a:ext>
+          </a:extLst>
+        </p:spPr>
+      </p:pic>
+      <p:sp>
+        <p:nvSpPr>
+          <p:cNvPr id="22" name="テキスト ボックス 21"/>
+          <p:cNvSpPr txBox="1"/>
+          <p:nvPr/>
+        </p:nvSpPr>
+        <p:spPr>
+          <a:xfrm>
+            <a:off x="3707112" y="3325936"/>
+            <a:ext cx="646331" cy="369332"/>
+          </a:xfrm>
+          <a:prstGeom prst="rect">
+            <a:avLst/>
+          </a:prstGeom>
+          <a:noFill/>
+        </p:spPr>
+        <p:txBody>
+          <a:bodyPr wrap="none" rtlCol="0">
+            <a:spAutoFit/>
+          </a:bodyPr>
+          <a:lstStyle/>
+          <a:p>
+            <a:r>
+              <a:rPr kumimoji="1" lang="ja-JP" altLang="en-US" b="1" dirty="0" smtClean="0"/>
+              <a:t>倉庫</a:t>
+            </a:r>
+            <a:endParaRPr kumimoji="1" lang="ja-JP" altLang="en-US" b="1" dirty="0"/>
+          </a:p>
+        </p:txBody>
+      </p:sp>
+      <p:pic>
+        <p:nvPicPr>
+          <p:cNvPr id="24" name="Picture 5" descr="C:\Users\yamanin3\Desktop\images\souko_building.png"/>
+          <p:cNvPicPr>
+            <a:picLocks noChangeAspect="1" noChangeArrowheads="1"/>
+          </p:cNvPicPr>
+          <p:nvPr/>
+        </p:nvPicPr>
+        <p:blipFill>
+          <a:blip r:embed="rId2">
+            <a:extLst>
+              <a:ext uri="{28A0092B-C50C-407E-A947-70E740481C1C}">
+                <a14:useLocalDpi xmlns:a14="http://schemas.microsoft.com/office/drawing/2010/main" val="0"/>
+              </a:ext>
+            </a:extLst>
+          </a:blip>
+          <a:srcRect/>
+          <a:stretch>
+            <a:fillRect/>
+          </a:stretch>
+        </p:blipFill>
+        <p:spPr bwMode="auto">
+          <a:xfrm>
+            <a:off x="5471310" y="2082729"/>
+            <a:ext cx="1214831" cy="1214831"/>
+          </a:xfrm>
+          <a:prstGeom prst="rect">
+            <a:avLst/>
+          </a:prstGeom>
+          <a:noFill/>
+          <a:extLst>
+            <a:ext uri="{909E8E84-426E-40DD-AFC4-6F175D3DCCD1}">
+              <a14:hiddenFill xmlns:a14="http://schemas.microsoft.com/office/drawing/2010/main">
+                <a:solidFill>
+                  <a:srgbClr val="FFFFFF"/>
+                </a:solidFill>
+              </a14:hiddenFill>
+            </a:ext>
+          </a:extLst>
+        </p:spPr>
+      </p:pic>
+      <p:sp>
+        <p:nvSpPr>
+          <p:cNvPr id="25" name="テキスト ボックス 24"/>
+          <p:cNvSpPr txBox="1"/>
+          <p:nvPr/>
+        </p:nvSpPr>
+        <p:spPr>
+          <a:xfrm>
+            <a:off x="5755560" y="3297560"/>
+            <a:ext cx="646331" cy="369332"/>
+          </a:xfrm>
+          <a:prstGeom prst="rect">
+            <a:avLst/>
+          </a:prstGeom>
+          <a:noFill/>
+        </p:spPr>
+        <p:txBody>
+          <a:bodyPr wrap="none" rtlCol="0">
+            <a:spAutoFit/>
+          </a:bodyPr>
+          <a:lstStyle/>
+          <a:p>
+            <a:r>
+              <a:rPr kumimoji="1" lang="ja-JP" altLang="en-US" b="1" dirty="0" smtClean="0"/>
+              <a:t>倉庫</a:t>
+            </a:r>
+            <a:endParaRPr kumimoji="1" lang="ja-JP" altLang="en-US" b="1" dirty="0"/>
+          </a:p>
+        </p:txBody>
+      </p:sp>
+      <p:pic>
+        <p:nvPicPr>
+          <p:cNvPr id="26" name="Picture 5" descr="C:\Users\yamanin3\Desktop\images\souko_building.png"/>
+          <p:cNvPicPr>
+            <a:picLocks noChangeAspect="1" noChangeArrowheads="1"/>
+          </p:cNvPicPr>
+          <p:nvPr/>
+        </p:nvPicPr>
+        <p:blipFill>
+          <a:blip r:embed="rId2">
+            <a:extLst>
+              <a:ext uri="{28A0092B-C50C-407E-A947-70E740481C1C}">
+                <a14:useLocalDpi xmlns:a14="http://schemas.microsoft.com/office/drawing/2010/main" val="0"/>
+              </a:ext>
+            </a:extLst>
+          </a:blip>
+          <a:srcRect/>
+          <a:stretch>
+            <a:fillRect/>
+          </a:stretch>
+        </p:blipFill>
+        <p:spPr bwMode="auto">
+          <a:xfrm>
+            <a:off x="7519757" y="2111105"/>
+            <a:ext cx="1214831" cy="1214831"/>
+          </a:xfrm>
+          <a:prstGeom prst="rect">
+            <a:avLst/>
+          </a:prstGeom>
+          <a:noFill/>
+          <a:extLst>
+            <a:ext uri="{909E8E84-426E-40DD-AFC4-6F175D3DCCD1}">
+              <a14:hiddenFill xmlns:a14="http://schemas.microsoft.com/office/drawing/2010/main">
+                <a:solidFill>
+                  <a:srgbClr val="FFFFFF"/>
+                </a:solidFill>
+              </a14:hiddenFill>
+            </a:ext>
+          </a:extLst>
+        </p:spPr>
+      </p:pic>
+      <p:sp>
+        <p:nvSpPr>
+          <p:cNvPr id="27" name="テキスト ボックス 26"/>
+          <p:cNvSpPr txBox="1"/>
+          <p:nvPr/>
+        </p:nvSpPr>
+        <p:spPr>
+          <a:xfrm>
+            <a:off x="7804006" y="3325936"/>
+            <a:ext cx="646331" cy="369332"/>
+          </a:xfrm>
+          <a:prstGeom prst="rect">
+            <a:avLst/>
+          </a:prstGeom>
+          <a:noFill/>
+        </p:spPr>
+        <p:txBody>
+          <a:bodyPr wrap="none" rtlCol="0">
+            <a:spAutoFit/>
+          </a:bodyPr>
+          <a:lstStyle/>
+          <a:p>
+            <a:r>
+              <a:rPr kumimoji="1" lang="ja-JP" altLang="en-US" b="1" dirty="0" smtClean="0"/>
+              <a:t>倉庫</a:t>
+            </a:r>
+            <a:endParaRPr kumimoji="1" lang="ja-JP" altLang="en-US" b="1" dirty="0"/>
+          </a:p>
+        </p:txBody>
+      </p:sp>
+      <p:pic>
+        <p:nvPicPr>
+          <p:cNvPr id="28" name="Picture 5" descr="C:\Users\yamanin3\Desktop\images\souko_building.png"/>
+          <p:cNvPicPr>
+            <a:picLocks noChangeAspect="1" noChangeArrowheads="1"/>
+          </p:cNvPicPr>
+          <p:nvPr/>
+        </p:nvPicPr>
+        <p:blipFill>
+          <a:blip r:embed="rId2">
+            <a:extLst>
+              <a:ext uri="{28A0092B-C50C-407E-A947-70E740481C1C}">
+                <a14:useLocalDpi xmlns:a14="http://schemas.microsoft.com/office/drawing/2010/main" val="0"/>
+              </a:ext>
+            </a:extLst>
+          </a:blip>
+          <a:srcRect/>
+          <a:stretch>
+            <a:fillRect/>
+          </a:stretch>
+        </p:blipFill>
+        <p:spPr bwMode="auto">
+          <a:xfrm>
+            <a:off x="9485723" y="2111103"/>
+            <a:ext cx="1214831" cy="1214831"/>
           </a:xfrm>
           <a:prstGeom prst="rect">
             <a:avLst/>
@@ -8120,7 +8438,78 @@
         </p:nvSpPr>
         <p:spPr>
           <a:xfrm>
-            <a:off x="2278792" y="5943538"/>
+            <a:off x="9852456" y="3295309"/>
+            <a:ext cx="646331" cy="369332"/>
+          </a:xfrm>
+          <a:prstGeom prst="rect">
+            <a:avLst/>
+          </a:prstGeom>
+          <a:noFill/>
+        </p:spPr>
+        <p:txBody>
+          <a:bodyPr wrap="none" rtlCol="0">
+            <a:spAutoFit/>
+          </a:bodyPr>
+          <a:lstStyle/>
+          <a:p>
+            <a:r>
+              <a:rPr kumimoji="1" lang="ja-JP" altLang="en-US" b="1" dirty="0" smtClean="0"/>
+              <a:t>倉庫</a:t>
+            </a:r>
+            <a:endParaRPr kumimoji="1" lang="ja-JP" altLang="en-US" b="1" dirty="0"/>
+          </a:p>
+        </p:txBody>
+      </p:sp>
+      <p:pic>
+        <p:nvPicPr>
+          <p:cNvPr id="30" name="Picture 5" descr="C:\Users\yamanin3\Desktop\images\souko_building.png"/>
+          <p:cNvPicPr>
+            <a:picLocks noChangeAspect="1" noChangeArrowheads="1"/>
+          </p:cNvPicPr>
+          <p:nvPr/>
+        </p:nvPicPr>
+        <p:blipFill>
+          <a:blip r:embed="rId2">
+            <a:extLst>
+              <a:ext uri="{28A0092B-C50C-407E-A947-70E740481C1C}">
+                <a14:useLocalDpi xmlns:a14="http://schemas.microsoft.com/office/drawing/2010/main" val="0"/>
+              </a:ext>
+            </a:extLst>
+          </a:blip>
+          <a:srcRect/>
+          <a:stretch>
+            <a:fillRect/>
+          </a:stretch>
+        </p:blipFill>
+        <p:spPr bwMode="auto">
+          <a:xfrm>
+            <a:off x="4637795" y="2219653"/>
+            <a:ext cx="2520644" cy="2520644"/>
+          </a:xfrm>
+          <a:prstGeom prst="rect">
+            <a:avLst/>
+          </a:prstGeom>
+          <a:noFill/>
+          <a:extLst>
+            <a:ext uri="{909E8E84-426E-40DD-AFC4-6F175D3DCCD1}">
+              <a14:hiddenFill xmlns:a14="http://schemas.microsoft.com/office/drawing/2010/main">
+                <a:solidFill>
+                  <a:srgbClr val="FFFFFF"/>
+                </a:solidFill>
+              </a14:hiddenFill>
+            </a:ext>
+          </a:extLst>
+        </p:spPr>
+      </p:pic>
+      <p:sp>
+        <p:nvSpPr>
+          <p:cNvPr id="31" name="テキスト ボックス 30"/>
+          <p:cNvSpPr txBox="1"/>
+          <p:nvPr/>
+        </p:nvSpPr>
+        <p:spPr>
+          <a:xfrm>
+            <a:off x="5344119" y="4555631"/>
             <a:ext cx="1107996" cy="369332"/>
           </a:xfrm>
           <a:prstGeom prst="rect">
@@ -8136,103 +8525,15 @@
           <a:p>
             <a:r>
               <a:rPr kumimoji="1" lang="ja-JP" altLang="en-US" b="1" dirty="0" smtClean="0"/>
-              <a:t>営業担当</a:t>
+              <a:t>物流倉庫</a:t>
             </a:r>
             <a:endParaRPr kumimoji="1" lang="ja-JP" altLang="en-US" b="1" dirty="0"/>
-          </a:p>
-        </p:txBody>
-      </p:sp>
-      <p:sp>
-        <p:nvSpPr>
-          <p:cNvPr id="30" name="テキスト ボックス 29"/>
-          <p:cNvSpPr txBox="1"/>
-          <p:nvPr/>
-        </p:nvSpPr>
-        <p:spPr>
-          <a:xfrm>
-            <a:off x="8513583" y="5970637"/>
-            <a:ext cx="1107996" cy="369332"/>
-          </a:xfrm>
-          <a:prstGeom prst="rect">
-            <a:avLst/>
-          </a:prstGeom>
-          <a:noFill/>
-        </p:spPr>
-        <p:txBody>
-          <a:bodyPr wrap="none" rtlCol="0">
-            <a:spAutoFit/>
-          </a:bodyPr>
-          <a:lstStyle/>
-          <a:p>
-            <a:r>
-              <a:rPr lang="ja-JP" altLang="en-US" b="1" dirty="0">
-                <a:solidFill>
-                  <a:srgbClr val="FF0000"/>
-                </a:solidFill>
-              </a:rPr>
-              <a:t>物流</a:t>
-            </a:r>
-            <a:r>
-              <a:rPr kumimoji="1" lang="ja-JP" altLang="en-US" b="1" dirty="0" smtClean="0">
-                <a:solidFill>
-                  <a:srgbClr val="FF0000"/>
-                </a:solidFill>
-              </a:rPr>
-              <a:t>担当</a:t>
-            </a:r>
-            <a:endParaRPr kumimoji="1" lang="en-US" altLang="ja-JP" b="1" dirty="0" smtClean="0">
-              <a:solidFill>
-                <a:srgbClr val="FF0000"/>
-              </a:solidFill>
-            </a:endParaRPr>
-          </a:p>
-        </p:txBody>
-      </p:sp>
-      <p:sp>
-        <p:nvSpPr>
-          <p:cNvPr id="7" name="テキスト ボックス 6"/>
-          <p:cNvSpPr txBox="1"/>
-          <p:nvPr/>
-        </p:nvSpPr>
-        <p:spPr>
-          <a:xfrm>
-            <a:off x="391096" y="1359089"/>
-            <a:ext cx="3570208" cy="769441"/>
-          </a:xfrm>
-          <a:prstGeom prst="rect">
-            <a:avLst/>
-          </a:prstGeom>
-          <a:noFill/>
-        </p:spPr>
-        <p:txBody>
-          <a:bodyPr wrap="none" rtlCol="0">
-            <a:spAutoFit/>
-          </a:bodyPr>
-          <a:lstStyle/>
-          <a:p>
-            <a:r>
-              <a:rPr lang="ja-JP" altLang="en-US" sz="4400" b="1" dirty="0" smtClean="0"/>
-              <a:t>改善</a:t>
-            </a:r>
-            <a:r>
-              <a:rPr kumimoji="1" lang="ja-JP" altLang="en-US" sz="4400" b="1" dirty="0" smtClean="0"/>
-              <a:t>点</a:t>
-            </a:r>
-            <a:r>
-              <a:rPr kumimoji="1" lang="ja-JP" altLang="en-US" sz="4400" b="1" dirty="0" smtClean="0"/>
-              <a:t>その</a:t>
-            </a:r>
-            <a:r>
-              <a:rPr lang="ja-JP" altLang="en-US" sz="4400" b="1" dirty="0" smtClean="0"/>
-              <a:t>１</a:t>
-            </a:r>
-            <a:endParaRPr kumimoji="1" lang="ja-JP" altLang="en-US" sz="4400" b="1" dirty="0"/>
           </a:p>
         </p:txBody>
       </p:sp>
       <p:pic>
         <p:nvPicPr>
-          <p:cNvPr id="12" name="Picture 9" descr="C:\Users\yamanin3\Desktop\images\computer_tablet_man.png"/>
+          <p:cNvPr id="32" name="Picture 9" descr="C:\Users\yamanin3\Desktop\images\computer_tablet_man.png"/>
           <p:cNvPicPr>
             <a:picLocks noChangeAspect="1" noChangeArrowheads="1"/>
           </p:cNvPicPr>
@@ -8253,7 +8554,7 @@
         </p:blipFill>
         <p:spPr bwMode="auto">
           <a:xfrm>
-            <a:off x="8302396" y="3697921"/>
+            <a:off x="5132932" y="2493746"/>
             <a:ext cx="1530369" cy="2033711"/>
           </a:xfrm>
           <a:prstGeom prst="rect">
@@ -8271,127 +8572,10 @@
           </a:extLst>
         </p:spPr>
       </p:pic>
-      <p:sp>
-        <p:nvSpPr>
-          <p:cNvPr id="3" name="正方形/長方形 2"/>
-          <p:cNvSpPr/>
-          <p:nvPr/>
-        </p:nvSpPr>
-        <p:spPr>
-          <a:xfrm>
-            <a:off x="4564851" y="3565731"/>
-            <a:ext cx="2711159" cy="955121"/>
-          </a:xfrm>
-          <a:prstGeom prst="rect">
-            <a:avLst/>
-          </a:prstGeom>
-          <a:solidFill>
-            <a:schemeClr val="bg2">
-              <a:lumMod val="75000"/>
-            </a:schemeClr>
-          </a:solidFill>
-          <a:ln>
-            <a:solidFill>
-              <a:schemeClr val="tx1"/>
-            </a:solidFill>
-          </a:ln>
-        </p:spPr>
-        <p:style>
-          <a:lnRef idx="2">
-            <a:schemeClr val="accent1">
-              <a:shade val="50000"/>
-            </a:schemeClr>
-          </a:lnRef>
-          <a:fillRef idx="1">
-            <a:schemeClr val="accent1"/>
-          </a:fillRef>
-          <a:effectRef idx="0">
-            <a:schemeClr val="accent1"/>
-          </a:effectRef>
-          <a:fontRef idx="minor">
-            <a:schemeClr val="lt1"/>
-          </a:fontRef>
-        </p:style>
-        <p:txBody>
-          <a:bodyPr rtlCol="0" anchor="ctr"/>
-          <a:lstStyle/>
-          <a:p>
-            <a:pPr algn="ctr"/>
-            <a:r>
-              <a:rPr kumimoji="1" lang="ja-JP" altLang="en-US" sz="3200" b="1" dirty="0" smtClean="0">
-                <a:solidFill>
-                  <a:schemeClr val="tx1"/>
-                </a:solidFill>
-              </a:rPr>
-              <a:t>電子情報</a:t>
-            </a:r>
-            <a:endParaRPr kumimoji="1" lang="ja-JP" altLang="en-US" sz="3200" b="1" dirty="0">
-              <a:solidFill>
-                <a:schemeClr val="tx1"/>
-              </a:solidFill>
-            </a:endParaRPr>
-          </a:p>
-        </p:txBody>
-      </p:sp>
-      <p:sp>
-        <p:nvSpPr>
-          <p:cNvPr id="14" name="右矢印 13"/>
-          <p:cNvSpPr/>
-          <p:nvPr/>
-        </p:nvSpPr>
-        <p:spPr>
-          <a:xfrm>
-            <a:off x="3961304" y="4520852"/>
-            <a:ext cx="4163790" cy="387848"/>
-          </a:xfrm>
-          <a:prstGeom prst="rightArrow">
-            <a:avLst>
-              <a:gd name="adj1" fmla="val 50000"/>
-              <a:gd name="adj2" fmla="val 190479"/>
-            </a:avLst>
-          </a:prstGeom>
-          <a:solidFill>
-            <a:schemeClr val="bg1"/>
-          </a:solidFill>
-          <a:ln w="38100">
-            <a:solidFill>
-              <a:schemeClr val="tx1"/>
-            </a:solidFill>
-          </a:ln>
-        </p:spPr>
-        <p:style>
-          <a:lnRef idx="2">
-            <a:schemeClr val="accent1">
-              <a:shade val="50000"/>
-            </a:schemeClr>
-          </a:lnRef>
-          <a:fillRef idx="1">
-            <a:schemeClr val="accent1"/>
-          </a:fillRef>
-          <a:effectRef idx="0">
-            <a:schemeClr val="accent1"/>
-          </a:effectRef>
-          <a:fontRef idx="minor">
-            <a:schemeClr val="lt1"/>
-          </a:fontRef>
-        </p:style>
-        <p:txBody>
-          <a:bodyPr rtlCol="0" anchor="ctr"/>
-          <a:lstStyle/>
-          <a:p>
-            <a:pPr algn="ctr"/>
-            <a:endParaRPr kumimoji="1" lang="ja-JP" altLang="en-US">
-              <a:solidFill>
-                <a:schemeClr val="bg1"/>
-              </a:solidFill>
-            </a:endParaRPr>
-          </a:p>
-        </p:txBody>
-      </p:sp>
     </p:spTree>
     <p:extLst>
       <p:ext uri="{BB962C8B-B14F-4D97-AF65-F5344CB8AC3E}">
-        <p14:creationId xmlns:p14="http://schemas.microsoft.com/office/powerpoint/2010/main" val="3217720112"/>
+        <p14:creationId xmlns:p14="http://schemas.microsoft.com/office/powerpoint/2010/main" val="1247459632"/>
       </p:ext>
     </p:extLst>
   </p:cSld>
@@ -8432,7 +8616,7 @@
                                           </p:stCondLst>
                                         </p:cTn>
                                         <p:tgtEl>
-                                          <p:spTgt spid="24"/>
+                                          <p:spTgt spid="16"/>
                                         </p:tgtEl>
                                         <p:attrNameLst>
                                           <p:attrName>style.visibility</p:attrName>
@@ -8446,7 +8630,7 @@
                                       <p:cBhvr>
                                         <p:cTn id="7" dur="500"/>
                                         <p:tgtEl>
-                                          <p:spTgt spid="24"/>
+                                          <p:spTgt spid="16"/>
                                         </p:tgtEl>
                                       </p:cBhvr>
                                     </p:animEffect>
@@ -8467,7 +8651,7 @@
                                           </p:stCondLst>
                                         </p:cTn>
                                         <p:tgtEl>
-                                          <p:spTgt spid="29"/>
+                                          <p:spTgt spid="17"/>
                                         </p:tgtEl>
                                         <p:attrNameLst>
                                           <p:attrName>style.visibility</p:attrName>
@@ -8481,7 +8665,7 @@
                                       <p:cBhvr>
                                         <p:cTn id="10" dur="500"/>
                                         <p:tgtEl>
-                                          <p:spTgt spid="29"/>
+                                          <p:spTgt spid="17"/>
                                         </p:tgtEl>
                                       </p:cBhvr>
                                     </p:animEffect>
@@ -8502,7 +8686,7 @@
                                           </p:stCondLst>
                                         </p:cTn>
                                         <p:tgtEl>
-                                          <p:spTgt spid="12"/>
+                                          <p:spTgt spid="20"/>
                                         </p:tgtEl>
                                         <p:attrNameLst>
                                           <p:attrName>style.visibility</p:attrName>
@@ -8516,7 +8700,7 @@
                                       <p:cBhvr>
                                         <p:cTn id="13" dur="500"/>
                                         <p:tgtEl>
-                                          <p:spTgt spid="12"/>
+                                          <p:spTgt spid="20"/>
                                         </p:tgtEl>
                                       </p:cBhvr>
                                     </p:animEffect>
@@ -8537,7 +8721,7 @@
                                           </p:stCondLst>
                                         </p:cTn>
                                         <p:tgtEl>
-                                          <p:spTgt spid="30"/>
+                                          <p:spTgt spid="22"/>
                                         </p:tgtEl>
                                         <p:attrNameLst>
                                           <p:attrName>style.visibility</p:attrName>
@@ -8551,7 +8735,217 @@
                                       <p:cBhvr>
                                         <p:cTn id="16" dur="500"/>
                                         <p:tgtEl>
-                                          <p:spTgt spid="30"/>
+                                          <p:spTgt spid="22"/>
+                                        </p:tgtEl>
+                                      </p:cBhvr>
+                                    </p:animEffect>
+                                  </p:childTnLst>
+                                </p:cTn>
+                              </p:par>
+                              <p:par>
+                                <p:cTn id="17" presetID="10" presetClass="entr" presetSubtype="0" fill="hold" nodeType="withEffect">
+                                  <p:stCondLst>
+                                    <p:cond delay="0"/>
+                                  </p:stCondLst>
+                                  <p:childTnLst>
+                                    <p:set>
+                                      <p:cBhvr>
+                                        <p:cTn id="18" dur="1" fill="hold">
+                                          <p:stCondLst>
+                                            <p:cond delay="0"/>
+                                          </p:stCondLst>
+                                        </p:cTn>
+                                        <p:tgtEl>
+                                          <p:spTgt spid="24"/>
+                                        </p:tgtEl>
+                                        <p:attrNameLst>
+                                          <p:attrName>style.visibility</p:attrName>
+                                        </p:attrNameLst>
+                                      </p:cBhvr>
+                                      <p:to>
+                                        <p:strVal val="visible"/>
+                                      </p:to>
+                                    </p:set>
+                                    <p:animEffect transition="in" filter="fade">
+                                      <p:cBhvr>
+                                        <p:cTn id="19" dur="500"/>
+                                        <p:tgtEl>
+                                          <p:spTgt spid="24"/>
+                                        </p:tgtEl>
+                                      </p:cBhvr>
+                                    </p:animEffect>
+                                  </p:childTnLst>
+                                </p:cTn>
+                              </p:par>
+                              <p:par>
+                                <p:cTn id="20" presetID="10" presetClass="entr" presetSubtype="0" fill="hold" grpId="0" nodeType="withEffect">
+                                  <p:stCondLst>
+                                    <p:cond delay="0"/>
+                                  </p:stCondLst>
+                                  <p:childTnLst>
+                                    <p:set>
+                                      <p:cBhvr>
+                                        <p:cTn id="21" dur="1" fill="hold">
+                                          <p:stCondLst>
+                                            <p:cond delay="0"/>
+                                          </p:stCondLst>
+                                        </p:cTn>
+                                        <p:tgtEl>
+                                          <p:spTgt spid="25"/>
+                                        </p:tgtEl>
+                                        <p:attrNameLst>
+                                          <p:attrName>style.visibility</p:attrName>
+                                        </p:attrNameLst>
+                                      </p:cBhvr>
+                                      <p:to>
+                                        <p:strVal val="visible"/>
+                                      </p:to>
+                                    </p:set>
+                                    <p:animEffect transition="in" filter="fade">
+                                      <p:cBhvr>
+                                        <p:cTn id="22" dur="500"/>
+                                        <p:tgtEl>
+                                          <p:spTgt spid="25"/>
+                                        </p:tgtEl>
+                                      </p:cBhvr>
+                                    </p:animEffect>
+                                  </p:childTnLst>
+                                </p:cTn>
+                              </p:par>
+                              <p:par>
+                                <p:cTn id="23" presetID="10" presetClass="entr" presetSubtype="0" fill="hold" nodeType="withEffect">
+                                  <p:stCondLst>
+                                    <p:cond delay="0"/>
+                                  </p:stCondLst>
+                                  <p:childTnLst>
+                                    <p:set>
+                                      <p:cBhvr>
+                                        <p:cTn id="24" dur="1" fill="hold">
+                                          <p:stCondLst>
+                                            <p:cond delay="0"/>
+                                          </p:stCondLst>
+                                        </p:cTn>
+                                        <p:tgtEl>
+                                          <p:spTgt spid="26"/>
+                                        </p:tgtEl>
+                                        <p:attrNameLst>
+                                          <p:attrName>style.visibility</p:attrName>
+                                        </p:attrNameLst>
+                                      </p:cBhvr>
+                                      <p:to>
+                                        <p:strVal val="visible"/>
+                                      </p:to>
+                                    </p:set>
+                                    <p:animEffect transition="in" filter="fade">
+                                      <p:cBhvr>
+                                        <p:cTn id="25" dur="500"/>
+                                        <p:tgtEl>
+                                          <p:spTgt spid="26"/>
+                                        </p:tgtEl>
+                                      </p:cBhvr>
+                                    </p:animEffect>
+                                  </p:childTnLst>
+                                </p:cTn>
+                              </p:par>
+                              <p:par>
+                                <p:cTn id="26" presetID="10" presetClass="entr" presetSubtype="0" fill="hold" grpId="0" nodeType="withEffect">
+                                  <p:stCondLst>
+                                    <p:cond delay="0"/>
+                                  </p:stCondLst>
+                                  <p:childTnLst>
+                                    <p:set>
+                                      <p:cBhvr>
+                                        <p:cTn id="27" dur="1" fill="hold">
+                                          <p:stCondLst>
+                                            <p:cond delay="0"/>
+                                          </p:stCondLst>
+                                        </p:cTn>
+                                        <p:tgtEl>
+                                          <p:spTgt spid="27"/>
+                                        </p:tgtEl>
+                                        <p:attrNameLst>
+                                          <p:attrName>style.visibility</p:attrName>
+                                        </p:attrNameLst>
+                                      </p:cBhvr>
+                                      <p:to>
+                                        <p:strVal val="visible"/>
+                                      </p:to>
+                                    </p:set>
+                                    <p:animEffect transition="in" filter="fade">
+                                      <p:cBhvr>
+                                        <p:cTn id="28" dur="500"/>
+                                        <p:tgtEl>
+                                          <p:spTgt spid="27"/>
+                                        </p:tgtEl>
+                                      </p:cBhvr>
+                                    </p:animEffect>
+                                  </p:childTnLst>
+                                </p:cTn>
+                              </p:par>
+                              <p:par>
+                                <p:cTn id="29" presetID="10" presetClass="entr" presetSubtype="0" fill="hold" nodeType="withEffect">
+                                  <p:stCondLst>
+                                    <p:cond delay="0"/>
+                                  </p:stCondLst>
+                                  <p:childTnLst>
+                                    <p:set>
+                                      <p:cBhvr>
+                                        <p:cTn id="30" dur="1" fill="hold">
+                                          <p:stCondLst>
+                                            <p:cond delay="0"/>
+                                          </p:stCondLst>
+                                        </p:cTn>
+                                        <p:tgtEl>
+                                          <p:spTgt spid="28"/>
+                                        </p:tgtEl>
+                                        <p:attrNameLst>
+                                          <p:attrName>style.visibility</p:attrName>
+                                        </p:attrNameLst>
+                                      </p:cBhvr>
+                                      <p:to>
+                                        <p:strVal val="visible"/>
+                                      </p:to>
+                                    </p:set>
+                                    <p:animEffect transition="in" filter="fade">
+                                      <p:cBhvr>
+                                        <p:cTn id="31" dur="500"/>
+                                        <p:tgtEl>
+                                          <p:spTgt spid="28"/>
+                                        </p:tgtEl>
+                                      </p:cBhvr>
+                                    </p:animEffect>
+                                  </p:childTnLst>
+                                </p:cTn>
+                              </p:par>
+                              <p:par>
+                                <p:cTn id="32" presetID="10" presetClass="entr" presetSubtype="0" fill="hold" grpId="0" nodeType="withEffect">
+                                  <p:stCondLst>
+                                    <p:cond delay="0"/>
+                                  </p:stCondLst>
+                                  <p:childTnLst>
+                                    <p:set>
+                                      <p:cBhvr>
+                                        <p:cTn id="33" dur="1" fill="hold">
+                                          <p:stCondLst>
+                                            <p:cond delay="0"/>
+                                          </p:stCondLst>
+                                        </p:cTn>
+                                        <p:tgtEl>
+                                          <p:spTgt spid="29"/>
+                                        </p:tgtEl>
+                                        <p:attrNameLst>
+                                          <p:attrName>style.visibility</p:attrName>
+                                        </p:attrNameLst>
+                                      </p:cBhvr>
+                                      <p:to>
+                                        <p:strVal val="visible"/>
+                                      </p:to>
+                                    </p:set>
+                                    <p:animEffect transition="in" filter="fade">
+                                      <p:cBhvr>
+                                        <p:cTn id="34" dur="500"/>
+                                        <p:tgtEl>
+                                          <p:spTgt spid="29"/>
                                         </p:tgtEl>
                                       </p:cBhvr>
                                     </p:animEffect>
@@ -8565,34 +8959,1054 @@
                     </p:cTn>
                   </p:par>
                   <p:par>
-                    <p:cTn id="17" fill="hold">
+                    <p:cTn id="35" fill="hold">
                       <p:stCondLst>
                         <p:cond delay="indefinite"/>
                       </p:stCondLst>
                       <p:childTnLst>
                         <p:par>
-                          <p:cTn id="18" fill="hold">
+                          <p:cTn id="36" fill="hold">
                             <p:stCondLst>
                               <p:cond delay="0"/>
                             </p:stCondLst>
                             <p:childTnLst>
                               <p:par>
-                                <p:cTn id="19" presetID="8" presetClass="emph" presetSubtype="0" fill="hold" nodeType="clickEffect">
+                                <p:cTn id="37" presetID="35" presetClass="exit" presetSubtype="0" fill="hold" nodeType="clickEffect">
                                   <p:stCondLst>
                                     <p:cond delay="0"/>
                                   </p:stCondLst>
                                   <p:childTnLst>
-                                    <p:animRot by="21600000">
-                                      <p:cBhvr>
-                                        <p:cTn id="20" dur="1250" fill="hold"/>
+                                    <p:animEffect transition="out" filter="fade">
+                                      <p:cBhvr>
+                                        <p:cTn id="38" dur="2000"/>
+                                        <p:tgtEl>
+                                          <p:spTgt spid="16"/>
+                                        </p:tgtEl>
+                                      </p:cBhvr>
+                                    </p:animEffect>
+                                    <p:anim calcmode="lin" valueType="num">
+                                      <p:cBhvr>
+                                        <p:cTn id="39" dur="2000"/>
+                                        <p:tgtEl>
+                                          <p:spTgt spid="16"/>
+                                        </p:tgtEl>
+                                        <p:attrNameLst>
+                                          <p:attrName>style.rotation</p:attrName>
+                                        </p:attrNameLst>
+                                      </p:cBhvr>
+                                      <p:tavLst>
+                                        <p:tav tm="0">
+                                          <p:val>
+                                            <p:fltVal val="0"/>
+                                          </p:val>
+                                        </p:tav>
+                                        <p:tav tm="100000">
+                                          <p:val>
+                                            <p:fltVal val="720"/>
+                                          </p:val>
+                                        </p:tav>
+                                      </p:tavLst>
+                                    </p:anim>
+                                    <p:anim calcmode="lin" valueType="num">
+                                      <p:cBhvr>
+                                        <p:cTn id="40" dur="2000"/>
+                                        <p:tgtEl>
+                                          <p:spTgt spid="16"/>
+                                        </p:tgtEl>
+                                        <p:attrNameLst>
+                                          <p:attrName>ppt_h</p:attrName>
+                                        </p:attrNameLst>
+                                      </p:cBhvr>
+                                      <p:tavLst>
+                                        <p:tav tm="0">
+                                          <p:val>
+                                            <p:strVal val="ppt_h"/>
+                                          </p:val>
+                                        </p:tav>
+                                        <p:tav tm="100000">
+                                          <p:val>
+                                            <p:fltVal val="0"/>
+                                          </p:val>
+                                        </p:tav>
+                                      </p:tavLst>
+                                    </p:anim>
+                                    <p:anim calcmode="lin" valueType="num">
+                                      <p:cBhvr>
+                                        <p:cTn id="41" dur="2000"/>
+                                        <p:tgtEl>
+                                          <p:spTgt spid="16"/>
+                                        </p:tgtEl>
+                                        <p:attrNameLst>
+                                          <p:attrName>ppt_w</p:attrName>
+                                        </p:attrNameLst>
+                                      </p:cBhvr>
+                                      <p:tavLst>
+                                        <p:tav tm="0">
+                                          <p:val>
+                                            <p:strVal val="ppt_w"/>
+                                          </p:val>
+                                        </p:tav>
+                                        <p:tav tm="100000">
+                                          <p:val>
+                                            <p:fltVal val="0"/>
+                                          </p:val>
+                                        </p:tav>
+                                      </p:tavLst>
+                                    </p:anim>
+                                    <p:set>
+                                      <p:cBhvr>
+                                        <p:cTn id="42" dur="1" fill="hold">
+                                          <p:stCondLst>
+                                            <p:cond delay="1999"/>
+                                          </p:stCondLst>
+                                        </p:cTn>
+                                        <p:tgtEl>
+                                          <p:spTgt spid="16"/>
+                                        </p:tgtEl>
+                                        <p:attrNameLst>
+                                          <p:attrName>style.visibility</p:attrName>
+                                        </p:attrNameLst>
+                                      </p:cBhvr>
+                                      <p:to>
+                                        <p:strVal val="hidden"/>
+                                      </p:to>
+                                    </p:set>
+                                  </p:childTnLst>
+                                </p:cTn>
+                              </p:par>
+                              <p:par>
+                                <p:cTn id="43" presetID="35" presetClass="exit" presetSubtype="0" fill="hold" grpId="1" nodeType="withEffect">
+                                  <p:stCondLst>
+                                    <p:cond delay="0"/>
+                                  </p:stCondLst>
+                                  <p:childTnLst>
+                                    <p:animEffect transition="out" filter="fade">
+                                      <p:cBhvr>
+                                        <p:cTn id="44" dur="2000"/>
+                                        <p:tgtEl>
+                                          <p:spTgt spid="17"/>
+                                        </p:tgtEl>
+                                      </p:cBhvr>
+                                    </p:animEffect>
+                                    <p:anim calcmode="lin" valueType="num">
+                                      <p:cBhvr>
+                                        <p:cTn id="45" dur="2000"/>
+                                        <p:tgtEl>
+                                          <p:spTgt spid="17"/>
+                                        </p:tgtEl>
+                                        <p:attrNameLst>
+                                          <p:attrName>style.rotation</p:attrName>
+                                        </p:attrNameLst>
+                                      </p:cBhvr>
+                                      <p:tavLst>
+                                        <p:tav tm="0">
+                                          <p:val>
+                                            <p:fltVal val="0"/>
+                                          </p:val>
+                                        </p:tav>
+                                        <p:tav tm="100000">
+                                          <p:val>
+                                            <p:fltVal val="720"/>
+                                          </p:val>
+                                        </p:tav>
+                                      </p:tavLst>
+                                    </p:anim>
+                                    <p:anim calcmode="lin" valueType="num">
+                                      <p:cBhvr>
+                                        <p:cTn id="46" dur="2000"/>
+                                        <p:tgtEl>
+                                          <p:spTgt spid="17"/>
+                                        </p:tgtEl>
+                                        <p:attrNameLst>
+                                          <p:attrName>ppt_h</p:attrName>
+                                        </p:attrNameLst>
+                                      </p:cBhvr>
+                                      <p:tavLst>
+                                        <p:tav tm="0">
+                                          <p:val>
+                                            <p:strVal val="ppt_h"/>
+                                          </p:val>
+                                        </p:tav>
+                                        <p:tav tm="100000">
+                                          <p:val>
+                                            <p:fltVal val="0"/>
+                                          </p:val>
+                                        </p:tav>
+                                      </p:tavLst>
+                                    </p:anim>
+                                    <p:anim calcmode="lin" valueType="num">
+                                      <p:cBhvr>
+                                        <p:cTn id="47" dur="2000"/>
+                                        <p:tgtEl>
+                                          <p:spTgt spid="17"/>
+                                        </p:tgtEl>
+                                        <p:attrNameLst>
+                                          <p:attrName>ppt_w</p:attrName>
+                                        </p:attrNameLst>
+                                      </p:cBhvr>
+                                      <p:tavLst>
+                                        <p:tav tm="0">
+                                          <p:val>
+                                            <p:strVal val="ppt_w"/>
+                                          </p:val>
+                                        </p:tav>
+                                        <p:tav tm="100000">
+                                          <p:val>
+                                            <p:fltVal val="0"/>
+                                          </p:val>
+                                        </p:tav>
+                                      </p:tavLst>
+                                    </p:anim>
+                                    <p:set>
+                                      <p:cBhvr>
+                                        <p:cTn id="48" dur="1" fill="hold">
+                                          <p:stCondLst>
+                                            <p:cond delay="1999"/>
+                                          </p:stCondLst>
+                                        </p:cTn>
+                                        <p:tgtEl>
+                                          <p:spTgt spid="17"/>
+                                        </p:tgtEl>
+                                        <p:attrNameLst>
+                                          <p:attrName>style.visibility</p:attrName>
+                                        </p:attrNameLst>
+                                      </p:cBhvr>
+                                      <p:to>
+                                        <p:strVal val="hidden"/>
+                                      </p:to>
+                                    </p:set>
+                                  </p:childTnLst>
+                                </p:cTn>
+                              </p:par>
+                              <p:par>
+                                <p:cTn id="49" presetID="35" presetClass="exit" presetSubtype="0" fill="hold" nodeType="withEffect">
+                                  <p:stCondLst>
+                                    <p:cond delay="0"/>
+                                  </p:stCondLst>
+                                  <p:childTnLst>
+                                    <p:animEffect transition="out" filter="fade">
+                                      <p:cBhvr>
+                                        <p:cTn id="50" dur="2000"/>
+                                        <p:tgtEl>
+                                          <p:spTgt spid="20"/>
+                                        </p:tgtEl>
+                                      </p:cBhvr>
+                                    </p:animEffect>
+                                    <p:anim calcmode="lin" valueType="num">
+                                      <p:cBhvr>
+                                        <p:cTn id="51" dur="2000"/>
+                                        <p:tgtEl>
+                                          <p:spTgt spid="20"/>
+                                        </p:tgtEl>
+                                        <p:attrNameLst>
+                                          <p:attrName>style.rotation</p:attrName>
+                                        </p:attrNameLst>
+                                      </p:cBhvr>
+                                      <p:tavLst>
+                                        <p:tav tm="0">
+                                          <p:val>
+                                            <p:fltVal val="0"/>
+                                          </p:val>
+                                        </p:tav>
+                                        <p:tav tm="100000">
+                                          <p:val>
+                                            <p:fltVal val="720"/>
+                                          </p:val>
+                                        </p:tav>
+                                      </p:tavLst>
+                                    </p:anim>
+                                    <p:anim calcmode="lin" valueType="num">
+                                      <p:cBhvr>
+                                        <p:cTn id="52" dur="2000"/>
+                                        <p:tgtEl>
+                                          <p:spTgt spid="20"/>
+                                        </p:tgtEl>
+                                        <p:attrNameLst>
+                                          <p:attrName>ppt_h</p:attrName>
+                                        </p:attrNameLst>
+                                      </p:cBhvr>
+                                      <p:tavLst>
+                                        <p:tav tm="0">
+                                          <p:val>
+                                            <p:strVal val="ppt_h"/>
+                                          </p:val>
+                                        </p:tav>
+                                        <p:tav tm="100000">
+                                          <p:val>
+                                            <p:fltVal val="0"/>
+                                          </p:val>
+                                        </p:tav>
+                                      </p:tavLst>
+                                    </p:anim>
+                                    <p:anim calcmode="lin" valueType="num">
+                                      <p:cBhvr>
+                                        <p:cTn id="53" dur="2000"/>
+                                        <p:tgtEl>
+                                          <p:spTgt spid="20"/>
+                                        </p:tgtEl>
+                                        <p:attrNameLst>
+                                          <p:attrName>ppt_w</p:attrName>
+                                        </p:attrNameLst>
+                                      </p:cBhvr>
+                                      <p:tavLst>
+                                        <p:tav tm="0">
+                                          <p:val>
+                                            <p:strVal val="ppt_w"/>
+                                          </p:val>
+                                        </p:tav>
+                                        <p:tav tm="100000">
+                                          <p:val>
+                                            <p:fltVal val="0"/>
+                                          </p:val>
+                                        </p:tav>
+                                      </p:tavLst>
+                                    </p:anim>
+                                    <p:set>
+                                      <p:cBhvr>
+                                        <p:cTn id="54" dur="1" fill="hold">
+                                          <p:stCondLst>
+                                            <p:cond delay="1999"/>
+                                          </p:stCondLst>
+                                        </p:cTn>
+                                        <p:tgtEl>
+                                          <p:spTgt spid="20"/>
+                                        </p:tgtEl>
+                                        <p:attrNameLst>
+                                          <p:attrName>style.visibility</p:attrName>
+                                        </p:attrNameLst>
+                                      </p:cBhvr>
+                                      <p:to>
+                                        <p:strVal val="hidden"/>
+                                      </p:to>
+                                    </p:set>
+                                  </p:childTnLst>
+                                </p:cTn>
+                              </p:par>
+                              <p:par>
+                                <p:cTn id="55" presetID="35" presetClass="exit" presetSubtype="0" fill="hold" grpId="1" nodeType="withEffect">
+                                  <p:stCondLst>
+                                    <p:cond delay="0"/>
+                                  </p:stCondLst>
+                                  <p:childTnLst>
+                                    <p:animEffect transition="out" filter="fade">
+                                      <p:cBhvr>
+                                        <p:cTn id="56" dur="2000"/>
+                                        <p:tgtEl>
+                                          <p:spTgt spid="22"/>
+                                        </p:tgtEl>
+                                      </p:cBhvr>
+                                    </p:animEffect>
+                                    <p:anim calcmode="lin" valueType="num">
+                                      <p:cBhvr>
+                                        <p:cTn id="57" dur="2000"/>
+                                        <p:tgtEl>
+                                          <p:spTgt spid="22"/>
+                                        </p:tgtEl>
+                                        <p:attrNameLst>
+                                          <p:attrName>style.rotation</p:attrName>
+                                        </p:attrNameLst>
+                                      </p:cBhvr>
+                                      <p:tavLst>
+                                        <p:tav tm="0">
+                                          <p:val>
+                                            <p:fltVal val="0"/>
+                                          </p:val>
+                                        </p:tav>
+                                        <p:tav tm="100000">
+                                          <p:val>
+                                            <p:fltVal val="720"/>
+                                          </p:val>
+                                        </p:tav>
+                                      </p:tavLst>
+                                    </p:anim>
+                                    <p:anim calcmode="lin" valueType="num">
+                                      <p:cBhvr>
+                                        <p:cTn id="58" dur="2000"/>
+                                        <p:tgtEl>
+                                          <p:spTgt spid="22"/>
+                                        </p:tgtEl>
+                                        <p:attrNameLst>
+                                          <p:attrName>ppt_h</p:attrName>
+                                        </p:attrNameLst>
+                                      </p:cBhvr>
+                                      <p:tavLst>
+                                        <p:tav tm="0">
+                                          <p:val>
+                                            <p:strVal val="ppt_h"/>
+                                          </p:val>
+                                        </p:tav>
+                                        <p:tav tm="100000">
+                                          <p:val>
+                                            <p:fltVal val="0"/>
+                                          </p:val>
+                                        </p:tav>
+                                      </p:tavLst>
+                                    </p:anim>
+                                    <p:anim calcmode="lin" valueType="num">
+                                      <p:cBhvr>
+                                        <p:cTn id="59" dur="2000"/>
+                                        <p:tgtEl>
+                                          <p:spTgt spid="22"/>
+                                        </p:tgtEl>
+                                        <p:attrNameLst>
+                                          <p:attrName>ppt_w</p:attrName>
+                                        </p:attrNameLst>
+                                      </p:cBhvr>
+                                      <p:tavLst>
+                                        <p:tav tm="0">
+                                          <p:val>
+                                            <p:strVal val="ppt_w"/>
+                                          </p:val>
+                                        </p:tav>
+                                        <p:tav tm="100000">
+                                          <p:val>
+                                            <p:fltVal val="0"/>
+                                          </p:val>
+                                        </p:tav>
+                                      </p:tavLst>
+                                    </p:anim>
+                                    <p:set>
+                                      <p:cBhvr>
+                                        <p:cTn id="60" dur="1" fill="hold">
+                                          <p:stCondLst>
+                                            <p:cond delay="1999"/>
+                                          </p:stCondLst>
+                                        </p:cTn>
+                                        <p:tgtEl>
+                                          <p:spTgt spid="22"/>
+                                        </p:tgtEl>
+                                        <p:attrNameLst>
+                                          <p:attrName>style.visibility</p:attrName>
+                                        </p:attrNameLst>
+                                      </p:cBhvr>
+                                      <p:to>
+                                        <p:strVal val="hidden"/>
+                                      </p:to>
+                                    </p:set>
+                                  </p:childTnLst>
+                                </p:cTn>
+                              </p:par>
+                              <p:par>
+                                <p:cTn id="61" presetID="35" presetClass="exit" presetSubtype="0" fill="hold" nodeType="withEffect">
+                                  <p:stCondLst>
+                                    <p:cond delay="0"/>
+                                  </p:stCondLst>
+                                  <p:childTnLst>
+                                    <p:animEffect transition="out" filter="fade">
+                                      <p:cBhvr>
+                                        <p:cTn id="62" dur="2000"/>
                                         <p:tgtEl>
                                           <p:spTgt spid="24"/>
                                         </p:tgtEl>
+                                      </p:cBhvr>
+                                    </p:animEffect>
+                                    <p:anim calcmode="lin" valueType="num">
+                                      <p:cBhvr>
+                                        <p:cTn id="63" dur="2000"/>
+                                        <p:tgtEl>
+                                          <p:spTgt spid="24"/>
+                                        </p:tgtEl>
                                         <p:attrNameLst>
-                                          <p:attrName>r</p:attrName>
+                                          <p:attrName>style.rotation</p:attrName>
                                         </p:attrNameLst>
                                       </p:cBhvr>
-                                    </p:animRot>
+                                      <p:tavLst>
+                                        <p:tav tm="0">
+                                          <p:val>
+                                            <p:fltVal val="0"/>
+                                          </p:val>
+                                        </p:tav>
+                                        <p:tav tm="100000">
+                                          <p:val>
+                                            <p:fltVal val="720"/>
+                                          </p:val>
+                                        </p:tav>
+                                      </p:tavLst>
+                                    </p:anim>
+                                    <p:anim calcmode="lin" valueType="num">
+                                      <p:cBhvr>
+                                        <p:cTn id="64" dur="2000"/>
+                                        <p:tgtEl>
+                                          <p:spTgt spid="24"/>
+                                        </p:tgtEl>
+                                        <p:attrNameLst>
+                                          <p:attrName>ppt_h</p:attrName>
+                                        </p:attrNameLst>
+                                      </p:cBhvr>
+                                      <p:tavLst>
+                                        <p:tav tm="0">
+                                          <p:val>
+                                            <p:strVal val="ppt_h"/>
+                                          </p:val>
+                                        </p:tav>
+                                        <p:tav tm="100000">
+                                          <p:val>
+                                            <p:fltVal val="0"/>
+                                          </p:val>
+                                        </p:tav>
+                                      </p:tavLst>
+                                    </p:anim>
+                                    <p:anim calcmode="lin" valueType="num">
+                                      <p:cBhvr>
+                                        <p:cTn id="65" dur="2000"/>
+                                        <p:tgtEl>
+                                          <p:spTgt spid="24"/>
+                                        </p:tgtEl>
+                                        <p:attrNameLst>
+                                          <p:attrName>ppt_w</p:attrName>
+                                        </p:attrNameLst>
+                                      </p:cBhvr>
+                                      <p:tavLst>
+                                        <p:tav tm="0">
+                                          <p:val>
+                                            <p:strVal val="ppt_w"/>
+                                          </p:val>
+                                        </p:tav>
+                                        <p:tav tm="100000">
+                                          <p:val>
+                                            <p:fltVal val="0"/>
+                                          </p:val>
+                                        </p:tav>
+                                      </p:tavLst>
+                                    </p:anim>
+                                    <p:set>
+                                      <p:cBhvr>
+                                        <p:cTn id="66" dur="1" fill="hold">
+                                          <p:stCondLst>
+                                            <p:cond delay="1999"/>
+                                          </p:stCondLst>
+                                        </p:cTn>
+                                        <p:tgtEl>
+                                          <p:spTgt spid="24"/>
+                                        </p:tgtEl>
+                                        <p:attrNameLst>
+                                          <p:attrName>style.visibility</p:attrName>
+                                        </p:attrNameLst>
+                                      </p:cBhvr>
+                                      <p:to>
+                                        <p:strVal val="hidden"/>
+                                      </p:to>
+                                    </p:set>
+                                  </p:childTnLst>
+                                </p:cTn>
+                              </p:par>
+                              <p:par>
+                                <p:cTn id="67" presetID="35" presetClass="exit" presetSubtype="0" fill="hold" grpId="1" nodeType="withEffect">
+                                  <p:stCondLst>
+                                    <p:cond delay="0"/>
+                                  </p:stCondLst>
+                                  <p:childTnLst>
+                                    <p:animEffect transition="out" filter="fade">
+                                      <p:cBhvr>
+                                        <p:cTn id="68" dur="2000"/>
+                                        <p:tgtEl>
+                                          <p:spTgt spid="25"/>
+                                        </p:tgtEl>
+                                      </p:cBhvr>
+                                    </p:animEffect>
+                                    <p:anim calcmode="lin" valueType="num">
+                                      <p:cBhvr>
+                                        <p:cTn id="69" dur="2000"/>
+                                        <p:tgtEl>
+                                          <p:spTgt spid="25"/>
+                                        </p:tgtEl>
+                                        <p:attrNameLst>
+                                          <p:attrName>style.rotation</p:attrName>
+                                        </p:attrNameLst>
+                                      </p:cBhvr>
+                                      <p:tavLst>
+                                        <p:tav tm="0">
+                                          <p:val>
+                                            <p:fltVal val="0"/>
+                                          </p:val>
+                                        </p:tav>
+                                        <p:tav tm="100000">
+                                          <p:val>
+                                            <p:fltVal val="720"/>
+                                          </p:val>
+                                        </p:tav>
+                                      </p:tavLst>
+                                    </p:anim>
+                                    <p:anim calcmode="lin" valueType="num">
+                                      <p:cBhvr>
+                                        <p:cTn id="70" dur="2000"/>
+                                        <p:tgtEl>
+                                          <p:spTgt spid="25"/>
+                                        </p:tgtEl>
+                                        <p:attrNameLst>
+                                          <p:attrName>ppt_h</p:attrName>
+                                        </p:attrNameLst>
+                                      </p:cBhvr>
+                                      <p:tavLst>
+                                        <p:tav tm="0">
+                                          <p:val>
+                                            <p:strVal val="ppt_h"/>
+                                          </p:val>
+                                        </p:tav>
+                                        <p:tav tm="100000">
+                                          <p:val>
+                                            <p:fltVal val="0"/>
+                                          </p:val>
+                                        </p:tav>
+                                      </p:tavLst>
+                                    </p:anim>
+                                    <p:anim calcmode="lin" valueType="num">
+                                      <p:cBhvr>
+                                        <p:cTn id="71" dur="2000"/>
+                                        <p:tgtEl>
+                                          <p:spTgt spid="25"/>
+                                        </p:tgtEl>
+                                        <p:attrNameLst>
+                                          <p:attrName>ppt_w</p:attrName>
+                                        </p:attrNameLst>
+                                      </p:cBhvr>
+                                      <p:tavLst>
+                                        <p:tav tm="0">
+                                          <p:val>
+                                            <p:strVal val="ppt_w"/>
+                                          </p:val>
+                                        </p:tav>
+                                        <p:tav tm="100000">
+                                          <p:val>
+                                            <p:fltVal val="0"/>
+                                          </p:val>
+                                        </p:tav>
+                                      </p:tavLst>
+                                    </p:anim>
+                                    <p:set>
+                                      <p:cBhvr>
+                                        <p:cTn id="72" dur="1" fill="hold">
+                                          <p:stCondLst>
+                                            <p:cond delay="1999"/>
+                                          </p:stCondLst>
+                                        </p:cTn>
+                                        <p:tgtEl>
+                                          <p:spTgt spid="25"/>
+                                        </p:tgtEl>
+                                        <p:attrNameLst>
+                                          <p:attrName>style.visibility</p:attrName>
+                                        </p:attrNameLst>
+                                      </p:cBhvr>
+                                      <p:to>
+                                        <p:strVal val="hidden"/>
+                                      </p:to>
+                                    </p:set>
+                                  </p:childTnLst>
+                                </p:cTn>
+                              </p:par>
+                              <p:par>
+                                <p:cTn id="73" presetID="35" presetClass="exit" presetSubtype="0" fill="hold" nodeType="withEffect">
+                                  <p:stCondLst>
+                                    <p:cond delay="0"/>
+                                  </p:stCondLst>
+                                  <p:childTnLst>
+                                    <p:animEffect transition="out" filter="fade">
+                                      <p:cBhvr>
+                                        <p:cTn id="74" dur="2000"/>
+                                        <p:tgtEl>
+                                          <p:spTgt spid="26"/>
+                                        </p:tgtEl>
+                                      </p:cBhvr>
+                                    </p:animEffect>
+                                    <p:anim calcmode="lin" valueType="num">
+                                      <p:cBhvr>
+                                        <p:cTn id="75" dur="2000"/>
+                                        <p:tgtEl>
+                                          <p:spTgt spid="26"/>
+                                        </p:tgtEl>
+                                        <p:attrNameLst>
+                                          <p:attrName>style.rotation</p:attrName>
+                                        </p:attrNameLst>
+                                      </p:cBhvr>
+                                      <p:tavLst>
+                                        <p:tav tm="0">
+                                          <p:val>
+                                            <p:fltVal val="0"/>
+                                          </p:val>
+                                        </p:tav>
+                                        <p:tav tm="100000">
+                                          <p:val>
+                                            <p:fltVal val="720"/>
+                                          </p:val>
+                                        </p:tav>
+                                      </p:tavLst>
+                                    </p:anim>
+                                    <p:anim calcmode="lin" valueType="num">
+                                      <p:cBhvr>
+                                        <p:cTn id="76" dur="2000"/>
+                                        <p:tgtEl>
+                                          <p:spTgt spid="26"/>
+                                        </p:tgtEl>
+                                        <p:attrNameLst>
+                                          <p:attrName>ppt_h</p:attrName>
+                                        </p:attrNameLst>
+                                      </p:cBhvr>
+                                      <p:tavLst>
+                                        <p:tav tm="0">
+                                          <p:val>
+                                            <p:strVal val="ppt_h"/>
+                                          </p:val>
+                                        </p:tav>
+                                        <p:tav tm="100000">
+                                          <p:val>
+                                            <p:fltVal val="0"/>
+                                          </p:val>
+                                        </p:tav>
+                                      </p:tavLst>
+                                    </p:anim>
+                                    <p:anim calcmode="lin" valueType="num">
+                                      <p:cBhvr>
+                                        <p:cTn id="77" dur="2000"/>
+                                        <p:tgtEl>
+                                          <p:spTgt spid="26"/>
+                                        </p:tgtEl>
+                                        <p:attrNameLst>
+                                          <p:attrName>ppt_w</p:attrName>
+                                        </p:attrNameLst>
+                                      </p:cBhvr>
+                                      <p:tavLst>
+                                        <p:tav tm="0">
+                                          <p:val>
+                                            <p:strVal val="ppt_w"/>
+                                          </p:val>
+                                        </p:tav>
+                                        <p:tav tm="100000">
+                                          <p:val>
+                                            <p:fltVal val="0"/>
+                                          </p:val>
+                                        </p:tav>
+                                      </p:tavLst>
+                                    </p:anim>
+                                    <p:set>
+                                      <p:cBhvr>
+                                        <p:cTn id="78" dur="1" fill="hold">
+                                          <p:stCondLst>
+                                            <p:cond delay="1999"/>
+                                          </p:stCondLst>
+                                        </p:cTn>
+                                        <p:tgtEl>
+                                          <p:spTgt spid="26"/>
+                                        </p:tgtEl>
+                                        <p:attrNameLst>
+                                          <p:attrName>style.visibility</p:attrName>
+                                        </p:attrNameLst>
+                                      </p:cBhvr>
+                                      <p:to>
+                                        <p:strVal val="hidden"/>
+                                      </p:to>
+                                    </p:set>
+                                  </p:childTnLst>
+                                </p:cTn>
+                              </p:par>
+                              <p:par>
+                                <p:cTn id="79" presetID="35" presetClass="exit" presetSubtype="0" fill="hold" grpId="1" nodeType="withEffect">
+                                  <p:stCondLst>
+                                    <p:cond delay="0"/>
+                                  </p:stCondLst>
+                                  <p:childTnLst>
+                                    <p:animEffect transition="out" filter="fade">
+                                      <p:cBhvr>
+                                        <p:cTn id="80" dur="2000"/>
+                                        <p:tgtEl>
+                                          <p:spTgt spid="27"/>
+                                        </p:tgtEl>
+                                      </p:cBhvr>
+                                    </p:animEffect>
+                                    <p:anim calcmode="lin" valueType="num">
+                                      <p:cBhvr>
+                                        <p:cTn id="81" dur="2000"/>
+                                        <p:tgtEl>
+                                          <p:spTgt spid="27"/>
+                                        </p:tgtEl>
+                                        <p:attrNameLst>
+                                          <p:attrName>style.rotation</p:attrName>
+                                        </p:attrNameLst>
+                                      </p:cBhvr>
+                                      <p:tavLst>
+                                        <p:tav tm="0">
+                                          <p:val>
+                                            <p:fltVal val="0"/>
+                                          </p:val>
+                                        </p:tav>
+                                        <p:tav tm="100000">
+                                          <p:val>
+                                            <p:fltVal val="720"/>
+                                          </p:val>
+                                        </p:tav>
+                                      </p:tavLst>
+                                    </p:anim>
+                                    <p:anim calcmode="lin" valueType="num">
+                                      <p:cBhvr>
+                                        <p:cTn id="82" dur="2000"/>
+                                        <p:tgtEl>
+                                          <p:spTgt spid="27"/>
+                                        </p:tgtEl>
+                                        <p:attrNameLst>
+                                          <p:attrName>ppt_h</p:attrName>
+                                        </p:attrNameLst>
+                                      </p:cBhvr>
+                                      <p:tavLst>
+                                        <p:tav tm="0">
+                                          <p:val>
+                                            <p:strVal val="ppt_h"/>
+                                          </p:val>
+                                        </p:tav>
+                                        <p:tav tm="100000">
+                                          <p:val>
+                                            <p:fltVal val="0"/>
+                                          </p:val>
+                                        </p:tav>
+                                      </p:tavLst>
+                                    </p:anim>
+                                    <p:anim calcmode="lin" valueType="num">
+                                      <p:cBhvr>
+                                        <p:cTn id="83" dur="2000"/>
+                                        <p:tgtEl>
+                                          <p:spTgt spid="27"/>
+                                        </p:tgtEl>
+                                        <p:attrNameLst>
+                                          <p:attrName>ppt_w</p:attrName>
+                                        </p:attrNameLst>
+                                      </p:cBhvr>
+                                      <p:tavLst>
+                                        <p:tav tm="0">
+                                          <p:val>
+                                            <p:strVal val="ppt_w"/>
+                                          </p:val>
+                                        </p:tav>
+                                        <p:tav tm="100000">
+                                          <p:val>
+                                            <p:fltVal val="0"/>
+                                          </p:val>
+                                        </p:tav>
+                                      </p:tavLst>
+                                    </p:anim>
+                                    <p:set>
+                                      <p:cBhvr>
+                                        <p:cTn id="84" dur="1" fill="hold">
+                                          <p:stCondLst>
+                                            <p:cond delay="1999"/>
+                                          </p:stCondLst>
+                                        </p:cTn>
+                                        <p:tgtEl>
+                                          <p:spTgt spid="27"/>
+                                        </p:tgtEl>
+                                        <p:attrNameLst>
+                                          <p:attrName>style.visibility</p:attrName>
+                                        </p:attrNameLst>
+                                      </p:cBhvr>
+                                      <p:to>
+                                        <p:strVal val="hidden"/>
+                                      </p:to>
+                                    </p:set>
+                                  </p:childTnLst>
+                                </p:cTn>
+                              </p:par>
+                              <p:par>
+                                <p:cTn id="85" presetID="35" presetClass="exit" presetSubtype="0" fill="hold" nodeType="withEffect">
+                                  <p:stCondLst>
+                                    <p:cond delay="0"/>
+                                  </p:stCondLst>
+                                  <p:childTnLst>
+                                    <p:animEffect transition="out" filter="fade">
+                                      <p:cBhvr>
+                                        <p:cTn id="86" dur="2000"/>
+                                        <p:tgtEl>
+                                          <p:spTgt spid="28"/>
+                                        </p:tgtEl>
+                                      </p:cBhvr>
+                                    </p:animEffect>
+                                    <p:anim calcmode="lin" valueType="num">
+                                      <p:cBhvr>
+                                        <p:cTn id="87" dur="2000"/>
+                                        <p:tgtEl>
+                                          <p:spTgt spid="28"/>
+                                        </p:tgtEl>
+                                        <p:attrNameLst>
+                                          <p:attrName>style.rotation</p:attrName>
+                                        </p:attrNameLst>
+                                      </p:cBhvr>
+                                      <p:tavLst>
+                                        <p:tav tm="0">
+                                          <p:val>
+                                            <p:fltVal val="0"/>
+                                          </p:val>
+                                        </p:tav>
+                                        <p:tav tm="100000">
+                                          <p:val>
+                                            <p:fltVal val="720"/>
+                                          </p:val>
+                                        </p:tav>
+                                      </p:tavLst>
+                                    </p:anim>
+                                    <p:anim calcmode="lin" valueType="num">
+                                      <p:cBhvr>
+                                        <p:cTn id="88" dur="2000"/>
+                                        <p:tgtEl>
+                                          <p:spTgt spid="28"/>
+                                        </p:tgtEl>
+                                        <p:attrNameLst>
+                                          <p:attrName>ppt_h</p:attrName>
+                                        </p:attrNameLst>
+                                      </p:cBhvr>
+                                      <p:tavLst>
+                                        <p:tav tm="0">
+                                          <p:val>
+                                            <p:strVal val="ppt_h"/>
+                                          </p:val>
+                                        </p:tav>
+                                        <p:tav tm="100000">
+                                          <p:val>
+                                            <p:fltVal val="0"/>
+                                          </p:val>
+                                        </p:tav>
+                                      </p:tavLst>
+                                    </p:anim>
+                                    <p:anim calcmode="lin" valueType="num">
+                                      <p:cBhvr>
+                                        <p:cTn id="89" dur="2000"/>
+                                        <p:tgtEl>
+                                          <p:spTgt spid="28"/>
+                                        </p:tgtEl>
+                                        <p:attrNameLst>
+                                          <p:attrName>ppt_w</p:attrName>
+                                        </p:attrNameLst>
+                                      </p:cBhvr>
+                                      <p:tavLst>
+                                        <p:tav tm="0">
+                                          <p:val>
+                                            <p:strVal val="ppt_w"/>
+                                          </p:val>
+                                        </p:tav>
+                                        <p:tav tm="100000">
+                                          <p:val>
+                                            <p:fltVal val="0"/>
+                                          </p:val>
+                                        </p:tav>
+                                      </p:tavLst>
+                                    </p:anim>
+                                    <p:set>
+                                      <p:cBhvr>
+                                        <p:cTn id="90" dur="1" fill="hold">
+                                          <p:stCondLst>
+                                            <p:cond delay="1999"/>
+                                          </p:stCondLst>
+                                        </p:cTn>
+                                        <p:tgtEl>
+                                          <p:spTgt spid="28"/>
+                                        </p:tgtEl>
+                                        <p:attrNameLst>
+                                          <p:attrName>style.visibility</p:attrName>
+                                        </p:attrNameLst>
+                                      </p:cBhvr>
+                                      <p:to>
+                                        <p:strVal val="hidden"/>
+                                      </p:to>
+                                    </p:set>
+                                  </p:childTnLst>
+                                </p:cTn>
+                              </p:par>
+                              <p:par>
+                                <p:cTn id="91" presetID="35" presetClass="exit" presetSubtype="0" fill="hold" grpId="1" nodeType="withEffect">
+                                  <p:stCondLst>
+                                    <p:cond delay="0"/>
+                                  </p:stCondLst>
+                                  <p:childTnLst>
+                                    <p:animEffect transition="out" filter="fade">
+                                      <p:cBhvr>
+                                        <p:cTn id="92" dur="2000"/>
+                                        <p:tgtEl>
+                                          <p:spTgt spid="29"/>
+                                        </p:tgtEl>
+                                      </p:cBhvr>
+                                    </p:animEffect>
+                                    <p:anim calcmode="lin" valueType="num">
+                                      <p:cBhvr>
+                                        <p:cTn id="93" dur="2000"/>
+                                        <p:tgtEl>
+                                          <p:spTgt spid="29"/>
+                                        </p:tgtEl>
+                                        <p:attrNameLst>
+                                          <p:attrName>style.rotation</p:attrName>
+                                        </p:attrNameLst>
+                                      </p:cBhvr>
+                                      <p:tavLst>
+                                        <p:tav tm="0">
+                                          <p:val>
+                                            <p:fltVal val="0"/>
+                                          </p:val>
+                                        </p:tav>
+                                        <p:tav tm="100000">
+                                          <p:val>
+                                            <p:fltVal val="720"/>
+                                          </p:val>
+                                        </p:tav>
+                                      </p:tavLst>
+                                    </p:anim>
+                                    <p:anim calcmode="lin" valueType="num">
+                                      <p:cBhvr>
+                                        <p:cTn id="94" dur="2000"/>
+                                        <p:tgtEl>
+                                          <p:spTgt spid="29"/>
+                                        </p:tgtEl>
+                                        <p:attrNameLst>
+                                          <p:attrName>ppt_h</p:attrName>
+                                        </p:attrNameLst>
+                                      </p:cBhvr>
+                                      <p:tavLst>
+                                        <p:tav tm="0">
+                                          <p:val>
+                                            <p:strVal val="ppt_h"/>
+                                          </p:val>
+                                        </p:tav>
+                                        <p:tav tm="100000">
+                                          <p:val>
+                                            <p:fltVal val="0"/>
+                                          </p:val>
+                                        </p:tav>
+                                      </p:tavLst>
+                                    </p:anim>
+                                    <p:anim calcmode="lin" valueType="num">
+                                      <p:cBhvr>
+                                        <p:cTn id="95" dur="2000"/>
+                                        <p:tgtEl>
+                                          <p:spTgt spid="29"/>
+                                        </p:tgtEl>
+                                        <p:attrNameLst>
+                                          <p:attrName>ppt_w</p:attrName>
+                                        </p:attrNameLst>
+                                      </p:cBhvr>
+                                      <p:tavLst>
+                                        <p:tav tm="0">
+                                          <p:val>
+                                            <p:strVal val="ppt_w"/>
+                                          </p:val>
+                                        </p:tav>
+                                        <p:tav tm="100000">
+                                          <p:val>
+                                            <p:fltVal val="0"/>
+                                          </p:val>
+                                        </p:tav>
+                                      </p:tavLst>
+                                    </p:anim>
+                                    <p:set>
+                                      <p:cBhvr>
+                                        <p:cTn id="96" dur="1" fill="hold">
+                                          <p:stCondLst>
+                                            <p:cond delay="1999"/>
+                                          </p:stCondLst>
+                                        </p:cTn>
+                                        <p:tgtEl>
+                                          <p:spTgt spid="29"/>
+                                        </p:tgtEl>
+                                        <p:attrNameLst>
+                                          <p:attrName>style.visibility</p:attrName>
+                                        </p:attrNameLst>
+                                      </p:cBhvr>
+                                      <p:to>
+                                        <p:strVal val="hidden"/>
+                                      </p:to>
+                                    </p:set>
                                   </p:childTnLst>
                                 </p:cTn>
                               </p:par>
@@ -8600,26 +10014,26 @@
                           </p:cTn>
                         </p:par>
                         <p:par>
-                          <p:cTn id="21" fill="hold">
+                          <p:cTn id="97" fill="hold">
                             <p:stCondLst>
-                              <p:cond delay="1250"/>
+                              <p:cond delay="2000"/>
                             </p:stCondLst>
                             <p:childTnLst>
                               <p:par>
-                                <p:cTn id="22" presetID="22" presetClass="entr" presetSubtype="8" fill="hold" grpId="0" nodeType="afterEffect">
+                                <p:cTn id="98" presetID="37" presetClass="entr" presetSubtype="0" fill="hold" nodeType="afterEffect">
                                   <p:stCondLst>
                                     <p:cond delay="0"/>
                                   </p:stCondLst>
                                   <p:childTnLst>
                                     <p:set>
                                       <p:cBhvr>
-                                        <p:cTn id="23" dur="1" fill="hold">
+                                        <p:cTn id="99" dur="1" fill="hold">
                                           <p:stCondLst>
                                             <p:cond delay="0"/>
                                           </p:stCondLst>
                                         </p:cTn>
                                         <p:tgtEl>
-                                          <p:spTgt spid="3"/>
+                                          <p:spTgt spid="30"/>
                                         </p:tgtEl>
                                         <p:attrNameLst>
                                           <p:attrName>style.visibility</p:attrName>
@@ -8629,32 +10043,105 @@
                                         <p:strVal val="visible"/>
                                       </p:to>
                                     </p:set>
-                                    <p:animEffect transition="in" filter="wipe(left)">
-                                      <p:cBhvr>
-                                        <p:cTn id="24" dur="500"/>
-                                        <p:tgtEl>
-                                          <p:spTgt spid="3"/>
+                                    <p:animEffect transition="in" filter="fade">
+                                      <p:cBhvr>
+                                        <p:cTn id="100" dur="1000"/>
+                                        <p:tgtEl>
+                                          <p:spTgt spid="30"/>
                                         </p:tgtEl>
                                       </p:cBhvr>
                                     </p:animEffect>
+                                    <p:anim calcmode="lin" valueType="num">
+                                      <p:cBhvr>
+                                        <p:cTn id="101" dur="1000" fill="hold"/>
+                                        <p:tgtEl>
+                                          <p:spTgt spid="30"/>
+                                        </p:tgtEl>
+                                        <p:attrNameLst>
+                                          <p:attrName>ppt_x</p:attrName>
+                                        </p:attrNameLst>
+                                      </p:cBhvr>
+                                      <p:tavLst>
+                                        <p:tav tm="0">
+                                          <p:val>
+                                            <p:strVal val="#ppt_x"/>
+                                          </p:val>
+                                        </p:tav>
+                                        <p:tav tm="100000">
+                                          <p:val>
+                                            <p:strVal val="#ppt_x"/>
+                                          </p:val>
+                                        </p:tav>
+                                      </p:tavLst>
+                                    </p:anim>
+                                    <p:anim calcmode="lin" valueType="num">
+                                      <p:cBhvr>
+                                        <p:cTn id="102" dur="900" decel="100000" fill="hold"/>
+                                        <p:tgtEl>
+                                          <p:spTgt spid="30"/>
+                                        </p:tgtEl>
+                                        <p:attrNameLst>
+                                          <p:attrName>ppt_y</p:attrName>
+                                        </p:attrNameLst>
+                                      </p:cBhvr>
+                                      <p:tavLst>
+                                        <p:tav tm="0">
+                                          <p:val>
+                                            <p:strVal val="#ppt_y+1"/>
+                                          </p:val>
+                                        </p:tav>
+                                        <p:tav tm="100000">
+                                          <p:val>
+                                            <p:strVal val="#ppt_y-.03"/>
+                                          </p:val>
+                                        </p:tav>
+                                      </p:tavLst>
+                                    </p:anim>
+                                    <p:anim calcmode="lin" valueType="num">
+                                      <p:cBhvr>
+                                        <p:cTn id="103" dur="100" accel="100000" fill="hold">
+                                          <p:stCondLst>
+                                            <p:cond delay="900"/>
+                                          </p:stCondLst>
+                                        </p:cTn>
+                                        <p:tgtEl>
+                                          <p:spTgt spid="30"/>
+                                        </p:tgtEl>
+                                        <p:attrNameLst>
+                                          <p:attrName>ppt_y</p:attrName>
+                                        </p:attrNameLst>
+                                      </p:cBhvr>
+                                      <p:tavLst>
+                                        <p:tav tm="0">
+                                          <p:val>
+                                            <p:strVal val="#ppt_y-.03"/>
+                                          </p:val>
+                                        </p:tav>
+                                        <p:tav tm="100000">
+                                          <p:val>
+                                            <p:strVal val="#ppt_y"/>
+                                          </p:val>
+                                        </p:tav>
+                                      </p:tavLst>
+                                    </p:anim>
                                   </p:childTnLst>
                                 </p:cTn>
                               </p:par>
                               <p:par>
-                                <p:cTn id="25" presetID="22" presetClass="entr" presetSubtype="8" fill="hold" grpId="0" nodeType="withEffect">
+                                <p:cTn id="104" presetID="37" presetClass="entr" presetSubtype="0" fill="hold" grpId="0" nodeType="withEffect">
                                   <p:stCondLst>
                                     <p:cond delay="0"/>
                                   </p:stCondLst>
                                   <p:childTnLst>
                                     <p:set>
                                       <p:cBhvr>
-                                        <p:cTn id="26" dur="1" fill="hold">
+                                        <p:cTn id="105" dur="1" fill="hold">
                                           <p:stCondLst>
                                             <p:cond delay="0"/>
                                           </p:stCondLst>
                                         </p:cTn>
                                         <p:tgtEl>
-                                          <p:spTgt spid="14"/>
+                                          <p:spTgt spid="31"/>
                                         </p:tgtEl>
                                         <p:attrNameLst>
                                           <p:attrName>style.visibility</p:attrName>
@@ -8664,14 +10151,430 @@
                                         <p:strVal val="visible"/>
                                       </p:to>
                                     </p:set>
-                                    <p:animEffect transition="in" filter="wipe(left)">
-                                      <p:cBhvr>
-                                        <p:cTn id="27" dur="500"/>
-                                        <p:tgtEl>
-                                          <p:spTgt spid="14"/>
+                                    <p:animEffect transition="in" filter="fade">
+                                      <p:cBhvr>
+                                        <p:cTn id="106" dur="1000"/>
+                                        <p:tgtEl>
+                                          <p:spTgt spid="31"/>
                                         </p:tgtEl>
                                       </p:cBhvr>
                                     </p:animEffect>
+                                    <p:anim calcmode="lin" valueType="num">
+                                      <p:cBhvr>
+                                        <p:cTn id="107" dur="1000" fill="hold"/>
+                                        <p:tgtEl>
+                                          <p:spTgt spid="31"/>
+                                        </p:tgtEl>
+                                        <p:attrNameLst>
+                                          <p:attrName>ppt_x</p:attrName>
+                                        </p:attrNameLst>
+                                      </p:cBhvr>
+                                      <p:tavLst>
+                                        <p:tav tm="0">
+                                          <p:val>
+                                            <p:strVal val="#ppt_x"/>
+                                          </p:val>
+                                        </p:tav>
+                                        <p:tav tm="100000">
+                                          <p:val>
+                                            <p:strVal val="#ppt_x"/>
+                                          </p:val>
+                                        </p:tav>
+                                      </p:tavLst>
+                                    </p:anim>
+                                    <p:anim calcmode="lin" valueType="num">
+                                      <p:cBhvr>
+                                        <p:cTn id="108" dur="900" decel="100000" fill="hold"/>
+                                        <p:tgtEl>
+                                          <p:spTgt spid="31"/>
+                                        </p:tgtEl>
+                                        <p:attrNameLst>
+                                          <p:attrName>ppt_y</p:attrName>
+                                        </p:attrNameLst>
+                                      </p:cBhvr>
+                                      <p:tavLst>
+                                        <p:tav tm="0">
+                                          <p:val>
+                                            <p:strVal val="#ppt_y+1"/>
+                                          </p:val>
+                                        </p:tav>
+                                        <p:tav tm="100000">
+                                          <p:val>
+                                            <p:strVal val="#ppt_y-.03"/>
+                                          </p:val>
+                                        </p:tav>
+                                      </p:tavLst>
+                                    </p:anim>
+                                    <p:anim calcmode="lin" valueType="num">
+                                      <p:cBhvr>
+                                        <p:cTn id="109" dur="100" accel="100000" fill="hold">
+                                          <p:stCondLst>
+                                            <p:cond delay="900"/>
+                                          </p:stCondLst>
+                                        </p:cTn>
+                                        <p:tgtEl>
+                                          <p:spTgt spid="31"/>
+                                        </p:tgtEl>
+                                        <p:attrNameLst>
+                                          <p:attrName>ppt_y</p:attrName>
+                                        </p:attrNameLst>
+                                      </p:cBhvr>
+                                      <p:tavLst>
+                                        <p:tav tm="0">
+                                          <p:val>
+                                            <p:strVal val="#ppt_y-.03"/>
+                                          </p:val>
+                                        </p:tav>
+                                        <p:tav tm="100000">
+                                          <p:val>
+                                            <p:strVal val="#ppt_y"/>
+                                          </p:val>
+                                        </p:tav>
+                                      </p:tavLst>
+                                    </p:anim>
+                                  </p:childTnLst>
+                                </p:cTn>
+                              </p:par>
+                            </p:childTnLst>
+                          </p:cTn>
+                        </p:par>
+                      </p:childTnLst>
+                    </p:cTn>
+                  </p:par>
+                  <p:par>
+                    <p:cTn id="110" fill="hold">
+                      <p:stCondLst>
+                        <p:cond delay="indefinite"/>
+                      </p:stCondLst>
+                      <p:childTnLst>
+                        <p:par>
+                          <p:cTn id="111" fill="hold">
+                            <p:stCondLst>
+                              <p:cond delay="0"/>
+                            </p:stCondLst>
+                            <p:childTnLst>
+                              <p:par>
+                                <p:cTn id="112" presetID="43" presetClass="entr" presetSubtype="0" fill="hold" nodeType="clickEffect">
+                                  <p:stCondLst>
+                                    <p:cond delay="0"/>
+                                  </p:stCondLst>
+                                  <p:childTnLst>
+                                    <p:set>
+                                      <p:cBhvr>
+                                        <p:cTn id="113" dur="1" fill="hold">
+                                          <p:stCondLst>
+                                            <p:cond delay="0"/>
+                                          </p:stCondLst>
+                                        </p:cTn>
+                                        <p:tgtEl>
+                                          <p:spTgt spid="32"/>
+                                        </p:tgtEl>
+                                        <p:attrNameLst>
+                                          <p:attrName>style.visibility</p:attrName>
+                                        </p:attrNameLst>
+                                      </p:cBhvr>
+                                      <p:to>
+                                        <p:strVal val="visible"/>
+                                      </p:to>
+                                    </p:set>
+                                    <p:animEffect transition="in" filter="fade">
+                                      <p:cBhvr>
+                                        <p:cTn id="114" dur="100"/>
+                                        <p:tgtEl>
+                                          <p:spTgt spid="32"/>
+                                        </p:tgtEl>
+                                      </p:cBhvr>
+                                    </p:animEffect>
+                                    <p:anim calcmode="lin" valueType="num">
+                                      <p:cBhvr>
+                                        <p:cTn id="115" dur="400" fill="hold"/>
+                                        <p:tgtEl>
+                                          <p:spTgt spid="32"/>
+                                        </p:tgtEl>
+                                        <p:attrNameLst>
+                                          <p:attrName>ppt_x</p:attrName>
+                                        </p:attrNameLst>
+                                      </p:cBhvr>
+                                      <p:tavLst>
+                                        <p:tav tm="0">
+                                          <p:val>
+                                            <p:strVal val="#ppt_x"/>
+                                          </p:val>
+                                        </p:tav>
+                                        <p:tav tm="100000">
+                                          <p:val>
+                                            <p:strVal val="#ppt_x"/>
+                                          </p:val>
+                                        </p:tav>
+                                      </p:tavLst>
+                                    </p:anim>
+                                    <p:anim calcmode="lin" valueType="num">
+                                      <p:cBhvr>
+                                        <p:cTn id="116" dur="400" fill="hold"/>
+                                        <p:tgtEl>
+                                          <p:spTgt spid="32"/>
+                                        </p:tgtEl>
+                                        <p:attrNameLst>
+                                          <p:attrName>ppt_y</p:attrName>
+                                        </p:attrNameLst>
+                                      </p:cBhvr>
+                                      <p:tavLst>
+                                        <p:tav tm="0">
+                                          <p:val>
+                                            <p:strVal val="#ppt_y+0.31"/>
+                                          </p:val>
+                                        </p:tav>
+                                        <p:tav tm="100000">
+                                          <p:val>
+                                            <p:strVal val="#ppt_y+0.31"/>
+                                          </p:val>
+                                        </p:tav>
+                                      </p:tavLst>
+                                    </p:anim>
+                                    <p:anim calcmode="lin" valueType="num">
+                                      <p:cBhvr>
+                                        <p:cTn id="117" dur="600" decel="50000" fill="hold">
+                                          <p:stCondLst>
+                                            <p:cond delay="400"/>
+                                          </p:stCondLst>
+                                        </p:cTn>
+                                        <p:tgtEl>
+                                          <p:spTgt spid="32"/>
+                                        </p:tgtEl>
+                                        <p:attrNameLst>
+                                          <p:attrName>ppt_x</p:attrName>
+                                        </p:attrNameLst>
+                                      </p:cBhvr>
+                                      <p:tavLst>
+                                        <p:tav tm="0">
+                                          <p:val>
+                                            <p:strVal val="#ppt_x"/>
+                                          </p:val>
+                                        </p:tav>
+                                        <p:tav tm="5000">
+                                          <p:val>
+                                            <p:strVal val="#ppt_x+0.0242"/>
+                                          </p:val>
+                                        </p:tav>
+                                        <p:tav tm="10000">
+                                          <p:val>
+                                            <p:strVal val="#ppt_x+0.0479"/>
+                                          </p:val>
+                                        </p:tav>
+                                        <p:tav tm="15000">
+                                          <p:val>
+                                            <p:strVal val="#ppt_x+0.0704"/>
+                                          </p:val>
+                                        </p:tav>
+                                        <p:tav tm="20000">
+                                          <p:val>
+                                            <p:strVal val="#ppt_x+0.0911"/>
+                                          </p:val>
+                                        </p:tav>
+                                        <p:tav tm="25000">
+                                          <p:val>
+                                            <p:strVal val="#ppt_x+0.1096"/>
+                                          </p:val>
+                                        </p:tav>
+                                        <p:tav tm="30000">
+                                          <p:val>
+                                            <p:strVal val="#ppt_x+0.1254"/>
+                                          </p:val>
+                                        </p:tav>
+                                        <p:tav tm="35000">
+                                          <p:val>
+                                            <p:strVal val="#ppt_x+0.1381"/>
+                                          </p:val>
+                                        </p:tav>
+                                        <p:tav tm="40000">
+                                          <p:val>
+                                            <p:strVal val="#ppt_x+0.1474"/>
+                                          </p:val>
+                                        </p:tav>
+                                        <p:tav tm="45000">
+                                          <p:val>
+                                            <p:strVal val="#ppt_x+0.1531"/>
+                                          </p:val>
+                                        </p:tav>
+                                        <p:tav tm="50000">
+                                          <p:val>
+                                            <p:strVal val="#ppt_x+0.1550"/>
+                                          </p:val>
+                                        </p:tav>
+                                        <p:tav tm="55000">
+                                          <p:val>
+                                            <p:strVal val="#ppt_x+0.1531"/>
+                                          </p:val>
+                                        </p:tav>
+                                        <p:tav tm="60000">
+                                          <p:val>
+                                            <p:strVal val="#ppt_x+0.1474"/>
+                                          </p:val>
+                                        </p:tav>
+                                        <p:tav tm="65000">
+                                          <p:val>
+                                            <p:strVal val="#ppt_x+0.1381"/>
+                                          </p:val>
+                                        </p:tav>
+                                        <p:tav tm="70000">
+                                          <p:val>
+                                            <p:strVal val="#ppt_x+0.1254"/>
+                                          </p:val>
+                                        </p:tav>
+                                        <p:tav tm="75000">
+                                          <p:val>
+                                            <p:strVal val="#ppt_x+0.1096"/>
+                                          </p:val>
+                                        </p:tav>
+                                        <p:tav tm="80000">
+                                          <p:val>
+                                            <p:strVal val="#ppt_x+0.0911"/>
+                                          </p:val>
+                                        </p:tav>
+                                        <p:tav tm="85000">
+                                          <p:val>
+                                            <p:strVal val="#ppt_x+0.0704"/>
+                                          </p:val>
+                                        </p:tav>
+                                        <p:tav tm="90000">
+                                          <p:val>
+                                            <p:strVal val="#ppt_x+0.0479"/>
+                                          </p:val>
+                                        </p:tav>
+                                        <p:tav tm="95000">
+                                          <p:val>
+                                            <p:strVal val="#ppt_x+0.0242"/>
+                                          </p:val>
+                                        </p:tav>
+                                        <p:tav tm="100000">
+                                          <p:val>
+                                            <p:strVal val="#ppt_x"/>
+                                          </p:val>
+                                        </p:tav>
+                                      </p:tavLst>
+                                    </p:anim>
+                                    <p:anim calcmode="lin" valueType="num">
+                                      <p:cBhvr>
+                                        <p:cTn id="118" dur="600" decel="50000" fill="hold">
+                                          <p:stCondLst>
+                                            <p:cond delay="400"/>
+                                          </p:stCondLst>
+                                        </p:cTn>
+                                        <p:tgtEl>
+                                          <p:spTgt spid="32"/>
+                                        </p:tgtEl>
+                                        <p:attrNameLst>
+                                          <p:attrName>ppt_y</p:attrName>
+                                        </p:attrNameLst>
+                                      </p:cBhvr>
+                                      <p:tavLst>
+                                        <p:tav tm="0">
+                                          <p:val>
+                                            <p:strVal val="#ppt_y+0.31"/>
+                                          </p:val>
+                                        </p:tav>
+                                        <p:tav tm="5000">
+                                          <p:val>
+                                            <p:strVal val="#ppt_y+0.308"/>
+                                          </p:val>
+                                        </p:tav>
+                                        <p:tav tm="10000">
+                                          <p:val>
+                                            <p:strVal val="#ppt_y+0.3024"/>
+                                          </p:val>
+                                        </p:tav>
+                                        <p:tav tm="15000">
+                                          <p:val>
+                                            <p:strVal val="#ppt_y+0.2931"/>
+                                          </p:val>
+                                        </p:tav>
+                                        <p:tav tm="20000">
+                                          <p:val>
+                                            <p:strVal val="#ppt_y+0.2804"/>
+                                          </p:val>
+                                        </p:tav>
+                                        <p:tav tm="25000">
+                                          <p:val>
+                                            <p:strVal val="#ppt_y+0.2646"/>
+                                          </p:val>
+                                        </p:tav>
+                                        <p:tav tm="30000">
+                                          <p:val>
+                                            <p:strVal val="#ppt_y+0.2461"/>
+                                          </p:val>
+                                        </p:tav>
+                                        <p:tav tm="35000">
+                                          <p:val>
+                                            <p:strVal val="#ppt_y+0.2253"/>
+                                          </p:val>
+                                        </p:tav>
+                                        <p:tav tm="40000">
+                                          <p:val>
+                                            <p:strVal val="#ppt_y+0.2029"/>
+                                          </p:val>
+                                        </p:tav>
+                                        <p:tav tm="45000">
+                                          <p:val>
+                                            <p:strVal val="#ppt_y+0.1792"/>
+                                          </p:val>
+                                        </p:tav>
+                                        <p:tav tm="50000">
+                                          <p:val>
+                                            <p:strVal val="#ppt_y+0.155"/>
+                                          </p:val>
+                                        </p:tav>
+                                        <p:tav tm="55000">
+                                          <p:val>
+                                            <p:strVal val="#ppt_y+0.1307"/>
+                                          </p:val>
+                                        </p:tav>
+                                        <p:tav tm="60000">
+                                          <p:val>
+                                            <p:strVal val="#ppt_y+0.1071"/>
+                                          </p:val>
+                                        </p:tav>
+                                        <p:tav tm="65000">
+                                          <p:val>
+                                            <p:strVal val="#ppt_y+0.0846"/>
+                                          </p:val>
+                                        </p:tav>
+                                        <p:tav tm="70000">
+                                          <p:val>
+                                            <p:strVal val="#ppt_y+0.0639"/>
+                                          </p:val>
+                                        </p:tav>
+                                        <p:tav tm="75000">
+                                          <p:val>
+                                            <p:strVal val="#ppt_y+0.0454"/>
+                                          </p:val>
+                                        </p:tav>
+                                        <p:tav tm="80000">
+                                          <p:val>
+                                            <p:strVal val="#ppt_y+0.0296"/>
+                                          </p:val>
+                                        </p:tav>
+                                        <p:tav tm="85000">
+                                          <p:val>
+                                            <p:strVal val="#ppt_y+0.0169"/>
+                                          </p:val>
+                                        </p:tav>
+                                        <p:tav tm="90000">
+                                          <p:val>
+                                            <p:strVal val="#ppt_y+0.0076"/>
+                                          </p:val>
+                                        </p:tav>
+                                        <p:tav tm="95000">
+                                          <p:val>
+                                            <p:strVal val="#ppt_y+0.0019"/>
+                                          </p:val>
+                                        </p:tav>
+                                        <p:tav tm="100000">
+                                          <p:val>
+                                            <p:strVal val="#ppt_y"/>
+                                          </p:val>
+                                        </p:tav>
+                                      </p:tavLst>
+                                    </p:anim>
                                   </p:childTnLst>
                                 </p:cTn>
                               </p:par>
@@ -8703,10 +10606,17 @@
       </p:par>
     </p:tnLst>
     <p:bldLst>
+      <p:bldP spid="17" grpId="0"/>
+      <p:bldP spid="17" grpId="1"/>
+      <p:bldP spid="22" grpId="0"/>
+      <p:bldP spid="22" grpId="1"/>
+      <p:bldP spid="25" grpId="0"/>
+      <p:bldP spid="25" grpId="1"/>
+      <p:bldP spid="27" grpId="0"/>
+      <p:bldP spid="27" grpId="1"/>
       <p:bldP spid="29" grpId="0"/>
-      <p:bldP spid="30" grpId="0"/>
-      <p:bldP spid="3" grpId="0" animBg="1"/>
-      <p:bldP spid="14" grpId="0" animBg="1"/>
+      <p:bldP spid="29" grpId="1"/>
+      <p:bldP spid="31" grpId="0"/>
     </p:bldLst>
   </p:timing>
 </p:sld>
@@ -9709,50 +11619,16 @@
           </a:p>
         </p:txBody>
       </p:sp>
-      <p:sp>
-        <p:nvSpPr>
-          <p:cNvPr id="7" name="テキスト ボックス 6"/>
-          <p:cNvSpPr txBox="1"/>
-          <p:nvPr/>
-        </p:nvSpPr>
-        <p:spPr>
-          <a:xfrm>
-            <a:off x="391096" y="1359089"/>
-            <a:ext cx="3570208" cy="769441"/>
-          </a:xfrm>
-          <a:prstGeom prst="rect">
-            <a:avLst/>
-          </a:prstGeom>
-          <a:noFill/>
-        </p:spPr>
-        <p:txBody>
-          <a:bodyPr wrap="none" rtlCol="0">
-            <a:spAutoFit/>
-          </a:bodyPr>
-          <a:lstStyle/>
-          <a:p>
-            <a:r>
-              <a:rPr lang="ja-JP" altLang="en-US" sz="4400" b="1" dirty="0"/>
-              <a:t>改善案</a:t>
-            </a:r>
-            <a:r>
-              <a:rPr kumimoji="1" lang="ja-JP" altLang="en-US" sz="4400" b="1" dirty="0" smtClean="0"/>
-              <a:t>その３</a:t>
-            </a:r>
-            <a:endParaRPr kumimoji="1" lang="ja-JP" altLang="en-US" sz="4400" b="1" dirty="0"/>
-          </a:p>
-        </p:txBody>
-      </p:sp>
       <p:pic>
         <p:nvPicPr>
-          <p:cNvPr id="16" name="Picture 5" descr="C:\Users\yamanin3\Desktop\images\souko_building.png"/>
+          <p:cNvPr id="24" name="Picture 3" descr="C:\Users\yamanin3\Desktop\images\sales_eigyou_man.png"/>
           <p:cNvPicPr>
             <a:picLocks noChangeAspect="1" noChangeArrowheads="1"/>
           </p:cNvPicPr>
           <p:nvPr/>
         </p:nvPicPr>
         <p:blipFill>
-          <a:blip r:embed="rId2">
+          <a:blip r:embed="rId2" cstate="print">
             <a:extLst>
               <a:ext uri="{28A0092B-C50C-407E-A947-70E740481C1C}">
                 <a14:useLocalDpi xmlns:a14="http://schemas.microsoft.com/office/drawing/2010/main" val="0"/>
@@ -9766,292 +11642,8 @@
         </p:blipFill>
         <p:spPr bwMode="auto">
           <a:xfrm>
-            <a:off x="1458570" y="2082728"/>
-            <a:ext cx="1214831" cy="1214831"/>
-          </a:xfrm>
-          <a:prstGeom prst="rect">
-            <a:avLst/>
-          </a:prstGeom>
-          <a:noFill/>
-          <a:extLst>
-            <a:ext uri="{909E8E84-426E-40DD-AFC4-6F175D3DCCD1}">
-              <a14:hiddenFill xmlns:a14="http://schemas.microsoft.com/office/drawing/2010/main">
-                <a:solidFill>
-                  <a:srgbClr val="FFFFFF"/>
-                </a:solidFill>
-              </a14:hiddenFill>
-            </a:ext>
-          </a:extLst>
-        </p:spPr>
-      </p:pic>
-      <p:sp>
-        <p:nvSpPr>
-          <p:cNvPr id="17" name="テキスト ボックス 16"/>
-          <p:cNvSpPr txBox="1"/>
-          <p:nvPr/>
-        </p:nvSpPr>
-        <p:spPr>
-          <a:xfrm>
-            <a:off x="1742819" y="3325936"/>
-            <a:ext cx="646331" cy="369332"/>
-          </a:xfrm>
-          <a:prstGeom prst="rect">
-            <a:avLst/>
-          </a:prstGeom>
-          <a:noFill/>
-        </p:spPr>
-        <p:txBody>
-          <a:bodyPr wrap="none" rtlCol="0">
-            <a:spAutoFit/>
-          </a:bodyPr>
-          <a:lstStyle/>
-          <a:p>
-            <a:r>
-              <a:rPr kumimoji="1" lang="ja-JP" altLang="en-US" b="1" dirty="0" smtClean="0"/>
-              <a:t>倉庫</a:t>
-            </a:r>
-            <a:endParaRPr kumimoji="1" lang="ja-JP" altLang="en-US" b="1" dirty="0"/>
-          </a:p>
-        </p:txBody>
-      </p:sp>
-      <p:pic>
-        <p:nvPicPr>
-          <p:cNvPr id="20" name="Picture 5" descr="C:\Users\yamanin3\Desktop\images\souko_building.png"/>
-          <p:cNvPicPr>
-            <a:picLocks noChangeAspect="1" noChangeArrowheads="1"/>
-          </p:cNvPicPr>
-          <p:nvPr/>
-        </p:nvPicPr>
-        <p:blipFill>
-          <a:blip r:embed="rId2">
-            <a:extLst>
-              <a:ext uri="{28A0092B-C50C-407E-A947-70E740481C1C}">
-                <a14:useLocalDpi xmlns:a14="http://schemas.microsoft.com/office/drawing/2010/main" val="0"/>
-              </a:ext>
-            </a:extLst>
-          </a:blip>
-          <a:srcRect/>
-          <a:stretch>
-            <a:fillRect/>
-          </a:stretch>
-        </p:blipFill>
-        <p:spPr bwMode="auto">
-          <a:xfrm>
-            <a:off x="3422862" y="2111105"/>
-            <a:ext cx="1214831" cy="1214831"/>
-          </a:xfrm>
-          <a:prstGeom prst="rect">
-            <a:avLst/>
-          </a:prstGeom>
-          <a:noFill/>
-          <a:extLst>
-            <a:ext uri="{909E8E84-426E-40DD-AFC4-6F175D3DCCD1}">
-              <a14:hiddenFill xmlns:a14="http://schemas.microsoft.com/office/drawing/2010/main">
-                <a:solidFill>
-                  <a:srgbClr val="FFFFFF"/>
-                </a:solidFill>
-              </a14:hiddenFill>
-            </a:ext>
-          </a:extLst>
-        </p:spPr>
-      </p:pic>
-      <p:sp>
-        <p:nvSpPr>
-          <p:cNvPr id="22" name="テキスト ボックス 21"/>
-          <p:cNvSpPr txBox="1"/>
-          <p:nvPr/>
-        </p:nvSpPr>
-        <p:spPr>
-          <a:xfrm>
-            <a:off x="3707112" y="3325936"/>
-            <a:ext cx="646331" cy="369332"/>
-          </a:xfrm>
-          <a:prstGeom prst="rect">
-            <a:avLst/>
-          </a:prstGeom>
-          <a:noFill/>
-        </p:spPr>
-        <p:txBody>
-          <a:bodyPr wrap="none" rtlCol="0">
-            <a:spAutoFit/>
-          </a:bodyPr>
-          <a:lstStyle/>
-          <a:p>
-            <a:r>
-              <a:rPr kumimoji="1" lang="ja-JP" altLang="en-US" b="1" dirty="0" smtClean="0"/>
-              <a:t>倉庫</a:t>
-            </a:r>
-            <a:endParaRPr kumimoji="1" lang="ja-JP" altLang="en-US" b="1" dirty="0"/>
-          </a:p>
-        </p:txBody>
-      </p:sp>
-      <p:pic>
-        <p:nvPicPr>
-          <p:cNvPr id="24" name="Picture 5" descr="C:\Users\yamanin3\Desktop\images\souko_building.png"/>
-          <p:cNvPicPr>
-            <a:picLocks noChangeAspect="1" noChangeArrowheads="1"/>
-          </p:cNvPicPr>
-          <p:nvPr/>
-        </p:nvPicPr>
-        <p:blipFill>
-          <a:blip r:embed="rId2">
-            <a:extLst>
-              <a:ext uri="{28A0092B-C50C-407E-A947-70E740481C1C}">
-                <a14:useLocalDpi xmlns:a14="http://schemas.microsoft.com/office/drawing/2010/main" val="0"/>
-              </a:ext>
-            </a:extLst>
-          </a:blip>
-          <a:srcRect/>
-          <a:stretch>
-            <a:fillRect/>
-          </a:stretch>
-        </p:blipFill>
-        <p:spPr bwMode="auto">
-          <a:xfrm>
-            <a:off x="5471310" y="2082729"/>
-            <a:ext cx="1214831" cy="1214831"/>
-          </a:xfrm>
-          <a:prstGeom prst="rect">
-            <a:avLst/>
-          </a:prstGeom>
-          <a:noFill/>
-          <a:extLst>
-            <a:ext uri="{909E8E84-426E-40DD-AFC4-6F175D3DCCD1}">
-              <a14:hiddenFill xmlns:a14="http://schemas.microsoft.com/office/drawing/2010/main">
-                <a:solidFill>
-                  <a:srgbClr val="FFFFFF"/>
-                </a:solidFill>
-              </a14:hiddenFill>
-            </a:ext>
-          </a:extLst>
-        </p:spPr>
-      </p:pic>
-      <p:sp>
-        <p:nvSpPr>
-          <p:cNvPr id="25" name="テキスト ボックス 24"/>
-          <p:cNvSpPr txBox="1"/>
-          <p:nvPr/>
-        </p:nvSpPr>
-        <p:spPr>
-          <a:xfrm>
-            <a:off x="5755560" y="3297560"/>
-            <a:ext cx="646331" cy="369332"/>
-          </a:xfrm>
-          <a:prstGeom prst="rect">
-            <a:avLst/>
-          </a:prstGeom>
-          <a:noFill/>
-        </p:spPr>
-        <p:txBody>
-          <a:bodyPr wrap="none" rtlCol="0">
-            <a:spAutoFit/>
-          </a:bodyPr>
-          <a:lstStyle/>
-          <a:p>
-            <a:r>
-              <a:rPr kumimoji="1" lang="ja-JP" altLang="en-US" b="1" dirty="0" smtClean="0"/>
-              <a:t>倉庫</a:t>
-            </a:r>
-            <a:endParaRPr kumimoji="1" lang="ja-JP" altLang="en-US" b="1" dirty="0"/>
-          </a:p>
-        </p:txBody>
-      </p:sp>
-      <p:pic>
-        <p:nvPicPr>
-          <p:cNvPr id="26" name="Picture 5" descr="C:\Users\yamanin3\Desktop\images\souko_building.png"/>
-          <p:cNvPicPr>
-            <a:picLocks noChangeAspect="1" noChangeArrowheads="1"/>
-          </p:cNvPicPr>
-          <p:nvPr/>
-        </p:nvPicPr>
-        <p:blipFill>
-          <a:blip r:embed="rId2">
-            <a:extLst>
-              <a:ext uri="{28A0092B-C50C-407E-A947-70E740481C1C}">
-                <a14:useLocalDpi xmlns:a14="http://schemas.microsoft.com/office/drawing/2010/main" val="0"/>
-              </a:ext>
-            </a:extLst>
-          </a:blip>
-          <a:srcRect/>
-          <a:stretch>
-            <a:fillRect/>
-          </a:stretch>
-        </p:blipFill>
-        <p:spPr bwMode="auto">
-          <a:xfrm>
-            <a:off x="7519757" y="2111105"/>
-            <a:ext cx="1214831" cy="1214831"/>
-          </a:xfrm>
-          <a:prstGeom prst="rect">
-            <a:avLst/>
-          </a:prstGeom>
-          <a:noFill/>
-          <a:extLst>
-            <a:ext uri="{909E8E84-426E-40DD-AFC4-6F175D3DCCD1}">
-              <a14:hiddenFill xmlns:a14="http://schemas.microsoft.com/office/drawing/2010/main">
-                <a:solidFill>
-                  <a:srgbClr val="FFFFFF"/>
-                </a:solidFill>
-              </a14:hiddenFill>
-            </a:ext>
-          </a:extLst>
-        </p:spPr>
-      </p:pic>
-      <p:sp>
-        <p:nvSpPr>
-          <p:cNvPr id="27" name="テキスト ボックス 26"/>
-          <p:cNvSpPr txBox="1"/>
-          <p:nvPr/>
-        </p:nvSpPr>
-        <p:spPr>
-          <a:xfrm>
-            <a:off x="7804006" y="3325936"/>
-            <a:ext cx="646331" cy="369332"/>
-          </a:xfrm>
-          <a:prstGeom prst="rect">
-            <a:avLst/>
-          </a:prstGeom>
-          <a:noFill/>
-        </p:spPr>
-        <p:txBody>
-          <a:bodyPr wrap="none" rtlCol="0">
-            <a:spAutoFit/>
-          </a:bodyPr>
-          <a:lstStyle/>
-          <a:p>
-            <a:r>
-              <a:rPr kumimoji="1" lang="ja-JP" altLang="en-US" b="1" dirty="0" smtClean="0"/>
-              <a:t>倉庫</a:t>
-            </a:r>
-            <a:endParaRPr kumimoji="1" lang="ja-JP" altLang="en-US" b="1" dirty="0"/>
-          </a:p>
-        </p:txBody>
-      </p:sp>
-      <p:pic>
-        <p:nvPicPr>
-          <p:cNvPr id="28" name="Picture 5" descr="C:\Users\yamanin3\Desktop\images\souko_building.png"/>
-          <p:cNvPicPr>
-            <a:picLocks noChangeAspect="1" noChangeArrowheads="1"/>
-          </p:cNvPicPr>
-          <p:nvPr/>
-        </p:nvPicPr>
-        <p:blipFill>
-          <a:blip r:embed="rId2">
-            <a:extLst>
-              <a:ext uri="{28A0092B-C50C-407E-A947-70E740481C1C}">
-                <a14:useLocalDpi xmlns:a14="http://schemas.microsoft.com/office/drawing/2010/main" val="0"/>
-              </a:ext>
-            </a:extLst>
-          </a:blip>
-          <a:srcRect/>
-          <a:stretch>
-            <a:fillRect/>
-          </a:stretch>
-        </p:blipFill>
-        <p:spPr bwMode="auto">
-          <a:xfrm>
-            <a:off x="9485723" y="2111103"/>
-            <a:ext cx="1214831" cy="1214831"/>
+            <a:off x="1865521" y="3747507"/>
+            <a:ext cx="1934538" cy="1934538"/>
           </a:xfrm>
           <a:prstGeom prst="rect">
             <a:avLst/>
@@ -10076,8 +11668,8 @@
         </p:nvSpPr>
         <p:spPr>
           <a:xfrm>
-            <a:off x="9852456" y="3295309"/>
-            <a:ext cx="646331" cy="369332"/>
+            <a:off x="2278792" y="5943538"/>
+            <a:ext cx="1107996" cy="369332"/>
           </a:xfrm>
           <a:prstGeom prst="rect">
             <a:avLst/>
@@ -10092,22 +11684,106 @@
           <a:p>
             <a:r>
               <a:rPr kumimoji="1" lang="ja-JP" altLang="en-US" b="1" dirty="0" smtClean="0"/>
-              <a:t>倉庫</a:t>
+              <a:t>営業担当</a:t>
             </a:r>
             <a:endParaRPr kumimoji="1" lang="ja-JP" altLang="en-US" b="1" dirty="0"/>
+          </a:p>
+        </p:txBody>
+      </p:sp>
+      <p:sp>
+        <p:nvSpPr>
+          <p:cNvPr id="30" name="テキスト ボックス 29"/>
+          <p:cNvSpPr txBox="1"/>
+          <p:nvPr/>
+        </p:nvSpPr>
+        <p:spPr>
+          <a:xfrm>
+            <a:off x="8513583" y="5970637"/>
+            <a:ext cx="1107996" cy="369332"/>
+          </a:xfrm>
+          <a:prstGeom prst="rect">
+            <a:avLst/>
+          </a:prstGeom>
+          <a:noFill/>
+        </p:spPr>
+        <p:txBody>
+          <a:bodyPr wrap="none" rtlCol="0">
+            <a:spAutoFit/>
+          </a:bodyPr>
+          <a:lstStyle/>
+          <a:p>
+            <a:r>
+              <a:rPr lang="ja-JP" altLang="en-US" b="1" dirty="0">
+                <a:solidFill>
+                  <a:srgbClr val="FF0000"/>
+                </a:solidFill>
+              </a:rPr>
+              <a:t>物流</a:t>
+            </a:r>
+            <a:r>
+              <a:rPr kumimoji="1" lang="ja-JP" altLang="en-US" b="1" dirty="0" smtClean="0">
+                <a:solidFill>
+                  <a:srgbClr val="FF0000"/>
+                </a:solidFill>
+              </a:rPr>
+              <a:t>担当</a:t>
+            </a:r>
+            <a:endParaRPr kumimoji="1" lang="en-US" altLang="ja-JP" b="1" dirty="0" smtClean="0">
+              <a:solidFill>
+                <a:srgbClr val="FF0000"/>
+              </a:solidFill>
+            </a:endParaRPr>
+          </a:p>
+        </p:txBody>
+      </p:sp>
+      <p:sp>
+        <p:nvSpPr>
+          <p:cNvPr id="7" name="テキスト ボックス 6"/>
+          <p:cNvSpPr txBox="1"/>
+          <p:nvPr/>
+        </p:nvSpPr>
+        <p:spPr>
+          <a:xfrm>
+            <a:off x="391096" y="1359089"/>
+            <a:ext cx="3570208" cy="769441"/>
+          </a:xfrm>
+          <a:prstGeom prst="rect">
+            <a:avLst/>
+          </a:prstGeom>
+          <a:noFill/>
+        </p:spPr>
+        <p:txBody>
+          <a:bodyPr wrap="none" rtlCol="0">
+            <a:spAutoFit/>
+          </a:bodyPr>
+          <a:lstStyle/>
+          <a:p>
+            <a:r>
+              <a:rPr lang="ja-JP" altLang="en-US" sz="4400" b="1" dirty="0" smtClean="0"/>
+              <a:t>改善</a:t>
+            </a:r>
+            <a:r>
+              <a:rPr kumimoji="1" lang="ja-JP" altLang="en-US" sz="4400" b="1" dirty="0" smtClean="0"/>
+              <a:t>点その</a:t>
+            </a:r>
+            <a:r>
+              <a:rPr lang="ja-JP" altLang="en-US" sz="4400" b="1" dirty="0"/>
+              <a:t>３</a:t>
+            </a:r>
+            <a:endParaRPr kumimoji="1" lang="ja-JP" altLang="en-US" sz="4400" b="1" dirty="0"/>
           </a:p>
         </p:txBody>
       </p:sp>
       <p:pic>
         <p:nvPicPr>
-          <p:cNvPr id="30" name="Picture 5" descr="C:\Users\yamanin3\Desktop\images\souko_building.png"/>
+          <p:cNvPr id="12" name="Picture 9" descr="C:\Users\yamanin3\Desktop\images\computer_tablet_man.png"/>
           <p:cNvPicPr>
             <a:picLocks noChangeAspect="1" noChangeArrowheads="1"/>
           </p:cNvPicPr>
           <p:nvPr/>
         </p:nvPicPr>
         <p:blipFill>
-          <a:blip r:embed="rId2">
+          <a:blip r:embed="rId3" cstate="print">
             <a:extLst>
               <a:ext uri="{28A0092B-C50C-407E-A947-70E740481C1C}">
                 <a14:useLocalDpi xmlns:a14="http://schemas.microsoft.com/office/drawing/2010/main" val="0"/>
@@ -10121,8 +11797,8 @@
         </p:blipFill>
         <p:spPr bwMode="auto">
           <a:xfrm>
-            <a:off x="4637795" y="2219653"/>
-            <a:ext cx="2520644" cy="2520644"/>
+            <a:off x="8302396" y="3697921"/>
+            <a:ext cx="1530369" cy="2033711"/>
           </a:xfrm>
           <a:prstGeom prst="rect">
             <a:avLst/>
@@ -10141,38 +11817,125 @@
       </p:pic>
       <p:sp>
         <p:nvSpPr>
-          <p:cNvPr id="31" name="テキスト ボックス 30"/>
-          <p:cNvSpPr txBox="1"/>
+          <p:cNvPr id="3" name="正方形/長方形 2"/>
+          <p:cNvSpPr/>
           <p:nvPr/>
         </p:nvSpPr>
         <p:spPr>
           <a:xfrm>
-            <a:off x="5344119" y="4555631"/>
-            <a:ext cx="1107996" cy="369332"/>
+            <a:off x="4564851" y="3565731"/>
+            <a:ext cx="2711159" cy="955121"/>
           </a:xfrm>
           <a:prstGeom prst="rect">
             <a:avLst/>
           </a:prstGeom>
-          <a:noFill/>
+          <a:solidFill>
+            <a:schemeClr val="bg2">
+              <a:lumMod val="75000"/>
+            </a:schemeClr>
+          </a:solidFill>
+          <a:ln>
+            <a:solidFill>
+              <a:schemeClr val="tx1"/>
+            </a:solidFill>
+          </a:ln>
         </p:spPr>
+        <p:style>
+          <a:lnRef idx="2">
+            <a:schemeClr val="accent1">
+              <a:shade val="50000"/>
+            </a:schemeClr>
+          </a:lnRef>
+          <a:fillRef idx="1">
+            <a:schemeClr val="accent1"/>
+          </a:fillRef>
+          <a:effectRef idx="0">
+            <a:schemeClr val="accent1"/>
+          </a:effectRef>
+          <a:fontRef idx="minor">
+            <a:schemeClr val="lt1"/>
+          </a:fontRef>
+        </p:style>
         <p:txBody>
-          <a:bodyPr wrap="none" rtlCol="0">
-            <a:spAutoFit/>
-          </a:bodyPr>
+          <a:bodyPr rtlCol="0" anchor="ctr"/>
           <a:lstStyle/>
           <a:p>
-            <a:r>
-              <a:rPr kumimoji="1" lang="ja-JP" altLang="en-US" b="1" dirty="0" smtClean="0"/>
-              <a:t>物流倉庫</a:t>
-            </a:r>
-            <a:endParaRPr kumimoji="1" lang="ja-JP" altLang="en-US" b="1" dirty="0"/>
+            <a:pPr algn="ctr"/>
+            <a:r>
+              <a:rPr kumimoji="1" lang="ja-JP" altLang="en-US" sz="3200" b="1" dirty="0" smtClean="0">
+                <a:solidFill>
+                  <a:schemeClr val="tx1"/>
+                </a:solidFill>
+              </a:rPr>
+              <a:t>電子情報</a:t>
+            </a:r>
+            <a:endParaRPr kumimoji="1" lang="ja-JP" altLang="en-US" sz="3200" b="1" dirty="0">
+              <a:solidFill>
+                <a:schemeClr val="tx1"/>
+              </a:solidFill>
+            </a:endParaRPr>
+          </a:p>
+        </p:txBody>
+      </p:sp>
+      <p:sp>
+        <p:nvSpPr>
+          <p:cNvPr id="14" name="右矢印 13"/>
+          <p:cNvSpPr/>
+          <p:nvPr/>
+        </p:nvSpPr>
+        <p:spPr>
+          <a:xfrm>
+            <a:off x="3961304" y="4520852"/>
+            <a:ext cx="4163790" cy="387848"/>
+          </a:xfrm>
+          <a:prstGeom prst="rightArrow">
+            <a:avLst>
+              <a:gd name="adj1" fmla="val 50000"/>
+              <a:gd name="adj2" fmla="val 190479"/>
+            </a:avLst>
+          </a:prstGeom>
+          <a:solidFill>
+            <a:schemeClr val="bg1"/>
+          </a:solidFill>
+          <a:ln w="38100">
+            <a:solidFill>
+              <a:schemeClr val="tx1"/>
+            </a:solidFill>
+          </a:ln>
+        </p:spPr>
+        <p:style>
+          <a:lnRef idx="2">
+            <a:schemeClr val="accent1">
+              <a:shade val="50000"/>
+            </a:schemeClr>
+          </a:lnRef>
+          <a:fillRef idx="1">
+            <a:schemeClr val="accent1"/>
+          </a:fillRef>
+          <a:effectRef idx="0">
+            <a:schemeClr val="accent1"/>
+          </a:effectRef>
+          <a:fontRef idx="minor">
+            <a:schemeClr val="lt1"/>
+          </a:fontRef>
+        </p:style>
+        <p:txBody>
+          <a:bodyPr rtlCol="0" anchor="ctr"/>
+          <a:lstStyle/>
+          <a:p>
+            <a:pPr algn="ctr"/>
+            <a:endParaRPr kumimoji="1" lang="ja-JP" altLang="en-US">
+              <a:solidFill>
+                <a:schemeClr val="bg1"/>
+              </a:solidFill>
+            </a:endParaRPr>
           </a:p>
         </p:txBody>
       </p:sp>
     </p:spTree>
     <p:extLst>
       <p:ext uri="{BB962C8B-B14F-4D97-AF65-F5344CB8AC3E}">
-        <p14:creationId xmlns:p14="http://schemas.microsoft.com/office/powerpoint/2010/main" val="1247459632"/>
+        <p14:creationId xmlns:p14="http://schemas.microsoft.com/office/powerpoint/2010/main" val="3217720112"/>
       </p:ext>
     </p:extLst>
   </p:cSld>
@@ -10213,7 +11976,7 @@
                                           </p:stCondLst>
                                         </p:cTn>
                                         <p:tgtEl>
-                                          <p:spTgt spid="16"/>
+                                          <p:spTgt spid="24"/>
                                         </p:tgtEl>
                                         <p:attrNameLst>
                                           <p:attrName>style.visibility</p:attrName>
@@ -10227,7 +11990,7 @@
                                       <p:cBhvr>
                                         <p:cTn id="7" dur="500"/>
                                         <p:tgtEl>
-                                          <p:spTgt spid="16"/>
+                                          <p:spTgt spid="24"/>
                                         </p:tgtEl>
                                       </p:cBhvr>
                                     </p:animEffect>
@@ -10248,7 +12011,7 @@
                                           </p:stCondLst>
                                         </p:cTn>
                                         <p:tgtEl>
-                                          <p:spTgt spid="17"/>
+                                          <p:spTgt spid="29"/>
                                         </p:tgtEl>
                                         <p:attrNameLst>
                                           <p:attrName>style.visibility</p:attrName>
@@ -10262,7 +12025,7 @@
                                       <p:cBhvr>
                                         <p:cTn id="10" dur="500"/>
                                         <p:tgtEl>
-                                          <p:spTgt spid="17"/>
+                                          <p:spTgt spid="29"/>
                                         </p:tgtEl>
                                       </p:cBhvr>
                                     </p:animEffect>
@@ -10283,7 +12046,7 @@
                                           </p:stCondLst>
                                         </p:cTn>
                                         <p:tgtEl>
-                                          <p:spTgt spid="20"/>
+                                          <p:spTgt spid="12"/>
                                         </p:tgtEl>
                                         <p:attrNameLst>
                                           <p:attrName>style.visibility</p:attrName>
@@ -10297,7 +12060,7 @@
                                       <p:cBhvr>
                                         <p:cTn id="13" dur="500"/>
                                         <p:tgtEl>
-                                          <p:spTgt spid="20"/>
+                                          <p:spTgt spid="12"/>
                                         </p:tgtEl>
                                       </p:cBhvr>
                                     </p:animEffect>
@@ -10318,7 +12081,7 @@
                                           </p:stCondLst>
                                         </p:cTn>
                                         <p:tgtEl>
-                                          <p:spTgt spid="22"/>
+                                          <p:spTgt spid="30"/>
                                         </p:tgtEl>
                                         <p:attrNameLst>
                                           <p:attrName>style.visibility</p:attrName>
@@ -10332,217 +12095,7 @@
                                       <p:cBhvr>
                                         <p:cTn id="16" dur="500"/>
                                         <p:tgtEl>
-                                          <p:spTgt spid="22"/>
-                                        </p:tgtEl>
-                                      </p:cBhvr>
-                                    </p:animEffect>
-                                  </p:childTnLst>
-                                </p:cTn>
-                              </p:par>
-                              <p:par>
-                                <p:cTn id="17" presetID="10" presetClass="entr" presetSubtype="0" fill="hold" nodeType="withEffect">
-                                  <p:stCondLst>
-                                    <p:cond delay="0"/>
-                                  </p:stCondLst>
-                                  <p:childTnLst>
-                                    <p:set>
-                                      <p:cBhvr>
-                                        <p:cTn id="18" dur="1" fill="hold">
-                                          <p:stCondLst>
-                                            <p:cond delay="0"/>
-                                          </p:stCondLst>
-                                        </p:cTn>
-                                        <p:tgtEl>
-                                          <p:spTgt spid="24"/>
-                                        </p:tgtEl>
-                                        <p:attrNameLst>
-                                          <p:attrName>style.visibility</p:attrName>
-                                        </p:attrNameLst>
-                                      </p:cBhvr>
-                                      <p:to>
-                                        <p:strVal val="visible"/>
-                                      </p:to>
-                                    </p:set>
-                                    <p:animEffect transition="in" filter="fade">
-                                      <p:cBhvr>
-                                        <p:cTn id="19" dur="500"/>
-                                        <p:tgtEl>
-                                          <p:spTgt spid="24"/>
-                                        </p:tgtEl>
-                                      </p:cBhvr>
-                                    </p:animEffect>
-                                  </p:childTnLst>
-                                </p:cTn>
-                              </p:par>
-                              <p:par>
-                                <p:cTn id="20" presetID="10" presetClass="entr" presetSubtype="0" fill="hold" grpId="0" nodeType="withEffect">
-                                  <p:stCondLst>
-                                    <p:cond delay="0"/>
-                                  </p:stCondLst>
-                                  <p:childTnLst>
-                                    <p:set>
-                                      <p:cBhvr>
-                                        <p:cTn id="21" dur="1" fill="hold">
-                                          <p:stCondLst>
-                                            <p:cond delay="0"/>
-                                          </p:stCondLst>
-                                        </p:cTn>
-                                        <p:tgtEl>
-                                          <p:spTgt spid="25"/>
-                                        </p:tgtEl>
-                                        <p:attrNameLst>
-                                          <p:attrName>style.visibility</p:attrName>
-                                        </p:attrNameLst>
-                                      </p:cBhvr>
-                                      <p:to>
-                                        <p:strVal val="visible"/>
-                                      </p:to>
-                                    </p:set>
-                                    <p:animEffect transition="in" filter="fade">
-                                      <p:cBhvr>
-                                        <p:cTn id="22" dur="500"/>
-                                        <p:tgtEl>
-                                          <p:spTgt spid="25"/>
-                                        </p:tgtEl>
-                                      </p:cBhvr>
-                                    </p:animEffect>
-                                  </p:childTnLst>
-                                </p:cTn>
-                              </p:par>
-                              <p:par>
-                                <p:cTn id="23" presetID="10" presetClass="entr" presetSubtype="0" fill="hold" nodeType="withEffect">
-                                  <p:stCondLst>
-                                    <p:cond delay="0"/>
-                                  </p:stCondLst>
-                                  <p:childTnLst>
-                                    <p:set>
-                                      <p:cBhvr>
-                                        <p:cTn id="24" dur="1" fill="hold">
-                                          <p:stCondLst>
-                                            <p:cond delay="0"/>
-                                          </p:stCondLst>
-                                        </p:cTn>
-                                        <p:tgtEl>
-                                          <p:spTgt spid="26"/>
-                                        </p:tgtEl>
-                                        <p:attrNameLst>
-                                          <p:attrName>style.visibility</p:attrName>
-                                        </p:attrNameLst>
-                                      </p:cBhvr>
-                                      <p:to>
-                                        <p:strVal val="visible"/>
-                                      </p:to>
-                                    </p:set>
-                                    <p:animEffect transition="in" filter="fade">
-                                      <p:cBhvr>
-                                        <p:cTn id="25" dur="500"/>
-                                        <p:tgtEl>
-                                          <p:spTgt spid="26"/>
-                                        </p:tgtEl>
-                                      </p:cBhvr>
-                                    </p:animEffect>
-                                  </p:childTnLst>
-                                </p:cTn>
-                              </p:par>
-                              <p:par>
-                                <p:cTn id="26" presetID="10" presetClass="entr" presetSubtype="0" fill="hold" grpId="0" nodeType="withEffect">
-                                  <p:stCondLst>
-                                    <p:cond delay="0"/>
-                                  </p:stCondLst>
-                                  <p:childTnLst>
-                                    <p:set>
-                                      <p:cBhvr>
-                                        <p:cTn id="27" dur="1" fill="hold">
-                                          <p:stCondLst>
-                                            <p:cond delay="0"/>
-                                          </p:stCondLst>
-                                        </p:cTn>
-                                        <p:tgtEl>
-                                          <p:spTgt spid="27"/>
-                                        </p:tgtEl>
-                                        <p:attrNameLst>
-                                          <p:attrName>style.visibility</p:attrName>
-                                        </p:attrNameLst>
-                                      </p:cBhvr>
-                                      <p:to>
-                                        <p:strVal val="visible"/>
-                                      </p:to>
-                                    </p:set>
-                                    <p:animEffect transition="in" filter="fade">
-                                      <p:cBhvr>
-                                        <p:cTn id="28" dur="500"/>
-                                        <p:tgtEl>
-                                          <p:spTgt spid="27"/>
-                                        </p:tgtEl>
-                                      </p:cBhvr>
-                                    </p:animEffect>
-                                  </p:childTnLst>
-                                </p:cTn>
-                              </p:par>
-                              <p:par>
-                                <p:cTn id="29" presetID="10" presetClass="entr" presetSubtype="0" fill="hold" nodeType="withEffect">
-                                  <p:stCondLst>
-                                    <p:cond delay="0"/>
-                                  </p:stCondLst>
-                                  <p:childTnLst>
-                                    <p:set>
-                                      <p:cBhvr>
-                                        <p:cTn id="30" dur="1" fill="hold">
-                                          <p:stCondLst>
-                                            <p:cond delay="0"/>
-                                          </p:stCondLst>
-                                        </p:cTn>
-                                        <p:tgtEl>
-                                          <p:spTgt spid="28"/>
-                                        </p:tgtEl>
-                                        <p:attrNameLst>
-                                          <p:attrName>style.visibility</p:attrName>
-                                        </p:attrNameLst>
-                                      </p:cBhvr>
-                                      <p:to>
-                                        <p:strVal val="visible"/>
-                                      </p:to>
-                                    </p:set>
-                                    <p:animEffect transition="in" filter="fade">
-                                      <p:cBhvr>
-                                        <p:cTn id="31" dur="500"/>
-                                        <p:tgtEl>
-                                          <p:spTgt spid="28"/>
-                                        </p:tgtEl>
-                                      </p:cBhvr>
-                                    </p:animEffect>
-                                  </p:childTnLst>
-                                </p:cTn>
-                              </p:par>
-                              <p:par>
-                                <p:cTn id="32" presetID="10" presetClass="entr" presetSubtype="0" fill="hold" grpId="0" nodeType="withEffect">
-                                  <p:stCondLst>
-                                    <p:cond delay="0"/>
-                                  </p:stCondLst>
-                                  <p:childTnLst>
-                                    <p:set>
-                                      <p:cBhvr>
-                                        <p:cTn id="33" dur="1" fill="hold">
-                                          <p:stCondLst>
-                                            <p:cond delay="0"/>
-                                          </p:stCondLst>
-                                        </p:cTn>
-                                        <p:tgtEl>
-                                          <p:spTgt spid="29"/>
-                                        </p:tgtEl>
-                                        <p:attrNameLst>
-                                          <p:attrName>style.visibility</p:attrName>
-                                        </p:attrNameLst>
-                                      </p:cBhvr>
-                                      <p:to>
-                                        <p:strVal val="visible"/>
-                                      </p:to>
-                                    </p:set>
-                                    <p:animEffect transition="in" filter="fade">
-                                      <p:cBhvr>
-                                        <p:cTn id="34" dur="500"/>
-                                        <p:tgtEl>
-                                          <p:spTgt spid="29"/>
+                                          <p:spTgt spid="30"/>
                                         </p:tgtEl>
                                       </p:cBhvr>
                                     </p:animEffect>
@@ -10556,1054 +12109,34 @@
                     </p:cTn>
                   </p:par>
                   <p:par>
-                    <p:cTn id="35" fill="hold">
+                    <p:cTn id="17" fill="hold">
                       <p:stCondLst>
                         <p:cond delay="indefinite"/>
                       </p:stCondLst>
                       <p:childTnLst>
                         <p:par>
-                          <p:cTn id="36" fill="hold">
+                          <p:cTn id="18" fill="hold">
                             <p:stCondLst>
                               <p:cond delay="0"/>
                             </p:stCondLst>
                             <p:childTnLst>
                               <p:par>
-                                <p:cTn id="37" presetID="35" presetClass="exit" presetSubtype="0" fill="hold" nodeType="clickEffect">
+                                <p:cTn id="19" presetID="8" presetClass="emph" presetSubtype="0" fill="hold" nodeType="clickEffect">
                                   <p:stCondLst>
                                     <p:cond delay="0"/>
                                   </p:stCondLst>
                                   <p:childTnLst>
-                                    <p:animEffect transition="out" filter="fade">
-                                      <p:cBhvr>
-                                        <p:cTn id="38" dur="2000"/>
-                                        <p:tgtEl>
-                                          <p:spTgt spid="16"/>
-                                        </p:tgtEl>
-                                      </p:cBhvr>
-                                    </p:animEffect>
-                                    <p:anim calcmode="lin" valueType="num">
-                                      <p:cBhvr>
-                                        <p:cTn id="39" dur="2000"/>
-                                        <p:tgtEl>
-                                          <p:spTgt spid="16"/>
+                                    <p:animRot by="21600000">
+                                      <p:cBhvr>
+                                        <p:cTn id="20" dur="1250" fill="hold"/>
+                                        <p:tgtEl>
+                                          <p:spTgt spid="24"/>
                                         </p:tgtEl>
                                         <p:attrNameLst>
-                                          <p:attrName>style.rotation</p:attrName>
+                                          <p:attrName>r</p:attrName>
                                         </p:attrNameLst>
                                       </p:cBhvr>
-                                      <p:tavLst>
-                                        <p:tav tm="0">
-                                          <p:val>
-                                            <p:fltVal val="0"/>
-                                          </p:val>
-                                        </p:tav>
-                                        <p:tav tm="100000">
-                                          <p:val>
-                                            <p:fltVal val="720"/>
-                                          </p:val>
-                                        </p:tav>
-                                      </p:tavLst>
-                                    </p:anim>
-                                    <p:anim calcmode="lin" valueType="num">
-                                      <p:cBhvr>
-                                        <p:cTn id="40" dur="2000"/>
-                                        <p:tgtEl>
-                                          <p:spTgt spid="16"/>
-                                        </p:tgtEl>
-                                        <p:attrNameLst>
-                                          <p:attrName>ppt_h</p:attrName>
-                                        </p:attrNameLst>
-                                      </p:cBhvr>
-                                      <p:tavLst>
-                                        <p:tav tm="0">
-                                          <p:val>
-                                            <p:strVal val="ppt_h"/>
-                                          </p:val>
-                                        </p:tav>
-                                        <p:tav tm="100000">
-                                          <p:val>
-                                            <p:fltVal val="0"/>
-                                          </p:val>
-                                        </p:tav>
-                                      </p:tavLst>
-                                    </p:anim>
-                                    <p:anim calcmode="lin" valueType="num">
-                                      <p:cBhvr>
-                                        <p:cTn id="41" dur="2000"/>
-                                        <p:tgtEl>
-                                          <p:spTgt spid="16"/>
-                                        </p:tgtEl>
-                                        <p:attrNameLst>
-                                          <p:attrName>ppt_w</p:attrName>
-                                        </p:attrNameLst>
-                                      </p:cBhvr>
-                                      <p:tavLst>
-                                        <p:tav tm="0">
-                                          <p:val>
-                                            <p:strVal val="ppt_w"/>
-                                          </p:val>
-                                        </p:tav>
-                                        <p:tav tm="100000">
-                                          <p:val>
-                                            <p:fltVal val="0"/>
-                                          </p:val>
-                                        </p:tav>
-                                      </p:tavLst>
-                                    </p:anim>
-                                    <p:set>
-                                      <p:cBhvr>
-                                        <p:cTn id="42" dur="1" fill="hold">
-                                          <p:stCondLst>
-                                            <p:cond delay="1999"/>
-                                          </p:stCondLst>
-                                        </p:cTn>
-                                        <p:tgtEl>
-                                          <p:spTgt spid="16"/>
-                                        </p:tgtEl>
-                                        <p:attrNameLst>
-                                          <p:attrName>style.visibility</p:attrName>
-                                        </p:attrNameLst>
-                                      </p:cBhvr>
-                                      <p:to>
-                                        <p:strVal val="hidden"/>
-                                      </p:to>
-                                    </p:set>
-                                  </p:childTnLst>
-                                </p:cTn>
-                              </p:par>
-                              <p:par>
-                                <p:cTn id="43" presetID="35" presetClass="exit" presetSubtype="0" fill="hold" grpId="1" nodeType="withEffect">
-                                  <p:stCondLst>
-                                    <p:cond delay="0"/>
-                                  </p:stCondLst>
-                                  <p:childTnLst>
-                                    <p:animEffect transition="out" filter="fade">
-                                      <p:cBhvr>
-                                        <p:cTn id="44" dur="2000"/>
-                                        <p:tgtEl>
-                                          <p:spTgt spid="17"/>
-                                        </p:tgtEl>
-                                      </p:cBhvr>
-                                    </p:animEffect>
-                                    <p:anim calcmode="lin" valueType="num">
-                                      <p:cBhvr>
-                                        <p:cTn id="45" dur="2000"/>
-                                        <p:tgtEl>
-                                          <p:spTgt spid="17"/>
-                                        </p:tgtEl>
-                                        <p:attrNameLst>
-                                          <p:attrName>style.rotation</p:attrName>
-                                        </p:attrNameLst>
-                                      </p:cBhvr>
-                                      <p:tavLst>
-                                        <p:tav tm="0">
-                                          <p:val>
-                                            <p:fltVal val="0"/>
-                                          </p:val>
-                                        </p:tav>
-                                        <p:tav tm="100000">
-                                          <p:val>
-                                            <p:fltVal val="720"/>
-                                          </p:val>
-                                        </p:tav>
-                                      </p:tavLst>
-                                    </p:anim>
-                                    <p:anim calcmode="lin" valueType="num">
-                                      <p:cBhvr>
-                                        <p:cTn id="46" dur="2000"/>
-                                        <p:tgtEl>
-                                          <p:spTgt spid="17"/>
-                                        </p:tgtEl>
-                                        <p:attrNameLst>
-                                          <p:attrName>ppt_h</p:attrName>
-                                        </p:attrNameLst>
-                                      </p:cBhvr>
-                                      <p:tavLst>
-                                        <p:tav tm="0">
-                                          <p:val>
-                                            <p:strVal val="ppt_h"/>
-                                          </p:val>
-                                        </p:tav>
-                                        <p:tav tm="100000">
-                                          <p:val>
-                                            <p:fltVal val="0"/>
-                                          </p:val>
-                                        </p:tav>
-                                      </p:tavLst>
-                                    </p:anim>
-                                    <p:anim calcmode="lin" valueType="num">
-                                      <p:cBhvr>
-                                        <p:cTn id="47" dur="2000"/>
-                                        <p:tgtEl>
-                                          <p:spTgt spid="17"/>
-                                        </p:tgtEl>
-                                        <p:attrNameLst>
-                                          <p:attrName>ppt_w</p:attrName>
-                                        </p:attrNameLst>
-                                      </p:cBhvr>
-                                      <p:tavLst>
-                                        <p:tav tm="0">
-                                          <p:val>
-                                            <p:strVal val="ppt_w"/>
-                                          </p:val>
-                                        </p:tav>
-                                        <p:tav tm="100000">
-                                          <p:val>
-                                            <p:fltVal val="0"/>
-                                          </p:val>
-                                        </p:tav>
-                                      </p:tavLst>
-                                    </p:anim>
-                                    <p:set>
-                                      <p:cBhvr>
-                                        <p:cTn id="48" dur="1" fill="hold">
-                                          <p:stCondLst>
-                                            <p:cond delay="1999"/>
-                                          </p:stCondLst>
-                                        </p:cTn>
-                                        <p:tgtEl>
-                                          <p:spTgt spid="17"/>
-                                        </p:tgtEl>
-                                        <p:attrNameLst>
-                                          <p:attrName>style.visibility</p:attrName>
-                                        </p:attrNameLst>
-                                      </p:cBhvr>
-                                      <p:to>
-                                        <p:strVal val="hidden"/>
-                                      </p:to>
-                                    </p:set>
-                                  </p:childTnLst>
-                                </p:cTn>
-                              </p:par>
-                              <p:par>
-                                <p:cTn id="49" presetID="35" presetClass="exit" presetSubtype="0" fill="hold" nodeType="withEffect">
-                                  <p:stCondLst>
-                                    <p:cond delay="0"/>
-                                  </p:stCondLst>
-                                  <p:childTnLst>
-                                    <p:animEffect transition="out" filter="fade">
-                                      <p:cBhvr>
-                                        <p:cTn id="50" dur="2000"/>
-                                        <p:tgtEl>
-                                          <p:spTgt spid="20"/>
-                                        </p:tgtEl>
-                                      </p:cBhvr>
-                                    </p:animEffect>
-                                    <p:anim calcmode="lin" valueType="num">
-                                      <p:cBhvr>
-                                        <p:cTn id="51" dur="2000"/>
-                                        <p:tgtEl>
-                                          <p:spTgt spid="20"/>
-                                        </p:tgtEl>
-                                        <p:attrNameLst>
-                                          <p:attrName>style.rotation</p:attrName>
-                                        </p:attrNameLst>
-                                      </p:cBhvr>
-                                      <p:tavLst>
-                                        <p:tav tm="0">
-                                          <p:val>
-                                            <p:fltVal val="0"/>
-                                          </p:val>
-                                        </p:tav>
-                                        <p:tav tm="100000">
-                                          <p:val>
-                                            <p:fltVal val="720"/>
-                                          </p:val>
-                                        </p:tav>
-                                      </p:tavLst>
-                                    </p:anim>
-                                    <p:anim calcmode="lin" valueType="num">
-                                      <p:cBhvr>
-                                        <p:cTn id="52" dur="2000"/>
-                                        <p:tgtEl>
-                                          <p:spTgt spid="20"/>
-                                        </p:tgtEl>
-                                        <p:attrNameLst>
-                                          <p:attrName>ppt_h</p:attrName>
-                                        </p:attrNameLst>
-                                      </p:cBhvr>
-                                      <p:tavLst>
-                                        <p:tav tm="0">
-                                          <p:val>
-                                            <p:strVal val="ppt_h"/>
-                                          </p:val>
-                                        </p:tav>
-                                        <p:tav tm="100000">
-                                          <p:val>
-                                            <p:fltVal val="0"/>
-                                          </p:val>
-                                        </p:tav>
-                                      </p:tavLst>
-                                    </p:anim>
-                                    <p:anim calcmode="lin" valueType="num">
-                                      <p:cBhvr>
-                                        <p:cTn id="53" dur="2000"/>
-                                        <p:tgtEl>
-                                          <p:spTgt spid="20"/>
-                                        </p:tgtEl>
-                                        <p:attrNameLst>
-                                          <p:attrName>ppt_w</p:attrName>
-                                        </p:attrNameLst>
-                                      </p:cBhvr>
-                                      <p:tavLst>
-                                        <p:tav tm="0">
-                                          <p:val>
-                                            <p:strVal val="ppt_w"/>
-                                          </p:val>
-                                        </p:tav>
-                                        <p:tav tm="100000">
-                                          <p:val>
-                                            <p:fltVal val="0"/>
-                                          </p:val>
-                                        </p:tav>
-                                      </p:tavLst>
-                                    </p:anim>
-                                    <p:set>
-                                      <p:cBhvr>
-                                        <p:cTn id="54" dur="1" fill="hold">
-                                          <p:stCondLst>
-                                            <p:cond delay="1999"/>
-                                          </p:stCondLst>
-                                        </p:cTn>
-                                        <p:tgtEl>
-                                          <p:spTgt spid="20"/>
-                                        </p:tgtEl>
-                                        <p:attrNameLst>
-                                          <p:attrName>style.visibility</p:attrName>
-                                        </p:attrNameLst>
-                                      </p:cBhvr>
-                                      <p:to>
-                                        <p:strVal val="hidden"/>
-                                      </p:to>
-                                    </p:set>
-                                  </p:childTnLst>
-                                </p:cTn>
-                              </p:par>
-                              <p:par>
-                                <p:cTn id="55" presetID="35" presetClass="exit" presetSubtype="0" fill="hold" grpId="1" nodeType="withEffect">
-                                  <p:stCondLst>
-                                    <p:cond delay="0"/>
-                                  </p:stCondLst>
-                                  <p:childTnLst>
-                                    <p:animEffect transition="out" filter="fade">
-                                      <p:cBhvr>
-                                        <p:cTn id="56" dur="2000"/>
-                                        <p:tgtEl>
-                                          <p:spTgt spid="22"/>
-                                        </p:tgtEl>
-                                      </p:cBhvr>
-                                    </p:animEffect>
-                                    <p:anim calcmode="lin" valueType="num">
-                                      <p:cBhvr>
-                                        <p:cTn id="57" dur="2000"/>
-                                        <p:tgtEl>
-                                          <p:spTgt spid="22"/>
-                                        </p:tgtEl>
-                                        <p:attrNameLst>
-                                          <p:attrName>style.rotation</p:attrName>
-                                        </p:attrNameLst>
-                                      </p:cBhvr>
-                                      <p:tavLst>
-                                        <p:tav tm="0">
-                                          <p:val>
-                                            <p:fltVal val="0"/>
-                                          </p:val>
-                                        </p:tav>
-                                        <p:tav tm="100000">
-                                          <p:val>
-                                            <p:fltVal val="720"/>
-                                          </p:val>
-                                        </p:tav>
-                                      </p:tavLst>
-                                    </p:anim>
-                                    <p:anim calcmode="lin" valueType="num">
-                                      <p:cBhvr>
-                                        <p:cTn id="58" dur="2000"/>
-                                        <p:tgtEl>
-                                          <p:spTgt spid="22"/>
-                                        </p:tgtEl>
-                                        <p:attrNameLst>
-                                          <p:attrName>ppt_h</p:attrName>
-                                        </p:attrNameLst>
-                                      </p:cBhvr>
-                                      <p:tavLst>
-                                        <p:tav tm="0">
-                                          <p:val>
-                                            <p:strVal val="ppt_h"/>
-                                          </p:val>
-                                        </p:tav>
-                                        <p:tav tm="100000">
-                                          <p:val>
-                                            <p:fltVal val="0"/>
-                                          </p:val>
-                                        </p:tav>
-                                      </p:tavLst>
-                                    </p:anim>
-                                    <p:anim calcmode="lin" valueType="num">
-                                      <p:cBhvr>
-                                        <p:cTn id="59" dur="2000"/>
-                                        <p:tgtEl>
-                                          <p:spTgt spid="22"/>
-                                        </p:tgtEl>
-                                        <p:attrNameLst>
-                                          <p:attrName>ppt_w</p:attrName>
-                                        </p:attrNameLst>
-                                      </p:cBhvr>
-                                      <p:tavLst>
-                                        <p:tav tm="0">
-                                          <p:val>
-                                            <p:strVal val="ppt_w"/>
-                                          </p:val>
-                                        </p:tav>
-                                        <p:tav tm="100000">
-                                          <p:val>
-                                            <p:fltVal val="0"/>
-                                          </p:val>
-                                        </p:tav>
-                                      </p:tavLst>
-                                    </p:anim>
-                                    <p:set>
-                                      <p:cBhvr>
-                                        <p:cTn id="60" dur="1" fill="hold">
-                                          <p:stCondLst>
-                                            <p:cond delay="1999"/>
-                                          </p:stCondLst>
-                                        </p:cTn>
-                                        <p:tgtEl>
-                                          <p:spTgt spid="22"/>
-                                        </p:tgtEl>
-                                        <p:attrNameLst>
-                                          <p:attrName>style.visibility</p:attrName>
-                                        </p:attrNameLst>
-                                      </p:cBhvr>
-                                      <p:to>
-                                        <p:strVal val="hidden"/>
-                                      </p:to>
-                                    </p:set>
-                                  </p:childTnLst>
-                                </p:cTn>
-                              </p:par>
-                              <p:par>
-                                <p:cTn id="61" presetID="35" presetClass="exit" presetSubtype="0" fill="hold" nodeType="withEffect">
-                                  <p:stCondLst>
-                                    <p:cond delay="0"/>
-                                  </p:stCondLst>
-                                  <p:childTnLst>
-                                    <p:animEffect transition="out" filter="fade">
-                                      <p:cBhvr>
-                                        <p:cTn id="62" dur="2000"/>
-                                        <p:tgtEl>
-                                          <p:spTgt spid="24"/>
-                                        </p:tgtEl>
-                                      </p:cBhvr>
-                                    </p:animEffect>
-                                    <p:anim calcmode="lin" valueType="num">
-                                      <p:cBhvr>
-                                        <p:cTn id="63" dur="2000"/>
-                                        <p:tgtEl>
-                                          <p:spTgt spid="24"/>
-                                        </p:tgtEl>
-                                        <p:attrNameLst>
-                                          <p:attrName>style.rotation</p:attrName>
-                                        </p:attrNameLst>
-                                      </p:cBhvr>
-                                      <p:tavLst>
-                                        <p:tav tm="0">
-                                          <p:val>
-                                            <p:fltVal val="0"/>
-                                          </p:val>
-                                        </p:tav>
-                                        <p:tav tm="100000">
-                                          <p:val>
-                                            <p:fltVal val="720"/>
-                                          </p:val>
-                                        </p:tav>
-                                      </p:tavLst>
-                                    </p:anim>
-                                    <p:anim calcmode="lin" valueType="num">
-                                      <p:cBhvr>
-                                        <p:cTn id="64" dur="2000"/>
-                                        <p:tgtEl>
-                                          <p:spTgt spid="24"/>
-                                        </p:tgtEl>
-                                        <p:attrNameLst>
-                                          <p:attrName>ppt_h</p:attrName>
-                                        </p:attrNameLst>
-                                      </p:cBhvr>
-                                      <p:tavLst>
-                                        <p:tav tm="0">
-                                          <p:val>
-                                            <p:strVal val="ppt_h"/>
-                                          </p:val>
-                                        </p:tav>
-                                        <p:tav tm="100000">
-                                          <p:val>
-                                            <p:fltVal val="0"/>
-                                          </p:val>
-                                        </p:tav>
-                                      </p:tavLst>
-                                    </p:anim>
-                                    <p:anim calcmode="lin" valueType="num">
-                                      <p:cBhvr>
-                                        <p:cTn id="65" dur="2000"/>
-                                        <p:tgtEl>
-                                          <p:spTgt spid="24"/>
-                                        </p:tgtEl>
-                                        <p:attrNameLst>
-                                          <p:attrName>ppt_w</p:attrName>
-                                        </p:attrNameLst>
-                                      </p:cBhvr>
-                                      <p:tavLst>
-                                        <p:tav tm="0">
-                                          <p:val>
-                                            <p:strVal val="ppt_w"/>
-                                          </p:val>
-                                        </p:tav>
-                                        <p:tav tm="100000">
-                                          <p:val>
-                                            <p:fltVal val="0"/>
-                                          </p:val>
-                                        </p:tav>
-                                      </p:tavLst>
-                                    </p:anim>
-                                    <p:set>
-                                      <p:cBhvr>
-                                        <p:cTn id="66" dur="1" fill="hold">
-                                          <p:stCondLst>
-                                            <p:cond delay="1999"/>
-                                          </p:stCondLst>
-                                        </p:cTn>
-                                        <p:tgtEl>
-                                          <p:spTgt spid="24"/>
-                                        </p:tgtEl>
-                                        <p:attrNameLst>
-                                          <p:attrName>style.visibility</p:attrName>
-                                        </p:attrNameLst>
-                                      </p:cBhvr>
-                                      <p:to>
-                                        <p:strVal val="hidden"/>
-                                      </p:to>
-                                    </p:set>
-                                  </p:childTnLst>
-                                </p:cTn>
-                              </p:par>
-                              <p:par>
-                                <p:cTn id="67" presetID="35" presetClass="exit" presetSubtype="0" fill="hold" grpId="1" nodeType="withEffect">
-                                  <p:stCondLst>
-                                    <p:cond delay="0"/>
-                                  </p:stCondLst>
-                                  <p:childTnLst>
-                                    <p:animEffect transition="out" filter="fade">
-                                      <p:cBhvr>
-                                        <p:cTn id="68" dur="2000"/>
-                                        <p:tgtEl>
-                                          <p:spTgt spid="25"/>
-                                        </p:tgtEl>
-                                      </p:cBhvr>
-                                    </p:animEffect>
-                                    <p:anim calcmode="lin" valueType="num">
-                                      <p:cBhvr>
-                                        <p:cTn id="69" dur="2000"/>
-                                        <p:tgtEl>
-                                          <p:spTgt spid="25"/>
-                                        </p:tgtEl>
-                                        <p:attrNameLst>
-                                          <p:attrName>style.rotation</p:attrName>
-                                        </p:attrNameLst>
-                                      </p:cBhvr>
-                                      <p:tavLst>
-                                        <p:tav tm="0">
-                                          <p:val>
-                                            <p:fltVal val="0"/>
-                                          </p:val>
-                                        </p:tav>
-                                        <p:tav tm="100000">
-                                          <p:val>
-                                            <p:fltVal val="720"/>
-                                          </p:val>
-                                        </p:tav>
-                                      </p:tavLst>
-                                    </p:anim>
-                                    <p:anim calcmode="lin" valueType="num">
-                                      <p:cBhvr>
-                                        <p:cTn id="70" dur="2000"/>
-                                        <p:tgtEl>
-                                          <p:spTgt spid="25"/>
-                                        </p:tgtEl>
-                                        <p:attrNameLst>
-                                          <p:attrName>ppt_h</p:attrName>
-                                        </p:attrNameLst>
-                                      </p:cBhvr>
-                                      <p:tavLst>
-                                        <p:tav tm="0">
-                                          <p:val>
-                                            <p:strVal val="ppt_h"/>
-                                          </p:val>
-                                        </p:tav>
-                                        <p:tav tm="100000">
-                                          <p:val>
-                                            <p:fltVal val="0"/>
-                                          </p:val>
-                                        </p:tav>
-                                      </p:tavLst>
-                                    </p:anim>
-                                    <p:anim calcmode="lin" valueType="num">
-                                      <p:cBhvr>
-                                        <p:cTn id="71" dur="2000"/>
-                                        <p:tgtEl>
-                                          <p:spTgt spid="25"/>
-                                        </p:tgtEl>
-                                        <p:attrNameLst>
-                                          <p:attrName>ppt_w</p:attrName>
-                                        </p:attrNameLst>
-                                      </p:cBhvr>
-                                      <p:tavLst>
-                                        <p:tav tm="0">
-                                          <p:val>
-                                            <p:strVal val="ppt_w"/>
-                                          </p:val>
-                                        </p:tav>
-                                        <p:tav tm="100000">
-                                          <p:val>
-                                            <p:fltVal val="0"/>
-                                          </p:val>
-                                        </p:tav>
-                                      </p:tavLst>
-                                    </p:anim>
-                                    <p:set>
-                                      <p:cBhvr>
-                                        <p:cTn id="72" dur="1" fill="hold">
-                                          <p:stCondLst>
-                                            <p:cond delay="1999"/>
-                                          </p:stCondLst>
-                                        </p:cTn>
-                                        <p:tgtEl>
-                                          <p:spTgt spid="25"/>
-                                        </p:tgtEl>
-                                        <p:attrNameLst>
-                                          <p:attrName>style.visibility</p:attrName>
-                                        </p:attrNameLst>
-                                      </p:cBhvr>
-                                      <p:to>
-                                        <p:strVal val="hidden"/>
-                                      </p:to>
-                                    </p:set>
-                                  </p:childTnLst>
-                                </p:cTn>
-                              </p:par>
-                              <p:par>
-                                <p:cTn id="73" presetID="35" presetClass="exit" presetSubtype="0" fill="hold" nodeType="withEffect">
-                                  <p:stCondLst>
-                                    <p:cond delay="0"/>
-                                  </p:stCondLst>
-                                  <p:childTnLst>
-                                    <p:animEffect transition="out" filter="fade">
-                                      <p:cBhvr>
-                                        <p:cTn id="74" dur="2000"/>
-                                        <p:tgtEl>
-                                          <p:spTgt spid="26"/>
-                                        </p:tgtEl>
-                                      </p:cBhvr>
-                                    </p:animEffect>
-                                    <p:anim calcmode="lin" valueType="num">
-                                      <p:cBhvr>
-                                        <p:cTn id="75" dur="2000"/>
-                                        <p:tgtEl>
-                                          <p:spTgt spid="26"/>
-                                        </p:tgtEl>
-                                        <p:attrNameLst>
-                                          <p:attrName>style.rotation</p:attrName>
-                                        </p:attrNameLst>
-                                      </p:cBhvr>
-                                      <p:tavLst>
-                                        <p:tav tm="0">
-                                          <p:val>
-                                            <p:fltVal val="0"/>
-                                          </p:val>
-                                        </p:tav>
-                                        <p:tav tm="100000">
-                                          <p:val>
-                                            <p:fltVal val="720"/>
-                                          </p:val>
-                                        </p:tav>
-                                      </p:tavLst>
-                                    </p:anim>
-                                    <p:anim calcmode="lin" valueType="num">
-                                      <p:cBhvr>
-                                        <p:cTn id="76" dur="2000"/>
-                                        <p:tgtEl>
-                                          <p:spTgt spid="26"/>
-                                        </p:tgtEl>
-                                        <p:attrNameLst>
-                                          <p:attrName>ppt_h</p:attrName>
-                                        </p:attrNameLst>
-                                      </p:cBhvr>
-                                      <p:tavLst>
-                                        <p:tav tm="0">
-                                          <p:val>
-                                            <p:strVal val="ppt_h"/>
-                                          </p:val>
-                                        </p:tav>
-                                        <p:tav tm="100000">
-                                          <p:val>
-                                            <p:fltVal val="0"/>
-                                          </p:val>
-                                        </p:tav>
-                                      </p:tavLst>
-                                    </p:anim>
-                                    <p:anim calcmode="lin" valueType="num">
-                                      <p:cBhvr>
-                                        <p:cTn id="77" dur="2000"/>
-                                        <p:tgtEl>
-                                          <p:spTgt spid="26"/>
-                                        </p:tgtEl>
-                                        <p:attrNameLst>
-                                          <p:attrName>ppt_w</p:attrName>
-                                        </p:attrNameLst>
-                                      </p:cBhvr>
-                                      <p:tavLst>
-                                        <p:tav tm="0">
-                                          <p:val>
-                                            <p:strVal val="ppt_w"/>
-                                          </p:val>
-                                        </p:tav>
-                                        <p:tav tm="100000">
-                                          <p:val>
-                                            <p:fltVal val="0"/>
-                                          </p:val>
-                                        </p:tav>
-                                      </p:tavLst>
-                                    </p:anim>
-                                    <p:set>
-                                      <p:cBhvr>
-                                        <p:cTn id="78" dur="1" fill="hold">
-                                          <p:stCondLst>
-                                            <p:cond delay="1999"/>
-                                          </p:stCondLst>
-                                        </p:cTn>
-                                        <p:tgtEl>
-                                          <p:spTgt spid="26"/>
-                                        </p:tgtEl>
-                                        <p:attrNameLst>
-                                          <p:attrName>style.visibility</p:attrName>
-                                        </p:attrNameLst>
-                                      </p:cBhvr>
-                                      <p:to>
-                                        <p:strVal val="hidden"/>
-                                      </p:to>
-                                    </p:set>
-                                  </p:childTnLst>
-                                </p:cTn>
-                              </p:par>
-                              <p:par>
-                                <p:cTn id="79" presetID="35" presetClass="exit" presetSubtype="0" fill="hold" grpId="1" nodeType="withEffect">
-                                  <p:stCondLst>
-                                    <p:cond delay="0"/>
-                                  </p:stCondLst>
-                                  <p:childTnLst>
-                                    <p:animEffect transition="out" filter="fade">
-                                      <p:cBhvr>
-                                        <p:cTn id="80" dur="2000"/>
-                                        <p:tgtEl>
-                                          <p:spTgt spid="27"/>
-                                        </p:tgtEl>
-                                      </p:cBhvr>
-                                    </p:animEffect>
-                                    <p:anim calcmode="lin" valueType="num">
-                                      <p:cBhvr>
-                                        <p:cTn id="81" dur="2000"/>
-                                        <p:tgtEl>
-                                          <p:spTgt spid="27"/>
-                                        </p:tgtEl>
-                                        <p:attrNameLst>
-                                          <p:attrName>style.rotation</p:attrName>
-                                        </p:attrNameLst>
-                                      </p:cBhvr>
-                                      <p:tavLst>
-                                        <p:tav tm="0">
-                                          <p:val>
-                                            <p:fltVal val="0"/>
-                                          </p:val>
-                                        </p:tav>
-                                        <p:tav tm="100000">
-                                          <p:val>
-                                            <p:fltVal val="720"/>
-                                          </p:val>
-                                        </p:tav>
-                                      </p:tavLst>
-                                    </p:anim>
-                                    <p:anim calcmode="lin" valueType="num">
-                                      <p:cBhvr>
-                                        <p:cTn id="82" dur="2000"/>
-                                        <p:tgtEl>
-                                          <p:spTgt spid="27"/>
-                                        </p:tgtEl>
-                                        <p:attrNameLst>
-                                          <p:attrName>ppt_h</p:attrName>
-                                        </p:attrNameLst>
-                                      </p:cBhvr>
-                                      <p:tavLst>
-                                        <p:tav tm="0">
-                                          <p:val>
-                                            <p:strVal val="ppt_h"/>
-                                          </p:val>
-                                        </p:tav>
-                                        <p:tav tm="100000">
-                                          <p:val>
-                                            <p:fltVal val="0"/>
-                                          </p:val>
-                                        </p:tav>
-                                      </p:tavLst>
-                                    </p:anim>
-                                    <p:anim calcmode="lin" valueType="num">
-                                      <p:cBhvr>
-                                        <p:cTn id="83" dur="2000"/>
-                                        <p:tgtEl>
-                                          <p:spTgt spid="27"/>
-                                        </p:tgtEl>
-                                        <p:attrNameLst>
-                                          <p:attrName>ppt_w</p:attrName>
-                                        </p:attrNameLst>
-                                      </p:cBhvr>
-                                      <p:tavLst>
-                                        <p:tav tm="0">
-                                          <p:val>
-                                            <p:strVal val="ppt_w"/>
-                                          </p:val>
-                                        </p:tav>
-                                        <p:tav tm="100000">
-                                          <p:val>
-                                            <p:fltVal val="0"/>
-                                          </p:val>
-                                        </p:tav>
-                                      </p:tavLst>
-                                    </p:anim>
-                                    <p:set>
-                                      <p:cBhvr>
-                                        <p:cTn id="84" dur="1" fill="hold">
-                                          <p:stCondLst>
-                                            <p:cond delay="1999"/>
-                                          </p:stCondLst>
-                                        </p:cTn>
-                                        <p:tgtEl>
-                                          <p:spTgt spid="27"/>
-                                        </p:tgtEl>
-                                        <p:attrNameLst>
-                                          <p:attrName>style.visibility</p:attrName>
-                                        </p:attrNameLst>
-                                      </p:cBhvr>
-                                      <p:to>
-                                        <p:strVal val="hidden"/>
-                                      </p:to>
-                                    </p:set>
-                                  </p:childTnLst>
-                                </p:cTn>
-                              </p:par>
-                              <p:par>
-                                <p:cTn id="85" presetID="35" presetClass="exit" presetSubtype="0" fill="hold" nodeType="withEffect">
-                                  <p:stCondLst>
-                                    <p:cond delay="0"/>
-                                  </p:stCondLst>
-                                  <p:childTnLst>
-                                    <p:animEffect transition="out" filter="fade">
-                                      <p:cBhvr>
-                                        <p:cTn id="86" dur="2000"/>
-                                        <p:tgtEl>
-                                          <p:spTgt spid="28"/>
-                                        </p:tgtEl>
-                                      </p:cBhvr>
-                                    </p:animEffect>
-                                    <p:anim calcmode="lin" valueType="num">
-                                      <p:cBhvr>
-                                        <p:cTn id="87" dur="2000"/>
-                                        <p:tgtEl>
-                                          <p:spTgt spid="28"/>
-                                        </p:tgtEl>
-                                        <p:attrNameLst>
-                                          <p:attrName>style.rotation</p:attrName>
-                                        </p:attrNameLst>
-                                      </p:cBhvr>
-                                      <p:tavLst>
-                                        <p:tav tm="0">
-                                          <p:val>
-                                            <p:fltVal val="0"/>
-                                          </p:val>
-                                        </p:tav>
-                                        <p:tav tm="100000">
-                                          <p:val>
-                                            <p:fltVal val="720"/>
-                                          </p:val>
-                                        </p:tav>
-                                      </p:tavLst>
-                                    </p:anim>
-                                    <p:anim calcmode="lin" valueType="num">
-                                      <p:cBhvr>
-                                        <p:cTn id="88" dur="2000"/>
-                                        <p:tgtEl>
-                                          <p:spTgt spid="28"/>
-                                        </p:tgtEl>
-                                        <p:attrNameLst>
-                                          <p:attrName>ppt_h</p:attrName>
-                                        </p:attrNameLst>
-                                      </p:cBhvr>
-                                      <p:tavLst>
-                                        <p:tav tm="0">
-                                          <p:val>
-                                            <p:strVal val="ppt_h"/>
-                                          </p:val>
-                                        </p:tav>
-                                        <p:tav tm="100000">
-                                          <p:val>
-                                            <p:fltVal val="0"/>
-                                          </p:val>
-                                        </p:tav>
-                                      </p:tavLst>
-                                    </p:anim>
-                                    <p:anim calcmode="lin" valueType="num">
-                                      <p:cBhvr>
-                                        <p:cTn id="89" dur="2000"/>
-                                        <p:tgtEl>
-                                          <p:spTgt spid="28"/>
-                                        </p:tgtEl>
-                                        <p:attrNameLst>
-                                          <p:attrName>ppt_w</p:attrName>
-                                        </p:attrNameLst>
-                                      </p:cBhvr>
-                                      <p:tavLst>
-                                        <p:tav tm="0">
-                                          <p:val>
-                                            <p:strVal val="ppt_w"/>
-                                          </p:val>
-                                        </p:tav>
-                                        <p:tav tm="100000">
-                                          <p:val>
-                                            <p:fltVal val="0"/>
-                                          </p:val>
-                                        </p:tav>
-                                      </p:tavLst>
-                                    </p:anim>
-                                    <p:set>
-                                      <p:cBhvr>
-                                        <p:cTn id="90" dur="1" fill="hold">
-                                          <p:stCondLst>
-                                            <p:cond delay="1999"/>
-                                          </p:stCondLst>
-                                        </p:cTn>
-                                        <p:tgtEl>
-                                          <p:spTgt spid="28"/>
-                                        </p:tgtEl>
-                                        <p:attrNameLst>
-                                          <p:attrName>style.visibility</p:attrName>
-                                        </p:attrNameLst>
-                                      </p:cBhvr>
-                                      <p:to>
-                                        <p:strVal val="hidden"/>
-                                      </p:to>
-                                    </p:set>
-                                  </p:childTnLst>
-                                </p:cTn>
-                              </p:par>
-                              <p:par>
-                                <p:cTn id="91" presetID="35" presetClass="exit" presetSubtype="0" fill="hold" grpId="1" nodeType="withEffect">
-                                  <p:stCondLst>
-                                    <p:cond delay="0"/>
-                                  </p:stCondLst>
-                                  <p:childTnLst>
-                                    <p:animEffect transition="out" filter="fade">
-                                      <p:cBhvr>
-                                        <p:cTn id="92" dur="2000"/>
-                                        <p:tgtEl>
-                                          <p:spTgt spid="29"/>
-                                        </p:tgtEl>
-                                      </p:cBhvr>
-                                    </p:animEffect>
-                                    <p:anim calcmode="lin" valueType="num">
-                                      <p:cBhvr>
-                                        <p:cTn id="93" dur="2000"/>
-                                        <p:tgtEl>
-                                          <p:spTgt spid="29"/>
-                                        </p:tgtEl>
-                                        <p:attrNameLst>
-                                          <p:attrName>style.rotation</p:attrName>
-                                        </p:attrNameLst>
-                                      </p:cBhvr>
-                                      <p:tavLst>
-                                        <p:tav tm="0">
-                                          <p:val>
-                                            <p:fltVal val="0"/>
-                                          </p:val>
-                                        </p:tav>
-                                        <p:tav tm="100000">
-                                          <p:val>
-                                            <p:fltVal val="720"/>
-                                          </p:val>
-                                        </p:tav>
-                                      </p:tavLst>
-                                    </p:anim>
-                                    <p:anim calcmode="lin" valueType="num">
-                                      <p:cBhvr>
-                                        <p:cTn id="94" dur="2000"/>
-                                        <p:tgtEl>
-                                          <p:spTgt spid="29"/>
-                                        </p:tgtEl>
-                                        <p:attrNameLst>
-                                          <p:attrName>ppt_h</p:attrName>
-                                        </p:attrNameLst>
-                                      </p:cBhvr>
-                                      <p:tavLst>
-                                        <p:tav tm="0">
-                                          <p:val>
-                                            <p:strVal val="ppt_h"/>
-                                          </p:val>
-                                        </p:tav>
-                                        <p:tav tm="100000">
-                                          <p:val>
-                                            <p:fltVal val="0"/>
-                                          </p:val>
-                                        </p:tav>
-                                      </p:tavLst>
-                                    </p:anim>
-                                    <p:anim calcmode="lin" valueType="num">
-                                      <p:cBhvr>
-                                        <p:cTn id="95" dur="2000"/>
-                                        <p:tgtEl>
-                                          <p:spTgt spid="29"/>
-                                        </p:tgtEl>
-                                        <p:attrNameLst>
-                                          <p:attrName>ppt_w</p:attrName>
-                                        </p:attrNameLst>
-                                      </p:cBhvr>
-                                      <p:tavLst>
-                                        <p:tav tm="0">
-                                          <p:val>
-                                            <p:strVal val="ppt_w"/>
-                                          </p:val>
-                                        </p:tav>
-                                        <p:tav tm="100000">
-                                          <p:val>
-                                            <p:fltVal val="0"/>
-                                          </p:val>
-                                        </p:tav>
-                                      </p:tavLst>
-                                    </p:anim>
-                                    <p:set>
-                                      <p:cBhvr>
-                                        <p:cTn id="96" dur="1" fill="hold">
-                                          <p:stCondLst>
-                                            <p:cond delay="1999"/>
-                                          </p:stCondLst>
-                                        </p:cTn>
-                                        <p:tgtEl>
-                                          <p:spTgt spid="29"/>
-                                        </p:tgtEl>
-                                        <p:attrNameLst>
-                                          <p:attrName>style.visibility</p:attrName>
-                                        </p:attrNameLst>
-                                      </p:cBhvr>
-                                      <p:to>
-                                        <p:strVal val="hidden"/>
-                                      </p:to>
-                                    </p:set>
+                                    </p:animRot>
                                   </p:childTnLst>
                                 </p:cTn>
                               </p:par>
@@ -11611,26 +12144,26 @@
                           </p:cTn>
                         </p:par>
                         <p:par>
-                          <p:cTn id="97" fill="hold">
+                          <p:cTn id="21" fill="hold">
                             <p:stCondLst>
-                              <p:cond delay="2000"/>
+                              <p:cond delay="1250"/>
                             </p:stCondLst>
                             <p:childTnLst>
                               <p:par>
-                                <p:cTn id="98" presetID="37" presetClass="entr" presetSubtype="0" fill="hold" nodeType="afterEffect">
+                                <p:cTn id="22" presetID="22" presetClass="entr" presetSubtype="8" fill="hold" grpId="0" nodeType="afterEffect">
                                   <p:stCondLst>
                                     <p:cond delay="0"/>
                                   </p:stCondLst>
                                   <p:childTnLst>
                                     <p:set>
                                       <p:cBhvr>
-                                        <p:cTn id="99" dur="1" fill="hold">
+                                        <p:cTn id="23" dur="1" fill="hold">
                                           <p:stCondLst>
                                             <p:cond delay="0"/>
                                           </p:stCondLst>
                                         </p:cTn>
                                         <p:tgtEl>
-                                          <p:spTgt spid="30"/>
+                                          <p:spTgt spid="3"/>
                                         </p:tgtEl>
                                         <p:attrNameLst>
                                           <p:attrName>style.visibility</p:attrName>
@@ -11640,105 +12173,32 @@
                                         <p:strVal val="visible"/>
                                       </p:to>
                                     </p:set>
-                                    <p:animEffect transition="in" filter="fade">
-                                      <p:cBhvr>
-                                        <p:cTn id="100" dur="1000"/>
-                                        <p:tgtEl>
-                                          <p:spTgt spid="30"/>
+                                    <p:animEffect transition="in" filter="wipe(left)">
+                                      <p:cBhvr>
+                                        <p:cTn id="24" dur="500"/>
+                                        <p:tgtEl>
+                                          <p:spTgt spid="3"/>
                                         </p:tgtEl>
                                       </p:cBhvr>
                                     </p:animEffect>
-                                    <p:anim calcmode="lin" valueType="num">
-                                      <p:cBhvr>
-                                        <p:cTn id="101" dur="1000" fill="hold"/>
-                                        <p:tgtEl>
-                                          <p:spTgt spid="30"/>
-                                        </p:tgtEl>
-                                        <p:attrNameLst>
-                                          <p:attrName>ppt_x</p:attrName>
-                                        </p:attrNameLst>
-                                      </p:cBhvr>
-                                      <p:tavLst>
-                                        <p:tav tm="0">
-                                          <p:val>
-                                            <p:strVal val="#ppt_x"/>
-                                          </p:val>
-                                        </p:tav>
-                                        <p:tav tm="100000">
-                                          <p:val>
-                                            <p:strVal val="#ppt_x"/>
-                                          </p:val>
-                                        </p:tav>
-                                      </p:tavLst>
-                                    </p:anim>
-                                    <p:anim calcmode="lin" valueType="num">
-                                      <p:cBhvr>
-                                        <p:cTn id="102" dur="900" decel="100000" fill="hold"/>
-                                        <p:tgtEl>
-                                          <p:spTgt spid="30"/>
-                                        </p:tgtEl>
-                                        <p:attrNameLst>
-                                          <p:attrName>ppt_y</p:attrName>
-                                        </p:attrNameLst>
-                                      </p:cBhvr>
-                                      <p:tavLst>
-                                        <p:tav tm="0">
-                                          <p:val>
-                                            <p:strVal val="#ppt_y+1"/>
-                                          </p:val>
-                                        </p:tav>
-                                        <p:tav tm="100000">
-                                          <p:val>
-                                            <p:strVal val="#ppt_y-.03"/>
-                                          </p:val>
-                                        </p:tav>
-                                      </p:tavLst>
-                                    </p:anim>
-                                    <p:anim calcmode="lin" valueType="num">
-                                      <p:cBhvr>
-                                        <p:cTn id="103" dur="100" accel="100000" fill="hold">
-                                          <p:stCondLst>
-                                            <p:cond delay="900"/>
-                                          </p:stCondLst>
-                                        </p:cTn>
-                                        <p:tgtEl>
-                                          <p:spTgt spid="30"/>
-                                        </p:tgtEl>
-                                        <p:attrNameLst>
-                                          <p:attrName>ppt_y</p:attrName>
-                                        </p:attrNameLst>
-                                      </p:cBhvr>
-                                      <p:tavLst>
-                                        <p:tav tm="0">
-                                          <p:val>
-                                            <p:strVal val="#ppt_y-.03"/>
-                                          </p:val>
-                                        </p:tav>
-                                        <p:tav tm="100000">
-                                          <p:val>
-                                            <p:strVal val="#ppt_y"/>
-                                          </p:val>
-                                        </p:tav>
-                                      </p:tavLst>
-                                    </p:anim>
                                   </p:childTnLst>
                                 </p:cTn>
                               </p:par>
                               <p:par>
-                                <p:cTn id="104" presetID="37" presetClass="entr" presetSubtype="0" fill="hold" grpId="0" nodeType="withEffect">
+                                <p:cTn id="25" presetID="22" presetClass="entr" presetSubtype="8" fill="hold" grpId="0" nodeType="withEffect">
                                   <p:stCondLst>
                                     <p:cond delay="0"/>
                                   </p:stCondLst>
                                   <p:childTnLst>
                                     <p:set>
                                       <p:cBhvr>
-                                        <p:cTn id="105" dur="1" fill="hold">
+                                        <p:cTn id="26" dur="1" fill="hold">
                                           <p:stCondLst>
                                             <p:cond delay="0"/>
                                           </p:stCondLst>
                                         </p:cTn>
                                         <p:tgtEl>
-                                          <p:spTgt spid="31"/>
+                                          <p:spTgt spid="14"/>
                                         </p:tgtEl>
                                         <p:attrNameLst>
                                           <p:attrName>style.visibility</p:attrName>
@@ -11748,87 +12208,14 @@
                                         <p:strVal val="visible"/>
                                       </p:to>
                                     </p:set>
-                                    <p:animEffect transition="in" filter="fade">
-                                      <p:cBhvr>
-                                        <p:cTn id="106" dur="1000"/>
-                                        <p:tgtEl>
-                                          <p:spTgt spid="31"/>
+                                    <p:animEffect transition="in" filter="wipe(left)">
+                                      <p:cBhvr>
+                                        <p:cTn id="27" dur="500"/>
+                                        <p:tgtEl>
+                                          <p:spTgt spid="14"/>
                                         </p:tgtEl>
                                       </p:cBhvr>
                                     </p:animEffect>
-                                    <p:anim calcmode="lin" valueType="num">
-                                      <p:cBhvr>
-                                        <p:cTn id="107" dur="1000" fill="hold"/>
-                                        <p:tgtEl>
-                                          <p:spTgt spid="31"/>
-                                        </p:tgtEl>
-                                        <p:attrNameLst>
-                                          <p:attrName>ppt_x</p:attrName>
-                                        </p:attrNameLst>
-                                      </p:cBhvr>
-                                      <p:tavLst>
-                                        <p:tav tm="0">
-                                          <p:val>
-                                            <p:strVal val="#ppt_x"/>
-                                          </p:val>
-                                        </p:tav>
-                                        <p:tav tm="100000">
-                                          <p:val>
-                                            <p:strVal val="#ppt_x"/>
-                                          </p:val>
-                                        </p:tav>
-                                      </p:tavLst>
-                                    </p:anim>
-                                    <p:anim calcmode="lin" valueType="num">
-                                      <p:cBhvr>
-                                        <p:cTn id="108" dur="900" decel="100000" fill="hold"/>
-                                        <p:tgtEl>
-                                          <p:spTgt spid="31"/>
-                                        </p:tgtEl>
-                                        <p:attrNameLst>
-                                          <p:attrName>ppt_y</p:attrName>
-                                        </p:attrNameLst>
-                                      </p:cBhvr>
-                                      <p:tavLst>
-                                        <p:tav tm="0">
-                                          <p:val>
-                                            <p:strVal val="#ppt_y+1"/>
-                                          </p:val>
-                                        </p:tav>
-                                        <p:tav tm="100000">
-                                          <p:val>
-                                            <p:strVal val="#ppt_y-.03"/>
-                                          </p:val>
-                                        </p:tav>
-                                      </p:tavLst>
-                                    </p:anim>
-                                    <p:anim calcmode="lin" valueType="num">
-                                      <p:cBhvr>
-                                        <p:cTn id="109" dur="100" accel="100000" fill="hold">
-                                          <p:stCondLst>
-                                            <p:cond delay="900"/>
-                                          </p:stCondLst>
-                                        </p:cTn>
-                                        <p:tgtEl>
-                                          <p:spTgt spid="31"/>
-                                        </p:tgtEl>
-                                        <p:attrNameLst>
-                                          <p:attrName>ppt_y</p:attrName>
-                                        </p:attrNameLst>
-                                      </p:cBhvr>
-                                      <p:tavLst>
-                                        <p:tav tm="0">
-                                          <p:val>
-                                            <p:strVal val="#ppt_y-.03"/>
-                                          </p:val>
-                                        </p:tav>
-                                        <p:tav tm="100000">
-                                          <p:val>
-                                            <p:strVal val="#ppt_y"/>
-                                          </p:val>
-                                        </p:tav>
-                                      </p:tavLst>
-                                    </p:anim>
                                   </p:childTnLst>
                                 </p:cTn>
                               </p:par>
@@ -11860,17 +12247,10 @@
       </p:par>
     </p:tnLst>
     <p:bldLst>
-      <p:bldP spid="17" grpId="0"/>
-      <p:bldP spid="17" grpId="1"/>
-      <p:bldP spid="22" grpId="0"/>
-      <p:bldP spid="22" grpId="1"/>
-      <p:bldP spid="25" grpId="0"/>
-      <p:bldP spid="25" grpId="1"/>
-      <p:bldP spid="27" grpId="0"/>
-      <p:bldP spid="27" grpId="1"/>
       <p:bldP spid="29" grpId="0"/>
-      <p:bldP spid="29" grpId="1"/>
-      <p:bldP spid="31" grpId="0"/>
+      <p:bldP spid="30" grpId="0"/>
+      <p:bldP spid="3" grpId="0" animBg="1"/>
+      <p:bldP spid="14" grpId="0" animBg="1"/>
     </p:bldLst>
   </p:timing>
 </p:sld>

--- a/企画発表プレゼンテーション.pptx
+++ b/企画発表プレゼンテーション.pptx
@@ -3364,16 +3364,18 @@
         </p:nvSpPr>
         <p:spPr>
           <a:xfrm>
-            <a:off x="3952875" y="5202238"/>
-            <a:ext cx="8239125" cy="1655762"/>
+            <a:off x="3174274" y="5355770"/>
+            <a:ext cx="9017727" cy="1502229"/>
           </a:xfrm>
         </p:spPr>
         <p:txBody>
-          <a:bodyPr/>
+          <a:bodyPr>
+            <a:noAutofit/>
+          </a:bodyPr>
           <a:lstStyle/>
           <a:p>
             <a:r>
-              <a:rPr kumimoji="1" lang="ja-JP" altLang="en-US" dirty="0" smtClean="0">
+              <a:rPr kumimoji="1" lang="ja-JP" altLang="en-US" sz="2600" dirty="0" smtClean="0">
                 <a:effectLst>
                   <a:outerShdw blurRad="38100" dist="38100" dir="2700000" algn="tl">
                     <a:srgbClr val="000000">
@@ -3387,7 +3389,7 @@
               <a:t>チーム名</a:t>
             </a:r>
             <a:r>
-              <a:rPr lang="en-US" altLang="ja-JP" dirty="0" smtClean="0">
+              <a:rPr lang="en-US" altLang="ja-JP" sz="2600" dirty="0" smtClean="0">
                 <a:effectLst>
                   <a:outerShdw blurRad="38100" dist="38100" dir="2700000" algn="tl">
                     <a:srgbClr val="000000">
@@ -3401,7 +3403,7 @@
               <a:t>: </a:t>
             </a:r>
             <a:r>
-              <a:rPr kumimoji="1" lang="en-US" altLang="ja-JP" dirty="0" smtClean="0">
+              <a:rPr kumimoji="1" lang="en-US" altLang="ja-JP" sz="2600" dirty="0" smtClean="0">
                 <a:effectLst>
                   <a:outerShdw blurRad="38100" dist="38100" dir="2700000" algn="tl">
                     <a:srgbClr val="000000">
@@ -3416,11 +3418,11 @@
             </a:r>
           </a:p>
           <a:p>
-            <a:endParaRPr lang="en-US" altLang="ja-JP" dirty="0" smtClean="0"/>
-          </a:p>
-          <a:p>
-            <a:r>
-              <a:rPr lang="en-US" altLang="ja-JP" dirty="0" smtClean="0">
+            <a:endParaRPr lang="en-US" altLang="ja-JP" sz="2600" dirty="0" smtClean="0"/>
+          </a:p>
+          <a:p>
+            <a:r>
+              <a:rPr lang="en-US" altLang="ja-JP" sz="2600" dirty="0" smtClean="0">
                 <a:effectLst>
                   <a:outerShdw blurRad="38100" dist="38100" dir="2700000" algn="tl">
                     <a:srgbClr val="000000">
@@ -3434,7 +3436,7 @@
               <a:t>Member: </a:t>
             </a:r>
             <a:r>
-              <a:rPr lang="ja-JP" altLang="en-US" dirty="0" smtClean="0">
+              <a:rPr lang="ja-JP" altLang="en-US" sz="2600" dirty="0" smtClean="0">
                 <a:effectLst>
                   <a:outerShdw blurRad="38100" dist="38100" dir="2700000" algn="tl">
                     <a:srgbClr val="000000">
@@ -3448,7 +3450,7 @@
               <a:t>奥野時成</a:t>
             </a:r>
             <a:r>
-              <a:rPr lang="en-US" altLang="ja-JP" dirty="0" smtClean="0">
+              <a:rPr lang="en-US" altLang="ja-JP" sz="2600" dirty="0" smtClean="0">
                 <a:effectLst>
                   <a:outerShdw blurRad="38100" dist="38100" dir="2700000" algn="tl">
                     <a:srgbClr val="000000">
@@ -3462,7 +3464,7 @@
               <a:t>, </a:t>
             </a:r>
             <a:r>
-              <a:rPr lang="ja-JP" altLang="en-US" dirty="0" smtClean="0">
+              <a:rPr lang="ja-JP" altLang="en-US" sz="2600" dirty="0" smtClean="0">
                 <a:effectLst>
                   <a:outerShdw blurRad="38100" dist="38100" dir="2700000" algn="tl">
                     <a:srgbClr val="000000">
@@ -3476,7 +3478,7 @@
               <a:t>中山葉水</a:t>
             </a:r>
             <a:r>
-              <a:rPr lang="en-US" altLang="ja-JP" dirty="0" smtClean="0">
+              <a:rPr lang="en-US" altLang="ja-JP" sz="2600" dirty="0" smtClean="0">
                 <a:effectLst>
                   <a:outerShdw blurRad="38100" dist="38100" dir="2700000" algn="tl">
                     <a:srgbClr val="000000">
@@ -3490,7 +3492,7 @@
               <a:t>, </a:t>
             </a:r>
             <a:r>
-              <a:rPr lang="ja-JP" altLang="en-US" dirty="0" smtClean="0">
+              <a:rPr lang="ja-JP" altLang="en-US" sz="2600" dirty="0" smtClean="0">
                 <a:effectLst>
                   <a:outerShdw blurRad="38100" dist="38100" dir="2700000" algn="tl">
                     <a:srgbClr val="000000">
@@ -3504,7 +3506,7 @@
               <a:t>中尾圭佑</a:t>
             </a:r>
             <a:r>
-              <a:rPr lang="en-US" altLang="ja-JP" dirty="0" smtClean="0">
+              <a:rPr lang="en-US" altLang="ja-JP" sz="2600" dirty="0" smtClean="0">
                 <a:effectLst>
                   <a:outerShdw blurRad="38100" dist="38100" dir="2700000" algn="tl">
                     <a:srgbClr val="000000">
@@ -3518,7 +3520,7 @@
               <a:t>, </a:t>
             </a:r>
             <a:r>
-              <a:rPr lang="ja-JP" altLang="en-US" dirty="0" smtClean="0">
+              <a:rPr lang="ja-JP" altLang="en-US" sz="2600" dirty="0" smtClean="0">
                 <a:effectLst>
                   <a:outerShdw blurRad="38100" dist="38100" dir="2700000" algn="tl">
                     <a:srgbClr val="000000">
@@ -3532,7 +3534,7 @@
               <a:t>川戸康暉</a:t>
             </a:r>
             <a:r>
-              <a:rPr lang="en-US" altLang="ja-JP" dirty="0" smtClean="0">
+              <a:rPr lang="en-US" altLang="ja-JP" sz="2600" dirty="0" smtClean="0">
                 <a:effectLst>
                   <a:outerShdw blurRad="38100" dist="38100" dir="2700000" algn="tl">
                     <a:srgbClr val="000000">
@@ -3546,7 +3548,7 @@
               <a:t>, </a:t>
             </a:r>
             <a:r>
-              <a:rPr lang="ja-JP" altLang="en-US" dirty="0" smtClean="0">
+              <a:rPr lang="ja-JP" altLang="en-US" sz="2600" dirty="0" smtClean="0">
                 <a:effectLst>
                   <a:outerShdw blurRad="38100" dist="38100" dir="2700000" algn="tl">
                     <a:srgbClr val="000000">
@@ -3559,7 +3561,7 @@
               </a:rPr>
               <a:t>河田佑樹</a:t>
             </a:r>
-            <a:endParaRPr kumimoji="1" lang="en-US" altLang="ja-JP" dirty="0" smtClean="0">
+            <a:endParaRPr kumimoji="1" lang="en-US" altLang="ja-JP" sz="2600" dirty="0" smtClean="0">
               <a:effectLst>
                 <a:outerShdw blurRad="38100" dist="38100" dir="2700000" algn="tl">
                   <a:srgbClr val="000000">
@@ -8080,7 +8082,7 @@
         <p:spPr>
           <a:xfrm>
             <a:off x="391096" y="1359089"/>
-            <a:ext cx="3570208" cy="769441"/>
+            <a:ext cx="5150769" cy="769441"/>
           </a:xfrm>
           <a:prstGeom prst="rect">
             <a:avLst/>
@@ -8100,6 +8102,18 @@
             <a:r>
               <a:rPr kumimoji="1" lang="ja-JP" altLang="en-US" sz="4400" b="1" dirty="0" smtClean="0"/>
               <a:t>その１</a:t>
+            </a:r>
+            <a:r>
+              <a:rPr kumimoji="1" lang="en-US" altLang="ja-JP" sz="4400" b="1" dirty="0" smtClean="0"/>
+              <a:t>(</a:t>
+            </a:r>
+            <a:r>
+              <a:rPr kumimoji="1" lang="ja-JP" altLang="en-US" sz="4400" b="1" dirty="0" smtClean="0"/>
+              <a:t>倉庫</a:t>
+            </a:r>
+            <a:r>
+              <a:rPr kumimoji="1" lang="en-US" altLang="ja-JP" sz="4400" b="1" dirty="0" smtClean="0"/>
+              <a:t>)</a:t>
             </a:r>
             <a:endParaRPr kumimoji="1" lang="ja-JP" altLang="en-US" sz="4400" b="1" dirty="0"/>
           </a:p>
@@ -10684,7 +10698,7 @@
         <p:spPr>
           <a:xfrm>
             <a:off x="391096" y="1359089"/>
-            <a:ext cx="3570208" cy="769441"/>
+            <a:ext cx="9664825" cy="769441"/>
           </a:xfrm>
           <a:prstGeom prst="rect">
             <a:avLst/>
@@ -10706,8 +10720,20 @@
               <a:t>その</a:t>
             </a:r>
             <a:r>
-              <a:rPr lang="ja-JP" altLang="en-US" sz="4400" b="1" dirty="0"/>
+              <a:rPr lang="ja-JP" altLang="en-US" sz="4400" b="1" dirty="0" smtClean="0"/>
               <a:t>２</a:t>
+            </a:r>
+            <a:r>
+              <a:rPr lang="en-US" altLang="ja-JP" sz="4400" b="1" dirty="0" smtClean="0"/>
+              <a:t>(</a:t>
+            </a:r>
+            <a:r>
+              <a:rPr lang="ja-JP" altLang="en-US" sz="4400" b="1" dirty="0" smtClean="0"/>
+              <a:t>在庫処理のタイミング</a:t>
+            </a:r>
+            <a:r>
+              <a:rPr lang="en-US" altLang="ja-JP" sz="4400" b="1" dirty="0" smtClean="0"/>
+              <a:t>)</a:t>
             </a:r>
             <a:endParaRPr kumimoji="1" lang="ja-JP" altLang="en-US" sz="4400" b="1" dirty="0"/>
           </a:p>
@@ -11745,7 +11771,7 @@
         <p:spPr>
           <a:xfrm>
             <a:off x="391096" y="1359089"/>
-            <a:ext cx="3570208" cy="769441"/>
+            <a:ext cx="8536311" cy="769441"/>
           </a:xfrm>
           <a:prstGeom prst="rect">
             <a:avLst/>
@@ -11767,8 +11793,20 @@
               <a:t>点その</a:t>
             </a:r>
             <a:r>
-              <a:rPr lang="ja-JP" altLang="en-US" sz="4400" b="1" dirty="0"/>
+              <a:rPr lang="ja-JP" altLang="en-US" sz="4400" b="1" dirty="0" smtClean="0"/>
               <a:t>３</a:t>
+            </a:r>
+            <a:r>
+              <a:rPr lang="en-US" altLang="ja-JP" sz="4400" b="1" dirty="0" smtClean="0"/>
+              <a:t>(</a:t>
+            </a:r>
+            <a:r>
+              <a:rPr lang="ja-JP" altLang="en-US" sz="4400" b="1" dirty="0" smtClean="0"/>
+              <a:t>注文内容を口頭で</a:t>
+            </a:r>
+            <a:r>
+              <a:rPr lang="en-US" altLang="ja-JP" sz="4400" b="1" dirty="0" smtClean="0"/>
+              <a:t>)</a:t>
             </a:r>
             <a:endParaRPr kumimoji="1" lang="ja-JP" altLang="en-US" sz="4400" b="1" dirty="0"/>
           </a:p>

--- a/企画発表プレゼンテーション.pptx
+++ b/企画発表プレゼンテーション.pptx
@@ -118,7 +118,7 @@
   </p:defaultTextStyle>
   <p:extLst>
     <p:ext uri="{EFAFB233-063F-42B5-8137-9DF3F51BA10A}">
-      <p15:sldGuideLst xmlns:p15="http://schemas.microsoft.com/office/powerpoint/2012/main" xmlns="">
+      <p15:sldGuideLst xmlns="" xmlns:p15="http://schemas.microsoft.com/office/powerpoint/2012/main">
         <p15:guide id="1" orient="horz" pos="2160">
           <p15:clr>
             <a:srgbClr val="A4A3A4"/>
@@ -5610,23 +5610,7 @@
                   <a:srgbClr val="FF0000"/>
                 </a:solidFill>
               </a:rPr>
-              <a:t>在庫数</a:t>
-            </a:r>
-            <a:r>
-              <a:rPr kumimoji="1" lang="ja-JP" altLang="en-US" sz="3600" b="1" dirty="0" smtClean="0">
-                <a:solidFill>
-                  <a:srgbClr val="FF0000"/>
-                </a:solidFill>
-              </a:rPr>
-              <a:t>を減らす</a:t>
-            </a:r>
-            <a:r>
-              <a:rPr kumimoji="1" lang="ja-JP" altLang="en-US" sz="3600" b="1" dirty="0" smtClean="0">
-                <a:solidFill>
-                  <a:srgbClr val="FF0000"/>
-                </a:solidFill>
-              </a:rPr>
-              <a:t>処理</a:t>
+              <a:t>在庫数を減らす処理</a:t>
             </a:r>
             <a:endParaRPr lang="en-US" altLang="ja-JP" sz="3600" b="1" dirty="0">
               <a:solidFill>
@@ -11771,7 +11755,7 @@
         <p:spPr>
           <a:xfrm>
             <a:off x="391096" y="1359089"/>
-            <a:ext cx="8536311" cy="769441"/>
+            <a:ext cx="7305205" cy="769441"/>
           </a:xfrm>
           <a:prstGeom prst="rect">
             <a:avLst/>
@@ -11789,8 +11773,12 @@
               <a:t>改善</a:t>
             </a:r>
             <a:r>
+              <a:rPr lang="ja-JP" altLang="en-US" sz="4400" b="1" dirty="0"/>
+              <a:t>案</a:t>
+            </a:r>
+            <a:r>
               <a:rPr kumimoji="1" lang="ja-JP" altLang="en-US" sz="4400" b="1" dirty="0" smtClean="0"/>
-              <a:t>点その</a:t>
+              <a:t>その</a:t>
             </a:r>
             <a:r>
               <a:rPr lang="ja-JP" altLang="en-US" sz="4400" b="1" dirty="0" smtClean="0"/>
@@ -11802,7 +11790,15 @@
             </a:r>
             <a:r>
               <a:rPr lang="ja-JP" altLang="en-US" sz="4400" b="1" dirty="0" smtClean="0"/>
-              <a:t>注文内容を口頭で</a:t>
+              <a:t>注文</a:t>
+            </a:r>
+            <a:r>
+              <a:rPr lang="ja-JP" altLang="en-US" sz="4400" b="1" dirty="0" smtClean="0"/>
+              <a:t>内容</a:t>
+            </a:r>
+            <a:r>
+              <a:rPr lang="ja-JP" altLang="en-US" sz="4400" b="1" dirty="0" smtClean="0"/>
+              <a:t>伝達</a:t>
             </a:r>
             <a:r>
               <a:rPr lang="en-US" altLang="ja-JP" sz="4400" b="1" dirty="0" smtClean="0"/>
@@ -14148,7 +14144,7 @@
   <a:extraClrSchemeLst/>
   <a:extLst>
     <a:ext uri="{05A4C25C-085E-4340-85A3-A5531E510DB2}">
-      <thm15:themeFamily xmlns:thm15="http://schemas.microsoft.com/office/thememl/2012/main" xmlns="" name="Office Theme" id="{62F939B6-93AF-4DB8-9C6B-D6C7DFDC589F}" vid="{4A3C46E8-61CC-4603-A589-7422A47A8E4A}"/>
+      <thm15:themeFamily xmlns="" xmlns:thm15="http://schemas.microsoft.com/office/thememl/2012/main" name="Office Theme" id="{62F939B6-93AF-4DB8-9C6B-D6C7DFDC589F}" vid="{4A3C46E8-61CC-4603-A589-7422A47A8E4A}"/>
     </a:ext>
   </a:extLst>
 </a:theme>

--- a/企画発表プレゼンテーション.pptx
+++ b/企画発表プレゼンテーション.pptx
@@ -118,7 +118,7 @@
   </p:defaultTextStyle>
   <p:extLst>
     <p:ext uri="{EFAFB233-063F-42B5-8137-9DF3F51BA10A}">
-      <p15:sldGuideLst xmlns:p15="http://schemas.microsoft.com/office/powerpoint/2012/main" xmlns="">
+      <p15:sldGuideLst xmlns="" xmlns:p15="http://schemas.microsoft.com/office/powerpoint/2012/main">
         <p15:guide id="1" orient="horz" pos="2160">
           <p15:clr>
             <a:srgbClr val="A4A3A4"/>
@@ -266,7 +266,7 @@
           <a:p>
             <a:fld id="{9C27765A-BBDC-4B93-B191-B0458F0CABEC}" type="datetimeFigureOut">
               <a:rPr kumimoji="1" lang="ja-JP" altLang="en-US" smtClean="0"/>
-              <a:t>2019/10/16</a:t>
+              <a:t>2019/10/17</a:t>
             </a:fld>
             <a:endParaRPr kumimoji="1" lang="ja-JP" altLang="en-US"/>
           </a:p>
@@ -468,7 +468,7 @@
           <a:p>
             <a:fld id="{9C27765A-BBDC-4B93-B191-B0458F0CABEC}" type="datetimeFigureOut">
               <a:rPr kumimoji="1" lang="ja-JP" altLang="en-US" smtClean="0"/>
-              <a:t>2019/10/16</a:t>
+              <a:t>2019/10/17</a:t>
             </a:fld>
             <a:endParaRPr kumimoji="1" lang="ja-JP" altLang="en-US"/>
           </a:p>
@@ -680,7 +680,7 @@
           <a:p>
             <a:fld id="{9C27765A-BBDC-4B93-B191-B0458F0CABEC}" type="datetimeFigureOut">
               <a:rPr kumimoji="1" lang="ja-JP" altLang="en-US" smtClean="0"/>
-              <a:t>2019/10/16</a:t>
+              <a:t>2019/10/17</a:t>
             </a:fld>
             <a:endParaRPr kumimoji="1" lang="ja-JP" altLang="en-US"/>
           </a:p>
@@ -882,7 +882,7 @@
           <a:p>
             <a:fld id="{9C27765A-BBDC-4B93-B191-B0458F0CABEC}" type="datetimeFigureOut">
               <a:rPr kumimoji="1" lang="ja-JP" altLang="en-US" smtClean="0"/>
-              <a:t>2019/10/16</a:t>
+              <a:t>2019/10/17</a:t>
             </a:fld>
             <a:endParaRPr kumimoji="1" lang="ja-JP" altLang="en-US"/>
           </a:p>
@@ -1128,7 +1128,7 @@
           <a:p>
             <a:fld id="{9C27765A-BBDC-4B93-B191-B0458F0CABEC}" type="datetimeFigureOut">
               <a:rPr kumimoji="1" lang="ja-JP" altLang="en-US" smtClean="0"/>
-              <a:t>2019/10/16</a:t>
+              <a:t>2019/10/17</a:t>
             </a:fld>
             <a:endParaRPr kumimoji="1" lang="ja-JP" altLang="en-US"/>
           </a:p>
@@ -1424,7 +1424,7 @@
           <a:p>
             <a:fld id="{9C27765A-BBDC-4B93-B191-B0458F0CABEC}" type="datetimeFigureOut">
               <a:rPr kumimoji="1" lang="ja-JP" altLang="en-US" smtClean="0"/>
-              <a:t>2019/10/16</a:t>
+              <a:t>2019/10/17</a:t>
             </a:fld>
             <a:endParaRPr kumimoji="1" lang="ja-JP" altLang="en-US"/>
           </a:p>
@@ -1855,7 +1855,7 @@
           <a:p>
             <a:fld id="{9C27765A-BBDC-4B93-B191-B0458F0CABEC}" type="datetimeFigureOut">
               <a:rPr kumimoji="1" lang="ja-JP" altLang="en-US" smtClean="0"/>
-              <a:t>2019/10/16</a:t>
+              <a:t>2019/10/17</a:t>
             </a:fld>
             <a:endParaRPr kumimoji="1" lang="ja-JP" altLang="en-US"/>
           </a:p>
@@ -1973,7 +1973,7 @@
           <a:p>
             <a:fld id="{9C27765A-BBDC-4B93-B191-B0458F0CABEC}" type="datetimeFigureOut">
               <a:rPr kumimoji="1" lang="ja-JP" altLang="en-US" smtClean="0"/>
-              <a:t>2019/10/16</a:t>
+              <a:t>2019/10/17</a:t>
             </a:fld>
             <a:endParaRPr kumimoji="1" lang="ja-JP" altLang="en-US"/>
           </a:p>
@@ -2068,7 +2068,7 @@
           <a:p>
             <a:fld id="{9C27765A-BBDC-4B93-B191-B0458F0CABEC}" type="datetimeFigureOut">
               <a:rPr kumimoji="1" lang="ja-JP" altLang="en-US" smtClean="0"/>
-              <a:t>2019/10/16</a:t>
+              <a:t>2019/10/17</a:t>
             </a:fld>
             <a:endParaRPr kumimoji="1" lang="ja-JP" altLang="en-US"/>
           </a:p>
@@ -2377,7 +2377,7 @@
           <a:p>
             <a:fld id="{9C27765A-BBDC-4B93-B191-B0458F0CABEC}" type="datetimeFigureOut">
               <a:rPr kumimoji="1" lang="ja-JP" altLang="en-US" smtClean="0"/>
-              <a:t>2019/10/16</a:t>
+              <a:t>2019/10/17</a:t>
             </a:fld>
             <a:endParaRPr kumimoji="1" lang="ja-JP" altLang="en-US"/>
           </a:p>
@@ -2630,7 +2630,7 @@
           <a:p>
             <a:fld id="{9C27765A-BBDC-4B93-B191-B0458F0CABEC}" type="datetimeFigureOut">
               <a:rPr kumimoji="1" lang="ja-JP" altLang="en-US" smtClean="0"/>
-              <a:t>2019/10/16</a:t>
+              <a:t>2019/10/17</a:t>
             </a:fld>
             <a:endParaRPr kumimoji="1" lang="ja-JP" altLang="en-US"/>
           </a:p>
@@ -2885,7 +2885,7 @@
           <a:p>
             <a:fld id="{9C27765A-BBDC-4B93-B191-B0458F0CABEC}" type="datetimeFigureOut">
               <a:rPr kumimoji="1" lang="ja-JP" altLang="en-US" smtClean="0"/>
-              <a:t>2019/10/16</a:t>
+              <a:t>2019/10/17</a:t>
             </a:fld>
             <a:endParaRPr kumimoji="1" lang="ja-JP" altLang="en-US"/>
           </a:p>
@@ -4164,7 +4164,7 @@
         <p:spPr>
           <a:xfrm>
             <a:off x="1750423" y="3805699"/>
-            <a:ext cx="5262979" cy="2031325"/>
+            <a:ext cx="7184980" cy="2031325"/>
           </a:xfrm>
           <a:prstGeom prst="rect">
             <a:avLst/>
@@ -4186,8 +4186,36 @@
               <a:t>		</a:t>
             </a:r>
             <a:r>
+              <a:rPr kumimoji="1" lang="en-US" altLang="ja-JP" b="1" dirty="0" smtClean="0"/>
+              <a:t>10</a:t>
+            </a:r>
+            <a:r>
               <a:rPr kumimoji="1" lang="ja-JP" altLang="en-US" b="1" dirty="0" smtClean="0"/>
-              <a:t>月日</a:t>
+              <a:t>月</a:t>
+            </a:r>
+            <a:r>
+              <a:rPr lang="en-US" altLang="ja-JP" b="1" dirty="0" smtClean="0"/>
+              <a:t>17</a:t>
+            </a:r>
+            <a:r>
+              <a:rPr kumimoji="1" lang="ja-JP" altLang="en-US" b="1" dirty="0" smtClean="0"/>
+              <a:t>日</a:t>
+            </a:r>
+            <a:r>
+              <a:rPr kumimoji="1" lang="en-US" altLang="ja-JP" b="1" dirty="0" smtClean="0"/>
+              <a:t>~10</a:t>
+            </a:r>
+            <a:r>
+              <a:rPr kumimoji="1" lang="ja-JP" altLang="en-US" b="1" dirty="0" smtClean="0"/>
+              <a:t>月</a:t>
+            </a:r>
+            <a:r>
+              <a:rPr kumimoji="1" lang="en-US" altLang="ja-JP" b="1" dirty="0" smtClean="0"/>
+              <a:t>25</a:t>
+            </a:r>
+            <a:r>
+              <a:rPr kumimoji="1" lang="ja-JP" altLang="en-US" b="1" dirty="0" smtClean="0"/>
+              <a:t>日</a:t>
             </a:r>
             <a:endParaRPr kumimoji="1" lang="en-US" altLang="ja-JP" b="1" dirty="0" smtClean="0"/>
           </a:p>
@@ -4201,8 +4229,36 @@
               <a:t>		</a:t>
             </a:r>
             <a:r>
+              <a:rPr lang="en-US" altLang="ja-JP" b="1" dirty="0" smtClean="0"/>
+              <a:t>10</a:t>
+            </a:r>
+            <a:r>
               <a:rPr lang="ja-JP" altLang="en-US" b="1" dirty="0" smtClean="0"/>
-              <a:t>月日</a:t>
+              <a:t>月</a:t>
+            </a:r>
+            <a:r>
+              <a:rPr lang="en-US" altLang="ja-JP" b="1" dirty="0" smtClean="0"/>
+              <a:t>25</a:t>
+            </a:r>
+            <a:r>
+              <a:rPr lang="ja-JP" altLang="en-US" b="1" dirty="0" smtClean="0"/>
+              <a:t>日</a:t>
+            </a:r>
+            <a:r>
+              <a:rPr lang="en-US" altLang="ja-JP" b="1" dirty="0" smtClean="0"/>
+              <a:t>~11</a:t>
+            </a:r>
+            <a:r>
+              <a:rPr lang="ja-JP" altLang="en-US" b="1" dirty="0" smtClean="0"/>
+              <a:t>月</a:t>
+            </a:r>
+            <a:r>
+              <a:rPr lang="en-US" altLang="ja-JP" b="1" dirty="0" smtClean="0"/>
+              <a:t>1</a:t>
+            </a:r>
+            <a:r>
+              <a:rPr lang="ja-JP" altLang="en-US" b="1" dirty="0" smtClean="0"/>
+              <a:t>日</a:t>
             </a:r>
             <a:endParaRPr lang="en-US" altLang="ja-JP" b="1" dirty="0" smtClean="0"/>
           </a:p>
@@ -4216,8 +4272,36 @@
               <a:t>			</a:t>
             </a:r>
             <a:r>
-              <a:rPr lang="ja-JP" altLang="en-US" b="1" dirty="0"/>
-              <a:t>月日</a:t>
+              <a:rPr kumimoji="1" lang="en-US" altLang="ja-JP" b="1" dirty="0" smtClean="0"/>
+              <a:t>10</a:t>
+            </a:r>
+            <a:r>
+              <a:rPr lang="ja-JP" altLang="en-US" b="1" dirty="0" smtClean="0"/>
+              <a:t>月</a:t>
+            </a:r>
+            <a:r>
+              <a:rPr lang="en-US" altLang="ja-JP" b="1" dirty="0" smtClean="0"/>
+              <a:t>25</a:t>
+            </a:r>
+            <a:r>
+              <a:rPr lang="ja-JP" altLang="en-US" b="1" dirty="0" smtClean="0"/>
+              <a:t>日</a:t>
+            </a:r>
+            <a:r>
+              <a:rPr lang="en-US" altLang="ja-JP" b="1" dirty="0" smtClean="0"/>
+              <a:t>~11</a:t>
+            </a:r>
+            <a:r>
+              <a:rPr lang="ja-JP" altLang="en-US" b="1" dirty="0" smtClean="0"/>
+              <a:t>月</a:t>
+            </a:r>
+            <a:r>
+              <a:rPr lang="en-US" altLang="ja-JP" b="1" dirty="0" smtClean="0"/>
+              <a:t>1</a:t>
+            </a:r>
+            <a:r>
+              <a:rPr lang="ja-JP" altLang="en-US" b="1" dirty="0" smtClean="0"/>
+              <a:t>日</a:t>
             </a:r>
             <a:endParaRPr kumimoji="1" lang="en-US" altLang="ja-JP" b="1" dirty="0" smtClean="0"/>
           </a:p>
@@ -4231,8 +4315,36 @@
               <a:t>			</a:t>
             </a:r>
             <a:r>
+              <a:rPr lang="en-US" altLang="ja-JP" b="1" dirty="0" smtClean="0"/>
+              <a:t>11</a:t>
+            </a:r>
+            <a:r>
               <a:rPr lang="ja-JP" altLang="en-US" b="1" dirty="0" smtClean="0"/>
-              <a:t>月日</a:t>
+              <a:t>月</a:t>
+            </a:r>
+            <a:r>
+              <a:rPr lang="en-US" altLang="ja-JP" b="1" dirty="0" smtClean="0"/>
+              <a:t>1</a:t>
+            </a:r>
+            <a:r>
+              <a:rPr lang="ja-JP" altLang="en-US" b="1" dirty="0" smtClean="0"/>
+              <a:t>日</a:t>
+            </a:r>
+            <a:r>
+              <a:rPr lang="en-US" altLang="ja-JP" b="1" dirty="0" smtClean="0"/>
+              <a:t>~11</a:t>
+            </a:r>
+            <a:r>
+              <a:rPr lang="ja-JP" altLang="en-US" b="1" dirty="0" smtClean="0"/>
+              <a:t>月</a:t>
+            </a:r>
+            <a:r>
+              <a:rPr lang="en-US" altLang="ja-JP" b="1" dirty="0" smtClean="0"/>
+              <a:t>8</a:t>
+            </a:r>
+            <a:r>
+              <a:rPr lang="ja-JP" altLang="en-US" b="1" dirty="0" smtClean="0"/>
+              <a:t>日</a:t>
             </a:r>
             <a:endParaRPr lang="en-US" altLang="ja-JP" b="1" dirty="0" smtClean="0"/>
           </a:p>
@@ -4246,8 +4358,36 @@
               <a:t>			</a:t>
             </a:r>
             <a:r>
+              <a:rPr kumimoji="1" lang="en-US" altLang="ja-JP" b="1" dirty="0" smtClean="0"/>
+              <a:t>11</a:t>
+            </a:r>
+            <a:r>
               <a:rPr lang="ja-JP" altLang="en-US" b="1" dirty="0" smtClean="0"/>
-              <a:t>月日</a:t>
+              <a:t>月</a:t>
+            </a:r>
+            <a:r>
+              <a:rPr lang="en-US" altLang="ja-JP" b="1" dirty="0" smtClean="0"/>
+              <a:t>1</a:t>
+            </a:r>
+            <a:r>
+              <a:rPr lang="ja-JP" altLang="en-US" b="1" dirty="0" smtClean="0"/>
+              <a:t>日</a:t>
+            </a:r>
+            <a:r>
+              <a:rPr lang="en-US" altLang="ja-JP" b="1" dirty="0" smtClean="0"/>
+              <a:t>~11</a:t>
+            </a:r>
+            <a:r>
+              <a:rPr lang="ja-JP" altLang="en-US" b="1" dirty="0" smtClean="0"/>
+              <a:t>月</a:t>
+            </a:r>
+            <a:r>
+              <a:rPr lang="en-US" altLang="ja-JP" b="1" dirty="0" smtClean="0"/>
+              <a:t>8</a:t>
+            </a:r>
+            <a:r>
+              <a:rPr lang="ja-JP" altLang="en-US" b="1" dirty="0" smtClean="0"/>
+              <a:t>日</a:t>
             </a:r>
             <a:endParaRPr kumimoji="1" lang="en-US" altLang="ja-JP" b="1" dirty="0" smtClean="0"/>
           </a:p>
@@ -4261,8 +4401,36 @@
               <a:t>	</a:t>
             </a:r>
             <a:r>
-              <a:rPr lang="ja-JP" altLang="en-US" b="1" dirty="0"/>
-              <a:t>月日</a:t>
+              <a:rPr lang="en-US" altLang="ja-JP" b="1" dirty="0" smtClean="0"/>
+              <a:t>11</a:t>
+            </a:r>
+            <a:r>
+              <a:rPr lang="ja-JP" altLang="en-US" b="1" dirty="0" smtClean="0"/>
+              <a:t>月</a:t>
+            </a:r>
+            <a:r>
+              <a:rPr lang="en-US" altLang="ja-JP" b="1" dirty="0" smtClean="0"/>
+              <a:t>1</a:t>
+            </a:r>
+            <a:r>
+              <a:rPr lang="ja-JP" altLang="en-US" b="1" dirty="0" smtClean="0"/>
+              <a:t>日</a:t>
+            </a:r>
+            <a:r>
+              <a:rPr lang="en-US" altLang="ja-JP" b="1" dirty="0" smtClean="0"/>
+              <a:t>~11</a:t>
+            </a:r>
+            <a:r>
+              <a:rPr lang="ja-JP" altLang="en-US" b="1" dirty="0" smtClean="0"/>
+              <a:t>月</a:t>
+            </a:r>
+            <a:r>
+              <a:rPr lang="en-US" altLang="ja-JP" b="1" dirty="0" smtClean="0"/>
+              <a:t>8</a:t>
+            </a:r>
+            <a:r>
+              <a:rPr lang="ja-JP" altLang="en-US" b="1" dirty="0" smtClean="0"/>
+              <a:t>日</a:t>
             </a:r>
             <a:endParaRPr lang="en-US" altLang="ja-JP" b="1" dirty="0" smtClean="0"/>
           </a:p>
@@ -4276,8 +4444,36 @@
               <a:t>			</a:t>
             </a:r>
             <a:r>
-              <a:rPr lang="ja-JP" altLang="en-US" b="1" dirty="0"/>
-              <a:t>月日</a:t>
+              <a:rPr lang="en-US" altLang="ja-JP" b="1" dirty="0" smtClean="0"/>
+              <a:t>10</a:t>
+            </a:r>
+            <a:r>
+              <a:rPr lang="ja-JP" altLang="en-US" b="1" dirty="0" smtClean="0"/>
+              <a:t>月</a:t>
+            </a:r>
+            <a:r>
+              <a:rPr lang="en-US" altLang="ja-JP" b="1" dirty="0" smtClean="0"/>
+              <a:t>17</a:t>
+            </a:r>
+            <a:r>
+              <a:rPr lang="ja-JP" altLang="en-US" b="1" dirty="0" smtClean="0"/>
+              <a:t>日</a:t>
+            </a:r>
+            <a:r>
+              <a:rPr lang="en-US" altLang="ja-JP" b="1" dirty="0" smtClean="0"/>
+              <a:t>~10</a:t>
+            </a:r>
+            <a:r>
+              <a:rPr lang="ja-JP" altLang="en-US" b="1" dirty="0" smtClean="0"/>
+              <a:t>月</a:t>
+            </a:r>
+            <a:r>
+              <a:rPr lang="en-US" altLang="ja-JP" b="1" dirty="0" smtClean="0"/>
+              <a:t>22</a:t>
+            </a:r>
+            <a:r>
+              <a:rPr lang="ja-JP" altLang="en-US" b="1" dirty="0" smtClean="0"/>
+              <a:t>日</a:t>
             </a:r>
             <a:endParaRPr kumimoji="1" lang="ja-JP" altLang="en-US" b="1" dirty="0"/>
           </a:p>
@@ -5610,23 +5806,7 @@
                   <a:srgbClr val="FF0000"/>
                 </a:solidFill>
               </a:rPr>
-              <a:t>在庫数</a:t>
-            </a:r>
-            <a:r>
-              <a:rPr kumimoji="1" lang="ja-JP" altLang="en-US" sz="3600" b="1" dirty="0" smtClean="0">
-                <a:solidFill>
-                  <a:srgbClr val="FF0000"/>
-                </a:solidFill>
-              </a:rPr>
-              <a:t>を減らす</a:t>
-            </a:r>
-            <a:r>
-              <a:rPr kumimoji="1" lang="ja-JP" altLang="en-US" sz="3600" b="1" dirty="0" smtClean="0">
-                <a:solidFill>
-                  <a:srgbClr val="FF0000"/>
-                </a:solidFill>
-              </a:rPr>
-              <a:t>処理</a:t>
+              <a:t>在庫数を減らす処理</a:t>
             </a:r>
             <a:endParaRPr lang="en-US" altLang="ja-JP" sz="3600" b="1" dirty="0">
               <a:solidFill>
@@ -14148,7 +14328,7 @@
   <a:extraClrSchemeLst/>
   <a:extLst>
     <a:ext uri="{05A4C25C-085E-4340-85A3-A5531E510DB2}">
-      <thm15:themeFamily xmlns:thm15="http://schemas.microsoft.com/office/thememl/2012/main" xmlns="" name="Office Theme" id="{62F939B6-93AF-4DB8-9C6B-D6C7DFDC589F}" vid="{4A3C46E8-61CC-4603-A589-7422A47A8E4A}"/>
+      <thm15:themeFamily xmlns="" xmlns:thm15="http://schemas.microsoft.com/office/thememl/2012/main" name="Office Theme" id="{62F939B6-93AF-4DB8-9C6B-D6C7DFDC589F}" vid="{4A3C46E8-61CC-4603-A589-7422A47A8E4A}"/>
     </a:ext>
   </a:extLst>
 </a:theme>

--- a/企画発表プレゼンテーション.pptx
+++ b/企画発表プレゼンテーション.pptx
@@ -6,18 +6,19 @@
   </p:sldMasterIdLst>
   <p:sldIdLst>
     <p:sldId id="256" r:id="rId2"/>
-    <p:sldId id="264" r:id="rId3"/>
-    <p:sldId id="265" r:id="rId4"/>
-    <p:sldId id="266" r:id="rId5"/>
-    <p:sldId id="269" r:id="rId6"/>
-    <p:sldId id="268" r:id="rId7"/>
-    <p:sldId id="270" r:id="rId8"/>
-    <p:sldId id="257" r:id="rId9"/>
-    <p:sldId id="258" r:id="rId10"/>
-    <p:sldId id="259" r:id="rId11"/>
-    <p:sldId id="260" r:id="rId12"/>
-    <p:sldId id="261" r:id="rId13"/>
-    <p:sldId id="267" r:id="rId14"/>
+    <p:sldId id="271" r:id="rId3"/>
+    <p:sldId id="264" r:id="rId4"/>
+    <p:sldId id="265" r:id="rId5"/>
+    <p:sldId id="266" r:id="rId6"/>
+    <p:sldId id="269" r:id="rId7"/>
+    <p:sldId id="268" r:id="rId8"/>
+    <p:sldId id="270" r:id="rId9"/>
+    <p:sldId id="257" r:id="rId10"/>
+    <p:sldId id="258" r:id="rId11"/>
+    <p:sldId id="259" r:id="rId12"/>
+    <p:sldId id="260" r:id="rId13"/>
+    <p:sldId id="261" r:id="rId14"/>
+    <p:sldId id="267" r:id="rId15"/>
   </p:sldIdLst>
   <p:sldSz cx="12192000" cy="6858000"/>
   <p:notesSz cx="6858000" cy="9144000"/>
@@ -118,7 +119,7 @@
   </p:defaultTextStyle>
   <p:extLst>
     <p:ext uri="{EFAFB233-063F-42B5-8137-9DF3F51BA10A}">
-      <p15:sldGuideLst xmlns="" xmlns:p15="http://schemas.microsoft.com/office/powerpoint/2012/main">
+      <p15:sldGuideLst xmlns:p15="http://schemas.microsoft.com/office/powerpoint/2012/main" xmlns="">
         <p15:guide id="1" orient="horz" pos="2160">
           <p15:clr>
             <a:srgbClr val="A4A3A4"/>
@@ -3635,6 +3636,127 @@
           <a:lstStyle/>
           <a:p>
             <a:r>
+              <a:rPr lang="ja-JP" altLang="en-US" b="1" dirty="0" smtClean="0">
+                <a:latin typeface="HGSｺﾞｼｯｸM" panose="020B0600000000000000" pitchFamily="50" charset="-128"/>
+                <a:ea typeface="HGSｺﾞｼｯｸM" panose="020B0600000000000000" pitchFamily="50" charset="-128"/>
+              </a:rPr>
+              <a:t>システム</a:t>
+            </a:r>
+            <a:r>
+              <a:rPr lang="ja-JP" altLang="en-US" b="1" dirty="0">
+                <a:latin typeface="HGSｺﾞｼｯｸM" panose="020B0600000000000000" pitchFamily="50" charset="-128"/>
+                <a:ea typeface="HGSｺﾞｼｯｸM" panose="020B0600000000000000" pitchFamily="50" charset="-128"/>
+              </a:rPr>
+              <a:t>構造図</a:t>
+            </a:r>
+            <a:endParaRPr kumimoji="1" lang="ja-JP" altLang="en-US" b="1" dirty="0">
+              <a:latin typeface="HGSｺﾞｼｯｸM" panose="020B0600000000000000" pitchFamily="50" charset="-128"/>
+              <a:ea typeface="HGSｺﾞｼｯｸM" panose="020B0600000000000000" pitchFamily="50" charset="-128"/>
+            </a:endParaRPr>
+          </a:p>
+        </p:txBody>
+      </p:sp>
+      <p:pic>
+        <p:nvPicPr>
+          <p:cNvPr id="1026" name="Picture 2" descr="C:\Users\yamanin-Note\Desktop\キャプチャ.PNG"/>
+          <p:cNvPicPr>
+            <a:picLocks noChangeAspect="1" noChangeArrowheads="1"/>
+          </p:cNvPicPr>
+          <p:nvPr/>
+        </p:nvPicPr>
+        <p:blipFill>
+          <a:blip r:embed="rId2">
+            <a:extLst>
+              <a:ext uri="{28A0092B-C50C-407E-A947-70E740481C1C}">
+                <a14:useLocalDpi xmlns:a14="http://schemas.microsoft.com/office/drawing/2010/main" val="0"/>
+              </a:ext>
+            </a:extLst>
+          </a:blip>
+          <a:srcRect/>
+          <a:stretch>
+            <a:fillRect/>
+          </a:stretch>
+        </p:blipFill>
+        <p:spPr bwMode="auto">
+          <a:xfrm>
+            <a:off x="155566" y="1593678"/>
+            <a:ext cx="11883390" cy="3807120"/>
+          </a:xfrm>
+          <a:prstGeom prst="rect">
+            <a:avLst/>
+          </a:prstGeom>
+          <a:noFill/>
+          <a:extLst>
+            <a:ext uri="{909E8E84-426E-40DD-AFC4-6F175D3DCCD1}">
+              <a14:hiddenFill xmlns:a14="http://schemas.microsoft.com/office/drawing/2010/main">
+                <a:solidFill>
+                  <a:srgbClr val="FFFFFF"/>
+                </a:solidFill>
+              </a14:hiddenFill>
+            </a:ext>
+          </a:extLst>
+        </p:spPr>
+      </p:pic>
+    </p:spTree>
+    <p:extLst>
+      <p:ext uri="{BB962C8B-B14F-4D97-AF65-F5344CB8AC3E}">
+        <p14:creationId xmlns:p14="http://schemas.microsoft.com/office/powerpoint/2010/main" val="1977652840"/>
+      </p:ext>
+    </p:extLst>
+  </p:cSld>
+  <p:clrMapOvr>
+    <a:masterClrMapping/>
+  </p:clrMapOvr>
+  <p:timing>
+    <p:tnLst>
+      <p:par>
+        <p:cTn id="1" dur="indefinite" restart="never" nodeType="tmRoot"/>
+      </p:par>
+    </p:tnLst>
+  </p:timing>
+</p:sld>
+</file>
+
+<file path=ppt/slides/slide11.xml><?xml version="1.0" encoding="utf-8"?>
+<p:sld xmlns:a="http://schemas.openxmlformats.org/drawingml/2006/main" xmlns:r="http://schemas.openxmlformats.org/officeDocument/2006/relationships" xmlns:p="http://schemas.openxmlformats.org/presentationml/2006/main">
+  <p:cSld>
+    <p:spTree>
+      <p:nvGrpSpPr>
+        <p:cNvPr id="1" name=""/>
+        <p:cNvGrpSpPr/>
+        <p:nvPr/>
+      </p:nvGrpSpPr>
+      <p:grpSpPr>
+        <a:xfrm>
+          <a:off x="0" y="0"/>
+          <a:ext cx="0" cy="0"/>
+          <a:chOff x="0" y="0"/>
+          <a:chExt cx="0" cy="0"/>
+        </a:xfrm>
+      </p:grpSpPr>
+      <p:sp>
+        <p:nvSpPr>
+          <p:cNvPr id="2" name="タイトル 1"/>
+          <p:cNvSpPr>
+            <a:spLocks noGrp="1"/>
+          </p:cNvSpPr>
+          <p:nvPr>
+            <p:ph type="title"/>
+          </p:nvPr>
+        </p:nvSpPr>
+        <p:spPr>
+          <a:xfrm>
+            <a:off x="459259" y="0"/>
+            <a:ext cx="10515600" cy="1325563"/>
+          </a:xfrm>
+        </p:spPr>
+        <p:txBody>
+          <a:bodyPr>
+            <a:normAutofit/>
+          </a:bodyPr>
+          <a:lstStyle/>
+          <a:p>
+            <a:r>
               <a:rPr kumimoji="1" lang="ja-JP" altLang="en-US" b="1" dirty="0" smtClean="0">
                 <a:latin typeface="HGSｺﾞｼｯｸM" panose="020B0600000000000000" pitchFamily="50" charset="-128"/>
                 <a:ea typeface="HGSｺﾞｼｯｸM" panose="020B0600000000000000" pitchFamily="50" charset="-128"/>
@@ -3716,7 +3838,7 @@
 </p:sld>
 </file>
 
-<file path=ppt/slides/slide11.xml><?xml version="1.0" encoding="utf-8"?>
+<file path=ppt/slides/slide12.xml><?xml version="1.0" encoding="utf-8"?>
 <p:sld xmlns:a="http://schemas.openxmlformats.org/drawingml/2006/main" xmlns:r="http://schemas.openxmlformats.org/officeDocument/2006/relationships" xmlns:p="http://schemas.openxmlformats.org/presentationml/2006/main">
   <p:cSld>
     <p:spTree>
@@ -3823,20 +3945,6 @@
               <a:buNone/>
             </a:pPr>
             <a:r>
-              <a:rPr lang="ja-JP" altLang="en-US" dirty="0" smtClean="0">
-                <a:latin typeface="Bahnschrift SemiBold" panose="020B0502040204020203" pitchFamily="34" charset="0"/>
-              </a:rPr>
-              <a:t>・実行環境</a:t>
-            </a:r>
-            <a:endParaRPr lang="en-US" altLang="ja-JP" dirty="0" smtClean="0">
-              <a:latin typeface="Bahnschrift SemiBold" panose="020B0502040204020203" pitchFamily="34" charset="0"/>
-            </a:endParaRPr>
-          </a:p>
-          <a:p>
-            <a:pPr marL="0" indent="0">
-              <a:buNone/>
-            </a:pPr>
-            <a:r>
               <a:rPr lang="en-US" altLang="ja-JP" dirty="0">
                 <a:latin typeface="Bahnschrift SemiBold" panose="020B0502040204020203" pitchFamily="34" charset="0"/>
               </a:rPr>
@@ -3875,8 +3983,104 @@
               <a:rPr lang="en-US" altLang="ja-JP" dirty="0" smtClean="0">
                 <a:latin typeface="Bahnschrift SemiBold" panose="020B0502040204020203" pitchFamily="34" charset="0"/>
               </a:rPr>
-              <a:t>Microsoft Office Access 2016</a:t>
-            </a:r>
+              <a:t>Microsoft Office Access </a:t>
+            </a:r>
+            <a:r>
+              <a:rPr lang="en-US" altLang="ja-JP" dirty="0" smtClean="0">
+                <a:latin typeface="Bahnschrift SemiBold" panose="020B0502040204020203" pitchFamily="34" charset="0"/>
+              </a:rPr>
+              <a:t>2016</a:t>
+            </a:r>
+          </a:p>
+          <a:p>
+            <a:pPr marL="0" indent="0">
+              <a:buNone/>
+            </a:pPr>
+            <a:r>
+              <a:rPr lang="ja-JP" altLang="en-US" dirty="0">
+                <a:latin typeface="Bahnschrift SemiBold" panose="020B0502040204020203" pitchFamily="34" charset="0"/>
+              </a:rPr>
+              <a:t>・実行環境</a:t>
+            </a:r>
+            <a:endParaRPr lang="en-US" altLang="ja-JP" dirty="0">
+              <a:latin typeface="Bahnschrift SemiBold" panose="020B0502040204020203" pitchFamily="34" charset="0"/>
+            </a:endParaRPr>
+          </a:p>
+          <a:p>
+            <a:pPr marL="0" indent="0">
+              <a:buNone/>
+            </a:pPr>
+            <a:r>
+              <a:rPr lang="en-US" altLang="ja-JP" dirty="0" smtClean="0">
+                <a:latin typeface="Bahnschrift SemiBold" panose="020B0502040204020203" pitchFamily="34" charset="0"/>
+              </a:rPr>
+              <a:t>	</a:t>
+            </a:r>
+            <a:r>
+              <a:rPr lang="ja-JP" altLang="en-US" dirty="0" smtClean="0">
+                <a:latin typeface="Bahnschrift SemiBold" panose="020B0502040204020203" pitchFamily="34" charset="0"/>
+              </a:rPr>
+              <a:t>・</a:t>
+            </a:r>
+            <a:r>
+              <a:rPr lang="en-US" altLang="ja-JP" dirty="0" smtClean="0">
+                <a:latin typeface="Bahnschrift SemiBold" panose="020B0502040204020203" pitchFamily="34" charset="0"/>
+              </a:rPr>
+              <a:t>Windows</a:t>
+            </a:r>
+            <a:r>
+              <a:rPr lang="ja-JP" altLang="en-US" dirty="0">
+                <a:latin typeface="Bahnschrift SemiBold" panose="020B0502040204020203" pitchFamily="34" charset="0"/>
+              </a:rPr>
+              <a:t> </a:t>
+            </a:r>
+            <a:r>
+              <a:rPr lang="en-US" altLang="ja-JP" dirty="0" smtClean="0">
+                <a:latin typeface="Bahnschrift SemiBold" panose="020B0502040204020203" pitchFamily="34" charset="0"/>
+              </a:rPr>
+              <a:t>7</a:t>
+            </a:r>
+            <a:r>
+              <a:rPr lang="ja-JP" altLang="en-US" dirty="0" smtClean="0">
+                <a:latin typeface="Bahnschrift SemiBold" panose="020B0502040204020203" pitchFamily="34" charset="0"/>
+              </a:rPr>
+              <a:t>以上</a:t>
+            </a:r>
+            <a:endParaRPr lang="en-US" altLang="ja-JP" dirty="0" smtClean="0">
+              <a:latin typeface="Bahnschrift SemiBold" panose="020B0502040204020203" pitchFamily="34" charset="0"/>
+            </a:endParaRPr>
+          </a:p>
+          <a:p>
+            <a:pPr marL="0" indent="0">
+              <a:buNone/>
+            </a:pPr>
+            <a:r>
+              <a:rPr lang="en-US" altLang="ja-JP" dirty="0">
+                <a:latin typeface="Bahnschrift SemiBold" panose="020B0502040204020203" pitchFamily="34" charset="0"/>
+              </a:rPr>
+              <a:t>	</a:t>
+            </a:r>
+            <a:r>
+              <a:rPr lang="ja-JP" altLang="en-US" dirty="0" smtClean="0">
+                <a:latin typeface="Bahnschrift SemiBold" panose="020B0502040204020203" pitchFamily="34" charset="0"/>
+              </a:rPr>
+              <a:t>・</a:t>
+            </a:r>
+            <a:r>
+              <a:rPr lang="en-US" altLang="ja-JP" dirty="0" smtClean="0">
+                <a:latin typeface="Bahnschrift SemiBold" panose="020B0502040204020203" pitchFamily="34" charset="0"/>
+              </a:rPr>
+              <a:t>Framework 4.6.1</a:t>
+            </a:r>
+            <a:r>
+              <a:rPr lang="ja-JP" altLang="en-US" dirty="0" smtClean="0">
+                <a:latin typeface="Bahnschrift SemiBold" panose="020B0502040204020203" pitchFamily="34" charset="0"/>
+              </a:rPr>
+              <a:t>以上</a:t>
+            </a:r>
+            <a:endParaRPr lang="en-US" altLang="ja-JP" dirty="0">
+              <a:latin typeface="Bahnschrift SemiBold" panose="020B0502040204020203" pitchFamily="34" charset="0"/>
+            </a:endParaRPr>
           </a:p>
         </p:txBody>
       </p:sp>
@@ -3900,7 +4104,7 @@
 </p:sld>
 </file>
 
-<file path=ppt/slides/slide12.xml><?xml version="1.0" encoding="utf-8"?>
+<file path=ppt/slides/slide13.xml><?xml version="1.0" encoding="utf-8"?>
 <p:sld xmlns:a="http://schemas.openxmlformats.org/drawingml/2006/main" xmlns:r="http://schemas.openxmlformats.org/officeDocument/2006/relationships" xmlns:p="http://schemas.openxmlformats.org/presentationml/2006/main">
   <p:cSld>
     <p:spTree>
@@ -3990,7 +4194,7 @@
         <p:spPr>
           <a:xfrm>
             <a:off x="1750423" y="2120648"/>
-            <a:ext cx="5197257" cy="1015663"/>
+            <a:ext cx="5344733" cy="1631216"/>
           </a:xfrm>
           <a:prstGeom prst="rect">
             <a:avLst/>
@@ -4121,6 +4325,52 @@
               <a:rPr lang="ja-JP" altLang="en-US" sz="2000" b="1" dirty="0" smtClean="0"/>
               <a:t>日</a:t>
             </a:r>
+            <a:endParaRPr lang="en-US" altLang="ja-JP" sz="2000" b="1" dirty="0" smtClean="0"/>
+          </a:p>
+          <a:p>
+            <a:r>
+              <a:rPr lang="ja-JP" altLang="en-US" sz="2000" b="1" dirty="0"/>
+              <a:t>・ガントチャート</a:t>
+            </a:r>
+            <a:r>
+              <a:rPr lang="en-US" altLang="ja-JP" sz="2000" b="1" dirty="0"/>
+              <a:t>	</a:t>
+            </a:r>
+            <a:r>
+              <a:rPr lang="en-US" altLang="ja-JP" sz="2000" b="1" dirty="0" smtClean="0"/>
+              <a:t>10</a:t>
+            </a:r>
+            <a:r>
+              <a:rPr lang="ja-JP" altLang="en-US" sz="2000" b="1" dirty="0" smtClean="0"/>
+              <a:t>月</a:t>
+            </a:r>
+            <a:r>
+              <a:rPr lang="en-US" altLang="ja-JP" sz="2000" b="1" dirty="0" smtClean="0"/>
+              <a:t>10</a:t>
+            </a:r>
+            <a:r>
+              <a:rPr lang="ja-JP" altLang="en-US" sz="2000" b="1" dirty="0" smtClean="0"/>
+              <a:t>日</a:t>
+            </a:r>
+            <a:r>
+              <a:rPr lang="en-US" altLang="ja-JP" sz="2000" b="1" dirty="0"/>
+              <a:t>~10</a:t>
+            </a:r>
+            <a:r>
+              <a:rPr lang="ja-JP" altLang="en-US" sz="2000" b="1" dirty="0" smtClean="0"/>
+              <a:t>月</a:t>
+            </a:r>
+            <a:r>
+              <a:rPr lang="en-US" altLang="ja-JP" sz="2000" b="1" dirty="0" smtClean="0"/>
+              <a:t>17</a:t>
+            </a:r>
+            <a:r>
+              <a:rPr lang="ja-JP" altLang="en-US" sz="2000" b="1" dirty="0" smtClean="0"/>
+              <a:t>日</a:t>
+            </a:r>
+            <a:endParaRPr lang="ja-JP" altLang="en-US" sz="2000" b="1" dirty="0"/>
+          </a:p>
+          <a:p>
             <a:endParaRPr kumimoji="1" lang="en-US" altLang="ja-JP" sz="2000" b="1" dirty="0" smtClean="0"/>
           </a:p>
         </p:txBody>
@@ -4133,7 +4383,7 @@
         </p:nvSpPr>
         <p:spPr>
           <a:xfrm>
-            <a:off x="1018903" y="3304845"/>
+            <a:off x="1030282" y="3622652"/>
             <a:ext cx="3570208" cy="461665"/>
           </a:xfrm>
           <a:prstGeom prst="rect">
@@ -4163,8 +4413,8 @@
         </p:nvSpPr>
         <p:spPr>
           <a:xfrm>
-            <a:off x="1750423" y="3805699"/>
-            <a:ext cx="7184980" cy="2031325"/>
+            <a:off x="1761802" y="4123506"/>
+            <a:ext cx="7184980" cy="2308324"/>
           </a:xfrm>
           <a:prstGeom prst="rect">
             <a:avLst/>
@@ -4183,11 +4433,7 @@
             </a:r>
             <a:r>
               <a:rPr kumimoji="1" lang="en-US" altLang="ja-JP" b="1" dirty="0" smtClean="0"/>
-              <a:t>		</a:t>
-            </a:r>
-            <a:r>
-              <a:rPr kumimoji="1" lang="en-US" altLang="ja-JP" b="1" dirty="0" smtClean="0"/>
-              <a:t>10</a:t>
+              <a:t>		10</a:t>
             </a:r>
             <a:r>
               <a:rPr kumimoji="1" lang="ja-JP" altLang="en-US" b="1" dirty="0" smtClean="0"/>
@@ -4226,7 +4472,222 @@
             </a:r>
             <a:r>
               <a:rPr lang="en-US" altLang="ja-JP" b="1" dirty="0" smtClean="0"/>
-              <a:t>		</a:t>
+              <a:t>		10</a:t>
+            </a:r>
+            <a:r>
+              <a:rPr lang="ja-JP" altLang="en-US" b="1" dirty="0" smtClean="0"/>
+              <a:t>月</a:t>
+            </a:r>
+            <a:r>
+              <a:rPr lang="en-US" altLang="ja-JP" b="1" dirty="0" smtClean="0"/>
+              <a:t>25</a:t>
+            </a:r>
+            <a:r>
+              <a:rPr lang="ja-JP" altLang="en-US" b="1" dirty="0" smtClean="0"/>
+              <a:t>日</a:t>
+            </a:r>
+            <a:r>
+              <a:rPr lang="en-US" altLang="ja-JP" b="1" dirty="0" smtClean="0"/>
+              <a:t>~11</a:t>
+            </a:r>
+            <a:r>
+              <a:rPr lang="ja-JP" altLang="en-US" b="1" dirty="0" smtClean="0"/>
+              <a:t>月</a:t>
+            </a:r>
+            <a:r>
+              <a:rPr lang="en-US" altLang="ja-JP" b="1" dirty="0" smtClean="0"/>
+              <a:t>1</a:t>
+            </a:r>
+            <a:r>
+              <a:rPr lang="ja-JP" altLang="en-US" b="1" dirty="0" smtClean="0"/>
+              <a:t>日</a:t>
+            </a:r>
+            <a:endParaRPr lang="en-US" altLang="ja-JP" b="1" dirty="0" smtClean="0"/>
+          </a:p>
+          <a:p>
+            <a:r>
+              <a:rPr kumimoji="1" lang="ja-JP" altLang="en-US" b="1" dirty="0" smtClean="0"/>
+              <a:t>・各種画面仕様書</a:t>
+            </a:r>
+            <a:r>
+              <a:rPr kumimoji="1" lang="en-US" altLang="ja-JP" b="1" dirty="0" smtClean="0"/>
+              <a:t>			10</a:t>
+            </a:r>
+            <a:r>
+              <a:rPr lang="ja-JP" altLang="en-US" b="1" dirty="0" smtClean="0"/>
+              <a:t>月</a:t>
+            </a:r>
+            <a:r>
+              <a:rPr lang="en-US" altLang="ja-JP" b="1" dirty="0" smtClean="0"/>
+              <a:t>25</a:t>
+            </a:r>
+            <a:r>
+              <a:rPr lang="ja-JP" altLang="en-US" b="1" dirty="0" smtClean="0"/>
+              <a:t>日</a:t>
+            </a:r>
+            <a:r>
+              <a:rPr lang="en-US" altLang="ja-JP" b="1" dirty="0" smtClean="0"/>
+              <a:t>~11</a:t>
+            </a:r>
+            <a:r>
+              <a:rPr lang="ja-JP" altLang="en-US" b="1" dirty="0" smtClean="0"/>
+              <a:t>月</a:t>
+            </a:r>
+            <a:r>
+              <a:rPr lang="en-US" altLang="ja-JP" b="1" dirty="0" smtClean="0"/>
+              <a:t>1</a:t>
+            </a:r>
+            <a:r>
+              <a:rPr lang="ja-JP" altLang="en-US" b="1" dirty="0" smtClean="0"/>
+              <a:t>日</a:t>
+            </a:r>
+            <a:endParaRPr kumimoji="1" lang="en-US" altLang="ja-JP" b="1" dirty="0" smtClean="0"/>
+          </a:p>
+          <a:p>
+            <a:r>
+              <a:rPr lang="ja-JP" altLang="en-US" b="1" dirty="0" smtClean="0"/>
+              <a:t>・各種プログラム仕様書</a:t>
+            </a:r>
+            <a:r>
+              <a:rPr lang="en-US" altLang="ja-JP" b="1" dirty="0" smtClean="0"/>
+              <a:t>			11</a:t>
+            </a:r>
+            <a:r>
+              <a:rPr lang="ja-JP" altLang="en-US" b="1" dirty="0" smtClean="0"/>
+              <a:t>月</a:t>
+            </a:r>
+            <a:r>
+              <a:rPr lang="en-US" altLang="ja-JP" b="1" dirty="0" smtClean="0"/>
+              <a:t>1</a:t>
+            </a:r>
+            <a:r>
+              <a:rPr lang="ja-JP" altLang="en-US" b="1" dirty="0" smtClean="0"/>
+              <a:t>日</a:t>
+            </a:r>
+            <a:r>
+              <a:rPr lang="en-US" altLang="ja-JP" b="1" dirty="0" smtClean="0"/>
+              <a:t>~11</a:t>
+            </a:r>
+            <a:r>
+              <a:rPr lang="ja-JP" altLang="en-US" b="1" dirty="0" smtClean="0"/>
+              <a:t>月</a:t>
+            </a:r>
+            <a:r>
+              <a:rPr lang="en-US" altLang="ja-JP" b="1" dirty="0" smtClean="0"/>
+              <a:t>8</a:t>
+            </a:r>
+            <a:r>
+              <a:rPr lang="ja-JP" altLang="en-US" b="1" dirty="0" smtClean="0"/>
+              <a:t>日</a:t>
+            </a:r>
+            <a:endParaRPr lang="en-US" altLang="ja-JP" b="1" dirty="0" smtClean="0"/>
+          </a:p>
+          <a:p>
+            <a:r>
+              <a:rPr kumimoji="1" lang="ja-JP" altLang="en-US" b="1" dirty="0" smtClean="0"/>
+              <a:t>・各種モジュール仕様書</a:t>
+            </a:r>
+            <a:r>
+              <a:rPr kumimoji="1" lang="en-US" altLang="ja-JP" b="1" dirty="0" smtClean="0"/>
+              <a:t>			11</a:t>
+            </a:r>
+            <a:r>
+              <a:rPr lang="ja-JP" altLang="en-US" b="1" dirty="0" smtClean="0"/>
+              <a:t>月</a:t>
+            </a:r>
+            <a:r>
+              <a:rPr lang="en-US" altLang="ja-JP" b="1" dirty="0" smtClean="0"/>
+              <a:t>1</a:t>
+            </a:r>
+            <a:r>
+              <a:rPr lang="ja-JP" altLang="en-US" b="1" dirty="0" smtClean="0"/>
+              <a:t>日</a:t>
+            </a:r>
+            <a:r>
+              <a:rPr lang="en-US" altLang="ja-JP" b="1" dirty="0" smtClean="0"/>
+              <a:t>~11</a:t>
+            </a:r>
+            <a:r>
+              <a:rPr lang="ja-JP" altLang="en-US" b="1" dirty="0" smtClean="0"/>
+              <a:t>月</a:t>
+            </a:r>
+            <a:r>
+              <a:rPr lang="en-US" altLang="ja-JP" b="1" dirty="0" smtClean="0"/>
+              <a:t>8</a:t>
+            </a:r>
+            <a:r>
+              <a:rPr lang="ja-JP" altLang="en-US" b="1" dirty="0" smtClean="0"/>
+              <a:t>日</a:t>
+            </a:r>
+            <a:endParaRPr kumimoji="1" lang="en-US" altLang="ja-JP" b="1" dirty="0" smtClean="0"/>
+          </a:p>
+          <a:p>
+            <a:r>
+              <a:rPr lang="ja-JP" altLang="en-US" b="1" dirty="0" smtClean="0"/>
+              <a:t>・テスト仕様書・テスト実施結果書</a:t>
+            </a:r>
+            <a:r>
+              <a:rPr lang="en-US" altLang="ja-JP" b="1" dirty="0" smtClean="0"/>
+              <a:t>	11</a:t>
+            </a:r>
+            <a:r>
+              <a:rPr lang="ja-JP" altLang="en-US" b="1" dirty="0" smtClean="0"/>
+              <a:t>月</a:t>
+            </a:r>
+            <a:r>
+              <a:rPr lang="en-US" altLang="ja-JP" b="1" dirty="0" smtClean="0"/>
+              <a:t>1</a:t>
+            </a:r>
+            <a:r>
+              <a:rPr lang="ja-JP" altLang="en-US" b="1" dirty="0" smtClean="0"/>
+              <a:t>日</a:t>
+            </a:r>
+            <a:r>
+              <a:rPr lang="en-US" altLang="ja-JP" b="1" dirty="0" smtClean="0"/>
+              <a:t>~11</a:t>
+            </a:r>
+            <a:r>
+              <a:rPr lang="ja-JP" altLang="en-US" b="1" dirty="0" smtClean="0"/>
+              <a:t>月</a:t>
+            </a:r>
+            <a:r>
+              <a:rPr lang="en-US" altLang="ja-JP" b="1" dirty="0" smtClean="0"/>
+              <a:t>8</a:t>
+            </a:r>
+            <a:r>
+              <a:rPr lang="ja-JP" altLang="en-US" b="1" dirty="0" smtClean="0"/>
+              <a:t>日</a:t>
+            </a:r>
+            <a:endParaRPr lang="en-US" altLang="ja-JP" b="1" dirty="0" smtClean="0"/>
+          </a:p>
+          <a:p>
+            <a:r>
+              <a:rPr lang="ja-JP" altLang="en-US" b="1" dirty="0" smtClean="0"/>
+              <a:t>・システム開発</a:t>
+            </a:r>
+            <a:r>
+              <a:rPr lang="en-US" altLang="ja-JP" b="1" dirty="0" smtClean="0"/>
+              <a:t>				11</a:t>
+            </a:r>
+            <a:r>
+              <a:rPr lang="ja-JP" altLang="en-US" b="1" dirty="0" smtClean="0"/>
+              <a:t>月</a:t>
+            </a:r>
+            <a:r>
+              <a:rPr lang="en-US" altLang="ja-JP" b="1" dirty="0" smtClean="0"/>
+              <a:t>12</a:t>
+            </a:r>
+            <a:r>
+              <a:rPr lang="ja-JP" altLang="en-US" b="1" dirty="0" smtClean="0"/>
+              <a:t>日</a:t>
+            </a:r>
+            <a:r>
+              <a:rPr lang="en-US" altLang="ja-JP" b="1" dirty="0" smtClean="0"/>
+              <a:t>~12</a:t>
+            </a:r>
+            <a:r>
+              <a:rPr lang="ja-JP" altLang="en-US" b="1" dirty="0" smtClean="0"/>
+              <a:t>月</a:t>
             </a:r>
             <a:r>
               <a:rPr lang="en-US" altLang="ja-JP" b="1" dirty="0" smtClean="0"/>
@@ -4234,6 +4695,37 @@
             </a:r>
             <a:r>
               <a:rPr lang="ja-JP" altLang="en-US" b="1" dirty="0" smtClean="0"/>
+              <a:t>日</a:t>
+            </a:r>
+            <a:endParaRPr lang="en-US" altLang="ja-JP" b="1" dirty="0" smtClean="0"/>
+          </a:p>
+          <a:p>
+            <a:r>
+              <a:rPr lang="ja-JP" altLang="en-US" b="1" dirty="0" smtClean="0"/>
+              <a:t>・システムテスト</a:t>
+            </a:r>
+            <a:r>
+              <a:rPr lang="en-US" altLang="ja-JP" b="1" dirty="0" smtClean="0"/>
+              <a:t>			12</a:t>
+            </a:r>
+            <a:r>
+              <a:rPr lang="ja-JP" altLang="en-US" b="1" dirty="0" smtClean="0"/>
+              <a:t>月</a:t>
+            </a:r>
+            <a:r>
+              <a:rPr lang="en-US" altLang="ja-JP" b="1" dirty="0" smtClean="0"/>
+              <a:t>10</a:t>
+            </a:r>
+            <a:r>
+              <a:rPr lang="ja-JP" altLang="en-US" b="1" dirty="0" smtClean="0"/>
+              <a:t>日</a:t>
+            </a:r>
+            <a:r>
+              <a:rPr lang="en-US" altLang="ja-JP" b="1" dirty="0" smtClean="0"/>
+              <a:t>~12</a:t>
+            </a:r>
+            <a:r>
+              <a:rPr lang="ja-JP" altLang="en-US" b="1" dirty="0" smtClean="0"/>
               <a:t>月</a:t>
             </a:r>
             <a:r>
@@ -4244,238 +4736,7 @@
               <a:rPr lang="ja-JP" altLang="en-US" b="1" dirty="0" smtClean="0"/>
               <a:t>日</a:t>
             </a:r>
-            <a:r>
-              <a:rPr lang="en-US" altLang="ja-JP" b="1" dirty="0" smtClean="0"/>
-              <a:t>~11</a:t>
-            </a:r>
-            <a:r>
-              <a:rPr lang="ja-JP" altLang="en-US" b="1" dirty="0" smtClean="0"/>
-              <a:t>月</a:t>
-            </a:r>
-            <a:r>
-              <a:rPr lang="en-US" altLang="ja-JP" b="1" dirty="0" smtClean="0"/>
-              <a:t>1</a:t>
-            </a:r>
-            <a:r>
-              <a:rPr lang="ja-JP" altLang="en-US" b="1" dirty="0" smtClean="0"/>
-              <a:t>日</a:t>
-            </a:r>
             <a:endParaRPr lang="en-US" altLang="ja-JP" b="1" dirty="0" smtClean="0"/>
-          </a:p>
-          <a:p>
-            <a:r>
-              <a:rPr kumimoji="1" lang="ja-JP" altLang="en-US" b="1" dirty="0" smtClean="0"/>
-              <a:t>・各種画面仕様書</a:t>
-            </a:r>
-            <a:r>
-              <a:rPr kumimoji="1" lang="en-US" altLang="ja-JP" b="1" dirty="0" smtClean="0"/>
-              <a:t>			</a:t>
-            </a:r>
-            <a:r>
-              <a:rPr kumimoji="1" lang="en-US" altLang="ja-JP" b="1" dirty="0" smtClean="0"/>
-              <a:t>10</a:t>
-            </a:r>
-            <a:r>
-              <a:rPr lang="ja-JP" altLang="en-US" b="1" dirty="0" smtClean="0"/>
-              <a:t>月</a:t>
-            </a:r>
-            <a:r>
-              <a:rPr lang="en-US" altLang="ja-JP" b="1" dirty="0" smtClean="0"/>
-              <a:t>25</a:t>
-            </a:r>
-            <a:r>
-              <a:rPr lang="ja-JP" altLang="en-US" b="1" dirty="0" smtClean="0"/>
-              <a:t>日</a:t>
-            </a:r>
-            <a:r>
-              <a:rPr lang="en-US" altLang="ja-JP" b="1" dirty="0" smtClean="0"/>
-              <a:t>~11</a:t>
-            </a:r>
-            <a:r>
-              <a:rPr lang="ja-JP" altLang="en-US" b="1" dirty="0" smtClean="0"/>
-              <a:t>月</a:t>
-            </a:r>
-            <a:r>
-              <a:rPr lang="en-US" altLang="ja-JP" b="1" dirty="0" smtClean="0"/>
-              <a:t>1</a:t>
-            </a:r>
-            <a:r>
-              <a:rPr lang="ja-JP" altLang="en-US" b="1" dirty="0" smtClean="0"/>
-              <a:t>日</a:t>
-            </a:r>
-            <a:endParaRPr kumimoji="1" lang="en-US" altLang="ja-JP" b="1" dirty="0" smtClean="0"/>
-          </a:p>
-          <a:p>
-            <a:r>
-              <a:rPr lang="ja-JP" altLang="en-US" b="1" dirty="0" smtClean="0"/>
-              <a:t>・各種プログラム仕様書</a:t>
-            </a:r>
-            <a:r>
-              <a:rPr lang="en-US" altLang="ja-JP" b="1" dirty="0" smtClean="0"/>
-              <a:t>			</a:t>
-            </a:r>
-            <a:r>
-              <a:rPr lang="en-US" altLang="ja-JP" b="1" dirty="0" smtClean="0"/>
-              <a:t>11</a:t>
-            </a:r>
-            <a:r>
-              <a:rPr lang="ja-JP" altLang="en-US" b="1" dirty="0" smtClean="0"/>
-              <a:t>月</a:t>
-            </a:r>
-            <a:r>
-              <a:rPr lang="en-US" altLang="ja-JP" b="1" dirty="0" smtClean="0"/>
-              <a:t>1</a:t>
-            </a:r>
-            <a:r>
-              <a:rPr lang="ja-JP" altLang="en-US" b="1" dirty="0" smtClean="0"/>
-              <a:t>日</a:t>
-            </a:r>
-            <a:r>
-              <a:rPr lang="en-US" altLang="ja-JP" b="1" dirty="0" smtClean="0"/>
-              <a:t>~11</a:t>
-            </a:r>
-            <a:r>
-              <a:rPr lang="ja-JP" altLang="en-US" b="1" dirty="0" smtClean="0"/>
-              <a:t>月</a:t>
-            </a:r>
-            <a:r>
-              <a:rPr lang="en-US" altLang="ja-JP" b="1" dirty="0" smtClean="0"/>
-              <a:t>8</a:t>
-            </a:r>
-            <a:r>
-              <a:rPr lang="ja-JP" altLang="en-US" b="1" dirty="0" smtClean="0"/>
-              <a:t>日</a:t>
-            </a:r>
-            <a:endParaRPr lang="en-US" altLang="ja-JP" b="1" dirty="0" smtClean="0"/>
-          </a:p>
-          <a:p>
-            <a:r>
-              <a:rPr kumimoji="1" lang="ja-JP" altLang="en-US" b="1" dirty="0" smtClean="0"/>
-              <a:t>・各種モジュール仕様書</a:t>
-            </a:r>
-            <a:r>
-              <a:rPr kumimoji="1" lang="en-US" altLang="ja-JP" b="1" dirty="0" smtClean="0"/>
-              <a:t>			</a:t>
-            </a:r>
-            <a:r>
-              <a:rPr kumimoji="1" lang="en-US" altLang="ja-JP" b="1" dirty="0" smtClean="0"/>
-              <a:t>11</a:t>
-            </a:r>
-            <a:r>
-              <a:rPr lang="ja-JP" altLang="en-US" b="1" dirty="0" smtClean="0"/>
-              <a:t>月</a:t>
-            </a:r>
-            <a:r>
-              <a:rPr lang="en-US" altLang="ja-JP" b="1" dirty="0" smtClean="0"/>
-              <a:t>1</a:t>
-            </a:r>
-            <a:r>
-              <a:rPr lang="ja-JP" altLang="en-US" b="1" dirty="0" smtClean="0"/>
-              <a:t>日</a:t>
-            </a:r>
-            <a:r>
-              <a:rPr lang="en-US" altLang="ja-JP" b="1" dirty="0" smtClean="0"/>
-              <a:t>~11</a:t>
-            </a:r>
-            <a:r>
-              <a:rPr lang="ja-JP" altLang="en-US" b="1" dirty="0" smtClean="0"/>
-              <a:t>月</a:t>
-            </a:r>
-            <a:r>
-              <a:rPr lang="en-US" altLang="ja-JP" b="1" dirty="0" smtClean="0"/>
-              <a:t>8</a:t>
-            </a:r>
-            <a:r>
-              <a:rPr lang="ja-JP" altLang="en-US" b="1" dirty="0" smtClean="0"/>
-              <a:t>日</a:t>
-            </a:r>
-            <a:endParaRPr kumimoji="1" lang="en-US" altLang="ja-JP" b="1" dirty="0" smtClean="0"/>
-          </a:p>
-          <a:p>
-            <a:r>
-              <a:rPr lang="ja-JP" altLang="en-US" b="1" dirty="0" smtClean="0"/>
-              <a:t>・テスト仕様書・テスト実施結果書</a:t>
-            </a:r>
-            <a:r>
-              <a:rPr lang="en-US" altLang="ja-JP" b="1" dirty="0" smtClean="0"/>
-              <a:t>	</a:t>
-            </a:r>
-            <a:r>
-              <a:rPr lang="en-US" altLang="ja-JP" b="1" dirty="0" smtClean="0"/>
-              <a:t>11</a:t>
-            </a:r>
-            <a:r>
-              <a:rPr lang="ja-JP" altLang="en-US" b="1" dirty="0" smtClean="0"/>
-              <a:t>月</a:t>
-            </a:r>
-            <a:r>
-              <a:rPr lang="en-US" altLang="ja-JP" b="1" dirty="0" smtClean="0"/>
-              <a:t>1</a:t>
-            </a:r>
-            <a:r>
-              <a:rPr lang="ja-JP" altLang="en-US" b="1" dirty="0" smtClean="0"/>
-              <a:t>日</a:t>
-            </a:r>
-            <a:r>
-              <a:rPr lang="en-US" altLang="ja-JP" b="1" dirty="0" smtClean="0"/>
-              <a:t>~11</a:t>
-            </a:r>
-            <a:r>
-              <a:rPr lang="ja-JP" altLang="en-US" b="1" dirty="0" smtClean="0"/>
-              <a:t>月</a:t>
-            </a:r>
-            <a:r>
-              <a:rPr lang="en-US" altLang="ja-JP" b="1" dirty="0" smtClean="0"/>
-              <a:t>8</a:t>
-            </a:r>
-            <a:r>
-              <a:rPr lang="ja-JP" altLang="en-US" b="1" dirty="0" smtClean="0"/>
-              <a:t>日</a:t>
-            </a:r>
-            <a:endParaRPr lang="en-US" altLang="ja-JP" b="1" dirty="0" smtClean="0"/>
-          </a:p>
-          <a:p>
-            <a:r>
-              <a:rPr kumimoji="1" lang="ja-JP" altLang="en-US" b="1" dirty="0" smtClean="0"/>
-              <a:t>・ガントチャート</a:t>
-            </a:r>
-            <a:r>
-              <a:rPr kumimoji="1" lang="en-US" altLang="ja-JP" b="1" dirty="0" smtClean="0"/>
-              <a:t>			</a:t>
-            </a:r>
-            <a:r>
-              <a:rPr lang="en-US" altLang="ja-JP" b="1" dirty="0" smtClean="0"/>
-              <a:t>10</a:t>
-            </a:r>
-            <a:r>
-              <a:rPr lang="ja-JP" altLang="en-US" b="1" dirty="0" smtClean="0"/>
-              <a:t>月</a:t>
-            </a:r>
-            <a:r>
-              <a:rPr lang="en-US" altLang="ja-JP" b="1" dirty="0" smtClean="0"/>
-              <a:t>17</a:t>
-            </a:r>
-            <a:r>
-              <a:rPr lang="ja-JP" altLang="en-US" b="1" dirty="0" smtClean="0"/>
-              <a:t>日</a:t>
-            </a:r>
-            <a:r>
-              <a:rPr lang="en-US" altLang="ja-JP" b="1" dirty="0" smtClean="0"/>
-              <a:t>~10</a:t>
-            </a:r>
-            <a:r>
-              <a:rPr lang="ja-JP" altLang="en-US" b="1" dirty="0" smtClean="0"/>
-              <a:t>月</a:t>
-            </a:r>
-            <a:r>
-              <a:rPr lang="en-US" altLang="ja-JP" b="1" dirty="0" smtClean="0"/>
-              <a:t>22</a:t>
-            </a:r>
-            <a:r>
-              <a:rPr lang="ja-JP" altLang="en-US" b="1" dirty="0" smtClean="0"/>
-              <a:t>日</a:t>
-            </a:r>
-            <a:endParaRPr kumimoji="1" lang="ja-JP" altLang="en-US" b="1" dirty="0"/>
           </a:p>
         </p:txBody>
       </p:sp>
@@ -4499,7 +4760,7 @@
 </p:sld>
 </file>
 
-<file path=ppt/slides/slide13.xml><?xml version="1.0" encoding="utf-8"?>
+<file path=ppt/slides/slide14.xml><?xml version="1.0" encoding="utf-8"?>
 <p:sld xmlns:a="http://schemas.openxmlformats.org/drawingml/2006/main" xmlns:r="http://schemas.openxmlformats.org/officeDocument/2006/relationships" xmlns:p="http://schemas.openxmlformats.org/presentationml/2006/main" showMasterSp="0">
   <p:cSld>
     <p:bg>
@@ -4672,6 +4933,116 @@
 </file>
 
 <file path=ppt/slides/slide2.xml><?xml version="1.0" encoding="utf-8"?>
+<p:sld xmlns:a="http://schemas.openxmlformats.org/drawingml/2006/main" xmlns:r="http://schemas.openxmlformats.org/officeDocument/2006/relationships" xmlns:p="http://schemas.openxmlformats.org/presentationml/2006/main">
+  <p:cSld>
+    <p:spTree>
+      <p:nvGrpSpPr>
+        <p:cNvPr id="1" name=""/>
+        <p:cNvGrpSpPr/>
+        <p:nvPr/>
+      </p:nvGrpSpPr>
+      <p:grpSpPr>
+        <a:xfrm>
+          <a:off x="0" y="0"/>
+          <a:ext cx="0" cy="0"/>
+          <a:chOff x="0" y="0"/>
+          <a:chExt cx="0" cy="0"/>
+        </a:xfrm>
+      </p:grpSpPr>
+      <p:sp>
+        <p:nvSpPr>
+          <p:cNvPr id="2" name="タイトル 1"/>
+          <p:cNvSpPr>
+            <a:spLocks noGrp="1"/>
+          </p:cNvSpPr>
+          <p:nvPr>
+            <p:ph type="title"/>
+          </p:nvPr>
+        </p:nvSpPr>
+        <p:spPr>
+          <a:xfrm>
+            <a:off x="3006632" y="0"/>
+            <a:ext cx="5510349" cy="1325563"/>
+          </a:xfrm>
+        </p:spPr>
+        <p:txBody>
+          <a:bodyPr>
+            <a:noAutofit/>
+          </a:bodyPr>
+          <a:lstStyle/>
+          <a:p>
+            <a:r>
+              <a:rPr lang="ja-JP" altLang="en-US" sz="6000" b="1" dirty="0"/>
+              <a:t>システム</a:t>
+            </a:r>
+            <a:r>
+              <a:rPr lang="ja-JP" altLang="en-US" sz="6000" b="1" dirty="0" smtClean="0"/>
+              <a:t>の目的</a:t>
+            </a:r>
+            <a:endParaRPr kumimoji="1" lang="ja-JP" altLang="en-US" sz="6000" b="1" dirty="0"/>
+          </a:p>
+        </p:txBody>
+      </p:sp>
+      <p:sp>
+        <p:nvSpPr>
+          <p:cNvPr id="5" name="テキスト ボックス 4"/>
+          <p:cNvSpPr txBox="1"/>
+          <p:nvPr/>
+        </p:nvSpPr>
+        <p:spPr>
+          <a:xfrm>
+            <a:off x="1129169" y="2206012"/>
+            <a:ext cx="10235517" cy="3046988"/>
+          </a:xfrm>
+          <a:prstGeom prst="rect">
+            <a:avLst/>
+          </a:prstGeom>
+          <a:noFill/>
+        </p:spPr>
+        <p:txBody>
+          <a:bodyPr wrap="square" rtlCol="0">
+            <a:spAutoFit/>
+          </a:bodyPr>
+          <a:lstStyle/>
+          <a:p>
+            <a:r>
+              <a:rPr lang="ja-JP" altLang="ja-JP" sz="3200" b="1" dirty="0" smtClean="0"/>
+              <a:t>現状</a:t>
+            </a:r>
+            <a:r>
+              <a:rPr lang="ja-JP" altLang="ja-JP" sz="3200" b="1" dirty="0"/>
+              <a:t>、営業所ごとに在庫を管理しており、営業担当者が在庫状況に応じて事務担当に口頭で発注依頼をしている。そのため、発注ミスやリアルタイムに在庫を把握できないなどの課題を抱えている。</a:t>
+            </a:r>
+          </a:p>
+          <a:p>
+            <a:r>
+              <a:rPr lang="ja-JP" altLang="ja-JP" sz="3200" b="1" dirty="0"/>
+              <a:t>新規システムを導入することによって、課題を解決しスムーズな業務運営ができるように要望している。</a:t>
+            </a:r>
+          </a:p>
+        </p:txBody>
+      </p:sp>
+    </p:spTree>
+    <p:extLst>
+      <p:ext uri="{BB962C8B-B14F-4D97-AF65-F5344CB8AC3E}">
+        <p14:creationId xmlns:p14="http://schemas.microsoft.com/office/powerpoint/2010/main" val="3059125752"/>
+      </p:ext>
+    </p:extLst>
+  </p:cSld>
+  <p:clrMapOvr>
+    <a:masterClrMapping/>
+  </p:clrMapOvr>
+  <p:timing>
+    <p:tnLst>
+      <p:par>
+        <p:cTn id="1" dur="indefinite" restart="never" nodeType="tmRoot"/>
+      </p:par>
+    </p:tnLst>
+  </p:timing>
+</p:sld>
+</file>
+
+<file path=ppt/slides/slide3.xml><?xml version="1.0" encoding="utf-8"?>
 <p:sld xmlns:a="http://schemas.openxmlformats.org/drawingml/2006/main" xmlns:r="http://schemas.openxmlformats.org/officeDocument/2006/relationships" xmlns:p="http://schemas.openxmlformats.org/presentationml/2006/main">
   <p:cSld>
     <p:spTree>
@@ -5535,7 +5906,7 @@
 </p:sld>
 </file>
 
-<file path=ppt/slides/slide3.xml><?xml version="1.0" encoding="utf-8"?>
+<file path=ppt/slides/slide4.xml><?xml version="1.0" encoding="utf-8"?>
 <p:sld xmlns:a="http://schemas.openxmlformats.org/drawingml/2006/main" xmlns:r="http://schemas.openxmlformats.org/officeDocument/2006/relationships" xmlns:p="http://schemas.openxmlformats.org/presentationml/2006/main">
   <p:cSld>
     <p:spTree>
@@ -6475,7 +6846,7 @@
 </p:sld>
 </file>
 
-<file path=ppt/slides/slide4.xml><?xml version="1.0" encoding="utf-8"?>
+<file path=ppt/slides/slide5.xml><?xml version="1.0" encoding="utf-8"?>
 <p:sld xmlns:a="http://schemas.openxmlformats.org/drawingml/2006/main" xmlns:r="http://schemas.openxmlformats.org/officeDocument/2006/relationships" xmlns:p="http://schemas.openxmlformats.org/presentationml/2006/main">
   <p:cSld>
     <p:spTree>
@@ -8200,7 +8571,7 @@
 </p:sld>
 </file>
 
-<file path=ppt/slides/slide5.xml><?xml version="1.0" encoding="utf-8"?>
+<file path=ppt/slides/slide6.xml><?xml version="1.0" encoding="utf-8"?>
 <p:sld xmlns:a="http://schemas.openxmlformats.org/drawingml/2006/main" xmlns:r="http://schemas.openxmlformats.org/officeDocument/2006/relationships" xmlns:p="http://schemas.openxmlformats.org/presentationml/2006/main">
   <p:cSld>
     <p:spTree>
@@ -10816,7 +11187,7 @@
 </p:sld>
 </file>
 
-<file path=ppt/slides/slide6.xml><?xml version="1.0" encoding="utf-8"?>
+<file path=ppt/slides/slide7.xml><?xml version="1.0" encoding="utf-8"?>
 <p:sld xmlns:a="http://schemas.openxmlformats.org/drawingml/2006/main" xmlns:r="http://schemas.openxmlformats.org/officeDocument/2006/relationships" xmlns:p="http://schemas.openxmlformats.org/presentationml/2006/main">
   <p:cSld>
     <p:spTree>
@@ -11772,7 +12143,7 @@
 </p:sld>
 </file>
 
-<file path=ppt/slides/slide7.xml><?xml version="1.0" encoding="utf-8"?>
+<file path=ppt/slides/slide8.xml><?xml version="1.0" encoding="utf-8"?>
 <p:sld xmlns:a="http://schemas.openxmlformats.org/drawingml/2006/main" xmlns:r="http://schemas.openxmlformats.org/officeDocument/2006/relationships" xmlns:p="http://schemas.openxmlformats.org/presentationml/2006/main">
   <p:cSld>
     <p:spTree>
@@ -12474,7 +12845,7 @@
 </p:sld>
 </file>
 
-<file path=ppt/slides/slide8.xml><?xml version="1.0" encoding="utf-8"?>
+<file path=ppt/slides/slide9.xml><?xml version="1.0" encoding="utf-8"?>
 <p:sld xmlns:a="http://schemas.openxmlformats.org/drawingml/2006/main" xmlns:r="http://schemas.openxmlformats.org/officeDocument/2006/relationships" xmlns:p="http://schemas.openxmlformats.org/presentationml/2006/main">
   <p:cSld>
     <p:spTree>
@@ -13948,127 +14319,6 @@
       <p:bldP spid="49" grpId="0"/>
       <p:bldP spid="50" grpId="0"/>
     </p:bldLst>
-  </p:timing>
-</p:sld>
-</file>
-
-<file path=ppt/slides/slide9.xml><?xml version="1.0" encoding="utf-8"?>
-<p:sld xmlns:a="http://schemas.openxmlformats.org/drawingml/2006/main" xmlns:r="http://schemas.openxmlformats.org/officeDocument/2006/relationships" xmlns:p="http://schemas.openxmlformats.org/presentationml/2006/main">
-  <p:cSld>
-    <p:spTree>
-      <p:nvGrpSpPr>
-        <p:cNvPr id="1" name=""/>
-        <p:cNvGrpSpPr/>
-        <p:nvPr/>
-      </p:nvGrpSpPr>
-      <p:grpSpPr>
-        <a:xfrm>
-          <a:off x="0" y="0"/>
-          <a:ext cx="0" cy="0"/>
-          <a:chOff x="0" y="0"/>
-          <a:chExt cx="0" cy="0"/>
-        </a:xfrm>
-      </p:grpSpPr>
-      <p:sp>
-        <p:nvSpPr>
-          <p:cNvPr id="2" name="タイトル 1"/>
-          <p:cNvSpPr>
-            <a:spLocks noGrp="1"/>
-          </p:cNvSpPr>
-          <p:nvPr>
-            <p:ph type="title"/>
-          </p:nvPr>
-        </p:nvSpPr>
-        <p:spPr>
-          <a:xfrm>
-            <a:off x="459259" y="0"/>
-            <a:ext cx="10515600" cy="1325563"/>
-          </a:xfrm>
-        </p:spPr>
-        <p:txBody>
-          <a:bodyPr>
-            <a:normAutofit/>
-          </a:bodyPr>
-          <a:lstStyle/>
-          <a:p>
-            <a:r>
-              <a:rPr lang="ja-JP" altLang="en-US" b="1" dirty="0" smtClean="0">
-                <a:latin typeface="HGSｺﾞｼｯｸM" panose="020B0600000000000000" pitchFamily="50" charset="-128"/>
-                <a:ea typeface="HGSｺﾞｼｯｸM" panose="020B0600000000000000" pitchFamily="50" charset="-128"/>
-              </a:rPr>
-              <a:t>システム</a:t>
-            </a:r>
-            <a:r>
-              <a:rPr lang="ja-JP" altLang="en-US" b="1" dirty="0">
-                <a:latin typeface="HGSｺﾞｼｯｸM" panose="020B0600000000000000" pitchFamily="50" charset="-128"/>
-                <a:ea typeface="HGSｺﾞｼｯｸM" panose="020B0600000000000000" pitchFamily="50" charset="-128"/>
-              </a:rPr>
-              <a:t>構造図</a:t>
-            </a:r>
-            <a:endParaRPr kumimoji="1" lang="ja-JP" altLang="en-US" b="1" dirty="0">
-              <a:latin typeface="HGSｺﾞｼｯｸM" panose="020B0600000000000000" pitchFamily="50" charset="-128"/>
-              <a:ea typeface="HGSｺﾞｼｯｸM" panose="020B0600000000000000" pitchFamily="50" charset="-128"/>
-            </a:endParaRPr>
-          </a:p>
-        </p:txBody>
-      </p:sp>
-      <p:pic>
-        <p:nvPicPr>
-          <p:cNvPr id="1026" name="Picture 2" descr="C:\Users\yamanin-Note\Desktop\キャプチャ.PNG"/>
-          <p:cNvPicPr>
-            <a:picLocks noChangeAspect="1" noChangeArrowheads="1"/>
-          </p:cNvPicPr>
-          <p:nvPr/>
-        </p:nvPicPr>
-        <p:blipFill>
-          <a:blip r:embed="rId2">
-            <a:extLst>
-              <a:ext uri="{28A0092B-C50C-407E-A947-70E740481C1C}">
-                <a14:useLocalDpi xmlns:a14="http://schemas.microsoft.com/office/drawing/2010/main" val="0"/>
-              </a:ext>
-            </a:extLst>
-          </a:blip>
-          <a:srcRect/>
-          <a:stretch>
-            <a:fillRect/>
-          </a:stretch>
-        </p:blipFill>
-        <p:spPr bwMode="auto">
-          <a:xfrm>
-            <a:off x="155566" y="1593678"/>
-            <a:ext cx="11883390" cy="3807120"/>
-          </a:xfrm>
-          <a:prstGeom prst="rect">
-            <a:avLst/>
-          </a:prstGeom>
-          <a:noFill/>
-          <a:extLst>
-            <a:ext uri="{909E8E84-426E-40DD-AFC4-6F175D3DCCD1}">
-              <a14:hiddenFill xmlns:a14="http://schemas.microsoft.com/office/drawing/2010/main">
-                <a:solidFill>
-                  <a:srgbClr val="FFFFFF"/>
-                </a:solidFill>
-              </a14:hiddenFill>
-            </a:ext>
-          </a:extLst>
-        </p:spPr>
-      </p:pic>
-    </p:spTree>
-    <p:extLst>
-      <p:ext uri="{BB962C8B-B14F-4D97-AF65-F5344CB8AC3E}">
-        <p14:creationId xmlns:p14="http://schemas.microsoft.com/office/powerpoint/2010/main" val="1977652840"/>
-      </p:ext>
-    </p:extLst>
-  </p:cSld>
-  <p:clrMapOvr>
-    <a:masterClrMapping/>
-  </p:clrMapOvr>
-  <p:timing>
-    <p:tnLst>
-      <p:par>
-        <p:cTn id="1" dur="indefinite" restart="never" nodeType="tmRoot"/>
-      </p:par>
-    </p:tnLst>
   </p:timing>
 </p:sld>
 </file>
@@ -14328,7 +14578,7 @@
   <a:extraClrSchemeLst/>
   <a:extLst>
     <a:ext uri="{05A4C25C-085E-4340-85A3-A5531E510DB2}">
-      <thm15:themeFamily xmlns="" xmlns:thm15="http://schemas.microsoft.com/office/thememl/2012/main" name="Office Theme" id="{62F939B6-93AF-4DB8-9C6B-D6C7DFDC589F}" vid="{4A3C46E8-61CC-4603-A589-7422A47A8E4A}"/>
+      <thm15:themeFamily xmlns:thm15="http://schemas.microsoft.com/office/thememl/2012/main" xmlns="" name="Office Theme" id="{62F939B6-93AF-4DB8-9C6B-D6C7DFDC589F}" vid="{4A3C46E8-61CC-4603-A589-7422A47A8E4A}"/>
     </a:ext>
   </a:extLst>
 </a:theme>

--- a/企画発表プレゼンテーション.pptx
+++ b/企画発表プレゼンテーション.pptx
@@ -119,7 +119,7 @@
   </p:defaultTextStyle>
   <p:extLst>
     <p:ext uri="{EFAFB233-063F-42B5-8137-9DF3F51BA10A}">
-      <p15:sldGuideLst xmlns:p15="http://schemas.microsoft.com/office/powerpoint/2012/main" xmlns="">
+      <p15:sldGuideLst xmlns:p15="http://schemas.microsoft.com/office/powerpoint/2012/main">
         <p15:guide id="1" orient="horz" pos="2160">
           <p15:clr>
             <a:srgbClr val="A4A3A4"/>
@@ -267,7 +267,7 @@
           <a:p>
             <a:fld id="{9C27765A-BBDC-4B93-B191-B0458F0CABEC}" type="datetimeFigureOut">
               <a:rPr kumimoji="1" lang="ja-JP" altLang="en-US" smtClean="0"/>
-              <a:t>2019/10/17</a:t>
+              <a:t>2019/10/18</a:t>
             </a:fld>
             <a:endParaRPr kumimoji="1" lang="ja-JP" altLang="en-US"/>
           </a:p>
@@ -469,7 +469,7 @@
           <a:p>
             <a:fld id="{9C27765A-BBDC-4B93-B191-B0458F0CABEC}" type="datetimeFigureOut">
               <a:rPr kumimoji="1" lang="ja-JP" altLang="en-US" smtClean="0"/>
-              <a:t>2019/10/17</a:t>
+              <a:t>2019/10/18</a:t>
             </a:fld>
             <a:endParaRPr kumimoji="1" lang="ja-JP" altLang="en-US"/>
           </a:p>
@@ -681,7 +681,7 @@
           <a:p>
             <a:fld id="{9C27765A-BBDC-4B93-B191-B0458F0CABEC}" type="datetimeFigureOut">
               <a:rPr kumimoji="1" lang="ja-JP" altLang="en-US" smtClean="0"/>
-              <a:t>2019/10/17</a:t>
+              <a:t>2019/10/18</a:t>
             </a:fld>
             <a:endParaRPr kumimoji="1" lang="ja-JP" altLang="en-US"/>
           </a:p>
@@ -883,7 +883,7 @@
           <a:p>
             <a:fld id="{9C27765A-BBDC-4B93-B191-B0458F0CABEC}" type="datetimeFigureOut">
               <a:rPr kumimoji="1" lang="ja-JP" altLang="en-US" smtClean="0"/>
-              <a:t>2019/10/17</a:t>
+              <a:t>2019/10/18</a:t>
             </a:fld>
             <a:endParaRPr kumimoji="1" lang="ja-JP" altLang="en-US"/>
           </a:p>
@@ -1129,7 +1129,7 @@
           <a:p>
             <a:fld id="{9C27765A-BBDC-4B93-B191-B0458F0CABEC}" type="datetimeFigureOut">
               <a:rPr kumimoji="1" lang="ja-JP" altLang="en-US" smtClean="0"/>
-              <a:t>2019/10/17</a:t>
+              <a:t>2019/10/18</a:t>
             </a:fld>
             <a:endParaRPr kumimoji="1" lang="ja-JP" altLang="en-US"/>
           </a:p>
@@ -1425,7 +1425,7 @@
           <a:p>
             <a:fld id="{9C27765A-BBDC-4B93-B191-B0458F0CABEC}" type="datetimeFigureOut">
               <a:rPr kumimoji="1" lang="ja-JP" altLang="en-US" smtClean="0"/>
-              <a:t>2019/10/17</a:t>
+              <a:t>2019/10/18</a:t>
             </a:fld>
             <a:endParaRPr kumimoji="1" lang="ja-JP" altLang="en-US"/>
           </a:p>
@@ -1856,7 +1856,7 @@
           <a:p>
             <a:fld id="{9C27765A-BBDC-4B93-B191-B0458F0CABEC}" type="datetimeFigureOut">
               <a:rPr kumimoji="1" lang="ja-JP" altLang="en-US" smtClean="0"/>
-              <a:t>2019/10/17</a:t>
+              <a:t>2019/10/18</a:t>
             </a:fld>
             <a:endParaRPr kumimoji="1" lang="ja-JP" altLang="en-US"/>
           </a:p>
@@ -1974,7 +1974,7 @@
           <a:p>
             <a:fld id="{9C27765A-BBDC-4B93-B191-B0458F0CABEC}" type="datetimeFigureOut">
               <a:rPr kumimoji="1" lang="ja-JP" altLang="en-US" smtClean="0"/>
-              <a:t>2019/10/17</a:t>
+              <a:t>2019/10/18</a:t>
             </a:fld>
             <a:endParaRPr kumimoji="1" lang="ja-JP" altLang="en-US"/>
           </a:p>
@@ -2069,7 +2069,7 @@
           <a:p>
             <a:fld id="{9C27765A-BBDC-4B93-B191-B0458F0CABEC}" type="datetimeFigureOut">
               <a:rPr kumimoji="1" lang="ja-JP" altLang="en-US" smtClean="0"/>
-              <a:t>2019/10/17</a:t>
+              <a:t>2019/10/18</a:t>
             </a:fld>
             <a:endParaRPr kumimoji="1" lang="ja-JP" altLang="en-US"/>
           </a:p>
@@ -2378,7 +2378,7 @@
           <a:p>
             <a:fld id="{9C27765A-BBDC-4B93-B191-B0458F0CABEC}" type="datetimeFigureOut">
               <a:rPr kumimoji="1" lang="ja-JP" altLang="en-US" smtClean="0"/>
-              <a:t>2019/10/17</a:t>
+              <a:t>2019/10/18</a:t>
             </a:fld>
             <a:endParaRPr kumimoji="1" lang="ja-JP" altLang="en-US"/>
           </a:p>
@@ -2631,7 +2631,7 @@
           <a:p>
             <a:fld id="{9C27765A-BBDC-4B93-B191-B0458F0CABEC}" type="datetimeFigureOut">
               <a:rPr kumimoji="1" lang="ja-JP" altLang="en-US" smtClean="0"/>
-              <a:t>2019/10/17</a:t>
+              <a:t>2019/10/18</a:t>
             </a:fld>
             <a:endParaRPr kumimoji="1" lang="ja-JP" altLang="en-US"/>
           </a:p>
@@ -2886,7 +2886,7 @@
           <a:p>
             <a:fld id="{9C27765A-BBDC-4B93-B191-B0458F0CABEC}" type="datetimeFigureOut">
               <a:rPr kumimoji="1" lang="ja-JP" altLang="en-US" smtClean="0"/>
-              <a:t>2019/10/17</a:t>
+              <a:t>2019/10/18</a:t>
             </a:fld>
             <a:endParaRPr kumimoji="1" lang="ja-JP" altLang="en-US"/>
           </a:p>
@@ -3983,13 +3983,7 @@
               <a:rPr lang="en-US" altLang="ja-JP" dirty="0" smtClean="0">
                 <a:latin typeface="Bahnschrift SemiBold" panose="020B0502040204020203" pitchFamily="34" charset="0"/>
               </a:rPr>
-              <a:t>Microsoft Office Access </a:t>
-            </a:r>
-            <a:r>
-              <a:rPr lang="en-US" altLang="ja-JP" dirty="0" smtClean="0">
-                <a:latin typeface="Bahnschrift SemiBold" panose="020B0502040204020203" pitchFamily="34" charset="0"/>
-              </a:rPr>
-              <a:t>2016</a:t>
+              <a:t>Microsoft Office Access 2016</a:t>
             </a:r>
           </a:p>
           <a:p>
@@ -13641,8 +13635,8 @@
           <a:lstStyle/>
           <a:p>
             <a:r>
-              <a:rPr kumimoji="1" lang="ja-JP" altLang="en-US" sz="3200" dirty="0" smtClean="0"/>
-              <a:t>入庫</a:t>
+              <a:rPr lang="ja-JP" altLang="en-US" sz="3200"/>
+              <a:t>入荷</a:t>
             </a:r>
             <a:endParaRPr kumimoji="1" lang="ja-JP" altLang="en-US" sz="3200" dirty="0"/>
           </a:p>
@@ -14578,7 +14572,7 @@
   <a:extraClrSchemeLst/>
   <a:extLst>
     <a:ext uri="{05A4C25C-085E-4340-85A3-A5531E510DB2}">
-      <thm15:themeFamily xmlns:thm15="http://schemas.microsoft.com/office/thememl/2012/main" xmlns="" name="Office Theme" id="{62F939B6-93AF-4DB8-9C6B-D6C7DFDC589F}" vid="{4A3C46E8-61CC-4603-A589-7422A47A8E4A}"/>
+      <thm15:themeFamily xmlns:thm15="http://schemas.microsoft.com/office/thememl/2012/main" name="Office Theme" id="{62F939B6-93AF-4DB8-9C6B-D6C7DFDC589F}" vid="{4A3C46E8-61CC-4603-A589-7422A47A8E4A}"/>
     </a:ext>
   </a:extLst>
 </a:theme>

--- a/企画発表プレゼンテーション.pptx
+++ b/企画発表プレゼンテーション.pptx
@@ -178,10 +178,9 @@
           </a:lstStyle>
           <a:p>
             <a:r>
-              <a:rPr kumimoji="1" lang="ja-JP" altLang="en-US" smtClean="0"/>
+              <a:rPr kumimoji="1" lang="ja-JP" altLang="en-US"/>
               <a:t>マスター タイトルの書式設定</a:t>
             </a:r>
-            <a:endParaRPr kumimoji="1" lang="ja-JP" altLang="en-US"/>
           </a:p>
         </p:txBody>
       </p:sp>
@@ -243,10 +242,9 @@
           </a:lstStyle>
           <a:p>
             <a:r>
-              <a:rPr kumimoji="1" lang="ja-JP" altLang="en-US" smtClean="0"/>
+              <a:rPr kumimoji="1" lang="ja-JP" altLang="en-US"/>
               <a:t>マスター サブタイトルの書式設定</a:t>
             </a:r>
-            <a:endParaRPr kumimoji="1" lang="ja-JP" altLang="en-US"/>
           </a:p>
         </p:txBody>
       </p:sp>
@@ -267,7 +265,7 @@
           <a:p>
             <a:fld id="{9C27765A-BBDC-4B93-B191-B0458F0CABEC}" type="datetimeFigureOut">
               <a:rPr kumimoji="1" lang="ja-JP" altLang="en-US" smtClean="0"/>
-              <a:t>2019/10/18</a:t>
+              <a:t>2019/11/9</a:t>
             </a:fld>
             <a:endParaRPr kumimoji="1" lang="ja-JP" altLang="en-US"/>
           </a:p>
@@ -361,10 +359,9 @@
           <a:lstStyle/>
           <a:p>
             <a:r>
-              <a:rPr kumimoji="1" lang="ja-JP" altLang="en-US" smtClean="0"/>
+              <a:rPr kumimoji="1" lang="ja-JP" altLang="en-US"/>
               <a:t>マスター タイトルの書式設定</a:t>
             </a:r>
-            <a:endParaRPr kumimoji="1" lang="ja-JP" altLang="en-US"/>
           </a:p>
         </p:txBody>
       </p:sp>
@@ -385,70 +382,69 @@
           <a:p>
             <a:pPr lvl="0"/>
             <a:r>
-              <a:rPr kumimoji="1" lang="ja-JP" altLang="en-US" smtClean="0"/>
+              <a:rPr kumimoji="1" lang="ja-JP" altLang="en-US"/>
               <a:t>マスター テキストの書式設定</a:t>
             </a:r>
           </a:p>
           <a:p>
             <a:pPr lvl="1"/>
             <a:r>
-              <a:rPr kumimoji="1" lang="ja-JP" altLang="en-US" smtClean="0"/>
+              <a:rPr kumimoji="1" lang="ja-JP" altLang="en-US"/>
               <a:t>第 </a:t>
             </a:r>
             <a:r>
-              <a:rPr kumimoji="1" lang="en-US" altLang="ja-JP" smtClean="0"/>
+              <a:rPr kumimoji="1" lang="en-US" altLang="ja-JP"/>
               <a:t>2 </a:t>
             </a:r>
             <a:r>
-              <a:rPr kumimoji="1" lang="ja-JP" altLang="en-US" smtClean="0"/>
+              <a:rPr kumimoji="1" lang="ja-JP" altLang="en-US"/>
               <a:t>レベル</a:t>
             </a:r>
           </a:p>
           <a:p>
             <a:pPr lvl="2"/>
             <a:r>
-              <a:rPr kumimoji="1" lang="ja-JP" altLang="en-US" smtClean="0"/>
+              <a:rPr kumimoji="1" lang="ja-JP" altLang="en-US"/>
               <a:t>第 </a:t>
             </a:r>
             <a:r>
-              <a:rPr kumimoji="1" lang="en-US" altLang="ja-JP" smtClean="0"/>
+              <a:rPr kumimoji="1" lang="en-US" altLang="ja-JP"/>
               <a:t>3 </a:t>
             </a:r>
             <a:r>
-              <a:rPr kumimoji="1" lang="ja-JP" altLang="en-US" smtClean="0"/>
+              <a:rPr kumimoji="1" lang="ja-JP" altLang="en-US"/>
               <a:t>レベル</a:t>
             </a:r>
           </a:p>
           <a:p>
             <a:pPr lvl="3"/>
             <a:r>
-              <a:rPr kumimoji="1" lang="ja-JP" altLang="en-US" smtClean="0"/>
+              <a:rPr kumimoji="1" lang="ja-JP" altLang="en-US"/>
               <a:t>第 </a:t>
             </a:r>
             <a:r>
-              <a:rPr kumimoji="1" lang="en-US" altLang="ja-JP" smtClean="0"/>
+              <a:rPr kumimoji="1" lang="en-US" altLang="ja-JP"/>
               <a:t>4 </a:t>
             </a:r>
             <a:r>
-              <a:rPr kumimoji="1" lang="ja-JP" altLang="en-US" smtClean="0"/>
+              <a:rPr kumimoji="1" lang="ja-JP" altLang="en-US"/>
               <a:t>レベル</a:t>
             </a:r>
           </a:p>
           <a:p>
             <a:pPr lvl="4"/>
             <a:r>
-              <a:rPr kumimoji="1" lang="ja-JP" altLang="en-US" smtClean="0"/>
+              <a:rPr kumimoji="1" lang="ja-JP" altLang="en-US"/>
               <a:t>第 </a:t>
             </a:r>
             <a:r>
-              <a:rPr kumimoji="1" lang="en-US" altLang="ja-JP" smtClean="0"/>
+              <a:rPr kumimoji="1" lang="en-US" altLang="ja-JP"/>
               <a:t>5 </a:t>
             </a:r>
             <a:r>
-              <a:rPr kumimoji="1" lang="ja-JP" altLang="en-US" smtClean="0"/>
+              <a:rPr kumimoji="1" lang="ja-JP" altLang="en-US"/>
               <a:t>レベル</a:t>
             </a:r>
-            <a:endParaRPr kumimoji="1" lang="ja-JP" altLang="en-US"/>
           </a:p>
         </p:txBody>
       </p:sp>
@@ -469,7 +465,7 @@
           <a:p>
             <a:fld id="{9C27765A-BBDC-4B93-B191-B0458F0CABEC}" type="datetimeFigureOut">
               <a:rPr kumimoji="1" lang="ja-JP" altLang="en-US" smtClean="0"/>
-              <a:t>2019/10/18</a:t>
+              <a:t>2019/11/9</a:t>
             </a:fld>
             <a:endParaRPr kumimoji="1" lang="ja-JP" altLang="en-US"/>
           </a:p>
@@ -568,10 +564,9 @@
           <a:lstStyle/>
           <a:p>
             <a:r>
-              <a:rPr kumimoji="1" lang="ja-JP" altLang="en-US" smtClean="0"/>
+              <a:rPr kumimoji="1" lang="ja-JP" altLang="en-US"/>
               <a:t>マスター タイトルの書式設定</a:t>
             </a:r>
-            <a:endParaRPr kumimoji="1" lang="ja-JP" altLang="en-US"/>
           </a:p>
         </p:txBody>
       </p:sp>
@@ -597,70 +592,69 @@
           <a:p>
             <a:pPr lvl="0"/>
             <a:r>
-              <a:rPr kumimoji="1" lang="ja-JP" altLang="en-US" smtClean="0"/>
+              <a:rPr kumimoji="1" lang="ja-JP" altLang="en-US"/>
               <a:t>マスター テキストの書式設定</a:t>
             </a:r>
           </a:p>
           <a:p>
             <a:pPr lvl="1"/>
             <a:r>
-              <a:rPr kumimoji="1" lang="ja-JP" altLang="en-US" smtClean="0"/>
+              <a:rPr kumimoji="1" lang="ja-JP" altLang="en-US"/>
               <a:t>第 </a:t>
             </a:r>
             <a:r>
-              <a:rPr kumimoji="1" lang="en-US" altLang="ja-JP" smtClean="0"/>
+              <a:rPr kumimoji="1" lang="en-US" altLang="ja-JP"/>
               <a:t>2 </a:t>
             </a:r>
             <a:r>
-              <a:rPr kumimoji="1" lang="ja-JP" altLang="en-US" smtClean="0"/>
+              <a:rPr kumimoji="1" lang="ja-JP" altLang="en-US"/>
               <a:t>レベル</a:t>
             </a:r>
           </a:p>
           <a:p>
             <a:pPr lvl="2"/>
             <a:r>
-              <a:rPr kumimoji="1" lang="ja-JP" altLang="en-US" smtClean="0"/>
+              <a:rPr kumimoji="1" lang="ja-JP" altLang="en-US"/>
               <a:t>第 </a:t>
             </a:r>
             <a:r>
-              <a:rPr kumimoji="1" lang="en-US" altLang="ja-JP" smtClean="0"/>
+              <a:rPr kumimoji="1" lang="en-US" altLang="ja-JP"/>
               <a:t>3 </a:t>
             </a:r>
             <a:r>
-              <a:rPr kumimoji="1" lang="ja-JP" altLang="en-US" smtClean="0"/>
+              <a:rPr kumimoji="1" lang="ja-JP" altLang="en-US"/>
               <a:t>レベル</a:t>
             </a:r>
           </a:p>
           <a:p>
             <a:pPr lvl="3"/>
             <a:r>
-              <a:rPr kumimoji="1" lang="ja-JP" altLang="en-US" smtClean="0"/>
+              <a:rPr kumimoji="1" lang="ja-JP" altLang="en-US"/>
               <a:t>第 </a:t>
             </a:r>
             <a:r>
-              <a:rPr kumimoji="1" lang="en-US" altLang="ja-JP" smtClean="0"/>
+              <a:rPr kumimoji="1" lang="en-US" altLang="ja-JP"/>
               <a:t>4 </a:t>
             </a:r>
             <a:r>
-              <a:rPr kumimoji="1" lang="ja-JP" altLang="en-US" smtClean="0"/>
+              <a:rPr kumimoji="1" lang="ja-JP" altLang="en-US"/>
               <a:t>レベル</a:t>
             </a:r>
           </a:p>
           <a:p>
             <a:pPr lvl="4"/>
             <a:r>
-              <a:rPr kumimoji="1" lang="ja-JP" altLang="en-US" smtClean="0"/>
+              <a:rPr kumimoji="1" lang="ja-JP" altLang="en-US"/>
               <a:t>第 </a:t>
             </a:r>
             <a:r>
-              <a:rPr kumimoji="1" lang="en-US" altLang="ja-JP" smtClean="0"/>
+              <a:rPr kumimoji="1" lang="en-US" altLang="ja-JP"/>
               <a:t>5 </a:t>
             </a:r>
             <a:r>
-              <a:rPr kumimoji="1" lang="ja-JP" altLang="en-US" smtClean="0"/>
+              <a:rPr kumimoji="1" lang="ja-JP" altLang="en-US"/>
               <a:t>レベル</a:t>
             </a:r>
-            <a:endParaRPr kumimoji="1" lang="ja-JP" altLang="en-US"/>
           </a:p>
         </p:txBody>
       </p:sp>
@@ -681,7 +675,7 @@
           <a:p>
             <a:fld id="{9C27765A-BBDC-4B93-B191-B0458F0CABEC}" type="datetimeFigureOut">
               <a:rPr kumimoji="1" lang="ja-JP" altLang="en-US" smtClean="0"/>
-              <a:t>2019/10/18</a:t>
+              <a:t>2019/11/9</a:t>
             </a:fld>
             <a:endParaRPr kumimoji="1" lang="ja-JP" altLang="en-US"/>
           </a:p>
@@ -775,10 +769,9 @@
           <a:lstStyle/>
           <a:p>
             <a:r>
-              <a:rPr kumimoji="1" lang="ja-JP" altLang="en-US" smtClean="0"/>
+              <a:rPr kumimoji="1" lang="ja-JP" altLang="en-US"/>
               <a:t>マスター タイトルの書式設定</a:t>
             </a:r>
-            <a:endParaRPr kumimoji="1" lang="ja-JP" altLang="en-US"/>
           </a:p>
         </p:txBody>
       </p:sp>
@@ -799,70 +792,69 @@
           <a:p>
             <a:pPr lvl="0"/>
             <a:r>
-              <a:rPr kumimoji="1" lang="ja-JP" altLang="en-US" smtClean="0"/>
+              <a:rPr kumimoji="1" lang="ja-JP" altLang="en-US"/>
               <a:t>マスター テキストの書式設定</a:t>
             </a:r>
           </a:p>
           <a:p>
             <a:pPr lvl="1"/>
             <a:r>
-              <a:rPr kumimoji="1" lang="ja-JP" altLang="en-US" smtClean="0"/>
+              <a:rPr kumimoji="1" lang="ja-JP" altLang="en-US"/>
               <a:t>第 </a:t>
             </a:r>
             <a:r>
-              <a:rPr kumimoji="1" lang="en-US" altLang="ja-JP" smtClean="0"/>
+              <a:rPr kumimoji="1" lang="en-US" altLang="ja-JP"/>
               <a:t>2 </a:t>
             </a:r>
             <a:r>
-              <a:rPr kumimoji="1" lang="ja-JP" altLang="en-US" smtClean="0"/>
+              <a:rPr kumimoji="1" lang="ja-JP" altLang="en-US"/>
               <a:t>レベル</a:t>
             </a:r>
           </a:p>
           <a:p>
             <a:pPr lvl="2"/>
             <a:r>
-              <a:rPr kumimoji="1" lang="ja-JP" altLang="en-US" smtClean="0"/>
+              <a:rPr kumimoji="1" lang="ja-JP" altLang="en-US"/>
               <a:t>第 </a:t>
             </a:r>
             <a:r>
-              <a:rPr kumimoji="1" lang="en-US" altLang="ja-JP" smtClean="0"/>
+              <a:rPr kumimoji="1" lang="en-US" altLang="ja-JP"/>
               <a:t>3 </a:t>
             </a:r>
             <a:r>
-              <a:rPr kumimoji="1" lang="ja-JP" altLang="en-US" smtClean="0"/>
+              <a:rPr kumimoji="1" lang="ja-JP" altLang="en-US"/>
               <a:t>レベル</a:t>
             </a:r>
           </a:p>
           <a:p>
             <a:pPr lvl="3"/>
             <a:r>
-              <a:rPr kumimoji="1" lang="ja-JP" altLang="en-US" smtClean="0"/>
+              <a:rPr kumimoji="1" lang="ja-JP" altLang="en-US"/>
               <a:t>第 </a:t>
             </a:r>
             <a:r>
-              <a:rPr kumimoji="1" lang="en-US" altLang="ja-JP" smtClean="0"/>
+              <a:rPr kumimoji="1" lang="en-US" altLang="ja-JP"/>
               <a:t>4 </a:t>
             </a:r>
             <a:r>
-              <a:rPr kumimoji="1" lang="ja-JP" altLang="en-US" smtClean="0"/>
+              <a:rPr kumimoji="1" lang="ja-JP" altLang="en-US"/>
               <a:t>レベル</a:t>
             </a:r>
           </a:p>
           <a:p>
             <a:pPr lvl="4"/>
             <a:r>
-              <a:rPr kumimoji="1" lang="ja-JP" altLang="en-US" smtClean="0"/>
+              <a:rPr kumimoji="1" lang="ja-JP" altLang="en-US"/>
               <a:t>第 </a:t>
             </a:r>
             <a:r>
-              <a:rPr kumimoji="1" lang="en-US" altLang="ja-JP" smtClean="0"/>
+              <a:rPr kumimoji="1" lang="en-US" altLang="ja-JP"/>
               <a:t>5 </a:t>
             </a:r>
             <a:r>
-              <a:rPr kumimoji="1" lang="ja-JP" altLang="en-US" smtClean="0"/>
+              <a:rPr kumimoji="1" lang="ja-JP" altLang="en-US"/>
               <a:t>レベル</a:t>
             </a:r>
-            <a:endParaRPr kumimoji="1" lang="ja-JP" altLang="en-US"/>
           </a:p>
         </p:txBody>
       </p:sp>
@@ -883,7 +875,7 @@
           <a:p>
             <a:fld id="{9C27765A-BBDC-4B93-B191-B0458F0CABEC}" type="datetimeFigureOut">
               <a:rPr kumimoji="1" lang="ja-JP" altLang="en-US" smtClean="0"/>
-              <a:t>2019/10/18</a:t>
+              <a:t>2019/11/9</a:t>
             </a:fld>
             <a:endParaRPr kumimoji="1" lang="ja-JP" altLang="en-US"/>
           </a:p>
@@ -986,10 +978,9 @@
           </a:lstStyle>
           <a:p>
             <a:r>
-              <a:rPr kumimoji="1" lang="ja-JP" altLang="en-US" smtClean="0"/>
+              <a:rPr kumimoji="1" lang="ja-JP" altLang="en-US"/>
               <a:t>マスター タイトルの書式設定</a:t>
             </a:r>
-            <a:endParaRPr kumimoji="1" lang="ja-JP" altLang="en-US"/>
           </a:p>
         </p:txBody>
       </p:sp>
@@ -1106,7 +1097,7 @@
           <a:p>
             <a:pPr lvl="0"/>
             <a:r>
-              <a:rPr kumimoji="1" lang="ja-JP" altLang="en-US" smtClean="0"/>
+              <a:rPr kumimoji="1" lang="ja-JP" altLang="en-US"/>
               <a:t>マスター テキストの書式設定</a:t>
             </a:r>
           </a:p>
@@ -1129,7 +1120,7 @@
           <a:p>
             <a:fld id="{9C27765A-BBDC-4B93-B191-B0458F0CABEC}" type="datetimeFigureOut">
               <a:rPr kumimoji="1" lang="ja-JP" altLang="en-US" smtClean="0"/>
-              <a:t>2019/10/18</a:t>
+              <a:t>2019/11/9</a:t>
             </a:fld>
             <a:endParaRPr kumimoji="1" lang="ja-JP" altLang="en-US"/>
           </a:p>
@@ -1223,10 +1214,9 @@
           <a:lstStyle/>
           <a:p>
             <a:r>
-              <a:rPr kumimoji="1" lang="ja-JP" altLang="en-US" smtClean="0"/>
+              <a:rPr kumimoji="1" lang="ja-JP" altLang="en-US"/>
               <a:t>マスター タイトルの書式設定</a:t>
             </a:r>
-            <a:endParaRPr kumimoji="1" lang="ja-JP" altLang="en-US"/>
           </a:p>
         </p:txBody>
       </p:sp>
@@ -1252,70 +1242,69 @@
           <a:p>
             <a:pPr lvl="0"/>
             <a:r>
-              <a:rPr kumimoji="1" lang="ja-JP" altLang="en-US" smtClean="0"/>
+              <a:rPr kumimoji="1" lang="ja-JP" altLang="en-US"/>
               <a:t>マスター テキストの書式設定</a:t>
             </a:r>
           </a:p>
           <a:p>
             <a:pPr lvl="1"/>
             <a:r>
-              <a:rPr kumimoji="1" lang="ja-JP" altLang="en-US" smtClean="0"/>
+              <a:rPr kumimoji="1" lang="ja-JP" altLang="en-US"/>
               <a:t>第 </a:t>
             </a:r>
             <a:r>
-              <a:rPr kumimoji="1" lang="en-US" altLang="ja-JP" smtClean="0"/>
+              <a:rPr kumimoji="1" lang="en-US" altLang="ja-JP"/>
               <a:t>2 </a:t>
             </a:r>
             <a:r>
-              <a:rPr kumimoji="1" lang="ja-JP" altLang="en-US" smtClean="0"/>
+              <a:rPr kumimoji="1" lang="ja-JP" altLang="en-US"/>
               <a:t>レベル</a:t>
             </a:r>
           </a:p>
           <a:p>
             <a:pPr lvl="2"/>
             <a:r>
-              <a:rPr kumimoji="1" lang="ja-JP" altLang="en-US" smtClean="0"/>
+              <a:rPr kumimoji="1" lang="ja-JP" altLang="en-US"/>
               <a:t>第 </a:t>
             </a:r>
             <a:r>
-              <a:rPr kumimoji="1" lang="en-US" altLang="ja-JP" smtClean="0"/>
+              <a:rPr kumimoji="1" lang="en-US" altLang="ja-JP"/>
               <a:t>3 </a:t>
             </a:r>
             <a:r>
-              <a:rPr kumimoji="1" lang="ja-JP" altLang="en-US" smtClean="0"/>
+              <a:rPr kumimoji="1" lang="ja-JP" altLang="en-US"/>
               <a:t>レベル</a:t>
             </a:r>
           </a:p>
           <a:p>
             <a:pPr lvl="3"/>
             <a:r>
-              <a:rPr kumimoji="1" lang="ja-JP" altLang="en-US" smtClean="0"/>
+              <a:rPr kumimoji="1" lang="ja-JP" altLang="en-US"/>
               <a:t>第 </a:t>
             </a:r>
             <a:r>
-              <a:rPr kumimoji="1" lang="en-US" altLang="ja-JP" smtClean="0"/>
+              <a:rPr kumimoji="1" lang="en-US" altLang="ja-JP"/>
               <a:t>4 </a:t>
             </a:r>
             <a:r>
-              <a:rPr kumimoji="1" lang="ja-JP" altLang="en-US" smtClean="0"/>
+              <a:rPr kumimoji="1" lang="ja-JP" altLang="en-US"/>
               <a:t>レベル</a:t>
             </a:r>
           </a:p>
           <a:p>
             <a:pPr lvl="4"/>
             <a:r>
-              <a:rPr kumimoji="1" lang="ja-JP" altLang="en-US" smtClean="0"/>
+              <a:rPr kumimoji="1" lang="ja-JP" altLang="en-US"/>
               <a:t>第 </a:t>
             </a:r>
             <a:r>
-              <a:rPr kumimoji="1" lang="en-US" altLang="ja-JP" smtClean="0"/>
+              <a:rPr kumimoji="1" lang="en-US" altLang="ja-JP"/>
               <a:t>5 </a:t>
             </a:r>
             <a:r>
-              <a:rPr kumimoji="1" lang="ja-JP" altLang="en-US" smtClean="0"/>
+              <a:rPr kumimoji="1" lang="ja-JP" altLang="en-US"/>
               <a:t>レベル</a:t>
             </a:r>
-            <a:endParaRPr kumimoji="1" lang="ja-JP" altLang="en-US"/>
           </a:p>
         </p:txBody>
       </p:sp>
@@ -1341,70 +1330,69 @@
           <a:p>
             <a:pPr lvl="0"/>
             <a:r>
-              <a:rPr kumimoji="1" lang="ja-JP" altLang="en-US" smtClean="0"/>
+              <a:rPr kumimoji="1" lang="ja-JP" altLang="en-US"/>
               <a:t>マスター テキストの書式設定</a:t>
             </a:r>
           </a:p>
           <a:p>
             <a:pPr lvl="1"/>
             <a:r>
-              <a:rPr kumimoji="1" lang="ja-JP" altLang="en-US" smtClean="0"/>
+              <a:rPr kumimoji="1" lang="ja-JP" altLang="en-US"/>
               <a:t>第 </a:t>
             </a:r>
             <a:r>
-              <a:rPr kumimoji="1" lang="en-US" altLang="ja-JP" smtClean="0"/>
+              <a:rPr kumimoji="1" lang="en-US" altLang="ja-JP"/>
               <a:t>2 </a:t>
             </a:r>
             <a:r>
-              <a:rPr kumimoji="1" lang="ja-JP" altLang="en-US" smtClean="0"/>
+              <a:rPr kumimoji="1" lang="ja-JP" altLang="en-US"/>
               <a:t>レベル</a:t>
             </a:r>
           </a:p>
           <a:p>
             <a:pPr lvl="2"/>
             <a:r>
-              <a:rPr kumimoji="1" lang="ja-JP" altLang="en-US" smtClean="0"/>
+              <a:rPr kumimoji="1" lang="ja-JP" altLang="en-US"/>
               <a:t>第 </a:t>
             </a:r>
             <a:r>
-              <a:rPr kumimoji="1" lang="en-US" altLang="ja-JP" smtClean="0"/>
+              <a:rPr kumimoji="1" lang="en-US" altLang="ja-JP"/>
               <a:t>3 </a:t>
             </a:r>
             <a:r>
-              <a:rPr kumimoji="1" lang="ja-JP" altLang="en-US" smtClean="0"/>
+              <a:rPr kumimoji="1" lang="ja-JP" altLang="en-US"/>
               <a:t>レベル</a:t>
             </a:r>
           </a:p>
           <a:p>
             <a:pPr lvl="3"/>
             <a:r>
-              <a:rPr kumimoji="1" lang="ja-JP" altLang="en-US" smtClean="0"/>
+              <a:rPr kumimoji="1" lang="ja-JP" altLang="en-US"/>
               <a:t>第 </a:t>
             </a:r>
             <a:r>
-              <a:rPr kumimoji="1" lang="en-US" altLang="ja-JP" smtClean="0"/>
+              <a:rPr kumimoji="1" lang="en-US" altLang="ja-JP"/>
               <a:t>4 </a:t>
             </a:r>
             <a:r>
-              <a:rPr kumimoji="1" lang="ja-JP" altLang="en-US" smtClean="0"/>
+              <a:rPr kumimoji="1" lang="ja-JP" altLang="en-US"/>
               <a:t>レベル</a:t>
             </a:r>
           </a:p>
           <a:p>
             <a:pPr lvl="4"/>
             <a:r>
-              <a:rPr kumimoji="1" lang="ja-JP" altLang="en-US" smtClean="0"/>
+              <a:rPr kumimoji="1" lang="ja-JP" altLang="en-US"/>
               <a:t>第 </a:t>
             </a:r>
             <a:r>
-              <a:rPr kumimoji="1" lang="en-US" altLang="ja-JP" smtClean="0"/>
+              <a:rPr kumimoji="1" lang="en-US" altLang="ja-JP"/>
               <a:t>5 </a:t>
             </a:r>
             <a:r>
-              <a:rPr kumimoji="1" lang="ja-JP" altLang="en-US" smtClean="0"/>
+              <a:rPr kumimoji="1" lang="ja-JP" altLang="en-US"/>
               <a:t>レベル</a:t>
             </a:r>
-            <a:endParaRPr kumimoji="1" lang="ja-JP" altLang="en-US"/>
           </a:p>
         </p:txBody>
       </p:sp>
@@ -1425,7 +1413,7 @@
           <a:p>
             <a:fld id="{9C27765A-BBDC-4B93-B191-B0458F0CABEC}" type="datetimeFigureOut">
               <a:rPr kumimoji="1" lang="ja-JP" altLang="en-US" smtClean="0"/>
-              <a:t>2019/10/18</a:t>
+              <a:t>2019/11/9</a:t>
             </a:fld>
             <a:endParaRPr kumimoji="1" lang="ja-JP" altLang="en-US"/>
           </a:p>
@@ -1524,10 +1512,9 @@
           <a:lstStyle/>
           <a:p>
             <a:r>
-              <a:rPr kumimoji="1" lang="ja-JP" altLang="en-US" smtClean="0"/>
+              <a:rPr kumimoji="1" lang="ja-JP" altLang="en-US"/>
               <a:t>マスター タイトルの書式設定</a:t>
             </a:r>
-            <a:endParaRPr kumimoji="1" lang="ja-JP" altLang="en-US"/>
           </a:p>
         </p:txBody>
       </p:sp>
@@ -1590,7 +1577,7 @@
           <a:p>
             <a:pPr lvl="0"/>
             <a:r>
-              <a:rPr kumimoji="1" lang="ja-JP" altLang="en-US" smtClean="0"/>
+              <a:rPr kumimoji="1" lang="ja-JP" altLang="en-US"/>
               <a:t>マスター テキストの書式設定</a:t>
             </a:r>
           </a:p>
@@ -1618,70 +1605,69 @@
           <a:p>
             <a:pPr lvl="0"/>
             <a:r>
-              <a:rPr kumimoji="1" lang="ja-JP" altLang="en-US" smtClean="0"/>
+              <a:rPr kumimoji="1" lang="ja-JP" altLang="en-US"/>
               <a:t>マスター テキストの書式設定</a:t>
             </a:r>
           </a:p>
           <a:p>
             <a:pPr lvl="1"/>
             <a:r>
-              <a:rPr kumimoji="1" lang="ja-JP" altLang="en-US" smtClean="0"/>
+              <a:rPr kumimoji="1" lang="ja-JP" altLang="en-US"/>
               <a:t>第 </a:t>
             </a:r>
             <a:r>
-              <a:rPr kumimoji="1" lang="en-US" altLang="ja-JP" smtClean="0"/>
+              <a:rPr kumimoji="1" lang="en-US" altLang="ja-JP"/>
               <a:t>2 </a:t>
             </a:r>
             <a:r>
-              <a:rPr kumimoji="1" lang="ja-JP" altLang="en-US" smtClean="0"/>
+              <a:rPr kumimoji="1" lang="ja-JP" altLang="en-US"/>
               <a:t>レベル</a:t>
             </a:r>
           </a:p>
           <a:p>
             <a:pPr lvl="2"/>
             <a:r>
-              <a:rPr kumimoji="1" lang="ja-JP" altLang="en-US" smtClean="0"/>
+              <a:rPr kumimoji="1" lang="ja-JP" altLang="en-US"/>
               <a:t>第 </a:t>
             </a:r>
             <a:r>
-              <a:rPr kumimoji="1" lang="en-US" altLang="ja-JP" smtClean="0"/>
+              <a:rPr kumimoji="1" lang="en-US" altLang="ja-JP"/>
               <a:t>3 </a:t>
             </a:r>
             <a:r>
-              <a:rPr kumimoji="1" lang="ja-JP" altLang="en-US" smtClean="0"/>
+              <a:rPr kumimoji="1" lang="ja-JP" altLang="en-US"/>
               <a:t>レベル</a:t>
             </a:r>
           </a:p>
           <a:p>
             <a:pPr lvl="3"/>
             <a:r>
-              <a:rPr kumimoji="1" lang="ja-JP" altLang="en-US" smtClean="0"/>
+              <a:rPr kumimoji="1" lang="ja-JP" altLang="en-US"/>
               <a:t>第 </a:t>
             </a:r>
             <a:r>
-              <a:rPr kumimoji="1" lang="en-US" altLang="ja-JP" smtClean="0"/>
+              <a:rPr kumimoji="1" lang="en-US" altLang="ja-JP"/>
               <a:t>4 </a:t>
             </a:r>
             <a:r>
-              <a:rPr kumimoji="1" lang="ja-JP" altLang="en-US" smtClean="0"/>
+              <a:rPr kumimoji="1" lang="ja-JP" altLang="en-US"/>
               <a:t>レベル</a:t>
             </a:r>
           </a:p>
           <a:p>
             <a:pPr lvl="4"/>
             <a:r>
-              <a:rPr kumimoji="1" lang="ja-JP" altLang="en-US" smtClean="0"/>
+              <a:rPr kumimoji="1" lang="ja-JP" altLang="en-US"/>
               <a:t>第 </a:t>
             </a:r>
             <a:r>
-              <a:rPr kumimoji="1" lang="en-US" altLang="ja-JP" smtClean="0"/>
+              <a:rPr kumimoji="1" lang="en-US" altLang="ja-JP"/>
               <a:t>5 </a:t>
             </a:r>
             <a:r>
-              <a:rPr kumimoji="1" lang="ja-JP" altLang="en-US" smtClean="0"/>
+              <a:rPr kumimoji="1" lang="ja-JP" altLang="en-US"/>
               <a:t>レベル</a:t>
             </a:r>
-            <a:endParaRPr kumimoji="1" lang="ja-JP" altLang="en-US"/>
           </a:p>
         </p:txBody>
       </p:sp>
@@ -1744,7 +1730,7 @@
           <a:p>
             <a:pPr lvl="0"/>
             <a:r>
-              <a:rPr kumimoji="1" lang="ja-JP" altLang="en-US" smtClean="0"/>
+              <a:rPr kumimoji="1" lang="ja-JP" altLang="en-US"/>
               <a:t>マスター テキストの書式設定</a:t>
             </a:r>
           </a:p>
@@ -1772,70 +1758,69 @@
           <a:p>
             <a:pPr lvl="0"/>
             <a:r>
-              <a:rPr kumimoji="1" lang="ja-JP" altLang="en-US" smtClean="0"/>
+              <a:rPr kumimoji="1" lang="ja-JP" altLang="en-US"/>
               <a:t>マスター テキストの書式設定</a:t>
             </a:r>
           </a:p>
           <a:p>
             <a:pPr lvl="1"/>
             <a:r>
-              <a:rPr kumimoji="1" lang="ja-JP" altLang="en-US" smtClean="0"/>
+              <a:rPr kumimoji="1" lang="ja-JP" altLang="en-US"/>
               <a:t>第 </a:t>
             </a:r>
             <a:r>
-              <a:rPr kumimoji="1" lang="en-US" altLang="ja-JP" smtClean="0"/>
+              <a:rPr kumimoji="1" lang="en-US" altLang="ja-JP"/>
               <a:t>2 </a:t>
             </a:r>
             <a:r>
-              <a:rPr kumimoji="1" lang="ja-JP" altLang="en-US" smtClean="0"/>
+              <a:rPr kumimoji="1" lang="ja-JP" altLang="en-US"/>
               <a:t>レベル</a:t>
             </a:r>
           </a:p>
           <a:p>
             <a:pPr lvl="2"/>
             <a:r>
-              <a:rPr kumimoji="1" lang="ja-JP" altLang="en-US" smtClean="0"/>
+              <a:rPr kumimoji="1" lang="ja-JP" altLang="en-US"/>
               <a:t>第 </a:t>
             </a:r>
             <a:r>
-              <a:rPr kumimoji="1" lang="en-US" altLang="ja-JP" smtClean="0"/>
+              <a:rPr kumimoji="1" lang="en-US" altLang="ja-JP"/>
               <a:t>3 </a:t>
             </a:r>
             <a:r>
-              <a:rPr kumimoji="1" lang="ja-JP" altLang="en-US" smtClean="0"/>
+              <a:rPr kumimoji="1" lang="ja-JP" altLang="en-US"/>
               <a:t>レベル</a:t>
             </a:r>
           </a:p>
           <a:p>
             <a:pPr lvl="3"/>
             <a:r>
-              <a:rPr kumimoji="1" lang="ja-JP" altLang="en-US" smtClean="0"/>
+              <a:rPr kumimoji="1" lang="ja-JP" altLang="en-US"/>
               <a:t>第 </a:t>
             </a:r>
             <a:r>
-              <a:rPr kumimoji="1" lang="en-US" altLang="ja-JP" smtClean="0"/>
+              <a:rPr kumimoji="1" lang="en-US" altLang="ja-JP"/>
               <a:t>4 </a:t>
             </a:r>
             <a:r>
-              <a:rPr kumimoji="1" lang="ja-JP" altLang="en-US" smtClean="0"/>
+              <a:rPr kumimoji="1" lang="ja-JP" altLang="en-US"/>
               <a:t>レベル</a:t>
             </a:r>
           </a:p>
           <a:p>
             <a:pPr lvl="4"/>
             <a:r>
-              <a:rPr kumimoji="1" lang="ja-JP" altLang="en-US" smtClean="0"/>
+              <a:rPr kumimoji="1" lang="ja-JP" altLang="en-US"/>
               <a:t>第 </a:t>
             </a:r>
             <a:r>
-              <a:rPr kumimoji="1" lang="en-US" altLang="ja-JP" smtClean="0"/>
+              <a:rPr kumimoji="1" lang="en-US" altLang="ja-JP"/>
               <a:t>5 </a:t>
             </a:r>
             <a:r>
-              <a:rPr kumimoji="1" lang="ja-JP" altLang="en-US" smtClean="0"/>
+              <a:rPr kumimoji="1" lang="ja-JP" altLang="en-US"/>
               <a:t>レベル</a:t>
             </a:r>
-            <a:endParaRPr kumimoji="1" lang="ja-JP" altLang="en-US"/>
           </a:p>
         </p:txBody>
       </p:sp>
@@ -1856,7 +1841,7 @@
           <a:p>
             <a:fld id="{9C27765A-BBDC-4B93-B191-B0458F0CABEC}" type="datetimeFigureOut">
               <a:rPr kumimoji="1" lang="ja-JP" altLang="en-US" smtClean="0"/>
-              <a:t>2019/10/18</a:t>
+              <a:t>2019/11/9</a:t>
             </a:fld>
             <a:endParaRPr kumimoji="1" lang="ja-JP" altLang="en-US"/>
           </a:p>
@@ -1950,10 +1935,9 @@
           <a:lstStyle/>
           <a:p>
             <a:r>
-              <a:rPr kumimoji="1" lang="ja-JP" altLang="en-US" smtClean="0"/>
+              <a:rPr kumimoji="1" lang="ja-JP" altLang="en-US"/>
               <a:t>マスター タイトルの書式設定</a:t>
             </a:r>
-            <a:endParaRPr kumimoji="1" lang="ja-JP" altLang="en-US"/>
           </a:p>
         </p:txBody>
       </p:sp>
@@ -1974,7 +1958,7 @@
           <a:p>
             <a:fld id="{9C27765A-BBDC-4B93-B191-B0458F0CABEC}" type="datetimeFigureOut">
               <a:rPr kumimoji="1" lang="ja-JP" altLang="en-US" smtClean="0"/>
-              <a:t>2019/10/18</a:t>
+              <a:t>2019/11/9</a:t>
             </a:fld>
             <a:endParaRPr kumimoji="1" lang="ja-JP" altLang="en-US"/>
           </a:p>
@@ -2069,7 +2053,7 @@
           <a:p>
             <a:fld id="{9C27765A-BBDC-4B93-B191-B0458F0CABEC}" type="datetimeFigureOut">
               <a:rPr kumimoji="1" lang="ja-JP" altLang="en-US" smtClean="0"/>
-              <a:t>2019/10/18</a:t>
+              <a:t>2019/11/9</a:t>
             </a:fld>
             <a:endParaRPr kumimoji="1" lang="ja-JP" altLang="en-US"/>
           </a:p>
@@ -2172,10 +2156,9 @@
           </a:lstStyle>
           <a:p>
             <a:r>
-              <a:rPr kumimoji="1" lang="ja-JP" altLang="en-US" smtClean="0"/>
+              <a:rPr kumimoji="1" lang="ja-JP" altLang="en-US"/>
               <a:t>マスター タイトルの書式設定</a:t>
             </a:r>
-            <a:endParaRPr kumimoji="1" lang="ja-JP" altLang="en-US"/>
           </a:p>
         </p:txBody>
       </p:sp>
@@ -2229,70 +2212,69 @@
           <a:p>
             <a:pPr lvl="0"/>
             <a:r>
-              <a:rPr kumimoji="1" lang="ja-JP" altLang="en-US" smtClean="0"/>
+              <a:rPr kumimoji="1" lang="ja-JP" altLang="en-US"/>
               <a:t>マスター テキストの書式設定</a:t>
             </a:r>
           </a:p>
           <a:p>
             <a:pPr lvl="1"/>
             <a:r>
-              <a:rPr kumimoji="1" lang="ja-JP" altLang="en-US" smtClean="0"/>
+              <a:rPr kumimoji="1" lang="ja-JP" altLang="en-US"/>
               <a:t>第 </a:t>
             </a:r>
             <a:r>
-              <a:rPr kumimoji="1" lang="en-US" altLang="ja-JP" smtClean="0"/>
+              <a:rPr kumimoji="1" lang="en-US" altLang="ja-JP"/>
               <a:t>2 </a:t>
             </a:r>
             <a:r>
-              <a:rPr kumimoji="1" lang="ja-JP" altLang="en-US" smtClean="0"/>
+              <a:rPr kumimoji="1" lang="ja-JP" altLang="en-US"/>
               <a:t>レベル</a:t>
             </a:r>
           </a:p>
           <a:p>
             <a:pPr lvl="2"/>
             <a:r>
-              <a:rPr kumimoji="1" lang="ja-JP" altLang="en-US" smtClean="0"/>
+              <a:rPr kumimoji="1" lang="ja-JP" altLang="en-US"/>
               <a:t>第 </a:t>
             </a:r>
             <a:r>
-              <a:rPr kumimoji="1" lang="en-US" altLang="ja-JP" smtClean="0"/>
+              <a:rPr kumimoji="1" lang="en-US" altLang="ja-JP"/>
               <a:t>3 </a:t>
             </a:r>
             <a:r>
-              <a:rPr kumimoji="1" lang="ja-JP" altLang="en-US" smtClean="0"/>
+              <a:rPr kumimoji="1" lang="ja-JP" altLang="en-US"/>
               <a:t>レベル</a:t>
             </a:r>
           </a:p>
           <a:p>
             <a:pPr lvl="3"/>
             <a:r>
-              <a:rPr kumimoji="1" lang="ja-JP" altLang="en-US" smtClean="0"/>
+              <a:rPr kumimoji="1" lang="ja-JP" altLang="en-US"/>
               <a:t>第 </a:t>
             </a:r>
             <a:r>
-              <a:rPr kumimoji="1" lang="en-US" altLang="ja-JP" smtClean="0"/>
+              <a:rPr kumimoji="1" lang="en-US" altLang="ja-JP"/>
               <a:t>4 </a:t>
             </a:r>
             <a:r>
-              <a:rPr kumimoji="1" lang="ja-JP" altLang="en-US" smtClean="0"/>
+              <a:rPr kumimoji="1" lang="ja-JP" altLang="en-US"/>
               <a:t>レベル</a:t>
             </a:r>
           </a:p>
           <a:p>
             <a:pPr lvl="4"/>
             <a:r>
-              <a:rPr kumimoji="1" lang="ja-JP" altLang="en-US" smtClean="0"/>
+              <a:rPr kumimoji="1" lang="ja-JP" altLang="en-US"/>
               <a:t>第 </a:t>
             </a:r>
             <a:r>
-              <a:rPr kumimoji="1" lang="en-US" altLang="ja-JP" smtClean="0"/>
+              <a:rPr kumimoji="1" lang="en-US" altLang="ja-JP"/>
               <a:t>5 </a:t>
             </a:r>
             <a:r>
-              <a:rPr kumimoji="1" lang="ja-JP" altLang="en-US" smtClean="0"/>
+              <a:rPr kumimoji="1" lang="ja-JP" altLang="en-US"/>
               <a:t>レベル</a:t>
             </a:r>
-            <a:endParaRPr kumimoji="1" lang="ja-JP" altLang="en-US"/>
           </a:p>
         </p:txBody>
       </p:sp>
@@ -2355,7 +2337,7 @@
           <a:p>
             <a:pPr lvl="0"/>
             <a:r>
-              <a:rPr kumimoji="1" lang="ja-JP" altLang="en-US" smtClean="0"/>
+              <a:rPr kumimoji="1" lang="ja-JP" altLang="en-US"/>
               <a:t>マスター テキストの書式設定</a:t>
             </a:r>
           </a:p>
@@ -2378,7 +2360,7 @@
           <a:p>
             <a:fld id="{9C27765A-BBDC-4B93-B191-B0458F0CABEC}" type="datetimeFigureOut">
               <a:rPr kumimoji="1" lang="ja-JP" altLang="en-US" smtClean="0"/>
-              <a:t>2019/10/18</a:t>
+              <a:t>2019/11/9</a:t>
             </a:fld>
             <a:endParaRPr kumimoji="1" lang="ja-JP" altLang="en-US"/>
           </a:p>
@@ -2481,10 +2463,9 @@
           </a:lstStyle>
           <a:p>
             <a:r>
-              <a:rPr kumimoji="1" lang="ja-JP" altLang="en-US" smtClean="0"/>
+              <a:rPr kumimoji="1" lang="ja-JP" altLang="en-US"/>
               <a:t>マスター タイトルの書式設定</a:t>
             </a:r>
-            <a:endParaRPr kumimoji="1" lang="ja-JP" altLang="en-US"/>
           </a:p>
         </p:txBody>
       </p:sp>
@@ -2608,7 +2589,7 @@
           <a:p>
             <a:pPr lvl="0"/>
             <a:r>
-              <a:rPr kumimoji="1" lang="ja-JP" altLang="en-US" smtClean="0"/>
+              <a:rPr kumimoji="1" lang="ja-JP" altLang="en-US"/>
               <a:t>マスター テキストの書式設定</a:t>
             </a:r>
           </a:p>
@@ -2631,7 +2612,7 @@
           <a:p>
             <a:fld id="{9C27765A-BBDC-4B93-B191-B0458F0CABEC}" type="datetimeFigureOut">
               <a:rPr kumimoji="1" lang="ja-JP" altLang="en-US" smtClean="0"/>
-              <a:t>2019/10/18</a:t>
+              <a:t>2019/11/9</a:t>
             </a:fld>
             <a:endParaRPr kumimoji="1" lang="ja-JP" altLang="en-US"/>
           </a:p>
@@ -2750,10 +2731,9 @@
           <a:lstStyle/>
           <a:p>
             <a:r>
-              <a:rPr kumimoji="1" lang="ja-JP" altLang="en-US" smtClean="0"/>
+              <a:rPr kumimoji="1" lang="ja-JP" altLang="en-US"/>
               <a:t>マスター タイトルの書式設定</a:t>
             </a:r>
-            <a:endParaRPr kumimoji="1" lang="ja-JP" altLang="en-US"/>
           </a:p>
         </p:txBody>
       </p:sp>
@@ -2784,70 +2764,69 @@
           <a:p>
             <a:pPr lvl="0"/>
             <a:r>
-              <a:rPr kumimoji="1" lang="ja-JP" altLang="en-US" smtClean="0"/>
+              <a:rPr kumimoji="1" lang="ja-JP" altLang="en-US"/>
               <a:t>マスター テキストの書式設定</a:t>
             </a:r>
           </a:p>
           <a:p>
             <a:pPr lvl="1"/>
             <a:r>
-              <a:rPr kumimoji="1" lang="ja-JP" altLang="en-US" smtClean="0"/>
+              <a:rPr kumimoji="1" lang="ja-JP" altLang="en-US"/>
               <a:t>第 </a:t>
             </a:r>
             <a:r>
-              <a:rPr kumimoji="1" lang="en-US" altLang="ja-JP" smtClean="0"/>
+              <a:rPr kumimoji="1" lang="en-US" altLang="ja-JP"/>
               <a:t>2 </a:t>
             </a:r>
             <a:r>
-              <a:rPr kumimoji="1" lang="ja-JP" altLang="en-US" smtClean="0"/>
+              <a:rPr kumimoji="1" lang="ja-JP" altLang="en-US"/>
               <a:t>レベル</a:t>
             </a:r>
           </a:p>
           <a:p>
             <a:pPr lvl="2"/>
             <a:r>
-              <a:rPr kumimoji="1" lang="ja-JP" altLang="en-US" smtClean="0"/>
+              <a:rPr kumimoji="1" lang="ja-JP" altLang="en-US"/>
               <a:t>第 </a:t>
             </a:r>
             <a:r>
-              <a:rPr kumimoji="1" lang="en-US" altLang="ja-JP" smtClean="0"/>
+              <a:rPr kumimoji="1" lang="en-US" altLang="ja-JP"/>
               <a:t>3 </a:t>
             </a:r>
             <a:r>
-              <a:rPr kumimoji="1" lang="ja-JP" altLang="en-US" smtClean="0"/>
+              <a:rPr kumimoji="1" lang="ja-JP" altLang="en-US"/>
               <a:t>レベル</a:t>
             </a:r>
           </a:p>
           <a:p>
             <a:pPr lvl="3"/>
             <a:r>
-              <a:rPr kumimoji="1" lang="ja-JP" altLang="en-US" smtClean="0"/>
+              <a:rPr kumimoji="1" lang="ja-JP" altLang="en-US"/>
               <a:t>第 </a:t>
             </a:r>
             <a:r>
-              <a:rPr kumimoji="1" lang="en-US" altLang="ja-JP" smtClean="0"/>
+              <a:rPr kumimoji="1" lang="en-US" altLang="ja-JP"/>
               <a:t>4 </a:t>
             </a:r>
             <a:r>
-              <a:rPr kumimoji="1" lang="ja-JP" altLang="en-US" smtClean="0"/>
+              <a:rPr kumimoji="1" lang="ja-JP" altLang="en-US"/>
               <a:t>レベル</a:t>
             </a:r>
           </a:p>
           <a:p>
             <a:pPr lvl="4"/>
             <a:r>
-              <a:rPr kumimoji="1" lang="ja-JP" altLang="en-US" smtClean="0"/>
+              <a:rPr kumimoji="1" lang="ja-JP" altLang="en-US"/>
               <a:t>第 </a:t>
             </a:r>
             <a:r>
-              <a:rPr kumimoji="1" lang="en-US" altLang="ja-JP" smtClean="0"/>
+              <a:rPr kumimoji="1" lang="en-US" altLang="ja-JP"/>
               <a:t>5 </a:t>
             </a:r>
             <a:r>
-              <a:rPr kumimoji="1" lang="ja-JP" altLang="en-US" smtClean="0"/>
+              <a:rPr kumimoji="1" lang="ja-JP" altLang="en-US"/>
               <a:t>レベル</a:t>
             </a:r>
-            <a:endParaRPr kumimoji="1" lang="ja-JP" altLang="en-US"/>
           </a:p>
         </p:txBody>
       </p:sp>
@@ -2886,7 +2865,7 @@
           <a:p>
             <a:fld id="{9C27765A-BBDC-4B93-B191-B0458F0CABEC}" type="datetimeFigureOut">
               <a:rPr kumimoji="1" lang="ja-JP" altLang="en-US" smtClean="0"/>
-              <a:t>2019/10/18</a:t>
+              <a:t>2019/11/9</a:t>
             </a:fld>
             <a:endParaRPr kumimoji="1" lang="ja-JP" altLang="en-US"/>
           </a:p>
@@ -3326,7 +3305,7 @@
           <a:lstStyle/>
           <a:p>
             <a:r>
-              <a:rPr kumimoji="1" lang="ja-JP" altLang="en-US" dirty="0" smtClean="0">
+              <a:rPr kumimoji="1" lang="ja-JP" altLang="en-US" dirty="0">
                 <a:effectLst>
                   <a:outerShdw blurRad="38100" dist="38100" dir="2700000" algn="tl">
                     <a:srgbClr val="000000">
@@ -3339,17 +3318,6 @@
               </a:rPr>
               <a:t>販売在庫管理システム</a:t>
             </a:r>
-            <a:endParaRPr kumimoji="1" lang="ja-JP" altLang="en-US" dirty="0">
-              <a:effectLst>
-                <a:outerShdw blurRad="38100" dist="38100" dir="2700000" algn="tl">
-                  <a:srgbClr val="000000">
-                    <a:alpha val="43137"/>
-                  </a:srgbClr>
-                </a:outerShdw>
-              </a:effectLst>
-              <a:latin typeface="HG正楷書体-PRO" panose="03000600000000000000" pitchFamily="66" charset="-128"/>
-              <a:ea typeface="HG正楷書体-PRO" panose="03000600000000000000" pitchFamily="66" charset="-128"/>
-            </a:endParaRPr>
           </a:p>
         </p:txBody>
       </p:sp>
@@ -3376,7 +3344,7 @@
           <a:lstStyle/>
           <a:p>
             <a:r>
-              <a:rPr kumimoji="1" lang="ja-JP" altLang="en-US" sz="2600" dirty="0" smtClean="0">
+              <a:rPr kumimoji="1" lang="ja-JP" altLang="en-US" sz="2600" dirty="0">
                 <a:effectLst>
                   <a:outerShdw blurRad="38100" dist="38100" dir="2700000" algn="tl">
                     <a:srgbClr val="000000">
@@ -3390,7 +3358,7 @@
               <a:t>チーム名</a:t>
             </a:r>
             <a:r>
-              <a:rPr lang="en-US" altLang="ja-JP" sz="2600" dirty="0" smtClean="0">
+              <a:rPr lang="en-US" altLang="ja-JP" sz="2600" dirty="0">
                 <a:effectLst>
                   <a:outerShdw blurRad="38100" dist="38100" dir="2700000" algn="tl">
                     <a:srgbClr val="000000">
@@ -3404,7 +3372,7 @@
               <a:t>: </a:t>
             </a:r>
             <a:r>
-              <a:rPr kumimoji="1" lang="en-US" altLang="ja-JP" sz="2600" dirty="0" smtClean="0">
+              <a:rPr kumimoji="1" lang="en-US" altLang="ja-JP" sz="2600" dirty="0">
                 <a:effectLst>
                   <a:outerShdw blurRad="38100" dist="38100" dir="2700000" algn="tl">
                     <a:srgbClr val="000000">
@@ -3419,11 +3387,11 @@
             </a:r>
           </a:p>
           <a:p>
-            <a:endParaRPr lang="en-US" altLang="ja-JP" sz="2600" dirty="0" smtClean="0"/>
-          </a:p>
-          <a:p>
-            <a:r>
-              <a:rPr lang="en-US" altLang="ja-JP" sz="2600" dirty="0" smtClean="0">
+            <a:endParaRPr lang="en-US" altLang="ja-JP" sz="2600" dirty="0"/>
+          </a:p>
+          <a:p>
+            <a:r>
+              <a:rPr lang="en-US" altLang="ja-JP" sz="2600" dirty="0">
                 <a:effectLst>
                   <a:outerShdw blurRad="38100" dist="38100" dir="2700000" algn="tl">
                     <a:srgbClr val="000000">
@@ -3437,7 +3405,7 @@
               <a:t>Member: </a:t>
             </a:r>
             <a:r>
-              <a:rPr lang="ja-JP" altLang="en-US" sz="2600" dirty="0" smtClean="0">
+              <a:rPr lang="ja-JP" altLang="en-US" sz="2600" dirty="0">
                 <a:effectLst>
                   <a:outerShdw blurRad="38100" dist="38100" dir="2700000" algn="tl">
                     <a:srgbClr val="000000">
@@ -3451,7 +3419,7 @@
               <a:t>奥野時成</a:t>
             </a:r>
             <a:r>
-              <a:rPr lang="en-US" altLang="ja-JP" sz="2600" dirty="0" smtClean="0">
+              <a:rPr lang="en-US" altLang="ja-JP" sz="2600" dirty="0">
                 <a:effectLst>
                   <a:outerShdw blurRad="38100" dist="38100" dir="2700000" algn="tl">
                     <a:srgbClr val="000000">
@@ -3465,7 +3433,7 @@
               <a:t>, </a:t>
             </a:r>
             <a:r>
-              <a:rPr lang="ja-JP" altLang="en-US" sz="2600" dirty="0" smtClean="0">
+              <a:rPr lang="ja-JP" altLang="en-US" sz="2600" dirty="0">
                 <a:effectLst>
                   <a:outerShdw blurRad="38100" dist="38100" dir="2700000" algn="tl">
                     <a:srgbClr val="000000">
@@ -3479,7 +3447,7 @@
               <a:t>中山葉水</a:t>
             </a:r>
             <a:r>
-              <a:rPr lang="en-US" altLang="ja-JP" sz="2600" dirty="0" smtClean="0">
+              <a:rPr lang="en-US" altLang="ja-JP" sz="2600" dirty="0">
                 <a:effectLst>
                   <a:outerShdw blurRad="38100" dist="38100" dir="2700000" algn="tl">
                     <a:srgbClr val="000000">
@@ -3493,7 +3461,7 @@
               <a:t>, </a:t>
             </a:r>
             <a:r>
-              <a:rPr lang="ja-JP" altLang="en-US" sz="2600" dirty="0" smtClean="0">
+              <a:rPr lang="ja-JP" altLang="en-US" sz="2600" dirty="0">
                 <a:effectLst>
                   <a:outerShdw blurRad="38100" dist="38100" dir="2700000" algn="tl">
                     <a:srgbClr val="000000">
@@ -3507,7 +3475,7 @@
               <a:t>中尾圭佑</a:t>
             </a:r>
             <a:r>
-              <a:rPr lang="en-US" altLang="ja-JP" sz="2600" dirty="0" smtClean="0">
+              <a:rPr lang="en-US" altLang="ja-JP" sz="2600" dirty="0">
                 <a:effectLst>
                   <a:outerShdw blurRad="38100" dist="38100" dir="2700000" algn="tl">
                     <a:srgbClr val="000000">
@@ -3521,7 +3489,7 @@
               <a:t>, </a:t>
             </a:r>
             <a:r>
-              <a:rPr lang="ja-JP" altLang="en-US" sz="2600" dirty="0" smtClean="0">
+              <a:rPr lang="ja-JP" altLang="en-US" sz="2600" dirty="0">
                 <a:effectLst>
                   <a:outerShdw blurRad="38100" dist="38100" dir="2700000" algn="tl">
                     <a:srgbClr val="000000">
@@ -3535,7 +3503,7 @@
               <a:t>川戸康暉</a:t>
             </a:r>
             <a:r>
-              <a:rPr lang="en-US" altLang="ja-JP" sz="2600" dirty="0" smtClean="0">
+              <a:rPr lang="en-US" altLang="ja-JP" sz="2600" dirty="0">
                 <a:effectLst>
                   <a:outerShdw blurRad="38100" dist="38100" dir="2700000" algn="tl">
                     <a:srgbClr val="000000">
@@ -3549,7 +3517,7 @@
               <a:t>, </a:t>
             </a:r>
             <a:r>
-              <a:rPr lang="ja-JP" altLang="en-US" sz="2600" dirty="0" smtClean="0">
+              <a:rPr lang="ja-JP" altLang="en-US" sz="2600" dirty="0">
                 <a:effectLst>
                   <a:outerShdw blurRad="38100" dist="38100" dir="2700000" algn="tl">
                     <a:srgbClr val="000000">
@@ -3562,7 +3530,7 @@
               </a:rPr>
               <a:t>河田佑樹</a:t>
             </a:r>
-            <a:endParaRPr kumimoji="1" lang="en-US" altLang="ja-JP" sz="2600" dirty="0" smtClean="0">
+            <a:endParaRPr kumimoji="1" lang="en-US" altLang="ja-JP" sz="2600" dirty="0">
               <a:effectLst>
                 <a:outerShdw blurRad="38100" dist="38100" dir="2700000" algn="tl">
                   <a:srgbClr val="000000">
@@ -3586,13 +3554,6 @@
   <p:clrMapOvr>
     <a:masterClrMapping/>
   </p:clrMapOvr>
-  <p:timing>
-    <p:tnLst>
-      <p:par>
-        <p:cTn id="1" dur="indefinite" restart="never" nodeType="tmRoot"/>
-      </p:par>
-    </p:tnLst>
-  </p:timing>
 </p:sld>
 </file>
 
@@ -3636,18 +3597,11 @@
           <a:lstStyle/>
           <a:p>
             <a:r>
-              <a:rPr lang="ja-JP" altLang="en-US" b="1" dirty="0" smtClean="0">
-                <a:latin typeface="HGSｺﾞｼｯｸM" panose="020B0600000000000000" pitchFamily="50" charset="-128"/>
-                <a:ea typeface="HGSｺﾞｼｯｸM" panose="020B0600000000000000" pitchFamily="50" charset="-128"/>
-              </a:rPr>
-              <a:t>システム</a:t>
-            </a:r>
-            <a:r>
               <a:rPr lang="ja-JP" altLang="en-US" b="1" dirty="0">
                 <a:latin typeface="HGSｺﾞｼｯｸM" panose="020B0600000000000000" pitchFamily="50" charset="-128"/>
                 <a:ea typeface="HGSｺﾞｼｯｸM" panose="020B0600000000000000" pitchFamily="50" charset="-128"/>
               </a:rPr>
-              <a:t>構造図</a:t>
+              <a:t>システム構造図</a:t>
             </a:r>
             <a:endParaRPr kumimoji="1" lang="ja-JP" altLang="en-US" b="1" dirty="0">
               <a:latin typeface="HGSｺﾞｼｯｸM" panose="020B0600000000000000" pitchFamily="50" charset="-128"/>
@@ -3707,13 +3661,6 @@
   <p:clrMapOvr>
     <a:masterClrMapping/>
   </p:clrMapOvr>
-  <p:timing>
-    <p:tnLst>
-      <p:par>
-        <p:cTn id="1" dur="indefinite" restart="never" nodeType="tmRoot"/>
-      </p:par>
-    </p:tnLst>
-  </p:timing>
 </p:sld>
 </file>
 
@@ -3757,14 +3704,14 @@
           <a:lstStyle/>
           <a:p>
             <a:r>
-              <a:rPr kumimoji="1" lang="ja-JP" altLang="en-US" b="1" dirty="0" smtClean="0">
+              <a:rPr kumimoji="1" lang="ja-JP" altLang="en-US" b="1" dirty="0">
                 <a:latin typeface="HGSｺﾞｼｯｸM" panose="020B0600000000000000" pitchFamily="50" charset="-128"/>
                 <a:ea typeface="HGSｺﾞｼｯｸM" panose="020B0600000000000000" pitchFamily="50" charset="-128"/>
               </a:rPr>
               <a:t>全体</a:t>
             </a:r>
             <a:r>
-              <a:rPr kumimoji="1" lang="en-US" altLang="ja-JP" b="1" dirty="0" smtClean="0">
+              <a:rPr kumimoji="1" lang="en-US" altLang="ja-JP" b="1" dirty="0">
                 <a:latin typeface="HGSｺﾞｼｯｸM" panose="020B0600000000000000" pitchFamily="50" charset="-128"/>
                 <a:ea typeface="HGSｺﾞｼｯｸM" panose="020B0600000000000000" pitchFamily="50" charset="-128"/>
               </a:rPr>
@@ -3828,13 +3775,6 @@
   <p:clrMapOvr>
     <a:masterClrMapping/>
   </p:clrMapOvr>
-  <p:timing>
-    <p:tnLst>
-      <p:par>
-        <p:cTn id="1" dur="indefinite" restart="never" nodeType="tmRoot"/>
-      </p:par>
-    </p:tnLst>
-  </p:timing>
 </p:sld>
 </file>
 
@@ -3876,16 +3816,12 @@
           <a:lstStyle/>
           <a:p>
             <a:r>
-              <a:rPr kumimoji="1" lang="ja-JP" altLang="en-US" b="1" dirty="0" smtClean="0">
+              <a:rPr kumimoji="1" lang="ja-JP" altLang="en-US" b="1" dirty="0">
                 <a:latin typeface="HGSｺﾞｼｯｸM" panose="020B0600000000000000" pitchFamily="50" charset="-128"/>
                 <a:ea typeface="HGSｺﾞｼｯｸM" panose="020B0600000000000000" pitchFamily="50" charset="-128"/>
               </a:rPr>
               <a:t>開発環境と実行環境</a:t>
             </a:r>
-            <a:endParaRPr kumimoji="1" lang="ja-JP" altLang="en-US" b="1" dirty="0">
-              <a:latin typeface="HGSｺﾞｼｯｸM" panose="020B0600000000000000" pitchFamily="50" charset="-128"/>
-              <a:ea typeface="HGSｺﾞｼｯｸM" panose="020B0600000000000000" pitchFamily="50" charset="-128"/>
-            </a:endParaRPr>
           </a:p>
         </p:txBody>
       </p:sp>
@@ -3908,7 +3844,7 @@
               <a:buNone/>
             </a:pPr>
             <a:r>
-              <a:rPr lang="ja-JP" altLang="en-US" dirty="0" smtClean="0">
+              <a:rPr lang="ja-JP" altLang="en-US" dirty="0">
                 <a:latin typeface="Bahnschrift SemiBold" panose="020B0502040204020203" pitchFamily="34" charset="0"/>
               </a:rPr>
               <a:t>・開発環境</a:t>
@@ -3928,13 +3864,13 @@
               <a:t>	</a:t>
             </a:r>
             <a:r>
-              <a:rPr lang="ja-JP" altLang="en-US" dirty="0" smtClean="0">
+              <a:rPr lang="ja-JP" altLang="en-US" dirty="0">
                 <a:latin typeface="Bahnschrift SemiBold" panose="020B0502040204020203" pitchFamily="34" charset="0"/>
               </a:rPr>
               <a:t>・</a:t>
             </a:r>
             <a:r>
-              <a:rPr lang="en-US" altLang="ja-JP" dirty="0" smtClean="0">
+              <a:rPr lang="en-US" altLang="ja-JP" dirty="0">
                 <a:latin typeface="Bahnschrift SemiBold" panose="020B0502040204020203" pitchFamily="34" charset="0"/>
               </a:rPr>
               <a:t>Windows 10 Education 64bit</a:t>
@@ -3951,13 +3887,13 @@
               <a:t>	</a:t>
             </a:r>
             <a:r>
-              <a:rPr lang="ja-JP" altLang="en-US" dirty="0" smtClean="0">
+              <a:rPr lang="ja-JP" altLang="en-US" dirty="0">
                 <a:latin typeface="Bahnschrift SemiBold" panose="020B0502040204020203" pitchFamily="34" charset="0"/>
               </a:rPr>
               <a:t>・</a:t>
             </a:r>
             <a:r>
-              <a:rPr lang="en-US" altLang="ja-JP" dirty="0" smtClean="0">
+              <a:rPr lang="en-US" altLang="ja-JP" dirty="0">
                 <a:latin typeface="Bahnschrift SemiBold" panose="020B0502040204020203" pitchFamily="34" charset="0"/>
               </a:rPr>
               <a:t>Microsoft Visual C# 2017</a:t>
@@ -3968,19 +3904,19 @@
               <a:buNone/>
             </a:pPr>
             <a:r>
-              <a:rPr lang="en-US" altLang="ja-JP" dirty="0" smtClean="0">
+              <a:rPr lang="en-US" altLang="ja-JP" dirty="0">
                 <a:latin typeface="Bahnschrift SemiBold" panose="020B0502040204020203" pitchFamily="34" charset="0"/>
               </a:rPr>
               <a:t>	</a:t>
             </a:r>
             <a:r>
-              <a:rPr lang="ja-JP" altLang="en-US" dirty="0" smtClean="0">
+              <a:rPr lang="ja-JP" altLang="en-US" dirty="0">
                 <a:latin typeface="Bahnschrift SemiBold" panose="020B0502040204020203" pitchFamily="34" charset="0"/>
               </a:rPr>
               <a:t>・</a:t>
             </a:r>
             <a:r>
-              <a:rPr lang="en-US" altLang="ja-JP" dirty="0" smtClean="0">
+              <a:rPr lang="en-US" altLang="ja-JP" dirty="0">
                 <a:latin typeface="Bahnschrift SemiBold" panose="020B0502040204020203" pitchFamily="34" charset="0"/>
               </a:rPr>
               <a:t>Microsoft Office Access 2016</a:t>
@@ -4005,19 +3941,19 @@
               <a:buNone/>
             </a:pPr>
             <a:r>
-              <a:rPr lang="en-US" altLang="ja-JP" dirty="0" smtClean="0">
+              <a:rPr lang="en-US" altLang="ja-JP" dirty="0">
                 <a:latin typeface="Bahnschrift SemiBold" panose="020B0502040204020203" pitchFamily="34" charset="0"/>
               </a:rPr>
               <a:t>	</a:t>
             </a:r>
             <a:r>
-              <a:rPr lang="ja-JP" altLang="en-US" dirty="0" smtClean="0">
+              <a:rPr lang="ja-JP" altLang="en-US" dirty="0">
                 <a:latin typeface="Bahnschrift SemiBold" panose="020B0502040204020203" pitchFamily="34" charset="0"/>
               </a:rPr>
               <a:t>・</a:t>
             </a:r>
             <a:r>
-              <a:rPr lang="en-US" altLang="ja-JP" dirty="0" smtClean="0">
+              <a:rPr lang="en-US" altLang="ja-JP" dirty="0">
                 <a:latin typeface="Bahnschrift SemiBold" panose="020B0502040204020203" pitchFamily="34" charset="0"/>
               </a:rPr>
               <a:t>Windows</a:t>
@@ -4029,18 +3965,18 @@
               <a:t> </a:t>
             </a:r>
             <a:r>
-              <a:rPr lang="en-US" altLang="ja-JP" dirty="0" smtClean="0">
+              <a:rPr lang="en-US" altLang="ja-JP" dirty="0">
                 <a:latin typeface="Bahnschrift SemiBold" panose="020B0502040204020203" pitchFamily="34" charset="0"/>
               </a:rPr>
               <a:t>7</a:t>
             </a:r>
             <a:r>
-              <a:rPr lang="ja-JP" altLang="en-US" dirty="0" smtClean="0">
+              <a:rPr lang="ja-JP" altLang="en-US" dirty="0">
                 <a:latin typeface="Bahnschrift SemiBold" panose="020B0502040204020203" pitchFamily="34" charset="0"/>
               </a:rPr>
               <a:t>以上</a:t>
             </a:r>
-            <a:endParaRPr lang="en-US" altLang="ja-JP" dirty="0" smtClean="0">
+            <a:endParaRPr lang="en-US" altLang="ja-JP" dirty="0">
               <a:latin typeface="Bahnschrift SemiBold" panose="020B0502040204020203" pitchFamily="34" charset="0"/>
             </a:endParaRPr>
           </a:p>
@@ -4055,19 +3991,19 @@
               <a:t>	</a:t>
             </a:r>
             <a:r>
-              <a:rPr lang="ja-JP" altLang="en-US" dirty="0" smtClean="0">
+              <a:rPr lang="ja-JP" altLang="en-US" dirty="0">
                 <a:latin typeface="Bahnschrift SemiBold" panose="020B0502040204020203" pitchFamily="34" charset="0"/>
               </a:rPr>
               <a:t>・</a:t>
             </a:r>
             <a:r>
-              <a:rPr lang="en-US" altLang="ja-JP" dirty="0" smtClean="0">
+              <a:rPr lang="en-US" altLang="ja-JP" dirty="0">
                 <a:latin typeface="Bahnschrift SemiBold" panose="020B0502040204020203" pitchFamily="34" charset="0"/>
               </a:rPr>
               <a:t>Framework 4.6.1</a:t>
             </a:r>
             <a:r>
-              <a:rPr lang="ja-JP" altLang="en-US" dirty="0" smtClean="0">
+              <a:rPr lang="ja-JP" altLang="en-US" dirty="0">
                 <a:latin typeface="Bahnschrift SemiBold" panose="020B0502040204020203" pitchFamily="34" charset="0"/>
               </a:rPr>
               <a:t>以上</a:t>
@@ -4088,13 +4024,6 @@
   <p:clrMapOvr>
     <a:masterClrMapping/>
   </p:clrMapOvr>
-  <p:timing>
-    <p:tnLst>
-      <p:par>
-        <p:cTn id="1" dur="indefinite" restart="never" nodeType="tmRoot"/>
-      </p:par>
-    </p:tnLst>
-  </p:timing>
 </p:sld>
 </file>
 
@@ -4136,16 +4065,12 @@
           <a:lstStyle/>
           <a:p>
             <a:r>
-              <a:rPr kumimoji="1" lang="ja-JP" altLang="en-US" b="1" dirty="0" smtClean="0">
+              <a:rPr kumimoji="1" lang="ja-JP" altLang="en-US" b="1" dirty="0">
                 <a:latin typeface="HGSｺﾞｼｯｸM" panose="020B0600000000000000" pitchFamily="50" charset="-128"/>
                 <a:ea typeface="HGSｺﾞｼｯｸM" panose="020B0600000000000000" pitchFamily="50" charset="-128"/>
               </a:rPr>
               <a:t>スケジュール</a:t>
             </a:r>
-            <a:endParaRPr kumimoji="1" lang="ja-JP" altLang="en-US" b="1" dirty="0">
-              <a:latin typeface="HGSｺﾞｼｯｸM" panose="020B0600000000000000" pitchFamily="50" charset="-128"/>
-              <a:ea typeface="HGSｺﾞｼｯｸM" panose="020B0600000000000000" pitchFamily="50" charset="-128"/>
-            </a:endParaRPr>
           </a:p>
         </p:txBody>
       </p:sp>
@@ -4172,10 +4097,9 @@
           <a:lstStyle/>
           <a:p>
             <a:r>
-              <a:rPr kumimoji="1" lang="ja-JP" altLang="en-US" sz="2400" b="1" dirty="0" smtClean="0"/>
+              <a:rPr kumimoji="1" lang="ja-JP" altLang="en-US" sz="2400" b="1" dirty="0"/>
               <a:t>・これまでに作成した資料</a:t>
             </a:r>
-            <a:endParaRPr kumimoji="1" lang="ja-JP" altLang="en-US" sz="2400" b="1" dirty="0"/>
           </a:p>
         </p:txBody>
       </p:sp>
@@ -4202,97 +4126,93 @@
           <a:lstStyle/>
           <a:p>
             <a:r>
-              <a:rPr kumimoji="1" lang="ja-JP" altLang="en-US" sz="2000" b="1" dirty="0" smtClean="0"/>
+              <a:rPr kumimoji="1" lang="ja-JP" altLang="en-US" sz="2000" b="1" dirty="0"/>
               <a:t>・要求分析書</a:t>
             </a:r>
             <a:r>
               <a:rPr lang="en-US" altLang="ja-JP" sz="2000" b="1" dirty="0"/>
-              <a:t>	</a:t>
-            </a:r>
-            <a:r>
-              <a:rPr lang="en-US" altLang="ja-JP" sz="2000" b="1" dirty="0" smtClean="0"/>
-              <a:t>	9</a:t>
-            </a:r>
-            <a:r>
-              <a:rPr lang="ja-JP" altLang="en-US" sz="2000" b="1" dirty="0" smtClean="0"/>
+              <a:t>		9</a:t>
+            </a:r>
+            <a:r>
+              <a:rPr lang="ja-JP" altLang="en-US" sz="2000" b="1" dirty="0"/>
               <a:t>月</a:t>
             </a:r>
             <a:r>
-              <a:rPr lang="en-US" altLang="ja-JP" sz="2000" b="1" dirty="0" smtClean="0"/>
+              <a:rPr lang="en-US" altLang="ja-JP" sz="2000" b="1" dirty="0"/>
               <a:t>24</a:t>
             </a:r>
             <a:r>
-              <a:rPr lang="ja-JP" altLang="en-US" sz="2000" b="1" dirty="0" smtClean="0"/>
+              <a:rPr lang="ja-JP" altLang="en-US" sz="2000" b="1" dirty="0"/>
               <a:t>日</a:t>
             </a:r>
             <a:r>
-              <a:rPr lang="en-US" altLang="ja-JP" sz="2000" b="1" dirty="0" smtClean="0"/>
+              <a:rPr lang="en-US" altLang="ja-JP" sz="2000" b="1" dirty="0"/>
               <a:t>~10</a:t>
             </a:r>
             <a:r>
-              <a:rPr lang="ja-JP" altLang="en-US" sz="2000" b="1" dirty="0" smtClean="0"/>
+              <a:rPr lang="ja-JP" altLang="en-US" sz="2000" b="1" dirty="0"/>
               <a:t>月</a:t>
             </a:r>
             <a:r>
-              <a:rPr lang="en-US" altLang="ja-JP" sz="2000" b="1" dirty="0" smtClean="0"/>
+              <a:rPr lang="en-US" altLang="ja-JP" sz="2000" b="1" dirty="0"/>
               <a:t>11</a:t>
             </a:r>
             <a:r>
-              <a:rPr lang="ja-JP" altLang="en-US" sz="2000" b="1" dirty="0" smtClean="0"/>
+              <a:rPr lang="ja-JP" altLang="en-US" sz="2000" b="1" dirty="0"/>
               <a:t>日</a:t>
             </a:r>
-            <a:endParaRPr kumimoji="1" lang="en-US" altLang="ja-JP" sz="2000" b="1" dirty="0" smtClean="0"/>
-          </a:p>
-          <a:p>
-            <a:r>
-              <a:rPr lang="ja-JP" altLang="en-US" sz="2000" b="1" dirty="0" smtClean="0"/>
+            <a:endParaRPr kumimoji="1" lang="en-US" altLang="ja-JP" sz="2000" b="1" dirty="0"/>
+          </a:p>
+          <a:p>
+            <a:r>
+              <a:rPr lang="ja-JP" altLang="en-US" sz="2000" b="1" dirty="0"/>
               <a:t>・全体</a:t>
             </a:r>
             <a:r>
-              <a:rPr lang="en-US" altLang="ja-JP" sz="2000" b="1" dirty="0" smtClean="0"/>
+              <a:rPr lang="en-US" altLang="ja-JP" sz="2000" b="1" dirty="0"/>
               <a:t>DFD		10</a:t>
             </a:r>
             <a:r>
-              <a:rPr lang="ja-JP" altLang="en-US" sz="2000" b="1" dirty="0" smtClean="0"/>
+              <a:rPr lang="ja-JP" altLang="en-US" sz="2000" b="1" dirty="0"/>
               <a:t>月</a:t>
             </a:r>
             <a:r>
-              <a:rPr lang="en-US" altLang="ja-JP" sz="2000" b="1" dirty="0" smtClean="0"/>
+              <a:rPr lang="en-US" altLang="ja-JP" sz="2000" b="1" dirty="0"/>
               <a:t>1</a:t>
             </a:r>
             <a:r>
-              <a:rPr lang="ja-JP" altLang="en-US" sz="2000" b="1" dirty="0" smtClean="0"/>
+              <a:rPr lang="ja-JP" altLang="en-US" sz="2000" b="1" dirty="0"/>
               <a:t>日</a:t>
             </a:r>
             <a:r>
-              <a:rPr lang="en-US" altLang="ja-JP" sz="2000" b="1" dirty="0" smtClean="0"/>
+              <a:rPr lang="en-US" altLang="ja-JP" sz="2000" b="1" dirty="0"/>
               <a:t>~10</a:t>
             </a:r>
             <a:r>
-              <a:rPr lang="ja-JP" altLang="en-US" sz="2000" b="1" dirty="0" smtClean="0"/>
+              <a:rPr lang="ja-JP" altLang="en-US" sz="2000" b="1" dirty="0"/>
               <a:t>月</a:t>
             </a:r>
             <a:r>
-              <a:rPr lang="en-US" altLang="ja-JP" sz="2000" b="1" dirty="0" smtClean="0"/>
+              <a:rPr lang="en-US" altLang="ja-JP" sz="2000" b="1" dirty="0"/>
               <a:t>11</a:t>
             </a:r>
             <a:r>
-              <a:rPr lang="ja-JP" altLang="en-US" sz="2000" b="1" dirty="0" smtClean="0"/>
+              <a:rPr lang="ja-JP" altLang="en-US" sz="2000" b="1" dirty="0"/>
               <a:t>日</a:t>
             </a:r>
-            <a:endParaRPr lang="en-US" altLang="ja-JP" sz="2000" b="1" dirty="0" smtClean="0"/>
-          </a:p>
-          <a:p>
-            <a:r>
-              <a:rPr kumimoji="1" lang="ja-JP" altLang="en-US" sz="2000" b="1" dirty="0" smtClean="0"/>
+            <a:endParaRPr lang="en-US" altLang="ja-JP" sz="2000" b="1" dirty="0"/>
+          </a:p>
+          <a:p>
+            <a:r>
+              <a:rPr kumimoji="1" lang="ja-JP" altLang="en-US" sz="2000" b="1" dirty="0"/>
               <a:t>・システム構造図</a:t>
             </a:r>
             <a:r>
-              <a:rPr kumimoji="1" lang="en-US" altLang="ja-JP" sz="2000" b="1" dirty="0" smtClean="0"/>
+              <a:rPr kumimoji="1" lang="en-US" altLang="ja-JP" sz="2000" b="1" dirty="0"/>
               <a:t>	10</a:t>
             </a:r>
             <a:r>
-              <a:rPr kumimoji="1" lang="ja-JP" altLang="en-US" sz="2000" b="1" dirty="0" smtClean="0"/>
+              <a:rPr kumimoji="1" lang="ja-JP" altLang="en-US" sz="2000" b="1" dirty="0"/>
               <a:t>月</a:t>
             </a:r>
             <a:r>
@@ -4300,26 +4220,26 @@
               <a:t>8</a:t>
             </a:r>
             <a:r>
-              <a:rPr lang="ja-JP" altLang="en-US" sz="2000" b="1" dirty="0" smtClean="0"/>
+              <a:rPr lang="ja-JP" altLang="en-US" sz="2000" b="1" dirty="0"/>
               <a:t>日</a:t>
             </a:r>
             <a:r>
-              <a:rPr lang="en-US" altLang="ja-JP" sz="2000" b="1" dirty="0" smtClean="0"/>
+              <a:rPr lang="en-US" altLang="ja-JP" sz="2000" b="1" dirty="0"/>
               <a:t>~10</a:t>
             </a:r>
             <a:r>
-              <a:rPr lang="ja-JP" altLang="en-US" sz="2000" b="1" dirty="0" smtClean="0"/>
+              <a:rPr lang="ja-JP" altLang="en-US" sz="2000" b="1" dirty="0"/>
               <a:t>月</a:t>
             </a:r>
             <a:r>
-              <a:rPr lang="en-US" altLang="ja-JP" sz="2000" b="1" dirty="0" smtClean="0"/>
+              <a:rPr lang="en-US" altLang="ja-JP" sz="2000" b="1" dirty="0"/>
               <a:t>11</a:t>
             </a:r>
             <a:r>
-              <a:rPr lang="ja-JP" altLang="en-US" sz="2000" b="1" dirty="0" smtClean="0"/>
+              <a:rPr lang="ja-JP" altLang="en-US" sz="2000" b="1" dirty="0"/>
               <a:t>日</a:t>
             </a:r>
-            <a:endParaRPr lang="en-US" altLang="ja-JP" sz="2000" b="1" dirty="0" smtClean="0"/>
+            <a:endParaRPr lang="en-US" altLang="ja-JP" sz="2000" b="1" dirty="0"/>
           </a:p>
           <a:p>
             <a:r>
@@ -4328,22 +4248,18 @@
             </a:r>
             <a:r>
               <a:rPr lang="en-US" altLang="ja-JP" sz="2000" b="1" dirty="0"/>
-              <a:t>	</a:t>
-            </a:r>
-            <a:r>
-              <a:rPr lang="en-US" altLang="ja-JP" sz="2000" b="1" dirty="0" smtClean="0"/>
+              <a:t>	10</a:t>
+            </a:r>
+            <a:r>
+              <a:rPr lang="ja-JP" altLang="en-US" sz="2000" b="1" dirty="0"/>
+              <a:t>月</a:t>
+            </a:r>
+            <a:r>
+              <a:rPr lang="en-US" altLang="ja-JP" sz="2000" b="1" dirty="0"/>
               <a:t>10</a:t>
             </a:r>
             <a:r>
-              <a:rPr lang="ja-JP" altLang="en-US" sz="2000" b="1" dirty="0" smtClean="0"/>
-              <a:t>月</a:t>
-            </a:r>
-            <a:r>
-              <a:rPr lang="en-US" altLang="ja-JP" sz="2000" b="1" dirty="0" smtClean="0"/>
-              <a:t>10</a:t>
-            </a:r>
-            <a:r>
-              <a:rPr lang="ja-JP" altLang="en-US" sz="2000" b="1" dirty="0" smtClean="0"/>
+              <a:rPr lang="ja-JP" altLang="en-US" sz="2000" b="1" dirty="0"/>
               <a:t>日</a:t>
             </a:r>
             <a:r>
@@ -4351,21 +4267,20 @@
               <a:t>~10</a:t>
             </a:r>
             <a:r>
-              <a:rPr lang="ja-JP" altLang="en-US" sz="2000" b="1" dirty="0" smtClean="0"/>
+              <a:rPr lang="ja-JP" altLang="en-US" sz="2000" b="1" dirty="0"/>
               <a:t>月</a:t>
             </a:r>
             <a:r>
-              <a:rPr lang="en-US" altLang="ja-JP" sz="2000" b="1" dirty="0" smtClean="0"/>
+              <a:rPr lang="en-US" altLang="ja-JP" sz="2000" b="1" dirty="0"/>
               <a:t>17</a:t>
             </a:r>
             <a:r>
-              <a:rPr lang="ja-JP" altLang="en-US" sz="2000" b="1" dirty="0" smtClean="0"/>
+              <a:rPr lang="ja-JP" altLang="en-US" sz="2000" b="1" dirty="0"/>
               <a:t>日</a:t>
             </a:r>
-            <a:endParaRPr lang="ja-JP" altLang="en-US" sz="2000" b="1" dirty="0"/>
-          </a:p>
-          <a:p>
-            <a:endParaRPr kumimoji="1" lang="en-US" altLang="ja-JP" sz="2000" b="1" dirty="0" smtClean="0"/>
+          </a:p>
+          <a:p>
+            <a:endParaRPr kumimoji="1" lang="en-US" altLang="ja-JP" sz="2000" b="1" dirty="0"/>
           </a:p>
         </p:txBody>
       </p:sp>
@@ -4392,10 +4307,9 @@
           <a:lstStyle/>
           <a:p>
             <a:r>
-              <a:rPr kumimoji="1" lang="ja-JP" altLang="en-US" sz="2400" b="1" dirty="0" smtClean="0"/>
+              <a:rPr kumimoji="1" lang="ja-JP" altLang="en-US" sz="2400" b="1" dirty="0"/>
               <a:t>・これから作成する資料</a:t>
             </a:r>
-            <a:endParaRPr kumimoji="1" lang="ja-JP" altLang="en-US" sz="2400" b="1" dirty="0"/>
           </a:p>
         </p:txBody>
       </p:sp>
@@ -4422,315 +4336,315 @@
           <a:lstStyle/>
           <a:p>
             <a:r>
-              <a:rPr kumimoji="1" lang="ja-JP" altLang="en-US" b="1" dirty="0" smtClean="0"/>
+              <a:rPr kumimoji="1" lang="ja-JP" altLang="en-US" b="1" dirty="0"/>
               <a:t>・各種サブシステム仕様書</a:t>
             </a:r>
             <a:r>
-              <a:rPr kumimoji="1" lang="en-US" altLang="ja-JP" b="1" dirty="0" smtClean="0"/>
+              <a:rPr kumimoji="1" lang="en-US" altLang="ja-JP" b="1" dirty="0"/>
               <a:t>		10</a:t>
             </a:r>
             <a:r>
-              <a:rPr kumimoji="1" lang="ja-JP" altLang="en-US" b="1" dirty="0" smtClean="0"/>
+              <a:rPr kumimoji="1" lang="ja-JP" altLang="en-US" b="1" dirty="0"/>
               <a:t>月</a:t>
             </a:r>
             <a:r>
-              <a:rPr lang="en-US" altLang="ja-JP" b="1" dirty="0" smtClean="0"/>
+              <a:rPr lang="en-US" altLang="ja-JP" b="1" dirty="0"/>
               <a:t>17</a:t>
             </a:r>
             <a:r>
-              <a:rPr kumimoji="1" lang="ja-JP" altLang="en-US" b="1" dirty="0" smtClean="0"/>
+              <a:rPr kumimoji="1" lang="ja-JP" altLang="en-US" b="1" dirty="0"/>
               <a:t>日</a:t>
             </a:r>
             <a:r>
-              <a:rPr kumimoji="1" lang="en-US" altLang="ja-JP" b="1" dirty="0" smtClean="0"/>
+              <a:rPr kumimoji="1" lang="en-US" altLang="ja-JP" b="1" dirty="0"/>
               <a:t>~10</a:t>
             </a:r>
             <a:r>
-              <a:rPr kumimoji="1" lang="ja-JP" altLang="en-US" b="1" dirty="0" smtClean="0"/>
+              <a:rPr kumimoji="1" lang="ja-JP" altLang="en-US" b="1" dirty="0"/>
               <a:t>月</a:t>
             </a:r>
             <a:r>
-              <a:rPr kumimoji="1" lang="en-US" altLang="ja-JP" b="1" dirty="0" smtClean="0"/>
+              <a:rPr kumimoji="1" lang="en-US" altLang="ja-JP" b="1" dirty="0"/>
               <a:t>25</a:t>
             </a:r>
             <a:r>
-              <a:rPr kumimoji="1" lang="ja-JP" altLang="en-US" b="1" dirty="0" smtClean="0"/>
+              <a:rPr kumimoji="1" lang="ja-JP" altLang="en-US" b="1" dirty="0"/>
               <a:t>日</a:t>
             </a:r>
-            <a:endParaRPr kumimoji="1" lang="en-US" altLang="ja-JP" b="1" dirty="0" smtClean="0"/>
-          </a:p>
-          <a:p>
-            <a:r>
-              <a:rPr lang="ja-JP" altLang="en-US" b="1" dirty="0" smtClean="0"/>
+            <a:endParaRPr kumimoji="1" lang="en-US" altLang="ja-JP" b="1" dirty="0"/>
+          </a:p>
+          <a:p>
+            <a:r>
+              <a:rPr lang="ja-JP" altLang="en-US" b="1" dirty="0"/>
               <a:t>・各種データベース仕様書</a:t>
             </a:r>
             <a:r>
-              <a:rPr lang="en-US" altLang="ja-JP" b="1" dirty="0" smtClean="0"/>
+              <a:rPr lang="en-US" altLang="ja-JP" b="1" dirty="0"/>
               <a:t>		10</a:t>
             </a:r>
             <a:r>
-              <a:rPr lang="ja-JP" altLang="en-US" b="1" dirty="0" smtClean="0"/>
+              <a:rPr lang="ja-JP" altLang="en-US" b="1" dirty="0"/>
               <a:t>月</a:t>
             </a:r>
             <a:r>
-              <a:rPr lang="en-US" altLang="ja-JP" b="1" dirty="0" smtClean="0"/>
+              <a:rPr lang="en-US" altLang="ja-JP" b="1" dirty="0"/>
               <a:t>25</a:t>
             </a:r>
             <a:r>
-              <a:rPr lang="ja-JP" altLang="en-US" b="1" dirty="0" smtClean="0"/>
+              <a:rPr lang="ja-JP" altLang="en-US" b="1" dirty="0"/>
               <a:t>日</a:t>
             </a:r>
             <a:r>
-              <a:rPr lang="en-US" altLang="ja-JP" b="1" dirty="0" smtClean="0"/>
+              <a:rPr lang="en-US" altLang="ja-JP" b="1" dirty="0"/>
               <a:t>~11</a:t>
             </a:r>
             <a:r>
-              <a:rPr lang="ja-JP" altLang="en-US" b="1" dirty="0" smtClean="0"/>
+              <a:rPr lang="ja-JP" altLang="en-US" b="1" dirty="0"/>
               <a:t>月</a:t>
             </a:r>
             <a:r>
-              <a:rPr lang="en-US" altLang="ja-JP" b="1" dirty="0" smtClean="0"/>
+              <a:rPr lang="en-US" altLang="ja-JP" b="1" dirty="0"/>
               <a:t>1</a:t>
             </a:r>
             <a:r>
-              <a:rPr lang="ja-JP" altLang="en-US" b="1" dirty="0" smtClean="0"/>
+              <a:rPr lang="ja-JP" altLang="en-US" b="1" dirty="0"/>
               <a:t>日</a:t>
             </a:r>
-            <a:endParaRPr lang="en-US" altLang="ja-JP" b="1" dirty="0" smtClean="0"/>
-          </a:p>
-          <a:p>
-            <a:r>
-              <a:rPr kumimoji="1" lang="ja-JP" altLang="en-US" b="1" dirty="0" smtClean="0"/>
+            <a:endParaRPr lang="en-US" altLang="ja-JP" b="1" dirty="0"/>
+          </a:p>
+          <a:p>
+            <a:r>
+              <a:rPr kumimoji="1" lang="ja-JP" altLang="en-US" b="1" dirty="0"/>
               <a:t>・各種画面仕様書</a:t>
             </a:r>
             <a:r>
-              <a:rPr kumimoji="1" lang="en-US" altLang="ja-JP" b="1" dirty="0" smtClean="0"/>
+              <a:rPr kumimoji="1" lang="en-US" altLang="ja-JP" b="1" dirty="0"/>
               <a:t>			10</a:t>
             </a:r>
             <a:r>
-              <a:rPr lang="ja-JP" altLang="en-US" b="1" dirty="0" smtClean="0"/>
+              <a:rPr lang="ja-JP" altLang="en-US" b="1" dirty="0"/>
               <a:t>月</a:t>
             </a:r>
             <a:r>
-              <a:rPr lang="en-US" altLang="ja-JP" b="1" dirty="0" smtClean="0"/>
+              <a:rPr lang="en-US" altLang="ja-JP" b="1" dirty="0"/>
               <a:t>25</a:t>
             </a:r>
             <a:r>
-              <a:rPr lang="ja-JP" altLang="en-US" b="1" dirty="0" smtClean="0"/>
+              <a:rPr lang="ja-JP" altLang="en-US" b="1" dirty="0"/>
               <a:t>日</a:t>
             </a:r>
             <a:r>
-              <a:rPr lang="en-US" altLang="ja-JP" b="1" dirty="0" smtClean="0"/>
+              <a:rPr lang="en-US" altLang="ja-JP" b="1" dirty="0"/>
               <a:t>~11</a:t>
             </a:r>
             <a:r>
-              <a:rPr lang="ja-JP" altLang="en-US" b="1" dirty="0" smtClean="0"/>
+              <a:rPr lang="ja-JP" altLang="en-US" b="1" dirty="0"/>
               <a:t>月</a:t>
             </a:r>
             <a:r>
-              <a:rPr lang="en-US" altLang="ja-JP" b="1" dirty="0" smtClean="0"/>
+              <a:rPr lang="en-US" altLang="ja-JP" b="1" dirty="0"/>
               <a:t>1</a:t>
             </a:r>
             <a:r>
-              <a:rPr lang="ja-JP" altLang="en-US" b="1" dirty="0" smtClean="0"/>
+              <a:rPr lang="ja-JP" altLang="en-US" b="1" dirty="0"/>
               <a:t>日</a:t>
             </a:r>
-            <a:endParaRPr kumimoji="1" lang="en-US" altLang="ja-JP" b="1" dirty="0" smtClean="0"/>
-          </a:p>
-          <a:p>
-            <a:r>
-              <a:rPr lang="ja-JP" altLang="en-US" b="1" dirty="0" smtClean="0"/>
+            <a:endParaRPr kumimoji="1" lang="en-US" altLang="ja-JP" b="1" dirty="0"/>
+          </a:p>
+          <a:p>
+            <a:r>
+              <a:rPr lang="ja-JP" altLang="en-US" b="1" dirty="0"/>
               <a:t>・各種プログラム仕様書</a:t>
             </a:r>
             <a:r>
-              <a:rPr lang="en-US" altLang="ja-JP" b="1" dirty="0" smtClean="0"/>
+              <a:rPr lang="en-US" altLang="ja-JP" b="1" dirty="0"/>
               <a:t>			11</a:t>
             </a:r>
             <a:r>
-              <a:rPr lang="ja-JP" altLang="en-US" b="1" dirty="0" smtClean="0"/>
+              <a:rPr lang="ja-JP" altLang="en-US" b="1" dirty="0"/>
               <a:t>月</a:t>
             </a:r>
             <a:r>
-              <a:rPr lang="en-US" altLang="ja-JP" b="1" dirty="0" smtClean="0"/>
+              <a:rPr lang="en-US" altLang="ja-JP" b="1" dirty="0"/>
               <a:t>1</a:t>
             </a:r>
             <a:r>
-              <a:rPr lang="ja-JP" altLang="en-US" b="1" dirty="0" smtClean="0"/>
+              <a:rPr lang="ja-JP" altLang="en-US" b="1" dirty="0"/>
               <a:t>日</a:t>
             </a:r>
             <a:r>
-              <a:rPr lang="en-US" altLang="ja-JP" b="1" dirty="0" smtClean="0"/>
+              <a:rPr lang="en-US" altLang="ja-JP" b="1" dirty="0"/>
               <a:t>~11</a:t>
             </a:r>
             <a:r>
-              <a:rPr lang="ja-JP" altLang="en-US" b="1" dirty="0" smtClean="0"/>
+              <a:rPr lang="ja-JP" altLang="en-US" b="1" dirty="0"/>
               <a:t>月</a:t>
             </a:r>
             <a:r>
-              <a:rPr lang="en-US" altLang="ja-JP" b="1" dirty="0" smtClean="0"/>
+              <a:rPr lang="en-US" altLang="ja-JP" b="1" dirty="0"/>
               <a:t>8</a:t>
             </a:r>
             <a:r>
-              <a:rPr lang="ja-JP" altLang="en-US" b="1" dirty="0" smtClean="0"/>
+              <a:rPr lang="ja-JP" altLang="en-US" b="1" dirty="0"/>
               <a:t>日</a:t>
             </a:r>
-            <a:endParaRPr lang="en-US" altLang="ja-JP" b="1" dirty="0" smtClean="0"/>
-          </a:p>
-          <a:p>
-            <a:r>
-              <a:rPr kumimoji="1" lang="ja-JP" altLang="en-US" b="1" dirty="0" smtClean="0"/>
+            <a:endParaRPr lang="en-US" altLang="ja-JP" b="1" dirty="0"/>
+          </a:p>
+          <a:p>
+            <a:r>
+              <a:rPr kumimoji="1" lang="ja-JP" altLang="en-US" b="1" dirty="0"/>
               <a:t>・各種モジュール仕様書</a:t>
             </a:r>
             <a:r>
-              <a:rPr kumimoji="1" lang="en-US" altLang="ja-JP" b="1" dirty="0" smtClean="0"/>
+              <a:rPr kumimoji="1" lang="en-US" altLang="ja-JP" b="1" dirty="0"/>
               <a:t>			11</a:t>
             </a:r>
             <a:r>
-              <a:rPr lang="ja-JP" altLang="en-US" b="1" dirty="0" smtClean="0"/>
+              <a:rPr lang="ja-JP" altLang="en-US" b="1" dirty="0"/>
               <a:t>月</a:t>
             </a:r>
             <a:r>
-              <a:rPr lang="en-US" altLang="ja-JP" b="1" dirty="0" smtClean="0"/>
+              <a:rPr lang="en-US" altLang="ja-JP" b="1" dirty="0"/>
               <a:t>1</a:t>
             </a:r>
             <a:r>
-              <a:rPr lang="ja-JP" altLang="en-US" b="1" dirty="0" smtClean="0"/>
+              <a:rPr lang="ja-JP" altLang="en-US" b="1" dirty="0"/>
               <a:t>日</a:t>
             </a:r>
             <a:r>
-              <a:rPr lang="en-US" altLang="ja-JP" b="1" dirty="0" smtClean="0"/>
+              <a:rPr lang="en-US" altLang="ja-JP" b="1" dirty="0"/>
               <a:t>~11</a:t>
             </a:r>
             <a:r>
-              <a:rPr lang="ja-JP" altLang="en-US" b="1" dirty="0" smtClean="0"/>
+              <a:rPr lang="ja-JP" altLang="en-US" b="1" dirty="0"/>
               <a:t>月</a:t>
             </a:r>
             <a:r>
-              <a:rPr lang="en-US" altLang="ja-JP" b="1" dirty="0" smtClean="0"/>
+              <a:rPr lang="en-US" altLang="ja-JP" b="1" dirty="0"/>
               <a:t>8</a:t>
             </a:r>
             <a:r>
-              <a:rPr lang="ja-JP" altLang="en-US" b="1" dirty="0" smtClean="0"/>
+              <a:rPr lang="ja-JP" altLang="en-US" b="1" dirty="0"/>
               <a:t>日</a:t>
             </a:r>
-            <a:endParaRPr kumimoji="1" lang="en-US" altLang="ja-JP" b="1" dirty="0" smtClean="0"/>
-          </a:p>
-          <a:p>
-            <a:r>
-              <a:rPr lang="ja-JP" altLang="en-US" b="1" dirty="0" smtClean="0"/>
+            <a:endParaRPr kumimoji="1" lang="en-US" altLang="ja-JP" b="1" dirty="0"/>
+          </a:p>
+          <a:p>
+            <a:r>
+              <a:rPr lang="ja-JP" altLang="en-US" b="1" dirty="0"/>
               <a:t>・テスト仕様書・テスト実施結果書</a:t>
             </a:r>
             <a:r>
-              <a:rPr lang="en-US" altLang="ja-JP" b="1" dirty="0" smtClean="0"/>
+              <a:rPr lang="en-US" altLang="ja-JP" b="1" dirty="0"/>
               <a:t>	11</a:t>
             </a:r>
             <a:r>
-              <a:rPr lang="ja-JP" altLang="en-US" b="1" dirty="0" smtClean="0"/>
+              <a:rPr lang="ja-JP" altLang="en-US" b="1" dirty="0"/>
               <a:t>月</a:t>
             </a:r>
             <a:r>
-              <a:rPr lang="en-US" altLang="ja-JP" b="1" dirty="0" smtClean="0"/>
+              <a:rPr lang="en-US" altLang="ja-JP" b="1" dirty="0"/>
               <a:t>1</a:t>
             </a:r>
             <a:r>
-              <a:rPr lang="ja-JP" altLang="en-US" b="1" dirty="0" smtClean="0"/>
+              <a:rPr lang="ja-JP" altLang="en-US" b="1" dirty="0"/>
               <a:t>日</a:t>
             </a:r>
             <a:r>
-              <a:rPr lang="en-US" altLang="ja-JP" b="1" dirty="0" smtClean="0"/>
+              <a:rPr lang="en-US" altLang="ja-JP" b="1" dirty="0"/>
               <a:t>~11</a:t>
             </a:r>
             <a:r>
-              <a:rPr lang="ja-JP" altLang="en-US" b="1" dirty="0" smtClean="0"/>
+              <a:rPr lang="ja-JP" altLang="en-US" b="1" dirty="0"/>
               <a:t>月</a:t>
             </a:r>
             <a:r>
-              <a:rPr lang="en-US" altLang="ja-JP" b="1" dirty="0" smtClean="0"/>
+              <a:rPr lang="en-US" altLang="ja-JP" b="1" dirty="0"/>
               <a:t>8</a:t>
             </a:r>
             <a:r>
-              <a:rPr lang="ja-JP" altLang="en-US" b="1" dirty="0" smtClean="0"/>
+              <a:rPr lang="ja-JP" altLang="en-US" b="1" dirty="0"/>
               <a:t>日</a:t>
             </a:r>
-            <a:endParaRPr lang="en-US" altLang="ja-JP" b="1" dirty="0" smtClean="0"/>
-          </a:p>
-          <a:p>
-            <a:r>
-              <a:rPr lang="ja-JP" altLang="en-US" b="1" dirty="0" smtClean="0"/>
+            <a:endParaRPr lang="en-US" altLang="ja-JP" b="1" dirty="0"/>
+          </a:p>
+          <a:p>
+            <a:r>
+              <a:rPr lang="ja-JP" altLang="en-US" b="1" dirty="0"/>
               <a:t>・システム開発</a:t>
             </a:r>
             <a:r>
-              <a:rPr lang="en-US" altLang="ja-JP" b="1" dirty="0" smtClean="0"/>
+              <a:rPr lang="en-US" altLang="ja-JP" b="1" dirty="0"/>
               <a:t>				11</a:t>
             </a:r>
             <a:r>
-              <a:rPr lang="ja-JP" altLang="en-US" b="1" dirty="0" smtClean="0"/>
+              <a:rPr lang="ja-JP" altLang="en-US" b="1" dirty="0"/>
               <a:t>月</a:t>
             </a:r>
             <a:r>
-              <a:rPr lang="en-US" altLang="ja-JP" b="1" dirty="0" smtClean="0"/>
+              <a:rPr lang="en-US" altLang="ja-JP" b="1" dirty="0"/>
               <a:t>12</a:t>
             </a:r>
             <a:r>
-              <a:rPr lang="ja-JP" altLang="en-US" b="1" dirty="0" smtClean="0"/>
+              <a:rPr lang="ja-JP" altLang="en-US" b="1" dirty="0"/>
               <a:t>日</a:t>
             </a:r>
             <a:r>
-              <a:rPr lang="en-US" altLang="ja-JP" b="1" dirty="0" smtClean="0"/>
+              <a:rPr lang="en-US" altLang="ja-JP" b="1" dirty="0"/>
               <a:t>~12</a:t>
             </a:r>
             <a:r>
-              <a:rPr lang="ja-JP" altLang="en-US" b="1" dirty="0" smtClean="0"/>
+              <a:rPr lang="ja-JP" altLang="en-US" b="1" dirty="0"/>
               <a:t>月</a:t>
             </a:r>
             <a:r>
-              <a:rPr lang="en-US" altLang="ja-JP" b="1" dirty="0" smtClean="0"/>
+              <a:rPr lang="en-US" altLang="ja-JP" b="1" dirty="0"/>
               <a:t>10</a:t>
             </a:r>
             <a:r>
-              <a:rPr lang="ja-JP" altLang="en-US" b="1" dirty="0" smtClean="0"/>
+              <a:rPr lang="ja-JP" altLang="en-US" b="1" dirty="0"/>
               <a:t>日</a:t>
             </a:r>
-            <a:endParaRPr lang="en-US" altLang="ja-JP" b="1" dirty="0" smtClean="0"/>
-          </a:p>
-          <a:p>
-            <a:r>
-              <a:rPr lang="ja-JP" altLang="en-US" b="1" dirty="0" smtClean="0"/>
+            <a:endParaRPr lang="en-US" altLang="ja-JP" b="1" dirty="0"/>
+          </a:p>
+          <a:p>
+            <a:r>
+              <a:rPr lang="ja-JP" altLang="en-US" b="1" dirty="0"/>
               <a:t>・システムテスト</a:t>
             </a:r>
             <a:r>
-              <a:rPr lang="en-US" altLang="ja-JP" b="1" dirty="0" smtClean="0"/>
+              <a:rPr lang="en-US" altLang="ja-JP" b="1" dirty="0"/>
               <a:t>			12</a:t>
             </a:r>
             <a:r>
-              <a:rPr lang="ja-JP" altLang="en-US" b="1" dirty="0" smtClean="0"/>
+              <a:rPr lang="ja-JP" altLang="en-US" b="1" dirty="0"/>
               <a:t>月</a:t>
             </a:r>
             <a:r>
-              <a:rPr lang="en-US" altLang="ja-JP" b="1" dirty="0" smtClean="0"/>
+              <a:rPr lang="en-US" altLang="ja-JP" b="1" dirty="0"/>
               <a:t>10</a:t>
             </a:r>
             <a:r>
-              <a:rPr lang="ja-JP" altLang="en-US" b="1" dirty="0" smtClean="0"/>
+              <a:rPr lang="ja-JP" altLang="en-US" b="1" dirty="0"/>
               <a:t>日</a:t>
             </a:r>
             <a:r>
-              <a:rPr lang="en-US" altLang="ja-JP" b="1" dirty="0" smtClean="0"/>
+              <a:rPr lang="en-US" altLang="ja-JP" b="1" dirty="0"/>
               <a:t>~12</a:t>
             </a:r>
             <a:r>
-              <a:rPr lang="ja-JP" altLang="en-US" b="1" dirty="0" smtClean="0"/>
+              <a:rPr lang="ja-JP" altLang="en-US" b="1" dirty="0"/>
               <a:t>月</a:t>
             </a:r>
             <a:r>
-              <a:rPr lang="en-US" altLang="ja-JP" b="1" dirty="0" smtClean="0"/>
+              <a:rPr lang="en-US" altLang="ja-JP" b="1" dirty="0"/>
               <a:t>25</a:t>
             </a:r>
             <a:r>
-              <a:rPr lang="ja-JP" altLang="en-US" b="1" dirty="0" smtClean="0"/>
+              <a:rPr lang="ja-JP" altLang="en-US" b="1" dirty="0"/>
               <a:t>日</a:t>
             </a:r>
-            <a:endParaRPr lang="en-US" altLang="ja-JP" b="1" dirty="0" smtClean="0"/>
+            <a:endParaRPr lang="en-US" altLang="ja-JP" b="1" dirty="0"/>
           </a:p>
         </p:txBody>
       </p:sp>
@@ -4744,13 +4658,6 @@
   <p:clrMapOvr>
     <a:masterClrMapping/>
   </p:clrMapOvr>
-  <p:timing>
-    <p:tnLst>
-      <p:par>
-        <p:cTn id="1" dur="indefinite" restart="never" nodeType="tmRoot"/>
-      </p:par>
-    </p:tnLst>
-  </p:timing>
 </p:sld>
 </file>
 
@@ -4967,11 +4874,7 @@
           <a:p>
             <a:r>
               <a:rPr lang="ja-JP" altLang="en-US" sz="6000" b="1" dirty="0"/>
-              <a:t>システム</a:t>
-            </a:r>
-            <a:r>
-              <a:rPr lang="ja-JP" altLang="en-US" sz="6000" b="1" dirty="0" smtClean="0"/>
-              <a:t>の目的</a:t>
+              <a:t>システムの目的</a:t>
             </a:r>
             <a:endParaRPr kumimoji="1" lang="ja-JP" altLang="en-US" sz="6000" b="1" dirty="0"/>
           </a:p>
@@ -5000,12 +4903,8 @@
           <a:lstStyle/>
           <a:p>
             <a:r>
-              <a:rPr lang="ja-JP" altLang="ja-JP" sz="3200" b="1" dirty="0" smtClean="0"/>
-              <a:t>現状</a:t>
-            </a:r>
-            <a:r>
               <a:rPr lang="ja-JP" altLang="ja-JP" sz="3200" b="1" dirty="0"/>
-              <a:t>、営業所ごとに在庫を管理しており、営業担当者が在庫状況に応じて事務担当に口頭で発注依頼をしている。そのため、発注ミスやリアルタイムに在庫を把握できないなどの課題を抱えている。</a:t>
+              <a:t>現状、営業所ごとに在庫を管理しており、営業担当者が在庫状況に応じて事務担当に口頭で発注依頼をしている。そのため、発注ミスやリアルタイムに在庫を把握できないなどの課題を抱えている。</a:t>
             </a:r>
           </a:p>
           <a:p>
@@ -5026,13 +4925,6 @@
   <p:clrMapOvr>
     <a:masterClrMapping/>
   </p:clrMapOvr>
-  <p:timing>
-    <p:tnLst>
-      <p:par>
-        <p:cTn id="1" dur="indefinite" restart="never" nodeType="tmRoot"/>
-      </p:par>
-    </p:tnLst>
-  </p:timing>
 </p:sld>
 </file>
 
@@ -5076,7 +4968,7 @@
           <a:lstStyle/>
           <a:p>
             <a:r>
-              <a:rPr lang="ja-JP" altLang="en-US" b="1" dirty="0" smtClean="0">
+              <a:rPr lang="ja-JP" altLang="en-US" b="1" dirty="0">
                 <a:latin typeface="HGSｺﾞｼｯｸM" panose="020B0600000000000000" pitchFamily="50" charset="-128"/>
                 <a:ea typeface="HGSｺﾞｼｯｸM" panose="020B0600000000000000" pitchFamily="50" charset="-128"/>
               </a:rPr>
@@ -5301,7 +5193,7 @@
           <a:p>
             <a:pPr algn="ctr"/>
             <a:r>
-              <a:rPr kumimoji="1" lang="ja-JP" altLang="en-US" sz="2000" dirty="0" smtClean="0">
+              <a:rPr kumimoji="1" lang="ja-JP" altLang="en-US" sz="2000" dirty="0">
                 <a:solidFill>
                   <a:schemeClr val="tx1"/>
                 </a:solidFill>
@@ -5309,7 +5201,7 @@
               <a:t>「ペン</a:t>
             </a:r>
             <a:r>
-              <a:rPr kumimoji="1" lang="en-US" altLang="ja-JP" sz="2000" dirty="0" smtClean="0">
+              <a:rPr kumimoji="1" lang="en-US" altLang="ja-JP" sz="2000" dirty="0">
                 <a:solidFill>
                   <a:schemeClr val="tx1"/>
                 </a:solidFill>
@@ -5317,18 +5209,13 @@
               <a:t>10</a:t>
             </a:r>
             <a:r>
-              <a:rPr kumimoji="1" lang="ja-JP" altLang="en-US" sz="2000" dirty="0" smtClean="0">
+              <a:rPr kumimoji="1" lang="ja-JP" altLang="en-US" sz="2000" dirty="0">
                 <a:solidFill>
                   <a:schemeClr val="tx1"/>
                 </a:solidFill>
               </a:rPr>
               <a:t>本ね！」</a:t>
             </a:r>
-            <a:endParaRPr kumimoji="1" lang="ja-JP" altLang="en-US" sz="2000" dirty="0">
-              <a:solidFill>
-                <a:schemeClr val="tx1"/>
-              </a:solidFill>
-            </a:endParaRPr>
           </a:p>
         </p:txBody>
       </p:sp>
@@ -5375,14 +5262,14 @@
           <a:p>
             <a:pPr algn="ctr"/>
             <a:r>
-              <a:rPr lang="ja-JP" altLang="en-US" sz="2000" dirty="0" smtClean="0">
+              <a:rPr lang="ja-JP" altLang="en-US" sz="2000" dirty="0">
                 <a:solidFill>
                   <a:schemeClr val="tx1"/>
                 </a:solidFill>
               </a:rPr>
               <a:t>分かりました</a:t>
             </a:r>
-            <a:endParaRPr lang="en-US" altLang="ja-JP" sz="2000" dirty="0" smtClean="0">
+            <a:endParaRPr lang="en-US" altLang="ja-JP" sz="2000" dirty="0">
               <a:solidFill>
                 <a:schemeClr val="tx1"/>
               </a:solidFill>
@@ -5391,7 +5278,7 @@
           <a:p>
             <a:pPr algn="ctr"/>
             <a:r>
-              <a:rPr lang="ja-JP" altLang="en-US" sz="2000" dirty="0" smtClean="0">
+              <a:rPr lang="ja-JP" altLang="en-US" sz="2000" dirty="0">
                 <a:solidFill>
                   <a:schemeClr val="tx1"/>
                 </a:solidFill>
@@ -5399,7 +5286,7 @@
               <a:t>「ペン</a:t>
             </a:r>
             <a:r>
-              <a:rPr lang="en-US" altLang="ja-JP" sz="2000" dirty="0" smtClean="0">
+              <a:rPr lang="en-US" altLang="ja-JP" sz="2000" dirty="0">
                 <a:solidFill>
                   <a:schemeClr val="tx1"/>
                 </a:solidFill>
@@ -5407,14 +5294,14 @@
               <a:t>50</a:t>
             </a:r>
             <a:r>
-              <a:rPr lang="ja-JP" altLang="en-US" sz="2000" dirty="0" smtClean="0">
+              <a:rPr lang="ja-JP" altLang="en-US" sz="2000" dirty="0">
                 <a:solidFill>
                   <a:schemeClr val="tx1"/>
                 </a:solidFill>
               </a:rPr>
               <a:t>本ですね！」</a:t>
             </a:r>
-            <a:endParaRPr lang="en-US" altLang="ja-JP" sz="2000" dirty="0" smtClean="0">
+            <a:endParaRPr lang="en-US" altLang="ja-JP" sz="2000" dirty="0">
               <a:solidFill>
                 <a:schemeClr val="tx1"/>
               </a:solidFill>
@@ -5445,10 +5332,9 @@
           <a:lstStyle/>
           <a:p>
             <a:r>
-              <a:rPr kumimoji="1" lang="ja-JP" altLang="en-US" b="1" dirty="0" smtClean="0"/>
+              <a:rPr kumimoji="1" lang="ja-JP" altLang="en-US" b="1" dirty="0"/>
               <a:t>営業担当</a:t>
             </a:r>
-            <a:endParaRPr kumimoji="1" lang="ja-JP" altLang="en-US" b="1" dirty="0"/>
           </a:p>
         </p:txBody>
       </p:sp>
@@ -5475,10 +5361,10 @@
           <a:lstStyle/>
           <a:p>
             <a:r>
-              <a:rPr kumimoji="1" lang="ja-JP" altLang="en-US" b="1" dirty="0" smtClean="0"/>
+              <a:rPr kumimoji="1" lang="ja-JP" altLang="en-US" b="1" dirty="0"/>
               <a:t>事務担当</a:t>
             </a:r>
-            <a:endParaRPr kumimoji="1" lang="en-US" altLang="ja-JP" b="1" dirty="0" smtClean="0"/>
+            <a:endParaRPr kumimoji="1" lang="en-US" altLang="ja-JP" b="1" dirty="0"/>
           </a:p>
         </p:txBody>
       </p:sp>
@@ -5505,11 +5391,11 @@
           <a:lstStyle/>
           <a:p>
             <a:r>
-              <a:rPr kumimoji="1" lang="ja-JP" altLang="en-US" sz="4400" b="1" dirty="0" smtClean="0"/>
+              <a:rPr kumimoji="1" lang="ja-JP" altLang="en-US" sz="4400" b="1" dirty="0"/>
               <a:t>問題点その</a:t>
             </a:r>
             <a:r>
-              <a:rPr lang="ja-JP" altLang="en-US" sz="4400" b="1" dirty="0" smtClean="0"/>
+              <a:rPr lang="ja-JP" altLang="en-US" sz="4400" b="1" dirty="0"/>
               <a:t>１</a:t>
             </a:r>
             <a:endParaRPr kumimoji="1" lang="ja-JP" altLang="en-US" sz="4400" b="1" dirty="0"/>
@@ -5940,7 +5826,7 @@
           <a:lstStyle/>
           <a:p>
             <a:r>
-              <a:rPr lang="ja-JP" altLang="en-US" b="1" dirty="0" smtClean="0">
+              <a:rPr lang="ja-JP" altLang="en-US" b="1" dirty="0">
                 <a:latin typeface="HGSｺﾞｼｯｸM" panose="020B0600000000000000" pitchFamily="50" charset="-128"/>
                 <a:ea typeface="HGSｺﾞｼｯｸM" panose="020B0600000000000000" pitchFamily="50" charset="-128"/>
               </a:rPr>
@@ -5976,7 +5862,7 @@
           <a:lstStyle/>
           <a:p>
             <a:r>
-              <a:rPr kumimoji="1" lang="ja-JP" altLang="en-US" sz="4400" b="1" dirty="0" smtClean="0"/>
+              <a:rPr kumimoji="1" lang="ja-JP" altLang="en-US" sz="4400" b="1" dirty="0"/>
               <a:t>問題点その</a:t>
             </a:r>
             <a:r>
@@ -6051,10 +5937,9 @@
           <a:lstStyle/>
           <a:p>
             <a:r>
-              <a:rPr kumimoji="1" lang="ja-JP" altLang="en-US" b="1" dirty="0" smtClean="0"/>
+              <a:rPr kumimoji="1" lang="ja-JP" altLang="en-US" b="1" dirty="0"/>
               <a:t>倉庫</a:t>
             </a:r>
-            <a:endParaRPr kumimoji="1" lang="ja-JP" altLang="en-US" b="1" dirty="0"/>
           </a:p>
         </p:txBody>
       </p:sp>
@@ -6136,10 +6021,9 @@
           <a:lstStyle/>
           <a:p>
             <a:r>
-              <a:rPr kumimoji="1" lang="ja-JP" altLang="en-US" sz="3600" dirty="0" smtClean="0"/>
+              <a:rPr kumimoji="1" lang="ja-JP" altLang="en-US" sz="3600" dirty="0"/>
               <a:t>出庫</a:t>
             </a:r>
-            <a:endParaRPr kumimoji="1" lang="ja-JP" altLang="en-US" sz="3600" dirty="0"/>
           </a:p>
         </p:txBody>
       </p:sp>
@@ -6166,7 +6050,7 @@
           <a:lstStyle/>
           <a:p>
             <a:r>
-              <a:rPr kumimoji="1" lang="ja-JP" altLang="en-US" sz="3600" b="1" dirty="0" smtClean="0">
+              <a:rPr kumimoji="1" lang="ja-JP" altLang="en-US" sz="3600" b="1" dirty="0">
                 <a:solidFill>
                   <a:srgbClr val="FF0000"/>
                 </a:solidFill>
@@ -6322,10 +6206,9 @@
           <a:lstStyle/>
           <a:p>
             <a:r>
-              <a:rPr kumimoji="1" lang="ja-JP" altLang="en-US" b="1" dirty="0" smtClean="0"/>
+              <a:rPr kumimoji="1" lang="ja-JP" altLang="en-US" b="1" dirty="0"/>
               <a:t>営業所</a:t>
             </a:r>
-            <a:endParaRPr kumimoji="1" lang="ja-JP" altLang="en-US" b="1" dirty="0"/>
           </a:p>
         </p:txBody>
       </p:sp>
@@ -6880,7 +6763,7 @@
           <a:lstStyle/>
           <a:p>
             <a:r>
-              <a:rPr lang="ja-JP" altLang="en-US" b="1" dirty="0" smtClean="0">
+              <a:rPr lang="ja-JP" altLang="en-US" b="1" dirty="0">
                 <a:latin typeface="HGSｺﾞｼｯｸM" panose="020B0600000000000000" pitchFamily="50" charset="-128"/>
                 <a:ea typeface="HGSｺﾞｼｯｸM" panose="020B0600000000000000" pitchFamily="50" charset="-128"/>
               </a:rPr>
@@ -6916,7 +6799,7 @@
           <a:lstStyle/>
           <a:p>
             <a:r>
-              <a:rPr kumimoji="1" lang="ja-JP" altLang="en-US" sz="4400" b="1" dirty="0" smtClean="0"/>
+              <a:rPr kumimoji="1" lang="ja-JP" altLang="en-US" sz="4400" b="1" dirty="0"/>
               <a:t>問題点その</a:t>
             </a:r>
             <a:r>
@@ -6991,10 +6874,9 @@
           <a:lstStyle/>
           <a:p>
             <a:r>
-              <a:rPr kumimoji="1" lang="ja-JP" altLang="en-US" b="1" dirty="0" smtClean="0"/>
+              <a:rPr kumimoji="1" lang="ja-JP" altLang="en-US" b="1" dirty="0"/>
               <a:t>営業所</a:t>
             </a:r>
-            <a:endParaRPr kumimoji="1" lang="ja-JP" altLang="en-US" b="1" dirty="0"/>
           </a:p>
         </p:txBody>
       </p:sp>
@@ -7062,10 +6944,9 @@
           <a:lstStyle/>
           <a:p>
             <a:r>
-              <a:rPr kumimoji="1" lang="ja-JP" altLang="en-US" b="1" dirty="0" smtClean="0"/>
+              <a:rPr kumimoji="1" lang="ja-JP" altLang="en-US" b="1" dirty="0"/>
               <a:t>営業所</a:t>
             </a:r>
-            <a:endParaRPr kumimoji="1" lang="ja-JP" altLang="en-US" b="1" dirty="0"/>
           </a:p>
         </p:txBody>
       </p:sp>
@@ -7133,10 +7014,9 @@
           <a:lstStyle/>
           <a:p>
             <a:r>
-              <a:rPr kumimoji="1" lang="ja-JP" altLang="en-US" b="1" dirty="0" smtClean="0"/>
+              <a:rPr kumimoji="1" lang="ja-JP" altLang="en-US" b="1" dirty="0"/>
               <a:t>営業所</a:t>
             </a:r>
-            <a:endParaRPr kumimoji="1" lang="ja-JP" altLang="en-US" b="1" dirty="0"/>
           </a:p>
         </p:txBody>
       </p:sp>
@@ -7204,10 +7084,9 @@
           <a:lstStyle/>
           <a:p>
             <a:r>
-              <a:rPr kumimoji="1" lang="ja-JP" altLang="en-US" b="1" dirty="0" smtClean="0"/>
+              <a:rPr kumimoji="1" lang="ja-JP" altLang="en-US" b="1" dirty="0"/>
               <a:t>営業所</a:t>
             </a:r>
-            <a:endParaRPr kumimoji="1" lang="ja-JP" altLang="en-US" b="1" dirty="0"/>
           </a:p>
         </p:txBody>
       </p:sp>
@@ -7275,10 +7154,9 @@
           <a:lstStyle/>
           <a:p>
             <a:r>
-              <a:rPr kumimoji="1" lang="ja-JP" altLang="en-US" b="1" dirty="0" smtClean="0"/>
+              <a:rPr kumimoji="1" lang="ja-JP" altLang="en-US" b="1" dirty="0"/>
               <a:t>営業所</a:t>
             </a:r>
-            <a:endParaRPr kumimoji="1" lang="ja-JP" altLang="en-US" b="1" dirty="0"/>
           </a:p>
         </p:txBody>
       </p:sp>
@@ -7346,10 +7224,9 @@
           <a:lstStyle/>
           <a:p>
             <a:r>
-              <a:rPr kumimoji="1" lang="ja-JP" altLang="en-US" b="1" dirty="0" smtClean="0"/>
+              <a:rPr kumimoji="1" lang="ja-JP" altLang="en-US" b="1" dirty="0"/>
               <a:t>倉庫</a:t>
             </a:r>
-            <a:endParaRPr kumimoji="1" lang="ja-JP" altLang="en-US" b="1" dirty="0"/>
           </a:p>
         </p:txBody>
       </p:sp>
@@ -7417,10 +7294,9 @@
           <a:lstStyle/>
           <a:p>
             <a:r>
-              <a:rPr kumimoji="1" lang="ja-JP" altLang="en-US" b="1" dirty="0" smtClean="0"/>
+              <a:rPr kumimoji="1" lang="ja-JP" altLang="en-US" b="1" dirty="0"/>
               <a:t>倉庫</a:t>
             </a:r>
-            <a:endParaRPr kumimoji="1" lang="ja-JP" altLang="en-US" b="1" dirty="0"/>
           </a:p>
         </p:txBody>
       </p:sp>
@@ -7488,10 +7364,9 @@
           <a:lstStyle/>
           <a:p>
             <a:r>
-              <a:rPr kumimoji="1" lang="ja-JP" altLang="en-US" b="1" dirty="0" smtClean="0"/>
+              <a:rPr kumimoji="1" lang="ja-JP" altLang="en-US" b="1" dirty="0"/>
               <a:t>倉庫</a:t>
             </a:r>
-            <a:endParaRPr kumimoji="1" lang="ja-JP" altLang="en-US" b="1" dirty="0"/>
           </a:p>
         </p:txBody>
       </p:sp>
@@ -7559,10 +7434,9 @@
           <a:lstStyle/>
           <a:p>
             <a:r>
-              <a:rPr kumimoji="1" lang="ja-JP" altLang="en-US" b="1" dirty="0" smtClean="0"/>
+              <a:rPr kumimoji="1" lang="ja-JP" altLang="en-US" b="1" dirty="0"/>
               <a:t>倉庫</a:t>
             </a:r>
-            <a:endParaRPr kumimoji="1" lang="ja-JP" altLang="en-US" b="1" dirty="0"/>
           </a:p>
         </p:txBody>
       </p:sp>
@@ -7630,10 +7504,9 @@
           <a:lstStyle/>
           <a:p>
             <a:r>
-              <a:rPr kumimoji="1" lang="ja-JP" altLang="en-US" b="1" dirty="0" smtClean="0"/>
+              <a:rPr kumimoji="1" lang="ja-JP" altLang="en-US" b="1" dirty="0"/>
               <a:t>倉庫</a:t>
             </a:r>
-            <a:endParaRPr kumimoji="1" lang="ja-JP" altLang="en-US" b="1" dirty="0"/>
           </a:p>
         </p:txBody>
       </p:sp>
@@ -7677,18 +7550,13 @@
           <a:p>
             <a:pPr algn="ctr"/>
             <a:r>
-              <a:rPr kumimoji="1" lang="ja-JP" altLang="en-US" sz="4400" dirty="0" smtClean="0">
+              <a:rPr kumimoji="1" lang="ja-JP" altLang="en-US" sz="4400" dirty="0">
                 <a:solidFill>
                   <a:srgbClr val="FFFF00"/>
                 </a:solidFill>
               </a:rPr>
               <a:t>手間がかかっている！！</a:t>
             </a:r>
-            <a:endParaRPr kumimoji="1" lang="ja-JP" altLang="en-US" sz="4400" dirty="0">
-              <a:solidFill>
-                <a:srgbClr val="FFFF00"/>
-              </a:solidFill>
-            </a:endParaRPr>
           </a:p>
         </p:txBody>
       </p:sp>
@@ -8605,7 +8473,7 @@
           <a:lstStyle/>
           <a:p>
             <a:r>
-              <a:rPr lang="ja-JP" altLang="en-US" b="1" dirty="0" smtClean="0">
+              <a:rPr lang="ja-JP" altLang="en-US" b="1" dirty="0">
                 <a:latin typeface="HGSｺﾞｼｯｸM" panose="020B0600000000000000" pitchFamily="50" charset="-128"/>
                 <a:ea typeface="HGSｺﾞｼｯｸM" panose="020B0600000000000000" pitchFamily="50" charset="-128"/>
               </a:rPr>
@@ -8645,19 +8513,19 @@
               <a:t>改善案</a:t>
             </a:r>
             <a:r>
-              <a:rPr kumimoji="1" lang="ja-JP" altLang="en-US" sz="4400" b="1" dirty="0" smtClean="0"/>
+              <a:rPr kumimoji="1" lang="ja-JP" altLang="en-US" sz="4400" b="1" dirty="0"/>
               <a:t>その１</a:t>
             </a:r>
             <a:r>
-              <a:rPr kumimoji="1" lang="en-US" altLang="ja-JP" sz="4400" b="1" dirty="0" smtClean="0"/>
+              <a:rPr kumimoji="1" lang="en-US" altLang="ja-JP" sz="4400" b="1" dirty="0"/>
               <a:t>(</a:t>
             </a:r>
             <a:r>
-              <a:rPr kumimoji="1" lang="ja-JP" altLang="en-US" sz="4400" b="1" dirty="0" smtClean="0"/>
+              <a:rPr kumimoji="1" lang="ja-JP" altLang="en-US" sz="4400" b="1" dirty="0"/>
               <a:t>倉庫</a:t>
             </a:r>
             <a:r>
-              <a:rPr kumimoji="1" lang="en-US" altLang="ja-JP" sz="4400" b="1" dirty="0" smtClean="0"/>
+              <a:rPr kumimoji="1" lang="en-US" altLang="ja-JP" sz="4400" b="1" dirty="0"/>
               <a:t>)</a:t>
             </a:r>
             <a:endParaRPr kumimoji="1" lang="ja-JP" altLang="en-US" sz="4400" b="1" dirty="0"/>
@@ -8728,10 +8596,9 @@
           <a:lstStyle/>
           <a:p>
             <a:r>
-              <a:rPr kumimoji="1" lang="ja-JP" altLang="en-US" b="1" dirty="0" smtClean="0"/>
+              <a:rPr kumimoji="1" lang="ja-JP" altLang="en-US" b="1" dirty="0"/>
               <a:t>倉庫</a:t>
             </a:r>
-            <a:endParaRPr kumimoji="1" lang="ja-JP" altLang="en-US" b="1" dirty="0"/>
           </a:p>
         </p:txBody>
       </p:sp>
@@ -8799,10 +8666,9 @@
           <a:lstStyle/>
           <a:p>
             <a:r>
-              <a:rPr kumimoji="1" lang="ja-JP" altLang="en-US" b="1" dirty="0" smtClean="0"/>
+              <a:rPr kumimoji="1" lang="ja-JP" altLang="en-US" b="1" dirty="0"/>
               <a:t>倉庫</a:t>
             </a:r>
-            <a:endParaRPr kumimoji="1" lang="ja-JP" altLang="en-US" b="1" dirty="0"/>
           </a:p>
         </p:txBody>
       </p:sp>
@@ -8870,10 +8736,9 @@
           <a:lstStyle/>
           <a:p>
             <a:r>
-              <a:rPr kumimoji="1" lang="ja-JP" altLang="en-US" b="1" dirty="0" smtClean="0"/>
+              <a:rPr kumimoji="1" lang="ja-JP" altLang="en-US" b="1" dirty="0"/>
               <a:t>倉庫</a:t>
             </a:r>
-            <a:endParaRPr kumimoji="1" lang="ja-JP" altLang="en-US" b="1" dirty="0"/>
           </a:p>
         </p:txBody>
       </p:sp>
@@ -8941,10 +8806,9 @@
           <a:lstStyle/>
           <a:p>
             <a:r>
-              <a:rPr kumimoji="1" lang="ja-JP" altLang="en-US" b="1" dirty="0" smtClean="0"/>
+              <a:rPr kumimoji="1" lang="ja-JP" altLang="en-US" b="1" dirty="0"/>
               <a:t>倉庫</a:t>
             </a:r>
-            <a:endParaRPr kumimoji="1" lang="ja-JP" altLang="en-US" b="1" dirty="0"/>
           </a:p>
         </p:txBody>
       </p:sp>
@@ -9012,10 +8876,9 @@
           <a:lstStyle/>
           <a:p>
             <a:r>
-              <a:rPr kumimoji="1" lang="ja-JP" altLang="en-US" b="1" dirty="0" smtClean="0"/>
+              <a:rPr kumimoji="1" lang="ja-JP" altLang="en-US" b="1" dirty="0"/>
               <a:t>倉庫</a:t>
             </a:r>
-            <a:endParaRPr kumimoji="1" lang="ja-JP" altLang="en-US" b="1" dirty="0"/>
           </a:p>
         </p:txBody>
       </p:sp>
@@ -9083,10 +8946,9 @@
           <a:lstStyle/>
           <a:p>
             <a:r>
-              <a:rPr kumimoji="1" lang="ja-JP" altLang="en-US" b="1" dirty="0" smtClean="0"/>
+              <a:rPr kumimoji="1" lang="ja-JP" altLang="en-US" b="1" dirty="0"/>
               <a:t>物流倉庫</a:t>
             </a:r>
-            <a:endParaRPr kumimoji="1" lang="ja-JP" altLang="en-US" b="1" dirty="0"/>
           </a:p>
         </p:txBody>
       </p:sp>
@@ -11221,7 +11083,7 @@
           <a:lstStyle/>
           <a:p>
             <a:r>
-              <a:rPr lang="ja-JP" altLang="en-US" b="1" dirty="0" smtClean="0">
+              <a:rPr lang="ja-JP" altLang="en-US" b="1" dirty="0">
                 <a:latin typeface="HGSｺﾞｼｯｸM" panose="020B0600000000000000" pitchFamily="50" charset="-128"/>
                 <a:ea typeface="HGSｺﾞｼｯｸM" panose="020B0600000000000000" pitchFamily="50" charset="-128"/>
               </a:rPr>
@@ -11261,23 +11123,23 @@
               <a:t>改善案</a:t>
             </a:r>
             <a:r>
-              <a:rPr kumimoji="1" lang="ja-JP" altLang="en-US" sz="4400" b="1" dirty="0" smtClean="0"/>
+              <a:rPr kumimoji="1" lang="ja-JP" altLang="en-US" sz="4400" b="1" dirty="0"/>
               <a:t>その</a:t>
             </a:r>
             <a:r>
-              <a:rPr lang="ja-JP" altLang="en-US" sz="4400" b="1" dirty="0" smtClean="0"/>
+              <a:rPr lang="ja-JP" altLang="en-US" sz="4400" b="1" dirty="0"/>
               <a:t>２</a:t>
             </a:r>
             <a:r>
-              <a:rPr lang="en-US" altLang="ja-JP" sz="4400" b="1" dirty="0" smtClean="0"/>
+              <a:rPr lang="en-US" altLang="ja-JP" sz="4400" b="1" dirty="0"/>
               <a:t>(</a:t>
             </a:r>
             <a:r>
-              <a:rPr lang="ja-JP" altLang="en-US" sz="4400" b="1" dirty="0" smtClean="0"/>
+              <a:rPr lang="ja-JP" altLang="en-US" sz="4400" b="1" dirty="0"/>
               <a:t>在庫処理のタイミング</a:t>
             </a:r>
             <a:r>
-              <a:rPr lang="en-US" altLang="ja-JP" sz="4400" b="1" dirty="0" smtClean="0"/>
+              <a:rPr lang="en-US" altLang="ja-JP" sz="4400" b="1" dirty="0"/>
               <a:t>)</a:t>
             </a:r>
             <a:endParaRPr kumimoji="1" lang="ja-JP" altLang="en-US" sz="4400" b="1" dirty="0"/>
@@ -11433,10 +11295,9 @@
           <a:lstStyle/>
           <a:p>
             <a:r>
-              <a:rPr kumimoji="1" lang="ja-JP" altLang="en-US" b="1" dirty="0" smtClean="0"/>
+              <a:rPr kumimoji="1" lang="ja-JP" altLang="en-US" b="1" dirty="0"/>
               <a:t>顧客</a:t>
             </a:r>
-            <a:endParaRPr kumimoji="1" lang="ja-JP" altLang="en-US" b="1" dirty="0"/>
           </a:p>
         </p:txBody>
       </p:sp>
@@ -11545,10 +11406,9 @@
           <a:lstStyle/>
           <a:p>
             <a:r>
-              <a:rPr kumimoji="1" lang="ja-JP" altLang="en-US" b="1" dirty="0" smtClean="0"/>
+              <a:rPr kumimoji="1" lang="ja-JP" altLang="en-US" b="1" dirty="0"/>
               <a:t>営業所</a:t>
             </a:r>
-            <a:endParaRPr kumimoji="1" lang="ja-JP" altLang="en-US" b="1" dirty="0"/>
           </a:p>
         </p:txBody>
       </p:sp>
@@ -11575,18 +11435,13 @@
           <a:lstStyle/>
           <a:p>
             <a:r>
-              <a:rPr kumimoji="1" lang="ja-JP" altLang="en-US" sz="3600" b="1" dirty="0" smtClean="0">
+              <a:rPr kumimoji="1" lang="ja-JP" altLang="en-US" sz="3600" b="1" dirty="0">
                 <a:solidFill>
                   <a:srgbClr val="FF0000"/>
                 </a:solidFill>
               </a:rPr>
               <a:t>在庫数を減らす処理</a:t>
             </a:r>
-            <a:endParaRPr kumimoji="1" lang="ja-JP" altLang="en-US" sz="3600" b="1" dirty="0">
-              <a:solidFill>
-                <a:srgbClr val="FF0000"/>
-              </a:solidFill>
-            </a:endParaRPr>
           </a:p>
         </p:txBody>
       </p:sp>
@@ -12177,7 +12032,7 @@
           <a:lstStyle/>
           <a:p>
             <a:r>
-              <a:rPr lang="ja-JP" altLang="en-US" b="1" dirty="0" smtClean="0">
+              <a:rPr lang="ja-JP" altLang="en-US" b="1" dirty="0">
                 <a:latin typeface="HGSｺﾞｼｯｸM" panose="020B0600000000000000" pitchFamily="50" charset="-128"/>
                 <a:ea typeface="HGSｺﾞｼｯｸM" panose="020B0600000000000000" pitchFamily="50" charset="-128"/>
               </a:rPr>
@@ -12254,10 +12109,9 @@
           <a:lstStyle/>
           <a:p>
             <a:r>
-              <a:rPr kumimoji="1" lang="ja-JP" altLang="en-US" b="1" dirty="0" smtClean="0"/>
+              <a:rPr kumimoji="1" lang="ja-JP" altLang="en-US" b="1" dirty="0"/>
               <a:t>営業担当</a:t>
             </a:r>
-            <a:endParaRPr kumimoji="1" lang="ja-JP" altLang="en-US" b="1" dirty="0"/>
           </a:p>
         </p:txBody>
       </p:sp>
@@ -12292,14 +12146,14 @@
               <a:t>物流</a:t>
             </a:r>
             <a:r>
-              <a:rPr kumimoji="1" lang="ja-JP" altLang="en-US" b="1" dirty="0" smtClean="0">
+              <a:rPr kumimoji="1" lang="ja-JP" altLang="en-US" b="1" dirty="0">
                 <a:solidFill>
                   <a:srgbClr val="FF0000"/>
                 </a:solidFill>
               </a:rPr>
               <a:t>担当</a:t>
             </a:r>
-            <a:endParaRPr kumimoji="1" lang="en-US" altLang="ja-JP" b="1" dirty="0" smtClean="0">
+            <a:endParaRPr kumimoji="1" lang="en-US" altLang="ja-JP" b="1" dirty="0">
               <a:solidFill>
                 <a:srgbClr val="FF0000"/>
               </a:solidFill>
@@ -12330,27 +12184,27 @@
           <a:lstStyle/>
           <a:p>
             <a:r>
-              <a:rPr lang="ja-JP" altLang="en-US" sz="4400" b="1" dirty="0" smtClean="0"/>
+              <a:rPr lang="ja-JP" altLang="en-US" sz="4400" b="1" dirty="0"/>
               <a:t>改善</a:t>
             </a:r>
             <a:r>
-              <a:rPr kumimoji="1" lang="ja-JP" altLang="en-US" sz="4400" b="1" dirty="0" smtClean="0"/>
+              <a:rPr kumimoji="1" lang="ja-JP" altLang="en-US" sz="4400" b="1" dirty="0"/>
               <a:t>点その</a:t>
             </a:r>
             <a:r>
-              <a:rPr lang="ja-JP" altLang="en-US" sz="4400" b="1" dirty="0" smtClean="0"/>
+              <a:rPr lang="ja-JP" altLang="en-US" sz="4400" b="1" dirty="0"/>
               <a:t>３</a:t>
             </a:r>
             <a:r>
-              <a:rPr lang="en-US" altLang="ja-JP" sz="4400" b="1" dirty="0" smtClean="0"/>
+              <a:rPr lang="en-US" altLang="ja-JP" sz="4400" b="1" dirty="0"/>
               <a:t>(</a:t>
             </a:r>
             <a:r>
-              <a:rPr lang="ja-JP" altLang="en-US" sz="4400" b="1" dirty="0" smtClean="0"/>
+              <a:rPr lang="ja-JP" altLang="en-US" sz="4400" b="1" dirty="0"/>
               <a:t>注文内容を口頭で</a:t>
             </a:r>
             <a:r>
-              <a:rPr lang="en-US" altLang="ja-JP" sz="4400" b="1" dirty="0" smtClean="0"/>
+              <a:rPr lang="en-US" altLang="ja-JP" sz="4400" b="1" dirty="0"/>
               <a:t>)</a:t>
             </a:r>
             <a:endParaRPr kumimoji="1" lang="ja-JP" altLang="en-US" sz="4400" b="1" dirty="0"/>
@@ -12445,18 +12299,13 @@
           <a:p>
             <a:pPr algn="ctr"/>
             <a:r>
-              <a:rPr kumimoji="1" lang="ja-JP" altLang="en-US" sz="3200" b="1" dirty="0" smtClean="0">
+              <a:rPr kumimoji="1" lang="ja-JP" altLang="en-US" sz="3200" b="1" dirty="0">
                 <a:solidFill>
                   <a:schemeClr val="tx1"/>
                 </a:solidFill>
               </a:rPr>
               <a:t>電子情報</a:t>
             </a:r>
-            <a:endParaRPr kumimoji="1" lang="ja-JP" altLang="en-US" sz="3200" b="1" dirty="0">
-              <a:solidFill>
-                <a:schemeClr val="tx1"/>
-              </a:solidFill>
-            </a:endParaRPr>
           </a:p>
         </p:txBody>
       </p:sp>
@@ -12879,7 +12728,7 @@
           <a:lstStyle/>
           <a:p>
             <a:r>
-              <a:rPr lang="ja-JP" altLang="en-US" b="1" dirty="0" smtClean="0">
+              <a:rPr lang="ja-JP" altLang="en-US" b="1" dirty="0">
                 <a:latin typeface="HGSｺﾞｼｯｸM" panose="020B0600000000000000" pitchFamily="50" charset="-128"/>
                 <a:ea typeface="HGSｺﾞｼｯｸM" panose="020B0600000000000000" pitchFamily="50" charset="-128"/>
               </a:rPr>
@@ -13079,10 +12928,9 @@
           <a:lstStyle/>
           <a:p>
             <a:r>
-              <a:rPr kumimoji="1" lang="ja-JP" altLang="en-US" dirty="0" smtClean="0"/>
+              <a:rPr kumimoji="1" lang="ja-JP" altLang="en-US" dirty="0"/>
               <a:t>物流倉庫</a:t>
             </a:r>
-            <a:endParaRPr kumimoji="1" lang="ja-JP" altLang="en-US" dirty="0"/>
           </a:p>
         </p:txBody>
       </p:sp>
@@ -13109,10 +12957,9 @@
           <a:lstStyle/>
           <a:p>
             <a:r>
-              <a:rPr kumimoji="1" lang="ja-JP" altLang="en-US" dirty="0" smtClean="0"/>
+              <a:rPr kumimoji="1" lang="ja-JP" altLang="en-US" dirty="0"/>
               <a:t>顧客</a:t>
             </a:r>
-            <a:endParaRPr kumimoji="1" lang="ja-JP" altLang="en-US" dirty="0"/>
           </a:p>
         </p:txBody>
       </p:sp>
@@ -13139,10 +12986,9 @@
           <a:lstStyle/>
           <a:p>
             <a:r>
-              <a:rPr kumimoji="1" lang="ja-JP" altLang="en-US" dirty="0" smtClean="0"/>
+              <a:rPr kumimoji="1" lang="ja-JP" altLang="en-US" dirty="0"/>
               <a:t>メーカー</a:t>
             </a:r>
-            <a:endParaRPr kumimoji="1" lang="ja-JP" altLang="en-US" dirty="0"/>
           </a:p>
         </p:txBody>
       </p:sp>
@@ -13169,10 +13015,9 @@
           <a:lstStyle/>
           <a:p>
             <a:r>
-              <a:rPr kumimoji="1" lang="ja-JP" altLang="en-US" dirty="0" smtClean="0"/>
+              <a:rPr kumimoji="1" lang="ja-JP" altLang="en-US" dirty="0"/>
               <a:t>営業所</a:t>
             </a:r>
-            <a:endParaRPr kumimoji="1" lang="ja-JP" altLang="en-US" dirty="0"/>
           </a:p>
         </p:txBody>
       </p:sp>
@@ -13575,7 +13420,7 @@
           <a:lstStyle/>
           <a:p>
             <a:r>
-              <a:rPr lang="ja-JP" altLang="en-US" sz="3200" dirty="0" smtClean="0"/>
+              <a:rPr lang="ja-JP" altLang="en-US" sz="3200" dirty="0"/>
               <a:t>発注依頼</a:t>
             </a:r>
             <a:endParaRPr kumimoji="1" lang="ja-JP" altLang="en-US" sz="3200" dirty="0"/>
@@ -13590,7 +13435,7 @@
         </p:nvSpPr>
         <p:spPr>
           <a:xfrm rot="19862444">
-            <a:off x="5099725" y="2692136"/>
+            <a:off x="5099726" y="2692136"/>
             <a:ext cx="1005403" cy="584775"/>
           </a:xfrm>
           <a:prstGeom prst="rect">
@@ -13605,10 +13450,9 @@
           <a:lstStyle/>
           <a:p>
             <a:r>
-              <a:rPr lang="ja-JP" altLang="en-US" sz="3200" dirty="0" smtClean="0"/>
-              <a:t>納品</a:t>
-            </a:r>
-            <a:endParaRPr kumimoji="1" lang="ja-JP" altLang="en-US" sz="3200" dirty="0"/>
+              <a:rPr kumimoji="1" lang="ja-JP" altLang="en-US" sz="3200" dirty="0"/>
+              <a:t>出庫</a:t>
+            </a:r>
           </a:p>
         </p:txBody>
       </p:sp>
@@ -13635,8 +13479,8 @@
           <a:lstStyle/>
           <a:p>
             <a:r>
-              <a:rPr lang="ja-JP" altLang="en-US" sz="3200"/>
-              <a:t>入荷</a:t>
+              <a:rPr lang="ja-JP" altLang="en-US" sz="3200" dirty="0"/>
+              <a:t>入庫</a:t>
             </a:r>
             <a:endParaRPr kumimoji="1" lang="ja-JP" altLang="en-US" sz="3200" dirty="0"/>
           </a:p>
@@ -13665,10 +13509,9 @@
           <a:lstStyle/>
           <a:p>
             <a:r>
-              <a:rPr kumimoji="1" lang="ja-JP" altLang="en-US" sz="3200" dirty="0" smtClean="0"/>
+              <a:rPr kumimoji="1" lang="ja-JP" altLang="en-US" sz="3200" dirty="0"/>
               <a:t>発注</a:t>
             </a:r>
-            <a:endParaRPr kumimoji="1" lang="ja-JP" altLang="en-US" sz="3200" dirty="0"/>
           </a:p>
         </p:txBody>
       </p:sp>
